--- a/presentacion.pptx
+++ b/presentacion.pptx
@@ -10,9 +10,14 @@
     <p:sldId id="258" r:id="rId4"/>
     <p:sldId id="259" r:id="rId5"/>
     <p:sldId id="260" r:id="rId6"/>
-    <p:sldId id="261" r:id="rId7"/>
-    <p:sldId id="262" r:id="rId8"/>
-    <p:sldId id="263" r:id="rId9"/>
+    <p:sldId id="266" r:id="rId7"/>
+    <p:sldId id="267" r:id="rId8"/>
+    <p:sldId id="268" r:id="rId9"/>
+    <p:sldId id="261" r:id="rId10"/>
+    <p:sldId id="262" r:id="rId11"/>
+    <p:sldId id="264" r:id="rId12"/>
+    <p:sldId id="263" r:id="rId13"/>
+    <p:sldId id="265" r:id="rId14"/>
   </p:sldIdLst>
   <p:sldSz cx="12192000" cy="6858000"/>
   <p:notesSz cx="6858000" cy="9144000"/>
@@ -111,6 +116,11 @@
       </a:defRPr>
     </a:lvl9pPr>
   </p:defaultTextStyle>
+  <p:extLst>
+    <p:ext uri="{EFAFB233-063F-42B5-8137-9DF3F51BA10A}">
+      <p15:sldGuideLst xmlns:p15="http://schemas.microsoft.com/office/powerpoint/2012/main"/>
+    </p:ext>
+  </p:extLst>
 </p:presentation>
 </file>
 
@@ -4390,7 +4400,7 @@
           <a:p>
             <a:fld id="{48A87A34-81AB-432B-8DAE-1953F412C126}" type="datetimeFigureOut">
               <a:rPr lang="en-US" dirty="0"/>
-              <a:t>9/5/2018</a:t>
+              <a:t>9/7/2018</a:t>
             </a:fld>
             <a:endParaRPr lang="en-US" dirty="0"/>
           </a:p>
@@ -4652,7 +4662,7 @@
           <a:p>
             <a:fld id="{48A87A34-81AB-432B-8DAE-1953F412C126}" type="datetimeFigureOut">
               <a:rPr lang="en-US" dirty="0"/>
-              <a:t>9/5/2018</a:t>
+              <a:t>9/7/2018</a:t>
             </a:fld>
             <a:endParaRPr lang="en-US" dirty="0"/>
           </a:p>
@@ -4843,7 +4853,7 @@
           <a:p>
             <a:fld id="{48A87A34-81AB-432B-8DAE-1953F412C126}" type="datetimeFigureOut">
               <a:rPr lang="en-US" dirty="0"/>
-              <a:t>9/5/2018</a:t>
+              <a:t>9/7/2018</a:t>
             </a:fld>
             <a:endParaRPr lang="en-US" dirty="0"/>
           </a:p>
@@ -5101,7 +5111,7 @@
           <a:p>
             <a:fld id="{48A87A34-81AB-432B-8DAE-1953F412C126}" type="datetimeFigureOut">
               <a:rPr lang="en-US" dirty="0"/>
-              <a:t>9/5/2018</a:t>
+              <a:t>9/7/2018</a:t>
             </a:fld>
             <a:endParaRPr lang="en-US" dirty="0"/>
           </a:p>
@@ -5530,7 +5540,7 @@
           <a:p>
             <a:fld id="{48A87A34-81AB-432B-8DAE-1953F412C126}" type="datetimeFigureOut">
               <a:rPr lang="en-US" dirty="0"/>
-              <a:t>9/5/2018</a:t>
+              <a:t>9/7/2018</a:t>
             </a:fld>
             <a:endParaRPr lang="en-US" dirty="0"/>
           </a:p>
@@ -6071,7 +6081,7 @@
           <a:p>
             <a:fld id="{48A87A34-81AB-432B-8DAE-1953F412C126}" type="datetimeFigureOut">
               <a:rPr lang="en-US" dirty="0"/>
-              <a:t>9/5/2018</a:t>
+              <a:t>9/7/2018</a:t>
             </a:fld>
             <a:endParaRPr lang="en-US" dirty="0"/>
           </a:p>
@@ -6786,7 +6796,7 @@
           <a:p>
             <a:fld id="{48A87A34-81AB-432B-8DAE-1953F412C126}" type="datetimeFigureOut">
               <a:rPr lang="en-US" dirty="0"/>
-              <a:t>9/5/2018</a:t>
+              <a:t>9/7/2018</a:t>
             </a:fld>
             <a:endParaRPr lang="en-US" dirty="0"/>
           </a:p>
@@ -6951,7 +6961,7 @@
           <a:p>
             <a:fld id="{48A87A34-81AB-432B-8DAE-1953F412C126}" type="datetimeFigureOut">
               <a:rPr lang="en-US" dirty="0"/>
-              <a:t>9/5/2018</a:t>
+              <a:t>9/7/2018</a:t>
             </a:fld>
             <a:endParaRPr lang="en-US" dirty="0"/>
           </a:p>
@@ -7126,7 +7136,7 @@
           <a:p>
             <a:fld id="{48A87A34-81AB-432B-8DAE-1953F412C126}" type="datetimeFigureOut">
               <a:rPr lang="en-US" dirty="0"/>
-              <a:t>9/5/2018</a:t>
+              <a:t>9/7/2018</a:t>
             </a:fld>
             <a:endParaRPr lang="en-US" dirty="0"/>
           </a:p>
@@ -7291,7 +7301,7 @@
           <a:p>
             <a:fld id="{48A87A34-81AB-432B-8DAE-1953F412C126}" type="datetimeFigureOut">
               <a:rPr lang="en-US" dirty="0"/>
-              <a:t>9/5/2018</a:t>
+              <a:t>9/7/2018</a:t>
             </a:fld>
             <a:endParaRPr lang="en-US" dirty="0"/>
           </a:p>
@@ -7536,7 +7546,7 @@
           <a:p>
             <a:fld id="{48A87A34-81AB-432B-8DAE-1953F412C126}" type="datetimeFigureOut">
               <a:rPr lang="en-US" dirty="0"/>
-              <a:t>9/5/2018</a:t>
+              <a:t>9/7/2018</a:t>
             </a:fld>
             <a:endParaRPr lang="en-US" dirty="0"/>
           </a:p>
@@ -7763,7 +7773,7 @@
           <a:p>
             <a:fld id="{48A87A34-81AB-432B-8DAE-1953F412C126}" type="datetimeFigureOut">
               <a:rPr lang="en-US" dirty="0"/>
-              <a:t>9/5/2018</a:t>
+              <a:t>9/7/2018</a:t>
             </a:fld>
             <a:endParaRPr lang="en-US" dirty="0"/>
           </a:p>
@@ -8139,7 +8149,7 @@
           <a:p>
             <a:fld id="{48A87A34-81AB-432B-8DAE-1953F412C126}" type="datetimeFigureOut">
               <a:rPr lang="en-US" dirty="0"/>
-              <a:t>9/5/2018</a:t>
+              <a:t>9/7/2018</a:t>
             </a:fld>
             <a:endParaRPr lang="en-US" dirty="0"/>
           </a:p>
@@ -8252,7 +8262,7 @@
           <a:p>
             <a:fld id="{48A87A34-81AB-432B-8DAE-1953F412C126}" type="datetimeFigureOut">
               <a:rPr lang="en-US" dirty="0"/>
-              <a:t>9/5/2018</a:t>
+              <a:t>9/7/2018</a:t>
             </a:fld>
             <a:endParaRPr lang="en-US" dirty="0"/>
           </a:p>
@@ -8342,7 +8352,7 @@
           <a:p>
             <a:fld id="{48A87A34-81AB-432B-8DAE-1953F412C126}" type="datetimeFigureOut">
               <a:rPr lang="en-US" dirty="0"/>
-              <a:t>9/5/2018</a:t>
+              <a:t>9/7/2018</a:t>
             </a:fld>
             <a:endParaRPr lang="en-US" dirty="0"/>
           </a:p>
@@ -8586,7 +8596,7 @@
           <a:p>
             <a:fld id="{48A87A34-81AB-432B-8DAE-1953F412C126}" type="datetimeFigureOut">
               <a:rPr lang="en-US" dirty="0"/>
-              <a:t>9/5/2018</a:t>
+              <a:t>9/7/2018</a:t>
             </a:fld>
             <a:endParaRPr lang="en-US" dirty="0"/>
           </a:p>
@@ -8861,7 +8871,7 @@
           <a:p>
             <a:fld id="{48A87A34-81AB-432B-8DAE-1953F412C126}" type="datetimeFigureOut">
               <a:rPr lang="en-US" dirty="0"/>
-              <a:t>9/5/2018</a:t>
+              <a:t>9/7/2018</a:t>
             </a:fld>
             <a:endParaRPr lang="en-US" dirty="0"/>
           </a:p>
@@ -11934,7 +11944,7 @@
             <a:fld id="{48A87A34-81AB-432B-8DAE-1953F412C126}" type="datetimeFigureOut">
               <a:rPr lang="en-US" dirty="0"/>
               <a:pPr/>
-              <a:t>9/5/2018</a:t>
+              <a:t>9/7/2018</a:t>
             </a:fld>
             <a:endParaRPr lang="en-US" dirty="0"/>
           </a:p>
@@ -12366,12 +12376,21 @@
             <p:ph type="ctrTitle"/>
           </p:nvPr>
         </p:nvSpPr>
-        <p:spPr/>
+        <p:spPr>
+          <a:xfrm>
+            <a:off x="1993156" y="727400"/>
+            <a:ext cx="8791575" cy="2387600"/>
+          </a:xfrm>
+        </p:spPr>
         <p:txBody>
           <a:bodyPr/>
           <a:lstStyle/>
           <a:p>
-            <a:endParaRPr lang="es-CL"/>
+            <a:r>
+              <a:rPr lang="es-ES" dirty="0"/>
+              <a:t>Sistema de mensajería y redes sociales</a:t>
+            </a:r>
+            <a:endParaRPr lang="es-CL" dirty="0"/>
           </a:p>
         </p:txBody>
       </p:sp>
@@ -12396,10 +12415,93 @@
           <a:bodyPr/>
           <a:lstStyle/>
           <a:p>
-            <a:endParaRPr lang="es-CL"/>
+            <a:r>
+              <a:rPr lang="es-CL" dirty="0"/>
+              <a:t>Integrantes:</a:t>
+            </a:r>
+          </a:p>
+          <a:p>
+            <a:r>
+              <a:rPr lang="es-CL" dirty="0"/>
+              <a:t>	-Adolfo Cañoles</a:t>
+            </a:r>
+          </a:p>
+          <a:p>
+            <a:r>
+              <a:rPr lang="es-CL" dirty="0"/>
+              <a:t>	-Juan Contreras</a:t>
+            </a:r>
           </a:p>
         </p:txBody>
       </p:sp>
+      <p:pic>
+        <p:nvPicPr>
+          <p:cNvPr id="4" name="Shape 130">
+            <a:extLst>
+              <a:ext uri="{FF2B5EF4-FFF2-40B4-BE49-F238E27FC236}">
+                <a16:creationId xmlns:a16="http://schemas.microsoft.com/office/drawing/2014/main" id="{90F4B93E-A69A-40ED-A53C-7B4C9E1801DC}"/>
+              </a:ext>
+            </a:extLst>
+          </p:cNvPr>
+          <p:cNvPicPr>
+            <a:picLocks noChangeAspect="1"/>
+          </p:cNvPicPr>
+          <p:nvPr/>
+        </p:nvPicPr>
+        <p:blipFill>
+          <a:blip r:embed="rId2">
+            <a:lum/>
+            <a:alphaModFix/>
+          </a:blip>
+          <a:srcRect/>
+          <a:stretch>
+            <a:fillRect/>
+          </a:stretch>
+        </p:blipFill>
+        <p:spPr>
+          <a:xfrm>
+            <a:off x="694800" y="371159"/>
+            <a:ext cx="1063080" cy="1269360"/>
+          </a:xfrm>
+          <a:prstGeom prst="rect">
+            <a:avLst/>
+          </a:prstGeom>
+          <a:noFill/>
+          <a:ln>
+            <a:noFill/>
+          </a:ln>
+        </p:spPr>
+      </p:pic>
+      <p:pic>
+        <p:nvPicPr>
+          <p:cNvPr id="7" name="Imagen 6">
+            <a:extLst>
+              <a:ext uri="{FF2B5EF4-FFF2-40B4-BE49-F238E27FC236}">
+                <a16:creationId xmlns:a16="http://schemas.microsoft.com/office/drawing/2014/main" id="{E6A3F6C8-540D-4438-9620-19FA7842F685}"/>
+              </a:ext>
+            </a:extLst>
+          </p:cNvPr>
+          <p:cNvPicPr>
+            <a:picLocks noChangeAspect="1"/>
+          </p:cNvPicPr>
+          <p:nvPr/>
+        </p:nvPicPr>
+        <p:blipFill>
+          <a:blip r:embed="rId3"/>
+          <a:stretch>
+            <a:fillRect/>
+          </a:stretch>
+        </p:blipFill>
+        <p:spPr>
+          <a:xfrm>
+            <a:off x="8746353" y="90477"/>
+            <a:ext cx="3138446" cy="1830723"/>
+          </a:xfrm>
+          <a:prstGeom prst="rect">
+            <a:avLst/>
+          </a:prstGeom>
+        </p:spPr>
+      </p:pic>
     </p:spTree>
     <p:extLst>
       <p:ext uri="{BB962C8B-B14F-4D97-AF65-F5344CB8AC3E}">
@@ -12413,603 +12515,7 @@
 </p:sld>
 </file>
 
-<file path=ppt/slides/slide2.xml><?xml version="1.0" encoding="utf-8"?>
-<p:sld xmlns:a="http://schemas.openxmlformats.org/drawingml/2006/main" xmlns:r="http://schemas.openxmlformats.org/officeDocument/2006/relationships" xmlns:p="http://schemas.openxmlformats.org/presentationml/2006/main">
-  <p:cSld>
-    <p:spTree>
-      <p:nvGrpSpPr>
-        <p:cNvPr id="1" name=""/>
-        <p:cNvGrpSpPr/>
-        <p:nvPr/>
-      </p:nvGrpSpPr>
-      <p:grpSpPr>
-        <a:xfrm>
-          <a:off x="0" y="0"/>
-          <a:ext cx="0" cy="0"/>
-          <a:chOff x="0" y="0"/>
-          <a:chExt cx="0" cy="0"/>
-        </a:xfrm>
-      </p:grpSpPr>
-      <p:sp>
-        <p:nvSpPr>
-          <p:cNvPr id="2" name="Título 1">
-            <a:extLst>
-              <a:ext uri="{FF2B5EF4-FFF2-40B4-BE49-F238E27FC236}">
-                <a16:creationId xmlns:a16="http://schemas.microsoft.com/office/drawing/2014/main" id="{9DAB50D7-9294-4D57-A5D9-DB90AC1B9E1C}"/>
-              </a:ext>
-            </a:extLst>
-          </p:cNvPr>
-          <p:cNvSpPr>
-            <a:spLocks noGrp="1"/>
-          </p:cNvSpPr>
-          <p:nvPr>
-            <p:ph type="title"/>
-          </p:nvPr>
-        </p:nvSpPr>
-        <p:spPr/>
-        <p:txBody>
-          <a:bodyPr/>
-          <a:lstStyle/>
-          <a:p>
-            <a:br>
-              <a:rPr lang="es-ES" dirty="0"/>
-            </a:br>
-            <a:r>
-              <a:rPr lang="es-CL" dirty="0"/>
-              <a:t>CLIENTE	</a:t>
-            </a:r>
-          </a:p>
-        </p:txBody>
-      </p:sp>
-      <p:sp>
-        <p:nvSpPr>
-          <p:cNvPr id="3" name="Marcador de contenido 2">
-            <a:extLst>
-              <a:ext uri="{FF2B5EF4-FFF2-40B4-BE49-F238E27FC236}">
-                <a16:creationId xmlns:a16="http://schemas.microsoft.com/office/drawing/2014/main" id="{934A560F-FD94-4CB1-822B-BC88B6E14942}"/>
-              </a:ext>
-            </a:extLst>
-          </p:cNvPr>
-          <p:cNvSpPr>
-            <a:spLocks noGrp="1"/>
-          </p:cNvSpPr>
-          <p:nvPr>
-            <p:ph idx="1"/>
-          </p:nvPr>
-        </p:nvSpPr>
-        <p:spPr/>
-        <p:txBody>
-          <a:bodyPr/>
-          <a:lstStyle/>
-          <a:p>
-            <a:pPr marL="0" indent="0">
-              <a:buNone/>
-            </a:pPr>
-            <a:endParaRPr lang="es-ES" dirty="0"/>
-          </a:p>
-          <a:p>
-            <a:r>
-              <a:rPr lang="es-ES" dirty="0"/>
-              <a:t>Claudia Padilla, Gerenta general de la empresa MEDIACOOP, esta empresa se de dedica a ofrecer servicios de difusión, publicidad ,marketing e información en todos los soportes actuales y futuros</a:t>
-            </a:r>
-            <a:endParaRPr lang="es-CL" dirty="0"/>
-          </a:p>
-        </p:txBody>
-      </p:sp>
-      <p:pic>
-        <p:nvPicPr>
-          <p:cNvPr id="5" name="Imagen 4">
-            <a:extLst>
-              <a:ext uri="{FF2B5EF4-FFF2-40B4-BE49-F238E27FC236}">
-                <a16:creationId xmlns:a16="http://schemas.microsoft.com/office/drawing/2014/main" id="{07F2943E-3DDD-40A9-8592-5BBC00AB035E}"/>
-              </a:ext>
-            </a:extLst>
-          </p:cNvPr>
-          <p:cNvPicPr>
-            <a:picLocks noChangeAspect="1"/>
-          </p:cNvPicPr>
-          <p:nvPr/>
-        </p:nvPicPr>
-        <p:blipFill>
-          <a:blip r:embed="rId2"/>
-          <a:stretch>
-            <a:fillRect/>
-          </a:stretch>
-        </p:blipFill>
-        <p:spPr>
-          <a:xfrm>
-            <a:off x="4950486" y="662292"/>
-            <a:ext cx="5462244" cy="1549753"/>
-          </a:xfrm>
-          <a:prstGeom prst="rect">
-            <a:avLst/>
-          </a:prstGeom>
-        </p:spPr>
-      </p:pic>
-    </p:spTree>
-    <p:extLst>
-      <p:ext uri="{BB962C8B-B14F-4D97-AF65-F5344CB8AC3E}">
-        <p14:creationId xmlns:p14="http://schemas.microsoft.com/office/powerpoint/2010/main" val="3836463641"/>
-      </p:ext>
-    </p:extLst>
-  </p:cSld>
-  <p:clrMapOvr>
-    <a:masterClrMapping/>
-  </p:clrMapOvr>
-</p:sld>
-</file>
-
-<file path=ppt/slides/slide3.xml><?xml version="1.0" encoding="utf-8"?>
-<p:sld xmlns:a="http://schemas.openxmlformats.org/drawingml/2006/main" xmlns:r="http://schemas.openxmlformats.org/officeDocument/2006/relationships" xmlns:p="http://schemas.openxmlformats.org/presentationml/2006/main">
-  <p:cSld>
-    <p:spTree>
-      <p:nvGrpSpPr>
-        <p:cNvPr id="1" name=""/>
-        <p:cNvGrpSpPr/>
-        <p:nvPr/>
-      </p:nvGrpSpPr>
-      <p:grpSpPr>
-        <a:xfrm>
-          <a:off x="0" y="0"/>
-          <a:ext cx="0" cy="0"/>
-          <a:chOff x="0" y="0"/>
-          <a:chExt cx="0" cy="0"/>
-        </a:xfrm>
-      </p:grpSpPr>
-      <p:sp>
-        <p:nvSpPr>
-          <p:cNvPr id="2" name="Título 1">
-            <a:extLst>
-              <a:ext uri="{FF2B5EF4-FFF2-40B4-BE49-F238E27FC236}">
-                <a16:creationId xmlns:a16="http://schemas.microsoft.com/office/drawing/2014/main" id="{E03C2943-2D56-4E20-85BB-7823D13E210A}"/>
-              </a:ext>
-            </a:extLst>
-          </p:cNvPr>
-          <p:cNvSpPr>
-            <a:spLocks noGrp="1"/>
-          </p:cNvSpPr>
-          <p:nvPr>
-            <p:ph type="title"/>
-          </p:nvPr>
-        </p:nvSpPr>
-        <p:spPr/>
-        <p:txBody>
-          <a:bodyPr/>
-          <a:lstStyle/>
-          <a:p>
-            <a:r>
-              <a:rPr lang="es-ES" dirty="0"/>
-              <a:t>PROBLEMA A SOLUCIONAR	</a:t>
-            </a:r>
-            <a:endParaRPr lang="es-CL" dirty="0"/>
-          </a:p>
-        </p:txBody>
-      </p:sp>
-      <p:sp>
-        <p:nvSpPr>
-          <p:cNvPr id="3" name="Marcador de contenido 2">
-            <a:extLst>
-              <a:ext uri="{FF2B5EF4-FFF2-40B4-BE49-F238E27FC236}">
-                <a16:creationId xmlns:a16="http://schemas.microsoft.com/office/drawing/2014/main" id="{C9B29703-830E-4AC8-A13E-80489ACFB4EE}"/>
-              </a:ext>
-            </a:extLst>
-          </p:cNvPr>
-          <p:cNvSpPr>
-            <a:spLocks noGrp="1"/>
-          </p:cNvSpPr>
-          <p:nvPr>
-            <p:ph idx="1"/>
-          </p:nvPr>
-        </p:nvSpPr>
-        <p:spPr/>
-        <p:txBody>
-          <a:bodyPr>
-            <a:normAutofit/>
-          </a:bodyPr>
-          <a:lstStyle/>
-          <a:p>
-            <a:r>
-              <a:rPr lang="es-ES" dirty="0"/>
-              <a:t>Gestión de un Software Informático, que permita, mediante una plataforma,  el  </a:t>
-            </a:r>
-            <a:r>
-              <a:rPr lang="es-ES" b="1" dirty="0"/>
-              <a:t>envío de información vía emails masivos</a:t>
-            </a:r>
-            <a:r>
-              <a:rPr lang="es-ES" dirty="0"/>
-              <a:t> y  </a:t>
-            </a:r>
-            <a:r>
-              <a:rPr lang="es-ES" b="1" dirty="0"/>
-              <a:t>subir contenidos simultáneos a plataforma web y redes sociales  </a:t>
-            </a:r>
-            <a:r>
-              <a:rPr lang="es-ES" dirty="0"/>
-              <a:t>,</a:t>
-            </a:r>
-            <a:r>
-              <a:rPr lang="es-ES" dirty="0" err="1"/>
-              <a:t>facebook</a:t>
-            </a:r>
-            <a:r>
-              <a:rPr lang="es-ES" dirty="0"/>
-              <a:t>, </a:t>
-            </a:r>
-            <a:r>
-              <a:rPr lang="es-ES" dirty="0" err="1"/>
-              <a:t>twitter</a:t>
-            </a:r>
-            <a:r>
-              <a:rPr lang="es-ES" dirty="0"/>
-              <a:t>, </a:t>
-            </a:r>
-            <a:r>
-              <a:rPr lang="es-ES" dirty="0" err="1"/>
-              <a:t>instagram</a:t>
-            </a:r>
-            <a:r>
-              <a:rPr lang="es-ES" dirty="0"/>
-              <a:t>, </a:t>
-            </a:r>
-            <a:r>
-              <a:rPr lang="es-ES" dirty="0" err="1"/>
-              <a:t>etc</a:t>
-            </a:r>
-            <a:r>
-              <a:rPr lang="es-ES" dirty="0"/>
-              <a:t> …</a:t>
-            </a:r>
-            <a:endParaRPr lang="es-CL" dirty="0"/>
-          </a:p>
-        </p:txBody>
-      </p:sp>
-    </p:spTree>
-    <p:extLst>
-      <p:ext uri="{BB962C8B-B14F-4D97-AF65-F5344CB8AC3E}">
-        <p14:creationId xmlns:p14="http://schemas.microsoft.com/office/powerpoint/2010/main" val="726512432"/>
-      </p:ext>
-    </p:extLst>
-  </p:cSld>
-  <p:clrMapOvr>
-    <a:masterClrMapping/>
-  </p:clrMapOvr>
-</p:sld>
-</file>
-
-<file path=ppt/slides/slide4.xml><?xml version="1.0" encoding="utf-8"?>
-<p:sld xmlns:a="http://schemas.openxmlformats.org/drawingml/2006/main" xmlns:r="http://schemas.openxmlformats.org/officeDocument/2006/relationships" xmlns:p="http://schemas.openxmlformats.org/presentationml/2006/main">
-  <p:cSld>
-    <p:spTree>
-      <p:nvGrpSpPr>
-        <p:cNvPr id="1" name=""/>
-        <p:cNvGrpSpPr/>
-        <p:nvPr/>
-      </p:nvGrpSpPr>
-      <p:grpSpPr>
-        <a:xfrm>
-          <a:off x="0" y="0"/>
-          <a:ext cx="0" cy="0"/>
-          <a:chOff x="0" y="0"/>
-          <a:chExt cx="0" cy="0"/>
-        </a:xfrm>
-      </p:grpSpPr>
-      <p:sp>
-        <p:nvSpPr>
-          <p:cNvPr id="2" name="Título 1">
-            <a:extLst>
-              <a:ext uri="{FF2B5EF4-FFF2-40B4-BE49-F238E27FC236}">
-                <a16:creationId xmlns:a16="http://schemas.microsoft.com/office/drawing/2014/main" id="{F7DD3A51-28AA-4FE3-AAA9-D5730B682F65}"/>
-              </a:ext>
-            </a:extLst>
-          </p:cNvPr>
-          <p:cNvSpPr>
-            <a:spLocks noGrp="1"/>
-          </p:cNvSpPr>
-          <p:nvPr>
-            <p:ph type="title"/>
-          </p:nvPr>
-        </p:nvSpPr>
-        <p:spPr/>
-        <p:txBody>
-          <a:bodyPr/>
-          <a:lstStyle/>
-          <a:p>
-            <a:r>
-              <a:rPr lang="es-ES" dirty="0"/>
-              <a:t>REQUERIMIENTOS funcionales</a:t>
-            </a:r>
-            <a:endParaRPr lang="es-CL" dirty="0"/>
-          </a:p>
-        </p:txBody>
-      </p:sp>
-      <p:sp>
-        <p:nvSpPr>
-          <p:cNvPr id="3" name="Marcador de contenido 2">
-            <a:extLst>
-              <a:ext uri="{FF2B5EF4-FFF2-40B4-BE49-F238E27FC236}">
-                <a16:creationId xmlns:a16="http://schemas.microsoft.com/office/drawing/2014/main" id="{A63AE1F2-3387-4C80-99A8-11B01B8D6C49}"/>
-              </a:ext>
-            </a:extLst>
-          </p:cNvPr>
-          <p:cNvSpPr>
-            <a:spLocks noGrp="1"/>
-          </p:cNvSpPr>
-          <p:nvPr>
-            <p:ph idx="1"/>
-          </p:nvPr>
-        </p:nvSpPr>
-        <p:spPr/>
-        <p:txBody>
-          <a:bodyPr/>
-          <a:lstStyle/>
-          <a:p>
-            <a:r>
-              <a:rPr lang="es-ES" dirty="0"/>
-              <a:t>Gestión de una base de datos que contenga correos electrónicos de empresas, socios y clientes.</a:t>
-            </a:r>
-          </a:p>
-          <a:p>
-            <a:r>
-              <a:rPr lang="es-ES" dirty="0"/>
-              <a:t>Selección y filtrado de destinatarios </a:t>
-            </a:r>
-          </a:p>
-          <a:p>
-            <a:r>
-              <a:rPr lang="es-ES" dirty="0"/>
-              <a:t>Envío masivo de correo electrónico</a:t>
-            </a:r>
-          </a:p>
-          <a:p>
-            <a:r>
-              <a:rPr lang="es-ES" dirty="0"/>
-              <a:t>Posteo único escrito en la plataforma, para luego ser replicado de forma automática en Facebook , Twitter e Instagram.</a:t>
-            </a:r>
-            <a:endParaRPr lang="es-CL" dirty="0"/>
-          </a:p>
-        </p:txBody>
-      </p:sp>
-    </p:spTree>
-    <p:extLst>
-      <p:ext uri="{BB962C8B-B14F-4D97-AF65-F5344CB8AC3E}">
-        <p14:creationId xmlns:p14="http://schemas.microsoft.com/office/powerpoint/2010/main" val="1505441313"/>
-      </p:ext>
-    </p:extLst>
-  </p:cSld>
-  <p:clrMapOvr>
-    <a:masterClrMapping/>
-  </p:clrMapOvr>
-</p:sld>
-</file>
-
-<file path=ppt/slides/slide5.xml><?xml version="1.0" encoding="utf-8"?>
-<p:sld xmlns:a="http://schemas.openxmlformats.org/drawingml/2006/main" xmlns:r="http://schemas.openxmlformats.org/officeDocument/2006/relationships" xmlns:p="http://schemas.openxmlformats.org/presentationml/2006/main">
-  <p:cSld>
-    <p:spTree>
-      <p:nvGrpSpPr>
-        <p:cNvPr id="1" name=""/>
-        <p:cNvGrpSpPr/>
-        <p:nvPr/>
-      </p:nvGrpSpPr>
-      <p:grpSpPr>
-        <a:xfrm>
-          <a:off x="0" y="0"/>
-          <a:ext cx="0" cy="0"/>
-          <a:chOff x="0" y="0"/>
-          <a:chExt cx="0" cy="0"/>
-        </a:xfrm>
-      </p:grpSpPr>
-      <p:sp>
-        <p:nvSpPr>
-          <p:cNvPr id="2" name="Título 1">
-            <a:extLst>
-              <a:ext uri="{FF2B5EF4-FFF2-40B4-BE49-F238E27FC236}">
-                <a16:creationId xmlns:a16="http://schemas.microsoft.com/office/drawing/2014/main" id="{86397396-58CE-48FA-B823-0AA179CD95B3}"/>
-              </a:ext>
-            </a:extLst>
-          </p:cNvPr>
-          <p:cNvSpPr>
-            <a:spLocks noGrp="1"/>
-          </p:cNvSpPr>
-          <p:nvPr>
-            <p:ph type="title"/>
-          </p:nvPr>
-        </p:nvSpPr>
-        <p:spPr/>
-        <p:txBody>
-          <a:bodyPr/>
-          <a:lstStyle/>
-          <a:p>
-            <a:r>
-              <a:rPr lang="es-ES" dirty="0"/>
-              <a:t>Requerimientos no funcionales</a:t>
-            </a:r>
-            <a:endParaRPr lang="es-CL" dirty="0"/>
-          </a:p>
-        </p:txBody>
-      </p:sp>
-      <p:sp>
-        <p:nvSpPr>
-          <p:cNvPr id="3" name="Marcador de contenido 2">
-            <a:extLst>
-              <a:ext uri="{FF2B5EF4-FFF2-40B4-BE49-F238E27FC236}">
-                <a16:creationId xmlns:a16="http://schemas.microsoft.com/office/drawing/2014/main" id="{43FF4314-93A1-4038-9372-1AA76D1D6BE3}"/>
-              </a:ext>
-            </a:extLst>
-          </p:cNvPr>
-          <p:cNvSpPr>
-            <a:spLocks noGrp="1"/>
-          </p:cNvSpPr>
-          <p:nvPr>
-            <p:ph idx="1"/>
-          </p:nvPr>
-        </p:nvSpPr>
-        <p:spPr/>
-        <p:txBody>
-          <a:bodyPr/>
-          <a:lstStyle/>
-          <a:p>
-            <a:r>
-              <a:rPr lang="es-ES" dirty="0" err="1"/>
-              <a:t>wsadsadasdsad</a:t>
-            </a:r>
-            <a:endParaRPr lang="es-CL" dirty="0"/>
-          </a:p>
-        </p:txBody>
-      </p:sp>
-    </p:spTree>
-    <p:extLst>
-      <p:ext uri="{BB962C8B-B14F-4D97-AF65-F5344CB8AC3E}">
-        <p14:creationId xmlns:p14="http://schemas.microsoft.com/office/powerpoint/2010/main" val="3648660646"/>
-      </p:ext>
-    </p:extLst>
-  </p:cSld>
-  <p:clrMapOvr>
-    <a:masterClrMapping/>
-  </p:clrMapOvr>
-</p:sld>
-</file>
-
-<file path=ppt/slides/slide6.xml><?xml version="1.0" encoding="utf-8"?>
-<p:sld xmlns:a="http://schemas.openxmlformats.org/drawingml/2006/main" xmlns:r="http://schemas.openxmlformats.org/officeDocument/2006/relationships" xmlns:p="http://schemas.openxmlformats.org/presentationml/2006/main">
-  <p:cSld>
-    <p:spTree>
-      <p:nvGrpSpPr>
-        <p:cNvPr id="1" name=""/>
-        <p:cNvGrpSpPr/>
-        <p:nvPr/>
-      </p:nvGrpSpPr>
-      <p:grpSpPr>
-        <a:xfrm>
-          <a:off x="0" y="0"/>
-          <a:ext cx="0" cy="0"/>
-          <a:chOff x="0" y="0"/>
-          <a:chExt cx="0" cy="0"/>
-        </a:xfrm>
-      </p:grpSpPr>
-      <p:sp>
-        <p:nvSpPr>
-          <p:cNvPr id="2" name="Título 1">
-            <a:extLst>
-              <a:ext uri="{FF2B5EF4-FFF2-40B4-BE49-F238E27FC236}">
-                <a16:creationId xmlns:a16="http://schemas.microsoft.com/office/drawing/2014/main" id="{FB81E4BB-F967-4BDD-9D25-752405B33181}"/>
-              </a:ext>
-            </a:extLst>
-          </p:cNvPr>
-          <p:cNvSpPr>
-            <a:spLocks noGrp="1"/>
-          </p:cNvSpPr>
-          <p:nvPr>
-            <p:ph type="title"/>
-          </p:nvPr>
-        </p:nvSpPr>
-        <p:spPr/>
-        <p:txBody>
-          <a:bodyPr/>
-          <a:lstStyle/>
-          <a:p>
-            <a:r>
-              <a:rPr lang="es-ES" dirty="0"/>
-              <a:t>Arquitectura y metodología</a:t>
-            </a:r>
-            <a:endParaRPr lang="es-CL" dirty="0"/>
-          </a:p>
-        </p:txBody>
-      </p:sp>
-      <p:sp>
-        <p:nvSpPr>
-          <p:cNvPr id="3" name="Marcador de contenido 2">
-            <a:extLst>
-              <a:ext uri="{FF2B5EF4-FFF2-40B4-BE49-F238E27FC236}">
-                <a16:creationId xmlns:a16="http://schemas.microsoft.com/office/drawing/2014/main" id="{FE27836A-7E3F-41C6-BDD1-4BEC11B80206}"/>
-              </a:ext>
-            </a:extLst>
-          </p:cNvPr>
-          <p:cNvSpPr>
-            <a:spLocks noGrp="1"/>
-          </p:cNvSpPr>
-          <p:nvPr>
-            <p:ph idx="1"/>
-          </p:nvPr>
-        </p:nvSpPr>
-        <p:spPr/>
-        <p:txBody>
-          <a:bodyPr/>
-          <a:lstStyle/>
-          <a:p>
-            <a:r>
-              <a:rPr lang="es-ES" dirty="0"/>
-              <a:t>Modelo vista controlador</a:t>
-            </a:r>
-          </a:p>
-          <a:p>
-            <a:endParaRPr lang="es-ES" dirty="0"/>
-          </a:p>
-          <a:p>
-            <a:endParaRPr lang="es-ES" dirty="0"/>
-          </a:p>
-          <a:p>
-            <a:r>
-              <a:rPr lang="es-ES" dirty="0"/>
-              <a:t>Desarrollo ágil: Programación extrema</a:t>
-            </a:r>
-          </a:p>
-          <a:p>
-            <a:endParaRPr lang="es-ES" dirty="0"/>
-          </a:p>
-          <a:p>
-            <a:endParaRPr lang="es-ES" dirty="0"/>
-          </a:p>
-          <a:p>
-            <a:endParaRPr lang="es-CL" dirty="0"/>
-          </a:p>
-        </p:txBody>
-      </p:sp>
-      <p:pic>
-        <p:nvPicPr>
-          <p:cNvPr id="5" name="Imagen 4">
-            <a:extLst>
-              <a:ext uri="{FF2B5EF4-FFF2-40B4-BE49-F238E27FC236}">
-                <a16:creationId xmlns:a16="http://schemas.microsoft.com/office/drawing/2014/main" id="{1846950A-B6E7-4A19-9402-461FC73A2D84}"/>
-              </a:ext>
-            </a:extLst>
-          </p:cNvPr>
-          <p:cNvPicPr>
-            <a:picLocks noChangeAspect="1"/>
-          </p:cNvPicPr>
-          <p:nvPr/>
-        </p:nvPicPr>
-        <p:blipFill>
-          <a:blip r:embed="rId2"/>
-          <a:stretch>
-            <a:fillRect/>
-          </a:stretch>
-        </p:blipFill>
-        <p:spPr>
-          <a:xfrm>
-            <a:off x="7966775" y="3276421"/>
-            <a:ext cx="3210306" cy="3210306"/>
-          </a:xfrm>
-          <a:prstGeom prst="rect">
-            <a:avLst/>
-          </a:prstGeom>
-        </p:spPr>
-      </p:pic>
-    </p:spTree>
-    <p:extLst>
-      <p:ext uri="{BB962C8B-B14F-4D97-AF65-F5344CB8AC3E}">
-        <p14:creationId xmlns:p14="http://schemas.microsoft.com/office/powerpoint/2010/main" val="82861391"/>
-      </p:ext>
-    </p:extLst>
-  </p:cSld>
-  <p:clrMapOvr>
-    <a:masterClrMapping/>
-  </p:clrMapOvr>
-</p:sld>
-</file>
-
-<file path=ppt/slides/slide7.xml><?xml version="1.0" encoding="utf-8"?>
+<file path=ppt/slides/slide10.xml><?xml version="1.0" encoding="utf-8"?>
 <p:sld xmlns:a="http://schemas.openxmlformats.org/drawingml/2006/main" xmlns:r="http://schemas.openxmlformats.org/officeDocument/2006/relationships" xmlns:p="http://schemas.openxmlformats.org/presentationml/2006/main">
   <p:cSld>
     <p:spTree>
@@ -13199,7 +12705,99 @@
 </p:sld>
 </file>
 
-<file path=ppt/slides/slide8.xml><?xml version="1.0" encoding="utf-8"?>
+<file path=ppt/slides/slide11.xml><?xml version="1.0" encoding="utf-8"?>
+<p:sld xmlns:a="http://schemas.openxmlformats.org/drawingml/2006/main" xmlns:r="http://schemas.openxmlformats.org/officeDocument/2006/relationships" xmlns:p="http://schemas.openxmlformats.org/presentationml/2006/main">
+  <p:cSld>
+    <p:spTree>
+      <p:nvGrpSpPr>
+        <p:cNvPr id="1" name=""/>
+        <p:cNvGrpSpPr/>
+        <p:nvPr/>
+      </p:nvGrpSpPr>
+      <p:grpSpPr>
+        <a:xfrm>
+          <a:off x="0" y="0"/>
+          <a:ext cx="0" cy="0"/>
+          <a:chOff x="0" y="0"/>
+          <a:chExt cx="0" cy="0"/>
+        </a:xfrm>
+      </p:grpSpPr>
+      <p:sp>
+        <p:nvSpPr>
+          <p:cNvPr id="2" name="Título 1">
+            <a:extLst>
+              <a:ext uri="{FF2B5EF4-FFF2-40B4-BE49-F238E27FC236}">
+                <a16:creationId xmlns:a16="http://schemas.microsoft.com/office/drawing/2014/main" id="{61AA598D-EB44-45E1-BF2F-4E4504245C33}"/>
+              </a:ext>
+            </a:extLst>
+          </p:cNvPr>
+          <p:cNvSpPr>
+            <a:spLocks noGrp="1"/>
+          </p:cNvSpPr>
+          <p:nvPr>
+            <p:ph type="title"/>
+          </p:nvPr>
+        </p:nvSpPr>
+        <p:spPr>
+          <a:xfrm>
+            <a:off x="1141413" y="125032"/>
+            <a:ext cx="9905998" cy="1478570"/>
+          </a:xfrm>
+        </p:spPr>
+        <p:txBody>
+          <a:bodyPr/>
+          <a:lstStyle/>
+          <a:p>
+            <a:r>
+              <a:rPr lang="es-CL" dirty="0"/>
+              <a:t>Diagrama de proceso: Inicio</a:t>
+            </a:r>
+          </a:p>
+        </p:txBody>
+      </p:sp>
+      <p:pic>
+        <p:nvPicPr>
+          <p:cNvPr id="9" name="Marcador de contenido 8" descr="Imagen que contiene captura de pantalla&#10;&#10;Descripción generada con confianza muy alta">
+            <a:extLst>
+              <a:ext uri="{FF2B5EF4-FFF2-40B4-BE49-F238E27FC236}">
+                <a16:creationId xmlns:a16="http://schemas.microsoft.com/office/drawing/2014/main" id="{3BD0E155-4091-468B-9D1D-A7697C6BA897}"/>
+              </a:ext>
+            </a:extLst>
+          </p:cNvPr>
+          <p:cNvPicPr>
+            <a:picLocks noGrp="1" noChangeAspect="1"/>
+          </p:cNvPicPr>
+          <p:nvPr>
+            <p:ph idx="1"/>
+          </p:nvPr>
+        </p:nvPicPr>
+        <p:blipFill>
+          <a:blip r:embed="rId2"/>
+          <a:stretch>
+            <a:fillRect/>
+          </a:stretch>
+        </p:blipFill>
+        <p:spPr>
+          <a:xfrm>
+            <a:off x="1351722" y="1465943"/>
+            <a:ext cx="9695689" cy="5138057"/>
+          </a:xfrm>
+        </p:spPr>
+      </p:pic>
+    </p:spTree>
+    <p:extLst>
+      <p:ext uri="{BB962C8B-B14F-4D97-AF65-F5344CB8AC3E}">
+        <p14:creationId xmlns:p14="http://schemas.microsoft.com/office/powerpoint/2010/main" val="1153053009"/>
+      </p:ext>
+    </p:extLst>
+  </p:cSld>
+  <p:clrMapOvr>
+    <a:masterClrMapping/>
+  </p:clrMapOvr>
+</p:sld>
+</file>
+
+<file path=ppt/slides/slide12.xml><?xml version="1.0" encoding="utf-8"?>
 <p:sld xmlns:a="http://schemas.openxmlformats.org/drawingml/2006/main" xmlns:r="http://schemas.openxmlformats.org/officeDocument/2006/relationships" xmlns:p="http://schemas.openxmlformats.org/presentationml/2006/main">
   <p:cSld>
     <p:spTree>
@@ -13232,12 +12830,3866 @@
             <p:ph type="title"/>
           </p:nvPr>
         </p:nvSpPr>
+        <p:spPr>
+          <a:xfrm>
+            <a:off x="1144589" y="-339425"/>
+            <a:ext cx="9905998" cy="1478570"/>
+          </a:xfrm>
+        </p:spPr>
+        <p:txBody>
+          <a:bodyPr/>
+          <a:lstStyle/>
+          <a:p>
+            <a:r>
+              <a:rPr lang="es-CL" dirty="0"/>
+              <a:t>Diagramas de Procesos  : Post Múltiple</a:t>
+            </a:r>
+          </a:p>
+        </p:txBody>
+      </p:sp>
+      <p:pic>
+        <p:nvPicPr>
+          <p:cNvPr id="6" name="Marcador de contenido 5" descr="Imagen que contiene captura de pantalla&#10;&#10;Descripción generada con confianza muy alta">
+            <a:extLst>
+              <a:ext uri="{FF2B5EF4-FFF2-40B4-BE49-F238E27FC236}">
+                <a16:creationId xmlns:a16="http://schemas.microsoft.com/office/drawing/2014/main" id="{5DD9A6DD-EB49-499B-8A32-0CBA32196650}"/>
+              </a:ext>
+            </a:extLst>
+          </p:cNvPr>
+          <p:cNvPicPr>
+            <a:picLocks noGrp="1" noChangeAspect="1"/>
+          </p:cNvPicPr>
+          <p:nvPr>
+            <p:ph idx="1"/>
+          </p:nvPr>
+        </p:nvPicPr>
+        <p:blipFill>
+          <a:blip r:embed="rId2"/>
+          <a:stretch>
+            <a:fillRect/>
+          </a:stretch>
+        </p:blipFill>
+        <p:spPr>
+          <a:xfrm>
+            <a:off x="1351720" y="1753758"/>
+            <a:ext cx="9029149" cy="4918711"/>
+          </a:xfrm>
+        </p:spPr>
+      </p:pic>
+    </p:spTree>
+    <p:extLst>
+      <p:ext uri="{BB962C8B-B14F-4D97-AF65-F5344CB8AC3E}">
+        <p14:creationId xmlns:p14="http://schemas.microsoft.com/office/powerpoint/2010/main" val="664467279"/>
+      </p:ext>
+    </p:extLst>
+  </p:cSld>
+  <p:clrMapOvr>
+    <a:masterClrMapping/>
+  </p:clrMapOvr>
+</p:sld>
+</file>
+
+<file path=ppt/slides/slide13.xml><?xml version="1.0" encoding="utf-8"?>
+<p:sld xmlns:a="http://schemas.openxmlformats.org/drawingml/2006/main" xmlns:r="http://schemas.openxmlformats.org/officeDocument/2006/relationships" xmlns:p="http://schemas.openxmlformats.org/presentationml/2006/main">
+  <p:cSld>
+    <p:bg>
+      <p:bgPr>
+        <a:solidFill>
+          <a:schemeClr val="bg1"/>
+        </a:solidFill>
+        <a:effectLst/>
+      </p:bgPr>
+    </p:bg>
+    <p:spTree>
+      <p:nvGrpSpPr>
+        <p:cNvPr id="1" name=""/>
+        <p:cNvGrpSpPr/>
+        <p:nvPr/>
+      </p:nvGrpSpPr>
+      <p:grpSpPr>
+        <a:xfrm>
+          <a:off x="0" y="0"/>
+          <a:ext cx="0" cy="0"/>
+          <a:chOff x="0" y="0"/>
+          <a:chExt cx="0" cy="0"/>
+        </a:xfrm>
+      </p:grpSpPr>
+      <p:sp>
+        <p:nvSpPr>
+          <p:cNvPr id="13" name="Rectangle 12">
+            <a:extLst>
+              <a:ext uri="{FF2B5EF4-FFF2-40B4-BE49-F238E27FC236}">
+                <a16:creationId xmlns:a16="http://schemas.microsoft.com/office/drawing/2014/main" id="{3CBA50DB-DBC7-4B6E-B3C1-8FF1EA519791}"/>
+              </a:ext>
+              <a:ext uri="{C183D7F6-B498-43B3-948B-1728B52AA6E4}">
+                <adec:decorative xmlns:adec="http://schemas.microsoft.com/office/drawing/2017/decorative" val="1"/>
+              </a:ext>
+            </a:extLst>
+          </p:cNvPr>
+          <p:cNvSpPr>
+            <a:spLocks noGrp="1" noRot="1" noChangeAspect="1" noMove="1" noResize="1" noEditPoints="1" noAdjustHandles="1" noChangeArrowheads="1" noChangeShapeType="1" noTextEdit="1"/>
+          </p:cNvSpPr>
+          <p:nvPr>
+            <p:extLst>
+              <p:ext uri="{386F3935-93C4-4BCD-93E2-E3B085C9AB24}">
+                <p16:designElem xmlns:p16="http://schemas.microsoft.com/office/powerpoint/2015/main" val="1"/>
+              </p:ext>
+            </p:extLst>
+          </p:nvPr>
+        </p:nvSpPr>
+        <p:spPr>
+          <a:xfrm>
+            <a:off x="0" y="0"/>
+            <a:ext cx="12192000" cy="6858000"/>
+          </a:xfrm>
+          <a:prstGeom prst="rect">
+            <a:avLst/>
+          </a:prstGeom>
+          <a:ln>
+            <a:noFill/>
+          </a:ln>
+        </p:spPr>
+        <p:style>
+          <a:lnRef idx="2">
+            <a:schemeClr val="accent1">
+              <a:shade val="50000"/>
+            </a:schemeClr>
+          </a:lnRef>
+          <a:fillRef idx="1003">
+            <a:schemeClr val="dk2"/>
+          </a:fillRef>
+          <a:effectRef idx="0">
+            <a:schemeClr val="accent1"/>
+          </a:effectRef>
+          <a:fontRef idx="minor">
+            <a:schemeClr val="lt1"/>
+          </a:fontRef>
+        </p:style>
+        <p:txBody>
+          <a:bodyPr rtlCol="0" anchor="ctr"/>
+          <a:lstStyle/>
+          <a:p>
+            <a:pPr algn="ctr"/>
+            <a:endParaRPr lang="en-US"/>
+          </a:p>
+        </p:txBody>
+      </p:sp>
+      <p:grpSp>
+        <p:nvGrpSpPr>
+          <p:cNvPr id="15" name="Group 14">
+            <a:extLst>
+              <a:ext uri="{FF2B5EF4-FFF2-40B4-BE49-F238E27FC236}">
+                <a16:creationId xmlns:a16="http://schemas.microsoft.com/office/drawing/2014/main" id="{1DED8FB6-AF8D-4D98-913D-E6486FEC1021}"/>
+              </a:ext>
+              <a:ext uri="{C183D7F6-B498-43B3-948B-1728B52AA6E4}">
+                <adec:decorative xmlns:adec="http://schemas.microsoft.com/office/drawing/2017/decorative" val="1"/>
+              </a:ext>
+            </a:extLst>
+          </p:cNvPr>
+          <p:cNvGrpSpPr>
+            <a:grpSpLocks noGrp="1" noUngrp="1" noRot="1" noChangeAspect="1" noMove="1" noResize="1"/>
+          </p:cNvGrpSpPr>
+          <p:nvPr>
+            <p:extLst>
+              <p:ext uri="{386F3935-93C4-4BCD-93E2-E3B085C9AB24}">
+                <p16:designElem xmlns:p16="http://schemas.microsoft.com/office/powerpoint/2015/main" val="1"/>
+              </p:ext>
+            </p:extLst>
+          </p:nvPr>
+        </p:nvGrpSpPr>
+        <p:grpSpPr>
+          <a:xfrm>
+            <a:off x="0" y="0"/>
+            <a:ext cx="11902285" cy="6858001"/>
+            <a:chOff x="0" y="0"/>
+            <a:chExt cx="11902285" cy="6858001"/>
+          </a:xfrm>
+        </p:grpSpPr>
+        <p:grpSp>
+          <p:nvGrpSpPr>
+            <p:cNvPr id="16" name="Group 15">
+              <a:extLst>
+                <a:ext uri="{FF2B5EF4-FFF2-40B4-BE49-F238E27FC236}">
+                  <a16:creationId xmlns:a16="http://schemas.microsoft.com/office/drawing/2014/main" id="{0A805ED2-113B-4584-8827-567B5792F1FA}"/>
+                </a:ext>
+                <a:ext uri="{C183D7F6-B498-43B3-948B-1728B52AA6E4}">
+                  <adec:decorative xmlns:adec="http://schemas.microsoft.com/office/drawing/2017/decorative" val="1"/>
+                </a:ext>
+              </a:extLst>
+            </p:cNvPr>
+            <p:cNvGrpSpPr/>
+            <p:nvPr>
+              <p:extLst>
+                <p:ext uri="{386F3935-93C4-4BCD-93E2-E3B085C9AB24}">
+                  <p16:designElem xmlns:p16="http://schemas.microsoft.com/office/powerpoint/2015/main" val="1"/>
+                </p:ext>
+              </p:extLst>
+            </p:nvPr>
+          </p:nvGrpSpPr>
+          <p:grpSpPr>
+            <a:xfrm>
+              <a:off x="0" y="0"/>
+              <a:ext cx="1220788" cy="6858001"/>
+              <a:chOff x="-14288" y="0"/>
+              <a:chExt cx="1220788" cy="6858001"/>
+            </a:xfrm>
+            <a:gradFill flip="none" rotWithShape="1">
+              <a:gsLst>
+                <a:gs pos="0">
+                  <a:schemeClr val="bg2"/>
+                </a:gs>
+                <a:gs pos="100000">
+                  <a:schemeClr val="tx2">
+                    <a:lumMod val="60000"/>
+                    <a:lumOff val="40000"/>
+                  </a:schemeClr>
+                </a:gs>
+              </a:gsLst>
+              <a:lin ang="5400000" scaled="0"/>
+              <a:tileRect/>
+            </a:gradFill>
+          </p:grpSpPr>
+          <p:sp>
+            <p:nvSpPr>
+              <p:cNvPr id="28" name="Rectangle 5">
+                <a:extLst>
+                  <a:ext uri="{FF2B5EF4-FFF2-40B4-BE49-F238E27FC236}">
+                    <a16:creationId xmlns:a16="http://schemas.microsoft.com/office/drawing/2014/main" id="{C6CF21D8-CC72-4F35-A29E-3AF9E6DA1302}"/>
+                  </a:ext>
+                  <a:ext uri="{C183D7F6-B498-43B3-948B-1728B52AA6E4}">
+                    <adec:decorative xmlns:adec="http://schemas.microsoft.com/office/drawing/2017/decorative" val="1"/>
+                  </a:ext>
+                </a:extLst>
+              </p:cNvPr>
+              <p:cNvSpPr>
+                <a:spLocks noChangeArrowheads="1"/>
+              </p:cNvSpPr>
+              <p:nvPr>
+                <p:extLst>
+                  <p:ext uri="{386F3935-93C4-4BCD-93E2-E3B085C9AB24}">
+                    <p16:designElem xmlns:p16="http://schemas.microsoft.com/office/powerpoint/2015/main" val="1"/>
+                  </p:ext>
+                </p:extLst>
+              </p:nvPr>
+            </p:nvSpPr>
+            <p:spPr bwMode="auto">
+              <a:xfrm>
+                <a:off x="114300" y="4763"/>
+                <a:ext cx="23813" cy="2181225"/>
+              </a:xfrm>
+              <a:prstGeom prst="rect">
+                <a:avLst/>
+              </a:prstGeom>
+              <a:grpFill/>
+              <a:ln>
+                <a:noFill/>
+              </a:ln>
+              <a:extLst>
+                <a:ext uri="{91240B29-F687-4f45-9708-019B960494DF}">
+                  <a14:hiddenLine xmlns:a14="http://schemas.microsoft.com/office/drawing/2010/main" xmlns:p14="http://schemas.microsoft.com/office/powerpoint/2010/main" xmlns:a16="http://schemas.microsoft.com/office/drawing/2014/main" xmlns="" w="9525">
+                    <a:solidFill>
+                      <a:srgbClr val="000000"/>
+                    </a:solidFill>
+                    <a:miter lim="800000"/>
+                    <a:headEnd/>
+                    <a:tailEnd/>
+                  </a14:hiddenLine>
+                </a:ext>
+              </a:extLst>
+            </p:spPr>
+          </p:sp>
+          <p:sp>
+            <p:nvSpPr>
+              <p:cNvPr id="29" name="Freeform 6">
+                <a:extLst>
+                  <a:ext uri="{FF2B5EF4-FFF2-40B4-BE49-F238E27FC236}">
+                    <a16:creationId xmlns:a16="http://schemas.microsoft.com/office/drawing/2014/main" id="{8E60A7C3-087D-47B4-AB5A-C8B1042FD201}"/>
+                  </a:ext>
+                  <a:ext uri="{C183D7F6-B498-43B3-948B-1728B52AA6E4}">
+                    <adec:decorative xmlns:adec="http://schemas.microsoft.com/office/drawing/2017/decorative" val="1"/>
+                  </a:ext>
+                </a:extLst>
+              </p:cNvPr>
+              <p:cNvSpPr>
+                <a:spLocks noEditPoints="1"/>
+              </p:cNvSpPr>
+              <p:nvPr>
+                <p:extLst>
+                  <p:ext uri="{386F3935-93C4-4BCD-93E2-E3B085C9AB24}">
+                    <p16:designElem xmlns:p16="http://schemas.microsoft.com/office/powerpoint/2015/main" val="1"/>
+                  </p:ext>
+                </p:extLst>
+              </p:nvPr>
+            </p:nvSpPr>
+            <p:spPr bwMode="auto">
+              <a:xfrm>
+                <a:off x="33337" y="2176463"/>
+                <a:ext cx="190500" cy="190500"/>
+              </a:xfrm>
+              <a:custGeom>
+                <a:avLst/>
+                <a:gdLst/>
+                <a:ahLst/>
+                <a:cxnLst/>
+                <a:rect l="0" t="0" r="r" b="b"/>
+                <a:pathLst>
+                  <a:path w="40" h="40">
+                    <a:moveTo>
+                      <a:pt x="20" y="40"/>
+                    </a:moveTo>
+                    <a:cubicBezTo>
+                      <a:pt x="9" y="40"/>
+                      <a:pt x="0" y="31"/>
+                      <a:pt x="0" y="20"/>
+                    </a:cubicBezTo>
+                    <a:cubicBezTo>
+                      <a:pt x="0" y="9"/>
+                      <a:pt x="9" y="0"/>
+                      <a:pt x="20" y="0"/>
+                    </a:cubicBezTo>
+                    <a:cubicBezTo>
+                      <a:pt x="31" y="0"/>
+                      <a:pt x="40" y="9"/>
+                      <a:pt x="40" y="20"/>
+                    </a:cubicBezTo>
+                    <a:cubicBezTo>
+                      <a:pt x="40" y="31"/>
+                      <a:pt x="31" y="40"/>
+                      <a:pt x="20" y="40"/>
+                    </a:cubicBezTo>
+                    <a:close/>
+                    <a:moveTo>
+                      <a:pt x="20" y="4"/>
+                    </a:moveTo>
+                    <a:cubicBezTo>
+                      <a:pt x="11" y="4"/>
+                      <a:pt x="4" y="11"/>
+                      <a:pt x="4" y="20"/>
+                    </a:cubicBezTo>
+                    <a:cubicBezTo>
+                      <a:pt x="4" y="29"/>
+                      <a:pt x="11" y="36"/>
+                      <a:pt x="20" y="36"/>
+                    </a:cubicBezTo>
+                    <a:cubicBezTo>
+                      <a:pt x="28" y="36"/>
+                      <a:pt x="36" y="29"/>
+                      <a:pt x="36" y="20"/>
+                    </a:cubicBezTo>
+                    <a:cubicBezTo>
+                      <a:pt x="36" y="11"/>
+                      <a:pt x="28" y="4"/>
+                      <a:pt x="20" y="4"/>
+                    </a:cubicBezTo>
+                    <a:close/>
+                  </a:path>
+                </a:pathLst>
+              </a:custGeom>
+              <a:grpFill/>
+              <a:ln>
+                <a:noFill/>
+              </a:ln>
+              <a:extLst>
+                <a:ext uri="{91240B29-F687-4f45-9708-019B960494DF}">
+                  <a14:hiddenLine xmlns:a14="http://schemas.microsoft.com/office/drawing/2010/main" xmlns:p14="http://schemas.microsoft.com/office/powerpoint/2010/main" xmlns:a16="http://schemas.microsoft.com/office/drawing/2014/main" xmlns="" w="9525">
+                    <a:solidFill>
+                      <a:srgbClr val="000000"/>
+                    </a:solidFill>
+                    <a:round/>
+                    <a:headEnd/>
+                    <a:tailEnd/>
+                  </a14:hiddenLine>
+                </a:ext>
+              </a:extLst>
+            </p:spPr>
+          </p:sp>
+          <p:sp>
+            <p:nvSpPr>
+              <p:cNvPr id="30" name="Freeform 7">
+                <a:extLst>
+                  <a:ext uri="{FF2B5EF4-FFF2-40B4-BE49-F238E27FC236}">
+                    <a16:creationId xmlns:a16="http://schemas.microsoft.com/office/drawing/2014/main" id="{1885EECE-F6D9-4128-BC90-01583BF2699D}"/>
+                  </a:ext>
+                  <a:ext uri="{C183D7F6-B498-43B3-948B-1728B52AA6E4}">
+                    <adec:decorative xmlns:adec="http://schemas.microsoft.com/office/drawing/2017/decorative" val="1"/>
+                  </a:ext>
+                </a:extLst>
+              </p:cNvPr>
+              <p:cNvSpPr>
+                <a:spLocks noEditPoints="1"/>
+              </p:cNvSpPr>
+              <p:nvPr>
+                <p:extLst>
+                  <p:ext uri="{386F3935-93C4-4BCD-93E2-E3B085C9AB24}">
+                    <p16:designElem xmlns:p16="http://schemas.microsoft.com/office/powerpoint/2015/main" val="1"/>
+                  </p:ext>
+                </p:extLst>
+              </p:nvPr>
+            </p:nvSpPr>
+            <p:spPr bwMode="auto">
+              <a:xfrm>
+                <a:off x="28575" y="4021138"/>
+                <a:ext cx="190500" cy="188913"/>
+              </a:xfrm>
+              <a:custGeom>
+                <a:avLst/>
+                <a:gdLst/>
+                <a:ahLst/>
+                <a:cxnLst/>
+                <a:rect l="0" t="0" r="r" b="b"/>
+                <a:pathLst>
+                  <a:path w="40" h="40">
+                    <a:moveTo>
+                      <a:pt x="20" y="40"/>
+                    </a:moveTo>
+                    <a:cubicBezTo>
+                      <a:pt x="9" y="40"/>
+                      <a:pt x="0" y="31"/>
+                      <a:pt x="0" y="20"/>
+                    </a:cubicBezTo>
+                    <a:cubicBezTo>
+                      <a:pt x="0" y="9"/>
+                      <a:pt x="9" y="0"/>
+                      <a:pt x="20" y="0"/>
+                    </a:cubicBezTo>
+                    <a:cubicBezTo>
+                      <a:pt x="31" y="0"/>
+                      <a:pt x="40" y="9"/>
+                      <a:pt x="40" y="20"/>
+                    </a:cubicBezTo>
+                    <a:cubicBezTo>
+                      <a:pt x="40" y="31"/>
+                      <a:pt x="31" y="40"/>
+                      <a:pt x="20" y="40"/>
+                    </a:cubicBezTo>
+                    <a:close/>
+                    <a:moveTo>
+                      <a:pt x="20" y="4"/>
+                    </a:moveTo>
+                    <a:cubicBezTo>
+                      <a:pt x="12" y="4"/>
+                      <a:pt x="4" y="11"/>
+                      <a:pt x="4" y="20"/>
+                    </a:cubicBezTo>
+                    <a:cubicBezTo>
+                      <a:pt x="4" y="29"/>
+                      <a:pt x="12" y="36"/>
+                      <a:pt x="20" y="36"/>
+                    </a:cubicBezTo>
+                    <a:cubicBezTo>
+                      <a:pt x="29" y="36"/>
+                      <a:pt x="36" y="29"/>
+                      <a:pt x="36" y="20"/>
+                    </a:cubicBezTo>
+                    <a:cubicBezTo>
+                      <a:pt x="36" y="11"/>
+                      <a:pt x="29" y="4"/>
+                      <a:pt x="20" y="4"/>
+                    </a:cubicBezTo>
+                    <a:close/>
+                  </a:path>
+                </a:pathLst>
+              </a:custGeom>
+              <a:grpFill/>
+              <a:ln>
+                <a:noFill/>
+              </a:ln>
+              <a:extLst>
+                <a:ext uri="{91240B29-F687-4f45-9708-019B960494DF}">
+                  <a14:hiddenLine xmlns:a14="http://schemas.microsoft.com/office/drawing/2010/main" xmlns:p14="http://schemas.microsoft.com/office/powerpoint/2010/main" xmlns:a16="http://schemas.microsoft.com/office/drawing/2014/main" xmlns="" w="9525">
+                    <a:solidFill>
+                      <a:srgbClr val="000000"/>
+                    </a:solidFill>
+                    <a:round/>
+                    <a:headEnd/>
+                    <a:tailEnd/>
+                  </a14:hiddenLine>
+                </a:ext>
+              </a:extLst>
+            </p:spPr>
+          </p:sp>
+          <p:sp>
+            <p:nvSpPr>
+              <p:cNvPr id="31" name="Freeform 8">
+                <a:extLst>
+                  <a:ext uri="{FF2B5EF4-FFF2-40B4-BE49-F238E27FC236}">
+                    <a16:creationId xmlns:a16="http://schemas.microsoft.com/office/drawing/2014/main" id="{F44AA128-AA96-4FF2-A1C3-F9D2E7FD38CA}"/>
+                  </a:ext>
+                  <a:ext uri="{C183D7F6-B498-43B3-948B-1728B52AA6E4}">
+                    <adec:decorative xmlns:adec="http://schemas.microsoft.com/office/drawing/2017/decorative" val="1"/>
+                  </a:ext>
+                </a:extLst>
+              </p:cNvPr>
+              <p:cNvSpPr/>
+              <p:nvPr>
+                <p:extLst>
+                  <p:ext uri="{386F3935-93C4-4BCD-93E2-E3B085C9AB24}">
+                    <p16:designElem xmlns:p16="http://schemas.microsoft.com/office/powerpoint/2015/main" val="1"/>
+                  </p:ext>
+                </p:extLst>
+              </p:nvPr>
+            </p:nvSpPr>
+            <p:spPr bwMode="auto">
+              <a:xfrm>
+                <a:off x="200025" y="4763"/>
+                <a:ext cx="369888" cy="1811338"/>
+              </a:xfrm>
+              <a:custGeom>
+                <a:avLst/>
+                <a:gdLst/>
+                <a:ahLst/>
+                <a:cxnLst/>
+                <a:rect l="0" t="0" r="r" b="b"/>
+                <a:pathLst>
+                  <a:path w="233" h="1141">
+                    <a:moveTo>
+                      <a:pt x="218" y="1141"/>
+                    </a:moveTo>
+                    <a:lnTo>
+                      <a:pt x="0" y="626"/>
+                    </a:lnTo>
+                    <a:lnTo>
+                      <a:pt x="0" y="0"/>
+                    </a:lnTo>
+                    <a:lnTo>
+                      <a:pt x="15" y="0"/>
+                    </a:lnTo>
+                    <a:lnTo>
+                      <a:pt x="15" y="623"/>
+                    </a:lnTo>
+                    <a:lnTo>
+                      <a:pt x="233" y="1135"/>
+                    </a:lnTo>
+                    <a:lnTo>
+                      <a:pt x="218" y="1141"/>
+                    </a:lnTo>
+                    <a:close/>
+                  </a:path>
+                </a:pathLst>
+              </a:custGeom>
+              <a:grpFill/>
+              <a:ln>
+                <a:noFill/>
+              </a:ln>
+              <a:extLst>
+                <a:ext uri="{91240B29-F687-4f45-9708-019B960494DF}">
+                  <a14:hiddenLine xmlns:a14="http://schemas.microsoft.com/office/drawing/2010/main" xmlns:p14="http://schemas.microsoft.com/office/powerpoint/2010/main" xmlns:a16="http://schemas.microsoft.com/office/drawing/2014/main" xmlns="" w="9525">
+                    <a:solidFill>
+                      <a:srgbClr val="000000"/>
+                    </a:solidFill>
+                    <a:round/>
+                    <a:headEnd/>
+                    <a:tailEnd/>
+                  </a14:hiddenLine>
+                </a:ext>
+              </a:extLst>
+            </p:spPr>
+          </p:sp>
+          <p:sp>
+            <p:nvSpPr>
+              <p:cNvPr id="32" name="Freeform 9">
+                <a:extLst>
+                  <a:ext uri="{FF2B5EF4-FFF2-40B4-BE49-F238E27FC236}">
+                    <a16:creationId xmlns:a16="http://schemas.microsoft.com/office/drawing/2014/main" id="{7E52DC12-230B-4892-B284-F2FE9DE16A7C}"/>
+                  </a:ext>
+                  <a:ext uri="{C183D7F6-B498-43B3-948B-1728B52AA6E4}">
+                    <adec:decorative xmlns:adec="http://schemas.microsoft.com/office/drawing/2017/decorative" val="1"/>
+                  </a:ext>
+                </a:extLst>
+              </p:cNvPr>
+              <p:cNvSpPr>
+                <a:spLocks noEditPoints="1"/>
+              </p:cNvSpPr>
+              <p:nvPr>
+                <p:extLst>
+                  <p:ext uri="{386F3935-93C4-4BCD-93E2-E3B085C9AB24}">
+                    <p16:designElem xmlns:p16="http://schemas.microsoft.com/office/powerpoint/2015/main" val="1"/>
+                  </p:ext>
+                </p:extLst>
+              </p:nvPr>
+            </p:nvSpPr>
+            <p:spPr bwMode="auto">
+              <a:xfrm>
+                <a:off x="503237" y="1801813"/>
+                <a:ext cx="190500" cy="188913"/>
+              </a:xfrm>
+              <a:custGeom>
+                <a:avLst/>
+                <a:gdLst/>
+                <a:ahLst/>
+                <a:cxnLst/>
+                <a:rect l="0" t="0" r="r" b="b"/>
+                <a:pathLst>
+                  <a:path w="40" h="40">
+                    <a:moveTo>
+                      <a:pt x="20" y="40"/>
+                    </a:moveTo>
+                    <a:cubicBezTo>
+                      <a:pt x="9" y="40"/>
+                      <a:pt x="0" y="31"/>
+                      <a:pt x="0" y="20"/>
+                    </a:cubicBezTo>
+                    <a:cubicBezTo>
+                      <a:pt x="0" y="9"/>
+                      <a:pt x="9" y="0"/>
+                      <a:pt x="20" y="0"/>
+                    </a:cubicBezTo>
+                    <a:cubicBezTo>
+                      <a:pt x="33" y="0"/>
+                      <a:pt x="40" y="6"/>
+                      <a:pt x="40" y="20"/>
+                    </a:cubicBezTo>
+                    <a:cubicBezTo>
+                      <a:pt x="40" y="31"/>
+                      <a:pt x="31" y="40"/>
+                      <a:pt x="20" y="40"/>
+                    </a:cubicBezTo>
+                    <a:close/>
+                    <a:moveTo>
+                      <a:pt x="20" y="4"/>
+                    </a:moveTo>
+                    <a:cubicBezTo>
+                      <a:pt x="11" y="4"/>
+                      <a:pt x="4" y="11"/>
+                      <a:pt x="4" y="20"/>
+                    </a:cubicBezTo>
+                    <a:cubicBezTo>
+                      <a:pt x="4" y="29"/>
+                      <a:pt x="11" y="36"/>
+                      <a:pt x="20" y="36"/>
+                    </a:cubicBezTo>
+                    <a:cubicBezTo>
+                      <a:pt x="28" y="36"/>
+                      <a:pt x="36" y="29"/>
+                      <a:pt x="36" y="20"/>
+                    </a:cubicBezTo>
+                    <a:cubicBezTo>
+                      <a:pt x="36" y="9"/>
+                      <a:pt x="31" y="4"/>
+                      <a:pt x="20" y="4"/>
+                    </a:cubicBezTo>
+                    <a:close/>
+                  </a:path>
+                </a:pathLst>
+              </a:custGeom>
+              <a:grpFill/>
+              <a:ln>
+                <a:noFill/>
+              </a:ln>
+              <a:extLst>
+                <a:ext uri="{91240B29-F687-4f45-9708-019B960494DF}">
+                  <a14:hiddenLine xmlns:a14="http://schemas.microsoft.com/office/drawing/2010/main" xmlns:p14="http://schemas.microsoft.com/office/powerpoint/2010/main" xmlns:a16="http://schemas.microsoft.com/office/drawing/2014/main" xmlns="" w="9525">
+                    <a:solidFill>
+                      <a:srgbClr val="000000"/>
+                    </a:solidFill>
+                    <a:round/>
+                    <a:headEnd/>
+                    <a:tailEnd/>
+                  </a14:hiddenLine>
+                </a:ext>
+              </a:extLst>
+            </p:spPr>
+          </p:sp>
+          <p:sp>
+            <p:nvSpPr>
+              <p:cNvPr id="33" name="Freeform 10">
+                <a:extLst>
+                  <a:ext uri="{FF2B5EF4-FFF2-40B4-BE49-F238E27FC236}">
+                    <a16:creationId xmlns:a16="http://schemas.microsoft.com/office/drawing/2014/main" id="{A68FBF9E-B81A-41D0-8A03-6CFC30811D1F}"/>
+                  </a:ext>
+                  <a:ext uri="{C183D7F6-B498-43B3-948B-1728B52AA6E4}">
+                    <adec:decorative xmlns:adec="http://schemas.microsoft.com/office/drawing/2017/decorative" val="1"/>
+                  </a:ext>
+                </a:extLst>
+              </p:cNvPr>
+              <p:cNvSpPr/>
+              <p:nvPr>
+                <p:extLst>
+                  <p:ext uri="{386F3935-93C4-4BCD-93E2-E3B085C9AB24}">
+                    <p16:designElem xmlns:p16="http://schemas.microsoft.com/office/powerpoint/2015/main" val="1"/>
+                  </p:ext>
+                </p:extLst>
+              </p:nvPr>
+            </p:nvSpPr>
+            <p:spPr bwMode="auto">
+              <a:xfrm>
+                <a:off x="285750" y="4763"/>
+                <a:ext cx="369888" cy="1430338"/>
+              </a:xfrm>
+              <a:custGeom>
+                <a:avLst/>
+                <a:gdLst/>
+                <a:ahLst/>
+                <a:cxnLst/>
+                <a:rect l="0" t="0" r="r" b="b"/>
+                <a:pathLst>
+                  <a:path w="233" h="901">
+                    <a:moveTo>
+                      <a:pt x="221" y="901"/>
+                    </a:moveTo>
+                    <a:lnTo>
+                      <a:pt x="0" y="383"/>
+                    </a:lnTo>
+                    <a:lnTo>
+                      <a:pt x="0" y="0"/>
+                    </a:lnTo>
+                    <a:lnTo>
+                      <a:pt x="18" y="0"/>
+                    </a:lnTo>
+                    <a:lnTo>
+                      <a:pt x="18" y="380"/>
+                    </a:lnTo>
+                    <a:lnTo>
+                      <a:pt x="233" y="895"/>
+                    </a:lnTo>
+                    <a:lnTo>
+                      <a:pt x="221" y="901"/>
+                    </a:lnTo>
+                    <a:close/>
+                  </a:path>
+                </a:pathLst>
+              </a:custGeom>
+              <a:grpFill/>
+              <a:ln>
+                <a:noFill/>
+              </a:ln>
+              <a:extLst>
+                <a:ext uri="{91240B29-F687-4f45-9708-019B960494DF}">
+                  <a14:hiddenLine xmlns:a14="http://schemas.microsoft.com/office/drawing/2010/main" xmlns:p14="http://schemas.microsoft.com/office/powerpoint/2010/main" xmlns:a16="http://schemas.microsoft.com/office/drawing/2014/main" xmlns="" w="9525">
+                    <a:solidFill>
+                      <a:srgbClr val="000000"/>
+                    </a:solidFill>
+                    <a:round/>
+                    <a:headEnd/>
+                    <a:tailEnd/>
+                  </a14:hiddenLine>
+                </a:ext>
+              </a:extLst>
+            </p:spPr>
+          </p:sp>
+          <p:sp>
+            <p:nvSpPr>
+              <p:cNvPr id="34" name="Freeform 11">
+                <a:extLst>
+                  <a:ext uri="{FF2B5EF4-FFF2-40B4-BE49-F238E27FC236}">
+                    <a16:creationId xmlns:a16="http://schemas.microsoft.com/office/drawing/2014/main" id="{B0047F84-8480-494F-9241-39FF17CFFFAE}"/>
+                  </a:ext>
+                  <a:ext uri="{C183D7F6-B498-43B3-948B-1728B52AA6E4}">
+                    <adec:decorative xmlns:adec="http://schemas.microsoft.com/office/drawing/2017/decorative" val="1"/>
+                  </a:ext>
+                </a:extLst>
+              </p:cNvPr>
+              <p:cNvSpPr/>
+              <p:nvPr>
+                <p:extLst>
+                  <p:ext uri="{386F3935-93C4-4BCD-93E2-E3B085C9AB24}">
+                    <p16:designElem xmlns:p16="http://schemas.microsoft.com/office/powerpoint/2015/main" val="1"/>
+                  </p:ext>
+                </p:extLst>
+              </p:nvPr>
+            </p:nvSpPr>
+            <p:spPr bwMode="auto">
+              <a:xfrm>
+                <a:off x="546100" y="0"/>
+                <a:ext cx="152400" cy="912813"/>
+              </a:xfrm>
+              <a:custGeom>
+                <a:avLst/>
+                <a:gdLst/>
+                <a:ahLst/>
+                <a:cxnLst/>
+                <a:rect l="0" t="0" r="r" b="b"/>
+                <a:pathLst>
+                  <a:path w="96" h="575">
+                    <a:moveTo>
+                      <a:pt x="96" y="575"/>
+                    </a:moveTo>
+                    <a:lnTo>
+                      <a:pt x="78" y="575"/>
+                    </a:lnTo>
+                    <a:lnTo>
+                      <a:pt x="78" y="192"/>
+                    </a:lnTo>
+                    <a:lnTo>
+                      <a:pt x="0" y="6"/>
+                    </a:lnTo>
+                    <a:lnTo>
+                      <a:pt x="15" y="0"/>
+                    </a:lnTo>
+                    <a:lnTo>
+                      <a:pt x="96" y="189"/>
+                    </a:lnTo>
+                    <a:lnTo>
+                      <a:pt x="96" y="575"/>
+                    </a:lnTo>
+                    <a:close/>
+                  </a:path>
+                </a:pathLst>
+              </a:custGeom>
+              <a:grpFill/>
+              <a:ln>
+                <a:noFill/>
+              </a:ln>
+              <a:extLst>
+                <a:ext uri="{91240B29-F687-4f45-9708-019B960494DF}">
+                  <a14:hiddenLine xmlns:a14="http://schemas.microsoft.com/office/drawing/2010/main" xmlns:p14="http://schemas.microsoft.com/office/powerpoint/2010/main" xmlns:a16="http://schemas.microsoft.com/office/drawing/2014/main" xmlns="" w="9525">
+                    <a:solidFill>
+                      <a:srgbClr val="000000"/>
+                    </a:solidFill>
+                    <a:round/>
+                    <a:headEnd/>
+                    <a:tailEnd/>
+                  </a14:hiddenLine>
+                </a:ext>
+              </a:extLst>
+            </p:spPr>
+          </p:sp>
+          <p:sp>
+            <p:nvSpPr>
+              <p:cNvPr id="35" name="Freeform 12">
+                <a:extLst>
+                  <a:ext uri="{FF2B5EF4-FFF2-40B4-BE49-F238E27FC236}">
+                    <a16:creationId xmlns:a16="http://schemas.microsoft.com/office/drawing/2014/main" id="{8CAF76D8-4B95-4A8E-9EE5-8CCC0A7AD2CA}"/>
+                  </a:ext>
+                  <a:ext uri="{C183D7F6-B498-43B3-948B-1728B52AA6E4}">
+                    <adec:decorative xmlns:adec="http://schemas.microsoft.com/office/drawing/2017/decorative" val="1"/>
+                  </a:ext>
+                </a:extLst>
+              </p:cNvPr>
+              <p:cNvSpPr>
+                <a:spLocks noEditPoints="1"/>
+              </p:cNvSpPr>
+              <p:nvPr>
+                <p:extLst>
+                  <p:ext uri="{386F3935-93C4-4BCD-93E2-E3B085C9AB24}">
+                    <p16:designElem xmlns:p16="http://schemas.microsoft.com/office/powerpoint/2015/main" val="1"/>
+                  </p:ext>
+                </p:extLst>
+              </p:nvPr>
+            </p:nvSpPr>
+            <p:spPr bwMode="auto">
+              <a:xfrm>
+                <a:off x="588962" y="1420813"/>
+                <a:ext cx="190500" cy="190500"/>
+              </a:xfrm>
+              <a:custGeom>
+                <a:avLst/>
+                <a:gdLst/>
+                <a:ahLst/>
+                <a:cxnLst/>
+                <a:rect l="0" t="0" r="r" b="b"/>
+                <a:pathLst>
+                  <a:path w="40" h="40">
+                    <a:moveTo>
+                      <a:pt x="20" y="40"/>
+                    </a:moveTo>
+                    <a:cubicBezTo>
+                      <a:pt x="9" y="40"/>
+                      <a:pt x="0" y="31"/>
+                      <a:pt x="0" y="20"/>
+                    </a:cubicBezTo>
+                    <a:cubicBezTo>
+                      <a:pt x="0" y="9"/>
+                      <a:pt x="9" y="0"/>
+                      <a:pt x="20" y="0"/>
+                    </a:cubicBezTo>
+                    <a:cubicBezTo>
+                      <a:pt x="33" y="0"/>
+                      <a:pt x="40" y="7"/>
+                      <a:pt x="40" y="20"/>
+                    </a:cubicBezTo>
+                    <a:cubicBezTo>
+                      <a:pt x="40" y="31"/>
+                      <a:pt x="31" y="40"/>
+                      <a:pt x="20" y="40"/>
+                    </a:cubicBezTo>
+                    <a:close/>
+                    <a:moveTo>
+                      <a:pt x="20" y="4"/>
+                    </a:moveTo>
+                    <a:cubicBezTo>
+                      <a:pt x="11" y="4"/>
+                      <a:pt x="4" y="11"/>
+                      <a:pt x="4" y="20"/>
+                    </a:cubicBezTo>
+                    <a:cubicBezTo>
+                      <a:pt x="4" y="29"/>
+                      <a:pt x="11" y="36"/>
+                      <a:pt x="20" y="36"/>
+                    </a:cubicBezTo>
+                    <a:cubicBezTo>
+                      <a:pt x="29" y="36"/>
+                      <a:pt x="36" y="29"/>
+                      <a:pt x="36" y="20"/>
+                    </a:cubicBezTo>
+                    <a:cubicBezTo>
+                      <a:pt x="36" y="9"/>
+                      <a:pt x="31" y="4"/>
+                      <a:pt x="20" y="4"/>
+                    </a:cubicBezTo>
+                    <a:close/>
+                  </a:path>
+                </a:pathLst>
+              </a:custGeom>
+              <a:grpFill/>
+              <a:ln>
+                <a:noFill/>
+              </a:ln>
+              <a:extLst>
+                <a:ext uri="{91240B29-F687-4f45-9708-019B960494DF}">
+                  <a14:hiddenLine xmlns:a14="http://schemas.microsoft.com/office/drawing/2010/main" xmlns:p14="http://schemas.microsoft.com/office/powerpoint/2010/main" xmlns:a16="http://schemas.microsoft.com/office/drawing/2014/main" xmlns="" w="9525">
+                    <a:solidFill>
+                      <a:srgbClr val="000000"/>
+                    </a:solidFill>
+                    <a:round/>
+                    <a:headEnd/>
+                    <a:tailEnd/>
+                  </a14:hiddenLine>
+                </a:ext>
+              </a:extLst>
+            </p:spPr>
+          </p:sp>
+          <p:sp>
+            <p:nvSpPr>
+              <p:cNvPr id="36" name="Freeform 13">
+                <a:extLst>
+                  <a:ext uri="{FF2B5EF4-FFF2-40B4-BE49-F238E27FC236}">
+                    <a16:creationId xmlns:a16="http://schemas.microsoft.com/office/drawing/2014/main" id="{792F82F3-05A8-4A55-8C5B-81F6678B595B}"/>
+                  </a:ext>
+                  <a:ext uri="{C183D7F6-B498-43B3-948B-1728B52AA6E4}">
+                    <adec:decorative xmlns:adec="http://schemas.microsoft.com/office/drawing/2017/decorative" val="1"/>
+                  </a:ext>
+                </a:extLst>
+              </p:cNvPr>
+              <p:cNvSpPr>
+                <a:spLocks noEditPoints="1"/>
+              </p:cNvSpPr>
+              <p:nvPr>
+                <p:extLst>
+                  <p:ext uri="{386F3935-93C4-4BCD-93E2-E3B085C9AB24}">
+                    <p16:designElem xmlns:p16="http://schemas.microsoft.com/office/powerpoint/2015/main" val="1"/>
+                  </p:ext>
+                </p:extLst>
+              </p:nvPr>
+            </p:nvSpPr>
+            <p:spPr bwMode="auto">
+              <a:xfrm>
+                <a:off x="588962" y="903288"/>
+                <a:ext cx="190500" cy="190500"/>
+              </a:xfrm>
+              <a:custGeom>
+                <a:avLst/>
+                <a:gdLst/>
+                <a:ahLst/>
+                <a:cxnLst/>
+                <a:rect l="0" t="0" r="r" b="b"/>
+                <a:pathLst>
+                  <a:path w="40" h="40">
+                    <a:moveTo>
+                      <a:pt x="20" y="40"/>
+                    </a:moveTo>
+                    <a:cubicBezTo>
+                      <a:pt x="9" y="40"/>
+                      <a:pt x="0" y="31"/>
+                      <a:pt x="0" y="20"/>
+                    </a:cubicBezTo>
+                    <a:cubicBezTo>
+                      <a:pt x="0" y="9"/>
+                      <a:pt x="9" y="0"/>
+                      <a:pt x="20" y="0"/>
+                    </a:cubicBezTo>
+                    <a:cubicBezTo>
+                      <a:pt x="31" y="0"/>
+                      <a:pt x="40" y="9"/>
+                      <a:pt x="40" y="20"/>
+                    </a:cubicBezTo>
+                    <a:cubicBezTo>
+                      <a:pt x="40" y="31"/>
+                      <a:pt x="31" y="40"/>
+                      <a:pt x="20" y="40"/>
+                    </a:cubicBezTo>
+                    <a:close/>
+                    <a:moveTo>
+                      <a:pt x="20" y="4"/>
+                    </a:moveTo>
+                    <a:cubicBezTo>
+                      <a:pt x="11" y="4"/>
+                      <a:pt x="4" y="11"/>
+                      <a:pt x="4" y="20"/>
+                    </a:cubicBezTo>
+                    <a:cubicBezTo>
+                      <a:pt x="4" y="29"/>
+                      <a:pt x="11" y="36"/>
+                      <a:pt x="20" y="36"/>
+                    </a:cubicBezTo>
+                    <a:cubicBezTo>
+                      <a:pt x="29" y="36"/>
+                      <a:pt x="36" y="29"/>
+                      <a:pt x="36" y="20"/>
+                    </a:cubicBezTo>
+                    <a:cubicBezTo>
+                      <a:pt x="36" y="11"/>
+                      <a:pt x="29" y="4"/>
+                      <a:pt x="20" y="4"/>
+                    </a:cubicBezTo>
+                    <a:close/>
+                  </a:path>
+                </a:pathLst>
+              </a:custGeom>
+              <a:grpFill/>
+              <a:ln>
+                <a:noFill/>
+              </a:ln>
+              <a:extLst>
+                <a:ext uri="{91240B29-F687-4f45-9708-019B960494DF}">
+                  <a14:hiddenLine xmlns:a14="http://schemas.microsoft.com/office/drawing/2010/main" xmlns:p14="http://schemas.microsoft.com/office/powerpoint/2010/main" xmlns:a16="http://schemas.microsoft.com/office/drawing/2014/main" xmlns="" w="9525">
+                    <a:solidFill>
+                      <a:srgbClr val="000000"/>
+                    </a:solidFill>
+                    <a:round/>
+                    <a:headEnd/>
+                    <a:tailEnd/>
+                  </a14:hiddenLine>
+                </a:ext>
+              </a:extLst>
+            </p:spPr>
+          </p:sp>
+          <p:sp>
+            <p:nvSpPr>
+              <p:cNvPr id="37" name="Freeform 14">
+                <a:extLst>
+                  <a:ext uri="{FF2B5EF4-FFF2-40B4-BE49-F238E27FC236}">
+                    <a16:creationId xmlns:a16="http://schemas.microsoft.com/office/drawing/2014/main" id="{B8472536-021A-4E59-BD59-DDC090A18ABE}"/>
+                  </a:ext>
+                  <a:ext uri="{C183D7F6-B498-43B3-948B-1728B52AA6E4}">
+                    <adec:decorative xmlns:adec="http://schemas.microsoft.com/office/drawing/2017/decorative" val="1"/>
+                  </a:ext>
+                </a:extLst>
+              </p:cNvPr>
+              <p:cNvSpPr/>
+              <p:nvPr>
+                <p:extLst>
+                  <p:ext uri="{386F3935-93C4-4BCD-93E2-E3B085C9AB24}">
+                    <p16:designElem xmlns:p16="http://schemas.microsoft.com/office/powerpoint/2015/main" val="1"/>
+                  </p:ext>
+                </p:extLst>
+              </p:nvPr>
+            </p:nvSpPr>
+            <p:spPr bwMode="auto">
+              <a:xfrm>
+                <a:off x="641350" y="0"/>
+                <a:ext cx="422275" cy="527050"/>
+              </a:xfrm>
+              <a:custGeom>
+                <a:avLst/>
+                <a:gdLst/>
+                <a:ahLst/>
+                <a:cxnLst/>
+                <a:rect l="0" t="0" r="r" b="b"/>
+                <a:pathLst>
+                  <a:path w="266" h="332">
+                    <a:moveTo>
+                      <a:pt x="257" y="332"/>
+                    </a:moveTo>
+                    <a:lnTo>
+                      <a:pt x="48" y="123"/>
+                    </a:lnTo>
+                    <a:lnTo>
+                      <a:pt x="0" y="6"/>
+                    </a:lnTo>
+                    <a:lnTo>
+                      <a:pt x="15" y="0"/>
+                    </a:lnTo>
+                    <a:lnTo>
+                      <a:pt x="63" y="114"/>
+                    </a:lnTo>
+                    <a:lnTo>
+                      <a:pt x="266" y="320"/>
+                    </a:lnTo>
+                    <a:lnTo>
+                      <a:pt x="257" y="332"/>
+                    </a:lnTo>
+                    <a:close/>
+                  </a:path>
+                </a:pathLst>
+              </a:custGeom>
+              <a:grpFill/>
+              <a:ln>
+                <a:noFill/>
+              </a:ln>
+              <a:extLst>
+                <a:ext uri="{91240B29-F687-4f45-9708-019B960494DF}">
+                  <a14:hiddenLine xmlns:a14="http://schemas.microsoft.com/office/drawing/2010/main" xmlns:p14="http://schemas.microsoft.com/office/powerpoint/2010/main" xmlns:a16="http://schemas.microsoft.com/office/drawing/2014/main" xmlns="" w="9525">
+                    <a:solidFill>
+                      <a:srgbClr val="000000"/>
+                    </a:solidFill>
+                    <a:round/>
+                    <a:headEnd/>
+                    <a:tailEnd/>
+                  </a14:hiddenLine>
+                </a:ext>
+              </a:extLst>
+            </p:spPr>
+          </p:sp>
+          <p:sp>
+            <p:nvSpPr>
+              <p:cNvPr id="38" name="Freeform 15">
+                <a:extLst>
+                  <a:ext uri="{FF2B5EF4-FFF2-40B4-BE49-F238E27FC236}">
+                    <a16:creationId xmlns:a16="http://schemas.microsoft.com/office/drawing/2014/main" id="{AEBEF646-3C12-469F-B194-A161A7A95D2F}"/>
+                  </a:ext>
+                  <a:ext uri="{C183D7F6-B498-43B3-948B-1728B52AA6E4}">
+                    <adec:decorative xmlns:adec="http://schemas.microsoft.com/office/drawing/2017/decorative" val="1"/>
+                  </a:ext>
+                </a:extLst>
+              </p:cNvPr>
+              <p:cNvSpPr>
+                <a:spLocks noEditPoints="1"/>
+              </p:cNvSpPr>
+              <p:nvPr>
+                <p:extLst>
+                  <p:ext uri="{386F3935-93C4-4BCD-93E2-E3B085C9AB24}">
+                    <p16:designElem xmlns:p16="http://schemas.microsoft.com/office/powerpoint/2015/main" val="1"/>
+                  </p:ext>
+                </p:extLst>
+              </p:nvPr>
+            </p:nvSpPr>
+            <p:spPr bwMode="auto">
+              <a:xfrm>
+                <a:off x="1020762" y="488950"/>
+                <a:ext cx="161925" cy="147638"/>
+              </a:xfrm>
+              <a:custGeom>
+                <a:avLst/>
+                <a:gdLst/>
+                <a:ahLst/>
+                <a:cxnLst/>
+                <a:rect l="0" t="0" r="r" b="b"/>
+                <a:pathLst>
+                  <a:path w="34" h="31">
+                    <a:moveTo>
+                      <a:pt x="17" y="31"/>
+                    </a:moveTo>
+                    <a:cubicBezTo>
+                      <a:pt x="13" y="31"/>
+                      <a:pt x="9" y="30"/>
+                      <a:pt x="6" y="27"/>
+                    </a:cubicBezTo>
+                    <a:cubicBezTo>
+                      <a:pt x="0" y="20"/>
+                      <a:pt x="0" y="10"/>
+                      <a:pt x="6" y="4"/>
+                    </a:cubicBezTo>
+                    <a:cubicBezTo>
+                      <a:pt x="9" y="1"/>
+                      <a:pt x="13" y="0"/>
+                      <a:pt x="17" y="0"/>
+                    </a:cubicBezTo>
+                    <a:cubicBezTo>
+                      <a:pt x="21" y="0"/>
+                      <a:pt x="25" y="1"/>
+                      <a:pt x="28" y="4"/>
+                    </a:cubicBezTo>
+                    <a:cubicBezTo>
+                      <a:pt x="34" y="10"/>
+                      <a:pt x="34" y="20"/>
+                      <a:pt x="28" y="27"/>
+                    </a:cubicBezTo>
+                    <a:cubicBezTo>
+                      <a:pt x="25" y="30"/>
+                      <a:pt x="21" y="31"/>
+                      <a:pt x="17" y="31"/>
+                    </a:cubicBezTo>
+                    <a:close/>
+                    <a:moveTo>
+                      <a:pt x="17" y="4"/>
+                    </a:moveTo>
+                    <a:cubicBezTo>
+                      <a:pt x="14" y="4"/>
+                      <a:pt x="11" y="5"/>
+                      <a:pt x="9" y="7"/>
+                    </a:cubicBezTo>
+                    <a:cubicBezTo>
+                      <a:pt x="4" y="12"/>
+                      <a:pt x="4" y="19"/>
+                      <a:pt x="9" y="24"/>
+                    </a:cubicBezTo>
+                    <a:cubicBezTo>
+                      <a:pt x="11" y="26"/>
+                      <a:pt x="14" y="27"/>
+                      <a:pt x="17" y="27"/>
+                    </a:cubicBezTo>
+                    <a:cubicBezTo>
+                      <a:pt x="20" y="27"/>
+                      <a:pt x="23" y="26"/>
+                      <a:pt x="25" y="24"/>
+                    </a:cubicBezTo>
+                    <a:cubicBezTo>
+                      <a:pt x="30" y="19"/>
+                      <a:pt x="30" y="12"/>
+                      <a:pt x="25" y="7"/>
+                    </a:cubicBezTo>
+                    <a:cubicBezTo>
+                      <a:pt x="23" y="5"/>
+                      <a:pt x="20" y="4"/>
+                      <a:pt x="17" y="4"/>
+                    </a:cubicBezTo>
+                    <a:close/>
+                  </a:path>
+                </a:pathLst>
+              </a:custGeom>
+              <a:grpFill/>
+              <a:ln>
+                <a:noFill/>
+              </a:ln>
+              <a:extLst>
+                <a:ext uri="{91240B29-F687-4f45-9708-019B960494DF}">
+                  <a14:hiddenLine xmlns:a14="http://schemas.microsoft.com/office/drawing/2010/main" xmlns:p14="http://schemas.microsoft.com/office/powerpoint/2010/main" xmlns:a16="http://schemas.microsoft.com/office/drawing/2014/main" xmlns="" w="9525">
+                    <a:solidFill>
+                      <a:srgbClr val="000000"/>
+                    </a:solidFill>
+                    <a:round/>
+                    <a:headEnd/>
+                    <a:tailEnd/>
+                  </a14:hiddenLine>
+                </a:ext>
+              </a:extLst>
+            </p:spPr>
+          </p:sp>
+          <p:sp>
+            <p:nvSpPr>
+              <p:cNvPr id="39" name="Line 16">
+                <a:extLst>
+                  <a:ext uri="{FF2B5EF4-FFF2-40B4-BE49-F238E27FC236}">
+                    <a16:creationId xmlns:a16="http://schemas.microsoft.com/office/drawing/2014/main" id="{D4501159-D7AC-4307-9DFC-C8F3A94341DA}"/>
+                  </a:ext>
+                  <a:ext uri="{C183D7F6-B498-43B3-948B-1728B52AA6E4}">
+                    <adec:decorative xmlns:adec="http://schemas.microsoft.com/office/drawing/2017/decorative" val="1"/>
+                  </a:ext>
+                </a:extLst>
+              </p:cNvPr>
+              <p:cNvSpPr>
+                <a:spLocks noChangeShapeType="1"/>
+              </p:cNvSpPr>
+              <p:nvPr>
+                <p:extLst>
+                  <p:ext uri="{386F3935-93C4-4BCD-93E2-E3B085C9AB24}">
+                    <p16:designElem xmlns:p16="http://schemas.microsoft.com/office/powerpoint/2015/main" val="1"/>
+                  </p:ext>
+                </p:extLst>
+              </p:nvPr>
+            </p:nvSpPr>
+            <p:spPr bwMode="auto">
+              <a:xfrm>
+                <a:off x="-4763" y="9525"/>
+                <a:ext cx="0" cy="0"/>
+              </a:xfrm>
+              <a:prstGeom prst="line">
+                <a:avLst/>
+              </a:prstGeom>
+              <a:grpFill/>
+              <a:ln w="15" cap="flat">
+                <a:solidFill>
+                  <a:srgbClr val="FFFFFF"/>
+                </a:solidFill>
+                <a:prstDash val="solid"/>
+                <a:miter lim="800000"/>
+                <a:headEnd/>
+                <a:tailEnd/>
+              </a:ln>
+            </p:spPr>
+          </p:sp>
+          <p:sp>
+            <p:nvSpPr>
+              <p:cNvPr id="40" name="Freeform 17">
+                <a:extLst>
+                  <a:ext uri="{FF2B5EF4-FFF2-40B4-BE49-F238E27FC236}">
+                    <a16:creationId xmlns:a16="http://schemas.microsoft.com/office/drawing/2014/main" id="{B5244C41-454C-47D8-A6A9-C17EC2A36631}"/>
+                  </a:ext>
+                  <a:ext uri="{C183D7F6-B498-43B3-948B-1728B52AA6E4}">
+                    <adec:decorative xmlns:adec="http://schemas.microsoft.com/office/drawing/2017/decorative" val="1"/>
+                  </a:ext>
+                </a:extLst>
+              </p:cNvPr>
+              <p:cNvSpPr/>
+              <p:nvPr>
+                <p:extLst>
+                  <p:ext uri="{386F3935-93C4-4BCD-93E2-E3B085C9AB24}">
+                    <p16:designElem xmlns:p16="http://schemas.microsoft.com/office/powerpoint/2015/main" val="1"/>
+                  </p:ext>
+                </p:extLst>
+              </p:nvPr>
+            </p:nvSpPr>
+            <p:spPr bwMode="auto">
+              <a:xfrm>
+                <a:off x="9525" y="1801813"/>
+                <a:ext cx="123825" cy="127000"/>
+              </a:xfrm>
+              <a:custGeom>
+                <a:avLst/>
+                <a:gdLst/>
+                <a:ahLst/>
+                <a:cxnLst/>
+                <a:rect l="0" t="0" r="r" b="b"/>
+                <a:pathLst>
+                  <a:path w="78" h="80">
+                    <a:moveTo>
+                      <a:pt x="6" y="80"/>
+                    </a:moveTo>
+                    <a:lnTo>
+                      <a:pt x="0" y="71"/>
+                    </a:lnTo>
+                    <a:lnTo>
+                      <a:pt x="69" y="0"/>
+                    </a:lnTo>
+                    <a:lnTo>
+                      <a:pt x="78" y="9"/>
+                    </a:lnTo>
+                    <a:lnTo>
+                      <a:pt x="6" y="80"/>
+                    </a:lnTo>
+                    <a:close/>
+                  </a:path>
+                </a:pathLst>
+              </a:custGeom>
+              <a:grpFill/>
+              <a:ln>
+                <a:noFill/>
+              </a:ln>
+              <a:extLst>
+                <a:ext uri="{91240B29-F687-4f45-9708-019B960494DF}">
+                  <a14:hiddenLine xmlns:a14="http://schemas.microsoft.com/office/drawing/2010/main" xmlns:p14="http://schemas.microsoft.com/office/powerpoint/2010/main" xmlns:a16="http://schemas.microsoft.com/office/drawing/2014/main" xmlns="" w="9525">
+                    <a:solidFill>
+                      <a:srgbClr val="000000"/>
+                    </a:solidFill>
+                    <a:round/>
+                    <a:headEnd/>
+                    <a:tailEnd/>
+                  </a14:hiddenLine>
+                </a:ext>
+              </a:extLst>
+            </p:spPr>
+          </p:sp>
+          <p:sp>
+            <p:nvSpPr>
+              <p:cNvPr id="41" name="Freeform 18">
+                <a:extLst>
+                  <a:ext uri="{FF2B5EF4-FFF2-40B4-BE49-F238E27FC236}">
+                    <a16:creationId xmlns:a16="http://schemas.microsoft.com/office/drawing/2014/main" id="{8FA883B8-99FB-4540-B573-F0674BFB1C2A}"/>
+                  </a:ext>
+                  <a:ext uri="{C183D7F6-B498-43B3-948B-1728B52AA6E4}">
+                    <adec:decorative xmlns:adec="http://schemas.microsoft.com/office/drawing/2017/decorative" val="1"/>
+                  </a:ext>
+                </a:extLst>
+              </p:cNvPr>
+              <p:cNvSpPr/>
+              <p:nvPr>
+                <p:extLst>
+                  <p:ext uri="{386F3935-93C4-4BCD-93E2-E3B085C9AB24}">
+                    <p16:designElem xmlns:p16="http://schemas.microsoft.com/office/powerpoint/2015/main" val="1"/>
+                  </p:ext>
+                </p:extLst>
+              </p:nvPr>
+            </p:nvSpPr>
+            <p:spPr bwMode="auto">
+              <a:xfrm>
+                <a:off x="-9525" y="3549650"/>
+                <a:ext cx="147638" cy="481013"/>
+              </a:xfrm>
+              <a:custGeom>
+                <a:avLst/>
+                <a:gdLst/>
+                <a:ahLst/>
+                <a:cxnLst/>
+                <a:rect l="0" t="0" r="r" b="b"/>
+                <a:pathLst>
+                  <a:path w="93" h="303">
+                    <a:moveTo>
+                      <a:pt x="93" y="303"/>
+                    </a:moveTo>
+                    <a:lnTo>
+                      <a:pt x="78" y="303"/>
+                    </a:lnTo>
+                    <a:lnTo>
+                      <a:pt x="78" y="78"/>
+                    </a:lnTo>
+                    <a:lnTo>
+                      <a:pt x="0" y="12"/>
+                    </a:lnTo>
+                    <a:lnTo>
+                      <a:pt x="12" y="0"/>
+                    </a:lnTo>
+                    <a:lnTo>
+                      <a:pt x="93" y="69"/>
+                    </a:lnTo>
+                    <a:lnTo>
+                      <a:pt x="93" y="303"/>
+                    </a:lnTo>
+                    <a:close/>
+                  </a:path>
+                </a:pathLst>
+              </a:custGeom>
+              <a:grpFill/>
+              <a:ln>
+                <a:noFill/>
+              </a:ln>
+              <a:extLst>
+                <a:ext uri="{91240B29-F687-4f45-9708-019B960494DF}">
+                  <a14:hiddenLine xmlns:a14="http://schemas.microsoft.com/office/drawing/2010/main" xmlns:p14="http://schemas.microsoft.com/office/powerpoint/2010/main" xmlns:a16="http://schemas.microsoft.com/office/drawing/2014/main" xmlns="" w="9525">
+                    <a:solidFill>
+                      <a:srgbClr val="000000"/>
+                    </a:solidFill>
+                    <a:round/>
+                    <a:headEnd/>
+                    <a:tailEnd/>
+                  </a14:hiddenLine>
+                </a:ext>
+              </a:extLst>
+            </p:spPr>
+          </p:sp>
+          <p:sp>
+            <p:nvSpPr>
+              <p:cNvPr id="42" name="Freeform 19">
+                <a:extLst>
+                  <a:ext uri="{FF2B5EF4-FFF2-40B4-BE49-F238E27FC236}">
+                    <a16:creationId xmlns:a16="http://schemas.microsoft.com/office/drawing/2014/main" id="{F1178B7C-5A00-4E5B-9010-B1477621E049}"/>
+                  </a:ext>
+                  <a:ext uri="{C183D7F6-B498-43B3-948B-1728B52AA6E4}">
+                    <adec:decorative xmlns:adec="http://schemas.microsoft.com/office/drawing/2017/decorative" val="1"/>
+                  </a:ext>
+                </a:extLst>
+              </p:cNvPr>
+              <p:cNvSpPr/>
+              <p:nvPr>
+                <p:extLst>
+                  <p:ext uri="{386F3935-93C4-4BCD-93E2-E3B085C9AB24}">
+                    <p16:designElem xmlns:p16="http://schemas.microsoft.com/office/powerpoint/2015/main" val="1"/>
+                  </p:ext>
+                </p:extLst>
+              </p:nvPr>
+            </p:nvSpPr>
+            <p:spPr bwMode="auto">
+              <a:xfrm>
+                <a:off x="128587" y="1382713"/>
+                <a:ext cx="142875" cy="476250"/>
+              </a:xfrm>
+              <a:custGeom>
+                <a:avLst/>
+                <a:gdLst/>
+                <a:ahLst/>
+                <a:cxnLst/>
+                <a:rect l="0" t="0" r="r" b="b"/>
+                <a:pathLst>
+                  <a:path w="90" h="300">
+                    <a:moveTo>
+                      <a:pt x="90" y="300"/>
+                    </a:moveTo>
+                    <a:lnTo>
+                      <a:pt x="78" y="300"/>
+                    </a:lnTo>
+                    <a:lnTo>
+                      <a:pt x="78" y="84"/>
+                    </a:lnTo>
+                    <a:lnTo>
+                      <a:pt x="0" y="9"/>
+                    </a:lnTo>
+                    <a:lnTo>
+                      <a:pt x="9" y="0"/>
+                    </a:lnTo>
+                    <a:lnTo>
+                      <a:pt x="90" y="81"/>
+                    </a:lnTo>
+                    <a:lnTo>
+                      <a:pt x="90" y="300"/>
+                    </a:lnTo>
+                    <a:close/>
+                  </a:path>
+                </a:pathLst>
+              </a:custGeom>
+              <a:grpFill/>
+              <a:ln>
+                <a:noFill/>
+              </a:ln>
+              <a:extLst>
+                <a:ext uri="{91240B29-F687-4f45-9708-019B960494DF}">
+                  <a14:hiddenLine xmlns:a14="http://schemas.microsoft.com/office/drawing/2010/main" xmlns:p14="http://schemas.microsoft.com/office/powerpoint/2010/main" xmlns:a16="http://schemas.microsoft.com/office/drawing/2014/main" xmlns="" w="9525">
+                    <a:solidFill>
+                      <a:srgbClr val="000000"/>
+                    </a:solidFill>
+                    <a:round/>
+                    <a:headEnd/>
+                    <a:tailEnd/>
+                  </a14:hiddenLine>
+                </a:ext>
+              </a:extLst>
+            </p:spPr>
+          </p:sp>
+          <p:sp>
+            <p:nvSpPr>
+              <p:cNvPr id="43" name="Freeform 20">
+                <a:extLst>
+                  <a:ext uri="{FF2B5EF4-FFF2-40B4-BE49-F238E27FC236}">
+                    <a16:creationId xmlns:a16="http://schemas.microsoft.com/office/drawing/2014/main" id="{E359D5D8-EE2E-4714-A40A-C3A6D91F9897}"/>
+                  </a:ext>
+                  <a:ext uri="{C183D7F6-B498-43B3-948B-1728B52AA6E4}">
+                    <adec:decorative xmlns:adec="http://schemas.microsoft.com/office/drawing/2017/decorative" val="1"/>
+                  </a:ext>
+                </a:extLst>
+              </p:cNvPr>
+              <p:cNvSpPr>
+                <a:spLocks noEditPoints="1"/>
+              </p:cNvSpPr>
+              <p:nvPr>
+                <p:extLst>
+                  <p:ext uri="{386F3935-93C4-4BCD-93E2-E3B085C9AB24}">
+                    <p16:designElem xmlns:p16="http://schemas.microsoft.com/office/powerpoint/2015/main" val="1"/>
+                  </p:ext>
+                </p:extLst>
+              </p:nvPr>
+            </p:nvSpPr>
+            <p:spPr bwMode="auto">
+              <a:xfrm>
+                <a:off x="204787" y="1849438"/>
+                <a:ext cx="114300" cy="107950"/>
+              </a:xfrm>
+              <a:custGeom>
+                <a:avLst/>
+                <a:gdLst/>
+                <a:ahLst/>
+                <a:cxnLst/>
+                <a:rect l="0" t="0" r="r" b="b"/>
+                <a:pathLst>
+                  <a:path w="24" h="23">
+                    <a:moveTo>
+                      <a:pt x="12" y="23"/>
+                    </a:moveTo>
+                    <a:cubicBezTo>
+                      <a:pt x="6" y="23"/>
+                      <a:pt x="0" y="18"/>
+                      <a:pt x="0" y="12"/>
+                    </a:cubicBezTo>
+                    <a:cubicBezTo>
+                      <a:pt x="0" y="5"/>
+                      <a:pt x="6" y="0"/>
+                      <a:pt x="12" y="0"/>
+                    </a:cubicBezTo>
+                    <a:cubicBezTo>
+                      <a:pt x="18" y="0"/>
+                      <a:pt x="24" y="5"/>
+                      <a:pt x="24" y="12"/>
+                    </a:cubicBezTo>
+                    <a:cubicBezTo>
+                      <a:pt x="24" y="18"/>
+                      <a:pt x="18" y="23"/>
+                      <a:pt x="12" y="23"/>
+                    </a:cubicBezTo>
+                    <a:close/>
+                    <a:moveTo>
+                      <a:pt x="12" y="4"/>
+                    </a:moveTo>
+                    <a:cubicBezTo>
+                      <a:pt x="8" y="4"/>
+                      <a:pt x="4" y="8"/>
+                      <a:pt x="4" y="12"/>
+                    </a:cubicBezTo>
+                    <a:cubicBezTo>
+                      <a:pt x="4" y="16"/>
+                      <a:pt x="8" y="19"/>
+                      <a:pt x="12" y="19"/>
+                    </a:cubicBezTo>
+                    <a:cubicBezTo>
+                      <a:pt x="16" y="19"/>
+                      <a:pt x="20" y="16"/>
+                      <a:pt x="20" y="12"/>
+                    </a:cubicBezTo>
+                    <a:cubicBezTo>
+                      <a:pt x="20" y="8"/>
+                      <a:pt x="16" y="4"/>
+                      <a:pt x="12" y="4"/>
+                    </a:cubicBezTo>
+                    <a:close/>
+                  </a:path>
+                </a:pathLst>
+              </a:custGeom>
+              <a:grpFill/>
+              <a:ln>
+                <a:noFill/>
+              </a:ln>
+              <a:extLst>
+                <a:ext uri="{91240B29-F687-4f45-9708-019B960494DF}">
+                  <a14:hiddenLine xmlns:a14="http://schemas.microsoft.com/office/drawing/2010/main" xmlns:p14="http://schemas.microsoft.com/office/powerpoint/2010/main" xmlns:a16="http://schemas.microsoft.com/office/drawing/2014/main" xmlns="" w="9525">
+                    <a:solidFill>
+                      <a:srgbClr val="000000"/>
+                    </a:solidFill>
+                    <a:round/>
+                    <a:headEnd/>
+                    <a:tailEnd/>
+                  </a14:hiddenLine>
+                </a:ext>
+              </a:extLst>
+            </p:spPr>
+          </p:sp>
+          <p:sp>
+            <p:nvSpPr>
+              <p:cNvPr id="44" name="Rectangle 21">
+                <a:extLst>
+                  <a:ext uri="{FF2B5EF4-FFF2-40B4-BE49-F238E27FC236}">
+                    <a16:creationId xmlns:a16="http://schemas.microsoft.com/office/drawing/2014/main" id="{8A89C2E5-F892-4666-85FB-995578FBC739}"/>
+                  </a:ext>
+                  <a:ext uri="{C183D7F6-B498-43B3-948B-1728B52AA6E4}">
+                    <adec:decorative xmlns:adec="http://schemas.microsoft.com/office/drawing/2017/decorative" val="1"/>
+                  </a:ext>
+                </a:extLst>
+              </p:cNvPr>
+              <p:cNvSpPr>
+                <a:spLocks noChangeArrowheads="1"/>
+              </p:cNvSpPr>
+              <p:nvPr>
+                <p:extLst>
+                  <p:ext uri="{386F3935-93C4-4BCD-93E2-E3B085C9AB24}">
+                    <p16:designElem xmlns:p16="http://schemas.microsoft.com/office/powerpoint/2015/main" val="1"/>
+                  </p:ext>
+                </p:extLst>
+              </p:nvPr>
+            </p:nvSpPr>
+            <p:spPr bwMode="auto">
+              <a:xfrm>
+                <a:off x="133350" y="4662488"/>
+                <a:ext cx="23813" cy="2181225"/>
+              </a:xfrm>
+              <a:prstGeom prst="rect">
+                <a:avLst/>
+              </a:prstGeom>
+              <a:grpFill/>
+              <a:ln>
+                <a:noFill/>
+              </a:ln>
+              <a:extLst>
+                <a:ext uri="{91240B29-F687-4f45-9708-019B960494DF}">
+                  <a14:hiddenLine xmlns:a14="http://schemas.microsoft.com/office/drawing/2010/main" xmlns:p14="http://schemas.microsoft.com/office/powerpoint/2010/main" xmlns:a16="http://schemas.microsoft.com/office/drawing/2014/main" xmlns="" w="9525">
+                    <a:solidFill>
+                      <a:srgbClr val="000000"/>
+                    </a:solidFill>
+                    <a:miter lim="800000"/>
+                    <a:headEnd/>
+                    <a:tailEnd/>
+                  </a14:hiddenLine>
+                </a:ext>
+              </a:extLst>
+            </p:spPr>
+          </p:sp>
+          <p:sp>
+            <p:nvSpPr>
+              <p:cNvPr id="45" name="Freeform 22">
+                <a:extLst>
+                  <a:ext uri="{FF2B5EF4-FFF2-40B4-BE49-F238E27FC236}">
+                    <a16:creationId xmlns:a16="http://schemas.microsoft.com/office/drawing/2014/main" id="{6DC6174B-0EC3-4A81-A0D1-D10DBB869A5A}"/>
+                  </a:ext>
+                  <a:ext uri="{C183D7F6-B498-43B3-948B-1728B52AA6E4}">
+                    <adec:decorative xmlns:adec="http://schemas.microsoft.com/office/drawing/2017/decorative" val="1"/>
+                  </a:ext>
+                </a:extLst>
+              </p:cNvPr>
+              <p:cNvSpPr/>
+              <p:nvPr>
+                <p:extLst>
+                  <p:ext uri="{386F3935-93C4-4BCD-93E2-E3B085C9AB24}">
+                    <p16:designElem xmlns:p16="http://schemas.microsoft.com/office/powerpoint/2015/main" val="1"/>
+                  </p:ext>
+                </p:extLst>
+              </p:nvPr>
+            </p:nvSpPr>
+            <p:spPr bwMode="auto">
+              <a:xfrm>
+                <a:off x="223837" y="5041900"/>
+                <a:ext cx="369888" cy="1801813"/>
+              </a:xfrm>
+              <a:custGeom>
+                <a:avLst/>
+                <a:gdLst/>
+                <a:ahLst/>
+                <a:cxnLst/>
+                <a:rect l="0" t="0" r="r" b="b"/>
+                <a:pathLst>
+                  <a:path w="233" h="1135">
+                    <a:moveTo>
+                      <a:pt x="15" y="1135"/>
+                    </a:moveTo>
+                    <a:lnTo>
+                      <a:pt x="0" y="1135"/>
+                    </a:lnTo>
+                    <a:lnTo>
+                      <a:pt x="0" y="515"/>
+                    </a:lnTo>
+                    <a:lnTo>
+                      <a:pt x="0" y="512"/>
+                    </a:lnTo>
+                    <a:lnTo>
+                      <a:pt x="218" y="0"/>
+                    </a:lnTo>
+                    <a:lnTo>
+                      <a:pt x="233" y="6"/>
+                    </a:lnTo>
+                    <a:lnTo>
+                      <a:pt x="15" y="518"/>
+                    </a:lnTo>
+                    <a:lnTo>
+                      <a:pt x="15" y="1135"/>
+                    </a:lnTo>
+                    <a:close/>
+                  </a:path>
+                </a:pathLst>
+              </a:custGeom>
+              <a:grpFill/>
+              <a:ln>
+                <a:noFill/>
+              </a:ln>
+              <a:extLst>
+                <a:ext uri="{91240B29-F687-4f45-9708-019B960494DF}">
+                  <a14:hiddenLine xmlns:a14="http://schemas.microsoft.com/office/drawing/2010/main" xmlns:p14="http://schemas.microsoft.com/office/powerpoint/2010/main" xmlns:a16="http://schemas.microsoft.com/office/drawing/2014/main" xmlns="" w="9525">
+                    <a:solidFill>
+                      <a:srgbClr val="000000"/>
+                    </a:solidFill>
+                    <a:round/>
+                    <a:headEnd/>
+                    <a:tailEnd/>
+                  </a14:hiddenLine>
+                </a:ext>
+              </a:extLst>
+            </p:spPr>
+          </p:sp>
+          <p:sp>
+            <p:nvSpPr>
+              <p:cNvPr id="46" name="Freeform 23">
+                <a:extLst>
+                  <a:ext uri="{FF2B5EF4-FFF2-40B4-BE49-F238E27FC236}">
+                    <a16:creationId xmlns:a16="http://schemas.microsoft.com/office/drawing/2014/main" id="{2CB96070-0553-4F79-984C-8DABB1CD5DB5}"/>
+                  </a:ext>
+                  <a:ext uri="{C183D7F6-B498-43B3-948B-1728B52AA6E4}">
+                    <adec:decorative xmlns:adec="http://schemas.microsoft.com/office/drawing/2017/decorative" val="1"/>
+                  </a:ext>
+                </a:extLst>
+              </p:cNvPr>
+              <p:cNvSpPr>
+                <a:spLocks noEditPoints="1"/>
+              </p:cNvSpPr>
+              <p:nvPr>
+                <p:extLst>
+                  <p:ext uri="{386F3935-93C4-4BCD-93E2-E3B085C9AB24}">
+                    <p16:designElem xmlns:p16="http://schemas.microsoft.com/office/powerpoint/2015/main" val="1"/>
+                  </p:ext>
+                </p:extLst>
+              </p:nvPr>
+            </p:nvSpPr>
+            <p:spPr bwMode="auto">
+              <a:xfrm>
+                <a:off x="52387" y="4481513"/>
+                <a:ext cx="190500" cy="190500"/>
+              </a:xfrm>
+              <a:custGeom>
+                <a:avLst/>
+                <a:gdLst/>
+                <a:ahLst/>
+                <a:cxnLst/>
+                <a:rect l="0" t="0" r="r" b="b"/>
+                <a:pathLst>
+                  <a:path w="40" h="40">
+                    <a:moveTo>
+                      <a:pt x="20" y="40"/>
+                    </a:moveTo>
+                    <a:cubicBezTo>
+                      <a:pt x="9" y="40"/>
+                      <a:pt x="0" y="31"/>
+                      <a:pt x="0" y="20"/>
+                    </a:cubicBezTo>
+                    <a:cubicBezTo>
+                      <a:pt x="0" y="9"/>
+                      <a:pt x="9" y="0"/>
+                      <a:pt x="20" y="0"/>
+                    </a:cubicBezTo>
+                    <a:cubicBezTo>
+                      <a:pt x="31" y="0"/>
+                      <a:pt x="40" y="9"/>
+                      <a:pt x="40" y="20"/>
+                    </a:cubicBezTo>
+                    <a:cubicBezTo>
+                      <a:pt x="40" y="31"/>
+                      <a:pt x="31" y="40"/>
+                      <a:pt x="20" y="40"/>
+                    </a:cubicBezTo>
+                    <a:close/>
+                    <a:moveTo>
+                      <a:pt x="20" y="4"/>
+                    </a:moveTo>
+                    <a:cubicBezTo>
+                      <a:pt x="11" y="4"/>
+                      <a:pt x="4" y="11"/>
+                      <a:pt x="4" y="20"/>
+                    </a:cubicBezTo>
+                    <a:cubicBezTo>
+                      <a:pt x="4" y="29"/>
+                      <a:pt x="11" y="36"/>
+                      <a:pt x="20" y="36"/>
+                    </a:cubicBezTo>
+                    <a:cubicBezTo>
+                      <a:pt x="28" y="36"/>
+                      <a:pt x="36" y="29"/>
+                      <a:pt x="36" y="20"/>
+                    </a:cubicBezTo>
+                    <a:cubicBezTo>
+                      <a:pt x="36" y="11"/>
+                      <a:pt x="28" y="4"/>
+                      <a:pt x="20" y="4"/>
+                    </a:cubicBezTo>
+                    <a:close/>
+                  </a:path>
+                </a:pathLst>
+              </a:custGeom>
+              <a:grpFill/>
+              <a:ln>
+                <a:noFill/>
+              </a:ln>
+              <a:extLst>
+                <a:ext uri="{91240B29-F687-4f45-9708-019B960494DF}">
+                  <a14:hiddenLine xmlns:a14="http://schemas.microsoft.com/office/drawing/2010/main" xmlns:p14="http://schemas.microsoft.com/office/powerpoint/2010/main" xmlns:a16="http://schemas.microsoft.com/office/drawing/2014/main" xmlns="" w="9525">
+                    <a:solidFill>
+                      <a:srgbClr val="000000"/>
+                    </a:solidFill>
+                    <a:round/>
+                    <a:headEnd/>
+                    <a:tailEnd/>
+                  </a14:hiddenLine>
+                </a:ext>
+              </a:extLst>
+            </p:spPr>
+          </p:sp>
+          <p:sp>
+            <p:nvSpPr>
+              <p:cNvPr id="47" name="Freeform 24">
+                <a:extLst>
+                  <a:ext uri="{FF2B5EF4-FFF2-40B4-BE49-F238E27FC236}">
+                    <a16:creationId xmlns:a16="http://schemas.microsoft.com/office/drawing/2014/main" id="{BA23B6E2-3718-4009-B80E-9279154B1918}"/>
+                  </a:ext>
+                  <a:ext uri="{C183D7F6-B498-43B3-948B-1728B52AA6E4}">
+                    <adec:decorative xmlns:adec="http://schemas.microsoft.com/office/drawing/2017/decorative" val="1"/>
+                  </a:ext>
+                </a:extLst>
+              </p:cNvPr>
+              <p:cNvSpPr/>
+              <p:nvPr>
+                <p:extLst>
+                  <p:ext uri="{386F3935-93C4-4BCD-93E2-E3B085C9AB24}">
+                    <p16:designElem xmlns:p16="http://schemas.microsoft.com/office/powerpoint/2015/main" val="1"/>
+                  </p:ext>
+                </p:extLst>
+              </p:nvPr>
+            </p:nvSpPr>
+            <p:spPr bwMode="auto">
+              <a:xfrm>
+                <a:off x="-14288" y="5627688"/>
+                <a:ext cx="85725" cy="1216025"/>
+              </a:xfrm>
+              <a:custGeom>
+                <a:avLst/>
+                <a:gdLst/>
+                <a:ahLst/>
+                <a:cxnLst/>
+                <a:rect l="0" t="0" r="r" b="b"/>
+                <a:pathLst>
+                  <a:path w="54" h="766">
+                    <a:moveTo>
+                      <a:pt x="54" y="766"/>
+                    </a:moveTo>
+                    <a:lnTo>
+                      <a:pt x="36" y="766"/>
+                    </a:lnTo>
+                    <a:lnTo>
+                      <a:pt x="36" y="149"/>
+                    </a:lnTo>
+                    <a:lnTo>
+                      <a:pt x="0" y="3"/>
+                    </a:lnTo>
+                    <a:lnTo>
+                      <a:pt x="18" y="0"/>
+                    </a:lnTo>
+                    <a:lnTo>
+                      <a:pt x="54" y="146"/>
+                    </a:lnTo>
+                    <a:lnTo>
+                      <a:pt x="54" y="766"/>
+                    </a:lnTo>
+                    <a:close/>
+                  </a:path>
+                </a:pathLst>
+              </a:custGeom>
+              <a:grpFill/>
+              <a:ln>
+                <a:noFill/>
+              </a:ln>
+              <a:extLst>
+                <a:ext uri="{91240B29-F687-4f45-9708-019B960494DF}">
+                  <a14:hiddenLine xmlns:a14="http://schemas.microsoft.com/office/drawing/2010/main" xmlns:p14="http://schemas.microsoft.com/office/powerpoint/2010/main" xmlns:a16="http://schemas.microsoft.com/office/drawing/2014/main" xmlns="" w="9525">
+                    <a:solidFill>
+                      <a:srgbClr val="000000"/>
+                    </a:solidFill>
+                    <a:round/>
+                    <a:headEnd/>
+                    <a:tailEnd/>
+                  </a14:hiddenLine>
+                </a:ext>
+              </a:extLst>
+            </p:spPr>
+          </p:sp>
+          <p:sp>
+            <p:nvSpPr>
+              <p:cNvPr id="48" name="Freeform 25">
+                <a:extLst>
+                  <a:ext uri="{FF2B5EF4-FFF2-40B4-BE49-F238E27FC236}">
+                    <a16:creationId xmlns:a16="http://schemas.microsoft.com/office/drawing/2014/main" id="{CAFB32D5-E528-419B-80EE-1475633970AC}"/>
+                  </a:ext>
+                  <a:ext uri="{C183D7F6-B498-43B3-948B-1728B52AA6E4}">
+                    <adec:decorative xmlns:adec="http://schemas.microsoft.com/office/drawing/2017/decorative" val="1"/>
+                  </a:ext>
+                </a:extLst>
+              </p:cNvPr>
+              <p:cNvSpPr>
+                <a:spLocks noEditPoints="1"/>
+              </p:cNvSpPr>
+              <p:nvPr>
+                <p:extLst>
+                  <p:ext uri="{386F3935-93C4-4BCD-93E2-E3B085C9AB24}">
+                    <p16:designElem xmlns:p16="http://schemas.microsoft.com/office/powerpoint/2015/main" val="1"/>
+                  </p:ext>
+                </p:extLst>
+              </p:nvPr>
+            </p:nvSpPr>
+            <p:spPr bwMode="auto">
+              <a:xfrm>
+                <a:off x="527050" y="4867275"/>
+                <a:ext cx="190500" cy="188913"/>
+              </a:xfrm>
+              <a:custGeom>
+                <a:avLst/>
+                <a:gdLst/>
+                <a:ahLst/>
+                <a:cxnLst/>
+                <a:rect l="0" t="0" r="r" b="b"/>
+                <a:pathLst>
+                  <a:path w="40" h="40">
+                    <a:moveTo>
+                      <a:pt x="20" y="40"/>
+                    </a:moveTo>
+                    <a:cubicBezTo>
+                      <a:pt x="9" y="40"/>
+                      <a:pt x="0" y="31"/>
+                      <a:pt x="0" y="20"/>
+                    </a:cubicBezTo>
+                    <a:cubicBezTo>
+                      <a:pt x="0" y="9"/>
+                      <a:pt x="9" y="0"/>
+                      <a:pt x="20" y="0"/>
+                    </a:cubicBezTo>
+                    <a:cubicBezTo>
+                      <a:pt x="31" y="0"/>
+                      <a:pt x="40" y="9"/>
+                      <a:pt x="40" y="20"/>
+                    </a:cubicBezTo>
+                    <a:cubicBezTo>
+                      <a:pt x="40" y="31"/>
+                      <a:pt x="31" y="40"/>
+                      <a:pt x="20" y="40"/>
+                    </a:cubicBezTo>
+                    <a:close/>
+                    <a:moveTo>
+                      <a:pt x="20" y="4"/>
+                    </a:moveTo>
+                    <a:cubicBezTo>
+                      <a:pt x="11" y="4"/>
+                      <a:pt x="4" y="11"/>
+                      <a:pt x="4" y="20"/>
+                    </a:cubicBezTo>
+                    <a:cubicBezTo>
+                      <a:pt x="4" y="29"/>
+                      <a:pt x="11" y="36"/>
+                      <a:pt x="20" y="36"/>
+                    </a:cubicBezTo>
+                    <a:cubicBezTo>
+                      <a:pt x="29" y="36"/>
+                      <a:pt x="36" y="29"/>
+                      <a:pt x="36" y="20"/>
+                    </a:cubicBezTo>
+                    <a:cubicBezTo>
+                      <a:pt x="36" y="11"/>
+                      <a:pt x="29" y="4"/>
+                      <a:pt x="20" y="4"/>
+                    </a:cubicBezTo>
+                    <a:close/>
+                  </a:path>
+                </a:pathLst>
+              </a:custGeom>
+              <a:grpFill/>
+              <a:ln>
+                <a:noFill/>
+              </a:ln>
+              <a:extLst>
+                <a:ext uri="{91240B29-F687-4f45-9708-019B960494DF}">
+                  <a14:hiddenLine xmlns:a14="http://schemas.microsoft.com/office/drawing/2010/main" xmlns:p14="http://schemas.microsoft.com/office/powerpoint/2010/main" xmlns:a16="http://schemas.microsoft.com/office/drawing/2014/main" xmlns="" w="9525">
+                    <a:solidFill>
+                      <a:srgbClr val="000000"/>
+                    </a:solidFill>
+                    <a:round/>
+                    <a:headEnd/>
+                    <a:tailEnd/>
+                  </a14:hiddenLine>
+                </a:ext>
+              </a:extLst>
+            </p:spPr>
+          </p:sp>
+          <p:sp>
+            <p:nvSpPr>
+              <p:cNvPr id="49" name="Freeform 26">
+                <a:extLst>
+                  <a:ext uri="{FF2B5EF4-FFF2-40B4-BE49-F238E27FC236}">
+                    <a16:creationId xmlns:a16="http://schemas.microsoft.com/office/drawing/2014/main" id="{A68ADD35-4FEA-404D-B2F3-23556E6E8F72}"/>
+                  </a:ext>
+                  <a:ext uri="{C183D7F6-B498-43B3-948B-1728B52AA6E4}">
+                    <adec:decorative xmlns:adec="http://schemas.microsoft.com/office/drawing/2017/decorative" val="1"/>
+                  </a:ext>
+                </a:extLst>
+              </p:cNvPr>
+              <p:cNvSpPr/>
+              <p:nvPr>
+                <p:extLst>
+                  <p:ext uri="{386F3935-93C4-4BCD-93E2-E3B085C9AB24}">
+                    <p16:designElem xmlns:p16="http://schemas.microsoft.com/office/powerpoint/2015/main" val="1"/>
+                  </p:ext>
+                </p:extLst>
+              </p:nvPr>
+            </p:nvSpPr>
+            <p:spPr bwMode="auto">
+              <a:xfrm>
+                <a:off x="309562" y="5422900"/>
+                <a:ext cx="374650" cy="1425575"/>
+              </a:xfrm>
+              <a:custGeom>
+                <a:avLst/>
+                <a:gdLst/>
+                <a:ahLst/>
+                <a:cxnLst/>
+                <a:rect l="0" t="0" r="r" b="b"/>
+                <a:pathLst>
+                  <a:path w="236" h="898">
+                    <a:moveTo>
+                      <a:pt x="18" y="898"/>
+                    </a:moveTo>
+                    <a:lnTo>
+                      <a:pt x="0" y="898"/>
+                    </a:lnTo>
+                    <a:lnTo>
+                      <a:pt x="0" y="515"/>
+                    </a:lnTo>
+                    <a:lnTo>
+                      <a:pt x="3" y="512"/>
+                    </a:lnTo>
+                    <a:lnTo>
+                      <a:pt x="221" y="0"/>
+                    </a:lnTo>
+                    <a:lnTo>
+                      <a:pt x="236" y="6"/>
+                    </a:lnTo>
+                    <a:lnTo>
+                      <a:pt x="18" y="518"/>
+                    </a:lnTo>
+                    <a:lnTo>
+                      <a:pt x="18" y="898"/>
+                    </a:lnTo>
+                    <a:close/>
+                  </a:path>
+                </a:pathLst>
+              </a:custGeom>
+              <a:grpFill/>
+              <a:ln>
+                <a:noFill/>
+              </a:ln>
+              <a:extLst>
+                <a:ext uri="{91240B29-F687-4f45-9708-019B960494DF}">
+                  <a14:hiddenLine xmlns:a14="http://schemas.microsoft.com/office/drawing/2010/main" xmlns:p14="http://schemas.microsoft.com/office/powerpoint/2010/main" xmlns:a16="http://schemas.microsoft.com/office/drawing/2014/main" xmlns="" w="9525">
+                    <a:solidFill>
+                      <a:srgbClr val="000000"/>
+                    </a:solidFill>
+                    <a:round/>
+                    <a:headEnd/>
+                    <a:tailEnd/>
+                  </a14:hiddenLine>
+                </a:ext>
+              </a:extLst>
+            </p:spPr>
+          </p:sp>
+          <p:sp>
+            <p:nvSpPr>
+              <p:cNvPr id="50" name="Freeform 27">
+                <a:extLst>
+                  <a:ext uri="{FF2B5EF4-FFF2-40B4-BE49-F238E27FC236}">
+                    <a16:creationId xmlns:a16="http://schemas.microsoft.com/office/drawing/2014/main" id="{89CF17CA-49E3-4B4A-836A-4FD55C67BECE}"/>
+                  </a:ext>
+                  <a:ext uri="{C183D7F6-B498-43B3-948B-1728B52AA6E4}">
+                    <adec:decorative xmlns:adec="http://schemas.microsoft.com/office/drawing/2017/decorative" val="1"/>
+                  </a:ext>
+                </a:extLst>
+              </p:cNvPr>
+              <p:cNvSpPr/>
+              <p:nvPr>
+                <p:extLst>
+                  <p:ext uri="{386F3935-93C4-4BCD-93E2-E3B085C9AB24}">
+                    <p16:designElem xmlns:p16="http://schemas.microsoft.com/office/powerpoint/2015/main" val="1"/>
+                  </p:ext>
+                </p:extLst>
+              </p:nvPr>
+            </p:nvSpPr>
+            <p:spPr bwMode="auto">
+              <a:xfrm>
+                <a:off x="569912" y="5945188"/>
+                <a:ext cx="152400" cy="912813"/>
+              </a:xfrm>
+              <a:custGeom>
+                <a:avLst/>
+                <a:gdLst/>
+                <a:ahLst/>
+                <a:cxnLst/>
+                <a:rect l="0" t="0" r="r" b="b"/>
+                <a:pathLst>
+                  <a:path w="96" h="575">
+                    <a:moveTo>
+                      <a:pt x="15" y="575"/>
+                    </a:moveTo>
+                    <a:lnTo>
+                      <a:pt x="0" y="569"/>
+                    </a:lnTo>
+                    <a:lnTo>
+                      <a:pt x="81" y="383"/>
+                    </a:lnTo>
+                    <a:lnTo>
+                      <a:pt x="81" y="0"/>
+                    </a:lnTo>
+                    <a:lnTo>
+                      <a:pt x="96" y="0"/>
+                    </a:lnTo>
+                    <a:lnTo>
+                      <a:pt x="96" y="386"/>
+                    </a:lnTo>
+                    <a:lnTo>
+                      <a:pt x="15" y="575"/>
+                    </a:lnTo>
+                    <a:close/>
+                  </a:path>
+                </a:pathLst>
+              </a:custGeom>
+              <a:grpFill/>
+              <a:ln>
+                <a:noFill/>
+              </a:ln>
+              <a:extLst>
+                <a:ext uri="{91240B29-F687-4f45-9708-019B960494DF}">
+                  <a14:hiddenLine xmlns:a14="http://schemas.microsoft.com/office/drawing/2010/main" xmlns:p14="http://schemas.microsoft.com/office/powerpoint/2010/main" xmlns:a16="http://schemas.microsoft.com/office/drawing/2014/main" xmlns="" w="9525">
+                    <a:solidFill>
+                      <a:srgbClr val="000000"/>
+                    </a:solidFill>
+                    <a:round/>
+                    <a:headEnd/>
+                    <a:tailEnd/>
+                  </a14:hiddenLine>
+                </a:ext>
+              </a:extLst>
+            </p:spPr>
+          </p:sp>
+          <p:sp>
+            <p:nvSpPr>
+              <p:cNvPr id="51" name="Freeform 28">
+                <a:extLst>
+                  <a:ext uri="{FF2B5EF4-FFF2-40B4-BE49-F238E27FC236}">
+                    <a16:creationId xmlns:a16="http://schemas.microsoft.com/office/drawing/2014/main" id="{AB394F2E-F3E7-4CED-84A9-35C47AB287C8}"/>
+                  </a:ext>
+                  <a:ext uri="{C183D7F6-B498-43B3-948B-1728B52AA6E4}">
+                    <adec:decorative xmlns:adec="http://schemas.microsoft.com/office/drawing/2017/decorative" val="1"/>
+                  </a:ext>
+                </a:extLst>
+              </p:cNvPr>
+              <p:cNvSpPr>
+                <a:spLocks noEditPoints="1"/>
+              </p:cNvSpPr>
+              <p:nvPr>
+                <p:extLst>
+                  <p:ext uri="{386F3935-93C4-4BCD-93E2-E3B085C9AB24}">
+                    <p16:designElem xmlns:p16="http://schemas.microsoft.com/office/powerpoint/2015/main" val="1"/>
+                  </p:ext>
+                </p:extLst>
+              </p:nvPr>
+            </p:nvSpPr>
+            <p:spPr bwMode="auto">
+              <a:xfrm>
+                <a:off x="612775" y="5246688"/>
+                <a:ext cx="190500" cy="190500"/>
+              </a:xfrm>
+              <a:custGeom>
+                <a:avLst/>
+                <a:gdLst/>
+                <a:ahLst/>
+                <a:cxnLst/>
+                <a:rect l="0" t="0" r="r" b="b"/>
+                <a:pathLst>
+                  <a:path w="40" h="40">
+                    <a:moveTo>
+                      <a:pt x="20" y="40"/>
+                    </a:moveTo>
+                    <a:cubicBezTo>
+                      <a:pt x="9" y="40"/>
+                      <a:pt x="0" y="31"/>
+                      <a:pt x="0" y="20"/>
+                    </a:cubicBezTo>
+                    <a:cubicBezTo>
+                      <a:pt x="0" y="9"/>
+                      <a:pt x="9" y="0"/>
+                      <a:pt x="20" y="0"/>
+                    </a:cubicBezTo>
+                    <a:cubicBezTo>
+                      <a:pt x="31" y="0"/>
+                      <a:pt x="40" y="9"/>
+                      <a:pt x="40" y="20"/>
+                    </a:cubicBezTo>
+                    <a:cubicBezTo>
+                      <a:pt x="40" y="31"/>
+                      <a:pt x="31" y="40"/>
+                      <a:pt x="20" y="40"/>
+                    </a:cubicBezTo>
+                    <a:close/>
+                    <a:moveTo>
+                      <a:pt x="20" y="4"/>
+                    </a:moveTo>
+                    <a:cubicBezTo>
+                      <a:pt x="12" y="4"/>
+                      <a:pt x="4" y="11"/>
+                      <a:pt x="4" y="20"/>
+                    </a:cubicBezTo>
+                    <a:cubicBezTo>
+                      <a:pt x="4" y="29"/>
+                      <a:pt x="12" y="36"/>
+                      <a:pt x="20" y="36"/>
+                    </a:cubicBezTo>
+                    <a:cubicBezTo>
+                      <a:pt x="29" y="36"/>
+                      <a:pt x="36" y="29"/>
+                      <a:pt x="36" y="20"/>
+                    </a:cubicBezTo>
+                    <a:cubicBezTo>
+                      <a:pt x="36" y="11"/>
+                      <a:pt x="29" y="4"/>
+                      <a:pt x="20" y="4"/>
+                    </a:cubicBezTo>
+                    <a:close/>
+                  </a:path>
+                </a:pathLst>
+              </a:custGeom>
+              <a:grpFill/>
+              <a:ln>
+                <a:noFill/>
+              </a:ln>
+              <a:extLst>
+                <a:ext uri="{91240B29-F687-4f45-9708-019B960494DF}">
+                  <a14:hiddenLine xmlns:a14="http://schemas.microsoft.com/office/drawing/2010/main" xmlns:p14="http://schemas.microsoft.com/office/powerpoint/2010/main" xmlns:a16="http://schemas.microsoft.com/office/drawing/2014/main" xmlns="" w="9525">
+                    <a:solidFill>
+                      <a:srgbClr val="000000"/>
+                    </a:solidFill>
+                    <a:round/>
+                    <a:headEnd/>
+                    <a:tailEnd/>
+                  </a14:hiddenLine>
+                </a:ext>
+              </a:extLst>
+            </p:spPr>
+          </p:sp>
+          <p:sp>
+            <p:nvSpPr>
+              <p:cNvPr id="52" name="Freeform 29">
+                <a:extLst>
+                  <a:ext uri="{FF2B5EF4-FFF2-40B4-BE49-F238E27FC236}">
+                    <a16:creationId xmlns:a16="http://schemas.microsoft.com/office/drawing/2014/main" id="{FF816C2F-3999-4A9F-8395-5D68ED33A41E}"/>
+                  </a:ext>
+                  <a:ext uri="{C183D7F6-B498-43B3-948B-1728B52AA6E4}">
+                    <adec:decorative xmlns:adec="http://schemas.microsoft.com/office/drawing/2017/decorative" val="1"/>
+                  </a:ext>
+                </a:extLst>
+              </p:cNvPr>
+              <p:cNvSpPr>
+                <a:spLocks noEditPoints="1"/>
+              </p:cNvSpPr>
+              <p:nvPr>
+                <p:extLst>
+                  <p:ext uri="{386F3935-93C4-4BCD-93E2-E3B085C9AB24}">
+                    <p16:designElem xmlns:p16="http://schemas.microsoft.com/office/powerpoint/2015/main" val="1"/>
+                  </p:ext>
+                </p:extLst>
+              </p:nvPr>
+            </p:nvSpPr>
+            <p:spPr bwMode="auto">
+              <a:xfrm>
+                <a:off x="612775" y="5764213"/>
+                <a:ext cx="190500" cy="190500"/>
+              </a:xfrm>
+              <a:custGeom>
+                <a:avLst/>
+                <a:gdLst/>
+                <a:ahLst/>
+                <a:cxnLst/>
+                <a:rect l="0" t="0" r="r" b="b"/>
+                <a:pathLst>
+                  <a:path w="40" h="40">
+                    <a:moveTo>
+                      <a:pt x="20" y="40"/>
+                    </a:moveTo>
+                    <a:cubicBezTo>
+                      <a:pt x="9" y="40"/>
+                      <a:pt x="0" y="31"/>
+                      <a:pt x="0" y="20"/>
+                    </a:cubicBezTo>
+                    <a:cubicBezTo>
+                      <a:pt x="0" y="9"/>
+                      <a:pt x="9" y="0"/>
+                      <a:pt x="20" y="0"/>
+                    </a:cubicBezTo>
+                    <a:cubicBezTo>
+                      <a:pt x="31" y="0"/>
+                      <a:pt x="40" y="9"/>
+                      <a:pt x="40" y="20"/>
+                    </a:cubicBezTo>
+                    <a:cubicBezTo>
+                      <a:pt x="40" y="31"/>
+                      <a:pt x="31" y="40"/>
+                      <a:pt x="20" y="40"/>
+                    </a:cubicBezTo>
+                    <a:close/>
+                    <a:moveTo>
+                      <a:pt x="20" y="4"/>
+                    </a:moveTo>
+                    <a:cubicBezTo>
+                      <a:pt x="12" y="4"/>
+                      <a:pt x="4" y="11"/>
+                      <a:pt x="4" y="20"/>
+                    </a:cubicBezTo>
+                    <a:cubicBezTo>
+                      <a:pt x="4" y="29"/>
+                      <a:pt x="12" y="36"/>
+                      <a:pt x="20" y="36"/>
+                    </a:cubicBezTo>
+                    <a:cubicBezTo>
+                      <a:pt x="29" y="36"/>
+                      <a:pt x="36" y="29"/>
+                      <a:pt x="36" y="20"/>
+                    </a:cubicBezTo>
+                    <a:cubicBezTo>
+                      <a:pt x="36" y="11"/>
+                      <a:pt x="29" y="4"/>
+                      <a:pt x="20" y="4"/>
+                    </a:cubicBezTo>
+                    <a:close/>
+                  </a:path>
+                </a:pathLst>
+              </a:custGeom>
+              <a:grpFill/>
+              <a:ln>
+                <a:noFill/>
+              </a:ln>
+              <a:extLst>
+                <a:ext uri="{91240B29-F687-4f45-9708-019B960494DF}">
+                  <a14:hiddenLine xmlns:a14="http://schemas.microsoft.com/office/drawing/2010/main" xmlns:p14="http://schemas.microsoft.com/office/powerpoint/2010/main" xmlns:a16="http://schemas.microsoft.com/office/drawing/2014/main" xmlns="" w="9525">
+                    <a:solidFill>
+                      <a:srgbClr val="000000"/>
+                    </a:solidFill>
+                    <a:round/>
+                    <a:headEnd/>
+                    <a:tailEnd/>
+                  </a14:hiddenLine>
+                </a:ext>
+              </a:extLst>
+            </p:spPr>
+          </p:sp>
+          <p:sp>
+            <p:nvSpPr>
+              <p:cNvPr id="53" name="Freeform 30">
+                <a:extLst>
+                  <a:ext uri="{FF2B5EF4-FFF2-40B4-BE49-F238E27FC236}">
+                    <a16:creationId xmlns:a16="http://schemas.microsoft.com/office/drawing/2014/main" id="{82AD6AC6-71D5-4BD8-9185-D3062968B57E}"/>
+                  </a:ext>
+                  <a:ext uri="{C183D7F6-B498-43B3-948B-1728B52AA6E4}">
+                    <adec:decorative xmlns:adec="http://schemas.microsoft.com/office/drawing/2017/decorative" val="1"/>
+                  </a:ext>
+                </a:extLst>
+              </p:cNvPr>
+              <p:cNvSpPr/>
+              <p:nvPr>
+                <p:extLst>
+                  <p:ext uri="{386F3935-93C4-4BCD-93E2-E3B085C9AB24}">
+                    <p16:designElem xmlns:p16="http://schemas.microsoft.com/office/powerpoint/2015/main" val="1"/>
+                  </p:ext>
+                </p:extLst>
+              </p:nvPr>
+            </p:nvSpPr>
+            <p:spPr bwMode="auto">
+              <a:xfrm>
+                <a:off x="669925" y="6330950"/>
+                <a:ext cx="417513" cy="517525"/>
+              </a:xfrm>
+              <a:custGeom>
+                <a:avLst/>
+                <a:gdLst/>
+                <a:ahLst/>
+                <a:cxnLst/>
+                <a:rect l="0" t="0" r="r" b="b"/>
+                <a:pathLst>
+                  <a:path w="263" h="326">
+                    <a:moveTo>
+                      <a:pt x="15" y="326"/>
+                    </a:moveTo>
+                    <a:lnTo>
+                      <a:pt x="0" y="320"/>
+                    </a:lnTo>
+                    <a:lnTo>
+                      <a:pt x="45" y="206"/>
+                    </a:lnTo>
+                    <a:lnTo>
+                      <a:pt x="48" y="206"/>
+                    </a:lnTo>
+                    <a:lnTo>
+                      <a:pt x="254" y="0"/>
+                    </a:lnTo>
+                    <a:lnTo>
+                      <a:pt x="263" y="12"/>
+                    </a:lnTo>
+                    <a:lnTo>
+                      <a:pt x="60" y="215"/>
+                    </a:lnTo>
+                    <a:lnTo>
+                      <a:pt x="15" y="326"/>
+                    </a:lnTo>
+                    <a:close/>
+                  </a:path>
+                </a:pathLst>
+              </a:custGeom>
+              <a:grpFill/>
+              <a:ln>
+                <a:noFill/>
+              </a:ln>
+              <a:extLst>
+                <a:ext uri="{91240B29-F687-4f45-9708-019B960494DF}">
+                  <a14:hiddenLine xmlns:a14="http://schemas.microsoft.com/office/drawing/2010/main" xmlns:p14="http://schemas.microsoft.com/office/powerpoint/2010/main" xmlns:a16="http://schemas.microsoft.com/office/drawing/2014/main" xmlns="" w="9525">
+                    <a:solidFill>
+                      <a:srgbClr val="000000"/>
+                    </a:solidFill>
+                    <a:round/>
+                    <a:headEnd/>
+                    <a:tailEnd/>
+                  </a14:hiddenLine>
+                </a:ext>
+              </a:extLst>
+            </p:spPr>
+          </p:sp>
+          <p:sp>
+            <p:nvSpPr>
+              <p:cNvPr id="54" name="Freeform 31">
+                <a:extLst>
+                  <a:ext uri="{FF2B5EF4-FFF2-40B4-BE49-F238E27FC236}">
+                    <a16:creationId xmlns:a16="http://schemas.microsoft.com/office/drawing/2014/main" id="{743A50C2-65CF-4F4C-B412-6149A93ACFE5}"/>
+                  </a:ext>
+                  <a:ext uri="{C183D7F6-B498-43B3-948B-1728B52AA6E4}">
+                    <adec:decorative xmlns:adec="http://schemas.microsoft.com/office/drawing/2017/decorative" val="1"/>
+                  </a:ext>
+                </a:extLst>
+              </p:cNvPr>
+              <p:cNvSpPr>
+                <a:spLocks noEditPoints="1"/>
+              </p:cNvSpPr>
+              <p:nvPr>
+                <p:extLst>
+                  <p:ext uri="{386F3935-93C4-4BCD-93E2-E3B085C9AB24}">
+                    <p16:designElem xmlns:p16="http://schemas.microsoft.com/office/powerpoint/2015/main" val="1"/>
+                  </p:ext>
+                </p:extLst>
+              </p:nvPr>
+            </p:nvSpPr>
+            <p:spPr bwMode="auto">
+              <a:xfrm>
+                <a:off x="1049337" y="6221413"/>
+                <a:ext cx="157163" cy="147638"/>
+              </a:xfrm>
+              <a:custGeom>
+                <a:avLst/>
+                <a:gdLst/>
+                <a:ahLst/>
+                <a:cxnLst/>
+                <a:rect l="0" t="0" r="r" b="b"/>
+                <a:pathLst>
+                  <a:path w="33" h="31">
+                    <a:moveTo>
+                      <a:pt x="16" y="31"/>
+                    </a:moveTo>
+                    <a:cubicBezTo>
+                      <a:pt x="12" y="31"/>
+                      <a:pt x="8" y="29"/>
+                      <a:pt x="5" y="26"/>
+                    </a:cubicBezTo>
+                    <a:cubicBezTo>
+                      <a:pt x="2" y="24"/>
+                      <a:pt x="0" y="20"/>
+                      <a:pt x="0" y="15"/>
+                    </a:cubicBezTo>
+                    <a:cubicBezTo>
+                      <a:pt x="0" y="11"/>
+                      <a:pt x="2" y="7"/>
+                      <a:pt x="5" y="4"/>
+                    </a:cubicBezTo>
+                    <a:cubicBezTo>
+                      <a:pt x="8" y="1"/>
+                      <a:pt x="12" y="0"/>
+                      <a:pt x="16" y="0"/>
+                    </a:cubicBezTo>
+                    <a:cubicBezTo>
+                      <a:pt x="20" y="0"/>
+                      <a:pt x="24" y="1"/>
+                      <a:pt x="27" y="4"/>
+                    </a:cubicBezTo>
+                    <a:cubicBezTo>
+                      <a:pt x="33" y="10"/>
+                      <a:pt x="33" y="20"/>
+                      <a:pt x="27" y="26"/>
+                    </a:cubicBezTo>
+                    <a:cubicBezTo>
+                      <a:pt x="24" y="29"/>
+                      <a:pt x="20" y="31"/>
+                      <a:pt x="16" y="31"/>
+                    </a:cubicBezTo>
+                    <a:close/>
+                    <a:moveTo>
+                      <a:pt x="16" y="4"/>
+                    </a:moveTo>
+                    <a:cubicBezTo>
+                      <a:pt x="13" y="4"/>
+                      <a:pt x="10" y="5"/>
+                      <a:pt x="8" y="7"/>
+                    </a:cubicBezTo>
+                    <a:cubicBezTo>
+                      <a:pt x="6" y="9"/>
+                      <a:pt x="4" y="12"/>
+                      <a:pt x="4" y="15"/>
+                    </a:cubicBezTo>
+                    <a:cubicBezTo>
+                      <a:pt x="4" y="19"/>
+                      <a:pt x="6" y="21"/>
+                      <a:pt x="8" y="24"/>
+                    </a:cubicBezTo>
+                    <a:cubicBezTo>
+                      <a:pt x="10" y="26"/>
+                      <a:pt x="13" y="27"/>
+                      <a:pt x="16" y="27"/>
+                    </a:cubicBezTo>
+                    <a:cubicBezTo>
+                      <a:pt x="19" y="27"/>
+                      <a:pt x="22" y="26"/>
+                      <a:pt x="24" y="24"/>
+                    </a:cubicBezTo>
+                    <a:cubicBezTo>
+                      <a:pt x="29" y="19"/>
+                      <a:pt x="29" y="12"/>
+                      <a:pt x="24" y="7"/>
+                    </a:cubicBezTo>
+                    <a:cubicBezTo>
+                      <a:pt x="22" y="5"/>
+                      <a:pt x="19" y="4"/>
+                      <a:pt x="16" y="4"/>
+                    </a:cubicBezTo>
+                    <a:close/>
+                  </a:path>
+                </a:pathLst>
+              </a:custGeom>
+              <a:grpFill/>
+              <a:ln>
+                <a:noFill/>
+              </a:ln>
+              <a:extLst>
+                <a:ext uri="{91240B29-F687-4f45-9708-019B960494DF}">
+                  <a14:hiddenLine xmlns:a14="http://schemas.microsoft.com/office/drawing/2010/main" xmlns:p14="http://schemas.microsoft.com/office/powerpoint/2010/main" xmlns:a16="http://schemas.microsoft.com/office/drawing/2014/main" xmlns="" w="9525">
+                    <a:solidFill>
+                      <a:srgbClr val="000000"/>
+                    </a:solidFill>
+                    <a:round/>
+                    <a:headEnd/>
+                    <a:tailEnd/>
+                  </a14:hiddenLine>
+                </a:ext>
+              </a:extLst>
+            </p:spPr>
+          </p:sp>
+        </p:grpSp>
+        <p:grpSp>
+          <p:nvGrpSpPr>
+            <p:cNvPr id="17" name="Group 16">
+              <a:extLst>
+                <a:ext uri="{FF2B5EF4-FFF2-40B4-BE49-F238E27FC236}">
+                  <a16:creationId xmlns:a16="http://schemas.microsoft.com/office/drawing/2014/main" id="{6C0E7A88-FEDF-4C4F-A6B4-F7DDE9DE926A}"/>
+                </a:ext>
+                <a:ext uri="{C183D7F6-B498-43B3-948B-1728B52AA6E4}">
+                  <adec:decorative xmlns:adec="http://schemas.microsoft.com/office/drawing/2017/decorative" val="1"/>
+                </a:ext>
+              </a:extLst>
+            </p:cNvPr>
+            <p:cNvGrpSpPr/>
+            <p:nvPr>
+              <p:extLst>
+                <p:ext uri="{386F3935-93C4-4BCD-93E2-E3B085C9AB24}">
+                  <p16:designElem xmlns:p16="http://schemas.microsoft.com/office/powerpoint/2015/main" val="1"/>
+                </p:ext>
+              </p:extLst>
+            </p:nvPr>
+          </p:nvGrpSpPr>
+          <p:grpSpPr>
+            <a:xfrm>
+              <a:off x="11227597" y="0"/>
+              <a:ext cx="674688" cy="6848476"/>
+              <a:chOff x="11364912" y="0"/>
+              <a:chExt cx="674688" cy="6848476"/>
+            </a:xfrm>
+            <a:gradFill flip="none" rotWithShape="1">
+              <a:gsLst>
+                <a:gs pos="0">
+                  <a:schemeClr val="bg2"/>
+                </a:gs>
+                <a:gs pos="100000">
+                  <a:schemeClr val="tx2">
+                    <a:lumMod val="60000"/>
+                    <a:lumOff val="40000"/>
+                  </a:schemeClr>
+                </a:gs>
+              </a:gsLst>
+              <a:lin ang="5400000" scaled="0"/>
+              <a:tileRect/>
+            </a:gradFill>
+          </p:grpSpPr>
+          <p:sp>
+            <p:nvSpPr>
+              <p:cNvPr id="18" name="Freeform 32">
+                <a:extLst>
+                  <a:ext uri="{FF2B5EF4-FFF2-40B4-BE49-F238E27FC236}">
+                    <a16:creationId xmlns:a16="http://schemas.microsoft.com/office/drawing/2014/main" id="{AE94B3EE-D5C0-4BDE-B6AA-7599F0486EA5}"/>
+                  </a:ext>
+                  <a:ext uri="{C183D7F6-B498-43B3-948B-1728B52AA6E4}">
+                    <adec:decorative xmlns:adec="http://schemas.microsoft.com/office/drawing/2017/decorative" val="1"/>
+                  </a:ext>
+                </a:extLst>
+              </p:cNvPr>
+              <p:cNvSpPr/>
+              <p:nvPr>
+                <p:extLst>
+                  <p:ext uri="{386F3935-93C4-4BCD-93E2-E3B085C9AB24}">
+                    <p16:designElem xmlns:p16="http://schemas.microsoft.com/office/powerpoint/2015/main" val="1"/>
+                  </p:ext>
+                </p:extLst>
+              </p:nvPr>
+            </p:nvSpPr>
+            <p:spPr bwMode="auto">
+              <a:xfrm>
+                <a:off x="11483975" y="0"/>
+                <a:ext cx="417513" cy="512763"/>
+              </a:xfrm>
+              <a:custGeom>
+                <a:avLst/>
+                <a:gdLst/>
+                <a:ahLst/>
+                <a:cxnLst/>
+                <a:rect l="0" t="0" r="r" b="b"/>
+                <a:pathLst>
+                  <a:path w="263" h="323">
+                    <a:moveTo>
+                      <a:pt x="12" y="323"/>
+                    </a:moveTo>
+                    <a:lnTo>
+                      <a:pt x="0" y="314"/>
+                    </a:lnTo>
+                    <a:lnTo>
+                      <a:pt x="203" y="108"/>
+                    </a:lnTo>
+                    <a:lnTo>
+                      <a:pt x="248" y="0"/>
+                    </a:lnTo>
+                    <a:lnTo>
+                      <a:pt x="263" y="6"/>
+                    </a:lnTo>
+                    <a:lnTo>
+                      <a:pt x="218" y="117"/>
+                    </a:lnTo>
+                    <a:lnTo>
+                      <a:pt x="218" y="117"/>
+                    </a:lnTo>
+                    <a:lnTo>
+                      <a:pt x="12" y="323"/>
+                    </a:lnTo>
+                    <a:close/>
+                  </a:path>
+                </a:pathLst>
+              </a:custGeom>
+              <a:grpFill/>
+              <a:ln>
+                <a:noFill/>
+              </a:ln>
+              <a:extLst>
+                <a:ext uri="{91240B29-F687-4f45-9708-019B960494DF}">
+                  <a14:hiddenLine xmlns:a14="http://schemas.microsoft.com/office/drawing/2010/main" xmlns:p14="http://schemas.microsoft.com/office/powerpoint/2010/main" xmlns:a16="http://schemas.microsoft.com/office/drawing/2014/main" xmlns="" w="9525">
+                    <a:solidFill>
+                      <a:srgbClr val="000000"/>
+                    </a:solidFill>
+                    <a:round/>
+                    <a:headEnd/>
+                    <a:tailEnd/>
+                  </a14:hiddenLine>
+                </a:ext>
+              </a:extLst>
+            </p:spPr>
+          </p:sp>
+          <p:sp>
+            <p:nvSpPr>
+              <p:cNvPr id="19" name="Freeform 33">
+                <a:extLst>
+                  <a:ext uri="{FF2B5EF4-FFF2-40B4-BE49-F238E27FC236}">
+                    <a16:creationId xmlns:a16="http://schemas.microsoft.com/office/drawing/2014/main" id="{5EF110E8-C00D-454E-8F3A-ECF2D356676F}"/>
+                  </a:ext>
+                  <a:ext uri="{C183D7F6-B498-43B3-948B-1728B52AA6E4}">
+                    <adec:decorative xmlns:adec="http://schemas.microsoft.com/office/drawing/2017/decorative" val="1"/>
+                  </a:ext>
+                </a:extLst>
+              </p:cNvPr>
+              <p:cNvSpPr>
+                <a:spLocks noEditPoints="1"/>
+              </p:cNvSpPr>
+              <p:nvPr>
+                <p:extLst>
+                  <p:ext uri="{386F3935-93C4-4BCD-93E2-E3B085C9AB24}">
+                    <p16:designElem xmlns:p16="http://schemas.microsoft.com/office/powerpoint/2015/main" val="1"/>
+                  </p:ext>
+                </p:extLst>
+              </p:nvPr>
+            </p:nvSpPr>
+            <p:spPr bwMode="auto">
+              <a:xfrm>
+                <a:off x="11364912" y="474663"/>
+                <a:ext cx="157163" cy="152400"/>
+              </a:xfrm>
+              <a:custGeom>
+                <a:avLst/>
+                <a:gdLst/>
+                <a:ahLst/>
+                <a:cxnLst/>
+                <a:rect l="0" t="0" r="r" b="b"/>
+                <a:pathLst>
+                  <a:path w="33" h="32">
+                    <a:moveTo>
+                      <a:pt x="17" y="32"/>
+                    </a:moveTo>
+                    <a:cubicBezTo>
+                      <a:pt x="13" y="32"/>
+                      <a:pt x="9" y="30"/>
+                      <a:pt x="6" y="27"/>
+                    </a:cubicBezTo>
+                    <a:cubicBezTo>
+                      <a:pt x="0" y="21"/>
+                      <a:pt x="0" y="11"/>
+                      <a:pt x="6" y="5"/>
+                    </a:cubicBezTo>
+                    <a:cubicBezTo>
+                      <a:pt x="9" y="2"/>
+                      <a:pt x="13" y="0"/>
+                      <a:pt x="17" y="0"/>
+                    </a:cubicBezTo>
+                    <a:cubicBezTo>
+                      <a:pt x="21" y="0"/>
+                      <a:pt x="25" y="2"/>
+                      <a:pt x="28" y="5"/>
+                    </a:cubicBezTo>
+                    <a:cubicBezTo>
+                      <a:pt x="31" y="8"/>
+                      <a:pt x="33" y="12"/>
+                      <a:pt x="33" y="16"/>
+                    </a:cubicBezTo>
+                    <a:cubicBezTo>
+                      <a:pt x="33" y="20"/>
+                      <a:pt x="31" y="24"/>
+                      <a:pt x="28" y="27"/>
+                    </a:cubicBezTo>
+                    <a:cubicBezTo>
+                      <a:pt x="25" y="30"/>
+                      <a:pt x="21" y="32"/>
+                      <a:pt x="17" y="32"/>
+                    </a:cubicBezTo>
+                    <a:close/>
+                    <a:moveTo>
+                      <a:pt x="17" y="4"/>
+                    </a:moveTo>
+                    <a:cubicBezTo>
+                      <a:pt x="14" y="4"/>
+                      <a:pt x="11" y="6"/>
+                      <a:pt x="9" y="8"/>
+                    </a:cubicBezTo>
+                    <a:cubicBezTo>
+                      <a:pt x="4" y="12"/>
+                      <a:pt x="4" y="20"/>
+                      <a:pt x="9" y="24"/>
+                    </a:cubicBezTo>
+                    <a:cubicBezTo>
+                      <a:pt x="11" y="27"/>
+                      <a:pt x="14" y="28"/>
+                      <a:pt x="17" y="28"/>
+                    </a:cubicBezTo>
+                    <a:cubicBezTo>
+                      <a:pt x="20" y="28"/>
+                      <a:pt x="23" y="27"/>
+                      <a:pt x="26" y="24"/>
+                    </a:cubicBezTo>
+                    <a:cubicBezTo>
+                      <a:pt x="30" y="20"/>
+                      <a:pt x="30" y="12"/>
+                      <a:pt x="26" y="8"/>
+                    </a:cubicBezTo>
+                    <a:cubicBezTo>
+                      <a:pt x="23" y="6"/>
+                      <a:pt x="20" y="4"/>
+                      <a:pt x="17" y="4"/>
+                    </a:cubicBezTo>
+                    <a:close/>
+                  </a:path>
+                </a:pathLst>
+              </a:custGeom>
+              <a:grpFill/>
+              <a:ln>
+                <a:noFill/>
+              </a:ln>
+              <a:extLst>
+                <a:ext uri="{91240B29-F687-4f45-9708-019B960494DF}">
+                  <a14:hiddenLine xmlns:a14="http://schemas.microsoft.com/office/drawing/2010/main" xmlns:p14="http://schemas.microsoft.com/office/powerpoint/2010/main" xmlns:a16="http://schemas.microsoft.com/office/drawing/2014/main" xmlns="" w="9525">
+                    <a:solidFill>
+                      <a:srgbClr val="000000"/>
+                    </a:solidFill>
+                    <a:round/>
+                    <a:headEnd/>
+                    <a:tailEnd/>
+                  </a14:hiddenLine>
+                </a:ext>
+              </a:extLst>
+            </p:spPr>
+          </p:sp>
+          <p:sp>
+            <p:nvSpPr>
+              <p:cNvPr id="20" name="Freeform 34">
+                <a:extLst>
+                  <a:ext uri="{FF2B5EF4-FFF2-40B4-BE49-F238E27FC236}">
+                    <a16:creationId xmlns:a16="http://schemas.microsoft.com/office/drawing/2014/main" id="{BFC5F327-6927-4F35-9AF6-C45527BB4512}"/>
+                  </a:ext>
+                  <a:ext uri="{C183D7F6-B498-43B3-948B-1728B52AA6E4}">
+                    <adec:decorative xmlns:adec="http://schemas.microsoft.com/office/drawing/2017/decorative" val="1"/>
+                  </a:ext>
+                </a:extLst>
+              </p:cNvPr>
+              <p:cNvSpPr>
+                <a:spLocks noEditPoints="1"/>
+              </p:cNvSpPr>
+              <p:nvPr>
+                <p:extLst>
+                  <p:ext uri="{386F3935-93C4-4BCD-93E2-E3B085C9AB24}">
+                    <p16:designElem xmlns:p16="http://schemas.microsoft.com/office/powerpoint/2015/main" val="1"/>
+                  </p:ext>
+                </p:extLst>
+              </p:nvPr>
+            </p:nvSpPr>
+            <p:spPr bwMode="auto">
+              <a:xfrm>
+                <a:off x="11631612" y="1539875"/>
+                <a:ext cx="188913" cy="190500"/>
+              </a:xfrm>
+              <a:custGeom>
+                <a:avLst/>
+                <a:gdLst/>
+                <a:ahLst/>
+                <a:cxnLst/>
+                <a:rect l="0" t="0" r="r" b="b"/>
+                <a:pathLst>
+                  <a:path w="40" h="40">
+                    <a:moveTo>
+                      <a:pt x="20" y="40"/>
+                    </a:moveTo>
+                    <a:cubicBezTo>
+                      <a:pt x="9" y="40"/>
+                      <a:pt x="0" y="31"/>
+                      <a:pt x="0" y="20"/>
+                    </a:cubicBezTo>
+                    <a:cubicBezTo>
+                      <a:pt x="0" y="9"/>
+                      <a:pt x="9" y="0"/>
+                      <a:pt x="20" y="0"/>
+                    </a:cubicBezTo>
+                    <a:cubicBezTo>
+                      <a:pt x="31" y="0"/>
+                      <a:pt x="40" y="9"/>
+                      <a:pt x="40" y="20"/>
+                    </a:cubicBezTo>
+                    <a:cubicBezTo>
+                      <a:pt x="40" y="31"/>
+                      <a:pt x="31" y="40"/>
+                      <a:pt x="20" y="40"/>
+                    </a:cubicBezTo>
+                    <a:close/>
+                    <a:moveTo>
+                      <a:pt x="20" y="4"/>
+                    </a:moveTo>
+                    <a:cubicBezTo>
+                      <a:pt x="11" y="4"/>
+                      <a:pt x="4" y="11"/>
+                      <a:pt x="4" y="20"/>
+                    </a:cubicBezTo>
+                    <a:cubicBezTo>
+                      <a:pt x="4" y="29"/>
+                      <a:pt x="11" y="36"/>
+                      <a:pt x="20" y="36"/>
+                    </a:cubicBezTo>
+                    <a:cubicBezTo>
+                      <a:pt x="29" y="36"/>
+                      <a:pt x="36" y="29"/>
+                      <a:pt x="36" y="20"/>
+                    </a:cubicBezTo>
+                    <a:cubicBezTo>
+                      <a:pt x="36" y="11"/>
+                      <a:pt x="29" y="4"/>
+                      <a:pt x="20" y="4"/>
+                    </a:cubicBezTo>
+                    <a:close/>
+                  </a:path>
+                </a:pathLst>
+              </a:custGeom>
+              <a:grpFill/>
+              <a:ln>
+                <a:noFill/>
+              </a:ln>
+              <a:extLst>
+                <a:ext uri="{91240B29-F687-4f45-9708-019B960494DF}">
+                  <a14:hiddenLine xmlns:a14="http://schemas.microsoft.com/office/drawing/2010/main" xmlns:p14="http://schemas.microsoft.com/office/powerpoint/2010/main" xmlns:a16="http://schemas.microsoft.com/office/drawing/2014/main" xmlns="" w="9525">
+                    <a:solidFill>
+                      <a:srgbClr val="000000"/>
+                    </a:solidFill>
+                    <a:round/>
+                    <a:headEnd/>
+                    <a:tailEnd/>
+                  </a14:hiddenLine>
+                </a:ext>
+              </a:extLst>
+            </p:spPr>
+          </p:sp>
+          <p:sp>
+            <p:nvSpPr>
+              <p:cNvPr id="21" name="Freeform 35">
+                <a:extLst>
+                  <a:ext uri="{FF2B5EF4-FFF2-40B4-BE49-F238E27FC236}">
+                    <a16:creationId xmlns:a16="http://schemas.microsoft.com/office/drawing/2014/main" id="{BF2D314D-AEDE-418D-9702-D3CDB98C30FB}"/>
+                  </a:ext>
+                  <a:ext uri="{C183D7F6-B498-43B3-948B-1728B52AA6E4}">
+                    <adec:decorative xmlns:adec="http://schemas.microsoft.com/office/drawing/2017/decorative" val="1"/>
+                  </a:ext>
+                </a:extLst>
+              </p:cNvPr>
+              <p:cNvSpPr/>
+              <p:nvPr>
+                <p:extLst>
+                  <p:ext uri="{386F3935-93C4-4BCD-93E2-E3B085C9AB24}">
+                    <p16:designElem xmlns:p16="http://schemas.microsoft.com/office/powerpoint/2015/main" val="1"/>
+                  </p:ext>
+                </p:extLst>
+              </p:nvPr>
+            </p:nvSpPr>
+            <p:spPr bwMode="auto">
+              <a:xfrm>
+                <a:off x="11531600" y="5694363"/>
+                <a:ext cx="298450" cy="1154113"/>
+              </a:xfrm>
+              <a:custGeom>
+                <a:avLst/>
+                <a:gdLst/>
+                <a:ahLst/>
+                <a:cxnLst/>
+                <a:rect l="0" t="0" r="r" b="b"/>
+                <a:pathLst>
+                  <a:path w="188" h="727">
+                    <a:moveTo>
+                      <a:pt x="15" y="727"/>
+                    </a:moveTo>
+                    <a:lnTo>
+                      <a:pt x="0" y="727"/>
+                    </a:lnTo>
+                    <a:lnTo>
+                      <a:pt x="0" y="407"/>
+                    </a:lnTo>
+                    <a:lnTo>
+                      <a:pt x="0" y="407"/>
+                    </a:lnTo>
+                    <a:lnTo>
+                      <a:pt x="176" y="0"/>
+                    </a:lnTo>
+                    <a:lnTo>
+                      <a:pt x="188" y="6"/>
+                    </a:lnTo>
+                    <a:lnTo>
+                      <a:pt x="15" y="410"/>
+                    </a:lnTo>
+                    <a:lnTo>
+                      <a:pt x="15" y="727"/>
+                    </a:lnTo>
+                    <a:close/>
+                  </a:path>
+                </a:pathLst>
+              </a:custGeom>
+              <a:grpFill/>
+              <a:ln>
+                <a:noFill/>
+              </a:ln>
+              <a:extLst>
+                <a:ext uri="{91240B29-F687-4f45-9708-019B960494DF}">
+                  <a14:hiddenLine xmlns:a14="http://schemas.microsoft.com/office/drawing/2010/main" xmlns:p14="http://schemas.microsoft.com/office/powerpoint/2010/main" xmlns:a16="http://schemas.microsoft.com/office/drawing/2014/main" xmlns="" w="9525">
+                    <a:solidFill>
+                      <a:srgbClr val="000000"/>
+                    </a:solidFill>
+                    <a:round/>
+                    <a:headEnd/>
+                    <a:tailEnd/>
+                  </a14:hiddenLine>
+                </a:ext>
+              </a:extLst>
+            </p:spPr>
+          </p:sp>
+          <p:sp>
+            <p:nvSpPr>
+              <p:cNvPr id="22" name="Freeform 36">
+                <a:extLst>
+                  <a:ext uri="{FF2B5EF4-FFF2-40B4-BE49-F238E27FC236}">
+                    <a16:creationId xmlns:a16="http://schemas.microsoft.com/office/drawing/2014/main" id="{64FD07F8-3CA6-4209-9A9E-30609FE9A36D}"/>
+                  </a:ext>
+                  <a:ext uri="{C183D7F6-B498-43B3-948B-1728B52AA6E4}">
+                    <adec:decorative xmlns:adec="http://schemas.microsoft.com/office/drawing/2017/decorative" val="1"/>
+                  </a:ext>
+                </a:extLst>
+              </p:cNvPr>
+              <p:cNvSpPr>
+                <a:spLocks noEditPoints="1"/>
+              </p:cNvSpPr>
+              <p:nvPr>
+                <p:extLst>
+                  <p:ext uri="{386F3935-93C4-4BCD-93E2-E3B085C9AB24}">
+                    <p16:designElem xmlns:p16="http://schemas.microsoft.com/office/powerpoint/2015/main" val="1"/>
+                  </p:ext>
+                </p:extLst>
+              </p:nvPr>
+            </p:nvSpPr>
+            <p:spPr bwMode="auto">
+              <a:xfrm>
+                <a:off x="11772900" y="5551488"/>
+                <a:ext cx="157163" cy="155575"/>
+              </a:xfrm>
+              <a:custGeom>
+                <a:avLst/>
+                <a:gdLst/>
+                <a:ahLst/>
+                <a:cxnLst/>
+                <a:rect l="0" t="0" r="r" b="b"/>
+                <a:pathLst>
+                  <a:path w="33" h="33">
+                    <a:moveTo>
+                      <a:pt x="17" y="33"/>
+                    </a:moveTo>
+                    <a:cubicBezTo>
+                      <a:pt x="8" y="33"/>
+                      <a:pt x="0" y="25"/>
+                      <a:pt x="0" y="16"/>
+                    </a:cubicBezTo>
+                    <a:cubicBezTo>
+                      <a:pt x="0" y="7"/>
+                      <a:pt x="8" y="0"/>
+                      <a:pt x="17" y="0"/>
+                    </a:cubicBezTo>
+                    <a:cubicBezTo>
+                      <a:pt x="26" y="0"/>
+                      <a:pt x="33" y="7"/>
+                      <a:pt x="33" y="16"/>
+                    </a:cubicBezTo>
+                    <a:cubicBezTo>
+                      <a:pt x="33" y="25"/>
+                      <a:pt x="26" y="33"/>
+                      <a:pt x="17" y="33"/>
+                    </a:cubicBezTo>
+                    <a:close/>
+                    <a:moveTo>
+                      <a:pt x="17" y="4"/>
+                    </a:moveTo>
+                    <a:cubicBezTo>
+                      <a:pt x="10" y="4"/>
+                      <a:pt x="4" y="9"/>
+                      <a:pt x="4" y="16"/>
+                    </a:cubicBezTo>
+                    <a:cubicBezTo>
+                      <a:pt x="4" y="23"/>
+                      <a:pt x="10" y="29"/>
+                      <a:pt x="17" y="29"/>
+                    </a:cubicBezTo>
+                    <a:cubicBezTo>
+                      <a:pt x="23" y="29"/>
+                      <a:pt x="29" y="23"/>
+                      <a:pt x="29" y="16"/>
+                    </a:cubicBezTo>
+                    <a:cubicBezTo>
+                      <a:pt x="29" y="9"/>
+                      <a:pt x="23" y="4"/>
+                      <a:pt x="17" y="4"/>
+                    </a:cubicBezTo>
+                    <a:close/>
+                  </a:path>
+                </a:pathLst>
+              </a:custGeom>
+              <a:grpFill/>
+              <a:ln>
+                <a:noFill/>
+              </a:ln>
+              <a:extLst>
+                <a:ext uri="{91240B29-F687-4f45-9708-019B960494DF}">
+                  <a14:hiddenLine xmlns:a14="http://schemas.microsoft.com/office/drawing/2010/main" xmlns:p14="http://schemas.microsoft.com/office/powerpoint/2010/main" xmlns:a16="http://schemas.microsoft.com/office/drawing/2014/main" xmlns="" w="9525">
+                    <a:solidFill>
+                      <a:srgbClr val="000000"/>
+                    </a:solidFill>
+                    <a:round/>
+                    <a:headEnd/>
+                    <a:tailEnd/>
+                  </a14:hiddenLine>
+                </a:ext>
+              </a:extLst>
+            </p:spPr>
+          </p:sp>
+          <p:sp>
+            <p:nvSpPr>
+              <p:cNvPr id="23" name="Freeform 37">
+                <a:extLst>
+                  <a:ext uri="{FF2B5EF4-FFF2-40B4-BE49-F238E27FC236}">
+                    <a16:creationId xmlns:a16="http://schemas.microsoft.com/office/drawing/2014/main" id="{AB0AE24D-CD49-4B57-82E0-780F62AE4FDE}"/>
+                  </a:ext>
+                  <a:ext uri="{C183D7F6-B498-43B3-948B-1728B52AA6E4}">
+                    <adec:decorative xmlns:adec="http://schemas.microsoft.com/office/drawing/2017/decorative" val="1"/>
+                  </a:ext>
+                </a:extLst>
+              </p:cNvPr>
+              <p:cNvSpPr/>
+              <p:nvPr>
+                <p:extLst>
+                  <p:ext uri="{386F3935-93C4-4BCD-93E2-E3B085C9AB24}">
+                    <p16:designElem xmlns:p16="http://schemas.microsoft.com/office/powerpoint/2015/main" val="1"/>
+                  </p:ext>
+                </p:extLst>
+              </p:nvPr>
+            </p:nvSpPr>
+            <p:spPr bwMode="auto">
+              <a:xfrm>
+                <a:off x="11710987" y="4763"/>
+                <a:ext cx="304800" cy="1544638"/>
+              </a:xfrm>
+              <a:custGeom>
+                <a:avLst/>
+                <a:gdLst/>
+                <a:ahLst/>
+                <a:cxnLst/>
+                <a:rect l="0" t="0" r="r" b="b"/>
+                <a:pathLst>
+                  <a:path w="192" h="973">
+                    <a:moveTo>
+                      <a:pt x="15" y="973"/>
+                    </a:moveTo>
+                    <a:lnTo>
+                      <a:pt x="0" y="973"/>
+                    </a:lnTo>
+                    <a:lnTo>
+                      <a:pt x="0" y="790"/>
+                    </a:lnTo>
+                    <a:lnTo>
+                      <a:pt x="174" y="614"/>
+                    </a:lnTo>
+                    <a:lnTo>
+                      <a:pt x="174" y="0"/>
+                    </a:lnTo>
+                    <a:lnTo>
+                      <a:pt x="192" y="0"/>
+                    </a:lnTo>
+                    <a:lnTo>
+                      <a:pt x="192" y="620"/>
+                    </a:lnTo>
+                    <a:lnTo>
+                      <a:pt x="15" y="796"/>
+                    </a:lnTo>
+                    <a:lnTo>
+                      <a:pt x="15" y="973"/>
+                    </a:lnTo>
+                    <a:close/>
+                  </a:path>
+                </a:pathLst>
+              </a:custGeom>
+              <a:grpFill/>
+              <a:ln>
+                <a:noFill/>
+              </a:ln>
+              <a:extLst>
+                <a:ext uri="{91240B29-F687-4f45-9708-019B960494DF}">
+                  <a14:hiddenLine xmlns:a14="http://schemas.microsoft.com/office/drawing/2010/main" xmlns:p14="http://schemas.microsoft.com/office/powerpoint/2010/main" xmlns:a16="http://schemas.microsoft.com/office/drawing/2014/main" xmlns="" w="9525">
+                    <a:solidFill>
+                      <a:srgbClr val="000000"/>
+                    </a:solidFill>
+                    <a:round/>
+                    <a:headEnd/>
+                    <a:tailEnd/>
+                  </a14:hiddenLine>
+                </a:ext>
+              </a:extLst>
+            </p:spPr>
+          </p:sp>
+          <p:sp>
+            <p:nvSpPr>
+              <p:cNvPr id="24" name="Freeform 38">
+                <a:extLst>
+                  <a:ext uri="{FF2B5EF4-FFF2-40B4-BE49-F238E27FC236}">
+                    <a16:creationId xmlns:a16="http://schemas.microsoft.com/office/drawing/2014/main" id="{66803AF8-6368-45E6-A0B7-C0C4CFFEEB51}"/>
+                  </a:ext>
+                  <a:ext uri="{C183D7F6-B498-43B3-948B-1728B52AA6E4}">
+                    <adec:decorative xmlns:adec="http://schemas.microsoft.com/office/drawing/2017/decorative" val="1"/>
+                  </a:ext>
+                </a:extLst>
+              </p:cNvPr>
+              <p:cNvSpPr>
+                <a:spLocks noEditPoints="1"/>
+              </p:cNvSpPr>
+              <p:nvPr>
+                <p:extLst>
+                  <p:ext uri="{386F3935-93C4-4BCD-93E2-E3B085C9AB24}">
+                    <p16:designElem xmlns:p16="http://schemas.microsoft.com/office/powerpoint/2015/main" val="1"/>
+                  </p:ext>
+                </p:extLst>
+              </p:nvPr>
+            </p:nvSpPr>
+            <p:spPr bwMode="auto">
+              <a:xfrm>
+                <a:off x="11636375" y="4867275"/>
+                <a:ext cx="188913" cy="188913"/>
+              </a:xfrm>
+              <a:custGeom>
+                <a:avLst/>
+                <a:gdLst/>
+                <a:ahLst/>
+                <a:cxnLst/>
+                <a:rect l="0" t="0" r="r" b="b"/>
+                <a:pathLst>
+                  <a:path w="40" h="40">
+                    <a:moveTo>
+                      <a:pt x="20" y="40"/>
+                    </a:moveTo>
+                    <a:cubicBezTo>
+                      <a:pt x="9" y="40"/>
+                      <a:pt x="0" y="31"/>
+                      <a:pt x="0" y="20"/>
+                    </a:cubicBezTo>
+                    <a:cubicBezTo>
+                      <a:pt x="0" y="9"/>
+                      <a:pt x="9" y="0"/>
+                      <a:pt x="20" y="0"/>
+                    </a:cubicBezTo>
+                    <a:cubicBezTo>
+                      <a:pt x="31" y="0"/>
+                      <a:pt x="40" y="9"/>
+                      <a:pt x="40" y="20"/>
+                    </a:cubicBezTo>
+                    <a:cubicBezTo>
+                      <a:pt x="40" y="31"/>
+                      <a:pt x="31" y="40"/>
+                      <a:pt x="20" y="40"/>
+                    </a:cubicBezTo>
+                    <a:close/>
+                    <a:moveTo>
+                      <a:pt x="20" y="4"/>
+                    </a:moveTo>
+                    <a:cubicBezTo>
+                      <a:pt x="11" y="4"/>
+                      <a:pt x="4" y="11"/>
+                      <a:pt x="4" y="20"/>
+                    </a:cubicBezTo>
+                    <a:cubicBezTo>
+                      <a:pt x="4" y="29"/>
+                      <a:pt x="11" y="36"/>
+                      <a:pt x="20" y="36"/>
+                    </a:cubicBezTo>
+                    <a:cubicBezTo>
+                      <a:pt x="29" y="36"/>
+                      <a:pt x="36" y="29"/>
+                      <a:pt x="36" y="20"/>
+                    </a:cubicBezTo>
+                    <a:cubicBezTo>
+                      <a:pt x="36" y="11"/>
+                      <a:pt x="29" y="4"/>
+                      <a:pt x="20" y="4"/>
+                    </a:cubicBezTo>
+                    <a:close/>
+                  </a:path>
+                </a:pathLst>
+              </a:custGeom>
+              <a:grpFill/>
+              <a:ln>
+                <a:noFill/>
+              </a:ln>
+              <a:extLst>
+                <a:ext uri="{91240B29-F687-4f45-9708-019B960494DF}">
+                  <a14:hiddenLine xmlns:a14="http://schemas.microsoft.com/office/drawing/2010/main" xmlns:p14="http://schemas.microsoft.com/office/powerpoint/2010/main" xmlns:a16="http://schemas.microsoft.com/office/drawing/2014/main" xmlns="" w="9525">
+                    <a:solidFill>
+                      <a:srgbClr val="000000"/>
+                    </a:solidFill>
+                    <a:round/>
+                    <a:headEnd/>
+                    <a:tailEnd/>
+                  </a14:hiddenLine>
+                </a:ext>
+              </a:extLst>
+            </p:spPr>
+          </p:sp>
+          <p:sp>
+            <p:nvSpPr>
+              <p:cNvPr id="25" name="Freeform 39">
+                <a:extLst>
+                  <a:ext uri="{FF2B5EF4-FFF2-40B4-BE49-F238E27FC236}">
+                    <a16:creationId xmlns:a16="http://schemas.microsoft.com/office/drawing/2014/main" id="{B4761E05-2792-472B-A814-9616151CF305}"/>
+                  </a:ext>
+                  <a:ext uri="{C183D7F6-B498-43B3-948B-1728B52AA6E4}">
+                    <adec:decorative xmlns:adec="http://schemas.microsoft.com/office/drawing/2017/decorative" val="1"/>
+                  </a:ext>
+                </a:extLst>
+              </p:cNvPr>
+              <p:cNvSpPr/>
+              <p:nvPr>
+                <p:extLst>
+                  <p:ext uri="{386F3935-93C4-4BCD-93E2-E3B085C9AB24}">
+                    <p16:designElem xmlns:p16="http://schemas.microsoft.com/office/powerpoint/2015/main" val="1"/>
+                  </p:ext>
+                </p:extLst>
+              </p:nvPr>
+            </p:nvSpPr>
+            <p:spPr bwMode="auto">
+              <a:xfrm>
+                <a:off x="11441112" y="5046663"/>
+                <a:ext cx="307975" cy="1801813"/>
+              </a:xfrm>
+              <a:custGeom>
+                <a:avLst/>
+                <a:gdLst/>
+                <a:ahLst/>
+                <a:cxnLst/>
+                <a:rect l="0" t="0" r="r" b="b"/>
+                <a:pathLst>
+                  <a:path w="194" h="1135">
+                    <a:moveTo>
+                      <a:pt x="18" y="1135"/>
+                    </a:moveTo>
+                    <a:lnTo>
+                      <a:pt x="0" y="1135"/>
+                    </a:lnTo>
+                    <a:lnTo>
+                      <a:pt x="0" y="354"/>
+                    </a:lnTo>
+                    <a:lnTo>
+                      <a:pt x="176" y="177"/>
+                    </a:lnTo>
+                    <a:lnTo>
+                      <a:pt x="176" y="0"/>
+                    </a:lnTo>
+                    <a:lnTo>
+                      <a:pt x="194" y="0"/>
+                    </a:lnTo>
+                    <a:lnTo>
+                      <a:pt x="194" y="183"/>
+                    </a:lnTo>
+                    <a:lnTo>
+                      <a:pt x="18" y="360"/>
+                    </a:lnTo>
+                    <a:lnTo>
+                      <a:pt x="18" y="1135"/>
+                    </a:lnTo>
+                    <a:close/>
+                  </a:path>
+                </a:pathLst>
+              </a:custGeom>
+              <a:grpFill/>
+              <a:ln>
+                <a:noFill/>
+              </a:ln>
+              <a:extLst>
+                <a:ext uri="{91240B29-F687-4f45-9708-019B960494DF}">
+                  <a14:hiddenLine xmlns:a14="http://schemas.microsoft.com/office/drawing/2010/main" xmlns:p14="http://schemas.microsoft.com/office/powerpoint/2010/main" xmlns:a16="http://schemas.microsoft.com/office/drawing/2014/main" xmlns="" w="9525">
+                    <a:solidFill>
+                      <a:srgbClr val="000000"/>
+                    </a:solidFill>
+                    <a:round/>
+                    <a:headEnd/>
+                    <a:tailEnd/>
+                  </a14:hiddenLine>
+                </a:ext>
+              </a:extLst>
+            </p:spPr>
+          </p:sp>
+          <p:sp>
+            <p:nvSpPr>
+              <p:cNvPr id="26" name="Freeform 40">
+                <a:extLst>
+                  <a:ext uri="{FF2B5EF4-FFF2-40B4-BE49-F238E27FC236}">
+                    <a16:creationId xmlns:a16="http://schemas.microsoft.com/office/drawing/2014/main" id="{40B6A261-9427-4E70-9564-048AD009BD83}"/>
+                  </a:ext>
+                  <a:ext uri="{C183D7F6-B498-43B3-948B-1728B52AA6E4}">
+                    <adec:decorative xmlns:adec="http://schemas.microsoft.com/office/drawing/2017/decorative" val="1"/>
+                  </a:ext>
+                </a:extLst>
+              </p:cNvPr>
+              <p:cNvSpPr>
+                <a:spLocks noEditPoints="1"/>
+              </p:cNvSpPr>
+              <p:nvPr>
+                <p:extLst>
+                  <p:ext uri="{386F3935-93C4-4BCD-93E2-E3B085C9AB24}">
+                    <p16:designElem xmlns:p16="http://schemas.microsoft.com/office/powerpoint/2015/main" val="1"/>
+                  </p:ext>
+                </p:extLst>
+              </p:nvPr>
+            </p:nvSpPr>
+            <p:spPr bwMode="auto">
+              <a:xfrm>
+                <a:off x="11849100" y="6416675"/>
+                <a:ext cx="190500" cy="188913"/>
+              </a:xfrm>
+              <a:custGeom>
+                <a:avLst/>
+                <a:gdLst/>
+                <a:ahLst/>
+                <a:cxnLst/>
+                <a:rect l="0" t="0" r="r" b="b"/>
+                <a:pathLst>
+                  <a:path w="40" h="40">
+                    <a:moveTo>
+                      <a:pt x="20" y="40"/>
+                    </a:moveTo>
+                    <a:cubicBezTo>
+                      <a:pt x="9" y="40"/>
+                      <a:pt x="0" y="31"/>
+                      <a:pt x="0" y="20"/>
+                    </a:cubicBezTo>
+                    <a:cubicBezTo>
+                      <a:pt x="0" y="9"/>
+                      <a:pt x="9" y="0"/>
+                      <a:pt x="20" y="0"/>
+                    </a:cubicBezTo>
+                    <a:cubicBezTo>
+                      <a:pt x="31" y="0"/>
+                      <a:pt x="40" y="9"/>
+                      <a:pt x="40" y="20"/>
+                    </a:cubicBezTo>
+                    <a:cubicBezTo>
+                      <a:pt x="40" y="31"/>
+                      <a:pt x="31" y="40"/>
+                      <a:pt x="20" y="40"/>
+                    </a:cubicBezTo>
+                    <a:close/>
+                    <a:moveTo>
+                      <a:pt x="20" y="4"/>
+                    </a:moveTo>
+                    <a:cubicBezTo>
+                      <a:pt x="12" y="4"/>
+                      <a:pt x="4" y="11"/>
+                      <a:pt x="4" y="20"/>
+                    </a:cubicBezTo>
+                    <a:cubicBezTo>
+                      <a:pt x="4" y="29"/>
+                      <a:pt x="12" y="36"/>
+                      <a:pt x="20" y="36"/>
+                    </a:cubicBezTo>
+                    <a:cubicBezTo>
+                      <a:pt x="29" y="36"/>
+                      <a:pt x="36" y="29"/>
+                      <a:pt x="36" y="20"/>
+                    </a:cubicBezTo>
+                    <a:cubicBezTo>
+                      <a:pt x="36" y="11"/>
+                      <a:pt x="29" y="4"/>
+                      <a:pt x="20" y="4"/>
+                    </a:cubicBezTo>
+                    <a:close/>
+                  </a:path>
+                </a:pathLst>
+              </a:custGeom>
+              <a:grpFill/>
+              <a:ln>
+                <a:noFill/>
+              </a:ln>
+              <a:extLst>
+                <a:ext uri="{91240B29-F687-4f45-9708-019B960494DF}">
+                  <a14:hiddenLine xmlns:a14="http://schemas.microsoft.com/office/drawing/2010/main" xmlns:p14="http://schemas.microsoft.com/office/powerpoint/2010/main" xmlns:a16="http://schemas.microsoft.com/office/drawing/2014/main" xmlns="" w="9525">
+                    <a:solidFill>
+                      <a:srgbClr val="000000"/>
+                    </a:solidFill>
+                    <a:round/>
+                    <a:headEnd/>
+                    <a:tailEnd/>
+                  </a14:hiddenLine>
+                </a:ext>
+              </a:extLst>
+            </p:spPr>
+          </p:sp>
+          <p:sp>
+            <p:nvSpPr>
+              <p:cNvPr id="27" name="Rectangle 41">
+                <a:extLst>
+                  <a:ext uri="{FF2B5EF4-FFF2-40B4-BE49-F238E27FC236}">
+                    <a16:creationId xmlns:a16="http://schemas.microsoft.com/office/drawing/2014/main" id="{68BFDFBE-2286-4123-9436-E1DF84AF494F}"/>
+                  </a:ext>
+                  <a:ext uri="{C183D7F6-B498-43B3-948B-1728B52AA6E4}">
+                    <adec:decorative xmlns:adec="http://schemas.microsoft.com/office/drawing/2017/decorative" val="1"/>
+                  </a:ext>
+                </a:extLst>
+              </p:cNvPr>
+              <p:cNvSpPr>
+                <a:spLocks noChangeArrowheads="1"/>
+              </p:cNvSpPr>
+              <p:nvPr>
+                <p:extLst>
+                  <p:ext uri="{386F3935-93C4-4BCD-93E2-E3B085C9AB24}">
+                    <p16:designElem xmlns:p16="http://schemas.microsoft.com/office/powerpoint/2015/main" val="1"/>
+                  </p:ext>
+                </p:extLst>
+              </p:nvPr>
+            </p:nvSpPr>
+            <p:spPr bwMode="auto">
+              <a:xfrm>
+                <a:off x="11939587" y="6596063"/>
+                <a:ext cx="23813" cy="252413"/>
+              </a:xfrm>
+              <a:prstGeom prst="rect">
+                <a:avLst/>
+              </a:prstGeom>
+              <a:grpFill/>
+              <a:ln>
+                <a:noFill/>
+              </a:ln>
+              <a:extLst>
+                <a:ext uri="{91240B29-F687-4f45-9708-019B960494DF}">
+                  <a14:hiddenLine xmlns:a14="http://schemas.microsoft.com/office/drawing/2010/main" xmlns:p14="http://schemas.microsoft.com/office/powerpoint/2010/main" xmlns:a16="http://schemas.microsoft.com/office/drawing/2014/main" xmlns="" w="9525">
+                    <a:solidFill>
+                      <a:srgbClr val="000000"/>
+                    </a:solidFill>
+                    <a:miter lim="800000"/>
+                    <a:headEnd/>
+                    <a:tailEnd/>
+                  </a14:hiddenLine>
+                </a:ext>
+              </a:extLst>
+            </p:spPr>
+          </p:sp>
+        </p:grpSp>
+      </p:grpSp>
+      <p:pic>
+        <p:nvPicPr>
+          <p:cNvPr id="56" name="Picture 2">
+            <a:extLst>
+              <a:ext uri="{FF2B5EF4-FFF2-40B4-BE49-F238E27FC236}">
+                <a16:creationId xmlns:a16="http://schemas.microsoft.com/office/drawing/2014/main" id="{5B3DE270-418F-47A7-B311-C4D876041DC6}"/>
+              </a:ext>
+              <a:ext uri="{C183D7F6-B498-43B3-948B-1728B52AA6E4}">
+                <adec:decorative xmlns:adec="http://schemas.microsoft.com/office/drawing/2017/decorative" val="1"/>
+              </a:ext>
+            </a:extLst>
+          </p:cNvPr>
+          <p:cNvPicPr>
+            <a:picLocks noGrp="1" noRot="1" noChangeAspect="1" noMove="1" noResize="1" noEditPoints="1" noAdjustHandles="1" noChangeArrowheads="1" noChangeShapeType="1" noCrop="1"/>
+          </p:cNvPicPr>
+          <p:nvPr>
+            <p:extLst>
+              <p:ext uri="{386F3935-93C4-4BCD-93E2-E3B085C9AB24}">
+                <p16:designElem xmlns:p16="http://schemas.microsoft.com/office/powerpoint/2015/main" val="1"/>
+              </p:ext>
+            </p:extLst>
+          </p:nvPr>
+        </p:nvPicPr>
+        <p:blipFill>
+          <a:blip r:embed="rId2">
+            <a:alphaModFix amt="30000"/>
+            <a:extLst>
+              <a:ext uri="{28A0092B-C50C-407E-A947-70E740481C1C}">
+                <a14:useLocalDpi xmlns:a14="http://schemas.microsoft.com/office/drawing/2010/main" val="0"/>
+              </a:ext>
+            </a:extLst>
+          </a:blip>
+          <a:srcRect/>
+          <a:stretch>
+            <a:fillRect/>
+          </a:stretch>
+        </p:blipFill>
+        <p:spPr bwMode="auto">
+          <a:xfrm>
+            <a:off x="0" y="0"/>
+            <a:ext cx="12192003" cy="6858001"/>
+          </a:xfrm>
+          <a:prstGeom prst="rect">
+            <a:avLst/>
+          </a:prstGeom>
+          <a:noFill/>
+          <a:extLst>
+            <a:ext uri="{909E8E84-426E-40dd-AFC4-6F175D3DCCD1}">
+              <a14:hiddenFill xmlns:a14="http://schemas.microsoft.com/office/drawing/2010/main" xmlns:p14="http://schemas.microsoft.com/office/powerpoint/2010/main" xmlns:a16="http://schemas.microsoft.com/office/drawing/2014/main" xmlns="">
+                <a:solidFill>
+                  <a:srgbClr val="FFFFFF"/>
+                </a:solidFill>
+              </a14:hiddenFill>
+            </a:ext>
+          </a:extLst>
+        </p:spPr>
+      </p:pic>
+      <p:sp>
+        <p:nvSpPr>
+          <p:cNvPr id="2" name="Título 1">
+            <a:extLst>
+              <a:ext uri="{FF2B5EF4-FFF2-40B4-BE49-F238E27FC236}">
+                <a16:creationId xmlns:a16="http://schemas.microsoft.com/office/drawing/2014/main" id="{18BFE39F-970F-40E4-97D7-07A6A18CC164}"/>
+              </a:ext>
+            </a:extLst>
+          </p:cNvPr>
+          <p:cNvSpPr>
+            <a:spLocks noGrp="1"/>
+          </p:cNvSpPr>
+          <p:nvPr>
+            <p:ph type="title"/>
+          </p:nvPr>
+        </p:nvSpPr>
+        <p:spPr>
+          <a:xfrm>
+            <a:off x="8036041" y="618518"/>
+            <a:ext cx="3281003" cy="1478570"/>
+          </a:xfrm>
+        </p:spPr>
+        <p:txBody>
+          <a:bodyPr anchor="b">
+            <a:normAutofit/>
+          </a:bodyPr>
+          <a:lstStyle/>
+          <a:p>
+            <a:r>
+              <a:rPr lang="es-CL" sz="2800" dirty="0">
+                <a:solidFill>
+                  <a:srgbClr val="FFFFFF"/>
+                </a:solidFill>
+              </a:rPr>
+              <a:t>Diagrama de proceso : envió de correo</a:t>
+            </a:r>
+          </a:p>
+        </p:txBody>
+      </p:sp>
+      <p:sp useBgFill="1">
+        <p:nvSpPr>
+          <p:cNvPr id="58" name="Round Diagonal Corner Rectangle 11">
+            <a:extLst>
+              <a:ext uri="{FF2B5EF4-FFF2-40B4-BE49-F238E27FC236}">
+                <a16:creationId xmlns:a16="http://schemas.microsoft.com/office/drawing/2014/main" id="{A1351C6B-7343-451F-AB4A-1CE294A4E927}"/>
+              </a:ext>
+              <a:ext uri="{C183D7F6-B498-43B3-948B-1728B52AA6E4}">
+                <adec:decorative xmlns:adec="http://schemas.microsoft.com/office/drawing/2017/decorative" val="1"/>
+              </a:ext>
+            </a:extLst>
+          </p:cNvPr>
+          <p:cNvSpPr>
+            <a:spLocks noGrp="1" noRot="1" noChangeAspect="1" noMove="1" noResize="1" noEditPoints="1" noAdjustHandles="1" noChangeArrowheads="1" noChangeShapeType="1" noTextEdit="1"/>
+          </p:cNvSpPr>
+          <p:nvPr>
+            <p:extLst>
+              <p:ext uri="{386F3935-93C4-4BCD-93E2-E3B085C9AB24}">
+                <p16:designElem xmlns:p16="http://schemas.microsoft.com/office/powerpoint/2015/main" val="1"/>
+              </p:ext>
+            </p:extLst>
+          </p:nvPr>
+        </p:nvSpPr>
+        <p:spPr>
+          <a:xfrm>
+            <a:off x="798949" y="808057"/>
+            <a:ext cx="6752461" cy="5234394"/>
+          </a:xfrm>
+          <a:prstGeom prst="round2DiagRect">
+            <a:avLst>
+              <a:gd name="adj1" fmla="val 7418"/>
+              <a:gd name="adj2" fmla="val 0"/>
+            </a:avLst>
+          </a:prstGeom>
+          <a:ln w="19050" cap="sq">
+            <a:solidFill>
+              <a:schemeClr val="tx2">
+                <a:lumMod val="60000"/>
+                <a:lumOff val="40000"/>
+                <a:alpha val="60000"/>
+              </a:schemeClr>
+            </a:solidFill>
+            <a:miter lim="800000"/>
+          </a:ln>
+          <a:effectLst>
+            <a:outerShdw blurRad="88900" dist="38100" dir="5400000" algn="t" rotWithShape="0">
+              <a:prstClr val="black">
+                <a:alpha val="40000"/>
+              </a:prstClr>
+            </a:outerShdw>
+          </a:effectLst>
+        </p:spPr>
+        <p:style>
+          <a:lnRef idx="2">
+            <a:schemeClr val="accent1">
+              <a:shade val="50000"/>
+            </a:schemeClr>
+          </a:lnRef>
+          <a:fillRef idx="1">
+            <a:schemeClr val="accent1"/>
+          </a:fillRef>
+          <a:effectRef idx="0">
+            <a:schemeClr val="accent1"/>
+          </a:effectRef>
+          <a:fontRef idx="minor">
+            <a:schemeClr val="lt1"/>
+          </a:fontRef>
+        </p:style>
+        <p:txBody>
+          <a:bodyPr rtlCol="0" anchor="ctr"/>
+          <a:lstStyle/>
+          <a:p>
+            <a:pPr algn="ctr"/>
+            <a:endParaRPr lang="en-US"/>
+          </a:p>
+        </p:txBody>
+      </p:sp>
+      <p:pic>
+        <p:nvPicPr>
+          <p:cNvPr id="8" name="Marcador de contenido 4">
+            <a:extLst>
+              <a:ext uri="{FF2B5EF4-FFF2-40B4-BE49-F238E27FC236}">
+                <a16:creationId xmlns:a16="http://schemas.microsoft.com/office/drawing/2014/main" id="{63C9936C-D4F7-450C-8F20-9A797E366A60}"/>
+              </a:ext>
+            </a:extLst>
+          </p:cNvPr>
+          <p:cNvPicPr>
+            <a:picLocks noChangeAspect="1"/>
+          </p:cNvPicPr>
+          <p:nvPr/>
+        </p:nvPicPr>
+        <p:blipFill>
+          <a:blip r:embed="rId3"/>
+          <a:stretch>
+            <a:fillRect/>
+          </a:stretch>
+        </p:blipFill>
+        <p:spPr>
+          <a:xfrm>
+            <a:off x="1118987" y="1516151"/>
+            <a:ext cx="6250801" cy="3906749"/>
+          </a:xfrm>
+          <a:prstGeom prst="rect">
+            <a:avLst/>
+          </a:prstGeom>
+        </p:spPr>
+      </p:pic>
+      <p:pic>
+        <p:nvPicPr>
+          <p:cNvPr id="6" name="Imagen 5" descr="Imagen que contiene animal, mamífero, interior, primate&#10;&#10;Descripción generada con confianza muy alta">
+            <a:extLst>
+              <a:ext uri="{FF2B5EF4-FFF2-40B4-BE49-F238E27FC236}">
+                <a16:creationId xmlns:a16="http://schemas.microsoft.com/office/drawing/2014/main" id="{D8E7A040-5124-4586-A0D9-099A2676CB14}"/>
+              </a:ext>
+            </a:extLst>
+          </p:cNvPr>
+          <p:cNvPicPr>
+            <a:picLocks noChangeAspect="1"/>
+          </p:cNvPicPr>
+          <p:nvPr/>
+        </p:nvPicPr>
+        <p:blipFill>
+          <a:blip r:embed="rId4"/>
+          <a:stretch>
+            <a:fillRect/>
+          </a:stretch>
+        </p:blipFill>
+        <p:spPr>
+          <a:xfrm>
+            <a:off x="8058150" y="2636837"/>
+            <a:ext cx="3810000" cy="2857500"/>
+          </a:xfrm>
+          <a:prstGeom prst="rect">
+            <a:avLst/>
+          </a:prstGeom>
+        </p:spPr>
+      </p:pic>
+    </p:spTree>
+    <p:extLst>
+      <p:ext uri="{BB962C8B-B14F-4D97-AF65-F5344CB8AC3E}">
+        <p14:creationId xmlns:p14="http://schemas.microsoft.com/office/powerpoint/2010/main" val="70985300"/>
+      </p:ext>
+    </p:extLst>
+  </p:cSld>
+  <p:clrMapOvr>
+    <a:overrideClrMapping bg1="lt1" tx1="dk1" bg2="lt2" tx2="dk2" accent1="accent1" accent2="accent2" accent3="accent3" accent4="accent4" accent5="accent5" accent6="accent6" hlink="hlink" folHlink="folHlink"/>
+  </p:clrMapOvr>
+</p:sld>
+</file>
+
+<file path=ppt/slides/slide2.xml><?xml version="1.0" encoding="utf-8"?>
+<p:sld xmlns:a="http://schemas.openxmlformats.org/drawingml/2006/main" xmlns:r="http://schemas.openxmlformats.org/officeDocument/2006/relationships" xmlns:p="http://schemas.openxmlformats.org/presentationml/2006/main">
+  <p:cSld>
+    <p:spTree>
+      <p:nvGrpSpPr>
+        <p:cNvPr id="1" name=""/>
+        <p:cNvGrpSpPr/>
+        <p:nvPr/>
+      </p:nvGrpSpPr>
+      <p:grpSpPr>
+        <a:xfrm>
+          <a:off x="0" y="0"/>
+          <a:ext cx="0" cy="0"/>
+          <a:chOff x="0" y="0"/>
+          <a:chExt cx="0" cy="0"/>
+        </a:xfrm>
+      </p:grpSpPr>
+      <p:sp>
+        <p:nvSpPr>
+          <p:cNvPr id="2" name="Título 1">
+            <a:extLst>
+              <a:ext uri="{FF2B5EF4-FFF2-40B4-BE49-F238E27FC236}">
+                <a16:creationId xmlns:a16="http://schemas.microsoft.com/office/drawing/2014/main" id="{9DAB50D7-9294-4D57-A5D9-DB90AC1B9E1C}"/>
+              </a:ext>
+            </a:extLst>
+          </p:cNvPr>
+          <p:cNvSpPr>
+            <a:spLocks noGrp="1"/>
+          </p:cNvSpPr>
+          <p:nvPr>
+            <p:ph type="title"/>
+          </p:nvPr>
+        </p:nvSpPr>
         <p:spPr/>
         <p:txBody>
           <a:bodyPr/>
           <a:lstStyle/>
           <a:p>
-            <a:endParaRPr lang="es-CL"/>
+            <a:br>
+              <a:rPr lang="es-ES" dirty="0"/>
+            </a:br>
+            <a:r>
+              <a:rPr lang="es-CL" dirty="0"/>
+              <a:t>CLIENTE	</a:t>
+            </a:r>
           </a:p>
         </p:txBody>
       </p:sp>
@@ -13246,7 +16698,7 @@
           <p:cNvPr id="3" name="Marcador de contenido 2">
             <a:extLst>
               <a:ext uri="{FF2B5EF4-FFF2-40B4-BE49-F238E27FC236}">
-                <a16:creationId xmlns:a16="http://schemas.microsoft.com/office/drawing/2014/main" id="{122B208B-DE37-4A97-8257-27AAFE2BB936}"/>
+                <a16:creationId xmlns:a16="http://schemas.microsoft.com/office/drawing/2014/main" id="{934A560F-FD94-4CB1-822B-BC88B6E14942}"/>
               </a:ext>
             </a:extLst>
           </p:cNvPr>
@@ -13262,14 +16714,4733 @@
           <a:bodyPr/>
           <a:lstStyle/>
           <a:p>
-            <a:endParaRPr lang="es-CL"/>
+            <a:pPr marL="0" indent="0">
+              <a:buNone/>
+            </a:pPr>
+            <a:endParaRPr lang="es-ES" dirty="0"/>
+          </a:p>
+          <a:p>
+            <a:r>
+              <a:rPr lang="es-ES" dirty="0"/>
+              <a:t>Claudia Padilla, Gerenta general de la empresa MEDIACOOP, esta empresa se de dedica a ofrecer servicios de difusión, publicidad ,marketing e información en todos los soportes actuales y futuros</a:t>
+            </a:r>
+            <a:endParaRPr lang="es-CL" dirty="0"/>
+          </a:p>
+        </p:txBody>
+      </p:sp>
+      <p:pic>
+        <p:nvPicPr>
+          <p:cNvPr id="5" name="Imagen 4">
+            <a:extLst>
+              <a:ext uri="{FF2B5EF4-FFF2-40B4-BE49-F238E27FC236}">
+                <a16:creationId xmlns:a16="http://schemas.microsoft.com/office/drawing/2014/main" id="{07F2943E-3DDD-40A9-8592-5BBC00AB035E}"/>
+              </a:ext>
+            </a:extLst>
+          </p:cNvPr>
+          <p:cNvPicPr>
+            <a:picLocks noChangeAspect="1"/>
+          </p:cNvPicPr>
+          <p:nvPr/>
+        </p:nvPicPr>
+        <p:blipFill>
+          <a:blip r:embed="rId2"/>
+          <a:stretch>
+            <a:fillRect/>
+          </a:stretch>
+        </p:blipFill>
+        <p:spPr>
+          <a:xfrm>
+            <a:off x="4950486" y="662292"/>
+            <a:ext cx="5462244" cy="1549753"/>
+          </a:xfrm>
+          <a:prstGeom prst="rect">
+            <a:avLst/>
+          </a:prstGeom>
+        </p:spPr>
+      </p:pic>
+    </p:spTree>
+    <p:extLst>
+      <p:ext uri="{BB962C8B-B14F-4D97-AF65-F5344CB8AC3E}">
+        <p14:creationId xmlns:p14="http://schemas.microsoft.com/office/powerpoint/2010/main" val="3836463641"/>
+      </p:ext>
+    </p:extLst>
+  </p:cSld>
+  <p:clrMapOvr>
+    <a:masterClrMapping/>
+  </p:clrMapOvr>
+</p:sld>
+</file>
+
+<file path=ppt/slides/slide3.xml><?xml version="1.0" encoding="utf-8"?>
+<p:sld xmlns:a="http://schemas.openxmlformats.org/drawingml/2006/main" xmlns:r="http://schemas.openxmlformats.org/officeDocument/2006/relationships" xmlns:p="http://schemas.openxmlformats.org/presentationml/2006/main">
+  <p:cSld>
+    <p:bg>
+      <p:bgPr>
+        <a:blipFill>
+          <a:blip r:embed="rId2">
+            <a:duotone>
+              <a:schemeClr val="bg2">
+                <a:shade val="88000"/>
+                <a:hueMod val="106000"/>
+                <a:satMod val="140000"/>
+                <a:lumMod val="54000"/>
+              </a:schemeClr>
+              <a:schemeClr val="bg2">
+                <a:tint val="98000"/>
+                <a:hueMod val="90000"/>
+                <a:satMod val="150000"/>
+                <a:lumMod val="160000"/>
+              </a:schemeClr>
+            </a:duotone>
+            <a:extLst/>
+          </a:blip>
+          <a:stretch/>
+        </a:blipFill>
+        <a:effectLst/>
+      </p:bgPr>
+    </p:bg>
+    <p:spTree>
+      <p:nvGrpSpPr>
+        <p:cNvPr id="1" name=""/>
+        <p:cNvGrpSpPr/>
+        <p:nvPr/>
+      </p:nvGrpSpPr>
+      <p:grpSpPr>
+        <a:xfrm>
+          <a:off x="0" y="0"/>
+          <a:ext cx="0" cy="0"/>
+          <a:chOff x="0" y="0"/>
+          <a:chExt cx="0" cy="0"/>
+        </a:xfrm>
+      </p:grpSpPr>
+      <p:sp useBgFill="1">
+        <p:nvSpPr>
+          <p:cNvPr id="10" name="Rectangle 9">
+            <a:extLst>
+              <a:ext uri="{FF2B5EF4-FFF2-40B4-BE49-F238E27FC236}">
+                <a16:creationId xmlns:a16="http://schemas.microsoft.com/office/drawing/2014/main" id="{C2E4E997-8672-4FFD-B8EC-9932A8E4714B}"/>
+              </a:ext>
+              <a:ext uri="{C183D7F6-B498-43B3-948B-1728B52AA6E4}">
+                <adec:decorative xmlns:adec="http://schemas.microsoft.com/office/drawing/2017/decorative" val="1"/>
+              </a:ext>
+            </a:extLst>
+          </p:cNvPr>
+          <p:cNvSpPr>
+            <a:spLocks noGrp="1" noRot="1" noChangeAspect="1" noMove="1" noResize="1" noEditPoints="1" noAdjustHandles="1" noChangeArrowheads="1" noChangeShapeType="1" noTextEdit="1"/>
+          </p:cNvSpPr>
+          <p:nvPr>
+            <p:extLst>
+              <p:ext uri="{386F3935-93C4-4BCD-93E2-E3B085C9AB24}">
+                <p16:designElem xmlns:p16="http://schemas.microsoft.com/office/powerpoint/2015/main" val="1"/>
+              </p:ext>
+            </p:extLst>
+          </p:nvPr>
+        </p:nvSpPr>
+        <p:spPr>
+          <a:xfrm>
+            <a:off x="0" y="0"/>
+            <a:ext cx="12192000" cy="6858000"/>
+          </a:xfrm>
+          <a:prstGeom prst="rect">
+            <a:avLst/>
+          </a:prstGeom>
+          <a:ln>
+            <a:noFill/>
+          </a:ln>
+        </p:spPr>
+        <p:style>
+          <a:lnRef idx="2">
+            <a:schemeClr val="accent1">
+              <a:shade val="50000"/>
+            </a:schemeClr>
+          </a:lnRef>
+          <a:fillRef idx="1003">
+            <a:schemeClr val="dk2"/>
+          </a:fillRef>
+          <a:effectRef idx="0">
+            <a:schemeClr val="accent1"/>
+          </a:effectRef>
+          <a:fontRef idx="minor">
+            <a:schemeClr val="lt1"/>
+          </a:fontRef>
+        </p:style>
+        <p:txBody>
+          <a:bodyPr rtlCol="0" anchor="ctr"/>
+          <a:lstStyle/>
+          <a:p>
+            <a:pPr algn="ctr"/>
+            <a:endParaRPr lang="en-US"/>
+          </a:p>
+        </p:txBody>
+      </p:sp>
+      <p:pic>
+        <p:nvPicPr>
+          <p:cNvPr id="12" name="Picture 2" descr="Imagen que contiene electrónica&#10;&#10;Descripción generada con confianza alta">
+            <a:extLst>
+              <a:ext uri="{FF2B5EF4-FFF2-40B4-BE49-F238E27FC236}">
+                <a16:creationId xmlns:a16="http://schemas.microsoft.com/office/drawing/2014/main" id="{FE6BA9E6-1D9E-4D30-B528-D49FA1342E4E}"/>
+              </a:ext>
+              <a:ext uri="{C183D7F6-B498-43B3-948B-1728B52AA6E4}">
+                <adec:decorative xmlns:adec="http://schemas.microsoft.com/office/drawing/2017/decorative" val="1"/>
+              </a:ext>
+            </a:extLst>
+          </p:cNvPr>
+          <p:cNvPicPr>
+            <a:picLocks noGrp="1" noRot="1" noChangeAspect="1" noMove="1" noResize="1" noEditPoints="1" noAdjustHandles="1" noChangeArrowheads="1" noChangeShapeType="1" noCrop="1"/>
+          </p:cNvPicPr>
+          <p:nvPr>
+            <p:extLst>
+              <p:ext uri="{386F3935-93C4-4BCD-93E2-E3B085C9AB24}">
+                <p16:designElem xmlns:p16="http://schemas.microsoft.com/office/powerpoint/2015/main" val="1"/>
+              </p:ext>
+            </p:extLst>
+          </p:nvPr>
+        </p:nvPicPr>
+        <p:blipFill>
+          <a:blip r:embed="rId3">
+            <a:alphaModFix amt="30000"/>
+            <a:extLst>
+              <a:ext uri="{28A0092B-C50C-407E-A947-70E740481C1C}">
+                <a14:useLocalDpi xmlns:a14="http://schemas.microsoft.com/office/drawing/2010/main" val="0"/>
+              </a:ext>
+            </a:extLst>
+          </a:blip>
+          <a:srcRect/>
+          <a:stretch>
+            <a:fillRect/>
+          </a:stretch>
+        </p:blipFill>
+        <p:spPr bwMode="auto">
+          <a:xfrm>
+            <a:off x="0" y="0"/>
+            <a:ext cx="12192003" cy="6858001"/>
+          </a:xfrm>
+          <a:prstGeom prst="rect">
+            <a:avLst/>
+          </a:prstGeom>
+          <a:noFill/>
+          <a:extLst>
+            <a:ext uri="{909E8E84-426E-40dd-AFC4-6F175D3DCCD1}">
+              <a14:hiddenFill xmlns="" xmlns:a16="http://schemas.microsoft.com/office/drawing/2014/main" xmlns:p14="http://schemas.microsoft.com/office/powerpoint/2010/main" xmlns:a14="http://schemas.microsoft.com/office/drawing/2010/main">
+                <a:solidFill>
+                  <a:srgbClr val="FFFFFF"/>
+                </a:solidFill>
+              </a14:hiddenFill>
+            </a:ext>
+          </a:extLst>
+        </p:spPr>
+      </p:pic>
+      <p:sp>
+        <p:nvSpPr>
+          <p:cNvPr id="2" name="Título 1">
+            <a:extLst>
+              <a:ext uri="{FF2B5EF4-FFF2-40B4-BE49-F238E27FC236}">
+                <a16:creationId xmlns:a16="http://schemas.microsoft.com/office/drawing/2014/main" id="{E03C2943-2D56-4E20-85BB-7823D13E210A}"/>
+              </a:ext>
+            </a:extLst>
+          </p:cNvPr>
+          <p:cNvSpPr>
+            <a:spLocks noGrp="1"/>
+          </p:cNvSpPr>
+          <p:nvPr>
+            <p:ph type="title"/>
+          </p:nvPr>
+        </p:nvSpPr>
+        <p:spPr>
+          <a:xfrm>
+            <a:off x="1141413" y="618518"/>
+            <a:ext cx="4459286" cy="1478570"/>
+          </a:xfrm>
+        </p:spPr>
+        <p:txBody>
+          <a:bodyPr>
+            <a:normAutofit/>
+          </a:bodyPr>
+          <a:lstStyle/>
+          <a:p>
+            <a:r>
+              <a:rPr lang="es-ES" sz="3200"/>
+              <a:t>PROBLEMA A SOLUCIONAR	</a:t>
+            </a:r>
+            <a:endParaRPr lang="es-CL" sz="3200"/>
+          </a:p>
+        </p:txBody>
+      </p:sp>
+      <p:sp>
+        <p:nvSpPr>
+          <p:cNvPr id="3" name="Marcador de contenido 2">
+            <a:extLst>
+              <a:ext uri="{FF2B5EF4-FFF2-40B4-BE49-F238E27FC236}">
+                <a16:creationId xmlns:a16="http://schemas.microsoft.com/office/drawing/2014/main" id="{C9B29703-830E-4AC8-A13E-80489ACFB4EE}"/>
+              </a:ext>
+            </a:extLst>
+          </p:cNvPr>
+          <p:cNvSpPr>
+            <a:spLocks noGrp="1"/>
+          </p:cNvSpPr>
+          <p:nvPr>
+            <p:ph idx="1"/>
+          </p:nvPr>
+        </p:nvSpPr>
+        <p:spPr>
+          <a:xfrm>
+            <a:off x="1141412" y="2249487"/>
+            <a:ext cx="4459287" cy="3965046"/>
+          </a:xfrm>
+        </p:spPr>
+        <p:txBody>
+          <a:bodyPr>
+            <a:normAutofit/>
+          </a:bodyPr>
+          <a:lstStyle/>
+          <a:p>
+            <a:r>
+              <a:rPr lang="es-ES" sz="2000"/>
+              <a:t>Gestión de un Software Informático, que permita, mediante una plataforma,  el  </a:t>
+            </a:r>
+            <a:r>
+              <a:rPr lang="es-ES" sz="2000" b="1"/>
+              <a:t>envío de información vía emails masivos</a:t>
+            </a:r>
+            <a:r>
+              <a:rPr lang="es-ES" sz="2000"/>
+              <a:t> y  </a:t>
+            </a:r>
+            <a:r>
+              <a:rPr lang="es-ES" sz="2000" b="1"/>
+              <a:t>subir contenidos simultáneos a plataforma web y redes sociales  </a:t>
+            </a:r>
+            <a:r>
+              <a:rPr lang="es-ES" sz="2000"/>
+              <a:t>,facebook, twitter, instagram, etc …</a:t>
+            </a:r>
+            <a:endParaRPr lang="es-CL" sz="2000"/>
+          </a:p>
+        </p:txBody>
+      </p:sp>
+      <p:pic>
+        <p:nvPicPr>
+          <p:cNvPr id="5" name="Imagen 4">
+            <a:extLst>
+              <a:ext uri="{FF2B5EF4-FFF2-40B4-BE49-F238E27FC236}">
+                <a16:creationId xmlns:a16="http://schemas.microsoft.com/office/drawing/2014/main" id="{C399F919-B145-4A3D-9F48-06D9BCAF3142}"/>
+              </a:ext>
+            </a:extLst>
+          </p:cNvPr>
+          <p:cNvPicPr>
+            <a:picLocks noChangeAspect="1"/>
+          </p:cNvPicPr>
+          <p:nvPr/>
+        </p:nvPicPr>
+        <p:blipFill>
+          <a:blip r:embed="rId4"/>
+          <a:stretch>
+            <a:fillRect/>
+          </a:stretch>
+        </p:blipFill>
+        <p:spPr>
+          <a:xfrm>
+            <a:off x="6140877" y="618518"/>
+            <a:ext cx="5366525" cy="5596015"/>
+          </a:xfrm>
+          <a:prstGeom prst="round2DiagRect">
+            <a:avLst>
+              <a:gd name="adj1" fmla="val 5608"/>
+              <a:gd name="adj2" fmla="val 0"/>
+            </a:avLst>
+          </a:prstGeom>
+          <a:ln w="19050" cap="sq">
+            <a:solidFill>
+              <a:schemeClr val="tx2">
+                <a:lumMod val="60000"/>
+                <a:lumOff val="40000"/>
+                <a:alpha val="60000"/>
+              </a:schemeClr>
+            </a:solidFill>
+            <a:miter lim="800000"/>
+          </a:ln>
+          <a:effectLst>
+            <a:outerShdw blurRad="88900" dist="38100" dir="5400000" algn="t" rotWithShape="0">
+              <a:prstClr val="black">
+                <a:alpha val="40000"/>
+              </a:prstClr>
+            </a:outerShdw>
+          </a:effectLst>
+        </p:spPr>
+      </p:pic>
+      <p:grpSp>
+        <p:nvGrpSpPr>
+          <p:cNvPr id="14" name="Group 13">
+            <a:extLst>
+              <a:ext uri="{FF2B5EF4-FFF2-40B4-BE49-F238E27FC236}">
+                <a16:creationId xmlns:a16="http://schemas.microsoft.com/office/drawing/2014/main" id="{453E4DEE-E996-40F8-8635-0FF43D7348F9}"/>
+              </a:ext>
+              <a:ext uri="{C183D7F6-B498-43B3-948B-1728B52AA6E4}">
+                <adec:decorative xmlns:adec="http://schemas.microsoft.com/office/drawing/2017/decorative" val="1"/>
+              </a:ext>
+            </a:extLst>
+          </p:cNvPr>
+          <p:cNvGrpSpPr>
+            <a:grpSpLocks noGrp="1" noUngrp="1" noRot="1" noChangeAspect="1" noMove="1" noResize="1"/>
+          </p:cNvGrpSpPr>
+          <p:nvPr>
+            <p:extLst>
+              <p:ext uri="{386F3935-93C4-4BCD-93E2-E3B085C9AB24}">
+                <p16:designElem xmlns:p16="http://schemas.microsoft.com/office/powerpoint/2015/main" val="1"/>
+              </p:ext>
+            </p:extLst>
+          </p:nvPr>
+        </p:nvGrpSpPr>
+        <p:grpSpPr>
+          <a:xfrm>
+            <a:off x="0" y="0"/>
+            <a:ext cx="1220788" cy="6858001"/>
+            <a:chOff x="-14288" y="0"/>
+            <a:chExt cx="1220788" cy="6858001"/>
+          </a:xfrm>
+          <a:gradFill flip="none" rotWithShape="1">
+            <a:gsLst>
+              <a:gs pos="0">
+                <a:schemeClr val="tx2"/>
+              </a:gs>
+              <a:gs pos="100000">
+                <a:schemeClr val="bg2">
+                  <a:lumMod val="60000"/>
+                  <a:lumOff val="40000"/>
+                </a:schemeClr>
+              </a:gs>
+            </a:gsLst>
+            <a:lin ang="5400000" scaled="0"/>
+            <a:tileRect/>
+          </a:gradFill>
+        </p:grpSpPr>
+        <p:sp>
+          <p:nvSpPr>
+            <p:cNvPr id="15" name="Rectangle 5">
+              <a:extLst>
+                <a:ext uri="{FF2B5EF4-FFF2-40B4-BE49-F238E27FC236}">
+                  <a16:creationId xmlns:a16="http://schemas.microsoft.com/office/drawing/2014/main" id="{08BD1D3E-43CE-49EB-A424-0738950C6424}"/>
+                </a:ext>
+                <a:ext uri="{C183D7F6-B498-43B3-948B-1728B52AA6E4}">
+                  <adec:decorative xmlns:adec="http://schemas.microsoft.com/office/drawing/2017/decorative" val="1"/>
+                </a:ext>
+              </a:extLst>
+            </p:cNvPr>
+            <p:cNvSpPr>
+              <a:spLocks noChangeArrowheads="1"/>
+            </p:cNvSpPr>
+            <p:nvPr>
+              <p:extLst>
+                <p:ext uri="{386F3935-93C4-4BCD-93E2-E3B085C9AB24}">
+                  <p16:designElem xmlns:p16="http://schemas.microsoft.com/office/powerpoint/2015/main" val="1"/>
+                </p:ext>
+              </p:extLst>
+            </p:nvPr>
+          </p:nvSpPr>
+          <p:spPr bwMode="auto">
+            <a:xfrm>
+              <a:off x="114300" y="4763"/>
+              <a:ext cx="23813" cy="2181225"/>
+            </a:xfrm>
+            <a:prstGeom prst="rect">
+              <a:avLst/>
+            </a:prstGeom>
+            <a:grpFill/>
+            <a:ln>
+              <a:noFill/>
+            </a:ln>
+            <a:extLst>
+              <a:ext uri="{91240B29-F687-4f45-9708-019B960494DF}">
+                <a14:hiddenLine xmlns="" xmlns:a16="http://schemas.microsoft.com/office/drawing/2014/main" xmlns:p14="http://schemas.microsoft.com/office/powerpoint/2010/main" xmlns:a14="http://schemas.microsoft.com/office/drawing/2010/main" w="9525">
+                  <a:solidFill>
+                    <a:srgbClr val="000000"/>
+                  </a:solidFill>
+                  <a:miter lim="800000"/>
+                  <a:headEnd/>
+                  <a:tailEnd/>
+                </a14:hiddenLine>
+              </a:ext>
+            </a:extLst>
+          </p:spPr>
+        </p:sp>
+        <p:sp>
+          <p:nvSpPr>
+            <p:cNvPr id="16" name="Freeform 6">
+              <a:extLst>
+                <a:ext uri="{FF2B5EF4-FFF2-40B4-BE49-F238E27FC236}">
+                  <a16:creationId xmlns:a16="http://schemas.microsoft.com/office/drawing/2014/main" id="{E9182037-E3FA-489A-95D5-29E4248420D8}"/>
+                </a:ext>
+                <a:ext uri="{C183D7F6-B498-43B3-948B-1728B52AA6E4}">
+                  <adec:decorative xmlns:adec="http://schemas.microsoft.com/office/drawing/2017/decorative" val="1"/>
+                </a:ext>
+              </a:extLst>
+            </p:cNvPr>
+            <p:cNvSpPr>
+              <a:spLocks noEditPoints="1"/>
+            </p:cNvSpPr>
+            <p:nvPr>
+              <p:extLst>
+                <p:ext uri="{386F3935-93C4-4BCD-93E2-E3B085C9AB24}">
+                  <p16:designElem xmlns:p16="http://schemas.microsoft.com/office/powerpoint/2015/main" val="1"/>
+                </p:ext>
+              </p:extLst>
+            </p:nvPr>
+          </p:nvSpPr>
+          <p:spPr bwMode="auto">
+            <a:xfrm>
+              <a:off x="33337" y="2176463"/>
+              <a:ext cx="190500" cy="190500"/>
+            </a:xfrm>
+            <a:custGeom>
+              <a:avLst/>
+              <a:gdLst/>
+              <a:ahLst/>
+              <a:cxnLst/>
+              <a:rect l="0" t="0" r="r" b="b"/>
+              <a:pathLst>
+                <a:path w="40" h="40">
+                  <a:moveTo>
+                    <a:pt x="20" y="40"/>
+                  </a:moveTo>
+                  <a:cubicBezTo>
+                    <a:pt x="9" y="40"/>
+                    <a:pt x="0" y="31"/>
+                    <a:pt x="0" y="20"/>
+                  </a:cubicBezTo>
+                  <a:cubicBezTo>
+                    <a:pt x="0" y="9"/>
+                    <a:pt x="9" y="0"/>
+                    <a:pt x="20" y="0"/>
+                  </a:cubicBezTo>
+                  <a:cubicBezTo>
+                    <a:pt x="31" y="0"/>
+                    <a:pt x="40" y="9"/>
+                    <a:pt x="40" y="20"/>
+                  </a:cubicBezTo>
+                  <a:cubicBezTo>
+                    <a:pt x="40" y="31"/>
+                    <a:pt x="31" y="40"/>
+                    <a:pt x="20" y="40"/>
+                  </a:cubicBezTo>
+                  <a:close/>
+                  <a:moveTo>
+                    <a:pt x="20" y="4"/>
+                  </a:moveTo>
+                  <a:cubicBezTo>
+                    <a:pt x="11" y="4"/>
+                    <a:pt x="4" y="11"/>
+                    <a:pt x="4" y="20"/>
+                  </a:cubicBezTo>
+                  <a:cubicBezTo>
+                    <a:pt x="4" y="29"/>
+                    <a:pt x="11" y="36"/>
+                    <a:pt x="20" y="36"/>
+                  </a:cubicBezTo>
+                  <a:cubicBezTo>
+                    <a:pt x="28" y="36"/>
+                    <a:pt x="36" y="29"/>
+                    <a:pt x="36" y="20"/>
+                  </a:cubicBezTo>
+                  <a:cubicBezTo>
+                    <a:pt x="36" y="11"/>
+                    <a:pt x="28" y="4"/>
+                    <a:pt x="20" y="4"/>
+                  </a:cubicBezTo>
+                  <a:close/>
+                </a:path>
+              </a:pathLst>
+            </a:custGeom>
+            <a:grpFill/>
+            <a:ln>
+              <a:noFill/>
+            </a:ln>
+            <a:extLst>
+              <a:ext uri="{91240B29-F687-4f45-9708-019B960494DF}">
+                <a14:hiddenLine xmlns="" xmlns:a16="http://schemas.microsoft.com/office/drawing/2014/main" xmlns:p14="http://schemas.microsoft.com/office/powerpoint/2010/main" xmlns:a14="http://schemas.microsoft.com/office/drawing/2010/main" w="9525">
+                  <a:solidFill>
+                    <a:srgbClr val="000000"/>
+                  </a:solidFill>
+                  <a:round/>
+                  <a:headEnd/>
+                  <a:tailEnd/>
+                </a14:hiddenLine>
+              </a:ext>
+            </a:extLst>
+          </p:spPr>
+        </p:sp>
+        <p:sp>
+          <p:nvSpPr>
+            <p:cNvPr id="17" name="Freeform 7">
+              <a:extLst>
+                <a:ext uri="{FF2B5EF4-FFF2-40B4-BE49-F238E27FC236}">
+                  <a16:creationId xmlns:a16="http://schemas.microsoft.com/office/drawing/2014/main" id="{E8864E76-AD7F-4BEE-B3F6-A78FA42AEFAC}"/>
+                </a:ext>
+                <a:ext uri="{C183D7F6-B498-43B3-948B-1728B52AA6E4}">
+                  <adec:decorative xmlns:adec="http://schemas.microsoft.com/office/drawing/2017/decorative" val="1"/>
+                </a:ext>
+              </a:extLst>
+            </p:cNvPr>
+            <p:cNvSpPr>
+              <a:spLocks noEditPoints="1"/>
+            </p:cNvSpPr>
+            <p:nvPr>
+              <p:extLst>
+                <p:ext uri="{386F3935-93C4-4BCD-93E2-E3B085C9AB24}">
+                  <p16:designElem xmlns:p16="http://schemas.microsoft.com/office/powerpoint/2015/main" val="1"/>
+                </p:ext>
+              </p:extLst>
+            </p:nvPr>
+          </p:nvSpPr>
+          <p:spPr bwMode="auto">
+            <a:xfrm>
+              <a:off x="28575" y="4021138"/>
+              <a:ext cx="190500" cy="188913"/>
+            </a:xfrm>
+            <a:custGeom>
+              <a:avLst/>
+              <a:gdLst/>
+              <a:ahLst/>
+              <a:cxnLst/>
+              <a:rect l="0" t="0" r="r" b="b"/>
+              <a:pathLst>
+                <a:path w="40" h="40">
+                  <a:moveTo>
+                    <a:pt x="20" y="40"/>
+                  </a:moveTo>
+                  <a:cubicBezTo>
+                    <a:pt x="9" y="40"/>
+                    <a:pt x="0" y="31"/>
+                    <a:pt x="0" y="20"/>
+                  </a:cubicBezTo>
+                  <a:cubicBezTo>
+                    <a:pt x="0" y="9"/>
+                    <a:pt x="9" y="0"/>
+                    <a:pt x="20" y="0"/>
+                  </a:cubicBezTo>
+                  <a:cubicBezTo>
+                    <a:pt x="31" y="0"/>
+                    <a:pt x="40" y="9"/>
+                    <a:pt x="40" y="20"/>
+                  </a:cubicBezTo>
+                  <a:cubicBezTo>
+                    <a:pt x="40" y="31"/>
+                    <a:pt x="31" y="40"/>
+                    <a:pt x="20" y="40"/>
+                  </a:cubicBezTo>
+                  <a:close/>
+                  <a:moveTo>
+                    <a:pt x="20" y="4"/>
+                  </a:moveTo>
+                  <a:cubicBezTo>
+                    <a:pt x="12" y="4"/>
+                    <a:pt x="4" y="11"/>
+                    <a:pt x="4" y="20"/>
+                  </a:cubicBezTo>
+                  <a:cubicBezTo>
+                    <a:pt x="4" y="29"/>
+                    <a:pt x="12" y="36"/>
+                    <a:pt x="20" y="36"/>
+                  </a:cubicBezTo>
+                  <a:cubicBezTo>
+                    <a:pt x="29" y="36"/>
+                    <a:pt x="36" y="29"/>
+                    <a:pt x="36" y="20"/>
+                  </a:cubicBezTo>
+                  <a:cubicBezTo>
+                    <a:pt x="36" y="11"/>
+                    <a:pt x="29" y="4"/>
+                    <a:pt x="20" y="4"/>
+                  </a:cubicBezTo>
+                  <a:close/>
+                </a:path>
+              </a:pathLst>
+            </a:custGeom>
+            <a:grpFill/>
+            <a:ln>
+              <a:noFill/>
+            </a:ln>
+            <a:extLst>
+              <a:ext uri="{91240B29-F687-4f45-9708-019B960494DF}">
+                <a14:hiddenLine xmlns="" xmlns:a16="http://schemas.microsoft.com/office/drawing/2014/main" xmlns:p14="http://schemas.microsoft.com/office/powerpoint/2010/main" xmlns:a14="http://schemas.microsoft.com/office/drawing/2010/main" w="9525">
+                  <a:solidFill>
+                    <a:srgbClr val="000000"/>
+                  </a:solidFill>
+                  <a:round/>
+                  <a:headEnd/>
+                  <a:tailEnd/>
+                </a14:hiddenLine>
+              </a:ext>
+            </a:extLst>
+          </p:spPr>
+        </p:sp>
+        <p:sp>
+          <p:nvSpPr>
+            <p:cNvPr id="18" name="Freeform 8">
+              <a:extLst>
+                <a:ext uri="{FF2B5EF4-FFF2-40B4-BE49-F238E27FC236}">
+                  <a16:creationId xmlns:a16="http://schemas.microsoft.com/office/drawing/2014/main" id="{8AD071B3-046D-4479-91FE-01E9AD7C8AAB}"/>
+                </a:ext>
+                <a:ext uri="{C183D7F6-B498-43B3-948B-1728B52AA6E4}">
+                  <adec:decorative xmlns:adec="http://schemas.microsoft.com/office/drawing/2017/decorative" val="1"/>
+                </a:ext>
+              </a:extLst>
+            </p:cNvPr>
+            <p:cNvSpPr/>
+            <p:nvPr>
+              <p:extLst>
+                <p:ext uri="{386F3935-93C4-4BCD-93E2-E3B085C9AB24}">
+                  <p16:designElem xmlns:p16="http://schemas.microsoft.com/office/powerpoint/2015/main" val="1"/>
+                </p:ext>
+              </p:extLst>
+            </p:nvPr>
+          </p:nvSpPr>
+          <p:spPr bwMode="auto">
+            <a:xfrm>
+              <a:off x="200025" y="4763"/>
+              <a:ext cx="369888" cy="1811338"/>
+            </a:xfrm>
+            <a:custGeom>
+              <a:avLst/>
+              <a:gdLst/>
+              <a:ahLst/>
+              <a:cxnLst/>
+              <a:rect l="0" t="0" r="r" b="b"/>
+              <a:pathLst>
+                <a:path w="233" h="1141">
+                  <a:moveTo>
+                    <a:pt x="218" y="1141"/>
+                  </a:moveTo>
+                  <a:lnTo>
+                    <a:pt x="0" y="626"/>
+                  </a:lnTo>
+                  <a:lnTo>
+                    <a:pt x="0" y="0"/>
+                  </a:lnTo>
+                  <a:lnTo>
+                    <a:pt x="15" y="0"/>
+                  </a:lnTo>
+                  <a:lnTo>
+                    <a:pt x="15" y="623"/>
+                  </a:lnTo>
+                  <a:lnTo>
+                    <a:pt x="233" y="1135"/>
+                  </a:lnTo>
+                  <a:lnTo>
+                    <a:pt x="218" y="1141"/>
+                  </a:lnTo>
+                  <a:close/>
+                </a:path>
+              </a:pathLst>
+            </a:custGeom>
+            <a:grpFill/>
+            <a:ln>
+              <a:noFill/>
+            </a:ln>
+            <a:extLst>
+              <a:ext uri="{91240B29-F687-4f45-9708-019B960494DF}">
+                <a14:hiddenLine xmlns="" xmlns:a16="http://schemas.microsoft.com/office/drawing/2014/main" xmlns:p14="http://schemas.microsoft.com/office/powerpoint/2010/main" xmlns:a14="http://schemas.microsoft.com/office/drawing/2010/main" w="9525">
+                  <a:solidFill>
+                    <a:srgbClr val="000000"/>
+                  </a:solidFill>
+                  <a:round/>
+                  <a:headEnd/>
+                  <a:tailEnd/>
+                </a14:hiddenLine>
+              </a:ext>
+            </a:extLst>
+          </p:spPr>
+        </p:sp>
+        <p:sp>
+          <p:nvSpPr>
+            <p:cNvPr id="19" name="Freeform 9">
+              <a:extLst>
+                <a:ext uri="{FF2B5EF4-FFF2-40B4-BE49-F238E27FC236}">
+                  <a16:creationId xmlns:a16="http://schemas.microsoft.com/office/drawing/2014/main" id="{91D776F5-E902-4A4D-A75D-A46E063C9F38}"/>
+                </a:ext>
+                <a:ext uri="{C183D7F6-B498-43B3-948B-1728B52AA6E4}">
+                  <adec:decorative xmlns:adec="http://schemas.microsoft.com/office/drawing/2017/decorative" val="1"/>
+                </a:ext>
+              </a:extLst>
+            </p:cNvPr>
+            <p:cNvSpPr>
+              <a:spLocks noEditPoints="1"/>
+            </p:cNvSpPr>
+            <p:nvPr>
+              <p:extLst>
+                <p:ext uri="{386F3935-93C4-4BCD-93E2-E3B085C9AB24}">
+                  <p16:designElem xmlns:p16="http://schemas.microsoft.com/office/powerpoint/2015/main" val="1"/>
+                </p:ext>
+              </p:extLst>
+            </p:nvPr>
+          </p:nvSpPr>
+          <p:spPr bwMode="auto">
+            <a:xfrm>
+              <a:off x="503237" y="1801813"/>
+              <a:ext cx="190500" cy="188913"/>
+            </a:xfrm>
+            <a:custGeom>
+              <a:avLst/>
+              <a:gdLst/>
+              <a:ahLst/>
+              <a:cxnLst/>
+              <a:rect l="0" t="0" r="r" b="b"/>
+              <a:pathLst>
+                <a:path w="40" h="40">
+                  <a:moveTo>
+                    <a:pt x="20" y="40"/>
+                  </a:moveTo>
+                  <a:cubicBezTo>
+                    <a:pt x="9" y="40"/>
+                    <a:pt x="0" y="31"/>
+                    <a:pt x="0" y="20"/>
+                  </a:cubicBezTo>
+                  <a:cubicBezTo>
+                    <a:pt x="0" y="9"/>
+                    <a:pt x="9" y="0"/>
+                    <a:pt x="20" y="0"/>
+                  </a:cubicBezTo>
+                  <a:cubicBezTo>
+                    <a:pt x="33" y="0"/>
+                    <a:pt x="40" y="6"/>
+                    <a:pt x="40" y="20"/>
+                  </a:cubicBezTo>
+                  <a:cubicBezTo>
+                    <a:pt x="40" y="31"/>
+                    <a:pt x="31" y="40"/>
+                    <a:pt x="20" y="40"/>
+                  </a:cubicBezTo>
+                  <a:close/>
+                  <a:moveTo>
+                    <a:pt x="20" y="4"/>
+                  </a:moveTo>
+                  <a:cubicBezTo>
+                    <a:pt x="11" y="4"/>
+                    <a:pt x="4" y="11"/>
+                    <a:pt x="4" y="20"/>
+                  </a:cubicBezTo>
+                  <a:cubicBezTo>
+                    <a:pt x="4" y="29"/>
+                    <a:pt x="11" y="36"/>
+                    <a:pt x="20" y="36"/>
+                  </a:cubicBezTo>
+                  <a:cubicBezTo>
+                    <a:pt x="28" y="36"/>
+                    <a:pt x="36" y="29"/>
+                    <a:pt x="36" y="20"/>
+                  </a:cubicBezTo>
+                  <a:cubicBezTo>
+                    <a:pt x="36" y="9"/>
+                    <a:pt x="31" y="4"/>
+                    <a:pt x="20" y="4"/>
+                  </a:cubicBezTo>
+                  <a:close/>
+                </a:path>
+              </a:pathLst>
+            </a:custGeom>
+            <a:grpFill/>
+            <a:ln>
+              <a:noFill/>
+            </a:ln>
+            <a:extLst>
+              <a:ext uri="{91240B29-F687-4f45-9708-019B960494DF}">
+                <a14:hiddenLine xmlns="" xmlns:a16="http://schemas.microsoft.com/office/drawing/2014/main" xmlns:p14="http://schemas.microsoft.com/office/powerpoint/2010/main" xmlns:a14="http://schemas.microsoft.com/office/drawing/2010/main" w="9525">
+                  <a:solidFill>
+                    <a:srgbClr val="000000"/>
+                  </a:solidFill>
+                  <a:round/>
+                  <a:headEnd/>
+                  <a:tailEnd/>
+                </a14:hiddenLine>
+              </a:ext>
+            </a:extLst>
+          </p:spPr>
+        </p:sp>
+        <p:sp>
+          <p:nvSpPr>
+            <p:cNvPr id="20" name="Freeform 10">
+              <a:extLst>
+                <a:ext uri="{FF2B5EF4-FFF2-40B4-BE49-F238E27FC236}">
+                  <a16:creationId xmlns:a16="http://schemas.microsoft.com/office/drawing/2014/main" id="{EBED8F24-A998-4952-AB68-E2074F0746FE}"/>
+                </a:ext>
+                <a:ext uri="{C183D7F6-B498-43B3-948B-1728B52AA6E4}">
+                  <adec:decorative xmlns:adec="http://schemas.microsoft.com/office/drawing/2017/decorative" val="1"/>
+                </a:ext>
+              </a:extLst>
+            </p:cNvPr>
+            <p:cNvSpPr/>
+            <p:nvPr>
+              <p:extLst>
+                <p:ext uri="{386F3935-93C4-4BCD-93E2-E3B085C9AB24}">
+                  <p16:designElem xmlns:p16="http://schemas.microsoft.com/office/powerpoint/2015/main" val="1"/>
+                </p:ext>
+              </p:extLst>
+            </p:nvPr>
+          </p:nvSpPr>
+          <p:spPr bwMode="auto">
+            <a:xfrm>
+              <a:off x="285750" y="4763"/>
+              <a:ext cx="369888" cy="1430338"/>
+            </a:xfrm>
+            <a:custGeom>
+              <a:avLst/>
+              <a:gdLst/>
+              <a:ahLst/>
+              <a:cxnLst/>
+              <a:rect l="0" t="0" r="r" b="b"/>
+              <a:pathLst>
+                <a:path w="233" h="901">
+                  <a:moveTo>
+                    <a:pt x="221" y="901"/>
+                  </a:moveTo>
+                  <a:lnTo>
+                    <a:pt x="0" y="383"/>
+                  </a:lnTo>
+                  <a:lnTo>
+                    <a:pt x="0" y="0"/>
+                  </a:lnTo>
+                  <a:lnTo>
+                    <a:pt x="18" y="0"/>
+                  </a:lnTo>
+                  <a:lnTo>
+                    <a:pt x="18" y="380"/>
+                  </a:lnTo>
+                  <a:lnTo>
+                    <a:pt x="233" y="895"/>
+                  </a:lnTo>
+                  <a:lnTo>
+                    <a:pt x="221" y="901"/>
+                  </a:lnTo>
+                  <a:close/>
+                </a:path>
+              </a:pathLst>
+            </a:custGeom>
+            <a:grpFill/>
+            <a:ln>
+              <a:noFill/>
+            </a:ln>
+            <a:extLst>
+              <a:ext uri="{91240B29-F687-4f45-9708-019B960494DF}">
+                <a14:hiddenLine xmlns="" xmlns:a16="http://schemas.microsoft.com/office/drawing/2014/main" xmlns:p14="http://schemas.microsoft.com/office/powerpoint/2010/main" xmlns:a14="http://schemas.microsoft.com/office/drawing/2010/main" w="9525">
+                  <a:solidFill>
+                    <a:srgbClr val="000000"/>
+                  </a:solidFill>
+                  <a:round/>
+                  <a:headEnd/>
+                  <a:tailEnd/>
+                </a14:hiddenLine>
+              </a:ext>
+            </a:extLst>
+          </p:spPr>
+        </p:sp>
+        <p:sp>
+          <p:nvSpPr>
+            <p:cNvPr id="21" name="Freeform 11">
+              <a:extLst>
+                <a:ext uri="{FF2B5EF4-FFF2-40B4-BE49-F238E27FC236}">
+                  <a16:creationId xmlns:a16="http://schemas.microsoft.com/office/drawing/2014/main" id="{74D7A646-8CDC-49B3-9C44-3EF38DB4264C}"/>
+                </a:ext>
+                <a:ext uri="{C183D7F6-B498-43B3-948B-1728B52AA6E4}">
+                  <adec:decorative xmlns:adec="http://schemas.microsoft.com/office/drawing/2017/decorative" val="1"/>
+                </a:ext>
+              </a:extLst>
+            </p:cNvPr>
+            <p:cNvSpPr/>
+            <p:nvPr>
+              <p:extLst>
+                <p:ext uri="{386F3935-93C4-4BCD-93E2-E3B085C9AB24}">
+                  <p16:designElem xmlns:p16="http://schemas.microsoft.com/office/powerpoint/2015/main" val="1"/>
+                </p:ext>
+              </p:extLst>
+            </p:nvPr>
+          </p:nvSpPr>
+          <p:spPr bwMode="auto">
+            <a:xfrm>
+              <a:off x="546100" y="0"/>
+              <a:ext cx="152400" cy="912813"/>
+            </a:xfrm>
+            <a:custGeom>
+              <a:avLst/>
+              <a:gdLst/>
+              <a:ahLst/>
+              <a:cxnLst/>
+              <a:rect l="0" t="0" r="r" b="b"/>
+              <a:pathLst>
+                <a:path w="96" h="575">
+                  <a:moveTo>
+                    <a:pt x="96" y="575"/>
+                  </a:moveTo>
+                  <a:lnTo>
+                    <a:pt x="78" y="575"/>
+                  </a:lnTo>
+                  <a:lnTo>
+                    <a:pt x="78" y="192"/>
+                  </a:lnTo>
+                  <a:lnTo>
+                    <a:pt x="0" y="6"/>
+                  </a:lnTo>
+                  <a:lnTo>
+                    <a:pt x="15" y="0"/>
+                  </a:lnTo>
+                  <a:lnTo>
+                    <a:pt x="96" y="189"/>
+                  </a:lnTo>
+                  <a:lnTo>
+                    <a:pt x="96" y="575"/>
+                  </a:lnTo>
+                  <a:close/>
+                </a:path>
+              </a:pathLst>
+            </a:custGeom>
+            <a:grpFill/>
+            <a:ln>
+              <a:noFill/>
+            </a:ln>
+            <a:extLst>
+              <a:ext uri="{91240B29-F687-4f45-9708-019B960494DF}">
+                <a14:hiddenLine xmlns="" xmlns:a16="http://schemas.microsoft.com/office/drawing/2014/main" xmlns:p14="http://schemas.microsoft.com/office/powerpoint/2010/main" xmlns:a14="http://schemas.microsoft.com/office/drawing/2010/main" w="9525">
+                  <a:solidFill>
+                    <a:srgbClr val="000000"/>
+                  </a:solidFill>
+                  <a:round/>
+                  <a:headEnd/>
+                  <a:tailEnd/>
+                </a14:hiddenLine>
+              </a:ext>
+            </a:extLst>
+          </p:spPr>
+        </p:sp>
+        <p:sp>
+          <p:nvSpPr>
+            <p:cNvPr id="22" name="Freeform 12">
+              <a:extLst>
+                <a:ext uri="{FF2B5EF4-FFF2-40B4-BE49-F238E27FC236}">
+                  <a16:creationId xmlns:a16="http://schemas.microsoft.com/office/drawing/2014/main" id="{D4E99D14-E4F4-419B-9AAF-8D1CEAB28A2D}"/>
+                </a:ext>
+                <a:ext uri="{C183D7F6-B498-43B3-948B-1728B52AA6E4}">
+                  <adec:decorative xmlns:adec="http://schemas.microsoft.com/office/drawing/2017/decorative" val="1"/>
+                </a:ext>
+              </a:extLst>
+            </p:cNvPr>
+            <p:cNvSpPr>
+              <a:spLocks noEditPoints="1"/>
+            </p:cNvSpPr>
+            <p:nvPr>
+              <p:extLst>
+                <p:ext uri="{386F3935-93C4-4BCD-93E2-E3B085C9AB24}">
+                  <p16:designElem xmlns:p16="http://schemas.microsoft.com/office/powerpoint/2015/main" val="1"/>
+                </p:ext>
+              </p:extLst>
+            </p:nvPr>
+          </p:nvSpPr>
+          <p:spPr bwMode="auto">
+            <a:xfrm>
+              <a:off x="588962" y="1420813"/>
+              <a:ext cx="190500" cy="190500"/>
+            </a:xfrm>
+            <a:custGeom>
+              <a:avLst/>
+              <a:gdLst/>
+              <a:ahLst/>
+              <a:cxnLst/>
+              <a:rect l="0" t="0" r="r" b="b"/>
+              <a:pathLst>
+                <a:path w="40" h="40">
+                  <a:moveTo>
+                    <a:pt x="20" y="40"/>
+                  </a:moveTo>
+                  <a:cubicBezTo>
+                    <a:pt x="9" y="40"/>
+                    <a:pt x="0" y="31"/>
+                    <a:pt x="0" y="20"/>
+                  </a:cubicBezTo>
+                  <a:cubicBezTo>
+                    <a:pt x="0" y="9"/>
+                    <a:pt x="9" y="0"/>
+                    <a:pt x="20" y="0"/>
+                  </a:cubicBezTo>
+                  <a:cubicBezTo>
+                    <a:pt x="33" y="0"/>
+                    <a:pt x="40" y="7"/>
+                    <a:pt x="40" y="20"/>
+                  </a:cubicBezTo>
+                  <a:cubicBezTo>
+                    <a:pt x="40" y="31"/>
+                    <a:pt x="31" y="40"/>
+                    <a:pt x="20" y="40"/>
+                  </a:cubicBezTo>
+                  <a:close/>
+                  <a:moveTo>
+                    <a:pt x="20" y="4"/>
+                  </a:moveTo>
+                  <a:cubicBezTo>
+                    <a:pt x="11" y="4"/>
+                    <a:pt x="4" y="11"/>
+                    <a:pt x="4" y="20"/>
+                  </a:cubicBezTo>
+                  <a:cubicBezTo>
+                    <a:pt x="4" y="29"/>
+                    <a:pt x="11" y="36"/>
+                    <a:pt x="20" y="36"/>
+                  </a:cubicBezTo>
+                  <a:cubicBezTo>
+                    <a:pt x="29" y="36"/>
+                    <a:pt x="36" y="29"/>
+                    <a:pt x="36" y="20"/>
+                  </a:cubicBezTo>
+                  <a:cubicBezTo>
+                    <a:pt x="36" y="9"/>
+                    <a:pt x="31" y="4"/>
+                    <a:pt x="20" y="4"/>
+                  </a:cubicBezTo>
+                  <a:close/>
+                </a:path>
+              </a:pathLst>
+            </a:custGeom>
+            <a:grpFill/>
+            <a:ln>
+              <a:noFill/>
+            </a:ln>
+            <a:extLst>
+              <a:ext uri="{91240B29-F687-4f45-9708-019B960494DF}">
+                <a14:hiddenLine xmlns="" xmlns:a16="http://schemas.microsoft.com/office/drawing/2014/main" xmlns:p14="http://schemas.microsoft.com/office/powerpoint/2010/main" xmlns:a14="http://schemas.microsoft.com/office/drawing/2010/main" w="9525">
+                  <a:solidFill>
+                    <a:srgbClr val="000000"/>
+                  </a:solidFill>
+                  <a:round/>
+                  <a:headEnd/>
+                  <a:tailEnd/>
+                </a14:hiddenLine>
+              </a:ext>
+            </a:extLst>
+          </p:spPr>
+        </p:sp>
+        <p:sp>
+          <p:nvSpPr>
+            <p:cNvPr id="23" name="Freeform 13">
+              <a:extLst>
+                <a:ext uri="{FF2B5EF4-FFF2-40B4-BE49-F238E27FC236}">
+                  <a16:creationId xmlns:a16="http://schemas.microsoft.com/office/drawing/2014/main" id="{377E106C-5445-4A52-9F7E-DA1738744291}"/>
+                </a:ext>
+                <a:ext uri="{C183D7F6-B498-43B3-948B-1728B52AA6E4}">
+                  <adec:decorative xmlns:adec="http://schemas.microsoft.com/office/drawing/2017/decorative" val="1"/>
+                </a:ext>
+              </a:extLst>
+            </p:cNvPr>
+            <p:cNvSpPr>
+              <a:spLocks noEditPoints="1"/>
+            </p:cNvSpPr>
+            <p:nvPr>
+              <p:extLst>
+                <p:ext uri="{386F3935-93C4-4BCD-93E2-E3B085C9AB24}">
+                  <p16:designElem xmlns:p16="http://schemas.microsoft.com/office/powerpoint/2015/main" val="1"/>
+                </p:ext>
+              </p:extLst>
+            </p:nvPr>
+          </p:nvSpPr>
+          <p:spPr bwMode="auto">
+            <a:xfrm>
+              <a:off x="588962" y="903288"/>
+              <a:ext cx="190500" cy="190500"/>
+            </a:xfrm>
+            <a:custGeom>
+              <a:avLst/>
+              <a:gdLst/>
+              <a:ahLst/>
+              <a:cxnLst/>
+              <a:rect l="0" t="0" r="r" b="b"/>
+              <a:pathLst>
+                <a:path w="40" h="40">
+                  <a:moveTo>
+                    <a:pt x="20" y="40"/>
+                  </a:moveTo>
+                  <a:cubicBezTo>
+                    <a:pt x="9" y="40"/>
+                    <a:pt x="0" y="31"/>
+                    <a:pt x="0" y="20"/>
+                  </a:cubicBezTo>
+                  <a:cubicBezTo>
+                    <a:pt x="0" y="9"/>
+                    <a:pt x="9" y="0"/>
+                    <a:pt x="20" y="0"/>
+                  </a:cubicBezTo>
+                  <a:cubicBezTo>
+                    <a:pt x="31" y="0"/>
+                    <a:pt x="40" y="9"/>
+                    <a:pt x="40" y="20"/>
+                  </a:cubicBezTo>
+                  <a:cubicBezTo>
+                    <a:pt x="40" y="31"/>
+                    <a:pt x="31" y="40"/>
+                    <a:pt x="20" y="40"/>
+                  </a:cubicBezTo>
+                  <a:close/>
+                  <a:moveTo>
+                    <a:pt x="20" y="4"/>
+                  </a:moveTo>
+                  <a:cubicBezTo>
+                    <a:pt x="11" y="4"/>
+                    <a:pt x="4" y="11"/>
+                    <a:pt x="4" y="20"/>
+                  </a:cubicBezTo>
+                  <a:cubicBezTo>
+                    <a:pt x="4" y="29"/>
+                    <a:pt x="11" y="36"/>
+                    <a:pt x="20" y="36"/>
+                  </a:cubicBezTo>
+                  <a:cubicBezTo>
+                    <a:pt x="29" y="36"/>
+                    <a:pt x="36" y="29"/>
+                    <a:pt x="36" y="20"/>
+                  </a:cubicBezTo>
+                  <a:cubicBezTo>
+                    <a:pt x="36" y="11"/>
+                    <a:pt x="29" y="4"/>
+                    <a:pt x="20" y="4"/>
+                  </a:cubicBezTo>
+                  <a:close/>
+                </a:path>
+              </a:pathLst>
+            </a:custGeom>
+            <a:grpFill/>
+            <a:ln>
+              <a:noFill/>
+            </a:ln>
+            <a:extLst>
+              <a:ext uri="{91240B29-F687-4f45-9708-019B960494DF}">
+                <a14:hiddenLine xmlns="" xmlns:a16="http://schemas.microsoft.com/office/drawing/2014/main" xmlns:p14="http://schemas.microsoft.com/office/powerpoint/2010/main" xmlns:a14="http://schemas.microsoft.com/office/drawing/2010/main" w="9525">
+                  <a:solidFill>
+                    <a:srgbClr val="000000"/>
+                  </a:solidFill>
+                  <a:round/>
+                  <a:headEnd/>
+                  <a:tailEnd/>
+                </a14:hiddenLine>
+              </a:ext>
+            </a:extLst>
+          </p:spPr>
+        </p:sp>
+        <p:sp>
+          <p:nvSpPr>
+            <p:cNvPr id="24" name="Freeform 14">
+              <a:extLst>
+                <a:ext uri="{FF2B5EF4-FFF2-40B4-BE49-F238E27FC236}">
+                  <a16:creationId xmlns:a16="http://schemas.microsoft.com/office/drawing/2014/main" id="{752BFE96-D378-4BAE-A64B-F851A34C4770}"/>
+                </a:ext>
+                <a:ext uri="{C183D7F6-B498-43B3-948B-1728B52AA6E4}">
+                  <adec:decorative xmlns:adec="http://schemas.microsoft.com/office/drawing/2017/decorative" val="1"/>
+                </a:ext>
+              </a:extLst>
+            </p:cNvPr>
+            <p:cNvSpPr/>
+            <p:nvPr>
+              <p:extLst>
+                <p:ext uri="{386F3935-93C4-4BCD-93E2-E3B085C9AB24}">
+                  <p16:designElem xmlns:p16="http://schemas.microsoft.com/office/powerpoint/2015/main" val="1"/>
+                </p:ext>
+              </p:extLst>
+            </p:nvPr>
+          </p:nvSpPr>
+          <p:spPr bwMode="auto">
+            <a:xfrm>
+              <a:off x="641350" y="0"/>
+              <a:ext cx="422275" cy="527050"/>
+            </a:xfrm>
+            <a:custGeom>
+              <a:avLst/>
+              <a:gdLst/>
+              <a:ahLst/>
+              <a:cxnLst/>
+              <a:rect l="0" t="0" r="r" b="b"/>
+              <a:pathLst>
+                <a:path w="266" h="332">
+                  <a:moveTo>
+                    <a:pt x="257" y="332"/>
+                  </a:moveTo>
+                  <a:lnTo>
+                    <a:pt x="48" y="123"/>
+                  </a:lnTo>
+                  <a:lnTo>
+                    <a:pt x="0" y="6"/>
+                  </a:lnTo>
+                  <a:lnTo>
+                    <a:pt x="15" y="0"/>
+                  </a:lnTo>
+                  <a:lnTo>
+                    <a:pt x="63" y="114"/>
+                  </a:lnTo>
+                  <a:lnTo>
+                    <a:pt x="266" y="320"/>
+                  </a:lnTo>
+                  <a:lnTo>
+                    <a:pt x="257" y="332"/>
+                  </a:lnTo>
+                  <a:close/>
+                </a:path>
+              </a:pathLst>
+            </a:custGeom>
+            <a:grpFill/>
+            <a:ln>
+              <a:noFill/>
+            </a:ln>
+            <a:extLst>
+              <a:ext uri="{91240B29-F687-4f45-9708-019B960494DF}">
+                <a14:hiddenLine xmlns="" xmlns:a16="http://schemas.microsoft.com/office/drawing/2014/main" xmlns:p14="http://schemas.microsoft.com/office/powerpoint/2010/main" xmlns:a14="http://schemas.microsoft.com/office/drawing/2010/main" w="9525">
+                  <a:solidFill>
+                    <a:srgbClr val="000000"/>
+                  </a:solidFill>
+                  <a:round/>
+                  <a:headEnd/>
+                  <a:tailEnd/>
+                </a14:hiddenLine>
+              </a:ext>
+            </a:extLst>
+          </p:spPr>
+        </p:sp>
+        <p:sp>
+          <p:nvSpPr>
+            <p:cNvPr id="25" name="Freeform 15">
+              <a:extLst>
+                <a:ext uri="{FF2B5EF4-FFF2-40B4-BE49-F238E27FC236}">
+                  <a16:creationId xmlns:a16="http://schemas.microsoft.com/office/drawing/2014/main" id="{B88FFB19-5A5E-4078-B467-9D4ABD21BD9A}"/>
+                </a:ext>
+                <a:ext uri="{C183D7F6-B498-43B3-948B-1728B52AA6E4}">
+                  <adec:decorative xmlns:adec="http://schemas.microsoft.com/office/drawing/2017/decorative" val="1"/>
+                </a:ext>
+              </a:extLst>
+            </p:cNvPr>
+            <p:cNvSpPr>
+              <a:spLocks noEditPoints="1"/>
+            </p:cNvSpPr>
+            <p:nvPr>
+              <p:extLst>
+                <p:ext uri="{386F3935-93C4-4BCD-93E2-E3B085C9AB24}">
+                  <p16:designElem xmlns:p16="http://schemas.microsoft.com/office/powerpoint/2015/main" val="1"/>
+                </p:ext>
+              </p:extLst>
+            </p:nvPr>
+          </p:nvSpPr>
+          <p:spPr bwMode="auto">
+            <a:xfrm>
+              <a:off x="1020762" y="488950"/>
+              <a:ext cx="161925" cy="147638"/>
+            </a:xfrm>
+            <a:custGeom>
+              <a:avLst/>
+              <a:gdLst/>
+              <a:ahLst/>
+              <a:cxnLst/>
+              <a:rect l="0" t="0" r="r" b="b"/>
+              <a:pathLst>
+                <a:path w="34" h="31">
+                  <a:moveTo>
+                    <a:pt x="17" y="31"/>
+                  </a:moveTo>
+                  <a:cubicBezTo>
+                    <a:pt x="13" y="31"/>
+                    <a:pt x="9" y="30"/>
+                    <a:pt x="6" y="27"/>
+                  </a:cubicBezTo>
+                  <a:cubicBezTo>
+                    <a:pt x="0" y="20"/>
+                    <a:pt x="0" y="10"/>
+                    <a:pt x="6" y="4"/>
+                  </a:cubicBezTo>
+                  <a:cubicBezTo>
+                    <a:pt x="9" y="1"/>
+                    <a:pt x="13" y="0"/>
+                    <a:pt x="17" y="0"/>
+                  </a:cubicBezTo>
+                  <a:cubicBezTo>
+                    <a:pt x="21" y="0"/>
+                    <a:pt x="25" y="1"/>
+                    <a:pt x="28" y="4"/>
+                  </a:cubicBezTo>
+                  <a:cubicBezTo>
+                    <a:pt x="34" y="10"/>
+                    <a:pt x="34" y="20"/>
+                    <a:pt x="28" y="27"/>
+                  </a:cubicBezTo>
+                  <a:cubicBezTo>
+                    <a:pt x="25" y="30"/>
+                    <a:pt x="21" y="31"/>
+                    <a:pt x="17" y="31"/>
+                  </a:cubicBezTo>
+                  <a:close/>
+                  <a:moveTo>
+                    <a:pt x="17" y="4"/>
+                  </a:moveTo>
+                  <a:cubicBezTo>
+                    <a:pt x="14" y="4"/>
+                    <a:pt x="11" y="5"/>
+                    <a:pt x="9" y="7"/>
+                  </a:cubicBezTo>
+                  <a:cubicBezTo>
+                    <a:pt x="4" y="12"/>
+                    <a:pt x="4" y="19"/>
+                    <a:pt x="9" y="24"/>
+                  </a:cubicBezTo>
+                  <a:cubicBezTo>
+                    <a:pt x="11" y="26"/>
+                    <a:pt x="14" y="27"/>
+                    <a:pt x="17" y="27"/>
+                  </a:cubicBezTo>
+                  <a:cubicBezTo>
+                    <a:pt x="20" y="27"/>
+                    <a:pt x="23" y="26"/>
+                    <a:pt x="25" y="24"/>
+                  </a:cubicBezTo>
+                  <a:cubicBezTo>
+                    <a:pt x="30" y="19"/>
+                    <a:pt x="30" y="12"/>
+                    <a:pt x="25" y="7"/>
+                  </a:cubicBezTo>
+                  <a:cubicBezTo>
+                    <a:pt x="23" y="5"/>
+                    <a:pt x="20" y="4"/>
+                    <a:pt x="17" y="4"/>
+                  </a:cubicBezTo>
+                  <a:close/>
+                </a:path>
+              </a:pathLst>
+            </a:custGeom>
+            <a:grpFill/>
+            <a:ln>
+              <a:noFill/>
+            </a:ln>
+            <a:extLst>
+              <a:ext uri="{91240B29-F687-4f45-9708-019B960494DF}">
+                <a14:hiddenLine xmlns="" xmlns:a16="http://schemas.microsoft.com/office/drawing/2014/main" xmlns:p14="http://schemas.microsoft.com/office/powerpoint/2010/main" xmlns:a14="http://schemas.microsoft.com/office/drawing/2010/main" w="9525">
+                  <a:solidFill>
+                    <a:srgbClr val="000000"/>
+                  </a:solidFill>
+                  <a:round/>
+                  <a:headEnd/>
+                  <a:tailEnd/>
+                </a14:hiddenLine>
+              </a:ext>
+            </a:extLst>
+          </p:spPr>
+        </p:sp>
+        <p:sp>
+          <p:nvSpPr>
+            <p:cNvPr id="26" name="Line 16">
+              <a:extLst>
+                <a:ext uri="{FF2B5EF4-FFF2-40B4-BE49-F238E27FC236}">
+                  <a16:creationId xmlns:a16="http://schemas.microsoft.com/office/drawing/2014/main" id="{11042975-3D19-4728-BCDA-D3F5CD633EDB}"/>
+                </a:ext>
+                <a:ext uri="{C183D7F6-B498-43B3-948B-1728B52AA6E4}">
+                  <adec:decorative xmlns:adec="http://schemas.microsoft.com/office/drawing/2017/decorative" val="1"/>
+                </a:ext>
+              </a:extLst>
+            </p:cNvPr>
+            <p:cNvSpPr>
+              <a:spLocks noChangeShapeType="1"/>
+            </p:cNvSpPr>
+            <p:nvPr>
+              <p:extLst>
+                <p:ext uri="{386F3935-93C4-4BCD-93E2-E3B085C9AB24}">
+                  <p16:designElem xmlns:p16="http://schemas.microsoft.com/office/powerpoint/2015/main" val="1"/>
+                </p:ext>
+              </p:extLst>
+            </p:nvPr>
+          </p:nvSpPr>
+          <p:spPr bwMode="auto">
+            <a:xfrm>
+              <a:off x="-4763" y="9525"/>
+              <a:ext cx="0" cy="0"/>
+            </a:xfrm>
+            <a:prstGeom prst="line">
+              <a:avLst/>
+            </a:prstGeom>
+            <a:grpFill/>
+            <a:ln w="15" cap="flat">
+              <a:solidFill>
+                <a:srgbClr val="FFFFFF"/>
+              </a:solidFill>
+              <a:prstDash val="solid"/>
+              <a:miter lim="800000"/>
+              <a:headEnd/>
+              <a:tailEnd/>
+            </a:ln>
+          </p:spPr>
+        </p:sp>
+        <p:sp>
+          <p:nvSpPr>
+            <p:cNvPr id="27" name="Freeform 17">
+              <a:extLst>
+                <a:ext uri="{FF2B5EF4-FFF2-40B4-BE49-F238E27FC236}">
+                  <a16:creationId xmlns:a16="http://schemas.microsoft.com/office/drawing/2014/main" id="{A28972BD-D2E1-4DCA-A907-2E3B6F606649}"/>
+                </a:ext>
+                <a:ext uri="{C183D7F6-B498-43B3-948B-1728B52AA6E4}">
+                  <adec:decorative xmlns:adec="http://schemas.microsoft.com/office/drawing/2017/decorative" val="1"/>
+                </a:ext>
+              </a:extLst>
+            </p:cNvPr>
+            <p:cNvSpPr/>
+            <p:nvPr>
+              <p:extLst>
+                <p:ext uri="{386F3935-93C4-4BCD-93E2-E3B085C9AB24}">
+                  <p16:designElem xmlns:p16="http://schemas.microsoft.com/office/powerpoint/2015/main" val="1"/>
+                </p:ext>
+              </p:extLst>
+            </p:nvPr>
+          </p:nvSpPr>
+          <p:spPr bwMode="auto">
+            <a:xfrm>
+              <a:off x="9525" y="1801813"/>
+              <a:ext cx="123825" cy="127000"/>
+            </a:xfrm>
+            <a:custGeom>
+              <a:avLst/>
+              <a:gdLst/>
+              <a:ahLst/>
+              <a:cxnLst/>
+              <a:rect l="0" t="0" r="r" b="b"/>
+              <a:pathLst>
+                <a:path w="78" h="80">
+                  <a:moveTo>
+                    <a:pt x="6" y="80"/>
+                  </a:moveTo>
+                  <a:lnTo>
+                    <a:pt x="0" y="71"/>
+                  </a:lnTo>
+                  <a:lnTo>
+                    <a:pt x="69" y="0"/>
+                  </a:lnTo>
+                  <a:lnTo>
+                    <a:pt x="78" y="9"/>
+                  </a:lnTo>
+                  <a:lnTo>
+                    <a:pt x="6" y="80"/>
+                  </a:lnTo>
+                  <a:close/>
+                </a:path>
+              </a:pathLst>
+            </a:custGeom>
+            <a:grpFill/>
+            <a:ln>
+              <a:noFill/>
+            </a:ln>
+            <a:extLst>
+              <a:ext uri="{91240B29-F687-4f45-9708-019B960494DF}">
+                <a14:hiddenLine xmlns="" xmlns:a16="http://schemas.microsoft.com/office/drawing/2014/main" xmlns:p14="http://schemas.microsoft.com/office/powerpoint/2010/main" xmlns:a14="http://schemas.microsoft.com/office/drawing/2010/main" w="9525">
+                  <a:solidFill>
+                    <a:srgbClr val="000000"/>
+                  </a:solidFill>
+                  <a:round/>
+                  <a:headEnd/>
+                  <a:tailEnd/>
+                </a14:hiddenLine>
+              </a:ext>
+            </a:extLst>
+          </p:spPr>
+        </p:sp>
+        <p:sp>
+          <p:nvSpPr>
+            <p:cNvPr id="28" name="Freeform 18">
+              <a:extLst>
+                <a:ext uri="{FF2B5EF4-FFF2-40B4-BE49-F238E27FC236}">
+                  <a16:creationId xmlns:a16="http://schemas.microsoft.com/office/drawing/2014/main" id="{1C806824-5C2D-4747-B038-69EE4074B366}"/>
+                </a:ext>
+                <a:ext uri="{C183D7F6-B498-43B3-948B-1728B52AA6E4}">
+                  <adec:decorative xmlns:adec="http://schemas.microsoft.com/office/drawing/2017/decorative" val="1"/>
+                </a:ext>
+              </a:extLst>
+            </p:cNvPr>
+            <p:cNvSpPr/>
+            <p:nvPr>
+              <p:extLst>
+                <p:ext uri="{386F3935-93C4-4BCD-93E2-E3B085C9AB24}">
+                  <p16:designElem xmlns:p16="http://schemas.microsoft.com/office/powerpoint/2015/main" val="1"/>
+                </p:ext>
+              </p:extLst>
+            </p:nvPr>
+          </p:nvSpPr>
+          <p:spPr bwMode="auto">
+            <a:xfrm>
+              <a:off x="-9525" y="3549650"/>
+              <a:ext cx="147638" cy="481013"/>
+            </a:xfrm>
+            <a:custGeom>
+              <a:avLst/>
+              <a:gdLst/>
+              <a:ahLst/>
+              <a:cxnLst/>
+              <a:rect l="0" t="0" r="r" b="b"/>
+              <a:pathLst>
+                <a:path w="93" h="303">
+                  <a:moveTo>
+                    <a:pt x="93" y="303"/>
+                  </a:moveTo>
+                  <a:lnTo>
+                    <a:pt x="78" y="303"/>
+                  </a:lnTo>
+                  <a:lnTo>
+                    <a:pt x="78" y="78"/>
+                  </a:lnTo>
+                  <a:lnTo>
+                    <a:pt x="0" y="12"/>
+                  </a:lnTo>
+                  <a:lnTo>
+                    <a:pt x="12" y="0"/>
+                  </a:lnTo>
+                  <a:lnTo>
+                    <a:pt x="93" y="69"/>
+                  </a:lnTo>
+                  <a:lnTo>
+                    <a:pt x="93" y="303"/>
+                  </a:lnTo>
+                  <a:close/>
+                </a:path>
+              </a:pathLst>
+            </a:custGeom>
+            <a:grpFill/>
+            <a:ln>
+              <a:noFill/>
+            </a:ln>
+            <a:extLst>
+              <a:ext uri="{91240B29-F687-4f45-9708-019B960494DF}">
+                <a14:hiddenLine xmlns="" xmlns:a16="http://schemas.microsoft.com/office/drawing/2014/main" xmlns:p14="http://schemas.microsoft.com/office/powerpoint/2010/main" xmlns:a14="http://schemas.microsoft.com/office/drawing/2010/main" w="9525">
+                  <a:solidFill>
+                    <a:srgbClr val="000000"/>
+                  </a:solidFill>
+                  <a:round/>
+                  <a:headEnd/>
+                  <a:tailEnd/>
+                </a14:hiddenLine>
+              </a:ext>
+            </a:extLst>
+          </p:spPr>
+        </p:sp>
+        <p:sp>
+          <p:nvSpPr>
+            <p:cNvPr id="29" name="Freeform 19">
+              <a:extLst>
+                <a:ext uri="{FF2B5EF4-FFF2-40B4-BE49-F238E27FC236}">
+                  <a16:creationId xmlns:a16="http://schemas.microsoft.com/office/drawing/2014/main" id="{3B33F710-16D7-4F48-BFCA-66C9CA2352CB}"/>
+                </a:ext>
+                <a:ext uri="{C183D7F6-B498-43B3-948B-1728B52AA6E4}">
+                  <adec:decorative xmlns:adec="http://schemas.microsoft.com/office/drawing/2017/decorative" val="1"/>
+                </a:ext>
+              </a:extLst>
+            </p:cNvPr>
+            <p:cNvSpPr/>
+            <p:nvPr>
+              <p:extLst>
+                <p:ext uri="{386F3935-93C4-4BCD-93E2-E3B085C9AB24}">
+                  <p16:designElem xmlns:p16="http://schemas.microsoft.com/office/powerpoint/2015/main" val="1"/>
+                </p:ext>
+              </p:extLst>
+            </p:nvPr>
+          </p:nvSpPr>
+          <p:spPr bwMode="auto">
+            <a:xfrm>
+              <a:off x="128587" y="1382713"/>
+              <a:ext cx="142875" cy="476250"/>
+            </a:xfrm>
+            <a:custGeom>
+              <a:avLst/>
+              <a:gdLst/>
+              <a:ahLst/>
+              <a:cxnLst/>
+              <a:rect l="0" t="0" r="r" b="b"/>
+              <a:pathLst>
+                <a:path w="90" h="300">
+                  <a:moveTo>
+                    <a:pt x="90" y="300"/>
+                  </a:moveTo>
+                  <a:lnTo>
+                    <a:pt x="78" y="300"/>
+                  </a:lnTo>
+                  <a:lnTo>
+                    <a:pt x="78" y="84"/>
+                  </a:lnTo>
+                  <a:lnTo>
+                    <a:pt x="0" y="9"/>
+                  </a:lnTo>
+                  <a:lnTo>
+                    <a:pt x="9" y="0"/>
+                  </a:lnTo>
+                  <a:lnTo>
+                    <a:pt x="90" y="81"/>
+                  </a:lnTo>
+                  <a:lnTo>
+                    <a:pt x="90" y="300"/>
+                  </a:lnTo>
+                  <a:close/>
+                </a:path>
+              </a:pathLst>
+            </a:custGeom>
+            <a:grpFill/>
+            <a:ln>
+              <a:noFill/>
+            </a:ln>
+            <a:extLst>
+              <a:ext uri="{91240B29-F687-4f45-9708-019B960494DF}">
+                <a14:hiddenLine xmlns="" xmlns:a16="http://schemas.microsoft.com/office/drawing/2014/main" xmlns:p14="http://schemas.microsoft.com/office/powerpoint/2010/main" xmlns:a14="http://schemas.microsoft.com/office/drawing/2010/main" w="9525">
+                  <a:solidFill>
+                    <a:srgbClr val="000000"/>
+                  </a:solidFill>
+                  <a:round/>
+                  <a:headEnd/>
+                  <a:tailEnd/>
+                </a14:hiddenLine>
+              </a:ext>
+            </a:extLst>
+          </p:spPr>
+        </p:sp>
+        <p:sp>
+          <p:nvSpPr>
+            <p:cNvPr id="30" name="Freeform 20">
+              <a:extLst>
+                <a:ext uri="{FF2B5EF4-FFF2-40B4-BE49-F238E27FC236}">
+                  <a16:creationId xmlns:a16="http://schemas.microsoft.com/office/drawing/2014/main" id="{6C8C8ED4-90FA-4E97-AAF0-D5D51E6A935E}"/>
+                </a:ext>
+                <a:ext uri="{C183D7F6-B498-43B3-948B-1728B52AA6E4}">
+                  <adec:decorative xmlns:adec="http://schemas.microsoft.com/office/drawing/2017/decorative" val="1"/>
+                </a:ext>
+              </a:extLst>
+            </p:cNvPr>
+            <p:cNvSpPr>
+              <a:spLocks noEditPoints="1"/>
+            </p:cNvSpPr>
+            <p:nvPr>
+              <p:extLst>
+                <p:ext uri="{386F3935-93C4-4BCD-93E2-E3B085C9AB24}">
+                  <p16:designElem xmlns:p16="http://schemas.microsoft.com/office/powerpoint/2015/main" val="1"/>
+                </p:ext>
+              </p:extLst>
+            </p:nvPr>
+          </p:nvSpPr>
+          <p:spPr bwMode="auto">
+            <a:xfrm>
+              <a:off x="204787" y="1849438"/>
+              <a:ext cx="114300" cy="107950"/>
+            </a:xfrm>
+            <a:custGeom>
+              <a:avLst/>
+              <a:gdLst/>
+              <a:ahLst/>
+              <a:cxnLst/>
+              <a:rect l="0" t="0" r="r" b="b"/>
+              <a:pathLst>
+                <a:path w="24" h="23">
+                  <a:moveTo>
+                    <a:pt x="12" y="23"/>
+                  </a:moveTo>
+                  <a:cubicBezTo>
+                    <a:pt x="6" y="23"/>
+                    <a:pt x="0" y="18"/>
+                    <a:pt x="0" y="12"/>
+                  </a:cubicBezTo>
+                  <a:cubicBezTo>
+                    <a:pt x="0" y="5"/>
+                    <a:pt x="6" y="0"/>
+                    <a:pt x="12" y="0"/>
+                  </a:cubicBezTo>
+                  <a:cubicBezTo>
+                    <a:pt x="18" y="0"/>
+                    <a:pt x="24" y="5"/>
+                    <a:pt x="24" y="12"/>
+                  </a:cubicBezTo>
+                  <a:cubicBezTo>
+                    <a:pt x="24" y="18"/>
+                    <a:pt x="18" y="23"/>
+                    <a:pt x="12" y="23"/>
+                  </a:cubicBezTo>
+                  <a:close/>
+                  <a:moveTo>
+                    <a:pt x="12" y="4"/>
+                  </a:moveTo>
+                  <a:cubicBezTo>
+                    <a:pt x="8" y="4"/>
+                    <a:pt x="4" y="8"/>
+                    <a:pt x="4" y="12"/>
+                  </a:cubicBezTo>
+                  <a:cubicBezTo>
+                    <a:pt x="4" y="16"/>
+                    <a:pt x="8" y="19"/>
+                    <a:pt x="12" y="19"/>
+                  </a:cubicBezTo>
+                  <a:cubicBezTo>
+                    <a:pt x="16" y="19"/>
+                    <a:pt x="20" y="16"/>
+                    <a:pt x="20" y="12"/>
+                  </a:cubicBezTo>
+                  <a:cubicBezTo>
+                    <a:pt x="20" y="8"/>
+                    <a:pt x="16" y="4"/>
+                    <a:pt x="12" y="4"/>
+                  </a:cubicBezTo>
+                  <a:close/>
+                </a:path>
+              </a:pathLst>
+            </a:custGeom>
+            <a:grpFill/>
+            <a:ln>
+              <a:noFill/>
+            </a:ln>
+            <a:extLst>
+              <a:ext uri="{91240B29-F687-4f45-9708-019B960494DF}">
+                <a14:hiddenLine xmlns="" xmlns:a16="http://schemas.microsoft.com/office/drawing/2014/main" xmlns:p14="http://schemas.microsoft.com/office/powerpoint/2010/main" xmlns:a14="http://schemas.microsoft.com/office/drawing/2010/main" w="9525">
+                  <a:solidFill>
+                    <a:srgbClr val="000000"/>
+                  </a:solidFill>
+                  <a:round/>
+                  <a:headEnd/>
+                  <a:tailEnd/>
+                </a14:hiddenLine>
+              </a:ext>
+            </a:extLst>
+          </p:spPr>
+        </p:sp>
+        <p:sp>
+          <p:nvSpPr>
+            <p:cNvPr id="31" name="Rectangle 21">
+              <a:extLst>
+                <a:ext uri="{FF2B5EF4-FFF2-40B4-BE49-F238E27FC236}">
+                  <a16:creationId xmlns:a16="http://schemas.microsoft.com/office/drawing/2014/main" id="{6C5EB9C1-B25F-4172-8A96-5950ECC828FC}"/>
+                </a:ext>
+                <a:ext uri="{C183D7F6-B498-43B3-948B-1728B52AA6E4}">
+                  <adec:decorative xmlns:adec="http://schemas.microsoft.com/office/drawing/2017/decorative" val="1"/>
+                </a:ext>
+              </a:extLst>
+            </p:cNvPr>
+            <p:cNvSpPr>
+              <a:spLocks noChangeArrowheads="1"/>
+            </p:cNvSpPr>
+            <p:nvPr>
+              <p:extLst>
+                <p:ext uri="{386F3935-93C4-4BCD-93E2-E3B085C9AB24}">
+                  <p16:designElem xmlns:p16="http://schemas.microsoft.com/office/powerpoint/2015/main" val="1"/>
+                </p:ext>
+              </p:extLst>
+            </p:nvPr>
+          </p:nvSpPr>
+          <p:spPr bwMode="auto">
+            <a:xfrm>
+              <a:off x="133350" y="4662488"/>
+              <a:ext cx="23813" cy="2181225"/>
+            </a:xfrm>
+            <a:prstGeom prst="rect">
+              <a:avLst/>
+            </a:prstGeom>
+            <a:grpFill/>
+            <a:ln>
+              <a:noFill/>
+            </a:ln>
+            <a:extLst>
+              <a:ext uri="{91240B29-F687-4f45-9708-019B960494DF}">
+                <a14:hiddenLine xmlns="" xmlns:a16="http://schemas.microsoft.com/office/drawing/2014/main" xmlns:p14="http://schemas.microsoft.com/office/powerpoint/2010/main" xmlns:a14="http://schemas.microsoft.com/office/drawing/2010/main" w="9525">
+                  <a:solidFill>
+                    <a:srgbClr val="000000"/>
+                  </a:solidFill>
+                  <a:miter lim="800000"/>
+                  <a:headEnd/>
+                  <a:tailEnd/>
+                </a14:hiddenLine>
+              </a:ext>
+            </a:extLst>
+          </p:spPr>
+        </p:sp>
+        <p:sp>
+          <p:nvSpPr>
+            <p:cNvPr id="32" name="Freeform 22">
+              <a:extLst>
+                <a:ext uri="{FF2B5EF4-FFF2-40B4-BE49-F238E27FC236}">
+                  <a16:creationId xmlns:a16="http://schemas.microsoft.com/office/drawing/2014/main" id="{097E6E8A-9373-4655-882B-21715CCE97EE}"/>
+                </a:ext>
+                <a:ext uri="{C183D7F6-B498-43B3-948B-1728B52AA6E4}">
+                  <adec:decorative xmlns:adec="http://schemas.microsoft.com/office/drawing/2017/decorative" val="1"/>
+                </a:ext>
+              </a:extLst>
+            </p:cNvPr>
+            <p:cNvSpPr/>
+            <p:nvPr>
+              <p:extLst>
+                <p:ext uri="{386F3935-93C4-4BCD-93E2-E3B085C9AB24}">
+                  <p16:designElem xmlns:p16="http://schemas.microsoft.com/office/powerpoint/2015/main" val="1"/>
+                </p:ext>
+              </p:extLst>
+            </p:nvPr>
+          </p:nvSpPr>
+          <p:spPr bwMode="auto">
+            <a:xfrm>
+              <a:off x="223837" y="5041900"/>
+              <a:ext cx="369888" cy="1801813"/>
+            </a:xfrm>
+            <a:custGeom>
+              <a:avLst/>
+              <a:gdLst/>
+              <a:ahLst/>
+              <a:cxnLst/>
+              <a:rect l="0" t="0" r="r" b="b"/>
+              <a:pathLst>
+                <a:path w="233" h="1135">
+                  <a:moveTo>
+                    <a:pt x="15" y="1135"/>
+                  </a:moveTo>
+                  <a:lnTo>
+                    <a:pt x="0" y="1135"/>
+                  </a:lnTo>
+                  <a:lnTo>
+                    <a:pt x="0" y="515"/>
+                  </a:lnTo>
+                  <a:lnTo>
+                    <a:pt x="0" y="512"/>
+                  </a:lnTo>
+                  <a:lnTo>
+                    <a:pt x="218" y="0"/>
+                  </a:lnTo>
+                  <a:lnTo>
+                    <a:pt x="233" y="6"/>
+                  </a:lnTo>
+                  <a:lnTo>
+                    <a:pt x="15" y="518"/>
+                  </a:lnTo>
+                  <a:lnTo>
+                    <a:pt x="15" y="1135"/>
+                  </a:lnTo>
+                  <a:close/>
+                </a:path>
+              </a:pathLst>
+            </a:custGeom>
+            <a:grpFill/>
+            <a:ln>
+              <a:noFill/>
+            </a:ln>
+            <a:extLst>
+              <a:ext uri="{91240B29-F687-4f45-9708-019B960494DF}">
+                <a14:hiddenLine xmlns="" xmlns:a16="http://schemas.microsoft.com/office/drawing/2014/main" xmlns:p14="http://schemas.microsoft.com/office/powerpoint/2010/main" xmlns:a14="http://schemas.microsoft.com/office/drawing/2010/main" w="9525">
+                  <a:solidFill>
+                    <a:srgbClr val="000000"/>
+                  </a:solidFill>
+                  <a:round/>
+                  <a:headEnd/>
+                  <a:tailEnd/>
+                </a14:hiddenLine>
+              </a:ext>
+            </a:extLst>
+          </p:spPr>
+        </p:sp>
+        <p:sp>
+          <p:nvSpPr>
+            <p:cNvPr id="33" name="Freeform 23">
+              <a:extLst>
+                <a:ext uri="{FF2B5EF4-FFF2-40B4-BE49-F238E27FC236}">
+                  <a16:creationId xmlns:a16="http://schemas.microsoft.com/office/drawing/2014/main" id="{EB8CC766-1206-4372-ACAF-8230AF4D5421}"/>
+                </a:ext>
+                <a:ext uri="{C183D7F6-B498-43B3-948B-1728B52AA6E4}">
+                  <adec:decorative xmlns:adec="http://schemas.microsoft.com/office/drawing/2017/decorative" val="1"/>
+                </a:ext>
+              </a:extLst>
+            </p:cNvPr>
+            <p:cNvSpPr>
+              <a:spLocks noEditPoints="1"/>
+            </p:cNvSpPr>
+            <p:nvPr>
+              <p:extLst>
+                <p:ext uri="{386F3935-93C4-4BCD-93E2-E3B085C9AB24}">
+                  <p16:designElem xmlns:p16="http://schemas.microsoft.com/office/powerpoint/2015/main" val="1"/>
+                </p:ext>
+              </p:extLst>
+            </p:nvPr>
+          </p:nvSpPr>
+          <p:spPr bwMode="auto">
+            <a:xfrm>
+              <a:off x="52387" y="4481513"/>
+              <a:ext cx="190500" cy="190500"/>
+            </a:xfrm>
+            <a:custGeom>
+              <a:avLst/>
+              <a:gdLst/>
+              <a:ahLst/>
+              <a:cxnLst/>
+              <a:rect l="0" t="0" r="r" b="b"/>
+              <a:pathLst>
+                <a:path w="40" h="40">
+                  <a:moveTo>
+                    <a:pt x="20" y="40"/>
+                  </a:moveTo>
+                  <a:cubicBezTo>
+                    <a:pt x="9" y="40"/>
+                    <a:pt x="0" y="31"/>
+                    <a:pt x="0" y="20"/>
+                  </a:cubicBezTo>
+                  <a:cubicBezTo>
+                    <a:pt x="0" y="9"/>
+                    <a:pt x="9" y="0"/>
+                    <a:pt x="20" y="0"/>
+                  </a:cubicBezTo>
+                  <a:cubicBezTo>
+                    <a:pt x="31" y="0"/>
+                    <a:pt x="40" y="9"/>
+                    <a:pt x="40" y="20"/>
+                  </a:cubicBezTo>
+                  <a:cubicBezTo>
+                    <a:pt x="40" y="31"/>
+                    <a:pt x="31" y="40"/>
+                    <a:pt x="20" y="40"/>
+                  </a:cubicBezTo>
+                  <a:close/>
+                  <a:moveTo>
+                    <a:pt x="20" y="4"/>
+                  </a:moveTo>
+                  <a:cubicBezTo>
+                    <a:pt x="11" y="4"/>
+                    <a:pt x="4" y="11"/>
+                    <a:pt x="4" y="20"/>
+                  </a:cubicBezTo>
+                  <a:cubicBezTo>
+                    <a:pt x="4" y="29"/>
+                    <a:pt x="11" y="36"/>
+                    <a:pt x="20" y="36"/>
+                  </a:cubicBezTo>
+                  <a:cubicBezTo>
+                    <a:pt x="28" y="36"/>
+                    <a:pt x="36" y="29"/>
+                    <a:pt x="36" y="20"/>
+                  </a:cubicBezTo>
+                  <a:cubicBezTo>
+                    <a:pt x="36" y="11"/>
+                    <a:pt x="28" y="4"/>
+                    <a:pt x="20" y="4"/>
+                  </a:cubicBezTo>
+                  <a:close/>
+                </a:path>
+              </a:pathLst>
+            </a:custGeom>
+            <a:grpFill/>
+            <a:ln>
+              <a:noFill/>
+            </a:ln>
+            <a:extLst>
+              <a:ext uri="{91240B29-F687-4f45-9708-019B960494DF}">
+                <a14:hiddenLine xmlns="" xmlns:a16="http://schemas.microsoft.com/office/drawing/2014/main" xmlns:p14="http://schemas.microsoft.com/office/powerpoint/2010/main" xmlns:a14="http://schemas.microsoft.com/office/drawing/2010/main" w="9525">
+                  <a:solidFill>
+                    <a:srgbClr val="000000"/>
+                  </a:solidFill>
+                  <a:round/>
+                  <a:headEnd/>
+                  <a:tailEnd/>
+                </a14:hiddenLine>
+              </a:ext>
+            </a:extLst>
+          </p:spPr>
+        </p:sp>
+        <p:sp>
+          <p:nvSpPr>
+            <p:cNvPr id="34" name="Freeform 24">
+              <a:extLst>
+                <a:ext uri="{FF2B5EF4-FFF2-40B4-BE49-F238E27FC236}">
+                  <a16:creationId xmlns:a16="http://schemas.microsoft.com/office/drawing/2014/main" id="{1C8E2511-2489-47B2-9C19-C410910DD901}"/>
+                </a:ext>
+                <a:ext uri="{C183D7F6-B498-43B3-948B-1728B52AA6E4}">
+                  <adec:decorative xmlns:adec="http://schemas.microsoft.com/office/drawing/2017/decorative" val="1"/>
+                </a:ext>
+              </a:extLst>
+            </p:cNvPr>
+            <p:cNvSpPr/>
+            <p:nvPr>
+              <p:extLst>
+                <p:ext uri="{386F3935-93C4-4BCD-93E2-E3B085C9AB24}">
+                  <p16:designElem xmlns:p16="http://schemas.microsoft.com/office/powerpoint/2015/main" val="1"/>
+                </p:ext>
+              </p:extLst>
+            </p:nvPr>
+          </p:nvSpPr>
+          <p:spPr bwMode="auto">
+            <a:xfrm>
+              <a:off x="-14288" y="5627688"/>
+              <a:ext cx="85725" cy="1216025"/>
+            </a:xfrm>
+            <a:custGeom>
+              <a:avLst/>
+              <a:gdLst/>
+              <a:ahLst/>
+              <a:cxnLst/>
+              <a:rect l="0" t="0" r="r" b="b"/>
+              <a:pathLst>
+                <a:path w="54" h="766">
+                  <a:moveTo>
+                    <a:pt x="54" y="766"/>
+                  </a:moveTo>
+                  <a:lnTo>
+                    <a:pt x="36" y="766"/>
+                  </a:lnTo>
+                  <a:lnTo>
+                    <a:pt x="36" y="149"/>
+                  </a:lnTo>
+                  <a:lnTo>
+                    <a:pt x="0" y="3"/>
+                  </a:lnTo>
+                  <a:lnTo>
+                    <a:pt x="18" y="0"/>
+                  </a:lnTo>
+                  <a:lnTo>
+                    <a:pt x="54" y="146"/>
+                  </a:lnTo>
+                  <a:lnTo>
+                    <a:pt x="54" y="766"/>
+                  </a:lnTo>
+                  <a:close/>
+                </a:path>
+              </a:pathLst>
+            </a:custGeom>
+            <a:grpFill/>
+            <a:ln>
+              <a:noFill/>
+            </a:ln>
+            <a:extLst>
+              <a:ext uri="{91240B29-F687-4f45-9708-019B960494DF}">
+                <a14:hiddenLine xmlns="" xmlns:a16="http://schemas.microsoft.com/office/drawing/2014/main" xmlns:p14="http://schemas.microsoft.com/office/powerpoint/2010/main" xmlns:a14="http://schemas.microsoft.com/office/drawing/2010/main" w="9525">
+                  <a:solidFill>
+                    <a:srgbClr val="000000"/>
+                  </a:solidFill>
+                  <a:round/>
+                  <a:headEnd/>
+                  <a:tailEnd/>
+                </a14:hiddenLine>
+              </a:ext>
+            </a:extLst>
+          </p:spPr>
+        </p:sp>
+        <p:sp>
+          <p:nvSpPr>
+            <p:cNvPr id="35" name="Freeform 25">
+              <a:extLst>
+                <a:ext uri="{FF2B5EF4-FFF2-40B4-BE49-F238E27FC236}">
+                  <a16:creationId xmlns:a16="http://schemas.microsoft.com/office/drawing/2014/main" id="{D7820196-0A47-47EF-832C-A688E8977D60}"/>
+                </a:ext>
+                <a:ext uri="{C183D7F6-B498-43B3-948B-1728B52AA6E4}">
+                  <adec:decorative xmlns:adec="http://schemas.microsoft.com/office/drawing/2017/decorative" val="1"/>
+                </a:ext>
+              </a:extLst>
+            </p:cNvPr>
+            <p:cNvSpPr>
+              <a:spLocks noEditPoints="1"/>
+            </p:cNvSpPr>
+            <p:nvPr>
+              <p:extLst>
+                <p:ext uri="{386F3935-93C4-4BCD-93E2-E3B085C9AB24}">
+                  <p16:designElem xmlns:p16="http://schemas.microsoft.com/office/powerpoint/2015/main" val="1"/>
+                </p:ext>
+              </p:extLst>
+            </p:nvPr>
+          </p:nvSpPr>
+          <p:spPr bwMode="auto">
+            <a:xfrm>
+              <a:off x="527050" y="4867275"/>
+              <a:ext cx="190500" cy="188913"/>
+            </a:xfrm>
+            <a:custGeom>
+              <a:avLst/>
+              <a:gdLst/>
+              <a:ahLst/>
+              <a:cxnLst/>
+              <a:rect l="0" t="0" r="r" b="b"/>
+              <a:pathLst>
+                <a:path w="40" h="40">
+                  <a:moveTo>
+                    <a:pt x="20" y="40"/>
+                  </a:moveTo>
+                  <a:cubicBezTo>
+                    <a:pt x="9" y="40"/>
+                    <a:pt x="0" y="31"/>
+                    <a:pt x="0" y="20"/>
+                  </a:cubicBezTo>
+                  <a:cubicBezTo>
+                    <a:pt x="0" y="9"/>
+                    <a:pt x="9" y="0"/>
+                    <a:pt x="20" y="0"/>
+                  </a:cubicBezTo>
+                  <a:cubicBezTo>
+                    <a:pt x="31" y="0"/>
+                    <a:pt x="40" y="9"/>
+                    <a:pt x="40" y="20"/>
+                  </a:cubicBezTo>
+                  <a:cubicBezTo>
+                    <a:pt x="40" y="31"/>
+                    <a:pt x="31" y="40"/>
+                    <a:pt x="20" y="40"/>
+                  </a:cubicBezTo>
+                  <a:close/>
+                  <a:moveTo>
+                    <a:pt x="20" y="4"/>
+                  </a:moveTo>
+                  <a:cubicBezTo>
+                    <a:pt x="11" y="4"/>
+                    <a:pt x="4" y="11"/>
+                    <a:pt x="4" y="20"/>
+                  </a:cubicBezTo>
+                  <a:cubicBezTo>
+                    <a:pt x="4" y="29"/>
+                    <a:pt x="11" y="36"/>
+                    <a:pt x="20" y="36"/>
+                  </a:cubicBezTo>
+                  <a:cubicBezTo>
+                    <a:pt x="29" y="36"/>
+                    <a:pt x="36" y="29"/>
+                    <a:pt x="36" y="20"/>
+                  </a:cubicBezTo>
+                  <a:cubicBezTo>
+                    <a:pt x="36" y="11"/>
+                    <a:pt x="29" y="4"/>
+                    <a:pt x="20" y="4"/>
+                  </a:cubicBezTo>
+                  <a:close/>
+                </a:path>
+              </a:pathLst>
+            </a:custGeom>
+            <a:grpFill/>
+            <a:ln>
+              <a:noFill/>
+            </a:ln>
+            <a:extLst>
+              <a:ext uri="{91240B29-F687-4f45-9708-019B960494DF}">
+                <a14:hiddenLine xmlns="" xmlns:a16="http://schemas.microsoft.com/office/drawing/2014/main" xmlns:p14="http://schemas.microsoft.com/office/powerpoint/2010/main" xmlns:a14="http://schemas.microsoft.com/office/drawing/2010/main" w="9525">
+                  <a:solidFill>
+                    <a:srgbClr val="000000"/>
+                  </a:solidFill>
+                  <a:round/>
+                  <a:headEnd/>
+                  <a:tailEnd/>
+                </a14:hiddenLine>
+              </a:ext>
+            </a:extLst>
+          </p:spPr>
+        </p:sp>
+        <p:sp>
+          <p:nvSpPr>
+            <p:cNvPr id="36" name="Freeform 26">
+              <a:extLst>
+                <a:ext uri="{FF2B5EF4-FFF2-40B4-BE49-F238E27FC236}">
+                  <a16:creationId xmlns:a16="http://schemas.microsoft.com/office/drawing/2014/main" id="{4982E0BF-34AE-48A3-AD6B-E0F3CD05DB34}"/>
+                </a:ext>
+                <a:ext uri="{C183D7F6-B498-43B3-948B-1728B52AA6E4}">
+                  <adec:decorative xmlns:adec="http://schemas.microsoft.com/office/drawing/2017/decorative" val="1"/>
+                </a:ext>
+              </a:extLst>
+            </p:cNvPr>
+            <p:cNvSpPr/>
+            <p:nvPr>
+              <p:extLst>
+                <p:ext uri="{386F3935-93C4-4BCD-93E2-E3B085C9AB24}">
+                  <p16:designElem xmlns:p16="http://schemas.microsoft.com/office/powerpoint/2015/main" val="1"/>
+                </p:ext>
+              </p:extLst>
+            </p:nvPr>
+          </p:nvSpPr>
+          <p:spPr bwMode="auto">
+            <a:xfrm>
+              <a:off x="309562" y="5422900"/>
+              <a:ext cx="374650" cy="1425575"/>
+            </a:xfrm>
+            <a:custGeom>
+              <a:avLst/>
+              <a:gdLst/>
+              <a:ahLst/>
+              <a:cxnLst/>
+              <a:rect l="0" t="0" r="r" b="b"/>
+              <a:pathLst>
+                <a:path w="236" h="898">
+                  <a:moveTo>
+                    <a:pt x="18" y="898"/>
+                  </a:moveTo>
+                  <a:lnTo>
+                    <a:pt x="0" y="898"/>
+                  </a:lnTo>
+                  <a:lnTo>
+                    <a:pt x="0" y="515"/>
+                  </a:lnTo>
+                  <a:lnTo>
+                    <a:pt x="3" y="512"/>
+                  </a:lnTo>
+                  <a:lnTo>
+                    <a:pt x="221" y="0"/>
+                  </a:lnTo>
+                  <a:lnTo>
+                    <a:pt x="236" y="6"/>
+                  </a:lnTo>
+                  <a:lnTo>
+                    <a:pt x="18" y="518"/>
+                  </a:lnTo>
+                  <a:lnTo>
+                    <a:pt x="18" y="898"/>
+                  </a:lnTo>
+                  <a:close/>
+                </a:path>
+              </a:pathLst>
+            </a:custGeom>
+            <a:grpFill/>
+            <a:ln>
+              <a:noFill/>
+            </a:ln>
+            <a:extLst>
+              <a:ext uri="{91240B29-F687-4f45-9708-019B960494DF}">
+                <a14:hiddenLine xmlns="" xmlns:a16="http://schemas.microsoft.com/office/drawing/2014/main" xmlns:p14="http://schemas.microsoft.com/office/powerpoint/2010/main" xmlns:a14="http://schemas.microsoft.com/office/drawing/2010/main" w="9525">
+                  <a:solidFill>
+                    <a:srgbClr val="000000"/>
+                  </a:solidFill>
+                  <a:round/>
+                  <a:headEnd/>
+                  <a:tailEnd/>
+                </a14:hiddenLine>
+              </a:ext>
+            </a:extLst>
+          </p:spPr>
+        </p:sp>
+        <p:sp>
+          <p:nvSpPr>
+            <p:cNvPr id="37" name="Freeform 27">
+              <a:extLst>
+                <a:ext uri="{FF2B5EF4-FFF2-40B4-BE49-F238E27FC236}">
+                  <a16:creationId xmlns:a16="http://schemas.microsoft.com/office/drawing/2014/main" id="{CD34643B-9DF2-4310-8868-48252C3393F0}"/>
+                </a:ext>
+                <a:ext uri="{C183D7F6-B498-43B3-948B-1728B52AA6E4}">
+                  <adec:decorative xmlns:adec="http://schemas.microsoft.com/office/drawing/2017/decorative" val="1"/>
+                </a:ext>
+              </a:extLst>
+            </p:cNvPr>
+            <p:cNvSpPr/>
+            <p:nvPr>
+              <p:extLst>
+                <p:ext uri="{386F3935-93C4-4BCD-93E2-E3B085C9AB24}">
+                  <p16:designElem xmlns:p16="http://schemas.microsoft.com/office/powerpoint/2015/main" val="1"/>
+                </p:ext>
+              </p:extLst>
+            </p:nvPr>
+          </p:nvSpPr>
+          <p:spPr bwMode="auto">
+            <a:xfrm>
+              <a:off x="569912" y="5945188"/>
+              <a:ext cx="152400" cy="912813"/>
+            </a:xfrm>
+            <a:custGeom>
+              <a:avLst/>
+              <a:gdLst/>
+              <a:ahLst/>
+              <a:cxnLst/>
+              <a:rect l="0" t="0" r="r" b="b"/>
+              <a:pathLst>
+                <a:path w="96" h="575">
+                  <a:moveTo>
+                    <a:pt x="15" y="575"/>
+                  </a:moveTo>
+                  <a:lnTo>
+                    <a:pt x="0" y="569"/>
+                  </a:lnTo>
+                  <a:lnTo>
+                    <a:pt x="81" y="383"/>
+                  </a:lnTo>
+                  <a:lnTo>
+                    <a:pt x="81" y="0"/>
+                  </a:lnTo>
+                  <a:lnTo>
+                    <a:pt x="96" y="0"/>
+                  </a:lnTo>
+                  <a:lnTo>
+                    <a:pt x="96" y="386"/>
+                  </a:lnTo>
+                  <a:lnTo>
+                    <a:pt x="15" y="575"/>
+                  </a:lnTo>
+                  <a:close/>
+                </a:path>
+              </a:pathLst>
+            </a:custGeom>
+            <a:grpFill/>
+            <a:ln>
+              <a:noFill/>
+            </a:ln>
+            <a:extLst>
+              <a:ext uri="{91240B29-F687-4f45-9708-019B960494DF}">
+                <a14:hiddenLine xmlns="" xmlns:a16="http://schemas.microsoft.com/office/drawing/2014/main" xmlns:p14="http://schemas.microsoft.com/office/powerpoint/2010/main" xmlns:a14="http://schemas.microsoft.com/office/drawing/2010/main" w="9525">
+                  <a:solidFill>
+                    <a:srgbClr val="000000"/>
+                  </a:solidFill>
+                  <a:round/>
+                  <a:headEnd/>
+                  <a:tailEnd/>
+                </a14:hiddenLine>
+              </a:ext>
+            </a:extLst>
+          </p:spPr>
+        </p:sp>
+        <p:sp>
+          <p:nvSpPr>
+            <p:cNvPr id="38" name="Freeform 28">
+              <a:extLst>
+                <a:ext uri="{FF2B5EF4-FFF2-40B4-BE49-F238E27FC236}">
+                  <a16:creationId xmlns:a16="http://schemas.microsoft.com/office/drawing/2014/main" id="{4E020C4E-AF64-44A8-B830-779541D8D549}"/>
+                </a:ext>
+                <a:ext uri="{C183D7F6-B498-43B3-948B-1728B52AA6E4}">
+                  <adec:decorative xmlns:adec="http://schemas.microsoft.com/office/drawing/2017/decorative" val="1"/>
+                </a:ext>
+              </a:extLst>
+            </p:cNvPr>
+            <p:cNvSpPr>
+              <a:spLocks noEditPoints="1"/>
+            </p:cNvSpPr>
+            <p:nvPr>
+              <p:extLst>
+                <p:ext uri="{386F3935-93C4-4BCD-93E2-E3B085C9AB24}">
+                  <p16:designElem xmlns:p16="http://schemas.microsoft.com/office/powerpoint/2015/main" val="1"/>
+                </p:ext>
+              </p:extLst>
+            </p:nvPr>
+          </p:nvSpPr>
+          <p:spPr bwMode="auto">
+            <a:xfrm>
+              <a:off x="612775" y="5246688"/>
+              <a:ext cx="190500" cy="190500"/>
+            </a:xfrm>
+            <a:custGeom>
+              <a:avLst/>
+              <a:gdLst/>
+              <a:ahLst/>
+              <a:cxnLst/>
+              <a:rect l="0" t="0" r="r" b="b"/>
+              <a:pathLst>
+                <a:path w="40" h="40">
+                  <a:moveTo>
+                    <a:pt x="20" y="40"/>
+                  </a:moveTo>
+                  <a:cubicBezTo>
+                    <a:pt x="9" y="40"/>
+                    <a:pt x="0" y="31"/>
+                    <a:pt x="0" y="20"/>
+                  </a:cubicBezTo>
+                  <a:cubicBezTo>
+                    <a:pt x="0" y="9"/>
+                    <a:pt x="9" y="0"/>
+                    <a:pt x="20" y="0"/>
+                  </a:cubicBezTo>
+                  <a:cubicBezTo>
+                    <a:pt x="31" y="0"/>
+                    <a:pt x="40" y="9"/>
+                    <a:pt x="40" y="20"/>
+                  </a:cubicBezTo>
+                  <a:cubicBezTo>
+                    <a:pt x="40" y="31"/>
+                    <a:pt x="31" y="40"/>
+                    <a:pt x="20" y="40"/>
+                  </a:cubicBezTo>
+                  <a:close/>
+                  <a:moveTo>
+                    <a:pt x="20" y="4"/>
+                  </a:moveTo>
+                  <a:cubicBezTo>
+                    <a:pt x="12" y="4"/>
+                    <a:pt x="4" y="11"/>
+                    <a:pt x="4" y="20"/>
+                  </a:cubicBezTo>
+                  <a:cubicBezTo>
+                    <a:pt x="4" y="29"/>
+                    <a:pt x="12" y="36"/>
+                    <a:pt x="20" y="36"/>
+                  </a:cubicBezTo>
+                  <a:cubicBezTo>
+                    <a:pt x="29" y="36"/>
+                    <a:pt x="36" y="29"/>
+                    <a:pt x="36" y="20"/>
+                  </a:cubicBezTo>
+                  <a:cubicBezTo>
+                    <a:pt x="36" y="11"/>
+                    <a:pt x="29" y="4"/>
+                    <a:pt x="20" y="4"/>
+                  </a:cubicBezTo>
+                  <a:close/>
+                </a:path>
+              </a:pathLst>
+            </a:custGeom>
+            <a:grpFill/>
+            <a:ln>
+              <a:noFill/>
+            </a:ln>
+            <a:extLst>
+              <a:ext uri="{91240B29-F687-4f45-9708-019B960494DF}">
+                <a14:hiddenLine xmlns="" xmlns:a16="http://schemas.microsoft.com/office/drawing/2014/main" xmlns:p14="http://schemas.microsoft.com/office/powerpoint/2010/main" xmlns:a14="http://schemas.microsoft.com/office/drawing/2010/main" w="9525">
+                  <a:solidFill>
+                    <a:srgbClr val="000000"/>
+                  </a:solidFill>
+                  <a:round/>
+                  <a:headEnd/>
+                  <a:tailEnd/>
+                </a14:hiddenLine>
+              </a:ext>
+            </a:extLst>
+          </p:spPr>
+        </p:sp>
+        <p:sp>
+          <p:nvSpPr>
+            <p:cNvPr id="39" name="Freeform 29">
+              <a:extLst>
+                <a:ext uri="{FF2B5EF4-FFF2-40B4-BE49-F238E27FC236}">
+                  <a16:creationId xmlns:a16="http://schemas.microsoft.com/office/drawing/2014/main" id="{D97BC3D3-B1B3-4825-9169-BBEF1DBCF055}"/>
+                </a:ext>
+                <a:ext uri="{C183D7F6-B498-43B3-948B-1728B52AA6E4}">
+                  <adec:decorative xmlns:adec="http://schemas.microsoft.com/office/drawing/2017/decorative" val="1"/>
+                </a:ext>
+              </a:extLst>
+            </p:cNvPr>
+            <p:cNvSpPr>
+              <a:spLocks noEditPoints="1"/>
+            </p:cNvSpPr>
+            <p:nvPr>
+              <p:extLst>
+                <p:ext uri="{386F3935-93C4-4BCD-93E2-E3B085C9AB24}">
+                  <p16:designElem xmlns:p16="http://schemas.microsoft.com/office/powerpoint/2015/main" val="1"/>
+                </p:ext>
+              </p:extLst>
+            </p:nvPr>
+          </p:nvSpPr>
+          <p:spPr bwMode="auto">
+            <a:xfrm>
+              <a:off x="612775" y="5764213"/>
+              <a:ext cx="190500" cy="190500"/>
+            </a:xfrm>
+            <a:custGeom>
+              <a:avLst/>
+              <a:gdLst/>
+              <a:ahLst/>
+              <a:cxnLst/>
+              <a:rect l="0" t="0" r="r" b="b"/>
+              <a:pathLst>
+                <a:path w="40" h="40">
+                  <a:moveTo>
+                    <a:pt x="20" y="40"/>
+                  </a:moveTo>
+                  <a:cubicBezTo>
+                    <a:pt x="9" y="40"/>
+                    <a:pt x="0" y="31"/>
+                    <a:pt x="0" y="20"/>
+                  </a:cubicBezTo>
+                  <a:cubicBezTo>
+                    <a:pt x="0" y="9"/>
+                    <a:pt x="9" y="0"/>
+                    <a:pt x="20" y="0"/>
+                  </a:cubicBezTo>
+                  <a:cubicBezTo>
+                    <a:pt x="31" y="0"/>
+                    <a:pt x="40" y="9"/>
+                    <a:pt x="40" y="20"/>
+                  </a:cubicBezTo>
+                  <a:cubicBezTo>
+                    <a:pt x="40" y="31"/>
+                    <a:pt x="31" y="40"/>
+                    <a:pt x="20" y="40"/>
+                  </a:cubicBezTo>
+                  <a:close/>
+                  <a:moveTo>
+                    <a:pt x="20" y="4"/>
+                  </a:moveTo>
+                  <a:cubicBezTo>
+                    <a:pt x="12" y="4"/>
+                    <a:pt x="4" y="11"/>
+                    <a:pt x="4" y="20"/>
+                  </a:cubicBezTo>
+                  <a:cubicBezTo>
+                    <a:pt x="4" y="29"/>
+                    <a:pt x="12" y="36"/>
+                    <a:pt x="20" y="36"/>
+                  </a:cubicBezTo>
+                  <a:cubicBezTo>
+                    <a:pt x="29" y="36"/>
+                    <a:pt x="36" y="29"/>
+                    <a:pt x="36" y="20"/>
+                  </a:cubicBezTo>
+                  <a:cubicBezTo>
+                    <a:pt x="36" y="11"/>
+                    <a:pt x="29" y="4"/>
+                    <a:pt x="20" y="4"/>
+                  </a:cubicBezTo>
+                  <a:close/>
+                </a:path>
+              </a:pathLst>
+            </a:custGeom>
+            <a:grpFill/>
+            <a:ln>
+              <a:noFill/>
+            </a:ln>
+            <a:extLst>
+              <a:ext uri="{91240B29-F687-4f45-9708-019B960494DF}">
+                <a14:hiddenLine xmlns="" xmlns:a16="http://schemas.microsoft.com/office/drawing/2014/main" xmlns:p14="http://schemas.microsoft.com/office/powerpoint/2010/main" xmlns:a14="http://schemas.microsoft.com/office/drawing/2010/main" w="9525">
+                  <a:solidFill>
+                    <a:srgbClr val="000000"/>
+                  </a:solidFill>
+                  <a:round/>
+                  <a:headEnd/>
+                  <a:tailEnd/>
+                </a14:hiddenLine>
+              </a:ext>
+            </a:extLst>
+          </p:spPr>
+        </p:sp>
+        <p:sp>
+          <p:nvSpPr>
+            <p:cNvPr id="40" name="Freeform 30">
+              <a:extLst>
+                <a:ext uri="{FF2B5EF4-FFF2-40B4-BE49-F238E27FC236}">
+                  <a16:creationId xmlns:a16="http://schemas.microsoft.com/office/drawing/2014/main" id="{A750DC4F-1DAF-470E-98C6-6C68DEB93363}"/>
+                </a:ext>
+                <a:ext uri="{C183D7F6-B498-43B3-948B-1728B52AA6E4}">
+                  <adec:decorative xmlns:adec="http://schemas.microsoft.com/office/drawing/2017/decorative" val="1"/>
+                </a:ext>
+              </a:extLst>
+            </p:cNvPr>
+            <p:cNvSpPr/>
+            <p:nvPr>
+              <p:extLst>
+                <p:ext uri="{386F3935-93C4-4BCD-93E2-E3B085C9AB24}">
+                  <p16:designElem xmlns:p16="http://schemas.microsoft.com/office/powerpoint/2015/main" val="1"/>
+                </p:ext>
+              </p:extLst>
+            </p:nvPr>
+          </p:nvSpPr>
+          <p:spPr bwMode="auto">
+            <a:xfrm>
+              <a:off x="669925" y="6330950"/>
+              <a:ext cx="417513" cy="517525"/>
+            </a:xfrm>
+            <a:custGeom>
+              <a:avLst/>
+              <a:gdLst/>
+              <a:ahLst/>
+              <a:cxnLst/>
+              <a:rect l="0" t="0" r="r" b="b"/>
+              <a:pathLst>
+                <a:path w="263" h="326">
+                  <a:moveTo>
+                    <a:pt x="15" y="326"/>
+                  </a:moveTo>
+                  <a:lnTo>
+                    <a:pt x="0" y="320"/>
+                  </a:lnTo>
+                  <a:lnTo>
+                    <a:pt x="45" y="206"/>
+                  </a:lnTo>
+                  <a:lnTo>
+                    <a:pt x="48" y="206"/>
+                  </a:lnTo>
+                  <a:lnTo>
+                    <a:pt x="254" y="0"/>
+                  </a:lnTo>
+                  <a:lnTo>
+                    <a:pt x="263" y="12"/>
+                  </a:lnTo>
+                  <a:lnTo>
+                    <a:pt x="60" y="215"/>
+                  </a:lnTo>
+                  <a:lnTo>
+                    <a:pt x="15" y="326"/>
+                  </a:lnTo>
+                  <a:close/>
+                </a:path>
+              </a:pathLst>
+            </a:custGeom>
+            <a:grpFill/>
+            <a:ln>
+              <a:noFill/>
+            </a:ln>
+            <a:extLst>
+              <a:ext uri="{91240B29-F687-4f45-9708-019B960494DF}">
+                <a14:hiddenLine xmlns="" xmlns:a16="http://schemas.microsoft.com/office/drawing/2014/main" xmlns:p14="http://schemas.microsoft.com/office/powerpoint/2010/main" xmlns:a14="http://schemas.microsoft.com/office/drawing/2010/main" w="9525">
+                  <a:solidFill>
+                    <a:srgbClr val="000000"/>
+                  </a:solidFill>
+                  <a:round/>
+                  <a:headEnd/>
+                  <a:tailEnd/>
+                </a14:hiddenLine>
+              </a:ext>
+            </a:extLst>
+          </p:spPr>
+        </p:sp>
+        <p:sp>
+          <p:nvSpPr>
+            <p:cNvPr id="41" name="Freeform 31">
+              <a:extLst>
+                <a:ext uri="{FF2B5EF4-FFF2-40B4-BE49-F238E27FC236}">
+                  <a16:creationId xmlns:a16="http://schemas.microsoft.com/office/drawing/2014/main" id="{2F99594A-5BBD-4E10-A818-8BE52B7D952C}"/>
+                </a:ext>
+                <a:ext uri="{C183D7F6-B498-43B3-948B-1728B52AA6E4}">
+                  <adec:decorative xmlns:adec="http://schemas.microsoft.com/office/drawing/2017/decorative" val="1"/>
+                </a:ext>
+              </a:extLst>
+            </p:cNvPr>
+            <p:cNvSpPr>
+              <a:spLocks noEditPoints="1"/>
+            </p:cNvSpPr>
+            <p:nvPr>
+              <p:extLst>
+                <p:ext uri="{386F3935-93C4-4BCD-93E2-E3B085C9AB24}">
+                  <p16:designElem xmlns:p16="http://schemas.microsoft.com/office/powerpoint/2015/main" val="1"/>
+                </p:ext>
+              </p:extLst>
+            </p:nvPr>
+          </p:nvSpPr>
+          <p:spPr bwMode="auto">
+            <a:xfrm>
+              <a:off x="1049337" y="6221413"/>
+              <a:ext cx="157163" cy="147638"/>
+            </a:xfrm>
+            <a:custGeom>
+              <a:avLst/>
+              <a:gdLst/>
+              <a:ahLst/>
+              <a:cxnLst/>
+              <a:rect l="0" t="0" r="r" b="b"/>
+              <a:pathLst>
+                <a:path w="33" h="31">
+                  <a:moveTo>
+                    <a:pt x="16" y="31"/>
+                  </a:moveTo>
+                  <a:cubicBezTo>
+                    <a:pt x="12" y="31"/>
+                    <a:pt x="8" y="29"/>
+                    <a:pt x="5" y="26"/>
+                  </a:cubicBezTo>
+                  <a:cubicBezTo>
+                    <a:pt x="2" y="24"/>
+                    <a:pt x="0" y="20"/>
+                    <a:pt x="0" y="15"/>
+                  </a:cubicBezTo>
+                  <a:cubicBezTo>
+                    <a:pt x="0" y="11"/>
+                    <a:pt x="2" y="7"/>
+                    <a:pt x="5" y="4"/>
+                  </a:cubicBezTo>
+                  <a:cubicBezTo>
+                    <a:pt x="8" y="1"/>
+                    <a:pt x="12" y="0"/>
+                    <a:pt x="16" y="0"/>
+                  </a:cubicBezTo>
+                  <a:cubicBezTo>
+                    <a:pt x="20" y="0"/>
+                    <a:pt x="24" y="1"/>
+                    <a:pt x="27" y="4"/>
+                  </a:cubicBezTo>
+                  <a:cubicBezTo>
+                    <a:pt x="33" y="10"/>
+                    <a:pt x="33" y="20"/>
+                    <a:pt x="27" y="26"/>
+                  </a:cubicBezTo>
+                  <a:cubicBezTo>
+                    <a:pt x="24" y="29"/>
+                    <a:pt x="20" y="31"/>
+                    <a:pt x="16" y="31"/>
+                  </a:cubicBezTo>
+                  <a:close/>
+                  <a:moveTo>
+                    <a:pt x="16" y="4"/>
+                  </a:moveTo>
+                  <a:cubicBezTo>
+                    <a:pt x="13" y="4"/>
+                    <a:pt x="10" y="5"/>
+                    <a:pt x="8" y="7"/>
+                  </a:cubicBezTo>
+                  <a:cubicBezTo>
+                    <a:pt x="6" y="9"/>
+                    <a:pt x="4" y="12"/>
+                    <a:pt x="4" y="15"/>
+                  </a:cubicBezTo>
+                  <a:cubicBezTo>
+                    <a:pt x="4" y="19"/>
+                    <a:pt x="6" y="21"/>
+                    <a:pt x="8" y="24"/>
+                  </a:cubicBezTo>
+                  <a:cubicBezTo>
+                    <a:pt x="10" y="26"/>
+                    <a:pt x="13" y="27"/>
+                    <a:pt x="16" y="27"/>
+                  </a:cubicBezTo>
+                  <a:cubicBezTo>
+                    <a:pt x="19" y="27"/>
+                    <a:pt x="22" y="26"/>
+                    <a:pt x="24" y="24"/>
+                  </a:cubicBezTo>
+                  <a:cubicBezTo>
+                    <a:pt x="29" y="19"/>
+                    <a:pt x="29" y="12"/>
+                    <a:pt x="24" y="7"/>
+                  </a:cubicBezTo>
+                  <a:cubicBezTo>
+                    <a:pt x="22" y="5"/>
+                    <a:pt x="19" y="4"/>
+                    <a:pt x="16" y="4"/>
+                  </a:cubicBezTo>
+                  <a:close/>
+                </a:path>
+              </a:pathLst>
+            </a:custGeom>
+            <a:grpFill/>
+            <a:ln>
+              <a:noFill/>
+            </a:ln>
+            <a:extLst>
+              <a:ext uri="{91240B29-F687-4f45-9708-019B960494DF}">
+                <a14:hiddenLine xmlns="" xmlns:a16="http://schemas.microsoft.com/office/drawing/2014/main" xmlns:p14="http://schemas.microsoft.com/office/powerpoint/2010/main" xmlns:a14="http://schemas.microsoft.com/office/drawing/2010/main" w="9525">
+                  <a:solidFill>
+                    <a:srgbClr val="000000"/>
+                  </a:solidFill>
+                  <a:round/>
+                  <a:headEnd/>
+                  <a:tailEnd/>
+                </a14:hiddenLine>
+              </a:ext>
+            </a:extLst>
+          </p:spPr>
+        </p:sp>
+      </p:grpSp>
+    </p:spTree>
+    <p:extLst>
+      <p:ext uri="{BB962C8B-B14F-4D97-AF65-F5344CB8AC3E}">
+        <p14:creationId xmlns:p14="http://schemas.microsoft.com/office/powerpoint/2010/main" val="726512432"/>
+      </p:ext>
+    </p:extLst>
+  </p:cSld>
+  <p:clrMapOvr>
+    <a:masterClrMapping/>
+  </p:clrMapOvr>
+</p:sld>
+</file>
+
+<file path=ppt/slides/slide4.xml><?xml version="1.0" encoding="utf-8"?>
+<p:sld xmlns:a="http://schemas.openxmlformats.org/drawingml/2006/main" xmlns:r="http://schemas.openxmlformats.org/officeDocument/2006/relationships" xmlns:p="http://schemas.openxmlformats.org/presentationml/2006/main">
+  <p:cSld>
+    <p:spTree>
+      <p:nvGrpSpPr>
+        <p:cNvPr id="1" name=""/>
+        <p:cNvGrpSpPr/>
+        <p:nvPr/>
+      </p:nvGrpSpPr>
+      <p:grpSpPr>
+        <a:xfrm>
+          <a:off x="0" y="0"/>
+          <a:ext cx="0" cy="0"/>
+          <a:chOff x="0" y="0"/>
+          <a:chExt cx="0" cy="0"/>
+        </a:xfrm>
+      </p:grpSpPr>
+      <p:sp>
+        <p:nvSpPr>
+          <p:cNvPr id="2" name="Título 1">
+            <a:extLst>
+              <a:ext uri="{FF2B5EF4-FFF2-40B4-BE49-F238E27FC236}">
+                <a16:creationId xmlns:a16="http://schemas.microsoft.com/office/drawing/2014/main" id="{F7DD3A51-28AA-4FE3-AAA9-D5730B682F65}"/>
+              </a:ext>
+            </a:extLst>
+          </p:cNvPr>
+          <p:cNvSpPr>
+            <a:spLocks noGrp="1"/>
+          </p:cNvSpPr>
+          <p:nvPr>
+            <p:ph type="title"/>
+          </p:nvPr>
+        </p:nvSpPr>
+        <p:spPr/>
+        <p:txBody>
+          <a:bodyPr/>
+          <a:lstStyle/>
+          <a:p>
+            <a:r>
+              <a:rPr lang="es-ES" dirty="0"/>
+              <a:t>REQUERIMIENTOS funcionales</a:t>
+            </a:r>
+            <a:endParaRPr lang="es-CL" dirty="0"/>
+          </a:p>
+        </p:txBody>
+      </p:sp>
+      <p:sp>
+        <p:nvSpPr>
+          <p:cNvPr id="3" name="Marcador de contenido 2">
+            <a:extLst>
+              <a:ext uri="{FF2B5EF4-FFF2-40B4-BE49-F238E27FC236}">
+                <a16:creationId xmlns:a16="http://schemas.microsoft.com/office/drawing/2014/main" id="{A63AE1F2-3387-4C80-99A8-11B01B8D6C49}"/>
+              </a:ext>
+            </a:extLst>
+          </p:cNvPr>
+          <p:cNvSpPr>
+            <a:spLocks noGrp="1"/>
+          </p:cNvSpPr>
+          <p:nvPr>
+            <p:ph idx="1"/>
+          </p:nvPr>
+        </p:nvSpPr>
+        <p:spPr/>
+        <p:txBody>
+          <a:bodyPr/>
+          <a:lstStyle/>
+          <a:p>
+            <a:r>
+              <a:rPr lang="es-ES" dirty="0"/>
+              <a:t>Gestión de una base de datos que contenga correos electrónicos de empresas, socios y clientes.</a:t>
+            </a:r>
+          </a:p>
+          <a:p>
+            <a:r>
+              <a:rPr lang="es-ES" dirty="0"/>
+              <a:t>Selección y filtrado de destinatarios </a:t>
+            </a:r>
+          </a:p>
+          <a:p>
+            <a:r>
+              <a:rPr lang="es-ES" dirty="0"/>
+              <a:t>Envío masivo de correo electrónico</a:t>
+            </a:r>
+          </a:p>
+          <a:p>
+            <a:r>
+              <a:rPr lang="es-ES" dirty="0"/>
+              <a:t>Posteo único escrito en la plataforma, para luego ser replicado de forma automática en Facebook , Twitter e Instagram.</a:t>
+            </a:r>
+            <a:endParaRPr lang="es-CL" dirty="0"/>
           </a:p>
         </p:txBody>
       </p:sp>
     </p:spTree>
     <p:extLst>
       <p:ext uri="{BB962C8B-B14F-4D97-AF65-F5344CB8AC3E}">
-        <p14:creationId xmlns:p14="http://schemas.microsoft.com/office/powerpoint/2010/main" val="664467279"/>
+        <p14:creationId xmlns:p14="http://schemas.microsoft.com/office/powerpoint/2010/main" val="1505441313"/>
+      </p:ext>
+    </p:extLst>
+  </p:cSld>
+  <p:clrMapOvr>
+    <a:masterClrMapping/>
+  </p:clrMapOvr>
+</p:sld>
+</file>
+
+<file path=ppt/slides/slide5.xml><?xml version="1.0" encoding="utf-8"?>
+<p:sld xmlns:a="http://schemas.openxmlformats.org/drawingml/2006/main" xmlns:r="http://schemas.openxmlformats.org/officeDocument/2006/relationships" xmlns:p="http://schemas.openxmlformats.org/presentationml/2006/main">
+  <p:cSld>
+    <p:spTree>
+      <p:nvGrpSpPr>
+        <p:cNvPr id="1" name=""/>
+        <p:cNvGrpSpPr/>
+        <p:nvPr/>
+      </p:nvGrpSpPr>
+      <p:grpSpPr>
+        <a:xfrm>
+          <a:off x="0" y="0"/>
+          <a:ext cx="0" cy="0"/>
+          <a:chOff x="0" y="0"/>
+          <a:chExt cx="0" cy="0"/>
+        </a:xfrm>
+      </p:grpSpPr>
+      <p:sp>
+        <p:nvSpPr>
+          <p:cNvPr id="2" name="Título 1">
+            <a:extLst>
+              <a:ext uri="{FF2B5EF4-FFF2-40B4-BE49-F238E27FC236}">
+                <a16:creationId xmlns:a16="http://schemas.microsoft.com/office/drawing/2014/main" id="{86397396-58CE-48FA-B823-0AA179CD95B3}"/>
+              </a:ext>
+            </a:extLst>
+          </p:cNvPr>
+          <p:cNvSpPr>
+            <a:spLocks noGrp="1"/>
+          </p:cNvSpPr>
+          <p:nvPr>
+            <p:ph type="title"/>
+          </p:nvPr>
+        </p:nvSpPr>
+        <p:spPr/>
+        <p:txBody>
+          <a:bodyPr/>
+          <a:lstStyle/>
+          <a:p>
+            <a:r>
+              <a:rPr lang="es-ES" dirty="0"/>
+              <a:t>Requerimientos no funcionales</a:t>
+            </a:r>
+            <a:endParaRPr lang="es-CL" dirty="0"/>
+          </a:p>
+        </p:txBody>
+      </p:sp>
+      <p:sp>
+        <p:nvSpPr>
+          <p:cNvPr id="3" name="Marcador de contenido 2">
+            <a:extLst>
+              <a:ext uri="{FF2B5EF4-FFF2-40B4-BE49-F238E27FC236}">
+                <a16:creationId xmlns:a16="http://schemas.microsoft.com/office/drawing/2014/main" id="{43FF4314-93A1-4038-9372-1AA76D1D6BE3}"/>
+              </a:ext>
+            </a:extLst>
+          </p:cNvPr>
+          <p:cNvSpPr>
+            <a:spLocks noGrp="1"/>
+          </p:cNvSpPr>
+          <p:nvPr>
+            <p:ph idx="1"/>
+          </p:nvPr>
+        </p:nvSpPr>
+        <p:spPr/>
+        <p:txBody>
+          <a:bodyPr/>
+          <a:lstStyle/>
+          <a:p>
+            <a:pPr lvl="1"/>
+            <a:r>
+              <a:rPr lang="es-ES" sz="2400" dirty="0"/>
+              <a:t>El sistema deberá contar con un manual de uso.</a:t>
+            </a:r>
+          </a:p>
+          <a:p>
+            <a:pPr marL="457200" lvl="1" indent="0">
+              <a:buNone/>
+            </a:pPr>
+            <a:endParaRPr lang="es-ES" sz="2400" dirty="0"/>
+          </a:p>
+          <a:p>
+            <a:pPr lvl="1"/>
+            <a:r>
+              <a:rPr lang="es-ES" sz="2400" dirty="0"/>
+              <a:t>El sistema proporcionará mensajes de error, cuando no se pueda concretar una acción correctamente.</a:t>
+            </a:r>
+          </a:p>
+          <a:p>
+            <a:pPr lvl="1"/>
+            <a:endParaRPr lang="es-ES" sz="2400" dirty="0"/>
+          </a:p>
+          <a:p>
+            <a:pPr lvl="1"/>
+            <a:r>
+              <a:rPr lang="es-ES" sz="2400" dirty="0"/>
+              <a:t>El sistema debe asegurar la protección de datos a personal no autorizado.</a:t>
+            </a:r>
+          </a:p>
+          <a:p>
+            <a:pPr lvl="1"/>
+            <a:endParaRPr lang="es-CL" dirty="0"/>
+          </a:p>
+        </p:txBody>
+      </p:sp>
+    </p:spTree>
+    <p:extLst>
+      <p:ext uri="{BB962C8B-B14F-4D97-AF65-F5344CB8AC3E}">
+        <p14:creationId xmlns:p14="http://schemas.microsoft.com/office/powerpoint/2010/main" val="3648660646"/>
+      </p:ext>
+    </p:extLst>
+  </p:cSld>
+  <p:clrMapOvr>
+    <a:masterClrMapping/>
+  </p:clrMapOvr>
+</p:sld>
+</file>
+
+<file path=ppt/slides/slide6.xml><?xml version="1.0" encoding="utf-8"?>
+<p:sld xmlns:a="http://schemas.openxmlformats.org/drawingml/2006/main" xmlns:r="http://schemas.openxmlformats.org/officeDocument/2006/relationships" xmlns:p="http://schemas.openxmlformats.org/presentationml/2006/main">
+  <p:cSld>
+    <p:spTree>
+      <p:nvGrpSpPr>
+        <p:cNvPr id="1" name=""/>
+        <p:cNvGrpSpPr/>
+        <p:nvPr/>
+      </p:nvGrpSpPr>
+      <p:grpSpPr>
+        <a:xfrm>
+          <a:off x="0" y="0"/>
+          <a:ext cx="0" cy="0"/>
+          <a:chOff x="0" y="0"/>
+          <a:chExt cx="0" cy="0"/>
+        </a:xfrm>
+      </p:grpSpPr>
+      <p:sp>
+        <p:nvSpPr>
+          <p:cNvPr id="2" name="Título 1">
+            <a:extLst>
+              <a:ext uri="{FF2B5EF4-FFF2-40B4-BE49-F238E27FC236}">
+                <a16:creationId xmlns:a16="http://schemas.microsoft.com/office/drawing/2014/main" id="{77B7E7EE-35A6-4F56-AF57-6C6FB18799B7}"/>
+              </a:ext>
+            </a:extLst>
+          </p:cNvPr>
+          <p:cNvSpPr>
+            <a:spLocks noGrp="1"/>
+          </p:cNvSpPr>
+          <p:nvPr>
+            <p:ph type="title"/>
+          </p:nvPr>
+        </p:nvSpPr>
+        <p:spPr/>
+        <p:txBody>
+          <a:bodyPr/>
+          <a:lstStyle/>
+          <a:p>
+            <a:r>
+              <a:rPr lang="es-ES" dirty="0"/>
+              <a:t>CASOS DE USO</a:t>
+            </a:r>
+            <a:endParaRPr lang="es-CL" dirty="0"/>
+          </a:p>
+        </p:txBody>
+      </p:sp>
+      <p:graphicFrame>
+        <p:nvGraphicFramePr>
+          <p:cNvPr id="4" name="Marcador de contenido 3">
+            <a:extLst>
+              <a:ext uri="{FF2B5EF4-FFF2-40B4-BE49-F238E27FC236}">
+                <a16:creationId xmlns:a16="http://schemas.microsoft.com/office/drawing/2014/main" id="{68017318-0C5C-48A7-94AB-2EE5BDC97165}"/>
+              </a:ext>
+            </a:extLst>
+          </p:cNvPr>
+          <p:cNvGraphicFramePr>
+            <a:graphicFrameLocks noGrp="1"/>
+          </p:cNvGraphicFramePr>
+          <p:nvPr>
+            <p:ph idx="1"/>
+            <p:extLst>
+              <p:ext uri="{D42A27DB-BD31-4B8C-83A1-F6EECF244321}">
+                <p14:modId xmlns:p14="http://schemas.microsoft.com/office/powerpoint/2010/main" val="1582330267"/>
+              </p:ext>
+            </p:extLst>
+          </p:nvPr>
+        </p:nvGraphicFramePr>
+        <p:xfrm>
+          <a:off x="1141413" y="2097088"/>
+          <a:ext cx="5160533" cy="3682640"/>
+        </p:xfrm>
+        <a:graphic>
+          <a:graphicData uri="http://schemas.openxmlformats.org/drawingml/2006/table">
+            <a:tbl>
+              <a:tblPr firstRow="1" firstCol="1" bandRow="1">
+                <a:tableStyleId>{5C22544A-7EE6-4342-B048-85BDC9FD1C3A}</a:tableStyleId>
+              </a:tblPr>
+              <a:tblGrid>
+                <a:gridCol w="1465863">
+                  <a:extLst>
+                    <a:ext uri="{9D8B030D-6E8A-4147-A177-3AD203B41FA5}">
+                      <a16:colId xmlns:a16="http://schemas.microsoft.com/office/drawing/2014/main" val="3945191831"/>
+                    </a:ext>
+                  </a:extLst>
+                </a:gridCol>
+                <a:gridCol w="3694670">
+                  <a:extLst>
+                    <a:ext uri="{9D8B030D-6E8A-4147-A177-3AD203B41FA5}">
+                      <a16:colId xmlns:a16="http://schemas.microsoft.com/office/drawing/2014/main" val="1833221345"/>
+                    </a:ext>
+                  </a:extLst>
+                </a:gridCol>
+              </a:tblGrid>
+              <a:tr h="725893">
+                <a:tc>
+                  <a:txBody>
+                    <a:bodyPr/>
+                    <a:lstStyle/>
+                    <a:p>
+                      <a:pPr>
+                        <a:spcAft>
+                          <a:spcPts val="0"/>
+                        </a:spcAft>
+                      </a:pPr>
+                      <a:r>
+                        <a:rPr lang="es-ES_tradnl" sz="1600" kern="1200" dirty="0">
+                          <a:effectLst/>
+                        </a:rPr>
+                        <a:t>Identificación del requerimiento:</a:t>
+                      </a:r>
+                      <a:endParaRPr lang="es-CL" sz="1600" dirty="0">
+                        <a:effectLst/>
+                        <a:latin typeface="Calibri" panose="020F0502020204030204" pitchFamily="34" charset="0"/>
+                        <a:ea typeface="Calibri" panose="020F0502020204030204" pitchFamily="34" charset="0"/>
+                        <a:cs typeface="Times New Roman" panose="02020603050405020304" pitchFamily="18" charset="0"/>
+                      </a:endParaRPr>
+                    </a:p>
+                  </a:txBody>
+                  <a:tcPr marL="68580" marR="68580" marT="0" marB="0"/>
+                </a:tc>
+                <a:tc>
+                  <a:txBody>
+                    <a:bodyPr/>
+                    <a:lstStyle/>
+                    <a:p>
+                      <a:pPr>
+                        <a:spcAft>
+                          <a:spcPts val="0"/>
+                        </a:spcAft>
+                      </a:pPr>
+                      <a:r>
+                        <a:rPr lang="es-ES_tradnl" sz="1600">
+                          <a:effectLst/>
+                        </a:rPr>
+                        <a:t>A01</a:t>
+                      </a:r>
+                      <a:endParaRPr lang="es-CL" sz="1600">
+                        <a:effectLst/>
+                        <a:latin typeface="Calibri" panose="020F0502020204030204" pitchFamily="34" charset="0"/>
+                        <a:ea typeface="Calibri" panose="020F0502020204030204" pitchFamily="34" charset="0"/>
+                        <a:cs typeface="Times New Roman" panose="02020603050405020304" pitchFamily="18" charset="0"/>
+                      </a:endParaRPr>
+                    </a:p>
+                  </a:txBody>
+                  <a:tcPr marL="68580" marR="68580" marT="0" marB="0"/>
+                </a:tc>
+                <a:extLst>
+                  <a:ext uri="{0D108BD9-81ED-4DB2-BD59-A6C34878D82A}">
+                    <a16:rowId xmlns:a16="http://schemas.microsoft.com/office/drawing/2014/main" val="2810539679"/>
+                  </a:ext>
+                </a:extLst>
+              </a:tr>
+              <a:tr h="725893">
+                <a:tc>
+                  <a:txBody>
+                    <a:bodyPr/>
+                    <a:lstStyle/>
+                    <a:p>
+                      <a:pPr>
+                        <a:spcAft>
+                          <a:spcPts val="0"/>
+                        </a:spcAft>
+                      </a:pPr>
+                      <a:r>
+                        <a:rPr lang="es-ES_tradnl" sz="1600" kern="1200">
+                          <a:effectLst/>
+                        </a:rPr>
+                        <a:t>Nombre del Requerimiento:</a:t>
+                      </a:r>
+                      <a:endParaRPr lang="es-CL" sz="1600">
+                        <a:effectLst/>
+                        <a:latin typeface="Calibri" panose="020F0502020204030204" pitchFamily="34" charset="0"/>
+                        <a:ea typeface="Calibri" panose="020F0502020204030204" pitchFamily="34" charset="0"/>
+                        <a:cs typeface="Times New Roman" panose="02020603050405020304" pitchFamily="18" charset="0"/>
+                      </a:endParaRPr>
+                    </a:p>
+                  </a:txBody>
+                  <a:tcPr marL="68580" marR="68580" marT="0" marB="0"/>
+                </a:tc>
+                <a:tc>
+                  <a:txBody>
+                    <a:bodyPr/>
+                    <a:lstStyle/>
+                    <a:p>
+                      <a:pPr>
+                        <a:spcAft>
+                          <a:spcPts val="0"/>
+                        </a:spcAft>
+                      </a:pPr>
+                      <a:r>
+                        <a:rPr lang="es-ES_tradnl" sz="1600" dirty="0">
+                          <a:effectLst/>
+                        </a:rPr>
+                        <a:t>Autentificación</a:t>
+                      </a:r>
+                      <a:endParaRPr lang="es-CL" sz="1600" dirty="0">
+                        <a:effectLst/>
+                        <a:latin typeface="Calibri" panose="020F0502020204030204" pitchFamily="34" charset="0"/>
+                        <a:ea typeface="Calibri" panose="020F0502020204030204" pitchFamily="34" charset="0"/>
+                        <a:cs typeface="Times New Roman" panose="02020603050405020304" pitchFamily="18" charset="0"/>
+                      </a:endParaRPr>
+                    </a:p>
+                  </a:txBody>
+                  <a:tcPr marL="68580" marR="68580" marT="0" marB="0"/>
+                </a:tc>
+                <a:extLst>
+                  <a:ext uri="{0D108BD9-81ED-4DB2-BD59-A6C34878D82A}">
+                    <a16:rowId xmlns:a16="http://schemas.microsoft.com/office/drawing/2014/main" val="1387363842"/>
+                  </a:ext>
+                </a:extLst>
+              </a:tr>
+              <a:tr h="362948">
+                <a:tc>
+                  <a:txBody>
+                    <a:bodyPr/>
+                    <a:lstStyle/>
+                    <a:p>
+                      <a:pPr>
+                        <a:spcAft>
+                          <a:spcPts val="0"/>
+                        </a:spcAft>
+                      </a:pPr>
+                      <a:r>
+                        <a:rPr lang="es-ES_tradnl" sz="1600" kern="1200">
+                          <a:effectLst/>
+                        </a:rPr>
+                        <a:t>Características:</a:t>
+                      </a:r>
+                      <a:endParaRPr lang="es-CL" sz="1600">
+                        <a:effectLst/>
+                        <a:latin typeface="Calibri" panose="020F0502020204030204" pitchFamily="34" charset="0"/>
+                        <a:ea typeface="Calibri" panose="020F0502020204030204" pitchFamily="34" charset="0"/>
+                        <a:cs typeface="Times New Roman" panose="02020603050405020304" pitchFamily="18" charset="0"/>
+                      </a:endParaRPr>
+                    </a:p>
+                  </a:txBody>
+                  <a:tcPr marL="68580" marR="68580" marT="0" marB="0"/>
+                </a:tc>
+                <a:tc>
+                  <a:txBody>
+                    <a:bodyPr/>
+                    <a:lstStyle/>
+                    <a:p>
+                      <a:pPr>
+                        <a:spcAft>
+                          <a:spcPts val="0"/>
+                        </a:spcAft>
+                      </a:pPr>
+                      <a:r>
+                        <a:rPr lang="es-ES_tradnl" sz="1600" dirty="0">
+                          <a:effectLst/>
+                        </a:rPr>
+                        <a:t>El usuario deberá identificarse para acceder a todas sus RRSS y correo electrónico.</a:t>
+                      </a:r>
+                      <a:endParaRPr lang="es-CL" sz="1600" dirty="0">
+                        <a:effectLst/>
+                        <a:latin typeface="Calibri" panose="020F0502020204030204" pitchFamily="34" charset="0"/>
+                        <a:ea typeface="Calibri" panose="020F0502020204030204" pitchFamily="34" charset="0"/>
+                        <a:cs typeface="Times New Roman" panose="02020603050405020304" pitchFamily="18" charset="0"/>
+                      </a:endParaRPr>
+                    </a:p>
+                  </a:txBody>
+                  <a:tcPr marL="68580" marR="68580" marT="0" marB="0"/>
+                </a:tc>
+                <a:extLst>
+                  <a:ext uri="{0D108BD9-81ED-4DB2-BD59-A6C34878D82A}">
+                    <a16:rowId xmlns:a16="http://schemas.microsoft.com/office/drawing/2014/main" val="2095094170"/>
+                  </a:ext>
+                </a:extLst>
+              </a:tr>
+              <a:tr h="725893">
+                <a:tc>
+                  <a:txBody>
+                    <a:bodyPr/>
+                    <a:lstStyle/>
+                    <a:p>
+                      <a:pPr>
+                        <a:spcAft>
+                          <a:spcPts val="0"/>
+                        </a:spcAft>
+                      </a:pPr>
+                      <a:r>
+                        <a:rPr lang="es-ES_tradnl" sz="1600" kern="1200">
+                          <a:effectLst/>
+                        </a:rPr>
+                        <a:t>Descripción del requerimiento:</a:t>
+                      </a:r>
+                      <a:endParaRPr lang="es-CL" sz="1600">
+                        <a:effectLst/>
+                        <a:latin typeface="Calibri" panose="020F0502020204030204" pitchFamily="34" charset="0"/>
+                        <a:ea typeface="Calibri" panose="020F0502020204030204" pitchFamily="34" charset="0"/>
+                        <a:cs typeface="Times New Roman" panose="02020603050405020304" pitchFamily="18" charset="0"/>
+                      </a:endParaRPr>
+                    </a:p>
+                  </a:txBody>
+                  <a:tcPr marL="68580" marR="68580" marT="0" marB="0"/>
+                </a:tc>
+                <a:tc>
+                  <a:txBody>
+                    <a:bodyPr/>
+                    <a:lstStyle/>
+                    <a:p>
+                      <a:pPr>
+                        <a:spcAft>
+                          <a:spcPts val="0"/>
+                        </a:spcAft>
+                      </a:pPr>
+                      <a:r>
+                        <a:rPr lang="es-ES_tradnl" sz="1600" dirty="0">
+                          <a:effectLst/>
+                        </a:rPr>
+                        <a:t>El sistema pedirá al usuario su correo electrónico y contraseña para acceder a cada una de las RRSS. </a:t>
+                      </a:r>
+                      <a:endParaRPr lang="es-CL" sz="1600" dirty="0">
+                        <a:effectLst/>
+                        <a:latin typeface="Calibri" panose="020F0502020204030204" pitchFamily="34" charset="0"/>
+                        <a:ea typeface="Calibri" panose="020F0502020204030204" pitchFamily="34" charset="0"/>
+                        <a:cs typeface="Times New Roman" panose="02020603050405020304" pitchFamily="18" charset="0"/>
+                      </a:endParaRPr>
+                    </a:p>
+                  </a:txBody>
+                  <a:tcPr marL="68580" marR="68580" marT="0" marB="0"/>
+                </a:tc>
+                <a:extLst>
+                  <a:ext uri="{0D108BD9-81ED-4DB2-BD59-A6C34878D82A}">
+                    <a16:rowId xmlns:a16="http://schemas.microsoft.com/office/drawing/2014/main" val="3436480370"/>
+                  </a:ext>
+                </a:extLst>
+              </a:tr>
+              <a:tr h="762187">
+                <a:tc gridSpan="2">
+                  <a:txBody>
+                    <a:bodyPr/>
+                    <a:lstStyle/>
+                    <a:p>
+                      <a:pPr>
+                        <a:spcAft>
+                          <a:spcPts val="0"/>
+                        </a:spcAft>
+                      </a:pPr>
+                      <a:r>
+                        <a:rPr lang="es-ES_tradnl" sz="1600" dirty="0">
+                          <a:effectLst/>
+                        </a:rPr>
+                        <a:t>Prioridad del requerimiento:</a:t>
+                      </a:r>
+                      <a:endParaRPr lang="es-CL" sz="1600" dirty="0">
+                        <a:effectLst/>
+                      </a:endParaRPr>
+                    </a:p>
+                    <a:p>
+                      <a:pPr>
+                        <a:spcAft>
+                          <a:spcPts val="0"/>
+                        </a:spcAft>
+                      </a:pPr>
+                      <a:r>
+                        <a:rPr lang="es-ES_tradnl" sz="1600" dirty="0">
+                          <a:effectLst/>
+                        </a:rPr>
+                        <a:t>Alta</a:t>
+                      </a:r>
+                      <a:endParaRPr lang="es-CL" sz="1600" dirty="0">
+                        <a:effectLst/>
+                        <a:latin typeface="Georgia" panose="02040502050405020303" pitchFamily="18" charset="0"/>
+                        <a:ea typeface="Georgia" panose="02040502050405020303" pitchFamily="18" charset="0"/>
+                        <a:cs typeface="Times New Roman" panose="02020603050405020304" pitchFamily="18" charset="0"/>
+                      </a:endParaRPr>
+                    </a:p>
+                  </a:txBody>
+                  <a:tcPr marL="68580" marR="68580" marT="0" marB="0"/>
+                </a:tc>
+                <a:tc hMerge="1">
+                  <a:txBody>
+                    <a:bodyPr/>
+                    <a:lstStyle/>
+                    <a:p>
+                      <a:endParaRPr lang="es-CL"/>
+                    </a:p>
+                  </a:txBody>
+                  <a:tcPr/>
+                </a:tc>
+                <a:extLst>
+                  <a:ext uri="{0D108BD9-81ED-4DB2-BD59-A6C34878D82A}">
+                    <a16:rowId xmlns:a16="http://schemas.microsoft.com/office/drawing/2014/main" val="819147847"/>
+                  </a:ext>
+                </a:extLst>
+              </a:tr>
+            </a:tbl>
+          </a:graphicData>
+        </a:graphic>
+      </p:graphicFrame>
+      <p:graphicFrame>
+        <p:nvGraphicFramePr>
+          <p:cNvPr id="5" name="Tabla 4">
+            <a:extLst>
+              <a:ext uri="{FF2B5EF4-FFF2-40B4-BE49-F238E27FC236}">
+                <a16:creationId xmlns:a16="http://schemas.microsoft.com/office/drawing/2014/main" id="{06D0C961-1E4D-4E80-85C9-871C609771C2}"/>
+              </a:ext>
+            </a:extLst>
+          </p:cNvPr>
+          <p:cNvGraphicFramePr>
+            <a:graphicFrameLocks noGrp="1"/>
+          </p:cNvGraphicFramePr>
+          <p:nvPr>
+            <p:extLst>
+              <p:ext uri="{D42A27DB-BD31-4B8C-83A1-F6EECF244321}">
+                <p14:modId xmlns:p14="http://schemas.microsoft.com/office/powerpoint/2010/main" val="2591899452"/>
+              </p:ext>
+            </p:extLst>
+          </p:nvPr>
+        </p:nvGraphicFramePr>
+        <p:xfrm>
+          <a:off x="6301946" y="2081022"/>
+          <a:ext cx="5160533" cy="3698705"/>
+        </p:xfrm>
+        <a:graphic>
+          <a:graphicData uri="http://schemas.openxmlformats.org/drawingml/2006/table">
+            <a:tbl>
+              <a:tblPr firstRow="1" firstCol="1" bandRow="1">
+                <a:tableStyleId>{5C22544A-7EE6-4342-B048-85BDC9FD1C3A}</a:tableStyleId>
+              </a:tblPr>
+              <a:tblGrid>
+                <a:gridCol w="1478221">
+                  <a:extLst>
+                    <a:ext uri="{9D8B030D-6E8A-4147-A177-3AD203B41FA5}">
+                      <a16:colId xmlns:a16="http://schemas.microsoft.com/office/drawing/2014/main" val="40822789"/>
+                    </a:ext>
+                  </a:extLst>
+                </a:gridCol>
+                <a:gridCol w="3682312">
+                  <a:extLst>
+                    <a:ext uri="{9D8B030D-6E8A-4147-A177-3AD203B41FA5}">
+                      <a16:colId xmlns:a16="http://schemas.microsoft.com/office/drawing/2014/main" val="1544550461"/>
+                    </a:ext>
+                  </a:extLst>
+                </a:gridCol>
+              </a:tblGrid>
+              <a:tr h="845952">
+                <a:tc>
+                  <a:txBody>
+                    <a:bodyPr/>
+                    <a:lstStyle/>
+                    <a:p>
+                      <a:pPr>
+                        <a:spcAft>
+                          <a:spcPts val="0"/>
+                        </a:spcAft>
+                      </a:pPr>
+                      <a:r>
+                        <a:rPr lang="es-ES_tradnl" sz="1600" kern="1200" dirty="0">
+                          <a:effectLst/>
+                        </a:rPr>
+                        <a:t>Identificación del requerimiento:</a:t>
+                      </a:r>
+                      <a:endParaRPr lang="es-CL" sz="1600" dirty="0">
+                        <a:effectLst/>
+                        <a:latin typeface="Calibri" panose="020F0502020204030204" pitchFamily="34" charset="0"/>
+                        <a:ea typeface="Calibri" panose="020F0502020204030204" pitchFamily="34" charset="0"/>
+                        <a:cs typeface="Times New Roman" panose="02020603050405020304" pitchFamily="18" charset="0"/>
+                      </a:endParaRPr>
+                    </a:p>
+                  </a:txBody>
+                  <a:tcPr marL="68580" marR="68580" marT="0" marB="0"/>
+                </a:tc>
+                <a:tc>
+                  <a:txBody>
+                    <a:bodyPr/>
+                    <a:lstStyle/>
+                    <a:p>
+                      <a:pPr>
+                        <a:spcAft>
+                          <a:spcPts val="0"/>
+                        </a:spcAft>
+                      </a:pPr>
+                      <a:r>
+                        <a:rPr lang="es-ES_tradnl" sz="1600" dirty="0">
+                          <a:effectLst/>
+                        </a:rPr>
+                        <a:t>A03</a:t>
+                      </a:r>
+                      <a:endParaRPr lang="es-CL" sz="1600" dirty="0">
+                        <a:effectLst/>
+                        <a:latin typeface="Calibri" panose="020F0502020204030204" pitchFamily="34" charset="0"/>
+                        <a:ea typeface="Calibri" panose="020F0502020204030204" pitchFamily="34" charset="0"/>
+                        <a:cs typeface="Times New Roman" panose="02020603050405020304" pitchFamily="18" charset="0"/>
+                      </a:endParaRPr>
+                    </a:p>
+                  </a:txBody>
+                  <a:tcPr marL="68580" marR="68580" marT="0" marB="0"/>
+                </a:tc>
+                <a:extLst>
+                  <a:ext uri="{0D108BD9-81ED-4DB2-BD59-A6C34878D82A}">
+                    <a16:rowId xmlns:a16="http://schemas.microsoft.com/office/drawing/2014/main" val="4029593070"/>
+                  </a:ext>
+                </a:extLst>
+              </a:tr>
+              <a:tr h="604526">
+                <a:tc>
+                  <a:txBody>
+                    <a:bodyPr/>
+                    <a:lstStyle/>
+                    <a:p>
+                      <a:pPr>
+                        <a:spcAft>
+                          <a:spcPts val="0"/>
+                        </a:spcAft>
+                      </a:pPr>
+                      <a:r>
+                        <a:rPr lang="es-ES_tradnl" sz="1600" kern="1200">
+                          <a:effectLst/>
+                        </a:rPr>
+                        <a:t>Nombre del Requerimiento:</a:t>
+                      </a:r>
+                      <a:endParaRPr lang="es-CL" sz="1600">
+                        <a:effectLst/>
+                        <a:latin typeface="Calibri" panose="020F0502020204030204" pitchFamily="34" charset="0"/>
+                        <a:ea typeface="Calibri" panose="020F0502020204030204" pitchFamily="34" charset="0"/>
+                        <a:cs typeface="Times New Roman" panose="02020603050405020304" pitchFamily="18" charset="0"/>
+                      </a:endParaRPr>
+                    </a:p>
+                  </a:txBody>
+                  <a:tcPr marL="68580" marR="68580" marT="0" marB="0"/>
+                </a:tc>
+                <a:tc>
+                  <a:txBody>
+                    <a:bodyPr/>
+                    <a:lstStyle/>
+                    <a:p>
+                      <a:pPr>
+                        <a:spcAft>
+                          <a:spcPts val="0"/>
+                        </a:spcAft>
+                      </a:pPr>
+                      <a:r>
+                        <a:rPr lang="es-ES_tradnl" sz="1600" dirty="0">
+                          <a:effectLst/>
+                        </a:rPr>
+                        <a:t>Consultar Destinatario</a:t>
+                      </a:r>
+                      <a:endParaRPr lang="es-CL" sz="1600" dirty="0">
+                        <a:effectLst/>
+                        <a:latin typeface="Calibri" panose="020F0502020204030204" pitchFamily="34" charset="0"/>
+                        <a:ea typeface="Calibri" panose="020F0502020204030204" pitchFamily="34" charset="0"/>
+                        <a:cs typeface="Times New Roman" panose="02020603050405020304" pitchFamily="18" charset="0"/>
+                      </a:endParaRPr>
+                    </a:p>
+                  </a:txBody>
+                  <a:tcPr marL="68580" marR="68580" marT="0" marB="0"/>
+                </a:tc>
+                <a:extLst>
+                  <a:ext uri="{0D108BD9-81ED-4DB2-BD59-A6C34878D82A}">
+                    <a16:rowId xmlns:a16="http://schemas.microsoft.com/office/drawing/2014/main" val="683777750"/>
+                  </a:ext>
+                </a:extLst>
+              </a:tr>
+              <a:tr h="533855">
+                <a:tc>
+                  <a:txBody>
+                    <a:bodyPr/>
+                    <a:lstStyle/>
+                    <a:p>
+                      <a:pPr>
+                        <a:spcAft>
+                          <a:spcPts val="0"/>
+                        </a:spcAft>
+                      </a:pPr>
+                      <a:r>
+                        <a:rPr lang="es-ES_tradnl" sz="1600" kern="1200">
+                          <a:effectLst/>
+                        </a:rPr>
+                        <a:t>Características:</a:t>
+                      </a:r>
+                      <a:endParaRPr lang="es-CL" sz="1600">
+                        <a:effectLst/>
+                        <a:latin typeface="Calibri" panose="020F0502020204030204" pitchFamily="34" charset="0"/>
+                        <a:ea typeface="Calibri" panose="020F0502020204030204" pitchFamily="34" charset="0"/>
+                        <a:cs typeface="Times New Roman" panose="02020603050405020304" pitchFamily="18" charset="0"/>
+                      </a:endParaRPr>
+                    </a:p>
+                  </a:txBody>
+                  <a:tcPr marL="68580" marR="68580" marT="0" marB="0"/>
+                </a:tc>
+                <a:tc>
+                  <a:txBody>
+                    <a:bodyPr/>
+                    <a:lstStyle/>
+                    <a:p>
+                      <a:pPr>
+                        <a:spcAft>
+                          <a:spcPts val="0"/>
+                        </a:spcAft>
+                      </a:pPr>
+                      <a:r>
+                        <a:rPr lang="es-ES_tradnl" sz="1600">
+                          <a:effectLst/>
+                        </a:rPr>
+                        <a:t>El usuario consulta la lista de destinatarios.</a:t>
+                      </a:r>
+                      <a:endParaRPr lang="es-CL" sz="1600">
+                        <a:effectLst/>
+                        <a:latin typeface="Calibri" panose="020F0502020204030204" pitchFamily="34" charset="0"/>
+                        <a:ea typeface="Calibri" panose="020F0502020204030204" pitchFamily="34" charset="0"/>
+                        <a:cs typeface="Times New Roman" panose="02020603050405020304" pitchFamily="18" charset="0"/>
+                      </a:endParaRPr>
+                    </a:p>
+                  </a:txBody>
+                  <a:tcPr marL="68580" marR="68580" marT="0" marB="0"/>
+                </a:tc>
+                <a:extLst>
+                  <a:ext uri="{0D108BD9-81ED-4DB2-BD59-A6C34878D82A}">
+                    <a16:rowId xmlns:a16="http://schemas.microsoft.com/office/drawing/2014/main" val="4250609059"/>
+                  </a:ext>
+                </a:extLst>
+              </a:tr>
+              <a:tr h="1085591">
+                <a:tc>
+                  <a:txBody>
+                    <a:bodyPr/>
+                    <a:lstStyle/>
+                    <a:p>
+                      <a:pPr>
+                        <a:spcAft>
+                          <a:spcPts val="0"/>
+                        </a:spcAft>
+                      </a:pPr>
+                      <a:r>
+                        <a:rPr lang="es-ES_tradnl" sz="1600" kern="1200" dirty="0">
+                          <a:effectLst/>
+                        </a:rPr>
+                        <a:t>Descripción del requerimiento:</a:t>
+                      </a:r>
+                      <a:endParaRPr lang="es-CL" sz="1600" dirty="0">
+                        <a:effectLst/>
+                        <a:latin typeface="Calibri" panose="020F0502020204030204" pitchFamily="34" charset="0"/>
+                        <a:ea typeface="Calibri" panose="020F0502020204030204" pitchFamily="34" charset="0"/>
+                        <a:cs typeface="Times New Roman" panose="02020603050405020304" pitchFamily="18" charset="0"/>
+                      </a:endParaRPr>
+                    </a:p>
+                  </a:txBody>
+                  <a:tcPr marL="68580" marR="68580" marT="0" marB="0"/>
+                </a:tc>
+                <a:tc>
+                  <a:txBody>
+                    <a:bodyPr/>
+                    <a:lstStyle/>
+                    <a:p>
+                      <a:pPr>
+                        <a:spcAft>
+                          <a:spcPts val="0"/>
+                        </a:spcAft>
+                      </a:pPr>
+                      <a:r>
+                        <a:rPr lang="es-ES_tradnl" sz="1600" dirty="0">
+                          <a:effectLst/>
+                        </a:rPr>
+                        <a:t>El usuario realiza diversas consultas a la base de datos con el fin de filtrar, ordenar y seleccionar los destinatarios para el envío de mensajes.</a:t>
+                      </a:r>
+                      <a:endParaRPr lang="es-CL" sz="1600" dirty="0">
+                        <a:effectLst/>
+                        <a:latin typeface="Calibri" panose="020F0502020204030204" pitchFamily="34" charset="0"/>
+                        <a:ea typeface="Calibri" panose="020F0502020204030204" pitchFamily="34" charset="0"/>
+                        <a:cs typeface="Times New Roman" panose="02020603050405020304" pitchFamily="18" charset="0"/>
+                      </a:endParaRPr>
+                    </a:p>
+                  </a:txBody>
+                  <a:tcPr marL="68580" marR="68580" marT="0" marB="0"/>
+                </a:tc>
+                <a:extLst>
+                  <a:ext uri="{0D108BD9-81ED-4DB2-BD59-A6C34878D82A}">
+                    <a16:rowId xmlns:a16="http://schemas.microsoft.com/office/drawing/2014/main" val="478668355"/>
+                  </a:ext>
+                </a:extLst>
+              </a:tr>
+              <a:tr h="628781">
+                <a:tc gridSpan="2">
+                  <a:txBody>
+                    <a:bodyPr/>
+                    <a:lstStyle/>
+                    <a:p>
+                      <a:pPr>
+                        <a:spcAft>
+                          <a:spcPts val="0"/>
+                        </a:spcAft>
+                      </a:pPr>
+                      <a:r>
+                        <a:rPr lang="es-ES_tradnl" sz="1600" dirty="0">
+                          <a:effectLst/>
+                        </a:rPr>
+                        <a:t>Prioridad del requerimiento:</a:t>
+                      </a:r>
+                      <a:endParaRPr lang="es-CL" sz="1600" dirty="0">
+                        <a:effectLst/>
+                      </a:endParaRPr>
+                    </a:p>
+                    <a:p>
+                      <a:pPr>
+                        <a:spcAft>
+                          <a:spcPts val="0"/>
+                        </a:spcAft>
+                      </a:pPr>
+                      <a:r>
+                        <a:rPr lang="es-ES_tradnl" sz="1600" dirty="0">
+                          <a:effectLst/>
+                        </a:rPr>
+                        <a:t>Alta</a:t>
+                      </a:r>
+                      <a:endParaRPr lang="es-CL" sz="1600" dirty="0">
+                        <a:effectLst/>
+                        <a:latin typeface="Georgia" panose="02040502050405020303" pitchFamily="18" charset="0"/>
+                        <a:ea typeface="Georgia" panose="02040502050405020303" pitchFamily="18" charset="0"/>
+                        <a:cs typeface="Times New Roman" panose="02020603050405020304" pitchFamily="18" charset="0"/>
+                      </a:endParaRPr>
+                    </a:p>
+                  </a:txBody>
+                  <a:tcPr marL="68580" marR="68580" marT="0" marB="0"/>
+                </a:tc>
+                <a:tc hMerge="1">
+                  <a:txBody>
+                    <a:bodyPr/>
+                    <a:lstStyle/>
+                    <a:p>
+                      <a:endParaRPr lang="es-CL"/>
+                    </a:p>
+                  </a:txBody>
+                  <a:tcPr/>
+                </a:tc>
+                <a:extLst>
+                  <a:ext uri="{0D108BD9-81ED-4DB2-BD59-A6C34878D82A}">
+                    <a16:rowId xmlns:a16="http://schemas.microsoft.com/office/drawing/2014/main" val="1309380933"/>
+                  </a:ext>
+                </a:extLst>
+              </a:tr>
+            </a:tbl>
+          </a:graphicData>
+        </a:graphic>
+      </p:graphicFrame>
+    </p:spTree>
+    <p:extLst>
+      <p:ext uri="{BB962C8B-B14F-4D97-AF65-F5344CB8AC3E}">
+        <p14:creationId xmlns:p14="http://schemas.microsoft.com/office/powerpoint/2010/main" val="3069171057"/>
+      </p:ext>
+    </p:extLst>
+  </p:cSld>
+  <p:clrMapOvr>
+    <a:masterClrMapping/>
+  </p:clrMapOvr>
+</p:sld>
+</file>
+
+<file path=ppt/slides/slide7.xml><?xml version="1.0" encoding="utf-8"?>
+<p:sld xmlns:a="http://schemas.openxmlformats.org/drawingml/2006/main" xmlns:r="http://schemas.openxmlformats.org/officeDocument/2006/relationships" xmlns:p="http://schemas.openxmlformats.org/presentationml/2006/main">
+  <p:cSld>
+    <p:spTree>
+      <p:nvGrpSpPr>
+        <p:cNvPr id="1" name=""/>
+        <p:cNvGrpSpPr/>
+        <p:nvPr/>
+      </p:nvGrpSpPr>
+      <p:grpSpPr>
+        <a:xfrm>
+          <a:off x="0" y="0"/>
+          <a:ext cx="0" cy="0"/>
+          <a:chOff x="0" y="0"/>
+          <a:chExt cx="0" cy="0"/>
+        </a:xfrm>
+      </p:grpSpPr>
+      <p:sp>
+        <p:nvSpPr>
+          <p:cNvPr id="2" name="Título 1">
+            <a:extLst>
+              <a:ext uri="{FF2B5EF4-FFF2-40B4-BE49-F238E27FC236}">
+                <a16:creationId xmlns:a16="http://schemas.microsoft.com/office/drawing/2014/main" id="{429F310F-147C-40D2-A9E7-A0F93DD931BD}"/>
+              </a:ext>
+            </a:extLst>
+          </p:cNvPr>
+          <p:cNvSpPr>
+            <a:spLocks noGrp="1"/>
+          </p:cNvSpPr>
+          <p:nvPr>
+            <p:ph type="title"/>
+          </p:nvPr>
+        </p:nvSpPr>
+        <p:spPr/>
+        <p:txBody>
+          <a:bodyPr/>
+          <a:lstStyle/>
+          <a:p>
+            <a:endParaRPr lang="es-CL"/>
+          </a:p>
+        </p:txBody>
+      </p:sp>
+      <p:graphicFrame>
+        <p:nvGraphicFramePr>
+          <p:cNvPr id="4" name="Marcador de contenido 3">
+            <a:extLst>
+              <a:ext uri="{FF2B5EF4-FFF2-40B4-BE49-F238E27FC236}">
+                <a16:creationId xmlns:a16="http://schemas.microsoft.com/office/drawing/2014/main" id="{7A349314-F85D-4507-AAEC-7B48988B9564}"/>
+              </a:ext>
+            </a:extLst>
+          </p:cNvPr>
+          <p:cNvGraphicFramePr>
+            <a:graphicFrameLocks noGrp="1"/>
+          </p:cNvGraphicFramePr>
+          <p:nvPr>
+            <p:ph idx="1"/>
+            <p:extLst>
+              <p:ext uri="{D42A27DB-BD31-4B8C-83A1-F6EECF244321}">
+                <p14:modId xmlns:p14="http://schemas.microsoft.com/office/powerpoint/2010/main" val="3318523869"/>
+              </p:ext>
+            </p:extLst>
+          </p:nvPr>
+        </p:nvGraphicFramePr>
+        <p:xfrm>
+          <a:off x="605472" y="2120989"/>
+          <a:ext cx="5488940" cy="3169920"/>
+        </p:xfrm>
+        <a:graphic>
+          <a:graphicData uri="http://schemas.openxmlformats.org/drawingml/2006/table">
+            <a:tbl>
+              <a:tblPr firstRow="1" firstCol="1" bandRow="1">
+                <a:tableStyleId>{5C22544A-7EE6-4342-B048-85BDC9FD1C3A}</a:tableStyleId>
+              </a:tblPr>
+              <a:tblGrid>
+                <a:gridCol w="1396323">
+                  <a:extLst>
+                    <a:ext uri="{9D8B030D-6E8A-4147-A177-3AD203B41FA5}">
+                      <a16:colId xmlns:a16="http://schemas.microsoft.com/office/drawing/2014/main" val="593543465"/>
+                    </a:ext>
+                  </a:extLst>
+                </a:gridCol>
+                <a:gridCol w="4092617">
+                  <a:extLst>
+                    <a:ext uri="{9D8B030D-6E8A-4147-A177-3AD203B41FA5}">
+                      <a16:colId xmlns:a16="http://schemas.microsoft.com/office/drawing/2014/main" val="3952523321"/>
+                    </a:ext>
+                  </a:extLst>
+                </a:gridCol>
+              </a:tblGrid>
+              <a:tr h="0">
+                <a:tc>
+                  <a:txBody>
+                    <a:bodyPr/>
+                    <a:lstStyle/>
+                    <a:p>
+                      <a:pPr>
+                        <a:spcAft>
+                          <a:spcPts val="0"/>
+                        </a:spcAft>
+                      </a:pPr>
+                      <a:r>
+                        <a:rPr lang="es-ES_tradnl" sz="1600" kern="1200">
+                          <a:effectLst/>
+                        </a:rPr>
+                        <a:t>Identificación del requerimiento:</a:t>
+                      </a:r>
+                      <a:endParaRPr lang="es-CL" sz="1600">
+                        <a:effectLst/>
+                        <a:latin typeface="Calibri" panose="020F0502020204030204" pitchFamily="34" charset="0"/>
+                        <a:ea typeface="Calibri" panose="020F0502020204030204" pitchFamily="34" charset="0"/>
+                        <a:cs typeface="Times New Roman" panose="02020603050405020304" pitchFamily="18" charset="0"/>
+                      </a:endParaRPr>
+                    </a:p>
+                  </a:txBody>
+                  <a:tcPr marL="68580" marR="68580" marT="0" marB="0"/>
+                </a:tc>
+                <a:tc>
+                  <a:txBody>
+                    <a:bodyPr/>
+                    <a:lstStyle/>
+                    <a:p>
+                      <a:pPr>
+                        <a:spcAft>
+                          <a:spcPts val="0"/>
+                        </a:spcAft>
+                      </a:pPr>
+                      <a:r>
+                        <a:rPr lang="es-ES_tradnl" sz="1600" dirty="0">
+                          <a:effectLst/>
+                        </a:rPr>
+                        <a:t>A06</a:t>
+                      </a:r>
+                      <a:endParaRPr lang="es-CL" sz="1600" dirty="0">
+                        <a:effectLst/>
+                        <a:latin typeface="Calibri" panose="020F0502020204030204" pitchFamily="34" charset="0"/>
+                        <a:ea typeface="Calibri" panose="020F0502020204030204" pitchFamily="34" charset="0"/>
+                        <a:cs typeface="Times New Roman" panose="02020603050405020304" pitchFamily="18" charset="0"/>
+                      </a:endParaRPr>
+                    </a:p>
+                  </a:txBody>
+                  <a:tcPr marL="68580" marR="68580" marT="0" marB="0"/>
+                </a:tc>
+                <a:extLst>
+                  <a:ext uri="{0D108BD9-81ED-4DB2-BD59-A6C34878D82A}">
+                    <a16:rowId xmlns:a16="http://schemas.microsoft.com/office/drawing/2014/main" val="3125933297"/>
+                  </a:ext>
+                </a:extLst>
+              </a:tr>
+              <a:tr h="0">
+                <a:tc>
+                  <a:txBody>
+                    <a:bodyPr/>
+                    <a:lstStyle/>
+                    <a:p>
+                      <a:pPr>
+                        <a:spcAft>
+                          <a:spcPts val="0"/>
+                        </a:spcAft>
+                      </a:pPr>
+                      <a:r>
+                        <a:rPr lang="es-ES_tradnl" sz="1600" kern="1200">
+                          <a:effectLst/>
+                        </a:rPr>
+                        <a:t>Nombre del Requerimiento:</a:t>
+                      </a:r>
+                      <a:endParaRPr lang="es-CL" sz="1600">
+                        <a:effectLst/>
+                        <a:latin typeface="Calibri" panose="020F0502020204030204" pitchFamily="34" charset="0"/>
+                        <a:ea typeface="Calibri" panose="020F0502020204030204" pitchFamily="34" charset="0"/>
+                        <a:cs typeface="Times New Roman" panose="02020603050405020304" pitchFamily="18" charset="0"/>
+                      </a:endParaRPr>
+                    </a:p>
+                  </a:txBody>
+                  <a:tcPr marL="68580" marR="68580" marT="0" marB="0"/>
+                </a:tc>
+                <a:tc>
+                  <a:txBody>
+                    <a:bodyPr/>
+                    <a:lstStyle/>
+                    <a:p>
+                      <a:pPr>
+                        <a:spcAft>
+                          <a:spcPts val="0"/>
+                        </a:spcAft>
+                      </a:pPr>
+                      <a:r>
+                        <a:rPr lang="es-ES_tradnl" sz="1600">
+                          <a:effectLst/>
+                        </a:rPr>
+                        <a:t>Enviar Correo Múltiple</a:t>
+                      </a:r>
+                      <a:endParaRPr lang="es-CL" sz="1600">
+                        <a:effectLst/>
+                        <a:latin typeface="Calibri" panose="020F0502020204030204" pitchFamily="34" charset="0"/>
+                        <a:ea typeface="Calibri" panose="020F0502020204030204" pitchFamily="34" charset="0"/>
+                        <a:cs typeface="Times New Roman" panose="02020603050405020304" pitchFamily="18" charset="0"/>
+                      </a:endParaRPr>
+                    </a:p>
+                  </a:txBody>
+                  <a:tcPr marL="68580" marR="68580" marT="0" marB="0"/>
+                </a:tc>
+                <a:extLst>
+                  <a:ext uri="{0D108BD9-81ED-4DB2-BD59-A6C34878D82A}">
+                    <a16:rowId xmlns:a16="http://schemas.microsoft.com/office/drawing/2014/main" val="939734980"/>
+                  </a:ext>
+                </a:extLst>
+              </a:tr>
+              <a:tr h="0">
+                <a:tc>
+                  <a:txBody>
+                    <a:bodyPr/>
+                    <a:lstStyle/>
+                    <a:p>
+                      <a:pPr>
+                        <a:spcAft>
+                          <a:spcPts val="0"/>
+                        </a:spcAft>
+                      </a:pPr>
+                      <a:r>
+                        <a:rPr lang="es-ES_tradnl" sz="1600" kern="1200">
+                          <a:effectLst/>
+                        </a:rPr>
+                        <a:t>Características:</a:t>
+                      </a:r>
+                      <a:endParaRPr lang="es-CL" sz="1600">
+                        <a:effectLst/>
+                        <a:latin typeface="Calibri" panose="020F0502020204030204" pitchFamily="34" charset="0"/>
+                        <a:ea typeface="Calibri" panose="020F0502020204030204" pitchFamily="34" charset="0"/>
+                        <a:cs typeface="Times New Roman" panose="02020603050405020304" pitchFamily="18" charset="0"/>
+                      </a:endParaRPr>
+                    </a:p>
+                  </a:txBody>
+                  <a:tcPr marL="68580" marR="68580" marT="0" marB="0"/>
+                </a:tc>
+                <a:tc>
+                  <a:txBody>
+                    <a:bodyPr/>
+                    <a:lstStyle/>
+                    <a:p>
+                      <a:pPr>
+                        <a:spcAft>
+                          <a:spcPts val="0"/>
+                        </a:spcAft>
+                      </a:pPr>
+                      <a:r>
+                        <a:rPr lang="es-ES_tradnl" sz="1600">
+                          <a:effectLst/>
+                        </a:rPr>
+                        <a:t>Envió masivo de mensajes vía e-mail</a:t>
+                      </a:r>
+                      <a:endParaRPr lang="es-CL" sz="1600">
+                        <a:effectLst/>
+                        <a:latin typeface="Calibri" panose="020F0502020204030204" pitchFamily="34" charset="0"/>
+                        <a:ea typeface="Calibri" panose="020F0502020204030204" pitchFamily="34" charset="0"/>
+                        <a:cs typeface="Times New Roman" panose="02020603050405020304" pitchFamily="18" charset="0"/>
+                      </a:endParaRPr>
+                    </a:p>
+                  </a:txBody>
+                  <a:tcPr marL="68580" marR="68580" marT="0" marB="0"/>
+                </a:tc>
+                <a:extLst>
+                  <a:ext uri="{0D108BD9-81ED-4DB2-BD59-A6C34878D82A}">
+                    <a16:rowId xmlns:a16="http://schemas.microsoft.com/office/drawing/2014/main" val="1019558686"/>
+                  </a:ext>
+                </a:extLst>
+              </a:tr>
+              <a:tr h="0">
+                <a:tc>
+                  <a:txBody>
+                    <a:bodyPr/>
+                    <a:lstStyle/>
+                    <a:p>
+                      <a:pPr>
+                        <a:spcAft>
+                          <a:spcPts val="0"/>
+                        </a:spcAft>
+                      </a:pPr>
+                      <a:r>
+                        <a:rPr lang="es-ES_tradnl" sz="1600" kern="1200">
+                          <a:effectLst/>
+                        </a:rPr>
+                        <a:t>Descripción del requerimiento:</a:t>
+                      </a:r>
+                      <a:endParaRPr lang="es-CL" sz="1600">
+                        <a:effectLst/>
+                        <a:latin typeface="Calibri" panose="020F0502020204030204" pitchFamily="34" charset="0"/>
+                        <a:ea typeface="Calibri" panose="020F0502020204030204" pitchFamily="34" charset="0"/>
+                        <a:cs typeface="Times New Roman" panose="02020603050405020304" pitchFamily="18" charset="0"/>
+                      </a:endParaRPr>
+                    </a:p>
+                  </a:txBody>
+                  <a:tcPr marL="68580" marR="68580" marT="0" marB="0"/>
+                </a:tc>
+                <a:tc>
+                  <a:txBody>
+                    <a:bodyPr/>
+                    <a:lstStyle/>
+                    <a:p>
+                      <a:pPr>
+                        <a:spcAft>
+                          <a:spcPts val="0"/>
+                        </a:spcAft>
+                      </a:pPr>
+                      <a:r>
+                        <a:rPr lang="es-ES_tradnl" sz="1600">
+                          <a:effectLst/>
+                        </a:rPr>
+                        <a:t>El sistema envía a todos los destinatarios seleccionados previamente, el mensaje escrito en la plataforma, por el usuario.</a:t>
+                      </a:r>
+                      <a:endParaRPr lang="es-CL" sz="1600">
+                        <a:effectLst/>
+                        <a:latin typeface="Calibri" panose="020F0502020204030204" pitchFamily="34" charset="0"/>
+                        <a:ea typeface="Calibri" panose="020F0502020204030204" pitchFamily="34" charset="0"/>
+                        <a:cs typeface="Times New Roman" panose="02020603050405020304" pitchFamily="18" charset="0"/>
+                      </a:endParaRPr>
+                    </a:p>
+                  </a:txBody>
+                  <a:tcPr marL="68580" marR="68580" marT="0" marB="0"/>
+                </a:tc>
+                <a:extLst>
+                  <a:ext uri="{0D108BD9-81ED-4DB2-BD59-A6C34878D82A}">
+                    <a16:rowId xmlns:a16="http://schemas.microsoft.com/office/drawing/2014/main" val="388992867"/>
+                  </a:ext>
+                </a:extLst>
+              </a:tr>
+              <a:tr h="0">
+                <a:tc gridSpan="2">
+                  <a:txBody>
+                    <a:bodyPr/>
+                    <a:lstStyle/>
+                    <a:p>
+                      <a:pPr>
+                        <a:spcAft>
+                          <a:spcPts val="0"/>
+                        </a:spcAft>
+                      </a:pPr>
+                      <a:r>
+                        <a:rPr lang="es-ES_tradnl" sz="1600" dirty="0">
+                          <a:effectLst/>
+                        </a:rPr>
+                        <a:t>Prioridad del requerimiento:</a:t>
+                      </a:r>
+                      <a:endParaRPr lang="es-CL" sz="1600" dirty="0">
+                        <a:effectLst/>
+                      </a:endParaRPr>
+                    </a:p>
+                    <a:p>
+                      <a:pPr>
+                        <a:spcAft>
+                          <a:spcPts val="0"/>
+                        </a:spcAft>
+                      </a:pPr>
+                      <a:r>
+                        <a:rPr lang="es-ES_tradnl" sz="1600" dirty="0">
+                          <a:effectLst/>
+                        </a:rPr>
+                        <a:t>Alta</a:t>
+                      </a:r>
+                      <a:endParaRPr lang="es-CL" sz="1600" dirty="0">
+                        <a:effectLst/>
+                        <a:latin typeface="Georgia" panose="02040502050405020303" pitchFamily="18" charset="0"/>
+                        <a:ea typeface="Georgia" panose="02040502050405020303" pitchFamily="18" charset="0"/>
+                        <a:cs typeface="Times New Roman" panose="02020603050405020304" pitchFamily="18" charset="0"/>
+                      </a:endParaRPr>
+                    </a:p>
+                  </a:txBody>
+                  <a:tcPr marL="68580" marR="68580" marT="0" marB="0"/>
+                </a:tc>
+                <a:tc hMerge="1">
+                  <a:txBody>
+                    <a:bodyPr/>
+                    <a:lstStyle/>
+                    <a:p>
+                      <a:endParaRPr lang="es-CL"/>
+                    </a:p>
+                  </a:txBody>
+                  <a:tcPr/>
+                </a:tc>
+                <a:extLst>
+                  <a:ext uri="{0D108BD9-81ED-4DB2-BD59-A6C34878D82A}">
+                    <a16:rowId xmlns:a16="http://schemas.microsoft.com/office/drawing/2014/main" val="4037878288"/>
+                  </a:ext>
+                </a:extLst>
+              </a:tr>
+            </a:tbl>
+          </a:graphicData>
+        </a:graphic>
+      </p:graphicFrame>
+      <p:graphicFrame>
+        <p:nvGraphicFramePr>
+          <p:cNvPr id="5" name="Tabla 4">
+            <a:extLst>
+              <a:ext uri="{FF2B5EF4-FFF2-40B4-BE49-F238E27FC236}">
+                <a16:creationId xmlns:a16="http://schemas.microsoft.com/office/drawing/2014/main" id="{2E900242-B03A-4FD3-8095-9482D8FD8153}"/>
+              </a:ext>
+            </a:extLst>
+          </p:cNvPr>
+          <p:cNvGraphicFramePr>
+            <a:graphicFrameLocks noGrp="1"/>
+          </p:cNvGraphicFramePr>
+          <p:nvPr>
+            <p:extLst>
+              <p:ext uri="{D42A27DB-BD31-4B8C-83A1-F6EECF244321}">
+                <p14:modId xmlns:p14="http://schemas.microsoft.com/office/powerpoint/2010/main" val="4053729589"/>
+              </p:ext>
+            </p:extLst>
+          </p:nvPr>
+        </p:nvGraphicFramePr>
+        <p:xfrm>
+          <a:off x="6097588" y="2122479"/>
+          <a:ext cx="5488940" cy="3169920"/>
+        </p:xfrm>
+        <a:graphic>
+          <a:graphicData uri="http://schemas.openxmlformats.org/drawingml/2006/table">
+            <a:tbl>
+              <a:tblPr firstRow="1" firstCol="1" bandRow="1">
+                <a:tableStyleId>{5C22544A-7EE6-4342-B048-85BDC9FD1C3A}</a:tableStyleId>
+              </a:tblPr>
+              <a:tblGrid>
+                <a:gridCol w="1365893">
+                  <a:extLst>
+                    <a:ext uri="{9D8B030D-6E8A-4147-A177-3AD203B41FA5}">
+                      <a16:colId xmlns:a16="http://schemas.microsoft.com/office/drawing/2014/main" val="814570830"/>
+                    </a:ext>
+                  </a:extLst>
+                </a:gridCol>
+                <a:gridCol w="4123047">
+                  <a:extLst>
+                    <a:ext uri="{9D8B030D-6E8A-4147-A177-3AD203B41FA5}">
+                      <a16:colId xmlns:a16="http://schemas.microsoft.com/office/drawing/2014/main" val="2688030771"/>
+                    </a:ext>
+                  </a:extLst>
+                </a:gridCol>
+              </a:tblGrid>
+              <a:tr h="0">
+                <a:tc>
+                  <a:txBody>
+                    <a:bodyPr/>
+                    <a:lstStyle/>
+                    <a:p>
+                      <a:pPr>
+                        <a:spcAft>
+                          <a:spcPts val="0"/>
+                        </a:spcAft>
+                      </a:pPr>
+                      <a:r>
+                        <a:rPr lang="es-ES_tradnl" sz="1600" kern="1200">
+                          <a:effectLst/>
+                        </a:rPr>
+                        <a:t>Identificación del requerimiento:</a:t>
+                      </a:r>
+                      <a:endParaRPr lang="es-CL" sz="1600">
+                        <a:effectLst/>
+                        <a:latin typeface="Calibri" panose="020F0502020204030204" pitchFamily="34" charset="0"/>
+                        <a:ea typeface="Calibri" panose="020F0502020204030204" pitchFamily="34" charset="0"/>
+                        <a:cs typeface="Times New Roman" panose="02020603050405020304" pitchFamily="18" charset="0"/>
+                      </a:endParaRPr>
+                    </a:p>
+                  </a:txBody>
+                  <a:tcPr marL="68580" marR="68580" marT="0" marB="0"/>
+                </a:tc>
+                <a:tc>
+                  <a:txBody>
+                    <a:bodyPr/>
+                    <a:lstStyle/>
+                    <a:p>
+                      <a:pPr>
+                        <a:spcAft>
+                          <a:spcPts val="0"/>
+                        </a:spcAft>
+                      </a:pPr>
+                      <a:r>
+                        <a:rPr lang="es-ES_tradnl" sz="1600" dirty="0">
+                          <a:effectLst/>
+                        </a:rPr>
+                        <a:t>A08</a:t>
+                      </a:r>
+                      <a:endParaRPr lang="es-CL" sz="1600" dirty="0">
+                        <a:effectLst/>
+                        <a:latin typeface="Calibri" panose="020F0502020204030204" pitchFamily="34" charset="0"/>
+                        <a:ea typeface="Calibri" panose="020F0502020204030204" pitchFamily="34" charset="0"/>
+                        <a:cs typeface="Times New Roman" panose="02020603050405020304" pitchFamily="18" charset="0"/>
+                      </a:endParaRPr>
+                    </a:p>
+                  </a:txBody>
+                  <a:tcPr marL="68580" marR="68580" marT="0" marB="0"/>
+                </a:tc>
+                <a:extLst>
+                  <a:ext uri="{0D108BD9-81ED-4DB2-BD59-A6C34878D82A}">
+                    <a16:rowId xmlns:a16="http://schemas.microsoft.com/office/drawing/2014/main" val="3092185978"/>
+                  </a:ext>
+                </a:extLst>
+              </a:tr>
+              <a:tr h="0">
+                <a:tc>
+                  <a:txBody>
+                    <a:bodyPr/>
+                    <a:lstStyle/>
+                    <a:p>
+                      <a:pPr>
+                        <a:spcAft>
+                          <a:spcPts val="0"/>
+                        </a:spcAft>
+                      </a:pPr>
+                      <a:r>
+                        <a:rPr lang="es-ES_tradnl" sz="1600" kern="1200">
+                          <a:effectLst/>
+                        </a:rPr>
+                        <a:t>Nombre del Requerimiento:</a:t>
+                      </a:r>
+                      <a:endParaRPr lang="es-CL" sz="1600">
+                        <a:effectLst/>
+                        <a:latin typeface="Calibri" panose="020F0502020204030204" pitchFamily="34" charset="0"/>
+                        <a:ea typeface="Calibri" panose="020F0502020204030204" pitchFamily="34" charset="0"/>
+                        <a:cs typeface="Times New Roman" panose="02020603050405020304" pitchFamily="18" charset="0"/>
+                      </a:endParaRPr>
+                    </a:p>
+                  </a:txBody>
+                  <a:tcPr marL="68580" marR="68580" marT="0" marB="0"/>
+                </a:tc>
+                <a:tc>
+                  <a:txBody>
+                    <a:bodyPr/>
+                    <a:lstStyle/>
+                    <a:p>
+                      <a:pPr>
+                        <a:spcAft>
+                          <a:spcPts val="0"/>
+                        </a:spcAft>
+                      </a:pPr>
+                      <a:r>
+                        <a:rPr lang="es-ES_tradnl" sz="1600">
+                          <a:effectLst/>
+                        </a:rPr>
+                        <a:t>Publicación Simultanea</a:t>
+                      </a:r>
+                      <a:endParaRPr lang="es-CL" sz="1600">
+                        <a:effectLst/>
+                        <a:latin typeface="Calibri" panose="020F0502020204030204" pitchFamily="34" charset="0"/>
+                        <a:ea typeface="Calibri" panose="020F0502020204030204" pitchFamily="34" charset="0"/>
+                        <a:cs typeface="Times New Roman" panose="02020603050405020304" pitchFamily="18" charset="0"/>
+                      </a:endParaRPr>
+                    </a:p>
+                  </a:txBody>
+                  <a:tcPr marL="68580" marR="68580" marT="0" marB="0"/>
+                </a:tc>
+                <a:extLst>
+                  <a:ext uri="{0D108BD9-81ED-4DB2-BD59-A6C34878D82A}">
+                    <a16:rowId xmlns:a16="http://schemas.microsoft.com/office/drawing/2014/main" val="1726245933"/>
+                  </a:ext>
+                </a:extLst>
+              </a:tr>
+              <a:tr h="0">
+                <a:tc>
+                  <a:txBody>
+                    <a:bodyPr/>
+                    <a:lstStyle/>
+                    <a:p>
+                      <a:pPr>
+                        <a:spcAft>
+                          <a:spcPts val="0"/>
+                        </a:spcAft>
+                      </a:pPr>
+                      <a:r>
+                        <a:rPr lang="es-ES_tradnl" sz="1600" kern="1200">
+                          <a:effectLst/>
+                        </a:rPr>
+                        <a:t>Características:</a:t>
+                      </a:r>
+                      <a:endParaRPr lang="es-CL" sz="1600">
+                        <a:effectLst/>
+                        <a:latin typeface="Calibri" panose="020F0502020204030204" pitchFamily="34" charset="0"/>
+                        <a:ea typeface="Calibri" panose="020F0502020204030204" pitchFamily="34" charset="0"/>
+                        <a:cs typeface="Times New Roman" panose="02020603050405020304" pitchFamily="18" charset="0"/>
+                      </a:endParaRPr>
+                    </a:p>
+                  </a:txBody>
+                  <a:tcPr marL="68580" marR="68580" marT="0" marB="0"/>
+                </a:tc>
+                <a:tc>
+                  <a:txBody>
+                    <a:bodyPr/>
+                    <a:lstStyle/>
+                    <a:p>
+                      <a:pPr>
+                        <a:spcAft>
+                          <a:spcPts val="0"/>
+                        </a:spcAft>
+                      </a:pPr>
+                      <a:r>
+                        <a:rPr lang="es-ES_tradnl" sz="1600">
+                          <a:effectLst/>
+                        </a:rPr>
+                        <a:t>Publicación simultánea en cada una de las RRSS activas por el Usuario.</a:t>
+                      </a:r>
+                      <a:endParaRPr lang="es-CL" sz="1600">
+                        <a:effectLst/>
+                        <a:latin typeface="Calibri" panose="020F0502020204030204" pitchFamily="34" charset="0"/>
+                        <a:ea typeface="Calibri" panose="020F0502020204030204" pitchFamily="34" charset="0"/>
+                        <a:cs typeface="Times New Roman" panose="02020603050405020304" pitchFamily="18" charset="0"/>
+                      </a:endParaRPr>
+                    </a:p>
+                  </a:txBody>
+                  <a:tcPr marL="68580" marR="68580" marT="0" marB="0"/>
+                </a:tc>
+                <a:extLst>
+                  <a:ext uri="{0D108BD9-81ED-4DB2-BD59-A6C34878D82A}">
+                    <a16:rowId xmlns:a16="http://schemas.microsoft.com/office/drawing/2014/main" val="364768543"/>
+                  </a:ext>
+                </a:extLst>
+              </a:tr>
+              <a:tr h="0">
+                <a:tc>
+                  <a:txBody>
+                    <a:bodyPr/>
+                    <a:lstStyle/>
+                    <a:p>
+                      <a:pPr>
+                        <a:spcAft>
+                          <a:spcPts val="0"/>
+                        </a:spcAft>
+                      </a:pPr>
+                      <a:r>
+                        <a:rPr lang="es-ES_tradnl" sz="1600" kern="1200">
+                          <a:effectLst/>
+                        </a:rPr>
+                        <a:t>Descripción del requerimiento:</a:t>
+                      </a:r>
+                      <a:endParaRPr lang="es-CL" sz="1600">
+                        <a:effectLst/>
+                        <a:latin typeface="Calibri" panose="020F0502020204030204" pitchFamily="34" charset="0"/>
+                        <a:ea typeface="Calibri" panose="020F0502020204030204" pitchFamily="34" charset="0"/>
+                        <a:cs typeface="Times New Roman" panose="02020603050405020304" pitchFamily="18" charset="0"/>
+                      </a:endParaRPr>
+                    </a:p>
+                  </a:txBody>
+                  <a:tcPr marL="68580" marR="68580" marT="0" marB="0"/>
+                </a:tc>
+                <a:tc>
+                  <a:txBody>
+                    <a:bodyPr/>
+                    <a:lstStyle/>
+                    <a:p>
+                      <a:pPr>
+                        <a:spcAft>
+                          <a:spcPts val="0"/>
+                        </a:spcAft>
+                      </a:pPr>
+                      <a:r>
+                        <a:rPr lang="es-ES_tradnl" sz="1600">
+                          <a:effectLst/>
+                        </a:rPr>
+                        <a:t>El sistema publica un mismo post escrito en la plataforma, por el usuario, a cada una de las RRSS activas previamente.</a:t>
+                      </a:r>
+                      <a:endParaRPr lang="es-CL" sz="1600">
+                        <a:effectLst/>
+                        <a:latin typeface="Calibri" panose="020F0502020204030204" pitchFamily="34" charset="0"/>
+                        <a:ea typeface="Calibri" panose="020F0502020204030204" pitchFamily="34" charset="0"/>
+                        <a:cs typeface="Times New Roman" panose="02020603050405020304" pitchFamily="18" charset="0"/>
+                      </a:endParaRPr>
+                    </a:p>
+                  </a:txBody>
+                  <a:tcPr marL="68580" marR="68580" marT="0" marB="0"/>
+                </a:tc>
+                <a:extLst>
+                  <a:ext uri="{0D108BD9-81ED-4DB2-BD59-A6C34878D82A}">
+                    <a16:rowId xmlns:a16="http://schemas.microsoft.com/office/drawing/2014/main" val="456655131"/>
+                  </a:ext>
+                </a:extLst>
+              </a:tr>
+              <a:tr h="0">
+                <a:tc gridSpan="2">
+                  <a:txBody>
+                    <a:bodyPr/>
+                    <a:lstStyle/>
+                    <a:p>
+                      <a:pPr>
+                        <a:spcAft>
+                          <a:spcPts val="0"/>
+                        </a:spcAft>
+                      </a:pPr>
+                      <a:r>
+                        <a:rPr lang="es-ES_tradnl" sz="1600" dirty="0">
+                          <a:effectLst/>
+                        </a:rPr>
+                        <a:t>Prioridad del requerimiento:</a:t>
+                      </a:r>
+                      <a:endParaRPr lang="es-CL" sz="1600" dirty="0">
+                        <a:effectLst/>
+                      </a:endParaRPr>
+                    </a:p>
+                    <a:p>
+                      <a:pPr>
+                        <a:spcAft>
+                          <a:spcPts val="0"/>
+                        </a:spcAft>
+                      </a:pPr>
+                      <a:r>
+                        <a:rPr lang="es-ES_tradnl" sz="1600" dirty="0">
+                          <a:effectLst/>
+                        </a:rPr>
+                        <a:t>Alta</a:t>
+                      </a:r>
+                      <a:endParaRPr lang="es-CL" sz="1600" dirty="0">
+                        <a:effectLst/>
+                        <a:latin typeface="Georgia" panose="02040502050405020303" pitchFamily="18" charset="0"/>
+                        <a:ea typeface="Georgia" panose="02040502050405020303" pitchFamily="18" charset="0"/>
+                        <a:cs typeface="Times New Roman" panose="02020603050405020304" pitchFamily="18" charset="0"/>
+                      </a:endParaRPr>
+                    </a:p>
+                  </a:txBody>
+                  <a:tcPr marL="68580" marR="68580" marT="0" marB="0"/>
+                </a:tc>
+                <a:tc hMerge="1">
+                  <a:txBody>
+                    <a:bodyPr/>
+                    <a:lstStyle/>
+                    <a:p>
+                      <a:endParaRPr lang="es-CL"/>
+                    </a:p>
+                  </a:txBody>
+                  <a:tcPr/>
+                </a:tc>
+                <a:extLst>
+                  <a:ext uri="{0D108BD9-81ED-4DB2-BD59-A6C34878D82A}">
+                    <a16:rowId xmlns:a16="http://schemas.microsoft.com/office/drawing/2014/main" val="86204877"/>
+                  </a:ext>
+                </a:extLst>
+              </a:tr>
+            </a:tbl>
+          </a:graphicData>
+        </a:graphic>
+      </p:graphicFrame>
+    </p:spTree>
+    <p:extLst>
+      <p:ext uri="{BB962C8B-B14F-4D97-AF65-F5344CB8AC3E}">
+        <p14:creationId xmlns:p14="http://schemas.microsoft.com/office/powerpoint/2010/main" val="448126106"/>
+      </p:ext>
+    </p:extLst>
+  </p:cSld>
+  <p:clrMapOvr>
+    <a:masterClrMapping/>
+  </p:clrMapOvr>
+</p:sld>
+</file>
+
+<file path=ppt/slides/slide8.xml><?xml version="1.0" encoding="utf-8"?>
+<p:sld xmlns:a="http://schemas.openxmlformats.org/drawingml/2006/main" xmlns:r="http://schemas.openxmlformats.org/officeDocument/2006/relationships" xmlns:p="http://schemas.openxmlformats.org/presentationml/2006/main">
+  <p:cSld>
+    <p:spTree>
+      <p:nvGrpSpPr>
+        <p:cNvPr id="1" name=""/>
+        <p:cNvGrpSpPr/>
+        <p:nvPr/>
+      </p:nvGrpSpPr>
+      <p:grpSpPr>
+        <a:xfrm>
+          <a:off x="0" y="0"/>
+          <a:ext cx="0" cy="0"/>
+          <a:chOff x="0" y="0"/>
+          <a:chExt cx="0" cy="0"/>
+        </a:xfrm>
+      </p:grpSpPr>
+      <p:sp>
+        <p:nvSpPr>
+          <p:cNvPr id="2" name="Título 1">
+            <a:extLst>
+              <a:ext uri="{FF2B5EF4-FFF2-40B4-BE49-F238E27FC236}">
+                <a16:creationId xmlns:a16="http://schemas.microsoft.com/office/drawing/2014/main" id="{D4AE118E-11CA-4C19-929C-418073BE86FD}"/>
+              </a:ext>
+            </a:extLst>
+          </p:cNvPr>
+          <p:cNvSpPr>
+            <a:spLocks noGrp="1"/>
+          </p:cNvSpPr>
+          <p:nvPr>
+            <p:ph type="title"/>
+          </p:nvPr>
+        </p:nvSpPr>
+        <p:spPr/>
+        <p:txBody>
+          <a:bodyPr/>
+          <a:lstStyle/>
+          <a:p>
+            <a:r>
+              <a:rPr lang="es-ES" dirty="0"/>
+              <a:t>Modelo entidad relación</a:t>
+            </a:r>
+            <a:endParaRPr lang="es-CL" dirty="0"/>
+          </a:p>
+        </p:txBody>
+      </p:sp>
+      <p:pic>
+        <p:nvPicPr>
+          <p:cNvPr id="5" name="Marcador de contenido 4">
+            <a:extLst>
+              <a:ext uri="{FF2B5EF4-FFF2-40B4-BE49-F238E27FC236}">
+                <a16:creationId xmlns:a16="http://schemas.microsoft.com/office/drawing/2014/main" id="{25098114-7EF5-4389-9154-E7ED8AE90CD9}"/>
+              </a:ext>
+            </a:extLst>
+          </p:cNvPr>
+          <p:cNvPicPr>
+            <a:picLocks noGrp="1" noChangeAspect="1"/>
+          </p:cNvPicPr>
+          <p:nvPr>
+            <p:ph idx="1"/>
+          </p:nvPr>
+        </p:nvPicPr>
+        <p:blipFill>
+          <a:blip r:embed="rId2"/>
+          <a:stretch>
+            <a:fillRect/>
+          </a:stretch>
+        </p:blipFill>
+        <p:spPr>
+          <a:xfrm>
+            <a:off x="2637027" y="2249488"/>
+            <a:ext cx="6914771" cy="3541712"/>
+          </a:xfrm>
+        </p:spPr>
+      </p:pic>
+    </p:spTree>
+    <p:extLst>
+      <p:ext uri="{BB962C8B-B14F-4D97-AF65-F5344CB8AC3E}">
+        <p14:creationId xmlns:p14="http://schemas.microsoft.com/office/powerpoint/2010/main" val="799306102"/>
+      </p:ext>
+    </p:extLst>
+  </p:cSld>
+  <p:clrMapOvr>
+    <a:masterClrMapping/>
+  </p:clrMapOvr>
+</p:sld>
+</file>
+
+<file path=ppt/slides/slide9.xml><?xml version="1.0" encoding="utf-8"?>
+<p:sld xmlns:a="http://schemas.openxmlformats.org/drawingml/2006/main" xmlns:r="http://schemas.openxmlformats.org/officeDocument/2006/relationships" xmlns:p="http://schemas.openxmlformats.org/presentationml/2006/main">
+  <p:cSld>
+    <p:spTree>
+      <p:nvGrpSpPr>
+        <p:cNvPr id="1" name=""/>
+        <p:cNvGrpSpPr/>
+        <p:nvPr/>
+      </p:nvGrpSpPr>
+      <p:grpSpPr>
+        <a:xfrm>
+          <a:off x="0" y="0"/>
+          <a:ext cx="0" cy="0"/>
+          <a:chOff x="0" y="0"/>
+          <a:chExt cx="0" cy="0"/>
+        </a:xfrm>
+      </p:grpSpPr>
+      <p:sp>
+        <p:nvSpPr>
+          <p:cNvPr id="2" name="Título 1">
+            <a:extLst>
+              <a:ext uri="{FF2B5EF4-FFF2-40B4-BE49-F238E27FC236}">
+                <a16:creationId xmlns:a16="http://schemas.microsoft.com/office/drawing/2014/main" id="{FB81E4BB-F967-4BDD-9D25-752405B33181}"/>
+              </a:ext>
+            </a:extLst>
+          </p:cNvPr>
+          <p:cNvSpPr>
+            <a:spLocks noGrp="1"/>
+          </p:cNvSpPr>
+          <p:nvPr>
+            <p:ph type="title"/>
+          </p:nvPr>
+        </p:nvSpPr>
+        <p:spPr/>
+        <p:txBody>
+          <a:bodyPr/>
+          <a:lstStyle/>
+          <a:p>
+            <a:r>
+              <a:rPr lang="es-ES" dirty="0"/>
+              <a:t>Arquitectura y metodología</a:t>
+            </a:r>
+            <a:endParaRPr lang="es-CL" dirty="0"/>
+          </a:p>
+        </p:txBody>
+      </p:sp>
+      <p:sp>
+        <p:nvSpPr>
+          <p:cNvPr id="3" name="Marcador de contenido 2">
+            <a:extLst>
+              <a:ext uri="{FF2B5EF4-FFF2-40B4-BE49-F238E27FC236}">
+                <a16:creationId xmlns:a16="http://schemas.microsoft.com/office/drawing/2014/main" id="{FE27836A-7E3F-41C6-BDD1-4BEC11B80206}"/>
+              </a:ext>
+            </a:extLst>
+          </p:cNvPr>
+          <p:cNvSpPr>
+            <a:spLocks noGrp="1"/>
+          </p:cNvSpPr>
+          <p:nvPr>
+            <p:ph idx="1"/>
+          </p:nvPr>
+        </p:nvSpPr>
+        <p:spPr/>
+        <p:txBody>
+          <a:bodyPr/>
+          <a:lstStyle/>
+          <a:p>
+            <a:r>
+              <a:rPr lang="es-ES" dirty="0"/>
+              <a:t>Modelo vista controlador</a:t>
+            </a:r>
+          </a:p>
+          <a:p>
+            <a:endParaRPr lang="es-ES" dirty="0"/>
+          </a:p>
+          <a:p>
+            <a:endParaRPr lang="es-ES" dirty="0"/>
+          </a:p>
+          <a:p>
+            <a:r>
+              <a:rPr lang="es-ES" dirty="0"/>
+              <a:t>Desarrollo ágil: Programación extrema</a:t>
+            </a:r>
+          </a:p>
+          <a:p>
+            <a:endParaRPr lang="es-ES" dirty="0"/>
+          </a:p>
+          <a:p>
+            <a:endParaRPr lang="es-ES" dirty="0"/>
+          </a:p>
+          <a:p>
+            <a:endParaRPr lang="es-CL" dirty="0"/>
+          </a:p>
+        </p:txBody>
+      </p:sp>
+      <p:pic>
+        <p:nvPicPr>
+          <p:cNvPr id="5" name="Imagen 4">
+            <a:extLst>
+              <a:ext uri="{FF2B5EF4-FFF2-40B4-BE49-F238E27FC236}">
+                <a16:creationId xmlns:a16="http://schemas.microsoft.com/office/drawing/2014/main" id="{1846950A-B6E7-4A19-9402-461FC73A2D84}"/>
+              </a:ext>
+            </a:extLst>
+          </p:cNvPr>
+          <p:cNvPicPr>
+            <a:picLocks noChangeAspect="1"/>
+          </p:cNvPicPr>
+          <p:nvPr/>
+        </p:nvPicPr>
+        <p:blipFill>
+          <a:blip r:embed="rId2"/>
+          <a:stretch>
+            <a:fillRect/>
+          </a:stretch>
+        </p:blipFill>
+        <p:spPr>
+          <a:xfrm>
+            <a:off x="6651676" y="1961322"/>
+            <a:ext cx="4525405" cy="4525405"/>
+          </a:xfrm>
+          <a:prstGeom prst="rect">
+            <a:avLst/>
+          </a:prstGeom>
+        </p:spPr>
+      </p:pic>
+    </p:spTree>
+    <p:extLst>
+      <p:ext uri="{BB962C8B-B14F-4D97-AF65-F5344CB8AC3E}">
+        <p14:creationId xmlns:p14="http://schemas.microsoft.com/office/powerpoint/2010/main" val="82861391"/>
       </p:ext>
     </p:extLst>
   </p:cSld>

--- a/presentacion.pptx
+++ b/presentacion.pptx
@@ -18,6 +18,7 @@
     <p:sldId id="264" r:id="rId12"/>
     <p:sldId id="263" r:id="rId13"/>
     <p:sldId id="265" r:id="rId14"/>
+    <p:sldId id="269" r:id="rId15"/>
   </p:sldIdLst>
   <p:sldSz cx="12192000" cy="6858000"/>
   <p:notesSz cx="6858000" cy="9144000"/>
@@ -174,7 +175,7 @@
           <a:noFill/>
           <a:extLst>
             <a:ext uri="{909E8E84-426E-40dd-AFC4-6F175D3DCCD1}">
-              <a14:hiddenFill xmlns:a14="http://schemas.microsoft.com/office/drawing/2010/main" xmlns="">
+              <a14:hiddenFill xmlns="" xmlns:a14="http://schemas.microsoft.com/office/drawing/2010/main">
                 <a:solidFill>
                   <a:srgbClr val="FFFFFF"/>
                 </a:solidFill>
@@ -234,7 +235,7 @@
             </a:ln>
             <a:extLst>
               <a:ext uri="{91240B29-F687-4f45-9708-019B960494DF}">
-                <a14:hiddenLine xmlns:a14="http://schemas.microsoft.com/office/drawing/2010/main" xmlns="" w="9525">
+                <a14:hiddenLine xmlns="" xmlns:a14="http://schemas.microsoft.com/office/drawing/2010/main" w="9525">
                   <a:solidFill>
                     <a:srgbClr val="000000"/>
                   </a:solidFill>
@@ -324,7 +325,7 @@
             </a:ln>
             <a:extLst>
               <a:ext uri="{91240B29-F687-4f45-9708-019B960494DF}">
-                <a14:hiddenLine xmlns:a14="http://schemas.microsoft.com/office/drawing/2010/main" xmlns="" w="9525">
+                <a14:hiddenLine xmlns="" xmlns:a14="http://schemas.microsoft.com/office/drawing/2010/main" w="9525">
                   <a:solidFill>
                     <a:srgbClr val="000000"/>
                   </a:solidFill>
@@ -414,7 +415,7 @@
             </a:ln>
             <a:extLst>
               <a:ext uri="{91240B29-F687-4f45-9708-019B960494DF}">
-                <a14:hiddenLine xmlns:a14="http://schemas.microsoft.com/office/drawing/2010/main" xmlns="" w="9525">
+                <a14:hiddenLine xmlns="" xmlns:a14="http://schemas.microsoft.com/office/drawing/2010/main" w="9525">
                   <a:solidFill>
                     <a:srgbClr val="000000"/>
                   </a:solidFill>
@@ -448,7 +449,7 @@
             </a:ln>
             <a:extLst>
               <a:ext uri="{91240B29-F687-4f45-9708-019B960494DF}">
-                <a14:hiddenLine xmlns:a14="http://schemas.microsoft.com/office/drawing/2010/main" xmlns="" w="9525">
+                <a14:hiddenLine xmlns="" xmlns:a14="http://schemas.microsoft.com/office/drawing/2010/main" w="9525">
                   <a:solidFill>
                     <a:srgbClr val="000000"/>
                   </a:solidFill>
@@ -538,7 +539,7 @@
             </a:ln>
             <a:extLst>
               <a:ext uri="{91240B29-F687-4f45-9708-019B960494DF}">
-                <a14:hiddenLine xmlns:a14="http://schemas.microsoft.com/office/drawing/2010/main" xmlns="" w="9525">
+                <a14:hiddenLine xmlns="" xmlns:a14="http://schemas.microsoft.com/office/drawing/2010/main" w="9525">
                   <a:solidFill>
                     <a:srgbClr val="000000"/>
                   </a:solidFill>
@@ -600,7 +601,7 @@
             </a:ln>
             <a:extLst>
               <a:ext uri="{91240B29-F687-4f45-9708-019B960494DF}">
-                <a14:hiddenLine xmlns:a14="http://schemas.microsoft.com/office/drawing/2010/main" xmlns="" w="9525">
+                <a14:hiddenLine xmlns="" xmlns:a14="http://schemas.microsoft.com/office/drawing/2010/main" w="9525">
                   <a:solidFill>
                     <a:srgbClr val="000000"/>
                   </a:solidFill>
@@ -662,7 +663,7 @@
             </a:ln>
             <a:extLst>
               <a:ext uri="{91240B29-F687-4f45-9708-019B960494DF}">
-                <a14:hiddenLine xmlns:a14="http://schemas.microsoft.com/office/drawing/2010/main" xmlns="" w="9525">
+                <a14:hiddenLine xmlns="" xmlns:a14="http://schemas.microsoft.com/office/drawing/2010/main" w="9525">
                   <a:solidFill>
                     <a:srgbClr val="000000"/>
                   </a:solidFill>
@@ -752,7 +753,7 @@
             </a:ln>
             <a:extLst>
               <a:ext uri="{91240B29-F687-4f45-9708-019B960494DF}">
-                <a14:hiddenLine xmlns:a14="http://schemas.microsoft.com/office/drawing/2010/main" xmlns="" w="9525">
+                <a14:hiddenLine xmlns="" xmlns:a14="http://schemas.microsoft.com/office/drawing/2010/main" w="9525">
                   <a:solidFill>
                     <a:srgbClr val="000000"/>
                   </a:solidFill>
@@ -814,7 +815,7 @@
             </a:ln>
             <a:extLst>
               <a:ext uri="{91240B29-F687-4f45-9708-019B960494DF}">
-                <a14:hiddenLine xmlns:a14="http://schemas.microsoft.com/office/drawing/2010/main" xmlns="" w="9525">
+                <a14:hiddenLine xmlns="" xmlns:a14="http://schemas.microsoft.com/office/drawing/2010/main" w="9525">
                   <a:solidFill>
                     <a:srgbClr val="000000"/>
                   </a:solidFill>
@@ -876,7 +877,7 @@
             </a:ln>
             <a:extLst>
               <a:ext uri="{91240B29-F687-4f45-9708-019B960494DF}">
-                <a14:hiddenLine xmlns:a14="http://schemas.microsoft.com/office/drawing/2010/main" xmlns="" w="9525">
+                <a14:hiddenLine xmlns="" xmlns:a14="http://schemas.microsoft.com/office/drawing/2010/main" w="9525">
                   <a:solidFill>
                     <a:srgbClr val="000000"/>
                   </a:solidFill>
@@ -966,7 +967,7 @@
             </a:ln>
             <a:extLst>
               <a:ext uri="{91240B29-F687-4f45-9708-019B960494DF}">
-                <a14:hiddenLine xmlns:a14="http://schemas.microsoft.com/office/drawing/2010/main" xmlns="" w="9525">
+                <a14:hiddenLine xmlns="" xmlns:a14="http://schemas.microsoft.com/office/drawing/2010/main" w="9525">
                   <a:solidFill>
                     <a:srgbClr val="000000"/>
                   </a:solidFill>
@@ -1056,7 +1057,7 @@
             </a:ln>
             <a:extLst>
               <a:ext uri="{91240B29-F687-4f45-9708-019B960494DF}">
-                <a14:hiddenLine xmlns:a14="http://schemas.microsoft.com/office/drawing/2010/main" xmlns="" w="9525">
+                <a14:hiddenLine xmlns="" xmlns:a14="http://schemas.microsoft.com/office/drawing/2010/main" w="9525">
                   <a:solidFill>
                     <a:srgbClr val="000000"/>
                   </a:solidFill>
@@ -1118,7 +1119,7 @@
             </a:ln>
             <a:extLst>
               <a:ext uri="{91240B29-F687-4f45-9708-019B960494DF}">
-                <a14:hiddenLine xmlns:a14="http://schemas.microsoft.com/office/drawing/2010/main" xmlns="" w="9525">
+                <a14:hiddenLine xmlns="" xmlns:a14="http://schemas.microsoft.com/office/drawing/2010/main" w="9525">
                   <a:solidFill>
                     <a:srgbClr val="000000"/>
                   </a:solidFill>
@@ -1228,7 +1229,7 @@
             </a:ln>
             <a:extLst>
               <a:ext uri="{91240B29-F687-4f45-9708-019B960494DF}">
-                <a14:hiddenLine xmlns:a14="http://schemas.microsoft.com/office/drawing/2010/main" xmlns="" w="9525">
+                <a14:hiddenLine xmlns="" xmlns:a14="http://schemas.microsoft.com/office/drawing/2010/main" w="9525">
                   <a:solidFill>
                     <a:srgbClr val="000000"/>
                   </a:solidFill>
@@ -1290,7 +1291,7 @@
             </a:ln>
             <a:extLst>
               <a:ext uri="{91240B29-F687-4f45-9708-019B960494DF}">
-                <a14:hiddenLine xmlns:a14="http://schemas.microsoft.com/office/drawing/2010/main" xmlns="" w="9525">
+                <a14:hiddenLine xmlns="" xmlns:a14="http://schemas.microsoft.com/office/drawing/2010/main" w="9525">
                   <a:solidFill>
                     <a:srgbClr val="000000"/>
                   </a:solidFill>
@@ -1380,7 +1381,7 @@
             </a:ln>
             <a:extLst>
               <a:ext uri="{91240B29-F687-4f45-9708-019B960494DF}">
-                <a14:hiddenLine xmlns:a14="http://schemas.microsoft.com/office/drawing/2010/main" xmlns="" w="9525">
+                <a14:hiddenLine xmlns="" xmlns:a14="http://schemas.microsoft.com/office/drawing/2010/main" w="9525">
                   <a:solidFill>
                     <a:srgbClr val="000000"/>
                   </a:solidFill>
@@ -1470,7 +1471,7 @@
             </a:ln>
             <a:extLst>
               <a:ext uri="{91240B29-F687-4f45-9708-019B960494DF}">
-                <a14:hiddenLine xmlns:a14="http://schemas.microsoft.com/office/drawing/2010/main" xmlns="" w="9525">
+                <a14:hiddenLine xmlns="" xmlns:a14="http://schemas.microsoft.com/office/drawing/2010/main" w="9525">
                   <a:solidFill>
                     <a:srgbClr val="000000"/>
                   </a:solidFill>
@@ -1532,7 +1533,7 @@
             </a:ln>
             <a:extLst>
               <a:ext uri="{91240B29-F687-4f45-9708-019B960494DF}">
-                <a14:hiddenLine xmlns:a14="http://schemas.microsoft.com/office/drawing/2010/main" xmlns="" w="9525">
+                <a14:hiddenLine xmlns="" xmlns:a14="http://schemas.microsoft.com/office/drawing/2010/main" w="9525">
                   <a:solidFill>
                     <a:srgbClr val="000000"/>
                   </a:solidFill>
@@ -1622,7 +1623,7 @@
             </a:ln>
             <a:extLst>
               <a:ext uri="{91240B29-F687-4f45-9708-019B960494DF}">
-                <a14:hiddenLine xmlns:a14="http://schemas.microsoft.com/office/drawing/2010/main" xmlns="" w="9525">
+                <a14:hiddenLine xmlns="" xmlns:a14="http://schemas.microsoft.com/office/drawing/2010/main" w="9525">
                   <a:solidFill>
                     <a:srgbClr val="000000"/>
                   </a:solidFill>
@@ -1712,7 +1713,7 @@
             </a:ln>
             <a:extLst>
               <a:ext uri="{91240B29-F687-4f45-9708-019B960494DF}">
-                <a14:hiddenLine xmlns:a14="http://schemas.microsoft.com/office/drawing/2010/main" xmlns="" w="9525">
+                <a14:hiddenLine xmlns="" xmlns:a14="http://schemas.microsoft.com/office/drawing/2010/main" w="9525">
                   <a:solidFill>
                     <a:srgbClr val="000000"/>
                   </a:solidFill>
@@ -1768,7 +1769,7 @@
             </a:ln>
             <a:extLst>
               <a:ext uri="{91240B29-F687-4f45-9708-019B960494DF}">
-                <a14:hiddenLine xmlns:a14="http://schemas.microsoft.com/office/drawing/2010/main" xmlns="" w="9525">
+                <a14:hiddenLine xmlns="" xmlns:a14="http://schemas.microsoft.com/office/drawing/2010/main" w="9525">
                   <a:solidFill>
                     <a:srgbClr val="000000"/>
                   </a:solidFill>
@@ -1858,7 +1859,7 @@
             </a:ln>
             <a:extLst>
               <a:ext uri="{91240B29-F687-4f45-9708-019B960494DF}">
-                <a14:hiddenLine xmlns:a14="http://schemas.microsoft.com/office/drawing/2010/main" xmlns="" w="9525">
+                <a14:hiddenLine xmlns="" xmlns:a14="http://schemas.microsoft.com/office/drawing/2010/main" w="9525">
                   <a:solidFill>
                     <a:srgbClr val="000000"/>
                   </a:solidFill>
@@ -1914,7 +1915,7 @@
             </a:ln>
             <a:extLst>
               <a:ext uri="{91240B29-F687-4f45-9708-019B960494DF}">
-                <a14:hiddenLine xmlns:a14="http://schemas.microsoft.com/office/drawing/2010/main" xmlns="" w="9525">
+                <a14:hiddenLine xmlns="" xmlns:a14="http://schemas.microsoft.com/office/drawing/2010/main" w="9525">
                   <a:solidFill>
                     <a:srgbClr val="000000"/>
                   </a:solidFill>
@@ -2004,7 +2005,7 @@
             </a:ln>
             <a:extLst>
               <a:ext uri="{91240B29-F687-4f45-9708-019B960494DF}">
-                <a14:hiddenLine xmlns:a14="http://schemas.microsoft.com/office/drawing/2010/main" xmlns="" w="9525">
+                <a14:hiddenLine xmlns="" xmlns:a14="http://schemas.microsoft.com/office/drawing/2010/main" w="9525">
                   <a:solidFill>
                     <a:srgbClr val="000000"/>
                   </a:solidFill>
@@ -2072,7 +2073,7 @@
             </a:ln>
             <a:extLst>
               <a:ext uri="{91240B29-F687-4f45-9708-019B960494DF}">
-                <a14:hiddenLine xmlns:a14="http://schemas.microsoft.com/office/drawing/2010/main" xmlns="" w="9525">
+                <a14:hiddenLine xmlns="" xmlns:a14="http://schemas.microsoft.com/office/drawing/2010/main" w="9525">
                   <a:solidFill>
                     <a:srgbClr val="000000"/>
                   </a:solidFill>
@@ -2162,7 +2163,7 @@
             </a:ln>
             <a:extLst>
               <a:ext uri="{91240B29-F687-4f45-9708-019B960494DF}">
-                <a14:hiddenLine xmlns:a14="http://schemas.microsoft.com/office/drawing/2010/main" xmlns="" w="9525">
+                <a14:hiddenLine xmlns="" xmlns:a14="http://schemas.microsoft.com/office/drawing/2010/main" w="9525">
                   <a:solidFill>
                     <a:srgbClr val="000000"/>
                   </a:solidFill>
@@ -2230,7 +2231,7 @@
             </a:ln>
             <a:extLst>
               <a:ext uri="{91240B29-F687-4f45-9708-019B960494DF}">
-                <a14:hiddenLine xmlns:a14="http://schemas.microsoft.com/office/drawing/2010/main" xmlns="" w="9525">
+                <a14:hiddenLine xmlns="" xmlns:a14="http://schemas.microsoft.com/office/drawing/2010/main" w="9525">
                   <a:solidFill>
                     <a:srgbClr val="000000"/>
                   </a:solidFill>
@@ -2320,7 +2321,7 @@
             </a:ln>
             <a:extLst>
               <a:ext uri="{91240B29-F687-4f45-9708-019B960494DF}">
-                <a14:hiddenLine xmlns:a14="http://schemas.microsoft.com/office/drawing/2010/main" xmlns="" w="9525">
+                <a14:hiddenLine xmlns="" xmlns:a14="http://schemas.microsoft.com/office/drawing/2010/main" w="9525">
                   <a:solidFill>
                     <a:srgbClr val="000000"/>
                   </a:solidFill>
@@ -2354,7 +2355,7 @@
             </a:ln>
             <a:extLst>
               <a:ext uri="{91240B29-F687-4f45-9708-019B960494DF}">
-                <a14:hiddenLine xmlns:a14="http://schemas.microsoft.com/office/drawing/2010/main" xmlns="" w="9525">
+                <a14:hiddenLine xmlns="" xmlns:a14="http://schemas.microsoft.com/office/drawing/2010/main" w="9525">
                   <a:solidFill>
                     <a:srgbClr val="000000"/>
                   </a:solidFill>
@@ -2444,7 +2445,7 @@
             </a:ln>
             <a:extLst>
               <a:ext uri="{91240B29-F687-4f45-9708-019B960494DF}">
-                <a14:hiddenLine xmlns:a14="http://schemas.microsoft.com/office/drawing/2010/main" xmlns="" w="9525">
+                <a14:hiddenLine xmlns="" xmlns:a14="http://schemas.microsoft.com/office/drawing/2010/main" w="9525">
                   <a:solidFill>
                     <a:srgbClr val="000000"/>
                   </a:solidFill>
@@ -2506,7 +2507,7 @@
             </a:ln>
             <a:extLst>
               <a:ext uri="{91240B29-F687-4f45-9708-019B960494DF}">
-                <a14:hiddenLine xmlns:a14="http://schemas.microsoft.com/office/drawing/2010/main" xmlns="" w="9525">
+                <a14:hiddenLine xmlns="" xmlns:a14="http://schemas.microsoft.com/office/drawing/2010/main" w="9525">
                   <a:solidFill>
                     <a:srgbClr val="000000"/>
                   </a:solidFill>
@@ -2568,7 +2569,7 @@
             </a:ln>
             <a:extLst>
               <a:ext uri="{91240B29-F687-4f45-9708-019B960494DF}">
-                <a14:hiddenLine xmlns:a14="http://schemas.microsoft.com/office/drawing/2010/main" xmlns="" w="9525">
+                <a14:hiddenLine xmlns="" xmlns:a14="http://schemas.microsoft.com/office/drawing/2010/main" w="9525">
                   <a:solidFill>
                     <a:srgbClr val="000000"/>
                   </a:solidFill>
@@ -2658,7 +2659,7 @@
             </a:ln>
             <a:extLst>
               <a:ext uri="{91240B29-F687-4f45-9708-019B960494DF}">
-                <a14:hiddenLine xmlns:a14="http://schemas.microsoft.com/office/drawing/2010/main" xmlns="" w="9525">
+                <a14:hiddenLine xmlns="" xmlns:a14="http://schemas.microsoft.com/office/drawing/2010/main" w="9525">
                   <a:solidFill>
                     <a:srgbClr val="000000"/>
                   </a:solidFill>
@@ -2726,7 +2727,7 @@
             </a:ln>
             <a:extLst>
               <a:ext uri="{91240B29-F687-4f45-9708-019B960494DF}">
-                <a14:hiddenLine xmlns:a14="http://schemas.microsoft.com/office/drawing/2010/main" xmlns="" w="9525">
+                <a14:hiddenLine xmlns="" xmlns:a14="http://schemas.microsoft.com/office/drawing/2010/main" w="9525">
                   <a:solidFill>
                     <a:srgbClr val="000000"/>
                   </a:solidFill>
@@ -2788,7 +2789,7 @@
             </a:ln>
             <a:extLst>
               <a:ext uri="{91240B29-F687-4f45-9708-019B960494DF}">
-                <a14:hiddenLine xmlns:a14="http://schemas.microsoft.com/office/drawing/2010/main" xmlns="" w="9525">
+                <a14:hiddenLine xmlns="" xmlns:a14="http://schemas.microsoft.com/office/drawing/2010/main" w="9525">
                   <a:solidFill>
                     <a:srgbClr val="000000"/>
                   </a:solidFill>
@@ -2878,7 +2879,7 @@
             </a:ln>
             <a:extLst>
               <a:ext uri="{91240B29-F687-4f45-9708-019B960494DF}">
-                <a14:hiddenLine xmlns:a14="http://schemas.microsoft.com/office/drawing/2010/main" xmlns="" w="9525">
+                <a14:hiddenLine xmlns="" xmlns:a14="http://schemas.microsoft.com/office/drawing/2010/main" w="9525">
                   <a:solidFill>
                     <a:srgbClr val="000000"/>
                   </a:solidFill>
@@ -2940,7 +2941,7 @@
             </a:ln>
             <a:extLst>
               <a:ext uri="{91240B29-F687-4f45-9708-019B960494DF}">
-                <a14:hiddenLine xmlns:a14="http://schemas.microsoft.com/office/drawing/2010/main" xmlns="" w="9525">
+                <a14:hiddenLine xmlns="" xmlns:a14="http://schemas.microsoft.com/office/drawing/2010/main" w="9525">
                   <a:solidFill>
                     <a:srgbClr val="000000"/>
                   </a:solidFill>
@@ -3030,7 +3031,7 @@
             </a:ln>
             <a:extLst>
               <a:ext uri="{91240B29-F687-4f45-9708-019B960494DF}">
-                <a14:hiddenLine xmlns:a14="http://schemas.microsoft.com/office/drawing/2010/main" xmlns="" w="9525">
+                <a14:hiddenLine xmlns="" xmlns:a14="http://schemas.microsoft.com/office/drawing/2010/main" w="9525">
                   <a:solidFill>
                     <a:srgbClr val="000000"/>
                   </a:solidFill>
@@ -3092,7 +3093,7 @@
             </a:ln>
             <a:extLst>
               <a:ext uri="{91240B29-F687-4f45-9708-019B960494DF}">
-                <a14:hiddenLine xmlns:a14="http://schemas.microsoft.com/office/drawing/2010/main" xmlns="" w="9525">
+                <a14:hiddenLine xmlns="" xmlns:a14="http://schemas.microsoft.com/office/drawing/2010/main" w="9525">
                   <a:solidFill>
                     <a:srgbClr val="000000"/>
                   </a:solidFill>
@@ -3182,7 +3183,7 @@
             </a:ln>
             <a:extLst>
               <a:ext uri="{91240B29-F687-4f45-9708-019B960494DF}">
-                <a14:hiddenLine xmlns:a14="http://schemas.microsoft.com/office/drawing/2010/main" xmlns="" w="9525">
+                <a14:hiddenLine xmlns="" xmlns:a14="http://schemas.microsoft.com/office/drawing/2010/main" w="9525">
                   <a:solidFill>
                     <a:srgbClr val="000000"/>
                   </a:solidFill>
@@ -3216,7 +3217,7 @@
             </a:ln>
             <a:extLst>
               <a:ext uri="{91240B29-F687-4f45-9708-019B960494DF}">
-                <a14:hiddenLine xmlns:a14="http://schemas.microsoft.com/office/drawing/2010/main" xmlns="" w="9525">
+                <a14:hiddenLine xmlns="" xmlns:a14="http://schemas.microsoft.com/office/drawing/2010/main" w="9525">
                   <a:solidFill>
                     <a:srgbClr val="000000"/>
                   </a:solidFill>
@@ -3281,7 +3282,7 @@
             </a:ln>
             <a:extLst>
               <a:ext uri="{91240B29-F687-4f45-9708-019B960494DF}">
-                <a14:hiddenLine xmlns:a14="http://schemas.microsoft.com/office/drawing/2010/main" xmlns="" w="9525">
+                <a14:hiddenLine xmlns="" xmlns:a14="http://schemas.microsoft.com/office/drawing/2010/main" w="9525">
                   <a:solidFill>
                     <a:srgbClr val="000000"/>
                   </a:solidFill>
@@ -3371,7 +3372,7 @@
             </a:ln>
             <a:extLst>
               <a:ext uri="{91240B29-F687-4f45-9708-019B960494DF}">
-                <a14:hiddenLine xmlns:a14="http://schemas.microsoft.com/office/drawing/2010/main" xmlns="" w="9525">
+                <a14:hiddenLine xmlns="" xmlns:a14="http://schemas.microsoft.com/office/drawing/2010/main" w="9525">
                   <a:solidFill>
                     <a:srgbClr val="000000"/>
                   </a:solidFill>
@@ -3433,7 +3434,7 @@
             </a:ln>
             <a:extLst>
               <a:ext uri="{91240B29-F687-4f45-9708-019B960494DF}">
-                <a14:hiddenLine xmlns:a14="http://schemas.microsoft.com/office/drawing/2010/main" xmlns="" w="9525">
+                <a14:hiddenLine xmlns="" xmlns:a14="http://schemas.microsoft.com/office/drawing/2010/main" w="9525">
                   <a:solidFill>
                     <a:srgbClr val="000000"/>
                   </a:solidFill>
@@ -3523,7 +3524,7 @@
             </a:ln>
             <a:extLst>
               <a:ext uri="{91240B29-F687-4f45-9708-019B960494DF}">
-                <a14:hiddenLine xmlns:a14="http://schemas.microsoft.com/office/drawing/2010/main" xmlns="" w="9525">
+                <a14:hiddenLine xmlns="" xmlns:a14="http://schemas.microsoft.com/office/drawing/2010/main" w="9525">
                   <a:solidFill>
                     <a:srgbClr val="000000"/>
                   </a:solidFill>
@@ -3613,7 +3614,7 @@
             </a:ln>
             <a:extLst>
               <a:ext uri="{91240B29-F687-4f45-9708-019B960494DF}">
-                <a14:hiddenLine xmlns:a14="http://schemas.microsoft.com/office/drawing/2010/main" xmlns="" w="9525">
+                <a14:hiddenLine xmlns="" xmlns:a14="http://schemas.microsoft.com/office/drawing/2010/main" w="9525">
                   <a:solidFill>
                     <a:srgbClr val="000000"/>
                   </a:solidFill>
@@ -3678,7 +3679,7 @@
             </a:ln>
             <a:extLst>
               <a:ext uri="{91240B29-F687-4f45-9708-019B960494DF}">
-                <a14:hiddenLine xmlns:a14="http://schemas.microsoft.com/office/drawing/2010/main" xmlns="" w="9525">
+                <a14:hiddenLine xmlns="" xmlns:a14="http://schemas.microsoft.com/office/drawing/2010/main" w="9525">
                   <a:solidFill>
                     <a:srgbClr val="000000"/>
                   </a:solidFill>
@@ -3740,7 +3741,7 @@
             </a:ln>
             <a:extLst>
               <a:ext uri="{91240B29-F687-4f45-9708-019B960494DF}">
-                <a14:hiddenLine xmlns:a14="http://schemas.microsoft.com/office/drawing/2010/main" xmlns="" w="9525">
+                <a14:hiddenLine xmlns="" xmlns:a14="http://schemas.microsoft.com/office/drawing/2010/main" w="9525">
                   <a:solidFill>
                     <a:srgbClr val="000000"/>
                   </a:solidFill>
@@ -3830,7 +3831,7 @@
             </a:ln>
             <a:extLst>
               <a:ext uri="{91240B29-F687-4f45-9708-019B960494DF}">
-                <a14:hiddenLine xmlns:a14="http://schemas.microsoft.com/office/drawing/2010/main" xmlns="" w="9525">
+                <a14:hiddenLine xmlns="" xmlns:a14="http://schemas.microsoft.com/office/drawing/2010/main" w="9525">
                   <a:solidFill>
                     <a:srgbClr val="000000"/>
                   </a:solidFill>
@@ -3920,7 +3921,7 @@
             </a:ln>
             <a:extLst>
               <a:ext uri="{91240B29-F687-4f45-9708-019B960494DF}">
-                <a14:hiddenLine xmlns:a14="http://schemas.microsoft.com/office/drawing/2010/main" xmlns="" w="9525">
+                <a14:hiddenLine xmlns="" xmlns:a14="http://schemas.microsoft.com/office/drawing/2010/main" w="9525">
                   <a:solidFill>
                     <a:srgbClr val="000000"/>
                   </a:solidFill>
@@ -3982,7 +3983,7 @@
             </a:ln>
             <a:extLst>
               <a:ext uri="{91240B29-F687-4f45-9708-019B960494DF}">
-                <a14:hiddenLine xmlns:a14="http://schemas.microsoft.com/office/drawing/2010/main" xmlns="" w="9525">
+                <a14:hiddenLine xmlns="" xmlns:a14="http://schemas.microsoft.com/office/drawing/2010/main" w="9525">
                   <a:solidFill>
                     <a:srgbClr val="000000"/>
                   </a:solidFill>
@@ -4102,7 +4103,7 @@
             </a:ln>
             <a:extLst>
               <a:ext uri="{91240B29-F687-4f45-9708-019B960494DF}">
-                <a14:hiddenLine xmlns:a14="http://schemas.microsoft.com/office/drawing/2010/main" xmlns="" w="9525">
+                <a14:hiddenLine xmlns="" xmlns:a14="http://schemas.microsoft.com/office/drawing/2010/main" w="9525">
                   <a:solidFill>
                     <a:srgbClr val="000000"/>
                   </a:solidFill>
@@ -4170,7 +4171,7 @@
             </a:ln>
             <a:extLst>
               <a:ext uri="{91240B29-F687-4f45-9708-019B960494DF}">
-                <a14:hiddenLine xmlns:a14="http://schemas.microsoft.com/office/drawing/2010/main" xmlns="" w="9525">
+                <a14:hiddenLine xmlns="" xmlns:a14="http://schemas.microsoft.com/office/drawing/2010/main" w="9525">
                   <a:solidFill>
                     <a:srgbClr val="000000"/>
                   </a:solidFill>
@@ -4260,7 +4261,7 @@
             </a:ln>
             <a:extLst>
               <a:ext uri="{91240B29-F687-4f45-9708-019B960494DF}">
-                <a14:hiddenLine xmlns:a14="http://schemas.microsoft.com/office/drawing/2010/main" xmlns="" w="9525">
+                <a14:hiddenLine xmlns="" xmlns:a14="http://schemas.microsoft.com/office/drawing/2010/main" w="9525">
                   <a:solidFill>
                     <a:srgbClr val="000000"/>
                   </a:solidFill>
@@ -4400,7 +4401,7 @@
           <a:p>
             <a:fld id="{48A87A34-81AB-432B-8DAE-1953F412C126}" type="datetimeFigureOut">
               <a:rPr lang="en-US" dirty="0"/>
-              <a:t>9/7/2018</a:t>
+              <a:t>9/25/2018</a:t>
             </a:fld>
             <a:endParaRPr lang="en-US" dirty="0"/>
           </a:p>
@@ -4662,7 +4663,7 @@
           <a:p>
             <a:fld id="{48A87A34-81AB-432B-8DAE-1953F412C126}" type="datetimeFigureOut">
               <a:rPr lang="en-US" dirty="0"/>
-              <a:t>9/7/2018</a:t>
+              <a:t>9/25/2018</a:t>
             </a:fld>
             <a:endParaRPr lang="en-US" dirty="0"/>
           </a:p>
@@ -4853,7 +4854,7 @@
           <a:p>
             <a:fld id="{48A87A34-81AB-432B-8DAE-1953F412C126}" type="datetimeFigureOut">
               <a:rPr lang="en-US" dirty="0"/>
-              <a:t>9/7/2018</a:t>
+              <a:t>9/25/2018</a:t>
             </a:fld>
             <a:endParaRPr lang="en-US" dirty="0"/>
           </a:p>
@@ -5111,7 +5112,7 @@
           <a:p>
             <a:fld id="{48A87A34-81AB-432B-8DAE-1953F412C126}" type="datetimeFigureOut">
               <a:rPr lang="en-US" dirty="0"/>
-              <a:t>9/7/2018</a:t>
+              <a:t>9/25/2018</a:t>
             </a:fld>
             <a:endParaRPr lang="en-US" dirty="0"/>
           </a:p>
@@ -5540,7 +5541,7 @@
           <a:p>
             <a:fld id="{48A87A34-81AB-432B-8DAE-1953F412C126}" type="datetimeFigureOut">
               <a:rPr lang="en-US" dirty="0"/>
-              <a:t>9/7/2018</a:t>
+              <a:t>9/25/2018</a:t>
             </a:fld>
             <a:endParaRPr lang="en-US" dirty="0"/>
           </a:p>
@@ -6081,7 +6082,7 @@
           <a:p>
             <a:fld id="{48A87A34-81AB-432B-8DAE-1953F412C126}" type="datetimeFigureOut">
               <a:rPr lang="en-US" dirty="0"/>
-              <a:t>9/7/2018</a:t>
+              <a:t>9/25/2018</a:t>
             </a:fld>
             <a:endParaRPr lang="en-US" dirty="0"/>
           </a:p>
@@ -6796,7 +6797,7 @@
           <a:p>
             <a:fld id="{48A87A34-81AB-432B-8DAE-1953F412C126}" type="datetimeFigureOut">
               <a:rPr lang="en-US" dirty="0"/>
-              <a:t>9/7/2018</a:t>
+              <a:t>9/25/2018</a:t>
             </a:fld>
             <a:endParaRPr lang="en-US" dirty="0"/>
           </a:p>
@@ -6961,7 +6962,7 @@
           <a:p>
             <a:fld id="{48A87A34-81AB-432B-8DAE-1953F412C126}" type="datetimeFigureOut">
               <a:rPr lang="en-US" dirty="0"/>
-              <a:t>9/7/2018</a:t>
+              <a:t>9/25/2018</a:t>
             </a:fld>
             <a:endParaRPr lang="en-US" dirty="0"/>
           </a:p>
@@ -7136,7 +7137,7 @@
           <a:p>
             <a:fld id="{48A87A34-81AB-432B-8DAE-1953F412C126}" type="datetimeFigureOut">
               <a:rPr lang="en-US" dirty="0"/>
-              <a:t>9/7/2018</a:t>
+              <a:t>9/25/2018</a:t>
             </a:fld>
             <a:endParaRPr lang="en-US" dirty="0"/>
           </a:p>
@@ -7301,7 +7302,7 @@
           <a:p>
             <a:fld id="{48A87A34-81AB-432B-8DAE-1953F412C126}" type="datetimeFigureOut">
               <a:rPr lang="en-US" dirty="0"/>
-              <a:t>9/7/2018</a:t>
+              <a:t>9/25/2018</a:t>
             </a:fld>
             <a:endParaRPr lang="en-US" dirty="0"/>
           </a:p>
@@ -7546,7 +7547,7 @@
           <a:p>
             <a:fld id="{48A87A34-81AB-432B-8DAE-1953F412C126}" type="datetimeFigureOut">
               <a:rPr lang="en-US" dirty="0"/>
-              <a:t>9/7/2018</a:t>
+              <a:t>9/25/2018</a:t>
             </a:fld>
             <a:endParaRPr lang="en-US" dirty="0"/>
           </a:p>
@@ -7773,7 +7774,7 @@
           <a:p>
             <a:fld id="{48A87A34-81AB-432B-8DAE-1953F412C126}" type="datetimeFigureOut">
               <a:rPr lang="en-US" dirty="0"/>
-              <a:t>9/7/2018</a:t>
+              <a:t>9/25/2018</a:t>
             </a:fld>
             <a:endParaRPr lang="en-US" dirty="0"/>
           </a:p>
@@ -8149,7 +8150,7 @@
           <a:p>
             <a:fld id="{48A87A34-81AB-432B-8DAE-1953F412C126}" type="datetimeFigureOut">
               <a:rPr lang="en-US" dirty="0"/>
-              <a:t>9/7/2018</a:t>
+              <a:t>9/25/2018</a:t>
             </a:fld>
             <a:endParaRPr lang="en-US" dirty="0"/>
           </a:p>
@@ -8262,7 +8263,7 @@
           <a:p>
             <a:fld id="{48A87A34-81AB-432B-8DAE-1953F412C126}" type="datetimeFigureOut">
               <a:rPr lang="en-US" dirty="0"/>
-              <a:t>9/7/2018</a:t>
+              <a:t>9/25/2018</a:t>
             </a:fld>
             <a:endParaRPr lang="en-US" dirty="0"/>
           </a:p>
@@ -8352,7 +8353,7 @@
           <a:p>
             <a:fld id="{48A87A34-81AB-432B-8DAE-1953F412C126}" type="datetimeFigureOut">
               <a:rPr lang="en-US" dirty="0"/>
-              <a:t>9/7/2018</a:t>
+              <a:t>9/25/2018</a:t>
             </a:fld>
             <a:endParaRPr lang="en-US" dirty="0"/>
           </a:p>
@@ -8596,7 +8597,7 @@
           <a:p>
             <a:fld id="{48A87A34-81AB-432B-8DAE-1953F412C126}" type="datetimeFigureOut">
               <a:rPr lang="en-US" dirty="0"/>
-              <a:t>9/7/2018</a:t>
+              <a:t>9/25/2018</a:t>
             </a:fld>
             <a:endParaRPr lang="en-US" dirty="0"/>
           </a:p>
@@ -8871,7 +8872,7 @@
           <a:p>
             <a:fld id="{48A87A34-81AB-432B-8DAE-1953F412C126}" type="datetimeFigureOut">
               <a:rPr lang="en-US" dirty="0"/>
-              <a:t>9/7/2018</a:t>
+              <a:t>9/25/2018</a:t>
             </a:fld>
             <a:endParaRPr lang="en-US" dirty="0"/>
           </a:p>
@@ -8982,7 +8983,7 @@
           <a:noFill/>
           <a:extLst>
             <a:ext uri="{909E8E84-426E-40dd-AFC4-6F175D3DCCD1}">
-              <a14:hiddenFill xmlns:a14="http://schemas.microsoft.com/office/drawing/2010/main" xmlns="">
+              <a14:hiddenFill xmlns="" xmlns:a14="http://schemas.microsoft.com/office/drawing/2010/main">
                 <a:solidFill>
                   <a:srgbClr val="FFFFFF"/>
                 </a:solidFill>
@@ -9056,7 +9057,7 @@
               </a:ln>
               <a:extLst>
                 <a:ext uri="{91240B29-F687-4f45-9708-019B960494DF}">
-                  <a14:hiddenLine xmlns:a14="http://schemas.microsoft.com/office/drawing/2010/main" xmlns="" w="9525">
+                  <a14:hiddenLine xmlns="" xmlns:a14="http://schemas.microsoft.com/office/drawing/2010/main" w="9525">
                     <a:solidFill>
                       <a:srgbClr val="000000"/>
                     </a:solidFill>
@@ -9146,7 +9147,7 @@
               </a:ln>
               <a:extLst>
                 <a:ext uri="{91240B29-F687-4f45-9708-019B960494DF}">
-                  <a14:hiddenLine xmlns:a14="http://schemas.microsoft.com/office/drawing/2010/main" xmlns="" w="9525">
+                  <a14:hiddenLine xmlns="" xmlns:a14="http://schemas.microsoft.com/office/drawing/2010/main" w="9525">
                     <a:solidFill>
                       <a:srgbClr val="000000"/>
                     </a:solidFill>
@@ -9236,7 +9237,7 @@
               </a:ln>
               <a:extLst>
                 <a:ext uri="{91240B29-F687-4f45-9708-019B960494DF}">
-                  <a14:hiddenLine xmlns:a14="http://schemas.microsoft.com/office/drawing/2010/main" xmlns="" w="9525">
+                  <a14:hiddenLine xmlns="" xmlns:a14="http://schemas.microsoft.com/office/drawing/2010/main" w="9525">
                     <a:solidFill>
                       <a:srgbClr val="000000"/>
                     </a:solidFill>
@@ -9298,7 +9299,7 @@
               </a:ln>
               <a:extLst>
                 <a:ext uri="{91240B29-F687-4f45-9708-019B960494DF}">
-                  <a14:hiddenLine xmlns:a14="http://schemas.microsoft.com/office/drawing/2010/main" xmlns="" w="9525">
+                  <a14:hiddenLine xmlns="" xmlns:a14="http://schemas.microsoft.com/office/drawing/2010/main" w="9525">
                     <a:solidFill>
                       <a:srgbClr val="000000"/>
                     </a:solidFill>
@@ -9388,7 +9389,7 @@
               </a:ln>
               <a:extLst>
                 <a:ext uri="{91240B29-F687-4f45-9708-019B960494DF}">
-                  <a14:hiddenLine xmlns:a14="http://schemas.microsoft.com/office/drawing/2010/main" xmlns="" w="9525">
+                  <a14:hiddenLine xmlns="" xmlns:a14="http://schemas.microsoft.com/office/drawing/2010/main" w="9525">
                     <a:solidFill>
                       <a:srgbClr val="000000"/>
                     </a:solidFill>
@@ -9450,7 +9451,7 @@
               </a:ln>
               <a:extLst>
                 <a:ext uri="{91240B29-F687-4f45-9708-019B960494DF}">
-                  <a14:hiddenLine xmlns:a14="http://schemas.microsoft.com/office/drawing/2010/main" xmlns="" w="9525">
+                  <a14:hiddenLine xmlns="" xmlns:a14="http://schemas.microsoft.com/office/drawing/2010/main" w="9525">
                     <a:solidFill>
                       <a:srgbClr val="000000"/>
                     </a:solidFill>
@@ -9512,7 +9513,7 @@
               </a:ln>
               <a:extLst>
                 <a:ext uri="{91240B29-F687-4f45-9708-019B960494DF}">
-                  <a14:hiddenLine xmlns:a14="http://schemas.microsoft.com/office/drawing/2010/main" xmlns="" w="9525">
+                  <a14:hiddenLine xmlns="" xmlns:a14="http://schemas.microsoft.com/office/drawing/2010/main" w="9525">
                     <a:solidFill>
                       <a:srgbClr val="000000"/>
                     </a:solidFill>
@@ -9602,7 +9603,7 @@
               </a:ln>
               <a:extLst>
                 <a:ext uri="{91240B29-F687-4f45-9708-019B960494DF}">
-                  <a14:hiddenLine xmlns:a14="http://schemas.microsoft.com/office/drawing/2010/main" xmlns="" w="9525">
+                  <a14:hiddenLine xmlns="" xmlns:a14="http://schemas.microsoft.com/office/drawing/2010/main" w="9525">
                     <a:solidFill>
                       <a:srgbClr val="000000"/>
                     </a:solidFill>
@@ -9692,7 +9693,7 @@
               </a:ln>
               <a:extLst>
                 <a:ext uri="{91240B29-F687-4f45-9708-019B960494DF}">
-                  <a14:hiddenLine xmlns:a14="http://schemas.microsoft.com/office/drawing/2010/main" xmlns="" w="9525">
+                  <a14:hiddenLine xmlns="" xmlns:a14="http://schemas.microsoft.com/office/drawing/2010/main" w="9525">
                     <a:solidFill>
                       <a:srgbClr val="000000"/>
                     </a:solidFill>
@@ -9754,7 +9755,7 @@
               </a:ln>
               <a:extLst>
                 <a:ext uri="{91240B29-F687-4f45-9708-019B960494DF}">
-                  <a14:hiddenLine xmlns:a14="http://schemas.microsoft.com/office/drawing/2010/main" xmlns="" w="9525">
+                  <a14:hiddenLine xmlns="" xmlns:a14="http://schemas.microsoft.com/office/drawing/2010/main" w="9525">
                     <a:solidFill>
                       <a:srgbClr val="000000"/>
                     </a:solidFill>
@@ -9864,7 +9865,7 @@
               </a:ln>
               <a:extLst>
                 <a:ext uri="{91240B29-F687-4f45-9708-019B960494DF}">
-                  <a14:hiddenLine xmlns:a14="http://schemas.microsoft.com/office/drawing/2010/main" xmlns="" w="9525">
+                  <a14:hiddenLine xmlns="" xmlns:a14="http://schemas.microsoft.com/office/drawing/2010/main" w="9525">
                     <a:solidFill>
                       <a:srgbClr val="000000"/>
                     </a:solidFill>
@@ -9948,7 +9949,7 @@
               </a:ln>
               <a:extLst>
                 <a:ext uri="{91240B29-F687-4f45-9708-019B960494DF}">
-                  <a14:hiddenLine xmlns:a14="http://schemas.microsoft.com/office/drawing/2010/main" xmlns="" w="9525">
+                  <a14:hiddenLine xmlns="" xmlns:a14="http://schemas.microsoft.com/office/drawing/2010/main" w="9525">
                     <a:solidFill>
                       <a:srgbClr val="000000"/>
                     </a:solidFill>
@@ -10010,7 +10011,7 @@
               </a:ln>
               <a:extLst>
                 <a:ext uri="{91240B29-F687-4f45-9708-019B960494DF}">
-                  <a14:hiddenLine xmlns:a14="http://schemas.microsoft.com/office/drawing/2010/main" xmlns="" w="9525">
+                  <a14:hiddenLine xmlns="" xmlns:a14="http://schemas.microsoft.com/office/drawing/2010/main" w="9525">
                     <a:solidFill>
                       <a:srgbClr val="000000"/>
                     </a:solidFill>
@@ -10072,7 +10073,7 @@
               </a:ln>
               <a:extLst>
                 <a:ext uri="{91240B29-F687-4f45-9708-019B960494DF}">
-                  <a14:hiddenLine xmlns:a14="http://schemas.microsoft.com/office/drawing/2010/main" xmlns="" w="9525">
+                  <a14:hiddenLine xmlns="" xmlns:a14="http://schemas.microsoft.com/office/drawing/2010/main" w="9525">
                     <a:solidFill>
                       <a:srgbClr val="000000"/>
                     </a:solidFill>
@@ -10162,7 +10163,7 @@
               </a:ln>
               <a:extLst>
                 <a:ext uri="{91240B29-F687-4f45-9708-019B960494DF}">
-                  <a14:hiddenLine xmlns:a14="http://schemas.microsoft.com/office/drawing/2010/main" xmlns="" w="9525">
+                  <a14:hiddenLine xmlns="" xmlns:a14="http://schemas.microsoft.com/office/drawing/2010/main" w="9525">
                     <a:solidFill>
                       <a:srgbClr val="000000"/>
                     </a:solidFill>
@@ -10196,7 +10197,7 @@
               </a:ln>
               <a:extLst>
                 <a:ext uri="{91240B29-F687-4f45-9708-019B960494DF}">
-                  <a14:hiddenLine xmlns:a14="http://schemas.microsoft.com/office/drawing/2010/main" xmlns="" w="9525">
+                  <a14:hiddenLine xmlns="" xmlns:a14="http://schemas.microsoft.com/office/drawing/2010/main" w="9525">
                     <a:solidFill>
                       <a:srgbClr val="000000"/>
                     </a:solidFill>
@@ -10261,7 +10262,7 @@
               </a:ln>
               <a:extLst>
                 <a:ext uri="{91240B29-F687-4f45-9708-019B960494DF}">
-                  <a14:hiddenLine xmlns:a14="http://schemas.microsoft.com/office/drawing/2010/main" xmlns="" w="9525">
+                  <a14:hiddenLine xmlns="" xmlns:a14="http://schemas.microsoft.com/office/drawing/2010/main" w="9525">
                     <a:solidFill>
                       <a:srgbClr val="000000"/>
                     </a:solidFill>
@@ -10351,7 +10352,7 @@
               </a:ln>
               <a:extLst>
                 <a:ext uri="{91240B29-F687-4f45-9708-019B960494DF}">
-                  <a14:hiddenLine xmlns:a14="http://schemas.microsoft.com/office/drawing/2010/main" xmlns="" w="9525">
+                  <a14:hiddenLine xmlns="" xmlns:a14="http://schemas.microsoft.com/office/drawing/2010/main" w="9525">
                     <a:solidFill>
                       <a:srgbClr val="000000"/>
                     </a:solidFill>
@@ -10413,7 +10414,7 @@
               </a:ln>
               <a:extLst>
                 <a:ext uri="{91240B29-F687-4f45-9708-019B960494DF}">
-                  <a14:hiddenLine xmlns:a14="http://schemas.microsoft.com/office/drawing/2010/main" xmlns="" w="9525">
+                  <a14:hiddenLine xmlns="" xmlns:a14="http://schemas.microsoft.com/office/drawing/2010/main" w="9525">
                     <a:solidFill>
                       <a:srgbClr val="000000"/>
                     </a:solidFill>
@@ -10503,7 +10504,7 @@
               </a:ln>
               <a:extLst>
                 <a:ext uri="{91240B29-F687-4f45-9708-019B960494DF}">
-                  <a14:hiddenLine xmlns:a14="http://schemas.microsoft.com/office/drawing/2010/main" xmlns="" w="9525">
+                  <a14:hiddenLine xmlns="" xmlns:a14="http://schemas.microsoft.com/office/drawing/2010/main" w="9525">
                     <a:solidFill>
                       <a:srgbClr val="000000"/>
                     </a:solidFill>
@@ -10568,7 +10569,7 @@
               </a:ln>
               <a:extLst>
                 <a:ext uri="{91240B29-F687-4f45-9708-019B960494DF}">
-                  <a14:hiddenLine xmlns:a14="http://schemas.microsoft.com/office/drawing/2010/main" xmlns="" w="9525">
+                  <a14:hiddenLine xmlns="" xmlns:a14="http://schemas.microsoft.com/office/drawing/2010/main" w="9525">
                     <a:solidFill>
                       <a:srgbClr val="000000"/>
                     </a:solidFill>
@@ -10630,7 +10631,7 @@
               </a:ln>
               <a:extLst>
                 <a:ext uri="{91240B29-F687-4f45-9708-019B960494DF}">
-                  <a14:hiddenLine xmlns:a14="http://schemas.microsoft.com/office/drawing/2010/main" xmlns="" w="9525">
+                  <a14:hiddenLine xmlns="" xmlns:a14="http://schemas.microsoft.com/office/drawing/2010/main" w="9525">
                     <a:solidFill>
                       <a:srgbClr val="000000"/>
                     </a:solidFill>
@@ -10720,7 +10721,7 @@
               </a:ln>
               <a:extLst>
                 <a:ext uri="{91240B29-F687-4f45-9708-019B960494DF}">
-                  <a14:hiddenLine xmlns:a14="http://schemas.microsoft.com/office/drawing/2010/main" xmlns="" w="9525">
+                  <a14:hiddenLine xmlns="" xmlns:a14="http://schemas.microsoft.com/office/drawing/2010/main" w="9525">
                     <a:solidFill>
                       <a:srgbClr val="000000"/>
                     </a:solidFill>
@@ -10810,7 +10811,7 @@
               </a:ln>
               <a:extLst>
                 <a:ext uri="{91240B29-F687-4f45-9708-019B960494DF}">
-                  <a14:hiddenLine xmlns:a14="http://schemas.microsoft.com/office/drawing/2010/main" xmlns="" w="9525">
+                  <a14:hiddenLine xmlns="" xmlns:a14="http://schemas.microsoft.com/office/drawing/2010/main" w="9525">
                     <a:solidFill>
                       <a:srgbClr val="000000"/>
                     </a:solidFill>
@@ -10875,7 +10876,7 @@
               </a:ln>
               <a:extLst>
                 <a:ext uri="{91240B29-F687-4f45-9708-019B960494DF}">
-                  <a14:hiddenLine xmlns:a14="http://schemas.microsoft.com/office/drawing/2010/main" xmlns="" w="9525">
+                  <a14:hiddenLine xmlns="" xmlns:a14="http://schemas.microsoft.com/office/drawing/2010/main" w="9525">
                     <a:solidFill>
                       <a:srgbClr val="000000"/>
                     </a:solidFill>
@@ -10995,7 +10996,7 @@
               </a:ln>
               <a:extLst>
                 <a:ext uri="{91240B29-F687-4f45-9708-019B960494DF}">
-                  <a14:hiddenLine xmlns:a14="http://schemas.microsoft.com/office/drawing/2010/main" xmlns="" w="9525">
+                  <a14:hiddenLine xmlns="" xmlns:a14="http://schemas.microsoft.com/office/drawing/2010/main" w="9525">
                     <a:solidFill>
                       <a:srgbClr val="000000"/>
                     </a:solidFill>
@@ -11093,7 +11094,7 @@
               </a:ln>
               <a:extLst>
                 <a:ext uri="{91240B29-F687-4f45-9708-019B960494DF}">
-                  <a14:hiddenLine xmlns:a14="http://schemas.microsoft.com/office/drawing/2010/main" xmlns="" w="9525">
+                  <a14:hiddenLine xmlns="" xmlns:a14="http://schemas.microsoft.com/office/drawing/2010/main" w="9525">
                     <a:solidFill>
                       <a:srgbClr val="000000"/>
                     </a:solidFill>
@@ -11208,7 +11209,7 @@
               </a:ln>
               <a:extLst>
                 <a:ext uri="{91240B29-F687-4f45-9708-019B960494DF}">
-                  <a14:hiddenLine xmlns:a14="http://schemas.microsoft.com/office/drawing/2010/main" xmlns="" w="9525">
+                  <a14:hiddenLine xmlns="" xmlns:a14="http://schemas.microsoft.com/office/drawing/2010/main" w="9525">
                     <a:solidFill>
                       <a:srgbClr val="000000"/>
                     </a:solidFill>
@@ -11298,7 +11299,7 @@
               </a:ln>
               <a:extLst>
                 <a:ext uri="{91240B29-F687-4f45-9708-019B960494DF}">
-                  <a14:hiddenLine xmlns:a14="http://schemas.microsoft.com/office/drawing/2010/main" xmlns="" w="9525">
+                  <a14:hiddenLine xmlns="" xmlns:a14="http://schemas.microsoft.com/office/drawing/2010/main" w="9525">
                     <a:solidFill>
                       <a:srgbClr val="000000"/>
                     </a:solidFill>
@@ -11363,7 +11364,7 @@
               </a:ln>
               <a:extLst>
                 <a:ext uri="{91240B29-F687-4f45-9708-019B960494DF}">
-                  <a14:hiddenLine xmlns:a14="http://schemas.microsoft.com/office/drawing/2010/main" xmlns="" w="9525">
+                  <a14:hiddenLine xmlns="" xmlns:a14="http://schemas.microsoft.com/office/drawing/2010/main" w="9525">
                     <a:solidFill>
                       <a:srgbClr val="000000"/>
                     </a:solidFill>
@@ -11453,7 +11454,7 @@
               </a:ln>
               <a:extLst>
                 <a:ext uri="{91240B29-F687-4f45-9708-019B960494DF}">
-                  <a14:hiddenLine xmlns:a14="http://schemas.microsoft.com/office/drawing/2010/main" xmlns="" w="9525">
+                  <a14:hiddenLine xmlns="" xmlns:a14="http://schemas.microsoft.com/office/drawing/2010/main" w="9525">
                     <a:solidFill>
                       <a:srgbClr val="000000"/>
                     </a:solidFill>
@@ -11521,7 +11522,7 @@
               </a:ln>
               <a:extLst>
                 <a:ext uri="{91240B29-F687-4f45-9708-019B960494DF}">
-                  <a14:hiddenLine xmlns:a14="http://schemas.microsoft.com/office/drawing/2010/main" xmlns="" w="9525">
+                  <a14:hiddenLine xmlns="" xmlns:a14="http://schemas.microsoft.com/office/drawing/2010/main" w="9525">
                     <a:solidFill>
                       <a:srgbClr val="000000"/>
                     </a:solidFill>
@@ -11611,7 +11612,7 @@
               </a:ln>
               <a:extLst>
                 <a:ext uri="{91240B29-F687-4f45-9708-019B960494DF}">
-                  <a14:hiddenLine xmlns:a14="http://schemas.microsoft.com/office/drawing/2010/main" xmlns="" w="9525">
+                  <a14:hiddenLine xmlns="" xmlns:a14="http://schemas.microsoft.com/office/drawing/2010/main" w="9525">
                     <a:solidFill>
                       <a:srgbClr val="000000"/>
                     </a:solidFill>
@@ -11679,7 +11680,7 @@
               </a:ln>
               <a:extLst>
                 <a:ext uri="{91240B29-F687-4f45-9708-019B960494DF}">
-                  <a14:hiddenLine xmlns:a14="http://schemas.microsoft.com/office/drawing/2010/main" xmlns="" w="9525">
+                  <a14:hiddenLine xmlns="" xmlns:a14="http://schemas.microsoft.com/office/drawing/2010/main" w="9525">
                     <a:solidFill>
                       <a:srgbClr val="000000"/>
                     </a:solidFill>
@@ -11769,7 +11770,7 @@
               </a:ln>
               <a:extLst>
                 <a:ext uri="{91240B29-F687-4f45-9708-019B960494DF}">
-                  <a14:hiddenLine xmlns:a14="http://schemas.microsoft.com/office/drawing/2010/main" xmlns="" w="9525">
+                  <a14:hiddenLine xmlns="" xmlns:a14="http://schemas.microsoft.com/office/drawing/2010/main" w="9525">
                     <a:solidFill>
                       <a:srgbClr val="000000"/>
                     </a:solidFill>
@@ -11803,7 +11804,7 @@
               </a:ln>
               <a:extLst>
                 <a:ext uri="{91240B29-F687-4f45-9708-019B960494DF}">
-                  <a14:hiddenLine xmlns:a14="http://schemas.microsoft.com/office/drawing/2010/main" xmlns="" w="9525">
+                  <a14:hiddenLine xmlns="" xmlns:a14="http://schemas.microsoft.com/office/drawing/2010/main" w="9525">
                     <a:solidFill>
                       <a:srgbClr val="000000"/>
                     </a:solidFill>
@@ -11944,7 +11945,7 @@
             <a:fld id="{48A87A34-81AB-432B-8DAE-1953F412C126}" type="datetimeFigureOut">
               <a:rPr lang="en-US" dirty="0"/>
               <a:pPr/>
-              <a:t>9/7/2018</a:t>
+              <a:t>9/25/2018</a:t>
             </a:fld>
             <a:endParaRPr lang="en-US" dirty="0"/>
           </a:p>
@@ -13086,7 +13087,7 @@
               </a:ln>
               <a:extLst>
                 <a:ext uri="{91240B29-F687-4f45-9708-019B960494DF}">
-                  <a14:hiddenLine xmlns:a14="http://schemas.microsoft.com/office/drawing/2010/main" xmlns:p14="http://schemas.microsoft.com/office/powerpoint/2010/main" xmlns:a16="http://schemas.microsoft.com/office/drawing/2014/main" xmlns="" w="9525">
+                  <a14:hiddenLine xmlns="" xmlns:a16="http://schemas.microsoft.com/office/drawing/2014/main" xmlns:p14="http://schemas.microsoft.com/office/powerpoint/2010/main" xmlns:a14="http://schemas.microsoft.com/office/drawing/2010/main" w="9525">
                     <a:solidFill>
                       <a:srgbClr val="000000"/>
                     </a:solidFill>
@@ -13191,7 +13192,7 @@
               </a:ln>
               <a:extLst>
                 <a:ext uri="{91240B29-F687-4f45-9708-019B960494DF}">
-                  <a14:hiddenLine xmlns:a14="http://schemas.microsoft.com/office/drawing/2010/main" xmlns:p14="http://schemas.microsoft.com/office/powerpoint/2010/main" xmlns:a16="http://schemas.microsoft.com/office/drawing/2014/main" xmlns="" w="9525">
+                  <a14:hiddenLine xmlns="" xmlns:a16="http://schemas.microsoft.com/office/drawing/2014/main" xmlns:p14="http://schemas.microsoft.com/office/powerpoint/2010/main" xmlns:a14="http://schemas.microsoft.com/office/drawing/2010/main" w="9525">
                     <a:solidFill>
                       <a:srgbClr val="000000"/>
                     </a:solidFill>
@@ -13296,7 +13297,7 @@
               </a:ln>
               <a:extLst>
                 <a:ext uri="{91240B29-F687-4f45-9708-019B960494DF}">
-                  <a14:hiddenLine xmlns:a14="http://schemas.microsoft.com/office/drawing/2010/main" xmlns:p14="http://schemas.microsoft.com/office/powerpoint/2010/main" xmlns:a16="http://schemas.microsoft.com/office/drawing/2014/main" xmlns="" w="9525">
+                  <a14:hiddenLine xmlns="" xmlns:a16="http://schemas.microsoft.com/office/drawing/2014/main" xmlns:p14="http://schemas.microsoft.com/office/powerpoint/2010/main" xmlns:a14="http://schemas.microsoft.com/office/drawing/2010/main" w="9525">
                     <a:solidFill>
                       <a:srgbClr val="000000"/>
                     </a:solidFill>
@@ -13373,7 +13374,7 @@
               </a:ln>
               <a:extLst>
                 <a:ext uri="{91240B29-F687-4f45-9708-019B960494DF}">
-                  <a14:hiddenLine xmlns:a14="http://schemas.microsoft.com/office/drawing/2010/main" xmlns:p14="http://schemas.microsoft.com/office/powerpoint/2010/main" xmlns:a16="http://schemas.microsoft.com/office/drawing/2014/main" xmlns="" w="9525">
+                  <a14:hiddenLine xmlns="" xmlns:a16="http://schemas.microsoft.com/office/drawing/2014/main" xmlns:p14="http://schemas.microsoft.com/office/powerpoint/2010/main" xmlns:a14="http://schemas.microsoft.com/office/drawing/2010/main" w="9525">
                     <a:solidFill>
                       <a:srgbClr val="000000"/>
                     </a:solidFill>
@@ -13478,7 +13479,7 @@
               </a:ln>
               <a:extLst>
                 <a:ext uri="{91240B29-F687-4f45-9708-019B960494DF}">
-                  <a14:hiddenLine xmlns:a14="http://schemas.microsoft.com/office/drawing/2010/main" xmlns:p14="http://schemas.microsoft.com/office/powerpoint/2010/main" xmlns:a16="http://schemas.microsoft.com/office/drawing/2014/main" xmlns="" w="9525">
+                  <a14:hiddenLine xmlns="" xmlns:a16="http://schemas.microsoft.com/office/drawing/2014/main" xmlns:p14="http://schemas.microsoft.com/office/powerpoint/2010/main" xmlns:a14="http://schemas.microsoft.com/office/drawing/2010/main" w="9525">
                     <a:solidFill>
                       <a:srgbClr val="000000"/>
                     </a:solidFill>
@@ -13555,7 +13556,7 @@
               </a:ln>
               <a:extLst>
                 <a:ext uri="{91240B29-F687-4f45-9708-019B960494DF}">
-                  <a14:hiddenLine xmlns:a14="http://schemas.microsoft.com/office/drawing/2010/main" xmlns:p14="http://schemas.microsoft.com/office/powerpoint/2010/main" xmlns:a16="http://schemas.microsoft.com/office/drawing/2014/main" xmlns="" w="9525">
+                  <a14:hiddenLine xmlns="" xmlns:a16="http://schemas.microsoft.com/office/drawing/2014/main" xmlns:p14="http://schemas.microsoft.com/office/powerpoint/2010/main" xmlns:a14="http://schemas.microsoft.com/office/drawing/2010/main" w="9525">
                     <a:solidFill>
                       <a:srgbClr val="000000"/>
                     </a:solidFill>
@@ -13632,7 +13633,7 @@
               </a:ln>
               <a:extLst>
                 <a:ext uri="{91240B29-F687-4f45-9708-019B960494DF}">
-                  <a14:hiddenLine xmlns:a14="http://schemas.microsoft.com/office/drawing/2010/main" xmlns:p14="http://schemas.microsoft.com/office/powerpoint/2010/main" xmlns:a16="http://schemas.microsoft.com/office/drawing/2014/main" xmlns="" w="9525">
+                  <a14:hiddenLine xmlns="" xmlns:a16="http://schemas.microsoft.com/office/drawing/2014/main" xmlns:p14="http://schemas.microsoft.com/office/powerpoint/2010/main" xmlns:a14="http://schemas.microsoft.com/office/drawing/2010/main" w="9525">
                     <a:solidFill>
                       <a:srgbClr val="000000"/>
                     </a:solidFill>
@@ -13737,7 +13738,7 @@
               </a:ln>
               <a:extLst>
                 <a:ext uri="{91240B29-F687-4f45-9708-019B960494DF}">
-                  <a14:hiddenLine xmlns:a14="http://schemas.microsoft.com/office/drawing/2010/main" xmlns:p14="http://schemas.microsoft.com/office/powerpoint/2010/main" xmlns:a16="http://schemas.microsoft.com/office/drawing/2014/main" xmlns="" w="9525">
+                  <a14:hiddenLine xmlns="" xmlns:a16="http://schemas.microsoft.com/office/drawing/2014/main" xmlns:p14="http://schemas.microsoft.com/office/powerpoint/2010/main" xmlns:a14="http://schemas.microsoft.com/office/drawing/2010/main" w="9525">
                     <a:solidFill>
                       <a:srgbClr val="000000"/>
                     </a:solidFill>
@@ -13842,7 +13843,7 @@
               </a:ln>
               <a:extLst>
                 <a:ext uri="{91240B29-F687-4f45-9708-019B960494DF}">
-                  <a14:hiddenLine xmlns:a14="http://schemas.microsoft.com/office/drawing/2010/main" xmlns:p14="http://schemas.microsoft.com/office/powerpoint/2010/main" xmlns:a16="http://schemas.microsoft.com/office/drawing/2014/main" xmlns="" w="9525">
+                  <a14:hiddenLine xmlns="" xmlns:a16="http://schemas.microsoft.com/office/drawing/2014/main" xmlns:p14="http://schemas.microsoft.com/office/powerpoint/2010/main" xmlns:a14="http://schemas.microsoft.com/office/drawing/2010/main" w="9525">
                     <a:solidFill>
                       <a:srgbClr val="000000"/>
                     </a:solidFill>
@@ -13919,7 +13920,7 @@
               </a:ln>
               <a:extLst>
                 <a:ext uri="{91240B29-F687-4f45-9708-019B960494DF}">
-                  <a14:hiddenLine xmlns:a14="http://schemas.microsoft.com/office/drawing/2010/main" xmlns:p14="http://schemas.microsoft.com/office/powerpoint/2010/main" xmlns:a16="http://schemas.microsoft.com/office/drawing/2014/main" xmlns="" w="9525">
+                  <a14:hiddenLine xmlns="" xmlns:a16="http://schemas.microsoft.com/office/drawing/2014/main" xmlns:p14="http://schemas.microsoft.com/office/powerpoint/2010/main" xmlns:a14="http://schemas.microsoft.com/office/drawing/2010/main" w="9525">
                     <a:solidFill>
                       <a:srgbClr val="000000"/>
                     </a:solidFill>
@@ -14044,7 +14045,7 @@
               </a:ln>
               <a:extLst>
                 <a:ext uri="{91240B29-F687-4f45-9708-019B960494DF}">
-                  <a14:hiddenLine xmlns:a14="http://schemas.microsoft.com/office/drawing/2010/main" xmlns:p14="http://schemas.microsoft.com/office/powerpoint/2010/main" xmlns:a16="http://schemas.microsoft.com/office/drawing/2014/main" xmlns="" w="9525">
+                  <a14:hiddenLine xmlns="" xmlns:a16="http://schemas.microsoft.com/office/drawing/2014/main" xmlns:p14="http://schemas.microsoft.com/office/powerpoint/2010/main" xmlns:a14="http://schemas.microsoft.com/office/drawing/2010/main" w="9525">
                     <a:solidFill>
                       <a:srgbClr val="000000"/>
                     </a:solidFill>
@@ -14158,7 +14159,7 @@
               </a:ln>
               <a:extLst>
                 <a:ext uri="{91240B29-F687-4f45-9708-019B960494DF}">
-                  <a14:hiddenLine xmlns:a14="http://schemas.microsoft.com/office/drawing/2010/main" xmlns:p14="http://schemas.microsoft.com/office/powerpoint/2010/main" xmlns:a16="http://schemas.microsoft.com/office/drawing/2014/main" xmlns="" w="9525">
+                  <a14:hiddenLine xmlns="" xmlns:a16="http://schemas.microsoft.com/office/drawing/2014/main" xmlns:p14="http://schemas.microsoft.com/office/powerpoint/2010/main" xmlns:a14="http://schemas.microsoft.com/office/drawing/2010/main" w="9525">
                     <a:solidFill>
                       <a:srgbClr val="000000"/>
                     </a:solidFill>
@@ -14235,7 +14236,7 @@
               </a:ln>
               <a:extLst>
                 <a:ext uri="{91240B29-F687-4f45-9708-019B960494DF}">
-                  <a14:hiddenLine xmlns:a14="http://schemas.microsoft.com/office/drawing/2010/main" xmlns:p14="http://schemas.microsoft.com/office/powerpoint/2010/main" xmlns:a16="http://schemas.microsoft.com/office/drawing/2014/main" xmlns="" w="9525">
+                  <a14:hiddenLine xmlns="" xmlns:a16="http://schemas.microsoft.com/office/drawing/2014/main" xmlns:p14="http://schemas.microsoft.com/office/powerpoint/2010/main" xmlns:a14="http://schemas.microsoft.com/office/drawing/2010/main" w="9525">
                     <a:solidFill>
                       <a:srgbClr val="000000"/>
                     </a:solidFill>
@@ -14312,7 +14313,7 @@
               </a:ln>
               <a:extLst>
                 <a:ext uri="{91240B29-F687-4f45-9708-019B960494DF}">
-                  <a14:hiddenLine xmlns:a14="http://schemas.microsoft.com/office/drawing/2010/main" xmlns:p14="http://schemas.microsoft.com/office/powerpoint/2010/main" xmlns:a16="http://schemas.microsoft.com/office/drawing/2014/main" xmlns="" w="9525">
+                  <a14:hiddenLine xmlns="" xmlns:a16="http://schemas.microsoft.com/office/drawing/2014/main" xmlns:p14="http://schemas.microsoft.com/office/powerpoint/2010/main" xmlns:a14="http://schemas.microsoft.com/office/drawing/2010/main" w="9525">
                     <a:solidFill>
                       <a:srgbClr val="000000"/>
                     </a:solidFill>
@@ -14417,7 +14418,7 @@
               </a:ln>
               <a:extLst>
                 <a:ext uri="{91240B29-F687-4f45-9708-019B960494DF}">
-                  <a14:hiddenLine xmlns:a14="http://schemas.microsoft.com/office/drawing/2010/main" xmlns:p14="http://schemas.microsoft.com/office/powerpoint/2010/main" xmlns:a16="http://schemas.microsoft.com/office/drawing/2014/main" xmlns="" w="9525">
+                  <a14:hiddenLine xmlns="" xmlns:a16="http://schemas.microsoft.com/office/drawing/2014/main" xmlns:p14="http://schemas.microsoft.com/office/powerpoint/2010/main" xmlns:a14="http://schemas.microsoft.com/office/drawing/2010/main" w="9525">
                     <a:solidFill>
                       <a:srgbClr val="000000"/>
                     </a:solidFill>
@@ -14466,7 +14467,7 @@
               </a:ln>
               <a:extLst>
                 <a:ext uri="{91240B29-F687-4f45-9708-019B960494DF}">
-                  <a14:hiddenLine xmlns:a14="http://schemas.microsoft.com/office/drawing/2010/main" xmlns:p14="http://schemas.microsoft.com/office/powerpoint/2010/main" xmlns:a16="http://schemas.microsoft.com/office/drawing/2014/main" xmlns="" w="9525">
+                  <a14:hiddenLine xmlns="" xmlns:a16="http://schemas.microsoft.com/office/drawing/2014/main" xmlns:p14="http://schemas.microsoft.com/office/powerpoint/2010/main" xmlns:a14="http://schemas.microsoft.com/office/drawing/2010/main" w="9525">
                     <a:solidFill>
                       <a:srgbClr val="000000"/>
                     </a:solidFill>
@@ -14546,7 +14547,7 @@
               </a:ln>
               <a:extLst>
                 <a:ext uri="{91240B29-F687-4f45-9708-019B960494DF}">
-                  <a14:hiddenLine xmlns:a14="http://schemas.microsoft.com/office/drawing/2010/main" xmlns:p14="http://schemas.microsoft.com/office/powerpoint/2010/main" xmlns:a16="http://schemas.microsoft.com/office/drawing/2014/main" xmlns="" w="9525">
+                  <a14:hiddenLine xmlns="" xmlns:a16="http://schemas.microsoft.com/office/drawing/2014/main" xmlns:p14="http://schemas.microsoft.com/office/powerpoint/2010/main" xmlns:a14="http://schemas.microsoft.com/office/drawing/2010/main" w="9525">
                     <a:solidFill>
                       <a:srgbClr val="000000"/>
                     </a:solidFill>
@@ -14651,7 +14652,7 @@
               </a:ln>
               <a:extLst>
                 <a:ext uri="{91240B29-F687-4f45-9708-019B960494DF}">
-                  <a14:hiddenLine xmlns:a14="http://schemas.microsoft.com/office/drawing/2010/main" xmlns:p14="http://schemas.microsoft.com/office/powerpoint/2010/main" xmlns:a16="http://schemas.microsoft.com/office/drawing/2014/main" xmlns="" w="9525">
+                  <a14:hiddenLine xmlns="" xmlns:a16="http://schemas.microsoft.com/office/drawing/2014/main" xmlns:p14="http://schemas.microsoft.com/office/powerpoint/2010/main" xmlns:a14="http://schemas.microsoft.com/office/drawing/2010/main" w="9525">
                     <a:solidFill>
                       <a:srgbClr val="000000"/>
                     </a:solidFill>
@@ -14728,7 +14729,7 @@
               </a:ln>
               <a:extLst>
                 <a:ext uri="{91240B29-F687-4f45-9708-019B960494DF}">
-                  <a14:hiddenLine xmlns:a14="http://schemas.microsoft.com/office/drawing/2010/main" xmlns:p14="http://schemas.microsoft.com/office/powerpoint/2010/main" xmlns:a16="http://schemas.microsoft.com/office/drawing/2014/main" xmlns="" w="9525">
+                  <a14:hiddenLine xmlns="" xmlns:a16="http://schemas.microsoft.com/office/drawing/2014/main" xmlns:p14="http://schemas.microsoft.com/office/powerpoint/2010/main" xmlns:a14="http://schemas.microsoft.com/office/drawing/2010/main" w="9525">
                     <a:solidFill>
                       <a:srgbClr val="000000"/>
                     </a:solidFill>
@@ -14833,7 +14834,7 @@
               </a:ln>
               <a:extLst>
                 <a:ext uri="{91240B29-F687-4f45-9708-019B960494DF}">
-                  <a14:hiddenLine xmlns:a14="http://schemas.microsoft.com/office/drawing/2010/main" xmlns:p14="http://schemas.microsoft.com/office/powerpoint/2010/main" xmlns:a16="http://schemas.microsoft.com/office/drawing/2014/main" xmlns="" w="9525">
+                  <a14:hiddenLine xmlns="" xmlns:a16="http://schemas.microsoft.com/office/drawing/2014/main" xmlns:p14="http://schemas.microsoft.com/office/powerpoint/2010/main" xmlns:a14="http://schemas.microsoft.com/office/drawing/2010/main" w="9525">
                     <a:solidFill>
                       <a:srgbClr val="000000"/>
                     </a:solidFill>
@@ -14913,7 +14914,7 @@
               </a:ln>
               <a:extLst>
                 <a:ext uri="{91240B29-F687-4f45-9708-019B960494DF}">
-                  <a14:hiddenLine xmlns:a14="http://schemas.microsoft.com/office/drawing/2010/main" xmlns:p14="http://schemas.microsoft.com/office/powerpoint/2010/main" xmlns:a16="http://schemas.microsoft.com/office/drawing/2014/main" xmlns="" w="9525">
+                  <a14:hiddenLine xmlns="" xmlns:a16="http://schemas.microsoft.com/office/drawing/2014/main" xmlns:p14="http://schemas.microsoft.com/office/powerpoint/2010/main" xmlns:a14="http://schemas.microsoft.com/office/drawing/2010/main" w="9525">
                     <a:solidFill>
                       <a:srgbClr val="000000"/>
                     </a:solidFill>
@@ -14990,7 +14991,7 @@
               </a:ln>
               <a:extLst>
                 <a:ext uri="{91240B29-F687-4f45-9708-019B960494DF}">
-                  <a14:hiddenLine xmlns:a14="http://schemas.microsoft.com/office/drawing/2010/main" xmlns:p14="http://schemas.microsoft.com/office/powerpoint/2010/main" xmlns:a16="http://schemas.microsoft.com/office/drawing/2014/main" xmlns="" w="9525">
+                  <a14:hiddenLine xmlns="" xmlns:a16="http://schemas.microsoft.com/office/drawing/2014/main" xmlns:p14="http://schemas.microsoft.com/office/powerpoint/2010/main" xmlns:a14="http://schemas.microsoft.com/office/drawing/2010/main" w="9525">
                     <a:solidFill>
                       <a:srgbClr val="000000"/>
                     </a:solidFill>
@@ -15095,7 +15096,7 @@
               </a:ln>
               <a:extLst>
                 <a:ext uri="{91240B29-F687-4f45-9708-019B960494DF}">
-                  <a14:hiddenLine xmlns:a14="http://schemas.microsoft.com/office/drawing/2010/main" xmlns:p14="http://schemas.microsoft.com/office/powerpoint/2010/main" xmlns:a16="http://schemas.microsoft.com/office/drawing/2014/main" xmlns="" w="9525">
+                  <a14:hiddenLine xmlns="" xmlns:a16="http://schemas.microsoft.com/office/drawing/2014/main" xmlns:p14="http://schemas.microsoft.com/office/powerpoint/2010/main" xmlns:a14="http://schemas.microsoft.com/office/drawing/2010/main" w="9525">
                     <a:solidFill>
                       <a:srgbClr val="000000"/>
                     </a:solidFill>
@@ -15200,7 +15201,7 @@
               </a:ln>
               <a:extLst>
                 <a:ext uri="{91240B29-F687-4f45-9708-019B960494DF}">
-                  <a14:hiddenLine xmlns:a14="http://schemas.microsoft.com/office/drawing/2010/main" xmlns:p14="http://schemas.microsoft.com/office/powerpoint/2010/main" xmlns:a16="http://schemas.microsoft.com/office/drawing/2014/main" xmlns="" w="9525">
+                  <a14:hiddenLine xmlns="" xmlns:a16="http://schemas.microsoft.com/office/drawing/2014/main" xmlns:p14="http://schemas.microsoft.com/office/powerpoint/2010/main" xmlns:a14="http://schemas.microsoft.com/office/drawing/2010/main" w="9525">
                     <a:solidFill>
                       <a:srgbClr val="000000"/>
                     </a:solidFill>
@@ -15280,7 +15281,7 @@
               </a:ln>
               <a:extLst>
                 <a:ext uri="{91240B29-F687-4f45-9708-019B960494DF}">
-                  <a14:hiddenLine xmlns:a14="http://schemas.microsoft.com/office/drawing/2010/main" xmlns:p14="http://schemas.microsoft.com/office/powerpoint/2010/main" xmlns:a16="http://schemas.microsoft.com/office/drawing/2014/main" xmlns="" w="9525">
+                  <a14:hiddenLine xmlns="" xmlns:a16="http://schemas.microsoft.com/office/drawing/2014/main" xmlns:p14="http://schemas.microsoft.com/office/powerpoint/2010/main" xmlns:a14="http://schemas.microsoft.com/office/drawing/2010/main" w="9525">
                     <a:solidFill>
                       <a:srgbClr val="000000"/>
                     </a:solidFill>
@@ -15415,7 +15416,7 @@
               </a:ln>
               <a:extLst>
                 <a:ext uri="{91240B29-F687-4f45-9708-019B960494DF}">
-                  <a14:hiddenLine xmlns:a14="http://schemas.microsoft.com/office/drawing/2010/main" xmlns:p14="http://schemas.microsoft.com/office/powerpoint/2010/main" xmlns:a16="http://schemas.microsoft.com/office/drawing/2014/main" xmlns="" w="9525">
+                  <a14:hiddenLine xmlns="" xmlns:a16="http://schemas.microsoft.com/office/drawing/2014/main" xmlns:p14="http://schemas.microsoft.com/office/powerpoint/2010/main" xmlns:a14="http://schemas.microsoft.com/office/drawing/2010/main" w="9525">
                     <a:solidFill>
                       <a:srgbClr val="000000"/>
                     </a:solidFill>
@@ -15540,7 +15541,7 @@
               </a:ln>
               <a:extLst>
                 <a:ext uri="{91240B29-F687-4f45-9708-019B960494DF}">
-                  <a14:hiddenLine xmlns:a14="http://schemas.microsoft.com/office/drawing/2010/main" xmlns:p14="http://schemas.microsoft.com/office/powerpoint/2010/main" xmlns:a16="http://schemas.microsoft.com/office/drawing/2014/main" xmlns="" w="9525">
+                  <a14:hiddenLine xmlns="" xmlns:a16="http://schemas.microsoft.com/office/drawing/2014/main" xmlns:p14="http://schemas.microsoft.com/office/powerpoint/2010/main" xmlns:a14="http://schemas.microsoft.com/office/drawing/2010/main" w="9525">
                     <a:solidFill>
                       <a:srgbClr val="000000"/>
                     </a:solidFill>
@@ -15670,7 +15671,7 @@
               </a:ln>
               <a:extLst>
                 <a:ext uri="{91240B29-F687-4f45-9708-019B960494DF}">
-                  <a14:hiddenLine xmlns:a14="http://schemas.microsoft.com/office/drawing/2010/main" xmlns:p14="http://schemas.microsoft.com/office/powerpoint/2010/main" xmlns:a16="http://schemas.microsoft.com/office/drawing/2014/main" xmlns="" w="9525">
+                  <a14:hiddenLine xmlns="" xmlns:a16="http://schemas.microsoft.com/office/drawing/2014/main" xmlns:p14="http://schemas.microsoft.com/office/powerpoint/2010/main" xmlns:a14="http://schemas.microsoft.com/office/drawing/2010/main" w="9525">
                     <a:solidFill>
                       <a:srgbClr val="000000"/>
                     </a:solidFill>
@@ -15775,7 +15776,7 @@
               </a:ln>
               <a:extLst>
                 <a:ext uri="{91240B29-F687-4f45-9708-019B960494DF}">
-                  <a14:hiddenLine xmlns:a14="http://schemas.microsoft.com/office/drawing/2010/main" xmlns:p14="http://schemas.microsoft.com/office/powerpoint/2010/main" xmlns:a16="http://schemas.microsoft.com/office/drawing/2014/main" xmlns="" w="9525">
+                  <a14:hiddenLine xmlns="" xmlns:a16="http://schemas.microsoft.com/office/drawing/2014/main" xmlns:p14="http://schemas.microsoft.com/office/powerpoint/2010/main" xmlns:a14="http://schemas.microsoft.com/office/drawing/2010/main" w="9525">
                     <a:solidFill>
                       <a:srgbClr val="000000"/>
                     </a:solidFill>
@@ -15855,7 +15856,7 @@
               </a:ln>
               <a:extLst>
                 <a:ext uri="{91240B29-F687-4f45-9708-019B960494DF}">
-                  <a14:hiddenLine xmlns:a14="http://schemas.microsoft.com/office/drawing/2010/main" xmlns:p14="http://schemas.microsoft.com/office/powerpoint/2010/main" xmlns:a16="http://schemas.microsoft.com/office/drawing/2014/main" xmlns="" w="9525">
+                  <a14:hiddenLine xmlns="" xmlns:a16="http://schemas.microsoft.com/office/drawing/2014/main" xmlns:p14="http://schemas.microsoft.com/office/powerpoint/2010/main" xmlns:a14="http://schemas.microsoft.com/office/drawing/2010/main" w="9525">
                     <a:solidFill>
                       <a:srgbClr val="000000"/>
                     </a:solidFill>
@@ -15960,7 +15961,7 @@
               </a:ln>
               <a:extLst>
                 <a:ext uri="{91240B29-F687-4f45-9708-019B960494DF}">
-                  <a14:hiddenLine xmlns:a14="http://schemas.microsoft.com/office/drawing/2010/main" xmlns:p14="http://schemas.microsoft.com/office/powerpoint/2010/main" xmlns:a16="http://schemas.microsoft.com/office/drawing/2014/main" xmlns="" w="9525">
+                  <a14:hiddenLine xmlns="" xmlns:a16="http://schemas.microsoft.com/office/drawing/2014/main" xmlns:p14="http://schemas.microsoft.com/office/powerpoint/2010/main" xmlns:a14="http://schemas.microsoft.com/office/drawing/2010/main" w="9525">
                     <a:solidFill>
                       <a:srgbClr val="000000"/>
                     </a:solidFill>
@@ -16043,7 +16044,7 @@
               </a:ln>
               <a:extLst>
                 <a:ext uri="{91240B29-F687-4f45-9708-019B960494DF}">
-                  <a14:hiddenLine xmlns:a14="http://schemas.microsoft.com/office/drawing/2010/main" xmlns:p14="http://schemas.microsoft.com/office/powerpoint/2010/main" xmlns:a16="http://schemas.microsoft.com/office/drawing/2014/main" xmlns="" w="9525">
+                  <a14:hiddenLine xmlns="" xmlns:a16="http://schemas.microsoft.com/office/drawing/2014/main" xmlns:p14="http://schemas.microsoft.com/office/powerpoint/2010/main" xmlns:a14="http://schemas.microsoft.com/office/drawing/2010/main" w="9525">
                     <a:solidFill>
                       <a:srgbClr val="000000"/>
                     </a:solidFill>
@@ -16148,7 +16149,7 @@
               </a:ln>
               <a:extLst>
                 <a:ext uri="{91240B29-F687-4f45-9708-019B960494DF}">
-                  <a14:hiddenLine xmlns:a14="http://schemas.microsoft.com/office/drawing/2010/main" xmlns:p14="http://schemas.microsoft.com/office/powerpoint/2010/main" xmlns:a16="http://schemas.microsoft.com/office/drawing/2014/main" xmlns="" w="9525">
+                  <a14:hiddenLine xmlns="" xmlns:a16="http://schemas.microsoft.com/office/drawing/2014/main" xmlns:p14="http://schemas.microsoft.com/office/powerpoint/2010/main" xmlns:a14="http://schemas.microsoft.com/office/drawing/2010/main" w="9525">
                     <a:solidFill>
                       <a:srgbClr val="000000"/>
                     </a:solidFill>
@@ -16231,7 +16232,7 @@
               </a:ln>
               <a:extLst>
                 <a:ext uri="{91240B29-F687-4f45-9708-019B960494DF}">
-                  <a14:hiddenLine xmlns:a14="http://schemas.microsoft.com/office/drawing/2010/main" xmlns:p14="http://schemas.microsoft.com/office/powerpoint/2010/main" xmlns:a16="http://schemas.microsoft.com/office/drawing/2014/main" xmlns="" w="9525">
+                  <a14:hiddenLine xmlns="" xmlns:a16="http://schemas.microsoft.com/office/drawing/2014/main" xmlns:p14="http://schemas.microsoft.com/office/powerpoint/2010/main" xmlns:a14="http://schemas.microsoft.com/office/drawing/2010/main" w="9525">
                     <a:solidFill>
                       <a:srgbClr val="000000"/>
                     </a:solidFill>
@@ -16336,7 +16337,7 @@
               </a:ln>
               <a:extLst>
                 <a:ext uri="{91240B29-F687-4f45-9708-019B960494DF}">
-                  <a14:hiddenLine xmlns:a14="http://schemas.microsoft.com/office/drawing/2010/main" xmlns:p14="http://schemas.microsoft.com/office/powerpoint/2010/main" xmlns:a16="http://schemas.microsoft.com/office/drawing/2014/main" xmlns="" w="9525">
+                  <a14:hiddenLine xmlns="" xmlns:a16="http://schemas.microsoft.com/office/drawing/2014/main" xmlns:p14="http://schemas.microsoft.com/office/powerpoint/2010/main" xmlns:a14="http://schemas.microsoft.com/office/drawing/2010/main" w="9525">
                     <a:solidFill>
                       <a:srgbClr val="000000"/>
                     </a:solidFill>
@@ -16385,7 +16386,7 @@
               </a:ln>
               <a:extLst>
                 <a:ext uri="{91240B29-F687-4f45-9708-019B960494DF}">
-                  <a14:hiddenLine xmlns:a14="http://schemas.microsoft.com/office/drawing/2010/main" xmlns:p14="http://schemas.microsoft.com/office/powerpoint/2010/main" xmlns:a16="http://schemas.microsoft.com/office/drawing/2014/main" xmlns="" w="9525">
+                  <a14:hiddenLine xmlns="" xmlns:a16="http://schemas.microsoft.com/office/drawing/2014/main" xmlns:p14="http://schemas.microsoft.com/office/powerpoint/2010/main" xmlns:a14="http://schemas.microsoft.com/office/drawing/2010/main" w="9525">
                     <a:solidFill>
                       <a:srgbClr val="000000"/>
                     </a:solidFill>
@@ -16447,7 +16448,7 @@
           <a:noFill/>
           <a:extLst>
             <a:ext uri="{909E8E84-426E-40dd-AFC4-6F175D3DCCD1}">
-              <a14:hiddenFill xmlns:a14="http://schemas.microsoft.com/office/drawing/2010/main" xmlns:p14="http://schemas.microsoft.com/office/powerpoint/2010/main" xmlns:a16="http://schemas.microsoft.com/office/drawing/2014/main" xmlns="">
+              <a14:hiddenFill xmlns="" xmlns:a16="http://schemas.microsoft.com/office/drawing/2014/main" xmlns:p14="http://schemas.microsoft.com/office/powerpoint/2010/main" xmlns:a14="http://schemas.microsoft.com/office/drawing/2010/main">
                 <a:solidFill>
                   <a:srgbClr val="FFFFFF"/>
                 </a:solidFill>
@@ -16641,6 +16642,144 @@
   </p:cSld>
   <p:clrMapOvr>
     <a:overrideClrMapping bg1="lt1" tx1="dk1" bg2="lt2" tx2="dk2" accent1="accent1" accent2="accent2" accent3="accent3" accent4="accent4" accent5="accent5" accent6="accent6" hlink="hlink" folHlink="folHlink"/>
+  </p:clrMapOvr>
+</p:sld>
+</file>
+
+<file path=ppt/slides/slide14.xml><?xml version="1.0" encoding="utf-8"?>
+<p:sld xmlns:a="http://schemas.openxmlformats.org/drawingml/2006/main" xmlns:r="http://schemas.openxmlformats.org/officeDocument/2006/relationships" xmlns:p="http://schemas.openxmlformats.org/presentationml/2006/main">
+  <p:cSld>
+    <p:spTree>
+      <p:nvGrpSpPr>
+        <p:cNvPr id="1" name=""/>
+        <p:cNvGrpSpPr/>
+        <p:nvPr/>
+      </p:nvGrpSpPr>
+      <p:grpSpPr>
+        <a:xfrm>
+          <a:off x="0" y="0"/>
+          <a:ext cx="0" cy="0"/>
+          <a:chOff x="0" y="0"/>
+          <a:chExt cx="0" cy="0"/>
+        </a:xfrm>
+      </p:grpSpPr>
+      <p:sp>
+        <p:nvSpPr>
+          <p:cNvPr id="2" name="Título 1">
+            <a:extLst>
+              <a:ext uri="{FF2B5EF4-FFF2-40B4-BE49-F238E27FC236}">
+                <a16:creationId xmlns:a16="http://schemas.microsoft.com/office/drawing/2014/main" id="{1260820F-52C6-4FA5-9241-4652A66EEEA7}"/>
+              </a:ext>
+            </a:extLst>
+          </p:cNvPr>
+          <p:cNvSpPr>
+            <a:spLocks noGrp="1"/>
+          </p:cNvSpPr>
+          <p:nvPr>
+            <p:ph type="title"/>
+          </p:nvPr>
+        </p:nvSpPr>
+        <p:spPr/>
+        <p:txBody>
+          <a:bodyPr/>
+          <a:lstStyle/>
+          <a:p>
+            <a:r>
+              <a:rPr lang="es-ES" dirty="0"/>
+              <a:t>Estimación </a:t>
+            </a:r>
+            <a:endParaRPr lang="es-CL" dirty="0"/>
+          </a:p>
+        </p:txBody>
+      </p:sp>
+      <p:sp>
+        <p:nvSpPr>
+          <p:cNvPr id="3" name="Marcador de contenido 2">
+            <a:extLst>
+              <a:ext uri="{FF2B5EF4-FFF2-40B4-BE49-F238E27FC236}">
+                <a16:creationId xmlns:a16="http://schemas.microsoft.com/office/drawing/2014/main" id="{6C7D35D6-0C97-4B10-AA5F-68DB9F8F48F4}"/>
+              </a:ext>
+            </a:extLst>
+          </p:cNvPr>
+          <p:cNvSpPr>
+            <a:spLocks noGrp="1"/>
+          </p:cNvSpPr>
+          <p:nvPr>
+            <p:ph idx="1"/>
+          </p:nvPr>
+        </p:nvSpPr>
+        <p:spPr/>
+        <p:txBody>
+          <a:bodyPr/>
+          <a:lstStyle/>
+          <a:p>
+            <a:r>
+              <a:rPr lang="es-ES" dirty="0"/>
+              <a:t>Mediante el software Enterprise Architect calculamos las horas necesarias para desarrollar el proyecto</a:t>
+            </a:r>
+          </a:p>
+          <a:p>
+            <a:endParaRPr lang="es-ES" dirty="0"/>
+          </a:p>
+          <a:p>
+            <a:pPr marL="0" indent="0">
+              <a:buNone/>
+            </a:pPr>
+            <a:r>
+              <a:rPr lang="es-CL" dirty="0"/>
+              <a:t>Esfuerzo de trabajo estimado = 480 Horas</a:t>
+            </a:r>
+          </a:p>
+          <a:p>
+            <a:pPr marL="0" indent="0">
+              <a:buNone/>
+            </a:pPr>
+            <a:r>
+              <a:rPr lang="es-ES" dirty="0"/>
+              <a:t>1</a:t>
+            </a:r>
+            <a:r>
+              <a:rPr lang="es-CL" dirty="0"/>
+              <a:t>60 Hrs Mensuales = </a:t>
+            </a:r>
+            <a:r>
+              <a:rPr lang="es-ES" dirty="0"/>
+              <a:t>1</a:t>
+            </a:r>
+            <a:r>
+              <a:rPr lang="es-CL" dirty="0"/>
+              <a:t>3,3 Hrs Semanales, Estas serán distribuidas de acuerdo a los días de trabajo que nos plantearemos como equipo.</a:t>
+            </a:r>
+          </a:p>
+          <a:p>
+            <a:pPr marL="0" indent="0">
+              <a:buNone/>
+            </a:pPr>
+            <a:endParaRPr lang="es-CL" dirty="0"/>
+          </a:p>
+          <a:p>
+            <a:pPr marL="0" indent="0">
+              <a:buNone/>
+            </a:pPr>
+            <a:endParaRPr lang="es-CL" dirty="0"/>
+          </a:p>
+          <a:p>
+            <a:pPr marL="0" indent="0">
+              <a:buNone/>
+            </a:pPr>
+            <a:endParaRPr lang="es-ES" dirty="0"/>
+          </a:p>
+        </p:txBody>
+      </p:sp>
+    </p:spTree>
+    <p:extLst>
+      <p:ext uri="{BB962C8B-B14F-4D97-AF65-F5344CB8AC3E}">
+        <p14:creationId xmlns:p14="http://schemas.microsoft.com/office/powerpoint/2010/main" val="2266069420"/>
+      </p:ext>
+    </p:extLst>
+  </p:cSld>
+  <p:clrMapOvr>
+    <a:masterClrMapping/>
   </p:clrMapOvr>
 </p:sld>
 </file>
@@ -16921,7 +17060,7 @@
           <a:noFill/>
           <a:extLst>
             <a:ext uri="{909E8E84-426E-40dd-AFC4-6F175D3DCCD1}">
-              <a14:hiddenFill xmlns="" xmlns:a16="http://schemas.microsoft.com/office/drawing/2014/main" xmlns:p14="http://schemas.microsoft.com/office/powerpoint/2010/main" xmlns:a14="http://schemas.microsoft.com/office/drawing/2010/main">
+              <a14:hiddenFill xmlns:a14="http://schemas.microsoft.com/office/drawing/2010/main" xmlns:p14="http://schemas.microsoft.com/office/powerpoint/2010/main" xmlns:a16="http://schemas.microsoft.com/office/drawing/2014/main" xmlns="">
                 <a:solidFill>
                   <a:srgbClr val="FFFFFF"/>
                 </a:solidFill>
@@ -17151,7 +17290,7 @@
             </a:ln>
             <a:extLst>
               <a:ext uri="{91240B29-F687-4f45-9708-019B960494DF}">
-                <a14:hiddenLine xmlns="" xmlns:a16="http://schemas.microsoft.com/office/drawing/2014/main" xmlns:p14="http://schemas.microsoft.com/office/powerpoint/2010/main" xmlns:a14="http://schemas.microsoft.com/office/drawing/2010/main" w="9525">
+                <a14:hiddenLine xmlns:a14="http://schemas.microsoft.com/office/drawing/2010/main" xmlns:p14="http://schemas.microsoft.com/office/powerpoint/2010/main" xmlns:a16="http://schemas.microsoft.com/office/drawing/2014/main" xmlns="" w="9525">
                   <a:solidFill>
                     <a:srgbClr val="000000"/>
                   </a:solidFill>
@@ -17256,7 +17395,7 @@
             </a:ln>
             <a:extLst>
               <a:ext uri="{91240B29-F687-4f45-9708-019B960494DF}">
-                <a14:hiddenLine xmlns="" xmlns:a16="http://schemas.microsoft.com/office/drawing/2014/main" xmlns:p14="http://schemas.microsoft.com/office/powerpoint/2010/main" xmlns:a14="http://schemas.microsoft.com/office/drawing/2010/main" w="9525">
+                <a14:hiddenLine xmlns:a14="http://schemas.microsoft.com/office/drawing/2010/main" xmlns:p14="http://schemas.microsoft.com/office/powerpoint/2010/main" xmlns:a16="http://schemas.microsoft.com/office/drawing/2014/main" xmlns="" w="9525">
                   <a:solidFill>
                     <a:srgbClr val="000000"/>
                   </a:solidFill>
@@ -17361,7 +17500,7 @@
             </a:ln>
             <a:extLst>
               <a:ext uri="{91240B29-F687-4f45-9708-019B960494DF}">
-                <a14:hiddenLine xmlns="" xmlns:a16="http://schemas.microsoft.com/office/drawing/2014/main" xmlns:p14="http://schemas.microsoft.com/office/powerpoint/2010/main" xmlns:a14="http://schemas.microsoft.com/office/drawing/2010/main" w="9525">
+                <a14:hiddenLine xmlns:a14="http://schemas.microsoft.com/office/drawing/2010/main" xmlns:p14="http://schemas.microsoft.com/office/powerpoint/2010/main" xmlns:a16="http://schemas.microsoft.com/office/drawing/2014/main" xmlns="" w="9525">
                   <a:solidFill>
                     <a:srgbClr val="000000"/>
                   </a:solidFill>
@@ -17438,7 +17577,7 @@
             </a:ln>
             <a:extLst>
               <a:ext uri="{91240B29-F687-4f45-9708-019B960494DF}">
-                <a14:hiddenLine xmlns="" xmlns:a16="http://schemas.microsoft.com/office/drawing/2014/main" xmlns:p14="http://schemas.microsoft.com/office/powerpoint/2010/main" xmlns:a14="http://schemas.microsoft.com/office/drawing/2010/main" w="9525">
+                <a14:hiddenLine xmlns:a14="http://schemas.microsoft.com/office/drawing/2010/main" xmlns:p14="http://schemas.microsoft.com/office/powerpoint/2010/main" xmlns:a16="http://schemas.microsoft.com/office/drawing/2014/main" xmlns="" w="9525">
                   <a:solidFill>
                     <a:srgbClr val="000000"/>
                   </a:solidFill>
@@ -17543,7 +17682,7 @@
             </a:ln>
             <a:extLst>
               <a:ext uri="{91240B29-F687-4f45-9708-019B960494DF}">
-                <a14:hiddenLine xmlns="" xmlns:a16="http://schemas.microsoft.com/office/drawing/2014/main" xmlns:p14="http://schemas.microsoft.com/office/powerpoint/2010/main" xmlns:a14="http://schemas.microsoft.com/office/drawing/2010/main" w="9525">
+                <a14:hiddenLine xmlns:a14="http://schemas.microsoft.com/office/drawing/2010/main" xmlns:p14="http://schemas.microsoft.com/office/powerpoint/2010/main" xmlns:a16="http://schemas.microsoft.com/office/drawing/2014/main" xmlns="" w="9525">
                   <a:solidFill>
                     <a:srgbClr val="000000"/>
                   </a:solidFill>
@@ -17620,7 +17759,7 @@
             </a:ln>
             <a:extLst>
               <a:ext uri="{91240B29-F687-4f45-9708-019B960494DF}">
-                <a14:hiddenLine xmlns="" xmlns:a16="http://schemas.microsoft.com/office/drawing/2014/main" xmlns:p14="http://schemas.microsoft.com/office/powerpoint/2010/main" xmlns:a14="http://schemas.microsoft.com/office/drawing/2010/main" w="9525">
+                <a14:hiddenLine xmlns:a14="http://schemas.microsoft.com/office/drawing/2010/main" xmlns:p14="http://schemas.microsoft.com/office/powerpoint/2010/main" xmlns:a16="http://schemas.microsoft.com/office/drawing/2014/main" xmlns="" w="9525">
                   <a:solidFill>
                     <a:srgbClr val="000000"/>
                   </a:solidFill>
@@ -17697,7 +17836,7 @@
             </a:ln>
             <a:extLst>
               <a:ext uri="{91240B29-F687-4f45-9708-019B960494DF}">
-                <a14:hiddenLine xmlns="" xmlns:a16="http://schemas.microsoft.com/office/drawing/2014/main" xmlns:p14="http://schemas.microsoft.com/office/powerpoint/2010/main" xmlns:a14="http://schemas.microsoft.com/office/drawing/2010/main" w="9525">
+                <a14:hiddenLine xmlns:a14="http://schemas.microsoft.com/office/drawing/2010/main" xmlns:p14="http://schemas.microsoft.com/office/powerpoint/2010/main" xmlns:a16="http://schemas.microsoft.com/office/drawing/2014/main" xmlns="" w="9525">
                   <a:solidFill>
                     <a:srgbClr val="000000"/>
                   </a:solidFill>
@@ -17802,7 +17941,7 @@
             </a:ln>
             <a:extLst>
               <a:ext uri="{91240B29-F687-4f45-9708-019B960494DF}">
-                <a14:hiddenLine xmlns="" xmlns:a16="http://schemas.microsoft.com/office/drawing/2014/main" xmlns:p14="http://schemas.microsoft.com/office/powerpoint/2010/main" xmlns:a14="http://schemas.microsoft.com/office/drawing/2010/main" w="9525">
+                <a14:hiddenLine xmlns:a14="http://schemas.microsoft.com/office/drawing/2010/main" xmlns:p14="http://schemas.microsoft.com/office/powerpoint/2010/main" xmlns:a16="http://schemas.microsoft.com/office/drawing/2014/main" xmlns="" w="9525">
                   <a:solidFill>
                     <a:srgbClr val="000000"/>
                   </a:solidFill>
@@ -17907,7 +18046,7 @@
             </a:ln>
             <a:extLst>
               <a:ext uri="{91240B29-F687-4f45-9708-019B960494DF}">
-                <a14:hiddenLine xmlns="" xmlns:a16="http://schemas.microsoft.com/office/drawing/2014/main" xmlns:p14="http://schemas.microsoft.com/office/powerpoint/2010/main" xmlns:a14="http://schemas.microsoft.com/office/drawing/2010/main" w="9525">
+                <a14:hiddenLine xmlns:a14="http://schemas.microsoft.com/office/drawing/2010/main" xmlns:p14="http://schemas.microsoft.com/office/powerpoint/2010/main" xmlns:a16="http://schemas.microsoft.com/office/drawing/2014/main" xmlns="" w="9525">
                   <a:solidFill>
                     <a:srgbClr val="000000"/>
                   </a:solidFill>
@@ -17984,7 +18123,7 @@
             </a:ln>
             <a:extLst>
               <a:ext uri="{91240B29-F687-4f45-9708-019B960494DF}">
-                <a14:hiddenLine xmlns="" xmlns:a16="http://schemas.microsoft.com/office/drawing/2014/main" xmlns:p14="http://schemas.microsoft.com/office/powerpoint/2010/main" xmlns:a14="http://schemas.microsoft.com/office/drawing/2010/main" w="9525">
+                <a14:hiddenLine xmlns:a14="http://schemas.microsoft.com/office/drawing/2010/main" xmlns:p14="http://schemas.microsoft.com/office/powerpoint/2010/main" xmlns:a16="http://schemas.microsoft.com/office/drawing/2014/main" xmlns="" w="9525">
                   <a:solidFill>
                     <a:srgbClr val="000000"/>
                   </a:solidFill>
@@ -18109,7 +18248,7 @@
             </a:ln>
             <a:extLst>
               <a:ext uri="{91240B29-F687-4f45-9708-019B960494DF}">
-                <a14:hiddenLine xmlns="" xmlns:a16="http://schemas.microsoft.com/office/drawing/2014/main" xmlns:p14="http://schemas.microsoft.com/office/powerpoint/2010/main" xmlns:a14="http://schemas.microsoft.com/office/drawing/2010/main" w="9525">
+                <a14:hiddenLine xmlns:a14="http://schemas.microsoft.com/office/drawing/2010/main" xmlns:p14="http://schemas.microsoft.com/office/powerpoint/2010/main" xmlns:a16="http://schemas.microsoft.com/office/drawing/2014/main" xmlns="" w="9525">
                   <a:solidFill>
                     <a:srgbClr val="000000"/>
                   </a:solidFill>
@@ -18223,7 +18362,7 @@
             </a:ln>
             <a:extLst>
               <a:ext uri="{91240B29-F687-4f45-9708-019B960494DF}">
-                <a14:hiddenLine xmlns="" xmlns:a16="http://schemas.microsoft.com/office/drawing/2014/main" xmlns:p14="http://schemas.microsoft.com/office/powerpoint/2010/main" xmlns:a14="http://schemas.microsoft.com/office/drawing/2010/main" w="9525">
+                <a14:hiddenLine xmlns:a14="http://schemas.microsoft.com/office/drawing/2010/main" xmlns:p14="http://schemas.microsoft.com/office/powerpoint/2010/main" xmlns:a16="http://schemas.microsoft.com/office/drawing/2014/main" xmlns="" w="9525">
                   <a:solidFill>
                     <a:srgbClr val="000000"/>
                   </a:solidFill>
@@ -18300,7 +18439,7 @@
             </a:ln>
             <a:extLst>
               <a:ext uri="{91240B29-F687-4f45-9708-019B960494DF}">
-                <a14:hiddenLine xmlns="" xmlns:a16="http://schemas.microsoft.com/office/drawing/2014/main" xmlns:p14="http://schemas.microsoft.com/office/powerpoint/2010/main" xmlns:a14="http://schemas.microsoft.com/office/drawing/2010/main" w="9525">
+                <a14:hiddenLine xmlns:a14="http://schemas.microsoft.com/office/drawing/2010/main" xmlns:p14="http://schemas.microsoft.com/office/powerpoint/2010/main" xmlns:a16="http://schemas.microsoft.com/office/drawing/2014/main" xmlns="" w="9525">
                   <a:solidFill>
                     <a:srgbClr val="000000"/>
                   </a:solidFill>
@@ -18377,7 +18516,7 @@
             </a:ln>
             <a:extLst>
               <a:ext uri="{91240B29-F687-4f45-9708-019B960494DF}">
-                <a14:hiddenLine xmlns="" xmlns:a16="http://schemas.microsoft.com/office/drawing/2014/main" xmlns:p14="http://schemas.microsoft.com/office/powerpoint/2010/main" xmlns:a14="http://schemas.microsoft.com/office/drawing/2010/main" w="9525">
+                <a14:hiddenLine xmlns:a14="http://schemas.microsoft.com/office/drawing/2010/main" xmlns:p14="http://schemas.microsoft.com/office/powerpoint/2010/main" xmlns:a16="http://schemas.microsoft.com/office/drawing/2014/main" xmlns="" w="9525">
                   <a:solidFill>
                     <a:srgbClr val="000000"/>
                   </a:solidFill>
@@ -18482,7 +18621,7 @@
             </a:ln>
             <a:extLst>
               <a:ext uri="{91240B29-F687-4f45-9708-019B960494DF}">
-                <a14:hiddenLine xmlns="" xmlns:a16="http://schemas.microsoft.com/office/drawing/2014/main" xmlns:p14="http://schemas.microsoft.com/office/powerpoint/2010/main" xmlns:a14="http://schemas.microsoft.com/office/drawing/2010/main" w="9525">
+                <a14:hiddenLine xmlns:a14="http://schemas.microsoft.com/office/drawing/2010/main" xmlns:p14="http://schemas.microsoft.com/office/powerpoint/2010/main" xmlns:a16="http://schemas.microsoft.com/office/drawing/2014/main" xmlns="" w="9525">
                   <a:solidFill>
                     <a:srgbClr val="000000"/>
                   </a:solidFill>
@@ -18531,7 +18670,7 @@
             </a:ln>
             <a:extLst>
               <a:ext uri="{91240B29-F687-4f45-9708-019B960494DF}">
-                <a14:hiddenLine xmlns="" xmlns:a16="http://schemas.microsoft.com/office/drawing/2014/main" xmlns:p14="http://schemas.microsoft.com/office/powerpoint/2010/main" xmlns:a14="http://schemas.microsoft.com/office/drawing/2010/main" w="9525">
+                <a14:hiddenLine xmlns:a14="http://schemas.microsoft.com/office/drawing/2010/main" xmlns:p14="http://schemas.microsoft.com/office/powerpoint/2010/main" xmlns:a16="http://schemas.microsoft.com/office/drawing/2014/main" xmlns="" w="9525">
                   <a:solidFill>
                     <a:srgbClr val="000000"/>
                   </a:solidFill>
@@ -18611,7 +18750,7 @@
             </a:ln>
             <a:extLst>
               <a:ext uri="{91240B29-F687-4f45-9708-019B960494DF}">
-                <a14:hiddenLine xmlns="" xmlns:a16="http://schemas.microsoft.com/office/drawing/2014/main" xmlns:p14="http://schemas.microsoft.com/office/powerpoint/2010/main" xmlns:a14="http://schemas.microsoft.com/office/drawing/2010/main" w="9525">
+                <a14:hiddenLine xmlns:a14="http://schemas.microsoft.com/office/drawing/2010/main" xmlns:p14="http://schemas.microsoft.com/office/powerpoint/2010/main" xmlns:a16="http://schemas.microsoft.com/office/drawing/2014/main" xmlns="" w="9525">
                   <a:solidFill>
                     <a:srgbClr val="000000"/>
                   </a:solidFill>
@@ -18716,7 +18855,7 @@
             </a:ln>
             <a:extLst>
               <a:ext uri="{91240B29-F687-4f45-9708-019B960494DF}">
-                <a14:hiddenLine xmlns="" xmlns:a16="http://schemas.microsoft.com/office/drawing/2014/main" xmlns:p14="http://schemas.microsoft.com/office/powerpoint/2010/main" xmlns:a14="http://schemas.microsoft.com/office/drawing/2010/main" w="9525">
+                <a14:hiddenLine xmlns:a14="http://schemas.microsoft.com/office/drawing/2010/main" xmlns:p14="http://schemas.microsoft.com/office/powerpoint/2010/main" xmlns:a16="http://schemas.microsoft.com/office/drawing/2014/main" xmlns="" w="9525">
                   <a:solidFill>
                     <a:srgbClr val="000000"/>
                   </a:solidFill>
@@ -18793,7 +18932,7 @@
             </a:ln>
             <a:extLst>
               <a:ext uri="{91240B29-F687-4f45-9708-019B960494DF}">
-                <a14:hiddenLine xmlns="" xmlns:a16="http://schemas.microsoft.com/office/drawing/2014/main" xmlns:p14="http://schemas.microsoft.com/office/powerpoint/2010/main" xmlns:a14="http://schemas.microsoft.com/office/drawing/2010/main" w="9525">
+                <a14:hiddenLine xmlns:a14="http://schemas.microsoft.com/office/drawing/2010/main" xmlns:p14="http://schemas.microsoft.com/office/powerpoint/2010/main" xmlns:a16="http://schemas.microsoft.com/office/drawing/2014/main" xmlns="" w="9525">
                   <a:solidFill>
                     <a:srgbClr val="000000"/>
                   </a:solidFill>
@@ -18898,7 +19037,7 @@
             </a:ln>
             <a:extLst>
               <a:ext uri="{91240B29-F687-4f45-9708-019B960494DF}">
-                <a14:hiddenLine xmlns="" xmlns:a16="http://schemas.microsoft.com/office/drawing/2014/main" xmlns:p14="http://schemas.microsoft.com/office/powerpoint/2010/main" xmlns:a14="http://schemas.microsoft.com/office/drawing/2010/main" w="9525">
+                <a14:hiddenLine xmlns:a14="http://schemas.microsoft.com/office/drawing/2010/main" xmlns:p14="http://schemas.microsoft.com/office/powerpoint/2010/main" xmlns:a16="http://schemas.microsoft.com/office/drawing/2014/main" xmlns="" w="9525">
                   <a:solidFill>
                     <a:srgbClr val="000000"/>
                   </a:solidFill>
@@ -18978,7 +19117,7 @@
             </a:ln>
             <a:extLst>
               <a:ext uri="{91240B29-F687-4f45-9708-019B960494DF}">
-                <a14:hiddenLine xmlns="" xmlns:a16="http://schemas.microsoft.com/office/drawing/2014/main" xmlns:p14="http://schemas.microsoft.com/office/powerpoint/2010/main" xmlns:a14="http://schemas.microsoft.com/office/drawing/2010/main" w="9525">
+                <a14:hiddenLine xmlns:a14="http://schemas.microsoft.com/office/drawing/2010/main" xmlns:p14="http://schemas.microsoft.com/office/powerpoint/2010/main" xmlns:a16="http://schemas.microsoft.com/office/drawing/2014/main" xmlns="" w="9525">
                   <a:solidFill>
                     <a:srgbClr val="000000"/>
                   </a:solidFill>
@@ -19055,7 +19194,7 @@
             </a:ln>
             <a:extLst>
               <a:ext uri="{91240B29-F687-4f45-9708-019B960494DF}">
-                <a14:hiddenLine xmlns="" xmlns:a16="http://schemas.microsoft.com/office/drawing/2014/main" xmlns:p14="http://schemas.microsoft.com/office/powerpoint/2010/main" xmlns:a14="http://schemas.microsoft.com/office/drawing/2010/main" w="9525">
+                <a14:hiddenLine xmlns:a14="http://schemas.microsoft.com/office/drawing/2010/main" xmlns:p14="http://schemas.microsoft.com/office/powerpoint/2010/main" xmlns:a16="http://schemas.microsoft.com/office/drawing/2014/main" xmlns="" w="9525">
                   <a:solidFill>
                     <a:srgbClr val="000000"/>
                   </a:solidFill>
@@ -19160,7 +19299,7 @@
             </a:ln>
             <a:extLst>
               <a:ext uri="{91240B29-F687-4f45-9708-019B960494DF}">
-                <a14:hiddenLine xmlns="" xmlns:a16="http://schemas.microsoft.com/office/drawing/2014/main" xmlns:p14="http://schemas.microsoft.com/office/powerpoint/2010/main" xmlns:a14="http://schemas.microsoft.com/office/drawing/2010/main" w="9525">
+                <a14:hiddenLine xmlns:a14="http://schemas.microsoft.com/office/drawing/2010/main" xmlns:p14="http://schemas.microsoft.com/office/powerpoint/2010/main" xmlns:a16="http://schemas.microsoft.com/office/drawing/2014/main" xmlns="" w="9525">
                   <a:solidFill>
                     <a:srgbClr val="000000"/>
                   </a:solidFill>
@@ -19265,7 +19404,7 @@
             </a:ln>
             <a:extLst>
               <a:ext uri="{91240B29-F687-4f45-9708-019B960494DF}">
-                <a14:hiddenLine xmlns="" xmlns:a16="http://schemas.microsoft.com/office/drawing/2014/main" xmlns:p14="http://schemas.microsoft.com/office/powerpoint/2010/main" xmlns:a14="http://schemas.microsoft.com/office/drawing/2010/main" w="9525">
+                <a14:hiddenLine xmlns:a14="http://schemas.microsoft.com/office/drawing/2010/main" xmlns:p14="http://schemas.microsoft.com/office/powerpoint/2010/main" xmlns:a16="http://schemas.microsoft.com/office/drawing/2014/main" xmlns="" w="9525">
                   <a:solidFill>
                     <a:srgbClr val="000000"/>
                   </a:solidFill>
@@ -19345,7 +19484,7 @@
             </a:ln>
             <a:extLst>
               <a:ext uri="{91240B29-F687-4f45-9708-019B960494DF}">
-                <a14:hiddenLine xmlns="" xmlns:a16="http://schemas.microsoft.com/office/drawing/2014/main" xmlns:p14="http://schemas.microsoft.com/office/powerpoint/2010/main" xmlns:a14="http://schemas.microsoft.com/office/drawing/2010/main" w="9525">
+                <a14:hiddenLine xmlns:a14="http://schemas.microsoft.com/office/drawing/2010/main" xmlns:p14="http://schemas.microsoft.com/office/powerpoint/2010/main" xmlns:a16="http://schemas.microsoft.com/office/drawing/2014/main" xmlns="" w="9525">
                   <a:solidFill>
                     <a:srgbClr val="000000"/>
                   </a:solidFill>
@@ -19480,7 +19619,7 @@
             </a:ln>
             <a:extLst>
               <a:ext uri="{91240B29-F687-4f45-9708-019B960494DF}">
-                <a14:hiddenLine xmlns="" xmlns:a16="http://schemas.microsoft.com/office/drawing/2014/main" xmlns:p14="http://schemas.microsoft.com/office/powerpoint/2010/main" xmlns:a14="http://schemas.microsoft.com/office/drawing/2010/main" w="9525">
+                <a14:hiddenLine xmlns:a14="http://schemas.microsoft.com/office/drawing/2010/main" xmlns:p14="http://schemas.microsoft.com/office/powerpoint/2010/main" xmlns:a16="http://schemas.microsoft.com/office/drawing/2014/main" xmlns="" w="9525">
                   <a:solidFill>
                     <a:srgbClr val="000000"/>
                   </a:solidFill>

--- a/presentacion.pptx
+++ b/presentacion.pptx
@@ -175,7 +175,7 @@
           <a:noFill/>
           <a:extLst>
             <a:ext uri="{909E8E84-426E-40dd-AFC4-6F175D3DCCD1}">
-              <a14:hiddenFill xmlns="" xmlns:a14="http://schemas.microsoft.com/office/drawing/2010/main">
+              <a14:hiddenFill xmlns:a14="http://schemas.microsoft.com/office/drawing/2010/main" xmlns="">
                 <a:solidFill>
                   <a:srgbClr val="FFFFFF"/>
                 </a:solidFill>
@@ -235,7 +235,7 @@
             </a:ln>
             <a:extLst>
               <a:ext uri="{91240B29-F687-4f45-9708-019B960494DF}">
-                <a14:hiddenLine xmlns="" xmlns:a14="http://schemas.microsoft.com/office/drawing/2010/main" w="9525">
+                <a14:hiddenLine xmlns:a14="http://schemas.microsoft.com/office/drawing/2010/main" xmlns="" w="9525">
                   <a:solidFill>
                     <a:srgbClr val="000000"/>
                   </a:solidFill>
@@ -325,7 +325,7 @@
             </a:ln>
             <a:extLst>
               <a:ext uri="{91240B29-F687-4f45-9708-019B960494DF}">
-                <a14:hiddenLine xmlns="" xmlns:a14="http://schemas.microsoft.com/office/drawing/2010/main" w="9525">
+                <a14:hiddenLine xmlns:a14="http://schemas.microsoft.com/office/drawing/2010/main" xmlns="" w="9525">
                   <a:solidFill>
                     <a:srgbClr val="000000"/>
                   </a:solidFill>
@@ -415,7 +415,7 @@
             </a:ln>
             <a:extLst>
               <a:ext uri="{91240B29-F687-4f45-9708-019B960494DF}">
-                <a14:hiddenLine xmlns="" xmlns:a14="http://schemas.microsoft.com/office/drawing/2010/main" w="9525">
+                <a14:hiddenLine xmlns:a14="http://schemas.microsoft.com/office/drawing/2010/main" xmlns="" w="9525">
                   <a:solidFill>
                     <a:srgbClr val="000000"/>
                   </a:solidFill>
@@ -449,7 +449,7 @@
             </a:ln>
             <a:extLst>
               <a:ext uri="{91240B29-F687-4f45-9708-019B960494DF}">
-                <a14:hiddenLine xmlns="" xmlns:a14="http://schemas.microsoft.com/office/drawing/2010/main" w="9525">
+                <a14:hiddenLine xmlns:a14="http://schemas.microsoft.com/office/drawing/2010/main" xmlns="" w="9525">
                   <a:solidFill>
                     <a:srgbClr val="000000"/>
                   </a:solidFill>
@@ -539,7 +539,7 @@
             </a:ln>
             <a:extLst>
               <a:ext uri="{91240B29-F687-4f45-9708-019B960494DF}">
-                <a14:hiddenLine xmlns="" xmlns:a14="http://schemas.microsoft.com/office/drawing/2010/main" w="9525">
+                <a14:hiddenLine xmlns:a14="http://schemas.microsoft.com/office/drawing/2010/main" xmlns="" w="9525">
                   <a:solidFill>
                     <a:srgbClr val="000000"/>
                   </a:solidFill>
@@ -601,7 +601,7 @@
             </a:ln>
             <a:extLst>
               <a:ext uri="{91240B29-F687-4f45-9708-019B960494DF}">
-                <a14:hiddenLine xmlns="" xmlns:a14="http://schemas.microsoft.com/office/drawing/2010/main" w="9525">
+                <a14:hiddenLine xmlns:a14="http://schemas.microsoft.com/office/drawing/2010/main" xmlns="" w="9525">
                   <a:solidFill>
                     <a:srgbClr val="000000"/>
                   </a:solidFill>
@@ -663,7 +663,7 @@
             </a:ln>
             <a:extLst>
               <a:ext uri="{91240B29-F687-4f45-9708-019B960494DF}">
-                <a14:hiddenLine xmlns="" xmlns:a14="http://schemas.microsoft.com/office/drawing/2010/main" w="9525">
+                <a14:hiddenLine xmlns:a14="http://schemas.microsoft.com/office/drawing/2010/main" xmlns="" w="9525">
                   <a:solidFill>
                     <a:srgbClr val="000000"/>
                   </a:solidFill>
@@ -753,7 +753,7 @@
             </a:ln>
             <a:extLst>
               <a:ext uri="{91240B29-F687-4f45-9708-019B960494DF}">
-                <a14:hiddenLine xmlns="" xmlns:a14="http://schemas.microsoft.com/office/drawing/2010/main" w="9525">
+                <a14:hiddenLine xmlns:a14="http://schemas.microsoft.com/office/drawing/2010/main" xmlns="" w="9525">
                   <a:solidFill>
                     <a:srgbClr val="000000"/>
                   </a:solidFill>
@@ -815,7 +815,7 @@
             </a:ln>
             <a:extLst>
               <a:ext uri="{91240B29-F687-4f45-9708-019B960494DF}">
-                <a14:hiddenLine xmlns="" xmlns:a14="http://schemas.microsoft.com/office/drawing/2010/main" w="9525">
+                <a14:hiddenLine xmlns:a14="http://schemas.microsoft.com/office/drawing/2010/main" xmlns="" w="9525">
                   <a:solidFill>
                     <a:srgbClr val="000000"/>
                   </a:solidFill>
@@ -877,7 +877,7 @@
             </a:ln>
             <a:extLst>
               <a:ext uri="{91240B29-F687-4f45-9708-019B960494DF}">
-                <a14:hiddenLine xmlns="" xmlns:a14="http://schemas.microsoft.com/office/drawing/2010/main" w="9525">
+                <a14:hiddenLine xmlns:a14="http://schemas.microsoft.com/office/drawing/2010/main" xmlns="" w="9525">
                   <a:solidFill>
                     <a:srgbClr val="000000"/>
                   </a:solidFill>
@@ -967,7 +967,7 @@
             </a:ln>
             <a:extLst>
               <a:ext uri="{91240B29-F687-4f45-9708-019B960494DF}">
-                <a14:hiddenLine xmlns="" xmlns:a14="http://schemas.microsoft.com/office/drawing/2010/main" w="9525">
+                <a14:hiddenLine xmlns:a14="http://schemas.microsoft.com/office/drawing/2010/main" xmlns="" w="9525">
                   <a:solidFill>
                     <a:srgbClr val="000000"/>
                   </a:solidFill>
@@ -1057,7 +1057,7 @@
             </a:ln>
             <a:extLst>
               <a:ext uri="{91240B29-F687-4f45-9708-019B960494DF}">
-                <a14:hiddenLine xmlns="" xmlns:a14="http://schemas.microsoft.com/office/drawing/2010/main" w="9525">
+                <a14:hiddenLine xmlns:a14="http://schemas.microsoft.com/office/drawing/2010/main" xmlns="" w="9525">
                   <a:solidFill>
                     <a:srgbClr val="000000"/>
                   </a:solidFill>
@@ -1119,7 +1119,7 @@
             </a:ln>
             <a:extLst>
               <a:ext uri="{91240B29-F687-4f45-9708-019B960494DF}">
-                <a14:hiddenLine xmlns="" xmlns:a14="http://schemas.microsoft.com/office/drawing/2010/main" w="9525">
+                <a14:hiddenLine xmlns:a14="http://schemas.microsoft.com/office/drawing/2010/main" xmlns="" w="9525">
                   <a:solidFill>
                     <a:srgbClr val="000000"/>
                   </a:solidFill>
@@ -1229,7 +1229,7 @@
             </a:ln>
             <a:extLst>
               <a:ext uri="{91240B29-F687-4f45-9708-019B960494DF}">
-                <a14:hiddenLine xmlns="" xmlns:a14="http://schemas.microsoft.com/office/drawing/2010/main" w="9525">
+                <a14:hiddenLine xmlns:a14="http://schemas.microsoft.com/office/drawing/2010/main" xmlns="" w="9525">
                   <a:solidFill>
                     <a:srgbClr val="000000"/>
                   </a:solidFill>
@@ -1291,7 +1291,7 @@
             </a:ln>
             <a:extLst>
               <a:ext uri="{91240B29-F687-4f45-9708-019B960494DF}">
-                <a14:hiddenLine xmlns="" xmlns:a14="http://schemas.microsoft.com/office/drawing/2010/main" w="9525">
+                <a14:hiddenLine xmlns:a14="http://schemas.microsoft.com/office/drawing/2010/main" xmlns="" w="9525">
                   <a:solidFill>
                     <a:srgbClr val="000000"/>
                   </a:solidFill>
@@ -1381,7 +1381,7 @@
             </a:ln>
             <a:extLst>
               <a:ext uri="{91240B29-F687-4f45-9708-019B960494DF}">
-                <a14:hiddenLine xmlns="" xmlns:a14="http://schemas.microsoft.com/office/drawing/2010/main" w="9525">
+                <a14:hiddenLine xmlns:a14="http://schemas.microsoft.com/office/drawing/2010/main" xmlns="" w="9525">
                   <a:solidFill>
                     <a:srgbClr val="000000"/>
                   </a:solidFill>
@@ -1471,7 +1471,7 @@
             </a:ln>
             <a:extLst>
               <a:ext uri="{91240B29-F687-4f45-9708-019B960494DF}">
-                <a14:hiddenLine xmlns="" xmlns:a14="http://schemas.microsoft.com/office/drawing/2010/main" w="9525">
+                <a14:hiddenLine xmlns:a14="http://schemas.microsoft.com/office/drawing/2010/main" xmlns="" w="9525">
                   <a:solidFill>
                     <a:srgbClr val="000000"/>
                   </a:solidFill>
@@ -1533,7 +1533,7 @@
             </a:ln>
             <a:extLst>
               <a:ext uri="{91240B29-F687-4f45-9708-019B960494DF}">
-                <a14:hiddenLine xmlns="" xmlns:a14="http://schemas.microsoft.com/office/drawing/2010/main" w="9525">
+                <a14:hiddenLine xmlns:a14="http://schemas.microsoft.com/office/drawing/2010/main" xmlns="" w="9525">
                   <a:solidFill>
                     <a:srgbClr val="000000"/>
                   </a:solidFill>
@@ -1623,7 +1623,7 @@
             </a:ln>
             <a:extLst>
               <a:ext uri="{91240B29-F687-4f45-9708-019B960494DF}">
-                <a14:hiddenLine xmlns="" xmlns:a14="http://schemas.microsoft.com/office/drawing/2010/main" w="9525">
+                <a14:hiddenLine xmlns:a14="http://schemas.microsoft.com/office/drawing/2010/main" xmlns="" w="9525">
                   <a:solidFill>
                     <a:srgbClr val="000000"/>
                   </a:solidFill>
@@ -1713,7 +1713,7 @@
             </a:ln>
             <a:extLst>
               <a:ext uri="{91240B29-F687-4f45-9708-019B960494DF}">
-                <a14:hiddenLine xmlns="" xmlns:a14="http://schemas.microsoft.com/office/drawing/2010/main" w="9525">
+                <a14:hiddenLine xmlns:a14="http://schemas.microsoft.com/office/drawing/2010/main" xmlns="" w="9525">
                   <a:solidFill>
                     <a:srgbClr val="000000"/>
                   </a:solidFill>
@@ -1769,7 +1769,7 @@
             </a:ln>
             <a:extLst>
               <a:ext uri="{91240B29-F687-4f45-9708-019B960494DF}">
-                <a14:hiddenLine xmlns="" xmlns:a14="http://schemas.microsoft.com/office/drawing/2010/main" w="9525">
+                <a14:hiddenLine xmlns:a14="http://schemas.microsoft.com/office/drawing/2010/main" xmlns="" w="9525">
                   <a:solidFill>
                     <a:srgbClr val="000000"/>
                   </a:solidFill>
@@ -1859,7 +1859,7 @@
             </a:ln>
             <a:extLst>
               <a:ext uri="{91240B29-F687-4f45-9708-019B960494DF}">
-                <a14:hiddenLine xmlns="" xmlns:a14="http://schemas.microsoft.com/office/drawing/2010/main" w="9525">
+                <a14:hiddenLine xmlns:a14="http://schemas.microsoft.com/office/drawing/2010/main" xmlns="" w="9525">
                   <a:solidFill>
                     <a:srgbClr val="000000"/>
                   </a:solidFill>
@@ -1915,7 +1915,7 @@
             </a:ln>
             <a:extLst>
               <a:ext uri="{91240B29-F687-4f45-9708-019B960494DF}">
-                <a14:hiddenLine xmlns="" xmlns:a14="http://schemas.microsoft.com/office/drawing/2010/main" w="9525">
+                <a14:hiddenLine xmlns:a14="http://schemas.microsoft.com/office/drawing/2010/main" xmlns="" w="9525">
                   <a:solidFill>
                     <a:srgbClr val="000000"/>
                   </a:solidFill>
@@ -2005,7 +2005,7 @@
             </a:ln>
             <a:extLst>
               <a:ext uri="{91240B29-F687-4f45-9708-019B960494DF}">
-                <a14:hiddenLine xmlns="" xmlns:a14="http://schemas.microsoft.com/office/drawing/2010/main" w="9525">
+                <a14:hiddenLine xmlns:a14="http://schemas.microsoft.com/office/drawing/2010/main" xmlns="" w="9525">
                   <a:solidFill>
                     <a:srgbClr val="000000"/>
                   </a:solidFill>
@@ -2073,7 +2073,7 @@
             </a:ln>
             <a:extLst>
               <a:ext uri="{91240B29-F687-4f45-9708-019B960494DF}">
-                <a14:hiddenLine xmlns="" xmlns:a14="http://schemas.microsoft.com/office/drawing/2010/main" w="9525">
+                <a14:hiddenLine xmlns:a14="http://schemas.microsoft.com/office/drawing/2010/main" xmlns="" w="9525">
                   <a:solidFill>
                     <a:srgbClr val="000000"/>
                   </a:solidFill>
@@ -2163,7 +2163,7 @@
             </a:ln>
             <a:extLst>
               <a:ext uri="{91240B29-F687-4f45-9708-019B960494DF}">
-                <a14:hiddenLine xmlns="" xmlns:a14="http://schemas.microsoft.com/office/drawing/2010/main" w="9525">
+                <a14:hiddenLine xmlns:a14="http://schemas.microsoft.com/office/drawing/2010/main" xmlns="" w="9525">
                   <a:solidFill>
                     <a:srgbClr val="000000"/>
                   </a:solidFill>
@@ -2231,7 +2231,7 @@
             </a:ln>
             <a:extLst>
               <a:ext uri="{91240B29-F687-4f45-9708-019B960494DF}">
-                <a14:hiddenLine xmlns="" xmlns:a14="http://schemas.microsoft.com/office/drawing/2010/main" w="9525">
+                <a14:hiddenLine xmlns:a14="http://schemas.microsoft.com/office/drawing/2010/main" xmlns="" w="9525">
                   <a:solidFill>
                     <a:srgbClr val="000000"/>
                   </a:solidFill>
@@ -2321,7 +2321,7 @@
             </a:ln>
             <a:extLst>
               <a:ext uri="{91240B29-F687-4f45-9708-019B960494DF}">
-                <a14:hiddenLine xmlns="" xmlns:a14="http://schemas.microsoft.com/office/drawing/2010/main" w="9525">
+                <a14:hiddenLine xmlns:a14="http://schemas.microsoft.com/office/drawing/2010/main" xmlns="" w="9525">
                   <a:solidFill>
                     <a:srgbClr val="000000"/>
                   </a:solidFill>
@@ -2355,7 +2355,7 @@
             </a:ln>
             <a:extLst>
               <a:ext uri="{91240B29-F687-4f45-9708-019B960494DF}">
-                <a14:hiddenLine xmlns="" xmlns:a14="http://schemas.microsoft.com/office/drawing/2010/main" w="9525">
+                <a14:hiddenLine xmlns:a14="http://schemas.microsoft.com/office/drawing/2010/main" xmlns="" w="9525">
                   <a:solidFill>
                     <a:srgbClr val="000000"/>
                   </a:solidFill>
@@ -2445,7 +2445,7 @@
             </a:ln>
             <a:extLst>
               <a:ext uri="{91240B29-F687-4f45-9708-019B960494DF}">
-                <a14:hiddenLine xmlns="" xmlns:a14="http://schemas.microsoft.com/office/drawing/2010/main" w="9525">
+                <a14:hiddenLine xmlns:a14="http://schemas.microsoft.com/office/drawing/2010/main" xmlns="" w="9525">
                   <a:solidFill>
                     <a:srgbClr val="000000"/>
                   </a:solidFill>
@@ -2507,7 +2507,7 @@
             </a:ln>
             <a:extLst>
               <a:ext uri="{91240B29-F687-4f45-9708-019B960494DF}">
-                <a14:hiddenLine xmlns="" xmlns:a14="http://schemas.microsoft.com/office/drawing/2010/main" w="9525">
+                <a14:hiddenLine xmlns:a14="http://schemas.microsoft.com/office/drawing/2010/main" xmlns="" w="9525">
                   <a:solidFill>
                     <a:srgbClr val="000000"/>
                   </a:solidFill>
@@ -2569,7 +2569,7 @@
             </a:ln>
             <a:extLst>
               <a:ext uri="{91240B29-F687-4f45-9708-019B960494DF}">
-                <a14:hiddenLine xmlns="" xmlns:a14="http://schemas.microsoft.com/office/drawing/2010/main" w="9525">
+                <a14:hiddenLine xmlns:a14="http://schemas.microsoft.com/office/drawing/2010/main" xmlns="" w="9525">
                   <a:solidFill>
                     <a:srgbClr val="000000"/>
                   </a:solidFill>
@@ -2659,7 +2659,7 @@
             </a:ln>
             <a:extLst>
               <a:ext uri="{91240B29-F687-4f45-9708-019B960494DF}">
-                <a14:hiddenLine xmlns="" xmlns:a14="http://schemas.microsoft.com/office/drawing/2010/main" w="9525">
+                <a14:hiddenLine xmlns:a14="http://schemas.microsoft.com/office/drawing/2010/main" xmlns="" w="9525">
                   <a:solidFill>
                     <a:srgbClr val="000000"/>
                   </a:solidFill>
@@ -2727,7 +2727,7 @@
             </a:ln>
             <a:extLst>
               <a:ext uri="{91240B29-F687-4f45-9708-019B960494DF}">
-                <a14:hiddenLine xmlns="" xmlns:a14="http://schemas.microsoft.com/office/drawing/2010/main" w="9525">
+                <a14:hiddenLine xmlns:a14="http://schemas.microsoft.com/office/drawing/2010/main" xmlns="" w="9525">
                   <a:solidFill>
                     <a:srgbClr val="000000"/>
                   </a:solidFill>
@@ -2789,7 +2789,7 @@
             </a:ln>
             <a:extLst>
               <a:ext uri="{91240B29-F687-4f45-9708-019B960494DF}">
-                <a14:hiddenLine xmlns="" xmlns:a14="http://schemas.microsoft.com/office/drawing/2010/main" w="9525">
+                <a14:hiddenLine xmlns:a14="http://schemas.microsoft.com/office/drawing/2010/main" xmlns="" w="9525">
                   <a:solidFill>
                     <a:srgbClr val="000000"/>
                   </a:solidFill>
@@ -2879,7 +2879,7 @@
             </a:ln>
             <a:extLst>
               <a:ext uri="{91240B29-F687-4f45-9708-019B960494DF}">
-                <a14:hiddenLine xmlns="" xmlns:a14="http://schemas.microsoft.com/office/drawing/2010/main" w="9525">
+                <a14:hiddenLine xmlns:a14="http://schemas.microsoft.com/office/drawing/2010/main" xmlns="" w="9525">
                   <a:solidFill>
                     <a:srgbClr val="000000"/>
                   </a:solidFill>
@@ -2941,7 +2941,7 @@
             </a:ln>
             <a:extLst>
               <a:ext uri="{91240B29-F687-4f45-9708-019B960494DF}">
-                <a14:hiddenLine xmlns="" xmlns:a14="http://schemas.microsoft.com/office/drawing/2010/main" w="9525">
+                <a14:hiddenLine xmlns:a14="http://schemas.microsoft.com/office/drawing/2010/main" xmlns="" w="9525">
                   <a:solidFill>
                     <a:srgbClr val="000000"/>
                   </a:solidFill>
@@ -3031,7 +3031,7 @@
             </a:ln>
             <a:extLst>
               <a:ext uri="{91240B29-F687-4f45-9708-019B960494DF}">
-                <a14:hiddenLine xmlns="" xmlns:a14="http://schemas.microsoft.com/office/drawing/2010/main" w="9525">
+                <a14:hiddenLine xmlns:a14="http://schemas.microsoft.com/office/drawing/2010/main" xmlns="" w="9525">
                   <a:solidFill>
                     <a:srgbClr val="000000"/>
                   </a:solidFill>
@@ -3093,7 +3093,7 @@
             </a:ln>
             <a:extLst>
               <a:ext uri="{91240B29-F687-4f45-9708-019B960494DF}">
-                <a14:hiddenLine xmlns="" xmlns:a14="http://schemas.microsoft.com/office/drawing/2010/main" w="9525">
+                <a14:hiddenLine xmlns:a14="http://schemas.microsoft.com/office/drawing/2010/main" xmlns="" w="9525">
                   <a:solidFill>
                     <a:srgbClr val="000000"/>
                   </a:solidFill>
@@ -3183,7 +3183,7 @@
             </a:ln>
             <a:extLst>
               <a:ext uri="{91240B29-F687-4f45-9708-019B960494DF}">
-                <a14:hiddenLine xmlns="" xmlns:a14="http://schemas.microsoft.com/office/drawing/2010/main" w="9525">
+                <a14:hiddenLine xmlns:a14="http://schemas.microsoft.com/office/drawing/2010/main" xmlns="" w="9525">
                   <a:solidFill>
                     <a:srgbClr val="000000"/>
                   </a:solidFill>
@@ -3217,7 +3217,7 @@
             </a:ln>
             <a:extLst>
               <a:ext uri="{91240B29-F687-4f45-9708-019B960494DF}">
-                <a14:hiddenLine xmlns="" xmlns:a14="http://schemas.microsoft.com/office/drawing/2010/main" w="9525">
+                <a14:hiddenLine xmlns:a14="http://schemas.microsoft.com/office/drawing/2010/main" xmlns="" w="9525">
                   <a:solidFill>
                     <a:srgbClr val="000000"/>
                   </a:solidFill>
@@ -3282,7 +3282,7 @@
             </a:ln>
             <a:extLst>
               <a:ext uri="{91240B29-F687-4f45-9708-019B960494DF}">
-                <a14:hiddenLine xmlns="" xmlns:a14="http://schemas.microsoft.com/office/drawing/2010/main" w="9525">
+                <a14:hiddenLine xmlns:a14="http://schemas.microsoft.com/office/drawing/2010/main" xmlns="" w="9525">
                   <a:solidFill>
                     <a:srgbClr val="000000"/>
                   </a:solidFill>
@@ -3372,7 +3372,7 @@
             </a:ln>
             <a:extLst>
               <a:ext uri="{91240B29-F687-4f45-9708-019B960494DF}">
-                <a14:hiddenLine xmlns="" xmlns:a14="http://schemas.microsoft.com/office/drawing/2010/main" w="9525">
+                <a14:hiddenLine xmlns:a14="http://schemas.microsoft.com/office/drawing/2010/main" xmlns="" w="9525">
                   <a:solidFill>
                     <a:srgbClr val="000000"/>
                   </a:solidFill>
@@ -3434,7 +3434,7 @@
             </a:ln>
             <a:extLst>
               <a:ext uri="{91240B29-F687-4f45-9708-019B960494DF}">
-                <a14:hiddenLine xmlns="" xmlns:a14="http://schemas.microsoft.com/office/drawing/2010/main" w="9525">
+                <a14:hiddenLine xmlns:a14="http://schemas.microsoft.com/office/drawing/2010/main" xmlns="" w="9525">
                   <a:solidFill>
                     <a:srgbClr val="000000"/>
                   </a:solidFill>
@@ -3524,7 +3524,7 @@
             </a:ln>
             <a:extLst>
               <a:ext uri="{91240B29-F687-4f45-9708-019B960494DF}">
-                <a14:hiddenLine xmlns="" xmlns:a14="http://schemas.microsoft.com/office/drawing/2010/main" w="9525">
+                <a14:hiddenLine xmlns:a14="http://schemas.microsoft.com/office/drawing/2010/main" xmlns="" w="9525">
                   <a:solidFill>
                     <a:srgbClr val="000000"/>
                   </a:solidFill>
@@ -3614,7 +3614,7 @@
             </a:ln>
             <a:extLst>
               <a:ext uri="{91240B29-F687-4f45-9708-019B960494DF}">
-                <a14:hiddenLine xmlns="" xmlns:a14="http://schemas.microsoft.com/office/drawing/2010/main" w="9525">
+                <a14:hiddenLine xmlns:a14="http://schemas.microsoft.com/office/drawing/2010/main" xmlns="" w="9525">
                   <a:solidFill>
                     <a:srgbClr val="000000"/>
                   </a:solidFill>
@@ -3679,7 +3679,7 @@
             </a:ln>
             <a:extLst>
               <a:ext uri="{91240B29-F687-4f45-9708-019B960494DF}">
-                <a14:hiddenLine xmlns="" xmlns:a14="http://schemas.microsoft.com/office/drawing/2010/main" w="9525">
+                <a14:hiddenLine xmlns:a14="http://schemas.microsoft.com/office/drawing/2010/main" xmlns="" w="9525">
                   <a:solidFill>
                     <a:srgbClr val="000000"/>
                   </a:solidFill>
@@ -3741,7 +3741,7 @@
             </a:ln>
             <a:extLst>
               <a:ext uri="{91240B29-F687-4f45-9708-019B960494DF}">
-                <a14:hiddenLine xmlns="" xmlns:a14="http://schemas.microsoft.com/office/drawing/2010/main" w="9525">
+                <a14:hiddenLine xmlns:a14="http://schemas.microsoft.com/office/drawing/2010/main" xmlns="" w="9525">
                   <a:solidFill>
                     <a:srgbClr val="000000"/>
                   </a:solidFill>
@@ -3831,7 +3831,7 @@
             </a:ln>
             <a:extLst>
               <a:ext uri="{91240B29-F687-4f45-9708-019B960494DF}">
-                <a14:hiddenLine xmlns="" xmlns:a14="http://schemas.microsoft.com/office/drawing/2010/main" w="9525">
+                <a14:hiddenLine xmlns:a14="http://schemas.microsoft.com/office/drawing/2010/main" xmlns="" w="9525">
                   <a:solidFill>
                     <a:srgbClr val="000000"/>
                   </a:solidFill>
@@ -3921,7 +3921,7 @@
             </a:ln>
             <a:extLst>
               <a:ext uri="{91240B29-F687-4f45-9708-019B960494DF}">
-                <a14:hiddenLine xmlns="" xmlns:a14="http://schemas.microsoft.com/office/drawing/2010/main" w="9525">
+                <a14:hiddenLine xmlns:a14="http://schemas.microsoft.com/office/drawing/2010/main" xmlns="" w="9525">
                   <a:solidFill>
                     <a:srgbClr val="000000"/>
                   </a:solidFill>
@@ -3983,7 +3983,7 @@
             </a:ln>
             <a:extLst>
               <a:ext uri="{91240B29-F687-4f45-9708-019B960494DF}">
-                <a14:hiddenLine xmlns="" xmlns:a14="http://schemas.microsoft.com/office/drawing/2010/main" w="9525">
+                <a14:hiddenLine xmlns:a14="http://schemas.microsoft.com/office/drawing/2010/main" xmlns="" w="9525">
                   <a:solidFill>
                     <a:srgbClr val="000000"/>
                   </a:solidFill>
@@ -4103,7 +4103,7 @@
             </a:ln>
             <a:extLst>
               <a:ext uri="{91240B29-F687-4f45-9708-019B960494DF}">
-                <a14:hiddenLine xmlns="" xmlns:a14="http://schemas.microsoft.com/office/drawing/2010/main" w="9525">
+                <a14:hiddenLine xmlns:a14="http://schemas.microsoft.com/office/drawing/2010/main" xmlns="" w="9525">
                   <a:solidFill>
                     <a:srgbClr val="000000"/>
                   </a:solidFill>
@@ -4171,7 +4171,7 @@
             </a:ln>
             <a:extLst>
               <a:ext uri="{91240B29-F687-4f45-9708-019B960494DF}">
-                <a14:hiddenLine xmlns="" xmlns:a14="http://schemas.microsoft.com/office/drawing/2010/main" w="9525">
+                <a14:hiddenLine xmlns:a14="http://schemas.microsoft.com/office/drawing/2010/main" xmlns="" w="9525">
                   <a:solidFill>
                     <a:srgbClr val="000000"/>
                   </a:solidFill>
@@ -4261,7 +4261,7 @@
             </a:ln>
             <a:extLst>
               <a:ext uri="{91240B29-F687-4f45-9708-019B960494DF}">
-                <a14:hiddenLine xmlns="" xmlns:a14="http://schemas.microsoft.com/office/drawing/2010/main" w="9525">
+                <a14:hiddenLine xmlns:a14="http://schemas.microsoft.com/office/drawing/2010/main" xmlns="" w="9525">
                   <a:solidFill>
                     <a:srgbClr val="000000"/>
                   </a:solidFill>
@@ -4401,7 +4401,7 @@
           <a:p>
             <a:fld id="{48A87A34-81AB-432B-8DAE-1953F412C126}" type="datetimeFigureOut">
               <a:rPr lang="en-US" dirty="0"/>
-              <a:t>9/25/2018</a:t>
+              <a:t>9/26/2018</a:t>
             </a:fld>
             <a:endParaRPr lang="en-US" dirty="0"/>
           </a:p>
@@ -4663,7 +4663,7 @@
           <a:p>
             <a:fld id="{48A87A34-81AB-432B-8DAE-1953F412C126}" type="datetimeFigureOut">
               <a:rPr lang="en-US" dirty="0"/>
-              <a:t>9/25/2018</a:t>
+              <a:t>9/26/2018</a:t>
             </a:fld>
             <a:endParaRPr lang="en-US" dirty="0"/>
           </a:p>
@@ -4854,7 +4854,7 @@
           <a:p>
             <a:fld id="{48A87A34-81AB-432B-8DAE-1953F412C126}" type="datetimeFigureOut">
               <a:rPr lang="en-US" dirty="0"/>
-              <a:t>9/25/2018</a:t>
+              <a:t>9/26/2018</a:t>
             </a:fld>
             <a:endParaRPr lang="en-US" dirty="0"/>
           </a:p>
@@ -5112,7 +5112,7 @@
           <a:p>
             <a:fld id="{48A87A34-81AB-432B-8DAE-1953F412C126}" type="datetimeFigureOut">
               <a:rPr lang="en-US" dirty="0"/>
-              <a:t>9/25/2018</a:t>
+              <a:t>9/26/2018</a:t>
             </a:fld>
             <a:endParaRPr lang="en-US" dirty="0"/>
           </a:p>
@@ -5541,7 +5541,7 @@
           <a:p>
             <a:fld id="{48A87A34-81AB-432B-8DAE-1953F412C126}" type="datetimeFigureOut">
               <a:rPr lang="en-US" dirty="0"/>
-              <a:t>9/25/2018</a:t>
+              <a:t>9/26/2018</a:t>
             </a:fld>
             <a:endParaRPr lang="en-US" dirty="0"/>
           </a:p>
@@ -6082,7 +6082,7 @@
           <a:p>
             <a:fld id="{48A87A34-81AB-432B-8DAE-1953F412C126}" type="datetimeFigureOut">
               <a:rPr lang="en-US" dirty="0"/>
-              <a:t>9/25/2018</a:t>
+              <a:t>9/26/2018</a:t>
             </a:fld>
             <a:endParaRPr lang="en-US" dirty="0"/>
           </a:p>
@@ -6797,7 +6797,7 @@
           <a:p>
             <a:fld id="{48A87A34-81AB-432B-8DAE-1953F412C126}" type="datetimeFigureOut">
               <a:rPr lang="en-US" dirty="0"/>
-              <a:t>9/25/2018</a:t>
+              <a:t>9/26/2018</a:t>
             </a:fld>
             <a:endParaRPr lang="en-US" dirty="0"/>
           </a:p>
@@ -6962,7 +6962,7 @@
           <a:p>
             <a:fld id="{48A87A34-81AB-432B-8DAE-1953F412C126}" type="datetimeFigureOut">
               <a:rPr lang="en-US" dirty="0"/>
-              <a:t>9/25/2018</a:t>
+              <a:t>9/26/2018</a:t>
             </a:fld>
             <a:endParaRPr lang="en-US" dirty="0"/>
           </a:p>
@@ -7137,7 +7137,7 @@
           <a:p>
             <a:fld id="{48A87A34-81AB-432B-8DAE-1953F412C126}" type="datetimeFigureOut">
               <a:rPr lang="en-US" dirty="0"/>
-              <a:t>9/25/2018</a:t>
+              <a:t>9/26/2018</a:t>
             </a:fld>
             <a:endParaRPr lang="en-US" dirty="0"/>
           </a:p>
@@ -7302,7 +7302,7 @@
           <a:p>
             <a:fld id="{48A87A34-81AB-432B-8DAE-1953F412C126}" type="datetimeFigureOut">
               <a:rPr lang="en-US" dirty="0"/>
-              <a:t>9/25/2018</a:t>
+              <a:t>9/26/2018</a:t>
             </a:fld>
             <a:endParaRPr lang="en-US" dirty="0"/>
           </a:p>
@@ -7547,7 +7547,7 @@
           <a:p>
             <a:fld id="{48A87A34-81AB-432B-8DAE-1953F412C126}" type="datetimeFigureOut">
               <a:rPr lang="en-US" dirty="0"/>
-              <a:t>9/25/2018</a:t>
+              <a:t>9/26/2018</a:t>
             </a:fld>
             <a:endParaRPr lang="en-US" dirty="0"/>
           </a:p>
@@ -7774,7 +7774,7 @@
           <a:p>
             <a:fld id="{48A87A34-81AB-432B-8DAE-1953F412C126}" type="datetimeFigureOut">
               <a:rPr lang="en-US" dirty="0"/>
-              <a:t>9/25/2018</a:t>
+              <a:t>9/26/2018</a:t>
             </a:fld>
             <a:endParaRPr lang="en-US" dirty="0"/>
           </a:p>
@@ -8150,7 +8150,7 @@
           <a:p>
             <a:fld id="{48A87A34-81AB-432B-8DAE-1953F412C126}" type="datetimeFigureOut">
               <a:rPr lang="en-US" dirty="0"/>
-              <a:t>9/25/2018</a:t>
+              <a:t>9/26/2018</a:t>
             </a:fld>
             <a:endParaRPr lang="en-US" dirty="0"/>
           </a:p>
@@ -8263,7 +8263,7 @@
           <a:p>
             <a:fld id="{48A87A34-81AB-432B-8DAE-1953F412C126}" type="datetimeFigureOut">
               <a:rPr lang="en-US" dirty="0"/>
-              <a:t>9/25/2018</a:t>
+              <a:t>9/26/2018</a:t>
             </a:fld>
             <a:endParaRPr lang="en-US" dirty="0"/>
           </a:p>
@@ -8353,7 +8353,7 @@
           <a:p>
             <a:fld id="{48A87A34-81AB-432B-8DAE-1953F412C126}" type="datetimeFigureOut">
               <a:rPr lang="en-US" dirty="0"/>
-              <a:t>9/25/2018</a:t>
+              <a:t>9/26/2018</a:t>
             </a:fld>
             <a:endParaRPr lang="en-US" dirty="0"/>
           </a:p>
@@ -8597,7 +8597,7 @@
           <a:p>
             <a:fld id="{48A87A34-81AB-432B-8DAE-1953F412C126}" type="datetimeFigureOut">
               <a:rPr lang="en-US" dirty="0"/>
-              <a:t>9/25/2018</a:t>
+              <a:t>9/26/2018</a:t>
             </a:fld>
             <a:endParaRPr lang="en-US" dirty="0"/>
           </a:p>
@@ -8872,7 +8872,7 @@
           <a:p>
             <a:fld id="{48A87A34-81AB-432B-8DAE-1953F412C126}" type="datetimeFigureOut">
               <a:rPr lang="en-US" dirty="0"/>
-              <a:t>9/25/2018</a:t>
+              <a:t>9/26/2018</a:t>
             </a:fld>
             <a:endParaRPr lang="en-US" dirty="0"/>
           </a:p>
@@ -8983,7 +8983,7 @@
           <a:noFill/>
           <a:extLst>
             <a:ext uri="{909E8E84-426E-40dd-AFC4-6F175D3DCCD1}">
-              <a14:hiddenFill xmlns="" xmlns:a14="http://schemas.microsoft.com/office/drawing/2010/main">
+              <a14:hiddenFill xmlns:a14="http://schemas.microsoft.com/office/drawing/2010/main" xmlns="">
                 <a:solidFill>
                   <a:srgbClr val="FFFFFF"/>
                 </a:solidFill>
@@ -9057,7 +9057,7 @@
               </a:ln>
               <a:extLst>
                 <a:ext uri="{91240B29-F687-4f45-9708-019B960494DF}">
-                  <a14:hiddenLine xmlns="" xmlns:a14="http://schemas.microsoft.com/office/drawing/2010/main" w="9525">
+                  <a14:hiddenLine xmlns:a14="http://schemas.microsoft.com/office/drawing/2010/main" xmlns="" w="9525">
                     <a:solidFill>
                       <a:srgbClr val="000000"/>
                     </a:solidFill>
@@ -9147,7 +9147,7 @@
               </a:ln>
               <a:extLst>
                 <a:ext uri="{91240B29-F687-4f45-9708-019B960494DF}">
-                  <a14:hiddenLine xmlns="" xmlns:a14="http://schemas.microsoft.com/office/drawing/2010/main" w="9525">
+                  <a14:hiddenLine xmlns:a14="http://schemas.microsoft.com/office/drawing/2010/main" xmlns="" w="9525">
                     <a:solidFill>
                       <a:srgbClr val="000000"/>
                     </a:solidFill>
@@ -9237,7 +9237,7 @@
               </a:ln>
               <a:extLst>
                 <a:ext uri="{91240B29-F687-4f45-9708-019B960494DF}">
-                  <a14:hiddenLine xmlns="" xmlns:a14="http://schemas.microsoft.com/office/drawing/2010/main" w="9525">
+                  <a14:hiddenLine xmlns:a14="http://schemas.microsoft.com/office/drawing/2010/main" xmlns="" w="9525">
                     <a:solidFill>
                       <a:srgbClr val="000000"/>
                     </a:solidFill>
@@ -9299,7 +9299,7 @@
               </a:ln>
               <a:extLst>
                 <a:ext uri="{91240B29-F687-4f45-9708-019B960494DF}">
-                  <a14:hiddenLine xmlns="" xmlns:a14="http://schemas.microsoft.com/office/drawing/2010/main" w="9525">
+                  <a14:hiddenLine xmlns:a14="http://schemas.microsoft.com/office/drawing/2010/main" xmlns="" w="9525">
                     <a:solidFill>
                       <a:srgbClr val="000000"/>
                     </a:solidFill>
@@ -9389,7 +9389,7 @@
               </a:ln>
               <a:extLst>
                 <a:ext uri="{91240B29-F687-4f45-9708-019B960494DF}">
-                  <a14:hiddenLine xmlns="" xmlns:a14="http://schemas.microsoft.com/office/drawing/2010/main" w="9525">
+                  <a14:hiddenLine xmlns:a14="http://schemas.microsoft.com/office/drawing/2010/main" xmlns="" w="9525">
                     <a:solidFill>
                       <a:srgbClr val="000000"/>
                     </a:solidFill>
@@ -9451,7 +9451,7 @@
               </a:ln>
               <a:extLst>
                 <a:ext uri="{91240B29-F687-4f45-9708-019B960494DF}">
-                  <a14:hiddenLine xmlns="" xmlns:a14="http://schemas.microsoft.com/office/drawing/2010/main" w="9525">
+                  <a14:hiddenLine xmlns:a14="http://schemas.microsoft.com/office/drawing/2010/main" xmlns="" w="9525">
                     <a:solidFill>
                       <a:srgbClr val="000000"/>
                     </a:solidFill>
@@ -9513,7 +9513,7 @@
               </a:ln>
               <a:extLst>
                 <a:ext uri="{91240B29-F687-4f45-9708-019B960494DF}">
-                  <a14:hiddenLine xmlns="" xmlns:a14="http://schemas.microsoft.com/office/drawing/2010/main" w="9525">
+                  <a14:hiddenLine xmlns:a14="http://schemas.microsoft.com/office/drawing/2010/main" xmlns="" w="9525">
                     <a:solidFill>
                       <a:srgbClr val="000000"/>
                     </a:solidFill>
@@ -9603,7 +9603,7 @@
               </a:ln>
               <a:extLst>
                 <a:ext uri="{91240B29-F687-4f45-9708-019B960494DF}">
-                  <a14:hiddenLine xmlns="" xmlns:a14="http://schemas.microsoft.com/office/drawing/2010/main" w="9525">
+                  <a14:hiddenLine xmlns:a14="http://schemas.microsoft.com/office/drawing/2010/main" xmlns="" w="9525">
                     <a:solidFill>
                       <a:srgbClr val="000000"/>
                     </a:solidFill>
@@ -9693,7 +9693,7 @@
               </a:ln>
               <a:extLst>
                 <a:ext uri="{91240B29-F687-4f45-9708-019B960494DF}">
-                  <a14:hiddenLine xmlns="" xmlns:a14="http://schemas.microsoft.com/office/drawing/2010/main" w="9525">
+                  <a14:hiddenLine xmlns:a14="http://schemas.microsoft.com/office/drawing/2010/main" xmlns="" w="9525">
                     <a:solidFill>
                       <a:srgbClr val="000000"/>
                     </a:solidFill>
@@ -9755,7 +9755,7 @@
               </a:ln>
               <a:extLst>
                 <a:ext uri="{91240B29-F687-4f45-9708-019B960494DF}">
-                  <a14:hiddenLine xmlns="" xmlns:a14="http://schemas.microsoft.com/office/drawing/2010/main" w="9525">
+                  <a14:hiddenLine xmlns:a14="http://schemas.microsoft.com/office/drawing/2010/main" xmlns="" w="9525">
                     <a:solidFill>
                       <a:srgbClr val="000000"/>
                     </a:solidFill>
@@ -9865,7 +9865,7 @@
               </a:ln>
               <a:extLst>
                 <a:ext uri="{91240B29-F687-4f45-9708-019B960494DF}">
-                  <a14:hiddenLine xmlns="" xmlns:a14="http://schemas.microsoft.com/office/drawing/2010/main" w="9525">
+                  <a14:hiddenLine xmlns:a14="http://schemas.microsoft.com/office/drawing/2010/main" xmlns="" w="9525">
                     <a:solidFill>
                       <a:srgbClr val="000000"/>
                     </a:solidFill>
@@ -9949,7 +9949,7 @@
               </a:ln>
               <a:extLst>
                 <a:ext uri="{91240B29-F687-4f45-9708-019B960494DF}">
-                  <a14:hiddenLine xmlns="" xmlns:a14="http://schemas.microsoft.com/office/drawing/2010/main" w="9525">
+                  <a14:hiddenLine xmlns:a14="http://schemas.microsoft.com/office/drawing/2010/main" xmlns="" w="9525">
                     <a:solidFill>
                       <a:srgbClr val="000000"/>
                     </a:solidFill>
@@ -10011,7 +10011,7 @@
               </a:ln>
               <a:extLst>
                 <a:ext uri="{91240B29-F687-4f45-9708-019B960494DF}">
-                  <a14:hiddenLine xmlns="" xmlns:a14="http://schemas.microsoft.com/office/drawing/2010/main" w="9525">
+                  <a14:hiddenLine xmlns:a14="http://schemas.microsoft.com/office/drawing/2010/main" xmlns="" w="9525">
                     <a:solidFill>
                       <a:srgbClr val="000000"/>
                     </a:solidFill>
@@ -10073,7 +10073,7 @@
               </a:ln>
               <a:extLst>
                 <a:ext uri="{91240B29-F687-4f45-9708-019B960494DF}">
-                  <a14:hiddenLine xmlns="" xmlns:a14="http://schemas.microsoft.com/office/drawing/2010/main" w="9525">
+                  <a14:hiddenLine xmlns:a14="http://schemas.microsoft.com/office/drawing/2010/main" xmlns="" w="9525">
                     <a:solidFill>
                       <a:srgbClr val="000000"/>
                     </a:solidFill>
@@ -10163,7 +10163,7 @@
               </a:ln>
               <a:extLst>
                 <a:ext uri="{91240B29-F687-4f45-9708-019B960494DF}">
-                  <a14:hiddenLine xmlns="" xmlns:a14="http://schemas.microsoft.com/office/drawing/2010/main" w="9525">
+                  <a14:hiddenLine xmlns:a14="http://schemas.microsoft.com/office/drawing/2010/main" xmlns="" w="9525">
                     <a:solidFill>
                       <a:srgbClr val="000000"/>
                     </a:solidFill>
@@ -10197,7 +10197,7 @@
               </a:ln>
               <a:extLst>
                 <a:ext uri="{91240B29-F687-4f45-9708-019B960494DF}">
-                  <a14:hiddenLine xmlns="" xmlns:a14="http://schemas.microsoft.com/office/drawing/2010/main" w="9525">
+                  <a14:hiddenLine xmlns:a14="http://schemas.microsoft.com/office/drawing/2010/main" xmlns="" w="9525">
                     <a:solidFill>
                       <a:srgbClr val="000000"/>
                     </a:solidFill>
@@ -10262,7 +10262,7 @@
               </a:ln>
               <a:extLst>
                 <a:ext uri="{91240B29-F687-4f45-9708-019B960494DF}">
-                  <a14:hiddenLine xmlns="" xmlns:a14="http://schemas.microsoft.com/office/drawing/2010/main" w="9525">
+                  <a14:hiddenLine xmlns:a14="http://schemas.microsoft.com/office/drawing/2010/main" xmlns="" w="9525">
                     <a:solidFill>
                       <a:srgbClr val="000000"/>
                     </a:solidFill>
@@ -10352,7 +10352,7 @@
               </a:ln>
               <a:extLst>
                 <a:ext uri="{91240B29-F687-4f45-9708-019B960494DF}">
-                  <a14:hiddenLine xmlns="" xmlns:a14="http://schemas.microsoft.com/office/drawing/2010/main" w="9525">
+                  <a14:hiddenLine xmlns:a14="http://schemas.microsoft.com/office/drawing/2010/main" xmlns="" w="9525">
                     <a:solidFill>
                       <a:srgbClr val="000000"/>
                     </a:solidFill>
@@ -10414,7 +10414,7 @@
               </a:ln>
               <a:extLst>
                 <a:ext uri="{91240B29-F687-4f45-9708-019B960494DF}">
-                  <a14:hiddenLine xmlns="" xmlns:a14="http://schemas.microsoft.com/office/drawing/2010/main" w="9525">
+                  <a14:hiddenLine xmlns:a14="http://schemas.microsoft.com/office/drawing/2010/main" xmlns="" w="9525">
                     <a:solidFill>
                       <a:srgbClr val="000000"/>
                     </a:solidFill>
@@ -10504,7 +10504,7 @@
               </a:ln>
               <a:extLst>
                 <a:ext uri="{91240B29-F687-4f45-9708-019B960494DF}">
-                  <a14:hiddenLine xmlns="" xmlns:a14="http://schemas.microsoft.com/office/drawing/2010/main" w="9525">
+                  <a14:hiddenLine xmlns:a14="http://schemas.microsoft.com/office/drawing/2010/main" xmlns="" w="9525">
                     <a:solidFill>
                       <a:srgbClr val="000000"/>
                     </a:solidFill>
@@ -10569,7 +10569,7 @@
               </a:ln>
               <a:extLst>
                 <a:ext uri="{91240B29-F687-4f45-9708-019B960494DF}">
-                  <a14:hiddenLine xmlns="" xmlns:a14="http://schemas.microsoft.com/office/drawing/2010/main" w="9525">
+                  <a14:hiddenLine xmlns:a14="http://schemas.microsoft.com/office/drawing/2010/main" xmlns="" w="9525">
                     <a:solidFill>
                       <a:srgbClr val="000000"/>
                     </a:solidFill>
@@ -10631,7 +10631,7 @@
               </a:ln>
               <a:extLst>
                 <a:ext uri="{91240B29-F687-4f45-9708-019B960494DF}">
-                  <a14:hiddenLine xmlns="" xmlns:a14="http://schemas.microsoft.com/office/drawing/2010/main" w="9525">
+                  <a14:hiddenLine xmlns:a14="http://schemas.microsoft.com/office/drawing/2010/main" xmlns="" w="9525">
                     <a:solidFill>
                       <a:srgbClr val="000000"/>
                     </a:solidFill>
@@ -10721,7 +10721,7 @@
               </a:ln>
               <a:extLst>
                 <a:ext uri="{91240B29-F687-4f45-9708-019B960494DF}">
-                  <a14:hiddenLine xmlns="" xmlns:a14="http://schemas.microsoft.com/office/drawing/2010/main" w="9525">
+                  <a14:hiddenLine xmlns:a14="http://schemas.microsoft.com/office/drawing/2010/main" xmlns="" w="9525">
                     <a:solidFill>
                       <a:srgbClr val="000000"/>
                     </a:solidFill>
@@ -10811,7 +10811,7 @@
               </a:ln>
               <a:extLst>
                 <a:ext uri="{91240B29-F687-4f45-9708-019B960494DF}">
-                  <a14:hiddenLine xmlns="" xmlns:a14="http://schemas.microsoft.com/office/drawing/2010/main" w="9525">
+                  <a14:hiddenLine xmlns:a14="http://schemas.microsoft.com/office/drawing/2010/main" xmlns="" w="9525">
                     <a:solidFill>
                       <a:srgbClr val="000000"/>
                     </a:solidFill>
@@ -10876,7 +10876,7 @@
               </a:ln>
               <a:extLst>
                 <a:ext uri="{91240B29-F687-4f45-9708-019B960494DF}">
-                  <a14:hiddenLine xmlns="" xmlns:a14="http://schemas.microsoft.com/office/drawing/2010/main" w="9525">
+                  <a14:hiddenLine xmlns:a14="http://schemas.microsoft.com/office/drawing/2010/main" xmlns="" w="9525">
                     <a:solidFill>
                       <a:srgbClr val="000000"/>
                     </a:solidFill>
@@ -10996,7 +10996,7 @@
               </a:ln>
               <a:extLst>
                 <a:ext uri="{91240B29-F687-4f45-9708-019B960494DF}">
-                  <a14:hiddenLine xmlns="" xmlns:a14="http://schemas.microsoft.com/office/drawing/2010/main" w="9525">
+                  <a14:hiddenLine xmlns:a14="http://schemas.microsoft.com/office/drawing/2010/main" xmlns="" w="9525">
                     <a:solidFill>
                       <a:srgbClr val="000000"/>
                     </a:solidFill>
@@ -11094,7 +11094,7 @@
               </a:ln>
               <a:extLst>
                 <a:ext uri="{91240B29-F687-4f45-9708-019B960494DF}">
-                  <a14:hiddenLine xmlns="" xmlns:a14="http://schemas.microsoft.com/office/drawing/2010/main" w="9525">
+                  <a14:hiddenLine xmlns:a14="http://schemas.microsoft.com/office/drawing/2010/main" xmlns="" w="9525">
                     <a:solidFill>
                       <a:srgbClr val="000000"/>
                     </a:solidFill>
@@ -11209,7 +11209,7 @@
               </a:ln>
               <a:extLst>
                 <a:ext uri="{91240B29-F687-4f45-9708-019B960494DF}">
-                  <a14:hiddenLine xmlns="" xmlns:a14="http://schemas.microsoft.com/office/drawing/2010/main" w="9525">
+                  <a14:hiddenLine xmlns:a14="http://schemas.microsoft.com/office/drawing/2010/main" xmlns="" w="9525">
                     <a:solidFill>
                       <a:srgbClr val="000000"/>
                     </a:solidFill>
@@ -11299,7 +11299,7 @@
               </a:ln>
               <a:extLst>
                 <a:ext uri="{91240B29-F687-4f45-9708-019B960494DF}">
-                  <a14:hiddenLine xmlns="" xmlns:a14="http://schemas.microsoft.com/office/drawing/2010/main" w="9525">
+                  <a14:hiddenLine xmlns:a14="http://schemas.microsoft.com/office/drawing/2010/main" xmlns="" w="9525">
                     <a:solidFill>
                       <a:srgbClr val="000000"/>
                     </a:solidFill>
@@ -11364,7 +11364,7 @@
               </a:ln>
               <a:extLst>
                 <a:ext uri="{91240B29-F687-4f45-9708-019B960494DF}">
-                  <a14:hiddenLine xmlns="" xmlns:a14="http://schemas.microsoft.com/office/drawing/2010/main" w="9525">
+                  <a14:hiddenLine xmlns:a14="http://schemas.microsoft.com/office/drawing/2010/main" xmlns="" w="9525">
                     <a:solidFill>
                       <a:srgbClr val="000000"/>
                     </a:solidFill>
@@ -11454,7 +11454,7 @@
               </a:ln>
               <a:extLst>
                 <a:ext uri="{91240B29-F687-4f45-9708-019B960494DF}">
-                  <a14:hiddenLine xmlns="" xmlns:a14="http://schemas.microsoft.com/office/drawing/2010/main" w="9525">
+                  <a14:hiddenLine xmlns:a14="http://schemas.microsoft.com/office/drawing/2010/main" xmlns="" w="9525">
                     <a:solidFill>
                       <a:srgbClr val="000000"/>
                     </a:solidFill>
@@ -11522,7 +11522,7 @@
               </a:ln>
               <a:extLst>
                 <a:ext uri="{91240B29-F687-4f45-9708-019B960494DF}">
-                  <a14:hiddenLine xmlns="" xmlns:a14="http://schemas.microsoft.com/office/drawing/2010/main" w="9525">
+                  <a14:hiddenLine xmlns:a14="http://schemas.microsoft.com/office/drawing/2010/main" xmlns="" w="9525">
                     <a:solidFill>
                       <a:srgbClr val="000000"/>
                     </a:solidFill>
@@ -11612,7 +11612,7 @@
               </a:ln>
               <a:extLst>
                 <a:ext uri="{91240B29-F687-4f45-9708-019B960494DF}">
-                  <a14:hiddenLine xmlns="" xmlns:a14="http://schemas.microsoft.com/office/drawing/2010/main" w="9525">
+                  <a14:hiddenLine xmlns:a14="http://schemas.microsoft.com/office/drawing/2010/main" xmlns="" w="9525">
                     <a:solidFill>
                       <a:srgbClr val="000000"/>
                     </a:solidFill>
@@ -11680,7 +11680,7 @@
               </a:ln>
               <a:extLst>
                 <a:ext uri="{91240B29-F687-4f45-9708-019B960494DF}">
-                  <a14:hiddenLine xmlns="" xmlns:a14="http://schemas.microsoft.com/office/drawing/2010/main" w="9525">
+                  <a14:hiddenLine xmlns:a14="http://schemas.microsoft.com/office/drawing/2010/main" xmlns="" w="9525">
                     <a:solidFill>
                       <a:srgbClr val="000000"/>
                     </a:solidFill>
@@ -11770,7 +11770,7 @@
               </a:ln>
               <a:extLst>
                 <a:ext uri="{91240B29-F687-4f45-9708-019B960494DF}">
-                  <a14:hiddenLine xmlns="" xmlns:a14="http://schemas.microsoft.com/office/drawing/2010/main" w="9525">
+                  <a14:hiddenLine xmlns:a14="http://schemas.microsoft.com/office/drawing/2010/main" xmlns="" w="9525">
                     <a:solidFill>
                       <a:srgbClr val="000000"/>
                     </a:solidFill>
@@ -11804,7 +11804,7 @@
               </a:ln>
               <a:extLst>
                 <a:ext uri="{91240B29-F687-4f45-9708-019B960494DF}">
-                  <a14:hiddenLine xmlns="" xmlns:a14="http://schemas.microsoft.com/office/drawing/2010/main" w="9525">
+                  <a14:hiddenLine xmlns:a14="http://schemas.microsoft.com/office/drawing/2010/main" xmlns="" w="9525">
                     <a:solidFill>
                       <a:srgbClr val="000000"/>
                     </a:solidFill>
@@ -11945,7 +11945,7 @@
             <a:fld id="{48A87A34-81AB-432B-8DAE-1953F412C126}" type="datetimeFigureOut">
               <a:rPr lang="en-US" dirty="0"/>
               <a:pPr/>
-              <a:t>9/25/2018</a:t>
+              <a:t>9/26/2018</a:t>
             </a:fld>
             <a:endParaRPr lang="en-US" dirty="0"/>
           </a:p>
@@ -13087,7 +13087,7 @@
               </a:ln>
               <a:extLst>
                 <a:ext uri="{91240B29-F687-4f45-9708-019B960494DF}">
-                  <a14:hiddenLine xmlns="" xmlns:a16="http://schemas.microsoft.com/office/drawing/2014/main" xmlns:p14="http://schemas.microsoft.com/office/powerpoint/2010/main" xmlns:a14="http://schemas.microsoft.com/office/drawing/2010/main" w="9525">
+                  <a14:hiddenLine xmlns:a14="http://schemas.microsoft.com/office/drawing/2010/main" xmlns:p14="http://schemas.microsoft.com/office/powerpoint/2010/main" xmlns:a16="http://schemas.microsoft.com/office/drawing/2014/main" xmlns="" w="9525">
                     <a:solidFill>
                       <a:srgbClr val="000000"/>
                     </a:solidFill>
@@ -13192,7 +13192,7 @@
               </a:ln>
               <a:extLst>
                 <a:ext uri="{91240B29-F687-4f45-9708-019B960494DF}">
-                  <a14:hiddenLine xmlns="" xmlns:a16="http://schemas.microsoft.com/office/drawing/2014/main" xmlns:p14="http://schemas.microsoft.com/office/powerpoint/2010/main" xmlns:a14="http://schemas.microsoft.com/office/drawing/2010/main" w="9525">
+                  <a14:hiddenLine xmlns:a14="http://schemas.microsoft.com/office/drawing/2010/main" xmlns:p14="http://schemas.microsoft.com/office/powerpoint/2010/main" xmlns:a16="http://schemas.microsoft.com/office/drawing/2014/main" xmlns="" w="9525">
                     <a:solidFill>
                       <a:srgbClr val="000000"/>
                     </a:solidFill>
@@ -13297,7 +13297,7 @@
               </a:ln>
               <a:extLst>
                 <a:ext uri="{91240B29-F687-4f45-9708-019B960494DF}">
-                  <a14:hiddenLine xmlns="" xmlns:a16="http://schemas.microsoft.com/office/drawing/2014/main" xmlns:p14="http://schemas.microsoft.com/office/powerpoint/2010/main" xmlns:a14="http://schemas.microsoft.com/office/drawing/2010/main" w="9525">
+                  <a14:hiddenLine xmlns:a14="http://schemas.microsoft.com/office/drawing/2010/main" xmlns:p14="http://schemas.microsoft.com/office/powerpoint/2010/main" xmlns:a16="http://schemas.microsoft.com/office/drawing/2014/main" xmlns="" w="9525">
                     <a:solidFill>
                       <a:srgbClr val="000000"/>
                     </a:solidFill>
@@ -13374,7 +13374,7 @@
               </a:ln>
               <a:extLst>
                 <a:ext uri="{91240B29-F687-4f45-9708-019B960494DF}">
-                  <a14:hiddenLine xmlns="" xmlns:a16="http://schemas.microsoft.com/office/drawing/2014/main" xmlns:p14="http://schemas.microsoft.com/office/powerpoint/2010/main" xmlns:a14="http://schemas.microsoft.com/office/drawing/2010/main" w="9525">
+                  <a14:hiddenLine xmlns:a14="http://schemas.microsoft.com/office/drawing/2010/main" xmlns:p14="http://schemas.microsoft.com/office/powerpoint/2010/main" xmlns:a16="http://schemas.microsoft.com/office/drawing/2014/main" xmlns="" w="9525">
                     <a:solidFill>
                       <a:srgbClr val="000000"/>
                     </a:solidFill>
@@ -13479,7 +13479,7 @@
               </a:ln>
               <a:extLst>
                 <a:ext uri="{91240B29-F687-4f45-9708-019B960494DF}">
-                  <a14:hiddenLine xmlns="" xmlns:a16="http://schemas.microsoft.com/office/drawing/2014/main" xmlns:p14="http://schemas.microsoft.com/office/powerpoint/2010/main" xmlns:a14="http://schemas.microsoft.com/office/drawing/2010/main" w="9525">
+                  <a14:hiddenLine xmlns:a14="http://schemas.microsoft.com/office/drawing/2010/main" xmlns:p14="http://schemas.microsoft.com/office/powerpoint/2010/main" xmlns:a16="http://schemas.microsoft.com/office/drawing/2014/main" xmlns="" w="9525">
                     <a:solidFill>
                       <a:srgbClr val="000000"/>
                     </a:solidFill>
@@ -13556,7 +13556,7 @@
               </a:ln>
               <a:extLst>
                 <a:ext uri="{91240B29-F687-4f45-9708-019B960494DF}">
-                  <a14:hiddenLine xmlns="" xmlns:a16="http://schemas.microsoft.com/office/drawing/2014/main" xmlns:p14="http://schemas.microsoft.com/office/powerpoint/2010/main" xmlns:a14="http://schemas.microsoft.com/office/drawing/2010/main" w="9525">
+                  <a14:hiddenLine xmlns:a14="http://schemas.microsoft.com/office/drawing/2010/main" xmlns:p14="http://schemas.microsoft.com/office/powerpoint/2010/main" xmlns:a16="http://schemas.microsoft.com/office/drawing/2014/main" xmlns="" w="9525">
                     <a:solidFill>
                       <a:srgbClr val="000000"/>
                     </a:solidFill>
@@ -13633,7 +13633,7 @@
               </a:ln>
               <a:extLst>
                 <a:ext uri="{91240B29-F687-4f45-9708-019B960494DF}">
-                  <a14:hiddenLine xmlns="" xmlns:a16="http://schemas.microsoft.com/office/drawing/2014/main" xmlns:p14="http://schemas.microsoft.com/office/powerpoint/2010/main" xmlns:a14="http://schemas.microsoft.com/office/drawing/2010/main" w="9525">
+                  <a14:hiddenLine xmlns:a14="http://schemas.microsoft.com/office/drawing/2010/main" xmlns:p14="http://schemas.microsoft.com/office/powerpoint/2010/main" xmlns:a16="http://schemas.microsoft.com/office/drawing/2014/main" xmlns="" w="9525">
                     <a:solidFill>
                       <a:srgbClr val="000000"/>
                     </a:solidFill>
@@ -13738,7 +13738,7 @@
               </a:ln>
               <a:extLst>
                 <a:ext uri="{91240B29-F687-4f45-9708-019B960494DF}">
-                  <a14:hiddenLine xmlns="" xmlns:a16="http://schemas.microsoft.com/office/drawing/2014/main" xmlns:p14="http://schemas.microsoft.com/office/powerpoint/2010/main" xmlns:a14="http://schemas.microsoft.com/office/drawing/2010/main" w="9525">
+                  <a14:hiddenLine xmlns:a14="http://schemas.microsoft.com/office/drawing/2010/main" xmlns:p14="http://schemas.microsoft.com/office/powerpoint/2010/main" xmlns:a16="http://schemas.microsoft.com/office/drawing/2014/main" xmlns="" w="9525">
                     <a:solidFill>
                       <a:srgbClr val="000000"/>
                     </a:solidFill>
@@ -13843,7 +13843,7 @@
               </a:ln>
               <a:extLst>
                 <a:ext uri="{91240B29-F687-4f45-9708-019B960494DF}">
-                  <a14:hiddenLine xmlns="" xmlns:a16="http://schemas.microsoft.com/office/drawing/2014/main" xmlns:p14="http://schemas.microsoft.com/office/powerpoint/2010/main" xmlns:a14="http://schemas.microsoft.com/office/drawing/2010/main" w="9525">
+                  <a14:hiddenLine xmlns:a14="http://schemas.microsoft.com/office/drawing/2010/main" xmlns:p14="http://schemas.microsoft.com/office/powerpoint/2010/main" xmlns:a16="http://schemas.microsoft.com/office/drawing/2014/main" xmlns="" w="9525">
                     <a:solidFill>
                       <a:srgbClr val="000000"/>
                     </a:solidFill>
@@ -13920,7 +13920,7 @@
               </a:ln>
               <a:extLst>
                 <a:ext uri="{91240B29-F687-4f45-9708-019B960494DF}">
-                  <a14:hiddenLine xmlns="" xmlns:a16="http://schemas.microsoft.com/office/drawing/2014/main" xmlns:p14="http://schemas.microsoft.com/office/powerpoint/2010/main" xmlns:a14="http://schemas.microsoft.com/office/drawing/2010/main" w="9525">
+                  <a14:hiddenLine xmlns:a14="http://schemas.microsoft.com/office/drawing/2010/main" xmlns:p14="http://schemas.microsoft.com/office/powerpoint/2010/main" xmlns:a16="http://schemas.microsoft.com/office/drawing/2014/main" xmlns="" w="9525">
                     <a:solidFill>
                       <a:srgbClr val="000000"/>
                     </a:solidFill>
@@ -14045,7 +14045,7 @@
               </a:ln>
               <a:extLst>
                 <a:ext uri="{91240B29-F687-4f45-9708-019B960494DF}">
-                  <a14:hiddenLine xmlns="" xmlns:a16="http://schemas.microsoft.com/office/drawing/2014/main" xmlns:p14="http://schemas.microsoft.com/office/powerpoint/2010/main" xmlns:a14="http://schemas.microsoft.com/office/drawing/2010/main" w="9525">
+                  <a14:hiddenLine xmlns:a14="http://schemas.microsoft.com/office/drawing/2010/main" xmlns:p14="http://schemas.microsoft.com/office/powerpoint/2010/main" xmlns:a16="http://schemas.microsoft.com/office/drawing/2014/main" xmlns="" w="9525">
                     <a:solidFill>
                       <a:srgbClr val="000000"/>
                     </a:solidFill>
@@ -14159,7 +14159,7 @@
               </a:ln>
               <a:extLst>
                 <a:ext uri="{91240B29-F687-4f45-9708-019B960494DF}">
-                  <a14:hiddenLine xmlns="" xmlns:a16="http://schemas.microsoft.com/office/drawing/2014/main" xmlns:p14="http://schemas.microsoft.com/office/powerpoint/2010/main" xmlns:a14="http://schemas.microsoft.com/office/drawing/2010/main" w="9525">
+                  <a14:hiddenLine xmlns:a14="http://schemas.microsoft.com/office/drawing/2010/main" xmlns:p14="http://schemas.microsoft.com/office/powerpoint/2010/main" xmlns:a16="http://schemas.microsoft.com/office/drawing/2014/main" xmlns="" w="9525">
                     <a:solidFill>
                       <a:srgbClr val="000000"/>
                     </a:solidFill>
@@ -14236,7 +14236,7 @@
               </a:ln>
               <a:extLst>
                 <a:ext uri="{91240B29-F687-4f45-9708-019B960494DF}">
-                  <a14:hiddenLine xmlns="" xmlns:a16="http://schemas.microsoft.com/office/drawing/2014/main" xmlns:p14="http://schemas.microsoft.com/office/powerpoint/2010/main" xmlns:a14="http://schemas.microsoft.com/office/drawing/2010/main" w="9525">
+                  <a14:hiddenLine xmlns:a14="http://schemas.microsoft.com/office/drawing/2010/main" xmlns:p14="http://schemas.microsoft.com/office/powerpoint/2010/main" xmlns:a16="http://schemas.microsoft.com/office/drawing/2014/main" xmlns="" w="9525">
                     <a:solidFill>
                       <a:srgbClr val="000000"/>
                     </a:solidFill>
@@ -14313,7 +14313,7 @@
               </a:ln>
               <a:extLst>
                 <a:ext uri="{91240B29-F687-4f45-9708-019B960494DF}">
-                  <a14:hiddenLine xmlns="" xmlns:a16="http://schemas.microsoft.com/office/drawing/2014/main" xmlns:p14="http://schemas.microsoft.com/office/powerpoint/2010/main" xmlns:a14="http://schemas.microsoft.com/office/drawing/2010/main" w="9525">
+                  <a14:hiddenLine xmlns:a14="http://schemas.microsoft.com/office/drawing/2010/main" xmlns:p14="http://schemas.microsoft.com/office/powerpoint/2010/main" xmlns:a16="http://schemas.microsoft.com/office/drawing/2014/main" xmlns="" w="9525">
                     <a:solidFill>
                       <a:srgbClr val="000000"/>
                     </a:solidFill>
@@ -14418,7 +14418,7 @@
               </a:ln>
               <a:extLst>
                 <a:ext uri="{91240B29-F687-4f45-9708-019B960494DF}">
-                  <a14:hiddenLine xmlns="" xmlns:a16="http://schemas.microsoft.com/office/drawing/2014/main" xmlns:p14="http://schemas.microsoft.com/office/powerpoint/2010/main" xmlns:a14="http://schemas.microsoft.com/office/drawing/2010/main" w="9525">
+                  <a14:hiddenLine xmlns:a14="http://schemas.microsoft.com/office/drawing/2010/main" xmlns:p14="http://schemas.microsoft.com/office/powerpoint/2010/main" xmlns:a16="http://schemas.microsoft.com/office/drawing/2014/main" xmlns="" w="9525">
                     <a:solidFill>
                       <a:srgbClr val="000000"/>
                     </a:solidFill>
@@ -14467,7 +14467,7 @@
               </a:ln>
               <a:extLst>
                 <a:ext uri="{91240B29-F687-4f45-9708-019B960494DF}">
-                  <a14:hiddenLine xmlns="" xmlns:a16="http://schemas.microsoft.com/office/drawing/2014/main" xmlns:p14="http://schemas.microsoft.com/office/powerpoint/2010/main" xmlns:a14="http://schemas.microsoft.com/office/drawing/2010/main" w="9525">
+                  <a14:hiddenLine xmlns:a14="http://schemas.microsoft.com/office/drawing/2010/main" xmlns:p14="http://schemas.microsoft.com/office/powerpoint/2010/main" xmlns:a16="http://schemas.microsoft.com/office/drawing/2014/main" xmlns="" w="9525">
                     <a:solidFill>
                       <a:srgbClr val="000000"/>
                     </a:solidFill>
@@ -14547,7 +14547,7 @@
               </a:ln>
               <a:extLst>
                 <a:ext uri="{91240B29-F687-4f45-9708-019B960494DF}">
-                  <a14:hiddenLine xmlns="" xmlns:a16="http://schemas.microsoft.com/office/drawing/2014/main" xmlns:p14="http://schemas.microsoft.com/office/powerpoint/2010/main" xmlns:a14="http://schemas.microsoft.com/office/drawing/2010/main" w="9525">
+                  <a14:hiddenLine xmlns:a14="http://schemas.microsoft.com/office/drawing/2010/main" xmlns:p14="http://schemas.microsoft.com/office/powerpoint/2010/main" xmlns:a16="http://schemas.microsoft.com/office/drawing/2014/main" xmlns="" w="9525">
                     <a:solidFill>
                       <a:srgbClr val="000000"/>
                     </a:solidFill>
@@ -14652,7 +14652,7 @@
               </a:ln>
               <a:extLst>
                 <a:ext uri="{91240B29-F687-4f45-9708-019B960494DF}">
-                  <a14:hiddenLine xmlns="" xmlns:a16="http://schemas.microsoft.com/office/drawing/2014/main" xmlns:p14="http://schemas.microsoft.com/office/powerpoint/2010/main" xmlns:a14="http://schemas.microsoft.com/office/drawing/2010/main" w="9525">
+                  <a14:hiddenLine xmlns:a14="http://schemas.microsoft.com/office/drawing/2010/main" xmlns:p14="http://schemas.microsoft.com/office/powerpoint/2010/main" xmlns:a16="http://schemas.microsoft.com/office/drawing/2014/main" xmlns="" w="9525">
                     <a:solidFill>
                       <a:srgbClr val="000000"/>
                     </a:solidFill>
@@ -14729,7 +14729,7 @@
               </a:ln>
               <a:extLst>
                 <a:ext uri="{91240B29-F687-4f45-9708-019B960494DF}">
-                  <a14:hiddenLine xmlns="" xmlns:a16="http://schemas.microsoft.com/office/drawing/2014/main" xmlns:p14="http://schemas.microsoft.com/office/powerpoint/2010/main" xmlns:a14="http://schemas.microsoft.com/office/drawing/2010/main" w="9525">
+                  <a14:hiddenLine xmlns:a14="http://schemas.microsoft.com/office/drawing/2010/main" xmlns:p14="http://schemas.microsoft.com/office/powerpoint/2010/main" xmlns:a16="http://schemas.microsoft.com/office/drawing/2014/main" xmlns="" w="9525">
                     <a:solidFill>
                       <a:srgbClr val="000000"/>
                     </a:solidFill>
@@ -14834,7 +14834,7 @@
               </a:ln>
               <a:extLst>
                 <a:ext uri="{91240B29-F687-4f45-9708-019B960494DF}">
-                  <a14:hiddenLine xmlns="" xmlns:a16="http://schemas.microsoft.com/office/drawing/2014/main" xmlns:p14="http://schemas.microsoft.com/office/powerpoint/2010/main" xmlns:a14="http://schemas.microsoft.com/office/drawing/2010/main" w="9525">
+                  <a14:hiddenLine xmlns:a14="http://schemas.microsoft.com/office/drawing/2010/main" xmlns:p14="http://schemas.microsoft.com/office/powerpoint/2010/main" xmlns:a16="http://schemas.microsoft.com/office/drawing/2014/main" xmlns="" w="9525">
                     <a:solidFill>
                       <a:srgbClr val="000000"/>
                     </a:solidFill>
@@ -14914,7 +14914,7 @@
               </a:ln>
               <a:extLst>
                 <a:ext uri="{91240B29-F687-4f45-9708-019B960494DF}">
-                  <a14:hiddenLine xmlns="" xmlns:a16="http://schemas.microsoft.com/office/drawing/2014/main" xmlns:p14="http://schemas.microsoft.com/office/powerpoint/2010/main" xmlns:a14="http://schemas.microsoft.com/office/drawing/2010/main" w="9525">
+                  <a14:hiddenLine xmlns:a14="http://schemas.microsoft.com/office/drawing/2010/main" xmlns:p14="http://schemas.microsoft.com/office/powerpoint/2010/main" xmlns:a16="http://schemas.microsoft.com/office/drawing/2014/main" xmlns="" w="9525">
                     <a:solidFill>
                       <a:srgbClr val="000000"/>
                     </a:solidFill>
@@ -14991,7 +14991,7 @@
               </a:ln>
               <a:extLst>
                 <a:ext uri="{91240B29-F687-4f45-9708-019B960494DF}">
-                  <a14:hiddenLine xmlns="" xmlns:a16="http://schemas.microsoft.com/office/drawing/2014/main" xmlns:p14="http://schemas.microsoft.com/office/powerpoint/2010/main" xmlns:a14="http://schemas.microsoft.com/office/drawing/2010/main" w="9525">
+                  <a14:hiddenLine xmlns:a14="http://schemas.microsoft.com/office/drawing/2010/main" xmlns:p14="http://schemas.microsoft.com/office/powerpoint/2010/main" xmlns:a16="http://schemas.microsoft.com/office/drawing/2014/main" xmlns="" w="9525">
                     <a:solidFill>
                       <a:srgbClr val="000000"/>
                     </a:solidFill>
@@ -15096,7 +15096,7 @@
               </a:ln>
               <a:extLst>
                 <a:ext uri="{91240B29-F687-4f45-9708-019B960494DF}">
-                  <a14:hiddenLine xmlns="" xmlns:a16="http://schemas.microsoft.com/office/drawing/2014/main" xmlns:p14="http://schemas.microsoft.com/office/powerpoint/2010/main" xmlns:a14="http://schemas.microsoft.com/office/drawing/2010/main" w="9525">
+                  <a14:hiddenLine xmlns:a14="http://schemas.microsoft.com/office/drawing/2010/main" xmlns:p14="http://schemas.microsoft.com/office/powerpoint/2010/main" xmlns:a16="http://schemas.microsoft.com/office/drawing/2014/main" xmlns="" w="9525">
                     <a:solidFill>
                       <a:srgbClr val="000000"/>
                     </a:solidFill>
@@ -15201,7 +15201,7 @@
               </a:ln>
               <a:extLst>
                 <a:ext uri="{91240B29-F687-4f45-9708-019B960494DF}">
-                  <a14:hiddenLine xmlns="" xmlns:a16="http://schemas.microsoft.com/office/drawing/2014/main" xmlns:p14="http://schemas.microsoft.com/office/powerpoint/2010/main" xmlns:a14="http://schemas.microsoft.com/office/drawing/2010/main" w="9525">
+                  <a14:hiddenLine xmlns:a14="http://schemas.microsoft.com/office/drawing/2010/main" xmlns:p14="http://schemas.microsoft.com/office/powerpoint/2010/main" xmlns:a16="http://schemas.microsoft.com/office/drawing/2014/main" xmlns="" w="9525">
                     <a:solidFill>
                       <a:srgbClr val="000000"/>
                     </a:solidFill>
@@ -15281,7 +15281,7 @@
               </a:ln>
               <a:extLst>
                 <a:ext uri="{91240B29-F687-4f45-9708-019B960494DF}">
-                  <a14:hiddenLine xmlns="" xmlns:a16="http://schemas.microsoft.com/office/drawing/2014/main" xmlns:p14="http://schemas.microsoft.com/office/powerpoint/2010/main" xmlns:a14="http://schemas.microsoft.com/office/drawing/2010/main" w="9525">
+                  <a14:hiddenLine xmlns:a14="http://schemas.microsoft.com/office/drawing/2010/main" xmlns:p14="http://schemas.microsoft.com/office/powerpoint/2010/main" xmlns:a16="http://schemas.microsoft.com/office/drawing/2014/main" xmlns="" w="9525">
                     <a:solidFill>
                       <a:srgbClr val="000000"/>
                     </a:solidFill>
@@ -15416,7 +15416,7 @@
               </a:ln>
               <a:extLst>
                 <a:ext uri="{91240B29-F687-4f45-9708-019B960494DF}">
-                  <a14:hiddenLine xmlns="" xmlns:a16="http://schemas.microsoft.com/office/drawing/2014/main" xmlns:p14="http://schemas.microsoft.com/office/powerpoint/2010/main" xmlns:a14="http://schemas.microsoft.com/office/drawing/2010/main" w="9525">
+                  <a14:hiddenLine xmlns:a14="http://schemas.microsoft.com/office/drawing/2010/main" xmlns:p14="http://schemas.microsoft.com/office/powerpoint/2010/main" xmlns:a16="http://schemas.microsoft.com/office/drawing/2014/main" xmlns="" w="9525">
                     <a:solidFill>
                       <a:srgbClr val="000000"/>
                     </a:solidFill>
@@ -15541,7 +15541,7 @@
               </a:ln>
               <a:extLst>
                 <a:ext uri="{91240B29-F687-4f45-9708-019B960494DF}">
-                  <a14:hiddenLine xmlns="" xmlns:a16="http://schemas.microsoft.com/office/drawing/2014/main" xmlns:p14="http://schemas.microsoft.com/office/powerpoint/2010/main" xmlns:a14="http://schemas.microsoft.com/office/drawing/2010/main" w="9525">
+                  <a14:hiddenLine xmlns:a14="http://schemas.microsoft.com/office/drawing/2010/main" xmlns:p14="http://schemas.microsoft.com/office/powerpoint/2010/main" xmlns:a16="http://schemas.microsoft.com/office/drawing/2014/main" xmlns="" w="9525">
                     <a:solidFill>
                       <a:srgbClr val="000000"/>
                     </a:solidFill>
@@ -15671,7 +15671,7 @@
               </a:ln>
               <a:extLst>
                 <a:ext uri="{91240B29-F687-4f45-9708-019B960494DF}">
-                  <a14:hiddenLine xmlns="" xmlns:a16="http://schemas.microsoft.com/office/drawing/2014/main" xmlns:p14="http://schemas.microsoft.com/office/powerpoint/2010/main" xmlns:a14="http://schemas.microsoft.com/office/drawing/2010/main" w="9525">
+                  <a14:hiddenLine xmlns:a14="http://schemas.microsoft.com/office/drawing/2010/main" xmlns:p14="http://schemas.microsoft.com/office/powerpoint/2010/main" xmlns:a16="http://schemas.microsoft.com/office/drawing/2014/main" xmlns="" w="9525">
                     <a:solidFill>
                       <a:srgbClr val="000000"/>
                     </a:solidFill>
@@ -15776,7 +15776,7 @@
               </a:ln>
               <a:extLst>
                 <a:ext uri="{91240B29-F687-4f45-9708-019B960494DF}">
-                  <a14:hiddenLine xmlns="" xmlns:a16="http://schemas.microsoft.com/office/drawing/2014/main" xmlns:p14="http://schemas.microsoft.com/office/powerpoint/2010/main" xmlns:a14="http://schemas.microsoft.com/office/drawing/2010/main" w="9525">
+                  <a14:hiddenLine xmlns:a14="http://schemas.microsoft.com/office/drawing/2010/main" xmlns:p14="http://schemas.microsoft.com/office/powerpoint/2010/main" xmlns:a16="http://schemas.microsoft.com/office/drawing/2014/main" xmlns="" w="9525">
                     <a:solidFill>
                       <a:srgbClr val="000000"/>
                     </a:solidFill>
@@ -15856,7 +15856,7 @@
               </a:ln>
               <a:extLst>
                 <a:ext uri="{91240B29-F687-4f45-9708-019B960494DF}">
-                  <a14:hiddenLine xmlns="" xmlns:a16="http://schemas.microsoft.com/office/drawing/2014/main" xmlns:p14="http://schemas.microsoft.com/office/powerpoint/2010/main" xmlns:a14="http://schemas.microsoft.com/office/drawing/2010/main" w="9525">
+                  <a14:hiddenLine xmlns:a14="http://schemas.microsoft.com/office/drawing/2010/main" xmlns:p14="http://schemas.microsoft.com/office/powerpoint/2010/main" xmlns:a16="http://schemas.microsoft.com/office/drawing/2014/main" xmlns="" w="9525">
                     <a:solidFill>
                       <a:srgbClr val="000000"/>
                     </a:solidFill>
@@ -15961,7 +15961,7 @@
               </a:ln>
               <a:extLst>
                 <a:ext uri="{91240B29-F687-4f45-9708-019B960494DF}">
-                  <a14:hiddenLine xmlns="" xmlns:a16="http://schemas.microsoft.com/office/drawing/2014/main" xmlns:p14="http://schemas.microsoft.com/office/powerpoint/2010/main" xmlns:a14="http://schemas.microsoft.com/office/drawing/2010/main" w="9525">
+                  <a14:hiddenLine xmlns:a14="http://schemas.microsoft.com/office/drawing/2010/main" xmlns:p14="http://schemas.microsoft.com/office/powerpoint/2010/main" xmlns:a16="http://schemas.microsoft.com/office/drawing/2014/main" xmlns="" w="9525">
                     <a:solidFill>
                       <a:srgbClr val="000000"/>
                     </a:solidFill>
@@ -16044,7 +16044,7 @@
               </a:ln>
               <a:extLst>
                 <a:ext uri="{91240B29-F687-4f45-9708-019B960494DF}">
-                  <a14:hiddenLine xmlns="" xmlns:a16="http://schemas.microsoft.com/office/drawing/2014/main" xmlns:p14="http://schemas.microsoft.com/office/powerpoint/2010/main" xmlns:a14="http://schemas.microsoft.com/office/drawing/2010/main" w="9525">
+                  <a14:hiddenLine xmlns:a14="http://schemas.microsoft.com/office/drawing/2010/main" xmlns:p14="http://schemas.microsoft.com/office/powerpoint/2010/main" xmlns:a16="http://schemas.microsoft.com/office/drawing/2014/main" xmlns="" w="9525">
                     <a:solidFill>
                       <a:srgbClr val="000000"/>
                     </a:solidFill>
@@ -16149,7 +16149,7 @@
               </a:ln>
               <a:extLst>
                 <a:ext uri="{91240B29-F687-4f45-9708-019B960494DF}">
-                  <a14:hiddenLine xmlns="" xmlns:a16="http://schemas.microsoft.com/office/drawing/2014/main" xmlns:p14="http://schemas.microsoft.com/office/powerpoint/2010/main" xmlns:a14="http://schemas.microsoft.com/office/drawing/2010/main" w="9525">
+                  <a14:hiddenLine xmlns:a14="http://schemas.microsoft.com/office/drawing/2010/main" xmlns:p14="http://schemas.microsoft.com/office/powerpoint/2010/main" xmlns:a16="http://schemas.microsoft.com/office/drawing/2014/main" xmlns="" w="9525">
                     <a:solidFill>
                       <a:srgbClr val="000000"/>
                     </a:solidFill>
@@ -16232,7 +16232,7 @@
               </a:ln>
               <a:extLst>
                 <a:ext uri="{91240B29-F687-4f45-9708-019B960494DF}">
-                  <a14:hiddenLine xmlns="" xmlns:a16="http://schemas.microsoft.com/office/drawing/2014/main" xmlns:p14="http://schemas.microsoft.com/office/powerpoint/2010/main" xmlns:a14="http://schemas.microsoft.com/office/drawing/2010/main" w="9525">
+                  <a14:hiddenLine xmlns:a14="http://schemas.microsoft.com/office/drawing/2010/main" xmlns:p14="http://schemas.microsoft.com/office/powerpoint/2010/main" xmlns:a16="http://schemas.microsoft.com/office/drawing/2014/main" xmlns="" w="9525">
                     <a:solidFill>
                       <a:srgbClr val="000000"/>
                     </a:solidFill>
@@ -16337,7 +16337,7 @@
               </a:ln>
               <a:extLst>
                 <a:ext uri="{91240B29-F687-4f45-9708-019B960494DF}">
-                  <a14:hiddenLine xmlns="" xmlns:a16="http://schemas.microsoft.com/office/drawing/2014/main" xmlns:p14="http://schemas.microsoft.com/office/powerpoint/2010/main" xmlns:a14="http://schemas.microsoft.com/office/drawing/2010/main" w="9525">
+                  <a14:hiddenLine xmlns:a14="http://schemas.microsoft.com/office/drawing/2010/main" xmlns:p14="http://schemas.microsoft.com/office/powerpoint/2010/main" xmlns:a16="http://schemas.microsoft.com/office/drawing/2014/main" xmlns="" w="9525">
                     <a:solidFill>
                       <a:srgbClr val="000000"/>
                     </a:solidFill>
@@ -16386,7 +16386,7 @@
               </a:ln>
               <a:extLst>
                 <a:ext uri="{91240B29-F687-4f45-9708-019B960494DF}">
-                  <a14:hiddenLine xmlns="" xmlns:a16="http://schemas.microsoft.com/office/drawing/2014/main" xmlns:p14="http://schemas.microsoft.com/office/powerpoint/2010/main" xmlns:a14="http://schemas.microsoft.com/office/drawing/2010/main" w="9525">
+                  <a14:hiddenLine xmlns:a14="http://schemas.microsoft.com/office/drawing/2010/main" xmlns:p14="http://schemas.microsoft.com/office/powerpoint/2010/main" xmlns:a16="http://schemas.microsoft.com/office/drawing/2014/main" xmlns="" w="9525">
                     <a:solidFill>
                       <a:srgbClr val="000000"/>
                     </a:solidFill>
@@ -16448,7 +16448,7 @@
           <a:noFill/>
           <a:extLst>
             <a:ext uri="{909E8E84-426E-40dd-AFC4-6F175D3DCCD1}">
-              <a14:hiddenFill xmlns="" xmlns:a16="http://schemas.microsoft.com/office/drawing/2014/main" xmlns:p14="http://schemas.microsoft.com/office/powerpoint/2010/main" xmlns:a14="http://schemas.microsoft.com/office/drawing/2010/main">
+              <a14:hiddenFill xmlns:a14="http://schemas.microsoft.com/office/drawing/2010/main" xmlns:p14="http://schemas.microsoft.com/office/powerpoint/2010/main" xmlns:a16="http://schemas.microsoft.com/office/drawing/2014/main" xmlns="">
                 <a:solidFill>
                   <a:srgbClr val="FFFFFF"/>
                 </a:solidFill>
@@ -16710,16 +16710,15 @@
         </p:nvSpPr>
         <p:spPr/>
         <p:txBody>
-          <a:bodyPr/>
+          <a:bodyPr>
+            <a:normAutofit lnSpcReduction="10000"/>
+          </a:bodyPr>
           <a:lstStyle/>
           <a:p>
             <a:r>
               <a:rPr lang="es-ES" dirty="0"/>
               <a:t>Mediante el software Enterprise Architect calculamos las horas necesarias para desarrollar el proyecto</a:t>
             </a:r>
-          </a:p>
-          <a:p>
-            <a:endParaRPr lang="es-ES" dirty="0"/>
           </a:p>
           <a:p>
             <a:pPr marL="0" indent="0">
@@ -16755,6 +16754,16 @@
             <a:pPr marL="0" indent="0">
               <a:buNone/>
             </a:pPr>
+            <a:endParaRPr lang="es-ES" dirty="0"/>
+          </a:p>
+          <a:p>
+            <a:pPr marL="0" indent="0">
+              <a:buNone/>
+            </a:pPr>
+            <a:r>
+              <a:rPr lang="es-ES" dirty="0"/>
+              <a:t>Costo estimado = $1440000 (CLP)</a:t>
+            </a:r>
             <a:endParaRPr lang="es-CL" dirty="0"/>
           </a:p>
           <a:p>
@@ -17060,7 +17069,7 @@
           <a:noFill/>
           <a:extLst>
             <a:ext uri="{909E8E84-426E-40dd-AFC4-6F175D3DCCD1}">
-              <a14:hiddenFill xmlns:a14="http://schemas.microsoft.com/office/drawing/2010/main" xmlns:p14="http://schemas.microsoft.com/office/powerpoint/2010/main" xmlns:a16="http://schemas.microsoft.com/office/drawing/2014/main" xmlns="">
+              <a14:hiddenFill xmlns="" xmlns:a16="http://schemas.microsoft.com/office/drawing/2014/main" xmlns:p14="http://schemas.microsoft.com/office/powerpoint/2010/main" xmlns:a14="http://schemas.microsoft.com/office/drawing/2010/main">
                 <a:solidFill>
                   <a:srgbClr val="FFFFFF"/>
                 </a:solidFill>
@@ -17290,7 +17299,7 @@
             </a:ln>
             <a:extLst>
               <a:ext uri="{91240B29-F687-4f45-9708-019B960494DF}">
-                <a14:hiddenLine xmlns:a14="http://schemas.microsoft.com/office/drawing/2010/main" xmlns:p14="http://schemas.microsoft.com/office/powerpoint/2010/main" xmlns:a16="http://schemas.microsoft.com/office/drawing/2014/main" xmlns="" w="9525">
+                <a14:hiddenLine xmlns="" xmlns:a16="http://schemas.microsoft.com/office/drawing/2014/main" xmlns:p14="http://schemas.microsoft.com/office/powerpoint/2010/main" xmlns:a14="http://schemas.microsoft.com/office/drawing/2010/main" w="9525">
                   <a:solidFill>
                     <a:srgbClr val="000000"/>
                   </a:solidFill>
@@ -17395,7 +17404,7 @@
             </a:ln>
             <a:extLst>
               <a:ext uri="{91240B29-F687-4f45-9708-019B960494DF}">
-                <a14:hiddenLine xmlns:a14="http://schemas.microsoft.com/office/drawing/2010/main" xmlns:p14="http://schemas.microsoft.com/office/powerpoint/2010/main" xmlns:a16="http://schemas.microsoft.com/office/drawing/2014/main" xmlns="" w="9525">
+                <a14:hiddenLine xmlns="" xmlns:a16="http://schemas.microsoft.com/office/drawing/2014/main" xmlns:p14="http://schemas.microsoft.com/office/powerpoint/2010/main" xmlns:a14="http://schemas.microsoft.com/office/drawing/2010/main" w="9525">
                   <a:solidFill>
                     <a:srgbClr val="000000"/>
                   </a:solidFill>
@@ -17500,7 +17509,7 @@
             </a:ln>
             <a:extLst>
               <a:ext uri="{91240B29-F687-4f45-9708-019B960494DF}">
-                <a14:hiddenLine xmlns:a14="http://schemas.microsoft.com/office/drawing/2010/main" xmlns:p14="http://schemas.microsoft.com/office/powerpoint/2010/main" xmlns:a16="http://schemas.microsoft.com/office/drawing/2014/main" xmlns="" w="9525">
+                <a14:hiddenLine xmlns="" xmlns:a16="http://schemas.microsoft.com/office/drawing/2014/main" xmlns:p14="http://schemas.microsoft.com/office/powerpoint/2010/main" xmlns:a14="http://schemas.microsoft.com/office/drawing/2010/main" w="9525">
                   <a:solidFill>
                     <a:srgbClr val="000000"/>
                   </a:solidFill>
@@ -17577,7 +17586,7 @@
             </a:ln>
             <a:extLst>
               <a:ext uri="{91240B29-F687-4f45-9708-019B960494DF}">
-                <a14:hiddenLine xmlns:a14="http://schemas.microsoft.com/office/drawing/2010/main" xmlns:p14="http://schemas.microsoft.com/office/powerpoint/2010/main" xmlns:a16="http://schemas.microsoft.com/office/drawing/2014/main" xmlns="" w="9525">
+                <a14:hiddenLine xmlns="" xmlns:a16="http://schemas.microsoft.com/office/drawing/2014/main" xmlns:p14="http://schemas.microsoft.com/office/powerpoint/2010/main" xmlns:a14="http://schemas.microsoft.com/office/drawing/2010/main" w="9525">
                   <a:solidFill>
                     <a:srgbClr val="000000"/>
                   </a:solidFill>
@@ -17682,7 +17691,7 @@
             </a:ln>
             <a:extLst>
               <a:ext uri="{91240B29-F687-4f45-9708-019B960494DF}">
-                <a14:hiddenLine xmlns:a14="http://schemas.microsoft.com/office/drawing/2010/main" xmlns:p14="http://schemas.microsoft.com/office/powerpoint/2010/main" xmlns:a16="http://schemas.microsoft.com/office/drawing/2014/main" xmlns="" w="9525">
+                <a14:hiddenLine xmlns="" xmlns:a16="http://schemas.microsoft.com/office/drawing/2014/main" xmlns:p14="http://schemas.microsoft.com/office/powerpoint/2010/main" xmlns:a14="http://schemas.microsoft.com/office/drawing/2010/main" w="9525">
                   <a:solidFill>
                     <a:srgbClr val="000000"/>
                   </a:solidFill>
@@ -17759,7 +17768,7 @@
             </a:ln>
             <a:extLst>
               <a:ext uri="{91240B29-F687-4f45-9708-019B960494DF}">
-                <a14:hiddenLine xmlns:a14="http://schemas.microsoft.com/office/drawing/2010/main" xmlns:p14="http://schemas.microsoft.com/office/powerpoint/2010/main" xmlns:a16="http://schemas.microsoft.com/office/drawing/2014/main" xmlns="" w="9525">
+                <a14:hiddenLine xmlns="" xmlns:a16="http://schemas.microsoft.com/office/drawing/2014/main" xmlns:p14="http://schemas.microsoft.com/office/powerpoint/2010/main" xmlns:a14="http://schemas.microsoft.com/office/drawing/2010/main" w="9525">
                   <a:solidFill>
                     <a:srgbClr val="000000"/>
                   </a:solidFill>
@@ -17836,7 +17845,7 @@
             </a:ln>
             <a:extLst>
               <a:ext uri="{91240B29-F687-4f45-9708-019B960494DF}">
-                <a14:hiddenLine xmlns:a14="http://schemas.microsoft.com/office/drawing/2010/main" xmlns:p14="http://schemas.microsoft.com/office/powerpoint/2010/main" xmlns:a16="http://schemas.microsoft.com/office/drawing/2014/main" xmlns="" w="9525">
+                <a14:hiddenLine xmlns="" xmlns:a16="http://schemas.microsoft.com/office/drawing/2014/main" xmlns:p14="http://schemas.microsoft.com/office/powerpoint/2010/main" xmlns:a14="http://schemas.microsoft.com/office/drawing/2010/main" w="9525">
                   <a:solidFill>
                     <a:srgbClr val="000000"/>
                   </a:solidFill>
@@ -17941,7 +17950,7 @@
             </a:ln>
             <a:extLst>
               <a:ext uri="{91240B29-F687-4f45-9708-019B960494DF}">
-                <a14:hiddenLine xmlns:a14="http://schemas.microsoft.com/office/drawing/2010/main" xmlns:p14="http://schemas.microsoft.com/office/powerpoint/2010/main" xmlns:a16="http://schemas.microsoft.com/office/drawing/2014/main" xmlns="" w="9525">
+                <a14:hiddenLine xmlns="" xmlns:a16="http://schemas.microsoft.com/office/drawing/2014/main" xmlns:p14="http://schemas.microsoft.com/office/powerpoint/2010/main" xmlns:a14="http://schemas.microsoft.com/office/drawing/2010/main" w="9525">
                   <a:solidFill>
                     <a:srgbClr val="000000"/>
                   </a:solidFill>
@@ -18046,7 +18055,7 @@
             </a:ln>
             <a:extLst>
               <a:ext uri="{91240B29-F687-4f45-9708-019B960494DF}">
-                <a14:hiddenLine xmlns:a14="http://schemas.microsoft.com/office/drawing/2010/main" xmlns:p14="http://schemas.microsoft.com/office/powerpoint/2010/main" xmlns:a16="http://schemas.microsoft.com/office/drawing/2014/main" xmlns="" w="9525">
+                <a14:hiddenLine xmlns="" xmlns:a16="http://schemas.microsoft.com/office/drawing/2014/main" xmlns:p14="http://schemas.microsoft.com/office/powerpoint/2010/main" xmlns:a14="http://schemas.microsoft.com/office/drawing/2010/main" w="9525">
                   <a:solidFill>
                     <a:srgbClr val="000000"/>
                   </a:solidFill>
@@ -18123,7 +18132,7 @@
             </a:ln>
             <a:extLst>
               <a:ext uri="{91240B29-F687-4f45-9708-019B960494DF}">
-                <a14:hiddenLine xmlns:a14="http://schemas.microsoft.com/office/drawing/2010/main" xmlns:p14="http://schemas.microsoft.com/office/powerpoint/2010/main" xmlns:a16="http://schemas.microsoft.com/office/drawing/2014/main" xmlns="" w="9525">
+                <a14:hiddenLine xmlns="" xmlns:a16="http://schemas.microsoft.com/office/drawing/2014/main" xmlns:p14="http://schemas.microsoft.com/office/powerpoint/2010/main" xmlns:a14="http://schemas.microsoft.com/office/drawing/2010/main" w="9525">
                   <a:solidFill>
                     <a:srgbClr val="000000"/>
                   </a:solidFill>
@@ -18248,7 +18257,7 @@
             </a:ln>
             <a:extLst>
               <a:ext uri="{91240B29-F687-4f45-9708-019B960494DF}">
-                <a14:hiddenLine xmlns:a14="http://schemas.microsoft.com/office/drawing/2010/main" xmlns:p14="http://schemas.microsoft.com/office/powerpoint/2010/main" xmlns:a16="http://schemas.microsoft.com/office/drawing/2014/main" xmlns="" w="9525">
+                <a14:hiddenLine xmlns="" xmlns:a16="http://schemas.microsoft.com/office/drawing/2014/main" xmlns:p14="http://schemas.microsoft.com/office/powerpoint/2010/main" xmlns:a14="http://schemas.microsoft.com/office/drawing/2010/main" w="9525">
                   <a:solidFill>
                     <a:srgbClr val="000000"/>
                   </a:solidFill>
@@ -18362,7 +18371,7 @@
             </a:ln>
             <a:extLst>
               <a:ext uri="{91240B29-F687-4f45-9708-019B960494DF}">
-                <a14:hiddenLine xmlns:a14="http://schemas.microsoft.com/office/drawing/2010/main" xmlns:p14="http://schemas.microsoft.com/office/powerpoint/2010/main" xmlns:a16="http://schemas.microsoft.com/office/drawing/2014/main" xmlns="" w="9525">
+                <a14:hiddenLine xmlns="" xmlns:a16="http://schemas.microsoft.com/office/drawing/2014/main" xmlns:p14="http://schemas.microsoft.com/office/powerpoint/2010/main" xmlns:a14="http://schemas.microsoft.com/office/drawing/2010/main" w="9525">
                   <a:solidFill>
                     <a:srgbClr val="000000"/>
                   </a:solidFill>
@@ -18439,7 +18448,7 @@
             </a:ln>
             <a:extLst>
               <a:ext uri="{91240B29-F687-4f45-9708-019B960494DF}">
-                <a14:hiddenLine xmlns:a14="http://schemas.microsoft.com/office/drawing/2010/main" xmlns:p14="http://schemas.microsoft.com/office/powerpoint/2010/main" xmlns:a16="http://schemas.microsoft.com/office/drawing/2014/main" xmlns="" w="9525">
+                <a14:hiddenLine xmlns="" xmlns:a16="http://schemas.microsoft.com/office/drawing/2014/main" xmlns:p14="http://schemas.microsoft.com/office/powerpoint/2010/main" xmlns:a14="http://schemas.microsoft.com/office/drawing/2010/main" w="9525">
                   <a:solidFill>
                     <a:srgbClr val="000000"/>
                   </a:solidFill>
@@ -18516,7 +18525,7 @@
             </a:ln>
             <a:extLst>
               <a:ext uri="{91240B29-F687-4f45-9708-019B960494DF}">
-                <a14:hiddenLine xmlns:a14="http://schemas.microsoft.com/office/drawing/2010/main" xmlns:p14="http://schemas.microsoft.com/office/powerpoint/2010/main" xmlns:a16="http://schemas.microsoft.com/office/drawing/2014/main" xmlns="" w="9525">
+                <a14:hiddenLine xmlns="" xmlns:a16="http://schemas.microsoft.com/office/drawing/2014/main" xmlns:p14="http://schemas.microsoft.com/office/powerpoint/2010/main" xmlns:a14="http://schemas.microsoft.com/office/drawing/2010/main" w="9525">
                   <a:solidFill>
                     <a:srgbClr val="000000"/>
                   </a:solidFill>
@@ -18621,7 +18630,7 @@
             </a:ln>
             <a:extLst>
               <a:ext uri="{91240B29-F687-4f45-9708-019B960494DF}">
-                <a14:hiddenLine xmlns:a14="http://schemas.microsoft.com/office/drawing/2010/main" xmlns:p14="http://schemas.microsoft.com/office/powerpoint/2010/main" xmlns:a16="http://schemas.microsoft.com/office/drawing/2014/main" xmlns="" w="9525">
+                <a14:hiddenLine xmlns="" xmlns:a16="http://schemas.microsoft.com/office/drawing/2014/main" xmlns:p14="http://schemas.microsoft.com/office/powerpoint/2010/main" xmlns:a14="http://schemas.microsoft.com/office/drawing/2010/main" w="9525">
                   <a:solidFill>
                     <a:srgbClr val="000000"/>
                   </a:solidFill>
@@ -18670,7 +18679,7 @@
             </a:ln>
             <a:extLst>
               <a:ext uri="{91240B29-F687-4f45-9708-019B960494DF}">
-                <a14:hiddenLine xmlns:a14="http://schemas.microsoft.com/office/drawing/2010/main" xmlns:p14="http://schemas.microsoft.com/office/powerpoint/2010/main" xmlns:a16="http://schemas.microsoft.com/office/drawing/2014/main" xmlns="" w="9525">
+                <a14:hiddenLine xmlns="" xmlns:a16="http://schemas.microsoft.com/office/drawing/2014/main" xmlns:p14="http://schemas.microsoft.com/office/powerpoint/2010/main" xmlns:a14="http://schemas.microsoft.com/office/drawing/2010/main" w="9525">
                   <a:solidFill>
                     <a:srgbClr val="000000"/>
                   </a:solidFill>
@@ -18750,7 +18759,7 @@
             </a:ln>
             <a:extLst>
               <a:ext uri="{91240B29-F687-4f45-9708-019B960494DF}">
-                <a14:hiddenLine xmlns:a14="http://schemas.microsoft.com/office/drawing/2010/main" xmlns:p14="http://schemas.microsoft.com/office/powerpoint/2010/main" xmlns:a16="http://schemas.microsoft.com/office/drawing/2014/main" xmlns="" w="9525">
+                <a14:hiddenLine xmlns="" xmlns:a16="http://schemas.microsoft.com/office/drawing/2014/main" xmlns:p14="http://schemas.microsoft.com/office/powerpoint/2010/main" xmlns:a14="http://schemas.microsoft.com/office/drawing/2010/main" w="9525">
                   <a:solidFill>
                     <a:srgbClr val="000000"/>
                   </a:solidFill>
@@ -18855,7 +18864,7 @@
             </a:ln>
             <a:extLst>
               <a:ext uri="{91240B29-F687-4f45-9708-019B960494DF}">
-                <a14:hiddenLine xmlns:a14="http://schemas.microsoft.com/office/drawing/2010/main" xmlns:p14="http://schemas.microsoft.com/office/powerpoint/2010/main" xmlns:a16="http://schemas.microsoft.com/office/drawing/2014/main" xmlns="" w="9525">
+                <a14:hiddenLine xmlns="" xmlns:a16="http://schemas.microsoft.com/office/drawing/2014/main" xmlns:p14="http://schemas.microsoft.com/office/powerpoint/2010/main" xmlns:a14="http://schemas.microsoft.com/office/drawing/2010/main" w="9525">
                   <a:solidFill>
                     <a:srgbClr val="000000"/>
                   </a:solidFill>
@@ -18932,7 +18941,7 @@
             </a:ln>
             <a:extLst>
               <a:ext uri="{91240B29-F687-4f45-9708-019B960494DF}">
-                <a14:hiddenLine xmlns:a14="http://schemas.microsoft.com/office/drawing/2010/main" xmlns:p14="http://schemas.microsoft.com/office/powerpoint/2010/main" xmlns:a16="http://schemas.microsoft.com/office/drawing/2014/main" xmlns="" w="9525">
+                <a14:hiddenLine xmlns="" xmlns:a16="http://schemas.microsoft.com/office/drawing/2014/main" xmlns:p14="http://schemas.microsoft.com/office/powerpoint/2010/main" xmlns:a14="http://schemas.microsoft.com/office/drawing/2010/main" w="9525">
                   <a:solidFill>
                     <a:srgbClr val="000000"/>
                   </a:solidFill>
@@ -19037,7 +19046,7 @@
             </a:ln>
             <a:extLst>
               <a:ext uri="{91240B29-F687-4f45-9708-019B960494DF}">
-                <a14:hiddenLine xmlns:a14="http://schemas.microsoft.com/office/drawing/2010/main" xmlns:p14="http://schemas.microsoft.com/office/powerpoint/2010/main" xmlns:a16="http://schemas.microsoft.com/office/drawing/2014/main" xmlns="" w="9525">
+                <a14:hiddenLine xmlns="" xmlns:a16="http://schemas.microsoft.com/office/drawing/2014/main" xmlns:p14="http://schemas.microsoft.com/office/powerpoint/2010/main" xmlns:a14="http://schemas.microsoft.com/office/drawing/2010/main" w="9525">
                   <a:solidFill>
                     <a:srgbClr val="000000"/>
                   </a:solidFill>
@@ -19117,7 +19126,7 @@
             </a:ln>
             <a:extLst>
               <a:ext uri="{91240B29-F687-4f45-9708-019B960494DF}">
-                <a14:hiddenLine xmlns:a14="http://schemas.microsoft.com/office/drawing/2010/main" xmlns:p14="http://schemas.microsoft.com/office/powerpoint/2010/main" xmlns:a16="http://schemas.microsoft.com/office/drawing/2014/main" xmlns="" w="9525">
+                <a14:hiddenLine xmlns="" xmlns:a16="http://schemas.microsoft.com/office/drawing/2014/main" xmlns:p14="http://schemas.microsoft.com/office/powerpoint/2010/main" xmlns:a14="http://schemas.microsoft.com/office/drawing/2010/main" w="9525">
                   <a:solidFill>
                     <a:srgbClr val="000000"/>
                   </a:solidFill>
@@ -19194,7 +19203,7 @@
             </a:ln>
             <a:extLst>
               <a:ext uri="{91240B29-F687-4f45-9708-019B960494DF}">
-                <a14:hiddenLine xmlns:a14="http://schemas.microsoft.com/office/drawing/2010/main" xmlns:p14="http://schemas.microsoft.com/office/powerpoint/2010/main" xmlns:a16="http://schemas.microsoft.com/office/drawing/2014/main" xmlns="" w="9525">
+                <a14:hiddenLine xmlns="" xmlns:a16="http://schemas.microsoft.com/office/drawing/2014/main" xmlns:p14="http://schemas.microsoft.com/office/powerpoint/2010/main" xmlns:a14="http://schemas.microsoft.com/office/drawing/2010/main" w="9525">
                   <a:solidFill>
                     <a:srgbClr val="000000"/>
                   </a:solidFill>
@@ -19299,7 +19308,7 @@
             </a:ln>
             <a:extLst>
               <a:ext uri="{91240B29-F687-4f45-9708-019B960494DF}">
-                <a14:hiddenLine xmlns:a14="http://schemas.microsoft.com/office/drawing/2010/main" xmlns:p14="http://schemas.microsoft.com/office/powerpoint/2010/main" xmlns:a16="http://schemas.microsoft.com/office/drawing/2014/main" xmlns="" w="9525">
+                <a14:hiddenLine xmlns="" xmlns:a16="http://schemas.microsoft.com/office/drawing/2014/main" xmlns:p14="http://schemas.microsoft.com/office/powerpoint/2010/main" xmlns:a14="http://schemas.microsoft.com/office/drawing/2010/main" w="9525">
                   <a:solidFill>
                     <a:srgbClr val="000000"/>
                   </a:solidFill>
@@ -19404,7 +19413,7 @@
             </a:ln>
             <a:extLst>
               <a:ext uri="{91240B29-F687-4f45-9708-019B960494DF}">
-                <a14:hiddenLine xmlns:a14="http://schemas.microsoft.com/office/drawing/2010/main" xmlns:p14="http://schemas.microsoft.com/office/powerpoint/2010/main" xmlns:a16="http://schemas.microsoft.com/office/drawing/2014/main" xmlns="" w="9525">
+                <a14:hiddenLine xmlns="" xmlns:a16="http://schemas.microsoft.com/office/drawing/2014/main" xmlns:p14="http://schemas.microsoft.com/office/powerpoint/2010/main" xmlns:a14="http://schemas.microsoft.com/office/drawing/2010/main" w="9525">
                   <a:solidFill>
                     <a:srgbClr val="000000"/>
                   </a:solidFill>
@@ -19484,7 +19493,7 @@
             </a:ln>
             <a:extLst>
               <a:ext uri="{91240B29-F687-4f45-9708-019B960494DF}">
-                <a14:hiddenLine xmlns:a14="http://schemas.microsoft.com/office/drawing/2010/main" xmlns:p14="http://schemas.microsoft.com/office/powerpoint/2010/main" xmlns:a16="http://schemas.microsoft.com/office/drawing/2014/main" xmlns="" w="9525">
+                <a14:hiddenLine xmlns="" xmlns:a16="http://schemas.microsoft.com/office/drawing/2014/main" xmlns:p14="http://schemas.microsoft.com/office/powerpoint/2010/main" xmlns:a14="http://schemas.microsoft.com/office/drawing/2010/main" w="9525">
                   <a:solidFill>
                     <a:srgbClr val="000000"/>
                   </a:solidFill>
@@ -19619,7 +19628,7 @@
             </a:ln>
             <a:extLst>
               <a:ext uri="{91240B29-F687-4f45-9708-019B960494DF}">
-                <a14:hiddenLine xmlns:a14="http://schemas.microsoft.com/office/drawing/2010/main" xmlns:p14="http://schemas.microsoft.com/office/powerpoint/2010/main" xmlns:a16="http://schemas.microsoft.com/office/drawing/2014/main" xmlns="" w="9525">
+                <a14:hiddenLine xmlns="" xmlns:a16="http://schemas.microsoft.com/office/drawing/2014/main" xmlns:p14="http://schemas.microsoft.com/office/powerpoint/2010/main" xmlns:a14="http://schemas.microsoft.com/office/drawing/2010/main" w="9525">
                   <a:solidFill>
                     <a:srgbClr val="000000"/>
                   </a:solidFill>

--- a/presentacion.pptx
+++ b/presentacion.pptx
@@ -8,17 +8,14 @@
     <p:sldId id="256" r:id="rId2"/>
     <p:sldId id="257" r:id="rId3"/>
     <p:sldId id="258" r:id="rId4"/>
-    <p:sldId id="259" r:id="rId5"/>
-    <p:sldId id="260" r:id="rId6"/>
-    <p:sldId id="266" r:id="rId7"/>
-    <p:sldId id="267" r:id="rId8"/>
-    <p:sldId id="268" r:id="rId9"/>
-    <p:sldId id="261" r:id="rId10"/>
-    <p:sldId id="262" r:id="rId11"/>
+    <p:sldId id="271" r:id="rId5"/>
+    <p:sldId id="259" r:id="rId6"/>
+    <p:sldId id="260" r:id="rId7"/>
+    <p:sldId id="270" r:id="rId8"/>
+    <p:sldId id="261" r:id="rId9"/>
+    <p:sldId id="262" r:id="rId10"/>
+    <p:sldId id="268" r:id="rId11"/>
     <p:sldId id="264" r:id="rId12"/>
-    <p:sldId id="263" r:id="rId13"/>
-    <p:sldId id="265" r:id="rId14"/>
-    <p:sldId id="269" r:id="rId15"/>
   </p:sldIdLst>
   <p:sldSz cx="12192000" cy="6858000"/>
   <p:notesSz cx="6858000" cy="9144000"/>
@@ -175,7 +172,7 @@
           <a:noFill/>
           <a:extLst>
             <a:ext uri="{909E8E84-426E-40dd-AFC4-6F175D3DCCD1}">
-              <a14:hiddenFill xmlns:a14="http://schemas.microsoft.com/office/drawing/2010/main" xmlns="">
+              <a14:hiddenFill xmlns="" xmlns:a14="http://schemas.microsoft.com/office/drawing/2010/main">
                 <a:solidFill>
                   <a:srgbClr val="FFFFFF"/>
                 </a:solidFill>
@@ -235,7 +232,7 @@
             </a:ln>
             <a:extLst>
               <a:ext uri="{91240B29-F687-4f45-9708-019B960494DF}">
-                <a14:hiddenLine xmlns:a14="http://schemas.microsoft.com/office/drawing/2010/main" xmlns="" w="9525">
+                <a14:hiddenLine xmlns="" xmlns:a14="http://schemas.microsoft.com/office/drawing/2010/main" w="9525">
                   <a:solidFill>
                     <a:srgbClr val="000000"/>
                   </a:solidFill>
@@ -325,7 +322,7 @@
             </a:ln>
             <a:extLst>
               <a:ext uri="{91240B29-F687-4f45-9708-019B960494DF}">
-                <a14:hiddenLine xmlns:a14="http://schemas.microsoft.com/office/drawing/2010/main" xmlns="" w="9525">
+                <a14:hiddenLine xmlns="" xmlns:a14="http://schemas.microsoft.com/office/drawing/2010/main" w="9525">
                   <a:solidFill>
                     <a:srgbClr val="000000"/>
                   </a:solidFill>
@@ -415,7 +412,7 @@
             </a:ln>
             <a:extLst>
               <a:ext uri="{91240B29-F687-4f45-9708-019B960494DF}">
-                <a14:hiddenLine xmlns:a14="http://schemas.microsoft.com/office/drawing/2010/main" xmlns="" w="9525">
+                <a14:hiddenLine xmlns="" xmlns:a14="http://schemas.microsoft.com/office/drawing/2010/main" w="9525">
                   <a:solidFill>
                     <a:srgbClr val="000000"/>
                   </a:solidFill>
@@ -449,7 +446,7 @@
             </a:ln>
             <a:extLst>
               <a:ext uri="{91240B29-F687-4f45-9708-019B960494DF}">
-                <a14:hiddenLine xmlns:a14="http://schemas.microsoft.com/office/drawing/2010/main" xmlns="" w="9525">
+                <a14:hiddenLine xmlns="" xmlns:a14="http://schemas.microsoft.com/office/drawing/2010/main" w="9525">
                   <a:solidFill>
                     <a:srgbClr val="000000"/>
                   </a:solidFill>
@@ -539,7 +536,7 @@
             </a:ln>
             <a:extLst>
               <a:ext uri="{91240B29-F687-4f45-9708-019B960494DF}">
-                <a14:hiddenLine xmlns:a14="http://schemas.microsoft.com/office/drawing/2010/main" xmlns="" w="9525">
+                <a14:hiddenLine xmlns="" xmlns:a14="http://schemas.microsoft.com/office/drawing/2010/main" w="9525">
                   <a:solidFill>
                     <a:srgbClr val="000000"/>
                   </a:solidFill>
@@ -601,7 +598,7 @@
             </a:ln>
             <a:extLst>
               <a:ext uri="{91240B29-F687-4f45-9708-019B960494DF}">
-                <a14:hiddenLine xmlns:a14="http://schemas.microsoft.com/office/drawing/2010/main" xmlns="" w="9525">
+                <a14:hiddenLine xmlns="" xmlns:a14="http://schemas.microsoft.com/office/drawing/2010/main" w="9525">
                   <a:solidFill>
                     <a:srgbClr val="000000"/>
                   </a:solidFill>
@@ -663,7 +660,7 @@
             </a:ln>
             <a:extLst>
               <a:ext uri="{91240B29-F687-4f45-9708-019B960494DF}">
-                <a14:hiddenLine xmlns:a14="http://schemas.microsoft.com/office/drawing/2010/main" xmlns="" w="9525">
+                <a14:hiddenLine xmlns="" xmlns:a14="http://schemas.microsoft.com/office/drawing/2010/main" w="9525">
                   <a:solidFill>
                     <a:srgbClr val="000000"/>
                   </a:solidFill>
@@ -753,7 +750,7 @@
             </a:ln>
             <a:extLst>
               <a:ext uri="{91240B29-F687-4f45-9708-019B960494DF}">
-                <a14:hiddenLine xmlns:a14="http://schemas.microsoft.com/office/drawing/2010/main" xmlns="" w="9525">
+                <a14:hiddenLine xmlns="" xmlns:a14="http://schemas.microsoft.com/office/drawing/2010/main" w="9525">
                   <a:solidFill>
                     <a:srgbClr val="000000"/>
                   </a:solidFill>
@@ -815,7 +812,7 @@
             </a:ln>
             <a:extLst>
               <a:ext uri="{91240B29-F687-4f45-9708-019B960494DF}">
-                <a14:hiddenLine xmlns:a14="http://schemas.microsoft.com/office/drawing/2010/main" xmlns="" w="9525">
+                <a14:hiddenLine xmlns="" xmlns:a14="http://schemas.microsoft.com/office/drawing/2010/main" w="9525">
                   <a:solidFill>
                     <a:srgbClr val="000000"/>
                   </a:solidFill>
@@ -877,7 +874,7 @@
             </a:ln>
             <a:extLst>
               <a:ext uri="{91240B29-F687-4f45-9708-019B960494DF}">
-                <a14:hiddenLine xmlns:a14="http://schemas.microsoft.com/office/drawing/2010/main" xmlns="" w="9525">
+                <a14:hiddenLine xmlns="" xmlns:a14="http://schemas.microsoft.com/office/drawing/2010/main" w="9525">
                   <a:solidFill>
                     <a:srgbClr val="000000"/>
                   </a:solidFill>
@@ -967,7 +964,7 @@
             </a:ln>
             <a:extLst>
               <a:ext uri="{91240B29-F687-4f45-9708-019B960494DF}">
-                <a14:hiddenLine xmlns:a14="http://schemas.microsoft.com/office/drawing/2010/main" xmlns="" w="9525">
+                <a14:hiddenLine xmlns="" xmlns:a14="http://schemas.microsoft.com/office/drawing/2010/main" w="9525">
                   <a:solidFill>
                     <a:srgbClr val="000000"/>
                   </a:solidFill>
@@ -1057,7 +1054,7 @@
             </a:ln>
             <a:extLst>
               <a:ext uri="{91240B29-F687-4f45-9708-019B960494DF}">
-                <a14:hiddenLine xmlns:a14="http://schemas.microsoft.com/office/drawing/2010/main" xmlns="" w="9525">
+                <a14:hiddenLine xmlns="" xmlns:a14="http://schemas.microsoft.com/office/drawing/2010/main" w="9525">
                   <a:solidFill>
                     <a:srgbClr val="000000"/>
                   </a:solidFill>
@@ -1119,7 +1116,7 @@
             </a:ln>
             <a:extLst>
               <a:ext uri="{91240B29-F687-4f45-9708-019B960494DF}">
-                <a14:hiddenLine xmlns:a14="http://schemas.microsoft.com/office/drawing/2010/main" xmlns="" w="9525">
+                <a14:hiddenLine xmlns="" xmlns:a14="http://schemas.microsoft.com/office/drawing/2010/main" w="9525">
                   <a:solidFill>
                     <a:srgbClr val="000000"/>
                   </a:solidFill>
@@ -1229,7 +1226,7 @@
             </a:ln>
             <a:extLst>
               <a:ext uri="{91240B29-F687-4f45-9708-019B960494DF}">
-                <a14:hiddenLine xmlns:a14="http://schemas.microsoft.com/office/drawing/2010/main" xmlns="" w="9525">
+                <a14:hiddenLine xmlns="" xmlns:a14="http://schemas.microsoft.com/office/drawing/2010/main" w="9525">
                   <a:solidFill>
                     <a:srgbClr val="000000"/>
                   </a:solidFill>
@@ -1291,7 +1288,7 @@
             </a:ln>
             <a:extLst>
               <a:ext uri="{91240B29-F687-4f45-9708-019B960494DF}">
-                <a14:hiddenLine xmlns:a14="http://schemas.microsoft.com/office/drawing/2010/main" xmlns="" w="9525">
+                <a14:hiddenLine xmlns="" xmlns:a14="http://schemas.microsoft.com/office/drawing/2010/main" w="9525">
                   <a:solidFill>
                     <a:srgbClr val="000000"/>
                   </a:solidFill>
@@ -1381,7 +1378,7 @@
             </a:ln>
             <a:extLst>
               <a:ext uri="{91240B29-F687-4f45-9708-019B960494DF}">
-                <a14:hiddenLine xmlns:a14="http://schemas.microsoft.com/office/drawing/2010/main" xmlns="" w="9525">
+                <a14:hiddenLine xmlns="" xmlns:a14="http://schemas.microsoft.com/office/drawing/2010/main" w="9525">
                   <a:solidFill>
                     <a:srgbClr val="000000"/>
                   </a:solidFill>
@@ -1471,7 +1468,7 @@
             </a:ln>
             <a:extLst>
               <a:ext uri="{91240B29-F687-4f45-9708-019B960494DF}">
-                <a14:hiddenLine xmlns:a14="http://schemas.microsoft.com/office/drawing/2010/main" xmlns="" w="9525">
+                <a14:hiddenLine xmlns="" xmlns:a14="http://schemas.microsoft.com/office/drawing/2010/main" w="9525">
                   <a:solidFill>
                     <a:srgbClr val="000000"/>
                   </a:solidFill>
@@ -1533,7 +1530,7 @@
             </a:ln>
             <a:extLst>
               <a:ext uri="{91240B29-F687-4f45-9708-019B960494DF}">
-                <a14:hiddenLine xmlns:a14="http://schemas.microsoft.com/office/drawing/2010/main" xmlns="" w="9525">
+                <a14:hiddenLine xmlns="" xmlns:a14="http://schemas.microsoft.com/office/drawing/2010/main" w="9525">
                   <a:solidFill>
                     <a:srgbClr val="000000"/>
                   </a:solidFill>
@@ -1623,7 +1620,7 @@
             </a:ln>
             <a:extLst>
               <a:ext uri="{91240B29-F687-4f45-9708-019B960494DF}">
-                <a14:hiddenLine xmlns:a14="http://schemas.microsoft.com/office/drawing/2010/main" xmlns="" w="9525">
+                <a14:hiddenLine xmlns="" xmlns:a14="http://schemas.microsoft.com/office/drawing/2010/main" w="9525">
                   <a:solidFill>
                     <a:srgbClr val="000000"/>
                   </a:solidFill>
@@ -1713,7 +1710,7 @@
             </a:ln>
             <a:extLst>
               <a:ext uri="{91240B29-F687-4f45-9708-019B960494DF}">
-                <a14:hiddenLine xmlns:a14="http://schemas.microsoft.com/office/drawing/2010/main" xmlns="" w="9525">
+                <a14:hiddenLine xmlns="" xmlns:a14="http://schemas.microsoft.com/office/drawing/2010/main" w="9525">
                   <a:solidFill>
                     <a:srgbClr val="000000"/>
                   </a:solidFill>
@@ -1769,7 +1766,7 @@
             </a:ln>
             <a:extLst>
               <a:ext uri="{91240B29-F687-4f45-9708-019B960494DF}">
-                <a14:hiddenLine xmlns:a14="http://schemas.microsoft.com/office/drawing/2010/main" xmlns="" w="9525">
+                <a14:hiddenLine xmlns="" xmlns:a14="http://schemas.microsoft.com/office/drawing/2010/main" w="9525">
                   <a:solidFill>
                     <a:srgbClr val="000000"/>
                   </a:solidFill>
@@ -1859,7 +1856,7 @@
             </a:ln>
             <a:extLst>
               <a:ext uri="{91240B29-F687-4f45-9708-019B960494DF}">
-                <a14:hiddenLine xmlns:a14="http://schemas.microsoft.com/office/drawing/2010/main" xmlns="" w="9525">
+                <a14:hiddenLine xmlns="" xmlns:a14="http://schemas.microsoft.com/office/drawing/2010/main" w="9525">
                   <a:solidFill>
                     <a:srgbClr val="000000"/>
                   </a:solidFill>
@@ -1915,7 +1912,7 @@
             </a:ln>
             <a:extLst>
               <a:ext uri="{91240B29-F687-4f45-9708-019B960494DF}">
-                <a14:hiddenLine xmlns:a14="http://schemas.microsoft.com/office/drawing/2010/main" xmlns="" w="9525">
+                <a14:hiddenLine xmlns="" xmlns:a14="http://schemas.microsoft.com/office/drawing/2010/main" w="9525">
                   <a:solidFill>
                     <a:srgbClr val="000000"/>
                   </a:solidFill>
@@ -2005,7 +2002,7 @@
             </a:ln>
             <a:extLst>
               <a:ext uri="{91240B29-F687-4f45-9708-019B960494DF}">
-                <a14:hiddenLine xmlns:a14="http://schemas.microsoft.com/office/drawing/2010/main" xmlns="" w="9525">
+                <a14:hiddenLine xmlns="" xmlns:a14="http://schemas.microsoft.com/office/drawing/2010/main" w="9525">
                   <a:solidFill>
                     <a:srgbClr val="000000"/>
                   </a:solidFill>
@@ -2073,7 +2070,7 @@
             </a:ln>
             <a:extLst>
               <a:ext uri="{91240B29-F687-4f45-9708-019B960494DF}">
-                <a14:hiddenLine xmlns:a14="http://schemas.microsoft.com/office/drawing/2010/main" xmlns="" w="9525">
+                <a14:hiddenLine xmlns="" xmlns:a14="http://schemas.microsoft.com/office/drawing/2010/main" w="9525">
                   <a:solidFill>
                     <a:srgbClr val="000000"/>
                   </a:solidFill>
@@ -2163,7 +2160,7 @@
             </a:ln>
             <a:extLst>
               <a:ext uri="{91240B29-F687-4f45-9708-019B960494DF}">
-                <a14:hiddenLine xmlns:a14="http://schemas.microsoft.com/office/drawing/2010/main" xmlns="" w="9525">
+                <a14:hiddenLine xmlns="" xmlns:a14="http://schemas.microsoft.com/office/drawing/2010/main" w="9525">
                   <a:solidFill>
                     <a:srgbClr val="000000"/>
                   </a:solidFill>
@@ -2231,7 +2228,7 @@
             </a:ln>
             <a:extLst>
               <a:ext uri="{91240B29-F687-4f45-9708-019B960494DF}">
-                <a14:hiddenLine xmlns:a14="http://schemas.microsoft.com/office/drawing/2010/main" xmlns="" w="9525">
+                <a14:hiddenLine xmlns="" xmlns:a14="http://schemas.microsoft.com/office/drawing/2010/main" w="9525">
                   <a:solidFill>
                     <a:srgbClr val="000000"/>
                   </a:solidFill>
@@ -2321,7 +2318,7 @@
             </a:ln>
             <a:extLst>
               <a:ext uri="{91240B29-F687-4f45-9708-019B960494DF}">
-                <a14:hiddenLine xmlns:a14="http://schemas.microsoft.com/office/drawing/2010/main" xmlns="" w="9525">
+                <a14:hiddenLine xmlns="" xmlns:a14="http://schemas.microsoft.com/office/drawing/2010/main" w="9525">
                   <a:solidFill>
                     <a:srgbClr val="000000"/>
                   </a:solidFill>
@@ -2355,7 +2352,7 @@
             </a:ln>
             <a:extLst>
               <a:ext uri="{91240B29-F687-4f45-9708-019B960494DF}">
-                <a14:hiddenLine xmlns:a14="http://schemas.microsoft.com/office/drawing/2010/main" xmlns="" w="9525">
+                <a14:hiddenLine xmlns="" xmlns:a14="http://schemas.microsoft.com/office/drawing/2010/main" w="9525">
                   <a:solidFill>
                     <a:srgbClr val="000000"/>
                   </a:solidFill>
@@ -2445,7 +2442,7 @@
             </a:ln>
             <a:extLst>
               <a:ext uri="{91240B29-F687-4f45-9708-019B960494DF}">
-                <a14:hiddenLine xmlns:a14="http://schemas.microsoft.com/office/drawing/2010/main" xmlns="" w="9525">
+                <a14:hiddenLine xmlns="" xmlns:a14="http://schemas.microsoft.com/office/drawing/2010/main" w="9525">
                   <a:solidFill>
                     <a:srgbClr val="000000"/>
                   </a:solidFill>
@@ -2507,7 +2504,7 @@
             </a:ln>
             <a:extLst>
               <a:ext uri="{91240B29-F687-4f45-9708-019B960494DF}">
-                <a14:hiddenLine xmlns:a14="http://schemas.microsoft.com/office/drawing/2010/main" xmlns="" w="9525">
+                <a14:hiddenLine xmlns="" xmlns:a14="http://schemas.microsoft.com/office/drawing/2010/main" w="9525">
                   <a:solidFill>
                     <a:srgbClr val="000000"/>
                   </a:solidFill>
@@ -2569,7 +2566,7 @@
             </a:ln>
             <a:extLst>
               <a:ext uri="{91240B29-F687-4f45-9708-019B960494DF}">
-                <a14:hiddenLine xmlns:a14="http://schemas.microsoft.com/office/drawing/2010/main" xmlns="" w="9525">
+                <a14:hiddenLine xmlns="" xmlns:a14="http://schemas.microsoft.com/office/drawing/2010/main" w="9525">
                   <a:solidFill>
                     <a:srgbClr val="000000"/>
                   </a:solidFill>
@@ -2659,7 +2656,7 @@
             </a:ln>
             <a:extLst>
               <a:ext uri="{91240B29-F687-4f45-9708-019B960494DF}">
-                <a14:hiddenLine xmlns:a14="http://schemas.microsoft.com/office/drawing/2010/main" xmlns="" w="9525">
+                <a14:hiddenLine xmlns="" xmlns:a14="http://schemas.microsoft.com/office/drawing/2010/main" w="9525">
                   <a:solidFill>
                     <a:srgbClr val="000000"/>
                   </a:solidFill>
@@ -2727,7 +2724,7 @@
             </a:ln>
             <a:extLst>
               <a:ext uri="{91240B29-F687-4f45-9708-019B960494DF}">
-                <a14:hiddenLine xmlns:a14="http://schemas.microsoft.com/office/drawing/2010/main" xmlns="" w="9525">
+                <a14:hiddenLine xmlns="" xmlns:a14="http://schemas.microsoft.com/office/drawing/2010/main" w="9525">
                   <a:solidFill>
                     <a:srgbClr val="000000"/>
                   </a:solidFill>
@@ -2789,7 +2786,7 @@
             </a:ln>
             <a:extLst>
               <a:ext uri="{91240B29-F687-4f45-9708-019B960494DF}">
-                <a14:hiddenLine xmlns:a14="http://schemas.microsoft.com/office/drawing/2010/main" xmlns="" w="9525">
+                <a14:hiddenLine xmlns="" xmlns:a14="http://schemas.microsoft.com/office/drawing/2010/main" w="9525">
                   <a:solidFill>
                     <a:srgbClr val="000000"/>
                   </a:solidFill>
@@ -2879,7 +2876,7 @@
             </a:ln>
             <a:extLst>
               <a:ext uri="{91240B29-F687-4f45-9708-019B960494DF}">
-                <a14:hiddenLine xmlns:a14="http://schemas.microsoft.com/office/drawing/2010/main" xmlns="" w="9525">
+                <a14:hiddenLine xmlns="" xmlns:a14="http://schemas.microsoft.com/office/drawing/2010/main" w="9525">
                   <a:solidFill>
                     <a:srgbClr val="000000"/>
                   </a:solidFill>
@@ -2941,7 +2938,7 @@
             </a:ln>
             <a:extLst>
               <a:ext uri="{91240B29-F687-4f45-9708-019B960494DF}">
-                <a14:hiddenLine xmlns:a14="http://schemas.microsoft.com/office/drawing/2010/main" xmlns="" w="9525">
+                <a14:hiddenLine xmlns="" xmlns:a14="http://schemas.microsoft.com/office/drawing/2010/main" w="9525">
                   <a:solidFill>
                     <a:srgbClr val="000000"/>
                   </a:solidFill>
@@ -3031,7 +3028,7 @@
             </a:ln>
             <a:extLst>
               <a:ext uri="{91240B29-F687-4f45-9708-019B960494DF}">
-                <a14:hiddenLine xmlns:a14="http://schemas.microsoft.com/office/drawing/2010/main" xmlns="" w="9525">
+                <a14:hiddenLine xmlns="" xmlns:a14="http://schemas.microsoft.com/office/drawing/2010/main" w="9525">
                   <a:solidFill>
                     <a:srgbClr val="000000"/>
                   </a:solidFill>
@@ -3093,7 +3090,7 @@
             </a:ln>
             <a:extLst>
               <a:ext uri="{91240B29-F687-4f45-9708-019B960494DF}">
-                <a14:hiddenLine xmlns:a14="http://schemas.microsoft.com/office/drawing/2010/main" xmlns="" w="9525">
+                <a14:hiddenLine xmlns="" xmlns:a14="http://schemas.microsoft.com/office/drawing/2010/main" w="9525">
                   <a:solidFill>
                     <a:srgbClr val="000000"/>
                   </a:solidFill>
@@ -3183,7 +3180,7 @@
             </a:ln>
             <a:extLst>
               <a:ext uri="{91240B29-F687-4f45-9708-019B960494DF}">
-                <a14:hiddenLine xmlns:a14="http://schemas.microsoft.com/office/drawing/2010/main" xmlns="" w="9525">
+                <a14:hiddenLine xmlns="" xmlns:a14="http://schemas.microsoft.com/office/drawing/2010/main" w="9525">
                   <a:solidFill>
                     <a:srgbClr val="000000"/>
                   </a:solidFill>
@@ -3217,7 +3214,7 @@
             </a:ln>
             <a:extLst>
               <a:ext uri="{91240B29-F687-4f45-9708-019B960494DF}">
-                <a14:hiddenLine xmlns:a14="http://schemas.microsoft.com/office/drawing/2010/main" xmlns="" w="9525">
+                <a14:hiddenLine xmlns="" xmlns:a14="http://schemas.microsoft.com/office/drawing/2010/main" w="9525">
                   <a:solidFill>
                     <a:srgbClr val="000000"/>
                   </a:solidFill>
@@ -3282,7 +3279,7 @@
             </a:ln>
             <a:extLst>
               <a:ext uri="{91240B29-F687-4f45-9708-019B960494DF}">
-                <a14:hiddenLine xmlns:a14="http://schemas.microsoft.com/office/drawing/2010/main" xmlns="" w="9525">
+                <a14:hiddenLine xmlns="" xmlns:a14="http://schemas.microsoft.com/office/drawing/2010/main" w="9525">
                   <a:solidFill>
                     <a:srgbClr val="000000"/>
                   </a:solidFill>
@@ -3372,7 +3369,7 @@
             </a:ln>
             <a:extLst>
               <a:ext uri="{91240B29-F687-4f45-9708-019B960494DF}">
-                <a14:hiddenLine xmlns:a14="http://schemas.microsoft.com/office/drawing/2010/main" xmlns="" w="9525">
+                <a14:hiddenLine xmlns="" xmlns:a14="http://schemas.microsoft.com/office/drawing/2010/main" w="9525">
                   <a:solidFill>
                     <a:srgbClr val="000000"/>
                   </a:solidFill>
@@ -3434,7 +3431,7 @@
             </a:ln>
             <a:extLst>
               <a:ext uri="{91240B29-F687-4f45-9708-019B960494DF}">
-                <a14:hiddenLine xmlns:a14="http://schemas.microsoft.com/office/drawing/2010/main" xmlns="" w="9525">
+                <a14:hiddenLine xmlns="" xmlns:a14="http://schemas.microsoft.com/office/drawing/2010/main" w="9525">
                   <a:solidFill>
                     <a:srgbClr val="000000"/>
                   </a:solidFill>
@@ -3524,7 +3521,7 @@
             </a:ln>
             <a:extLst>
               <a:ext uri="{91240B29-F687-4f45-9708-019B960494DF}">
-                <a14:hiddenLine xmlns:a14="http://schemas.microsoft.com/office/drawing/2010/main" xmlns="" w="9525">
+                <a14:hiddenLine xmlns="" xmlns:a14="http://schemas.microsoft.com/office/drawing/2010/main" w="9525">
                   <a:solidFill>
                     <a:srgbClr val="000000"/>
                   </a:solidFill>
@@ -3614,7 +3611,7 @@
             </a:ln>
             <a:extLst>
               <a:ext uri="{91240B29-F687-4f45-9708-019B960494DF}">
-                <a14:hiddenLine xmlns:a14="http://schemas.microsoft.com/office/drawing/2010/main" xmlns="" w="9525">
+                <a14:hiddenLine xmlns="" xmlns:a14="http://schemas.microsoft.com/office/drawing/2010/main" w="9525">
                   <a:solidFill>
                     <a:srgbClr val="000000"/>
                   </a:solidFill>
@@ -3679,7 +3676,7 @@
             </a:ln>
             <a:extLst>
               <a:ext uri="{91240B29-F687-4f45-9708-019B960494DF}">
-                <a14:hiddenLine xmlns:a14="http://schemas.microsoft.com/office/drawing/2010/main" xmlns="" w="9525">
+                <a14:hiddenLine xmlns="" xmlns:a14="http://schemas.microsoft.com/office/drawing/2010/main" w="9525">
                   <a:solidFill>
                     <a:srgbClr val="000000"/>
                   </a:solidFill>
@@ -3741,7 +3738,7 @@
             </a:ln>
             <a:extLst>
               <a:ext uri="{91240B29-F687-4f45-9708-019B960494DF}">
-                <a14:hiddenLine xmlns:a14="http://schemas.microsoft.com/office/drawing/2010/main" xmlns="" w="9525">
+                <a14:hiddenLine xmlns="" xmlns:a14="http://schemas.microsoft.com/office/drawing/2010/main" w="9525">
                   <a:solidFill>
                     <a:srgbClr val="000000"/>
                   </a:solidFill>
@@ -3831,7 +3828,7 @@
             </a:ln>
             <a:extLst>
               <a:ext uri="{91240B29-F687-4f45-9708-019B960494DF}">
-                <a14:hiddenLine xmlns:a14="http://schemas.microsoft.com/office/drawing/2010/main" xmlns="" w="9525">
+                <a14:hiddenLine xmlns="" xmlns:a14="http://schemas.microsoft.com/office/drawing/2010/main" w="9525">
                   <a:solidFill>
                     <a:srgbClr val="000000"/>
                   </a:solidFill>
@@ -3921,7 +3918,7 @@
             </a:ln>
             <a:extLst>
               <a:ext uri="{91240B29-F687-4f45-9708-019B960494DF}">
-                <a14:hiddenLine xmlns:a14="http://schemas.microsoft.com/office/drawing/2010/main" xmlns="" w="9525">
+                <a14:hiddenLine xmlns="" xmlns:a14="http://schemas.microsoft.com/office/drawing/2010/main" w="9525">
                   <a:solidFill>
                     <a:srgbClr val="000000"/>
                   </a:solidFill>
@@ -3983,7 +3980,7 @@
             </a:ln>
             <a:extLst>
               <a:ext uri="{91240B29-F687-4f45-9708-019B960494DF}">
-                <a14:hiddenLine xmlns:a14="http://schemas.microsoft.com/office/drawing/2010/main" xmlns="" w="9525">
+                <a14:hiddenLine xmlns="" xmlns:a14="http://schemas.microsoft.com/office/drawing/2010/main" w="9525">
                   <a:solidFill>
                     <a:srgbClr val="000000"/>
                   </a:solidFill>
@@ -4103,7 +4100,7 @@
             </a:ln>
             <a:extLst>
               <a:ext uri="{91240B29-F687-4f45-9708-019B960494DF}">
-                <a14:hiddenLine xmlns:a14="http://schemas.microsoft.com/office/drawing/2010/main" xmlns="" w="9525">
+                <a14:hiddenLine xmlns="" xmlns:a14="http://schemas.microsoft.com/office/drawing/2010/main" w="9525">
                   <a:solidFill>
                     <a:srgbClr val="000000"/>
                   </a:solidFill>
@@ -4171,7 +4168,7 @@
             </a:ln>
             <a:extLst>
               <a:ext uri="{91240B29-F687-4f45-9708-019B960494DF}">
-                <a14:hiddenLine xmlns:a14="http://schemas.microsoft.com/office/drawing/2010/main" xmlns="" w="9525">
+                <a14:hiddenLine xmlns="" xmlns:a14="http://schemas.microsoft.com/office/drawing/2010/main" w="9525">
                   <a:solidFill>
                     <a:srgbClr val="000000"/>
                   </a:solidFill>
@@ -4261,7 +4258,7 @@
             </a:ln>
             <a:extLst>
               <a:ext uri="{91240B29-F687-4f45-9708-019B960494DF}">
-                <a14:hiddenLine xmlns:a14="http://schemas.microsoft.com/office/drawing/2010/main" xmlns="" w="9525">
+                <a14:hiddenLine xmlns="" xmlns:a14="http://schemas.microsoft.com/office/drawing/2010/main" w="9525">
                   <a:solidFill>
                     <a:srgbClr val="000000"/>
                   </a:solidFill>
@@ -4401,7 +4398,7 @@
           <a:p>
             <a:fld id="{48A87A34-81AB-432B-8DAE-1953F412C126}" type="datetimeFigureOut">
               <a:rPr lang="en-US" dirty="0"/>
-              <a:t>9/26/2018</a:t>
+              <a:t>10/2/2018</a:t>
             </a:fld>
             <a:endParaRPr lang="en-US" dirty="0"/>
           </a:p>
@@ -4663,7 +4660,7 @@
           <a:p>
             <a:fld id="{48A87A34-81AB-432B-8DAE-1953F412C126}" type="datetimeFigureOut">
               <a:rPr lang="en-US" dirty="0"/>
-              <a:t>9/26/2018</a:t>
+              <a:t>10/2/2018</a:t>
             </a:fld>
             <a:endParaRPr lang="en-US" dirty="0"/>
           </a:p>
@@ -4854,7 +4851,7 @@
           <a:p>
             <a:fld id="{48A87A34-81AB-432B-8DAE-1953F412C126}" type="datetimeFigureOut">
               <a:rPr lang="en-US" dirty="0"/>
-              <a:t>9/26/2018</a:t>
+              <a:t>10/2/2018</a:t>
             </a:fld>
             <a:endParaRPr lang="en-US" dirty="0"/>
           </a:p>
@@ -5112,7 +5109,7 @@
           <a:p>
             <a:fld id="{48A87A34-81AB-432B-8DAE-1953F412C126}" type="datetimeFigureOut">
               <a:rPr lang="en-US" dirty="0"/>
-              <a:t>9/26/2018</a:t>
+              <a:t>10/2/2018</a:t>
             </a:fld>
             <a:endParaRPr lang="en-US" dirty="0"/>
           </a:p>
@@ -5541,7 +5538,7 @@
           <a:p>
             <a:fld id="{48A87A34-81AB-432B-8DAE-1953F412C126}" type="datetimeFigureOut">
               <a:rPr lang="en-US" dirty="0"/>
-              <a:t>9/26/2018</a:t>
+              <a:t>10/2/2018</a:t>
             </a:fld>
             <a:endParaRPr lang="en-US" dirty="0"/>
           </a:p>
@@ -6082,7 +6079,7 @@
           <a:p>
             <a:fld id="{48A87A34-81AB-432B-8DAE-1953F412C126}" type="datetimeFigureOut">
               <a:rPr lang="en-US" dirty="0"/>
-              <a:t>9/26/2018</a:t>
+              <a:t>10/2/2018</a:t>
             </a:fld>
             <a:endParaRPr lang="en-US" dirty="0"/>
           </a:p>
@@ -6797,7 +6794,7 @@
           <a:p>
             <a:fld id="{48A87A34-81AB-432B-8DAE-1953F412C126}" type="datetimeFigureOut">
               <a:rPr lang="en-US" dirty="0"/>
-              <a:t>9/26/2018</a:t>
+              <a:t>10/2/2018</a:t>
             </a:fld>
             <a:endParaRPr lang="en-US" dirty="0"/>
           </a:p>
@@ -6962,7 +6959,7 @@
           <a:p>
             <a:fld id="{48A87A34-81AB-432B-8DAE-1953F412C126}" type="datetimeFigureOut">
               <a:rPr lang="en-US" dirty="0"/>
-              <a:t>9/26/2018</a:t>
+              <a:t>10/2/2018</a:t>
             </a:fld>
             <a:endParaRPr lang="en-US" dirty="0"/>
           </a:p>
@@ -7137,7 +7134,7 @@
           <a:p>
             <a:fld id="{48A87A34-81AB-432B-8DAE-1953F412C126}" type="datetimeFigureOut">
               <a:rPr lang="en-US" dirty="0"/>
-              <a:t>9/26/2018</a:t>
+              <a:t>10/2/2018</a:t>
             </a:fld>
             <a:endParaRPr lang="en-US" dirty="0"/>
           </a:p>
@@ -7302,7 +7299,7 @@
           <a:p>
             <a:fld id="{48A87A34-81AB-432B-8DAE-1953F412C126}" type="datetimeFigureOut">
               <a:rPr lang="en-US" dirty="0"/>
-              <a:t>9/26/2018</a:t>
+              <a:t>10/2/2018</a:t>
             </a:fld>
             <a:endParaRPr lang="en-US" dirty="0"/>
           </a:p>
@@ -7547,7 +7544,7 @@
           <a:p>
             <a:fld id="{48A87A34-81AB-432B-8DAE-1953F412C126}" type="datetimeFigureOut">
               <a:rPr lang="en-US" dirty="0"/>
-              <a:t>9/26/2018</a:t>
+              <a:t>10/2/2018</a:t>
             </a:fld>
             <a:endParaRPr lang="en-US" dirty="0"/>
           </a:p>
@@ -7774,7 +7771,7 @@
           <a:p>
             <a:fld id="{48A87A34-81AB-432B-8DAE-1953F412C126}" type="datetimeFigureOut">
               <a:rPr lang="en-US" dirty="0"/>
-              <a:t>9/26/2018</a:t>
+              <a:t>10/2/2018</a:t>
             </a:fld>
             <a:endParaRPr lang="en-US" dirty="0"/>
           </a:p>
@@ -8150,7 +8147,7 @@
           <a:p>
             <a:fld id="{48A87A34-81AB-432B-8DAE-1953F412C126}" type="datetimeFigureOut">
               <a:rPr lang="en-US" dirty="0"/>
-              <a:t>9/26/2018</a:t>
+              <a:t>10/2/2018</a:t>
             </a:fld>
             <a:endParaRPr lang="en-US" dirty="0"/>
           </a:p>
@@ -8263,7 +8260,7 @@
           <a:p>
             <a:fld id="{48A87A34-81AB-432B-8DAE-1953F412C126}" type="datetimeFigureOut">
               <a:rPr lang="en-US" dirty="0"/>
-              <a:t>9/26/2018</a:t>
+              <a:t>10/2/2018</a:t>
             </a:fld>
             <a:endParaRPr lang="en-US" dirty="0"/>
           </a:p>
@@ -8353,7 +8350,7 @@
           <a:p>
             <a:fld id="{48A87A34-81AB-432B-8DAE-1953F412C126}" type="datetimeFigureOut">
               <a:rPr lang="en-US" dirty="0"/>
-              <a:t>9/26/2018</a:t>
+              <a:t>10/2/2018</a:t>
             </a:fld>
             <a:endParaRPr lang="en-US" dirty="0"/>
           </a:p>
@@ -8597,7 +8594,7 @@
           <a:p>
             <a:fld id="{48A87A34-81AB-432B-8DAE-1953F412C126}" type="datetimeFigureOut">
               <a:rPr lang="en-US" dirty="0"/>
-              <a:t>9/26/2018</a:t>
+              <a:t>10/2/2018</a:t>
             </a:fld>
             <a:endParaRPr lang="en-US" dirty="0"/>
           </a:p>
@@ -8872,7 +8869,7 @@
           <a:p>
             <a:fld id="{48A87A34-81AB-432B-8DAE-1953F412C126}" type="datetimeFigureOut">
               <a:rPr lang="en-US" dirty="0"/>
-              <a:t>9/26/2018</a:t>
+              <a:t>10/2/2018</a:t>
             </a:fld>
             <a:endParaRPr lang="en-US" dirty="0"/>
           </a:p>
@@ -8983,7 +8980,7 @@
           <a:noFill/>
           <a:extLst>
             <a:ext uri="{909E8E84-426E-40dd-AFC4-6F175D3DCCD1}">
-              <a14:hiddenFill xmlns:a14="http://schemas.microsoft.com/office/drawing/2010/main" xmlns="">
+              <a14:hiddenFill xmlns="" xmlns:a14="http://schemas.microsoft.com/office/drawing/2010/main">
                 <a:solidFill>
                   <a:srgbClr val="FFFFFF"/>
                 </a:solidFill>
@@ -9057,7 +9054,7 @@
               </a:ln>
               <a:extLst>
                 <a:ext uri="{91240B29-F687-4f45-9708-019B960494DF}">
-                  <a14:hiddenLine xmlns:a14="http://schemas.microsoft.com/office/drawing/2010/main" xmlns="" w="9525">
+                  <a14:hiddenLine xmlns="" xmlns:a14="http://schemas.microsoft.com/office/drawing/2010/main" w="9525">
                     <a:solidFill>
                       <a:srgbClr val="000000"/>
                     </a:solidFill>
@@ -9147,7 +9144,7 @@
               </a:ln>
               <a:extLst>
                 <a:ext uri="{91240B29-F687-4f45-9708-019B960494DF}">
-                  <a14:hiddenLine xmlns:a14="http://schemas.microsoft.com/office/drawing/2010/main" xmlns="" w="9525">
+                  <a14:hiddenLine xmlns="" xmlns:a14="http://schemas.microsoft.com/office/drawing/2010/main" w="9525">
                     <a:solidFill>
                       <a:srgbClr val="000000"/>
                     </a:solidFill>
@@ -9237,7 +9234,7 @@
               </a:ln>
               <a:extLst>
                 <a:ext uri="{91240B29-F687-4f45-9708-019B960494DF}">
-                  <a14:hiddenLine xmlns:a14="http://schemas.microsoft.com/office/drawing/2010/main" xmlns="" w="9525">
+                  <a14:hiddenLine xmlns="" xmlns:a14="http://schemas.microsoft.com/office/drawing/2010/main" w="9525">
                     <a:solidFill>
                       <a:srgbClr val="000000"/>
                     </a:solidFill>
@@ -9299,7 +9296,7 @@
               </a:ln>
               <a:extLst>
                 <a:ext uri="{91240B29-F687-4f45-9708-019B960494DF}">
-                  <a14:hiddenLine xmlns:a14="http://schemas.microsoft.com/office/drawing/2010/main" xmlns="" w="9525">
+                  <a14:hiddenLine xmlns="" xmlns:a14="http://schemas.microsoft.com/office/drawing/2010/main" w="9525">
                     <a:solidFill>
                       <a:srgbClr val="000000"/>
                     </a:solidFill>
@@ -9389,7 +9386,7 @@
               </a:ln>
               <a:extLst>
                 <a:ext uri="{91240B29-F687-4f45-9708-019B960494DF}">
-                  <a14:hiddenLine xmlns:a14="http://schemas.microsoft.com/office/drawing/2010/main" xmlns="" w="9525">
+                  <a14:hiddenLine xmlns="" xmlns:a14="http://schemas.microsoft.com/office/drawing/2010/main" w="9525">
                     <a:solidFill>
                       <a:srgbClr val="000000"/>
                     </a:solidFill>
@@ -9451,7 +9448,7 @@
               </a:ln>
               <a:extLst>
                 <a:ext uri="{91240B29-F687-4f45-9708-019B960494DF}">
-                  <a14:hiddenLine xmlns:a14="http://schemas.microsoft.com/office/drawing/2010/main" xmlns="" w="9525">
+                  <a14:hiddenLine xmlns="" xmlns:a14="http://schemas.microsoft.com/office/drawing/2010/main" w="9525">
                     <a:solidFill>
                       <a:srgbClr val="000000"/>
                     </a:solidFill>
@@ -9513,7 +9510,7 @@
               </a:ln>
               <a:extLst>
                 <a:ext uri="{91240B29-F687-4f45-9708-019B960494DF}">
-                  <a14:hiddenLine xmlns:a14="http://schemas.microsoft.com/office/drawing/2010/main" xmlns="" w="9525">
+                  <a14:hiddenLine xmlns="" xmlns:a14="http://schemas.microsoft.com/office/drawing/2010/main" w="9525">
                     <a:solidFill>
                       <a:srgbClr val="000000"/>
                     </a:solidFill>
@@ -9603,7 +9600,7 @@
               </a:ln>
               <a:extLst>
                 <a:ext uri="{91240B29-F687-4f45-9708-019B960494DF}">
-                  <a14:hiddenLine xmlns:a14="http://schemas.microsoft.com/office/drawing/2010/main" xmlns="" w="9525">
+                  <a14:hiddenLine xmlns="" xmlns:a14="http://schemas.microsoft.com/office/drawing/2010/main" w="9525">
                     <a:solidFill>
                       <a:srgbClr val="000000"/>
                     </a:solidFill>
@@ -9693,7 +9690,7 @@
               </a:ln>
               <a:extLst>
                 <a:ext uri="{91240B29-F687-4f45-9708-019B960494DF}">
-                  <a14:hiddenLine xmlns:a14="http://schemas.microsoft.com/office/drawing/2010/main" xmlns="" w="9525">
+                  <a14:hiddenLine xmlns="" xmlns:a14="http://schemas.microsoft.com/office/drawing/2010/main" w="9525">
                     <a:solidFill>
                       <a:srgbClr val="000000"/>
                     </a:solidFill>
@@ -9755,7 +9752,7 @@
               </a:ln>
               <a:extLst>
                 <a:ext uri="{91240B29-F687-4f45-9708-019B960494DF}">
-                  <a14:hiddenLine xmlns:a14="http://schemas.microsoft.com/office/drawing/2010/main" xmlns="" w="9525">
+                  <a14:hiddenLine xmlns="" xmlns:a14="http://schemas.microsoft.com/office/drawing/2010/main" w="9525">
                     <a:solidFill>
                       <a:srgbClr val="000000"/>
                     </a:solidFill>
@@ -9865,7 +9862,7 @@
               </a:ln>
               <a:extLst>
                 <a:ext uri="{91240B29-F687-4f45-9708-019B960494DF}">
-                  <a14:hiddenLine xmlns:a14="http://schemas.microsoft.com/office/drawing/2010/main" xmlns="" w="9525">
+                  <a14:hiddenLine xmlns="" xmlns:a14="http://schemas.microsoft.com/office/drawing/2010/main" w="9525">
                     <a:solidFill>
                       <a:srgbClr val="000000"/>
                     </a:solidFill>
@@ -9949,7 +9946,7 @@
               </a:ln>
               <a:extLst>
                 <a:ext uri="{91240B29-F687-4f45-9708-019B960494DF}">
-                  <a14:hiddenLine xmlns:a14="http://schemas.microsoft.com/office/drawing/2010/main" xmlns="" w="9525">
+                  <a14:hiddenLine xmlns="" xmlns:a14="http://schemas.microsoft.com/office/drawing/2010/main" w="9525">
                     <a:solidFill>
                       <a:srgbClr val="000000"/>
                     </a:solidFill>
@@ -10011,7 +10008,7 @@
               </a:ln>
               <a:extLst>
                 <a:ext uri="{91240B29-F687-4f45-9708-019B960494DF}">
-                  <a14:hiddenLine xmlns:a14="http://schemas.microsoft.com/office/drawing/2010/main" xmlns="" w="9525">
+                  <a14:hiddenLine xmlns="" xmlns:a14="http://schemas.microsoft.com/office/drawing/2010/main" w="9525">
                     <a:solidFill>
                       <a:srgbClr val="000000"/>
                     </a:solidFill>
@@ -10073,7 +10070,7 @@
               </a:ln>
               <a:extLst>
                 <a:ext uri="{91240B29-F687-4f45-9708-019B960494DF}">
-                  <a14:hiddenLine xmlns:a14="http://schemas.microsoft.com/office/drawing/2010/main" xmlns="" w="9525">
+                  <a14:hiddenLine xmlns="" xmlns:a14="http://schemas.microsoft.com/office/drawing/2010/main" w="9525">
                     <a:solidFill>
                       <a:srgbClr val="000000"/>
                     </a:solidFill>
@@ -10163,7 +10160,7 @@
               </a:ln>
               <a:extLst>
                 <a:ext uri="{91240B29-F687-4f45-9708-019B960494DF}">
-                  <a14:hiddenLine xmlns:a14="http://schemas.microsoft.com/office/drawing/2010/main" xmlns="" w="9525">
+                  <a14:hiddenLine xmlns="" xmlns:a14="http://schemas.microsoft.com/office/drawing/2010/main" w="9525">
                     <a:solidFill>
                       <a:srgbClr val="000000"/>
                     </a:solidFill>
@@ -10197,7 +10194,7 @@
               </a:ln>
               <a:extLst>
                 <a:ext uri="{91240B29-F687-4f45-9708-019B960494DF}">
-                  <a14:hiddenLine xmlns:a14="http://schemas.microsoft.com/office/drawing/2010/main" xmlns="" w="9525">
+                  <a14:hiddenLine xmlns="" xmlns:a14="http://schemas.microsoft.com/office/drawing/2010/main" w="9525">
                     <a:solidFill>
                       <a:srgbClr val="000000"/>
                     </a:solidFill>
@@ -10262,7 +10259,7 @@
               </a:ln>
               <a:extLst>
                 <a:ext uri="{91240B29-F687-4f45-9708-019B960494DF}">
-                  <a14:hiddenLine xmlns:a14="http://schemas.microsoft.com/office/drawing/2010/main" xmlns="" w="9525">
+                  <a14:hiddenLine xmlns="" xmlns:a14="http://schemas.microsoft.com/office/drawing/2010/main" w="9525">
                     <a:solidFill>
                       <a:srgbClr val="000000"/>
                     </a:solidFill>
@@ -10352,7 +10349,7 @@
               </a:ln>
               <a:extLst>
                 <a:ext uri="{91240B29-F687-4f45-9708-019B960494DF}">
-                  <a14:hiddenLine xmlns:a14="http://schemas.microsoft.com/office/drawing/2010/main" xmlns="" w="9525">
+                  <a14:hiddenLine xmlns="" xmlns:a14="http://schemas.microsoft.com/office/drawing/2010/main" w="9525">
                     <a:solidFill>
                       <a:srgbClr val="000000"/>
                     </a:solidFill>
@@ -10414,7 +10411,7 @@
               </a:ln>
               <a:extLst>
                 <a:ext uri="{91240B29-F687-4f45-9708-019B960494DF}">
-                  <a14:hiddenLine xmlns:a14="http://schemas.microsoft.com/office/drawing/2010/main" xmlns="" w="9525">
+                  <a14:hiddenLine xmlns="" xmlns:a14="http://schemas.microsoft.com/office/drawing/2010/main" w="9525">
                     <a:solidFill>
                       <a:srgbClr val="000000"/>
                     </a:solidFill>
@@ -10504,7 +10501,7 @@
               </a:ln>
               <a:extLst>
                 <a:ext uri="{91240B29-F687-4f45-9708-019B960494DF}">
-                  <a14:hiddenLine xmlns:a14="http://schemas.microsoft.com/office/drawing/2010/main" xmlns="" w="9525">
+                  <a14:hiddenLine xmlns="" xmlns:a14="http://schemas.microsoft.com/office/drawing/2010/main" w="9525">
                     <a:solidFill>
                       <a:srgbClr val="000000"/>
                     </a:solidFill>
@@ -10569,7 +10566,7 @@
               </a:ln>
               <a:extLst>
                 <a:ext uri="{91240B29-F687-4f45-9708-019B960494DF}">
-                  <a14:hiddenLine xmlns:a14="http://schemas.microsoft.com/office/drawing/2010/main" xmlns="" w="9525">
+                  <a14:hiddenLine xmlns="" xmlns:a14="http://schemas.microsoft.com/office/drawing/2010/main" w="9525">
                     <a:solidFill>
                       <a:srgbClr val="000000"/>
                     </a:solidFill>
@@ -10631,7 +10628,7 @@
               </a:ln>
               <a:extLst>
                 <a:ext uri="{91240B29-F687-4f45-9708-019B960494DF}">
-                  <a14:hiddenLine xmlns:a14="http://schemas.microsoft.com/office/drawing/2010/main" xmlns="" w="9525">
+                  <a14:hiddenLine xmlns="" xmlns:a14="http://schemas.microsoft.com/office/drawing/2010/main" w="9525">
                     <a:solidFill>
                       <a:srgbClr val="000000"/>
                     </a:solidFill>
@@ -10721,7 +10718,7 @@
               </a:ln>
               <a:extLst>
                 <a:ext uri="{91240B29-F687-4f45-9708-019B960494DF}">
-                  <a14:hiddenLine xmlns:a14="http://schemas.microsoft.com/office/drawing/2010/main" xmlns="" w="9525">
+                  <a14:hiddenLine xmlns="" xmlns:a14="http://schemas.microsoft.com/office/drawing/2010/main" w="9525">
                     <a:solidFill>
                       <a:srgbClr val="000000"/>
                     </a:solidFill>
@@ -10811,7 +10808,7 @@
               </a:ln>
               <a:extLst>
                 <a:ext uri="{91240B29-F687-4f45-9708-019B960494DF}">
-                  <a14:hiddenLine xmlns:a14="http://schemas.microsoft.com/office/drawing/2010/main" xmlns="" w="9525">
+                  <a14:hiddenLine xmlns="" xmlns:a14="http://schemas.microsoft.com/office/drawing/2010/main" w="9525">
                     <a:solidFill>
                       <a:srgbClr val="000000"/>
                     </a:solidFill>
@@ -10876,7 +10873,7 @@
               </a:ln>
               <a:extLst>
                 <a:ext uri="{91240B29-F687-4f45-9708-019B960494DF}">
-                  <a14:hiddenLine xmlns:a14="http://schemas.microsoft.com/office/drawing/2010/main" xmlns="" w="9525">
+                  <a14:hiddenLine xmlns="" xmlns:a14="http://schemas.microsoft.com/office/drawing/2010/main" w="9525">
                     <a:solidFill>
                       <a:srgbClr val="000000"/>
                     </a:solidFill>
@@ -10996,7 +10993,7 @@
               </a:ln>
               <a:extLst>
                 <a:ext uri="{91240B29-F687-4f45-9708-019B960494DF}">
-                  <a14:hiddenLine xmlns:a14="http://schemas.microsoft.com/office/drawing/2010/main" xmlns="" w="9525">
+                  <a14:hiddenLine xmlns="" xmlns:a14="http://schemas.microsoft.com/office/drawing/2010/main" w="9525">
                     <a:solidFill>
                       <a:srgbClr val="000000"/>
                     </a:solidFill>
@@ -11094,7 +11091,7 @@
               </a:ln>
               <a:extLst>
                 <a:ext uri="{91240B29-F687-4f45-9708-019B960494DF}">
-                  <a14:hiddenLine xmlns:a14="http://schemas.microsoft.com/office/drawing/2010/main" xmlns="" w="9525">
+                  <a14:hiddenLine xmlns="" xmlns:a14="http://schemas.microsoft.com/office/drawing/2010/main" w="9525">
                     <a:solidFill>
                       <a:srgbClr val="000000"/>
                     </a:solidFill>
@@ -11209,7 +11206,7 @@
               </a:ln>
               <a:extLst>
                 <a:ext uri="{91240B29-F687-4f45-9708-019B960494DF}">
-                  <a14:hiddenLine xmlns:a14="http://schemas.microsoft.com/office/drawing/2010/main" xmlns="" w="9525">
+                  <a14:hiddenLine xmlns="" xmlns:a14="http://schemas.microsoft.com/office/drawing/2010/main" w="9525">
                     <a:solidFill>
                       <a:srgbClr val="000000"/>
                     </a:solidFill>
@@ -11299,7 +11296,7 @@
               </a:ln>
               <a:extLst>
                 <a:ext uri="{91240B29-F687-4f45-9708-019B960494DF}">
-                  <a14:hiddenLine xmlns:a14="http://schemas.microsoft.com/office/drawing/2010/main" xmlns="" w="9525">
+                  <a14:hiddenLine xmlns="" xmlns:a14="http://schemas.microsoft.com/office/drawing/2010/main" w="9525">
                     <a:solidFill>
                       <a:srgbClr val="000000"/>
                     </a:solidFill>
@@ -11364,7 +11361,7 @@
               </a:ln>
               <a:extLst>
                 <a:ext uri="{91240B29-F687-4f45-9708-019B960494DF}">
-                  <a14:hiddenLine xmlns:a14="http://schemas.microsoft.com/office/drawing/2010/main" xmlns="" w="9525">
+                  <a14:hiddenLine xmlns="" xmlns:a14="http://schemas.microsoft.com/office/drawing/2010/main" w="9525">
                     <a:solidFill>
                       <a:srgbClr val="000000"/>
                     </a:solidFill>
@@ -11454,7 +11451,7 @@
               </a:ln>
               <a:extLst>
                 <a:ext uri="{91240B29-F687-4f45-9708-019B960494DF}">
-                  <a14:hiddenLine xmlns:a14="http://schemas.microsoft.com/office/drawing/2010/main" xmlns="" w="9525">
+                  <a14:hiddenLine xmlns="" xmlns:a14="http://schemas.microsoft.com/office/drawing/2010/main" w="9525">
                     <a:solidFill>
                       <a:srgbClr val="000000"/>
                     </a:solidFill>
@@ -11522,7 +11519,7 @@
               </a:ln>
               <a:extLst>
                 <a:ext uri="{91240B29-F687-4f45-9708-019B960494DF}">
-                  <a14:hiddenLine xmlns:a14="http://schemas.microsoft.com/office/drawing/2010/main" xmlns="" w="9525">
+                  <a14:hiddenLine xmlns="" xmlns:a14="http://schemas.microsoft.com/office/drawing/2010/main" w="9525">
                     <a:solidFill>
                       <a:srgbClr val="000000"/>
                     </a:solidFill>
@@ -11612,7 +11609,7 @@
               </a:ln>
               <a:extLst>
                 <a:ext uri="{91240B29-F687-4f45-9708-019B960494DF}">
-                  <a14:hiddenLine xmlns:a14="http://schemas.microsoft.com/office/drawing/2010/main" xmlns="" w="9525">
+                  <a14:hiddenLine xmlns="" xmlns:a14="http://schemas.microsoft.com/office/drawing/2010/main" w="9525">
                     <a:solidFill>
                       <a:srgbClr val="000000"/>
                     </a:solidFill>
@@ -11680,7 +11677,7 @@
               </a:ln>
               <a:extLst>
                 <a:ext uri="{91240B29-F687-4f45-9708-019B960494DF}">
-                  <a14:hiddenLine xmlns:a14="http://schemas.microsoft.com/office/drawing/2010/main" xmlns="" w="9525">
+                  <a14:hiddenLine xmlns="" xmlns:a14="http://schemas.microsoft.com/office/drawing/2010/main" w="9525">
                     <a:solidFill>
                       <a:srgbClr val="000000"/>
                     </a:solidFill>
@@ -11770,7 +11767,7 @@
               </a:ln>
               <a:extLst>
                 <a:ext uri="{91240B29-F687-4f45-9708-019B960494DF}">
-                  <a14:hiddenLine xmlns:a14="http://schemas.microsoft.com/office/drawing/2010/main" xmlns="" w="9525">
+                  <a14:hiddenLine xmlns="" xmlns:a14="http://schemas.microsoft.com/office/drawing/2010/main" w="9525">
                     <a:solidFill>
                       <a:srgbClr val="000000"/>
                     </a:solidFill>
@@ -11804,7 +11801,7 @@
               </a:ln>
               <a:extLst>
                 <a:ext uri="{91240B29-F687-4f45-9708-019B960494DF}">
-                  <a14:hiddenLine xmlns:a14="http://schemas.microsoft.com/office/drawing/2010/main" xmlns="" w="9525">
+                  <a14:hiddenLine xmlns="" xmlns:a14="http://schemas.microsoft.com/office/drawing/2010/main" w="9525">
                     <a:solidFill>
                       <a:srgbClr val="000000"/>
                     </a:solidFill>
@@ -11945,7 +11942,7 @@
             <a:fld id="{48A87A34-81AB-432B-8DAE-1953F412C126}" type="datetimeFigureOut">
               <a:rPr lang="en-US" dirty="0"/>
               <a:pPr/>
-              <a:t>9/26/2018</a:t>
+              <a:t>10/2/2018</a:t>
             </a:fld>
             <a:endParaRPr lang="en-US" dirty="0"/>
           </a:p>
@@ -12411,7 +12408,12 @@
             <p:ph type="subTitle" idx="1"/>
           </p:nvPr>
         </p:nvSpPr>
-        <p:spPr/>
+        <p:spPr>
+          <a:xfrm>
+            <a:off x="1876424" y="3602038"/>
+            <a:ext cx="8791575" cy="2957788"/>
+          </a:xfrm>
+        </p:spPr>
         <p:txBody>
           <a:bodyPr/>
           <a:lstStyle/>
@@ -12431,6 +12433,24 @@
             <a:r>
               <a:rPr lang="es-CL" dirty="0"/>
               <a:t>	-Juan Contreras</a:t>
+            </a:r>
+          </a:p>
+          <a:p>
+            <a:r>
+              <a:rPr lang="es-CL" dirty="0"/>
+              <a:t>Profesores:</a:t>
+            </a:r>
+          </a:p>
+          <a:p>
+            <a:r>
+              <a:rPr lang="es-CL" dirty="0"/>
+              <a:t>	-Valeria Henríquez </a:t>
+            </a:r>
+          </a:p>
+          <a:p>
+            <a:r>
+              <a:rPr lang="es-CL" dirty="0"/>
+              <a:t>	-Raimundo vega</a:t>
             </a:r>
           </a:p>
         </p:txBody>
@@ -12538,7 +12558,7 @@
           <p:cNvPr id="2" name="Título 1">
             <a:extLst>
               <a:ext uri="{FF2B5EF4-FFF2-40B4-BE49-F238E27FC236}">
-                <a16:creationId xmlns:a16="http://schemas.microsoft.com/office/drawing/2014/main" id="{1EF17776-1159-494A-85D8-00D19F7DACD2}"/>
+                <a16:creationId xmlns:a16="http://schemas.microsoft.com/office/drawing/2014/main" id="{D4AE118E-11CA-4C19-929C-418073BE86FD}"/>
               </a:ext>
             </a:extLst>
           </p:cNvPr>
@@ -12556,7 +12576,7 @@
           <a:p>
             <a:r>
               <a:rPr lang="es-ES" dirty="0"/>
-              <a:t>Herramientas </a:t>
+              <a:t>Modelo entidad relación</a:t>
             </a:r>
             <a:endParaRPr lang="es-CL" dirty="0"/>
           </a:p>
@@ -12564,10 +12584,10 @@
       </p:sp>
       <p:sp>
         <p:nvSpPr>
-          <p:cNvPr id="3" name="Marcador de contenido 2">
+          <p:cNvPr id="4" name="Marcador de contenido 3">
             <a:extLst>
               <a:ext uri="{FF2B5EF4-FFF2-40B4-BE49-F238E27FC236}">
-                <a16:creationId xmlns:a16="http://schemas.microsoft.com/office/drawing/2014/main" id="{92B66465-FA16-460D-A698-86037B55B671}"/>
+                <a16:creationId xmlns:a16="http://schemas.microsoft.com/office/drawing/2014/main" id="{227AC388-ECAE-4803-B1FA-55E8F086C738}"/>
               </a:ext>
             </a:extLst>
           </p:cNvPr>
@@ -12584,119 +12604,16 @@
           <a:lstStyle/>
           <a:p>
             <a:r>
-              <a:rPr lang="es-ES" dirty="0"/>
-              <a:t>Angular</a:t>
-            </a:r>
-          </a:p>
-          <a:p>
-            <a:r>
-              <a:rPr lang="es-ES" dirty="0"/>
-              <a:t>Nodejs</a:t>
-            </a:r>
-          </a:p>
-          <a:p>
-            <a:r>
-              <a:rPr lang="es-ES" dirty="0"/>
-              <a:t>MongoDB</a:t>
-            </a:r>
-            <a:endParaRPr lang="es-CL" dirty="0"/>
+              <a:rPr lang="es-CL" dirty="0"/>
+              <a:t>Actualizar</a:t>
+            </a:r>
           </a:p>
         </p:txBody>
       </p:sp>
-      <p:pic>
-        <p:nvPicPr>
-          <p:cNvPr id="7" name="Imagen 6">
-            <a:extLst>
-              <a:ext uri="{FF2B5EF4-FFF2-40B4-BE49-F238E27FC236}">
-                <a16:creationId xmlns:a16="http://schemas.microsoft.com/office/drawing/2014/main" id="{325FADB8-E7E6-47B4-991E-0327DDE0EDDE}"/>
-              </a:ext>
-            </a:extLst>
-          </p:cNvPr>
-          <p:cNvPicPr>
-            <a:picLocks noChangeAspect="1"/>
-          </p:cNvPicPr>
-          <p:nvPr/>
-        </p:nvPicPr>
-        <p:blipFill>
-          <a:blip r:embed="rId2"/>
-          <a:stretch>
-            <a:fillRect/>
-          </a:stretch>
-        </p:blipFill>
-        <p:spPr>
-          <a:xfrm>
-            <a:off x="3510127" y="4779523"/>
-            <a:ext cx="1608243" cy="1608243"/>
-          </a:xfrm>
-          <a:prstGeom prst="rect">
-            <a:avLst/>
-          </a:prstGeom>
-        </p:spPr>
-      </p:pic>
-      <p:pic>
-        <p:nvPicPr>
-          <p:cNvPr id="9" name="Imagen 8">
-            <a:extLst>
-              <a:ext uri="{FF2B5EF4-FFF2-40B4-BE49-F238E27FC236}">
-                <a16:creationId xmlns:a16="http://schemas.microsoft.com/office/drawing/2014/main" id="{4F4E0413-E25F-45EE-AEB8-42F621FAFF5E}"/>
-              </a:ext>
-            </a:extLst>
-          </p:cNvPr>
-          <p:cNvPicPr>
-            <a:picLocks noChangeAspect="1"/>
-          </p:cNvPicPr>
-          <p:nvPr/>
-        </p:nvPicPr>
-        <p:blipFill>
-          <a:blip r:embed="rId3"/>
-          <a:stretch>
-            <a:fillRect/>
-          </a:stretch>
-        </p:blipFill>
-        <p:spPr>
-          <a:xfrm>
-            <a:off x="6094411" y="3429000"/>
-            <a:ext cx="2273945" cy="1392992"/>
-          </a:xfrm>
-          <a:prstGeom prst="rect">
-            <a:avLst/>
-          </a:prstGeom>
-        </p:spPr>
-      </p:pic>
-      <p:pic>
-        <p:nvPicPr>
-          <p:cNvPr id="11" name="Imagen 10">
-            <a:extLst>
-              <a:ext uri="{FF2B5EF4-FFF2-40B4-BE49-F238E27FC236}">
-                <a16:creationId xmlns:a16="http://schemas.microsoft.com/office/drawing/2014/main" id="{BA41719C-2E66-42C6-A655-5653DDFB9E6C}"/>
-              </a:ext>
-            </a:extLst>
-          </p:cNvPr>
-          <p:cNvPicPr>
-            <a:picLocks noChangeAspect="1"/>
-          </p:cNvPicPr>
-          <p:nvPr/>
-        </p:nvPicPr>
-        <p:blipFill>
-          <a:blip r:embed="rId4"/>
-          <a:stretch>
-            <a:fillRect/>
-          </a:stretch>
-        </p:blipFill>
-        <p:spPr>
-          <a:xfrm>
-            <a:off x="7071594" y="4043916"/>
-            <a:ext cx="3079456" cy="3079456"/>
-          </a:xfrm>
-          <a:prstGeom prst="rect">
-            <a:avLst/>
-          </a:prstGeom>
-        </p:spPr>
-      </p:pic>
     </p:spTree>
     <p:extLst>
       <p:ext uri="{BB962C8B-B14F-4D97-AF65-F5344CB8AC3E}">
-        <p14:creationId xmlns:p14="http://schemas.microsoft.com/office/powerpoint/2010/main" val="3715753220"/>
+        <p14:creationId xmlns:p14="http://schemas.microsoft.com/office/powerpoint/2010/main" val="799306102"/>
       </p:ext>
     </p:extLst>
   </p:cSld>
@@ -12751,3953 +12668,17 @@
           <a:p>
             <a:r>
               <a:rPr lang="es-CL" dirty="0"/>
-              <a:t>Diagrama de proceso: Inicio</a:t>
-            </a:r>
-          </a:p>
-        </p:txBody>
-      </p:sp>
-      <p:pic>
-        <p:nvPicPr>
-          <p:cNvPr id="9" name="Marcador de contenido 8" descr="Imagen que contiene captura de pantalla&#10;&#10;Descripción generada con confianza muy alta">
-            <a:extLst>
-              <a:ext uri="{FF2B5EF4-FFF2-40B4-BE49-F238E27FC236}">
-                <a16:creationId xmlns:a16="http://schemas.microsoft.com/office/drawing/2014/main" id="{3BD0E155-4091-468B-9D1D-A7697C6BA897}"/>
-              </a:ext>
-            </a:extLst>
-          </p:cNvPr>
-          <p:cNvPicPr>
-            <a:picLocks noGrp="1" noChangeAspect="1"/>
-          </p:cNvPicPr>
-          <p:nvPr>
-            <p:ph idx="1"/>
-          </p:nvPr>
-        </p:nvPicPr>
-        <p:blipFill>
-          <a:blip r:embed="rId2"/>
-          <a:stretch>
-            <a:fillRect/>
-          </a:stretch>
-        </p:blipFill>
-        <p:spPr>
-          <a:xfrm>
-            <a:off x="1351722" y="1465943"/>
-            <a:ext cx="9695689" cy="5138057"/>
-          </a:xfrm>
-        </p:spPr>
-      </p:pic>
-    </p:spTree>
-    <p:extLst>
-      <p:ext uri="{BB962C8B-B14F-4D97-AF65-F5344CB8AC3E}">
-        <p14:creationId xmlns:p14="http://schemas.microsoft.com/office/powerpoint/2010/main" val="1153053009"/>
-      </p:ext>
-    </p:extLst>
-  </p:cSld>
-  <p:clrMapOvr>
-    <a:masterClrMapping/>
-  </p:clrMapOvr>
-</p:sld>
-</file>
-
-<file path=ppt/slides/slide12.xml><?xml version="1.0" encoding="utf-8"?>
-<p:sld xmlns:a="http://schemas.openxmlformats.org/drawingml/2006/main" xmlns:r="http://schemas.openxmlformats.org/officeDocument/2006/relationships" xmlns:p="http://schemas.openxmlformats.org/presentationml/2006/main">
-  <p:cSld>
-    <p:spTree>
-      <p:nvGrpSpPr>
-        <p:cNvPr id="1" name=""/>
-        <p:cNvGrpSpPr/>
-        <p:nvPr/>
-      </p:nvGrpSpPr>
-      <p:grpSpPr>
-        <a:xfrm>
-          <a:off x="0" y="0"/>
-          <a:ext cx="0" cy="0"/>
-          <a:chOff x="0" y="0"/>
-          <a:chExt cx="0" cy="0"/>
-        </a:xfrm>
-      </p:grpSpPr>
-      <p:sp>
-        <p:nvSpPr>
-          <p:cNvPr id="2" name="Título 1">
-            <a:extLst>
-              <a:ext uri="{FF2B5EF4-FFF2-40B4-BE49-F238E27FC236}">
-                <a16:creationId xmlns:a16="http://schemas.microsoft.com/office/drawing/2014/main" id="{CC5B9FB7-DA33-4C53-8400-93E8AD25FA43}"/>
-              </a:ext>
-            </a:extLst>
-          </p:cNvPr>
-          <p:cNvSpPr>
-            <a:spLocks noGrp="1"/>
-          </p:cNvSpPr>
-          <p:nvPr>
-            <p:ph type="title"/>
-          </p:nvPr>
-        </p:nvSpPr>
-        <p:spPr>
-          <a:xfrm>
-            <a:off x="1144589" y="-339425"/>
-            <a:ext cx="9905998" cy="1478570"/>
-          </a:xfrm>
-        </p:spPr>
-        <p:txBody>
-          <a:bodyPr/>
-          <a:lstStyle/>
-          <a:p>
-            <a:r>
-              <a:rPr lang="es-CL" dirty="0"/>
-              <a:t>Diagramas de Procesos  : Post Múltiple</a:t>
-            </a:r>
-          </a:p>
-        </p:txBody>
-      </p:sp>
-      <p:pic>
-        <p:nvPicPr>
-          <p:cNvPr id="6" name="Marcador de contenido 5" descr="Imagen que contiene captura de pantalla&#10;&#10;Descripción generada con confianza muy alta">
-            <a:extLst>
-              <a:ext uri="{FF2B5EF4-FFF2-40B4-BE49-F238E27FC236}">
-                <a16:creationId xmlns:a16="http://schemas.microsoft.com/office/drawing/2014/main" id="{5DD9A6DD-EB49-499B-8A32-0CBA32196650}"/>
-              </a:ext>
-            </a:extLst>
-          </p:cNvPr>
-          <p:cNvPicPr>
-            <a:picLocks noGrp="1" noChangeAspect="1"/>
-          </p:cNvPicPr>
-          <p:nvPr>
-            <p:ph idx="1"/>
-          </p:nvPr>
-        </p:nvPicPr>
-        <p:blipFill>
-          <a:blip r:embed="rId2"/>
-          <a:stretch>
-            <a:fillRect/>
-          </a:stretch>
-        </p:blipFill>
-        <p:spPr>
-          <a:xfrm>
-            <a:off x="1351720" y="1753758"/>
-            <a:ext cx="9029149" cy="4918711"/>
-          </a:xfrm>
-        </p:spPr>
-      </p:pic>
-    </p:spTree>
-    <p:extLst>
-      <p:ext uri="{BB962C8B-B14F-4D97-AF65-F5344CB8AC3E}">
-        <p14:creationId xmlns:p14="http://schemas.microsoft.com/office/powerpoint/2010/main" val="664467279"/>
-      </p:ext>
-    </p:extLst>
-  </p:cSld>
-  <p:clrMapOvr>
-    <a:masterClrMapping/>
-  </p:clrMapOvr>
-</p:sld>
-</file>
-
-<file path=ppt/slides/slide13.xml><?xml version="1.0" encoding="utf-8"?>
-<p:sld xmlns:a="http://schemas.openxmlformats.org/drawingml/2006/main" xmlns:r="http://schemas.openxmlformats.org/officeDocument/2006/relationships" xmlns:p="http://schemas.openxmlformats.org/presentationml/2006/main">
-  <p:cSld>
-    <p:bg>
-      <p:bgPr>
-        <a:solidFill>
-          <a:schemeClr val="bg1"/>
-        </a:solidFill>
-        <a:effectLst/>
-      </p:bgPr>
-    </p:bg>
-    <p:spTree>
-      <p:nvGrpSpPr>
-        <p:cNvPr id="1" name=""/>
-        <p:cNvGrpSpPr/>
-        <p:nvPr/>
-      </p:nvGrpSpPr>
-      <p:grpSpPr>
-        <a:xfrm>
-          <a:off x="0" y="0"/>
-          <a:ext cx="0" cy="0"/>
-          <a:chOff x="0" y="0"/>
-          <a:chExt cx="0" cy="0"/>
-        </a:xfrm>
-      </p:grpSpPr>
-      <p:sp>
-        <p:nvSpPr>
-          <p:cNvPr id="13" name="Rectangle 12">
-            <a:extLst>
-              <a:ext uri="{FF2B5EF4-FFF2-40B4-BE49-F238E27FC236}">
-                <a16:creationId xmlns:a16="http://schemas.microsoft.com/office/drawing/2014/main" id="{3CBA50DB-DBC7-4B6E-B3C1-8FF1EA519791}"/>
-              </a:ext>
-              <a:ext uri="{C183D7F6-B498-43B3-948B-1728B52AA6E4}">
-                <adec:decorative xmlns:adec="http://schemas.microsoft.com/office/drawing/2017/decorative" val="1"/>
-              </a:ext>
-            </a:extLst>
-          </p:cNvPr>
-          <p:cNvSpPr>
-            <a:spLocks noGrp="1" noRot="1" noChangeAspect="1" noMove="1" noResize="1" noEditPoints="1" noAdjustHandles="1" noChangeArrowheads="1" noChangeShapeType="1" noTextEdit="1"/>
-          </p:cNvSpPr>
-          <p:nvPr>
-            <p:extLst>
-              <p:ext uri="{386F3935-93C4-4BCD-93E2-E3B085C9AB24}">
-                <p16:designElem xmlns:p16="http://schemas.microsoft.com/office/powerpoint/2015/main" val="1"/>
-              </p:ext>
-            </p:extLst>
-          </p:nvPr>
-        </p:nvSpPr>
-        <p:spPr>
-          <a:xfrm>
-            <a:off x="0" y="0"/>
-            <a:ext cx="12192000" cy="6858000"/>
-          </a:xfrm>
-          <a:prstGeom prst="rect">
-            <a:avLst/>
-          </a:prstGeom>
-          <a:ln>
-            <a:noFill/>
-          </a:ln>
-        </p:spPr>
-        <p:style>
-          <a:lnRef idx="2">
-            <a:schemeClr val="accent1">
-              <a:shade val="50000"/>
-            </a:schemeClr>
-          </a:lnRef>
-          <a:fillRef idx="1003">
-            <a:schemeClr val="dk2"/>
-          </a:fillRef>
-          <a:effectRef idx="0">
-            <a:schemeClr val="accent1"/>
-          </a:effectRef>
-          <a:fontRef idx="minor">
-            <a:schemeClr val="lt1"/>
-          </a:fontRef>
-        </p:style>
-        <p:txBody>
-          <a:bodyPr rtlCol="0" anchor="ctr"/>
-          <a:lstStyle/>
-          <a:p>
-            <a:pPr algn="ctr"/>
-            <a:endParaRPr lang="en-US"/>
-          </a:p>
-        </p:txBody>
-      </p:sp>
-      <p:grpSp>
-        <p:nvGrpSpPr>
-          <p:cNvPr id="15" name="Group 14">
-            <a:extLst>
-              <a:ext uri="{FF2B5EF4-FFF2-40B4-BE49-F238E27FC236}">
-                <a16:creationId xmlns:a16="http://schemas.microsoft.com/office/drawing/2014/main" id="{1DED8FB6-AF8D-4D98-913D-E6486FEC1021}"/>
-              </a:ext>
-              <a:ext uri="{C183D7F6-B498-43B3-948B-1728B52AA6E4}">
-                <adec:decorative xmlns:adec="http://schemas.microsoft.com/office/drawing/2017/decorative" val="1"/>
-              </a:ext>
-            </a:extLst>
-          </p:cNvPr>
-          <p:cNvGrpSpPr>
-            <a:grpSpLocks noGrp="1" noUngrp="1" noRot="1" noChangeAspect="1" noMove="1" noResize="1"/>
-          </p:cNvGrpSpPr>
-          <p:nvPr>
-            <p:extLst>
-              <p:ext uri="{386F3935-93C4-4BCD-93E2-E3B085C9AB24}">
-                <p16:designElem xmlns:p16="http://schemas.microsoft.com/office/powerpoint/2015/main" val="1"/>
-              </p:ext>
-            </p:extLst>
-          </p:nvPr>
-        </p:nvGrpSpPr>
-        <p:grpSpPr>
-          <a:xfrm>
-            <a:off x="0" y="0"/>
-            <a:ext cx="11902285" cy="6858001"/>
-            <a:chOff x="0" y="0"/>
-            <a:chExt cx="11902285" cy="6858001"/>
-          </a:xfrm>
-        </p:grpSpPr>
-        <p:grpSp>
-          <p:nvGrpSpPr>
-            <p:cNvPr id="16" name="Group 15">
-              <a:extLst>
-                <a:ext uri="{FF2B5EF4-FFF2-40B4-BE49-F238E27FC236}">
-                  <a16:creationId xmlns:a16="http://schemas.microsoft.com/office/drawing/2014/main" id="{0A805ED2-113B-4584-8827-567B5792F1FA}"/>
-                </a:ext>
-                <a:ext uri="{C183D7F6-B498-43B3-948B-1728B52AA6E4}">
-                  <adec:decorative xmlns:adec="http://schemas.microsoft.com/office/drawing/2017/decorative" val="1"/>
-                </a:ext>
-              </a:extLst>
-            </p:cNvPr>
-            <p:cNvGrpSpPr/>
-            <p:nvPr>
-              <p:extLst>
-                <p:ext uri="{386F3935-93C4-4BCD-93E2-E3B085C9AB24}">
-                  <p16:designElem xmlns:p16="http://schemas.microsoft.com/office/powerpoint/2015/main" val="1"/>
-                </p:ext>
-              </p:extLst>
-            </p:nvPr>
-          </p:nvGrpSpPr>
-          <p:grpSpPr>
-            <a:xfrm>
-              <a:off x="0" y="0"/>
-              <a:ext cx="1220788" cy="6858001"/>
-              <a:chOff x="-14288" y="0"/>
-              <a:chExt cx="1220788" cy="6858001"/>
-            </a:xfrm>
-            <a:gradFill flip="none" rotWithShape="1">
-              <a:gsLst>
-                <a:gs pos="0">
-                  <a:schemeClr val="bg2"/>
-                </a:gs>
-                <a:gs pos="100000">
-                  <a:schemeClr val="tx2">
-                    <a:lumMod val="60000"/>
-                    <a:lumOff val="40000"/>
-                  </a:schemeClr>
-                </a:gs>
-              </a:gsLst>
-              <a:lin ang="5400000" scaled="0"/>
-              <a:tileRect/>
-            </a:gradFill>
-          </p:grpSpPr>
-          <p:sp>
-            <p:nvSpPr>
-              <p:cNvPr id="28" name="Rectangle 5">
-                <a:extLst>
-                  <a:ext uri="{FF2B5EF4-FFF2-40B4-BE49-F238E27FC236}">
-                    <a16:creationId xmlns:a16="http://schemas.microsoft.com/office/drawing/2014/main" id="{C6CF21D8-CC72-4F35-A29E-3AF9E6DA1302}"/>
-                  </a:ext>
-                  <a:ext uri="{C183D7F6-B498-43B3-948B-1728B52AA6E4}">
-                    <adec:decorative xmlns:adec="http://schemas.microsoft.com/office/drawing/2017/decorative" val="1"/>
-                  </a:ext>
-                </a:extLst>
-              </p:cNvPr>
-              <p:cNvSpPr>
-                <a:spLocks noChangeArrowheads="1"/>
-              </p:cNvSpPr>
-              <p:nvPr>
-                <p:extLst>
-                  <p:ext uri="{386F3935-93C4-4BCD-93E2-E3B085C9AB24}">
-                    <p16:designElem xmlns:p16="http://schemas.microsoft.com/office/powerpoint/2015/main" val="1"/>
-                  </p:ext>
-                </p:extLst>
-              </p:nvPr>
-            </p:nvSpPr>
-            <p:spPr bwMode="auto">
-              <a:xfrm>
-                <a:off x="114300" y="4763"/>
-                <a:ext cx="23813" cy="2181225"/>
-              </a:xfrm>
-              <a:prstGeom prst="rect">
-                <a:avLst/>
-              </a:prstGeom>
-              <a:grpFill/>
-              <a:ln>
-                <a:noFill/>
-              </a:ln>
-              <a:extLst>
-                <a:ext uri="{91240B29-F687-4f45-9708-019B960494DF}">
-                  <a14:hiddenLine xmlns:a14="http://schemas.microsoft.com/office/drawing/2010/main" xmlns:p14="http://schemas.microsoft.com/office/powerpoint/2010/main" xmlns:a16="http://schemas.microsoft.com/office/drawing/2014/main" xmlns="" w="9525">
-                    <a:solidFill>
-                      <a:srgbClr val="000000"/>
-                    </a:solidFill>
-                    <a:miter lim="800000"/>
-                    <a:headEnd/>
-                    <a:tailEnd/>
-                  </a14:hiddenLine>
-                </a:ext>
-              </a:extLst>
-            </p:spPr>
-          </p:sp>
-          <p:sp>
-            <p:nvSpPr>
-              <p:cNvPr id="29" name="Freeform 6">
-                <a:extLst>
-                  <a:ext uri="{FF2B5EF4-FFF2-40B4-BE49-F238E27FC236}">
-                    <a16:creationId xmlns:a16="http://schemas.microsoft.com/office/drawing/2014/main" id="{8E60A7C3-087D-47B4-AB5A-C8B1042FD201}"/>
-                  </a:ext>
-                  <a:ext uri="{C183D7F6-B498-43B3-948B-1728B52AA6E4}">
-                    <adec:decorative xmlns:adec="http://schemas.microsoft.com/office/drawing/2017/decorative" val="1"/>
-                  </a:ext>
-                </a:extLst>
-              </p:cNvPr>
-              <p:cNvSpPr>
-                <a:spLocks noEditPoints="1"/>
-              </p:cNvSpPr>
-              <p:nvPr>
-                <p:extLst>
-                  <p:ext uri="{386F3935-93C4-4BCD-93E2-E3B085C9AB24}">
-                    <p16:designElem xmlns:p16="http://schemas.microsoft.com/office/powerpoint/2015/main" val="1"/>
-                  </p:ext>
-                </p:extLst>
-              </p:nvPr>
-            </p:nvSpPr>
-            <p:spPr bwMode="auto">
-              <a:xfrm>
-                <a:off x="33337" y="2176463"/>
-                <a:ext cx="190500" cy="190500"/>
-              </a:xfrm>
-              <a:custGeom>
-                <a:avLst/>
-                <a:gdLst/>
-                <a:ahLst/>
-                <a:cxnLst/>
-                <a:rect l="0" t="0" r="r" b="b"/>
-                <a:pathLst>
-                  <a:path w="40" h="40">
-                    <a:moveTo>
-                      <a:pt x="20" y="40"/>
-                    </a:moveTo>
-                    <a:cubicBezTo>
-                      <a:pt x="9" y="40"/>
-                      <a:pt x="0" y="31"/>
-                      <a:pt x="0" y="20"/>
-                    </a:cubicBezTo>
-                    <a:cubicBezTo>
-                      <a:pt x="0" y="9"/>
-                      <a:pt x="9" y="0"/>
-                      <a:pt x="20" y="0"/>
-                    </a:cubicBezTo>
-                    <a:cubicBezTo>
-                      <a:pt x="31" y="0"/>
-                      <a:pt x="40" y="9"/>
-                      <a:pt x="40" y="20"/>
-                    </a:cubicBezTo>
-                    <a:cubicBezTo>
-                      <a:pt x="40" y="31"/>
-                      <a:pt x="31" y="40"/>
-                      <a:pt x="20" y="40"/>
-                    </a:cubicBezTo>
-                    <a:close/>
-                    <a:moveTo>
-                      <a:pt x="20" y="4"/>
-                    </a:moveTo>
-                    <a:cubicBezTo>
-                      <a:pt x="11" y="4"/>
-                      <a:pt x="4" y="11"/>
-                      <a:pt x="4" y="20"/>
-                    </a:cubicBezTo>
-                    <a:cubicBezTo>
-                      <a:pt x="4" y="29"/>
-                      <a:pt x="11" y="36"/>
-                      <a:pt x="20" y="36"/>
-                    </a:cubicBezTo>
-                    <a:cubicBezTo>
-                      <a:pt x="28" y="36"/>
-                      <a:pt x="36" y="29"/>
-                      <a:pt x="36" y="20"/>
-                    </a:cubicBezTo>
-                    <a:cubicBezTo>
-                      <a:pt x="36" y="11"/>
-                      <a:pt x="28" y="4"/>
-                      <a:pt x="20" y="4"/>
-                    </a:cubicBezTo>
-                    <a:close/>
-                  </a:path>
-                </a:pathLst>
-              </a:custGeom>
-              <a:grpFill/>
-              <a:ln>
-                <a:noFill/>
-              </a:ln>
-              <a:extLst>
-                <a:ext uri="{91240B29-F687-4f45-9708-019B960494DF}">
-                  <a14:hiddenLine xmlns:a14="http://schemas.microsoft.com/office/drawing/2010/main" xmlns:p14="http://schemas.microsoft.com/office/powerpoint/2010/main" xmlns:a16="http://schemas.microsoft.com/office/drawing/2014/main" xmlns="" w="9525">
-                    <a:solidFill>
-                      <a:srgbClr val="000000"/>
-                    </a:solidFill>
-                    <a:round/>
-                    <a:headEnd/>
-                    <a:tailEnd/>
-                  </a14:hiddenLine>
-                </a:ext>
-              </a:extLst>
-            </p:spPr>
-          </p:sp>
-          <p:sp>
-            <p:nvSpPr>
-              <p:cNvPr id="30" name="Freeform 7">
-                <a:extLst>
-                  <a:ext uri="{FF2B5EF4-FFF2-40B4-BE49-F238E27FC236}">
-                    <a16:creationId xmlns:a16="http://schemas.microsoft.com/office/drawing/2014/main" id="{1885EECE-F6D9-4128-BC90-01583BF2699D}"/>
-                  </a:ext>
-                  <a:ext uri="{C183D7F6-B498-43B3-948B-1728B52AA6E4}">
-                    <adec:decorative xmlns:adec="http://schemas.microsoft.com/office/drawing/2017/decorative" val="1"/>
-                  </a:ext>
-                </a:extLst>
-              </p:cNvPr>
-              <p:cNvSpPr>
-                <a:spLocks noEditPoints="1"/>
-              </p:cNvSpPr>
-              <p:nvPr>
-                <p:extLst>
-                  <p:ext uri="{386F3935-93C4-4BCD-93E2-E3B085C9AB24}">
-                    <p16:designElem xmlns:p16="http://schemas.microsoft.com/office/powerpoint/2015/main" val="1"/>
-                  </p:ext>
-                </p:extLst>
-              </p:nvPr>
-            </p:nvSpPr>
-            <p:spPr bwMode="auto">
-              <a:xfrm>
-                <a:off x="28575" y="4021138"/>
-                <a:ext cx="190500" cy="188913"/>
-              </a:xfrm>
-              <a:custGeom>
-                <a:avLst/>
-                <a:gdLst/>
-                <a:ahLst/>
-                <a:cxnLst/>
-                <a:rect l="0" t="0" r="r" b="b"/>
-                <a:pathLst>
-                  <a:path w="40" h="40">
-                    <a:moveTo>
-                      <a:pt x="20" y="40"/>
-                    </a:moveTo>
-                    <a:cubicBezTo>
-                      <a:pt x="9" y="40"/>
-                      <a:pt x="0" y="31"/>
-                      <a:pt x="0" y="20"/>
-                    </a:cubicBezTo>
-                    <a:cubicBezTo>
-                      <a:pt x="0" y="9"/>
-                      <a:pt x="9" y="0"/>
-                      <a:pt x="20" y="0"/>
-                    </a:cubicBezTo>
-                    <a:cubicBezTo>
-                      <a:pt x="31" y="0"/>
-                      <a:pt x="40" y="9"/>
-                      <a:pt x="40" y="20"/>
-                    </a:cubicBezTo>
-                    <a:cubicBezTo>
-                      <a:pt x="40" y="31"/>
-                      <a:pt x="31" y="40"/>
-                      <a:pt x="20" y="40"/>
-                    </a:cubicBezTo>
-                    <a:close/>
-                    <a:moveTo>
-                      <a:pt x="20" y="4"/>
-                    </a:moveTo>
-                    <a:cubicBezTo>
-                      <a:pt x="12" y="4"/>
-                      <a:pt x="4" y="11"/>
-                      <a:pt x="4" y="20"/>
-                    </a:cubicBezTo>
-                    <a:cubicBezTo>
-                      <a:pt x="4" y="29"/>
-                      <a:pt x="12" y="36"/>
-                      <a:pt x="20" y="36"/>
-                    </a:cubicBezTo>
-                    <a:cubicBezTo>
-                      <a:pt x="29" y="36"/>
-                      <a:pt x="36" y="29"/>
-                      <a:pt x="36" y="20"/>
-                    </a:cubicBezTo>
-                    <a:cubicBezTo>
-                      <a:pt x="36" y="11"/>
-                      <a:pt x="29" y="4"/>
-                      <a:pt x="20" y="4"/>
-                    </a:cubicBezTo>
-                    <a:close/>
-                  </a:path>
-                </a:pathLst>
-              </a:custGeom>
-              <a:grpFill/>
-              <a:ln>
-                <a:noFill/>
-              </a:ln>
-              <a:extLst>
-                <a:ext uri="{91240B29-F687-4f45-9708-019B960494DF}">
-                  <a14:hiddenLine xmlns:a14="http://schemas.microsoft.com/office/drawing/2010/main" xmlns:p14="http://schemas.microsoft.com/office/powerpoint/2010/main" xmlns:a16="http://schemas.microsoft.com/office/drawing/2014/main" xmlns="" w="9525">
-                    <a:solidFill>
-                      <a:srgbClr val="000000"/>
-                    </a:solidFill>
-                    <a:round/>
-                    <a:headEnd/>
-                    <a:tailEnd/>
-                  </a14:hiddenLine>
-                </a:ext>
-              </a:extLst>
-            </p:spPr>
-          </p:sp>
-          <p:sp>
-            <p:nvSpPr>
-              <p:cNvPr id="31" name="Freeform 8">
-                <a:extLst>
-                  <a:ext uri="{FF2B5EF4-FFF2-40B4-BE49-F238E27FC236}">
-                    <a16:creationId xmlns:a16="http://schemas.microsoft.com/office/drawing/2014/main" id="{F44AA128-AA96-4FF2-A1C3-F9D2E7FD38CA}"/>
-                  </a:ext>
-                  <a:ext uri="{C183D7F6-B498-43B3-948B-1728B52AA6E4}">
-                    <adec:decorative xmlns:adec="http://schemas.microsoft.com/office/drawing/2017/decorative" val="1"/>
-                  </a:ext>
-                </a:extLst>
-              </p:cNvPr>
-              <p:cNvSpPr/>
-              <p:nvPr>
-                <p:extLst>
-                  <p:ext uri="{386F3935-93C4-4BCD-93E2-E3B085C9AB24}">
-                    <p16:designElem xmlns:p16="http://schemas.microsoft.com/office/powerpoint/2015/main" val="1"/>
-                  </p:ext>
-                </p:extLst>
-              </p:nvPr>
-            </p:nvSpPr>
-            <p:spPr bwMode="auto">
-              <a:xfrm>
-                <a:off x="200025" y="4763"/>
-                <a:ext cx="369888" cy="1811338"/>
-              </a:xfrm>
-              <a:custGeom>
-                <a:avLst/>
-                <a:gdLst/>
-                <a:ahLst/>
-                <a:cxnLst/>
-                <a:rect l="0" t="0" r="r" b="b"/>
-                <a:pathLst>
-                  <a:path w="233" h="1141">
-                    <a:moveTo>
-                      <a:pt x="218" y="1141"/>
-                    </a:moveTo>
-                    <a:lnTo>
-                      <a:pt x="0" y="626"/>
-                    </a:lnTo>
-                    <a:lnTo>
-                      <a:pt x="0" y="0"/>
-                    </a:lnTo>
-                    <a:lnTo>
-                      <a:pt x="15" y="0"/>
-                    </a:lnTo>
-                    <a:lnTo>
-                      <a:pt x="15" y="623"/>
-                    </a:lnTo>
-                    <a:lnTo>
-                      <a:pt x="233" y="1135"/>
-                    </a:lnTo>
-                    <a:lnTo>
-                      <a:pt x="218" y="1141"/>
-                    </a:lnTo>
-                    <a:close/>
-                  </a:path>
-                </a:pathLst>
-              </a:custGeom>
-              <a:grpFill/>
-              <a:ln>
-                <a:noFill/>
-              </a:ln>
-              <a:extLst>
-                <a:ext uri="{91240B29-F687-4f45-9708-019B960494DF}">
-                  <a14:hiddenLine xmlns:a14="http://schemas.microsoft.com/office/drawing/2010/main" xmlns:p14="http://schemas.microsoft.com/office/powerpoint/2010/main" xmlns:a16="http://schemas.microsoft.com/office/drawing/2014/main" xmlns="" w="9525">
-                    <a:solidFill>
-                      <a:srgbClr val="000000"/>
-                    </a:solidFill>
-                    <a:round/>
-                    <a:headEnd/>
-                    <a:tailEnd/>
-                  </a14:hiddenLine>
-                </a:ext>
-              </a:extLst>
-            </p:spPr>
-          </p:sp>
-          <p:sp>
-            <p:nvSpPr>
-              <p:cNvPr id="32" name="Freeform 9">
-                <a:extLst>
-                  <a:ext uri="{FF2B5EF4-FFF2-40B4-BE49-F238E27FC236}">
-                    <a16:creationId xmlns:a16="http://schemas.microsoft.com/office/drawing/2014/main" id="{7E52DC12-230B-4892-B284-F2FE9DE16A7C}"/>
-                  </a:ext>
-                  <a:ext uri="{C183D7F6-B498-43B3-948B-1728B52AA6E4}">
-                    <adec:decorative xmlns:adec="http://schemas.microsoft.com/office/drawing/2017/decorative" val="1"/>
-                  </a:ext>
-                </a:extLst>
-              </p:cNvPr>
-              <p:cNvSpPr>
-                <a:spLocks noEditPoints="1"/>
-              </p:cNvSpPr>
-              <p:nvPr>
-                <p:extLst>
-                  <p:ext uri="{386F3935-93C4-4BCD-93E2-E3B085C9AB24}">
-                    <p16:designElem xmlns:p16="http://schemas.microsoft.com/office/powerpoint/2015/main" val="1"/>
-                  </p:ext>
-                </p:extLst>
-              </p:nvPr>
-            </p:nvSpPr>
-            <p:spPr bwMode="auto">
-              <a:xfrm>
-                <a:off x="503237" y="1801813"/>
-                <a:ext cx="190500" cy="188913"/>
-              </a:xfrm>
-              <a:custGeom>
-                <a:avLst/>
-                <a:gdLst/>
-                <a:ahLst/>
-                <a:cxnLst/>
-                <a:rect l="0" t="0" r="r" b="b"/>
-                <a:pathLst>
-                  <a:path w="40" h="40">
-                    <a:moveTo>
-                      <a:pt x="20" y="40"/>
-                    </a:moveTo>
-                    <a:cubicBezTo>
-                      <a:pt x="9" y="40"/>
-                      <a:pt x="0" y="31"/>
-                      <a:pt x="0" y="20"/>
-                    </a:cubicBezTo>
-                    <a:cubicBezTo>
-                      <a:pt x="0" y="9"/>
-                      <a:pt x="9" y="0"/>
-                      <a:pt x="20" y="0"/>
-                    </a:cubicBezTo>
-                    <a:cubicBezTo>
-                      <a:pt x="33" y="0"/>
-                      <a:pt x="40" y="6"/>
-                      <a:pt x="40" y="20"/>
-                    </a:cubicBezTo>
-                    <a:cubicBezTo>
-                      <a:pt x="40" y="31"/>
-                      <a:pt x="31" y="40"/>
-                      <a:pt x="20" y="40"/>
-                    </a:cubicBezTo>
-                    <a:close/>
-                    <a:moveTo>
-                      <a:pt x="20" y="4"/>
-                    </a:moveTo>
-                    <a:cubicBezTo>
-                      <a:pt x="11" y="4"/>
-                      <a:pt x="4" y="11"/>
-                      <a:pt x="4" y="20"/>
-                    </a:cubicBezTo>
-                    <a:cubicBezTo>
-                      <a:pt x="4" y="29"/>
-                      <a:pt x="11" y="36"/>
-                      <a:pt x="20" y="36"/>
-                    </a:cubicBezTo>
-                    <a:cubicBezTo>
-                      <a:pt x="28" y="36"/>
-                      <a:pt x="36" y="29"/>
-                      <a:pt x="36" y="20"/>
-                    </a:cubicBezTo>
-                    <a:cubicBezTo>
-                      <a:pt x="36" y="9"/>
-                      <a:pt x="31" y="4"/>
-                      <a:pt x="20" y="4"/>
-                    </a:cubicBezTo>
-                    <a:close/>
-                  </a:path>
-                </a:pathLst>
-              </a:custGeom>
-              <a:grpFill/>
-              <a:ln>
-                <a:noFill/>
-              </a:ln>
-              <a:extLst>
-                <a:ext uri="{91240B29-F687-4f45-9708-019B960494DF}">
-                  <a14:hiddenLine xmlns:a14="http://schemas.microsoft.com/office/drawing/2010/main" xmlns:p14="http://schemas.microsoft.com/office/powerpoint/2010/main" xmlns:a16="http://schemas.microsoft.com/office/drawing/2014/main" xmlns="" w="9525">
-                    <a:solidFill>
-                      <a:srgbClr val="000000"/>
-                    </a:solidFill>
-                    <a:round/>
-                    <a:headEnd/>
-                    <a:tailEnd/>
-                  </a14:hiddenLine>
-                </a:ext>
-              </a:extLst>
-            </p:spPr>
-          </p:sp>
-          <p:sp>
-            <p:nvSpPr>
-              <p:cNvPr id="33" name="Freeform 10">
-                <a:extLst>
-                  <a:ext uri="{FF2B5EF4-FFF2-40B4-BE49-F238E27FC236}">
-                    <a16:creationId xmlns:a16="http://schemas.microsoft.com/office/drawing/2014/main" id="{A68FBF9E-B81A-41D0-8A03-6CFC30811D1F}"/>
-                  </a:ext>
-                  <a:ext uri="{C183D7F6-B498-43B3-948B-1728B52AA6E4}">
-                    <adec:decorative xmlns:adec="http://schemas.microsoft.com/office/drawing/2017/decorative" val="1"/>
-                  </a:ext>
-                </a:extLst>
-              </p:cNvPr>
-              <p:cNvSpPr/>
-              <p:nvPr>
-                <p:extLst>
-                  <p:ext uri="{386F3935-93C4-4BCD-93E2-E3B085C9AB24}">
-                    <p16:designElem xmlns:p16="http://schemas.microsoft.com/office/powerpoint/2015/main" val="1"/>
-                  </p:ext>
-                </p:extLst>
-              </p:nvPr>
-            </p:nvSpPr>
-            <p:spPr bwMode="auto">
-              <a:xfrm>
-                <a:off x="285750" y="4763"/>
-                <a:ext cx="369888" cy="1430338"/>
-              </a:xfrm>
-              <a:custGeom>
-                <a:avLst/>
-                <a:gdLst/>
-                <a:ahLst/>
-                <a:cxnLst/>
-                <a:rect l="0" t="0" r="r" b="b"/>
-                <a:pathLst>
-                  <a:path w="233" h="901">
-                    <a:moveTo>
-                      <a:pt x="221" y="901"/>
-                    </a:moveTo>
-                    <a:lnTo>
-                      <a:pt x="0" y="383"/>
-                    </a:lnTo>
-                    <a:lnTo>
-                      <a:pt x="0" y="0"/>
-                    </a:lnTo>
-                    <a:lnTo>
-                      <a:pt x="18" y="0"/>
-                    </a:lnTo>
-                    <a:lnTo>
-                      <a:pt x="18" y="380"/>
-                    </a:lnTo>
-                    <a:lnTo>
-                      <a:pt x="233" y="895"/>
-                    </a:lnTo>
-                    <a:lnTo>
-                      <a:pt x="221" y="901"/>
-                    </a:lnTo>
-                    <a:close/>
-                  </a:path>
-                </a:pathLst>
-              </a:custGeom>
-              <a:grpFill/>
-              <a:ln>
-                <a:noFill/>
-              </a:ln>
-              <a:extLst>
-                <a:ext uri="{91240B29-F687-4f45-9708-019B960494DF}">
-                  <a14:hiddenLine xmlns:a14="http://schemas.microsoft.com/office/drawing/2010/main" xmlns:p14="http://schemas.microsoft.com/office/powerpoint/2010/main" xmlns:a16="http://schemas.microsoft.com/office/drawing/2014/main" xmlns="" w="9525">
-                    <a:solidFill>
-                      <a:srgbClr val="000000"/>
-                    </a:solidFill>
-                    <a:round/>
-                    <a:headEnd/>
-                    <a:tailEnd/>
-                  </a14:hiddenLine>
-                </a:ext>
-              </a:extLst>
-            </p:spPr>
-          </p:sp>
-          <p:sp>
-            <p:nvSpPr>
-              <p:cNvPr id="34" name="Freeform 11">
-                <a:extLst>
-                  <a:ext uri="{FF2B5EF4-FFF2-40B4-BE49-F238E27FC236}">
-                    <a16:creationId xmlns:a16="http://schemas.microsoft.com/office/drawing/2014/main" id="{B0047F84-8480-494F-9241-39FF17CFFFAE}"/>
-                  </a:ext>
-                  <a:ext uri="{C183D7F6-B498-43B3-948B-1728B52AA6E4}">
-                    <adec:decorative xmlns:adec="http://schemas.microsoft.com/office/drawing/2017/decorative" val="1"/>
-                  </a:ext>
-                </a:extLst>
-              </p:cNvPr>
-              <p:cNvSpPr/>
-              <p:nvPr>
-                <p:extLst>
-                  <p:ext uri="{386F3935-93C4-4BCD-93E2-E3B085C9AB24}">
-                    <p16:designElem xmlns:p16="http://schemas.microsoft.com/office/powerpoint/2015/main" val="1"/>
-                  </p:ext>
-                </p:extLst>
-              </p:nvPr>
-            </p:nvSpPr>
-            <p:spPr bwMode="auto">
-              <a:xfrm>
-                <a:off x="546100" y="0"/>
-                <a:ext cx="152400" cy="912813"/>
-              </a:xfrm>
-              <a:custGeom>
-                <a:avLst/>
-                <a:gdLst/>
-                <a:ahLst/>
-                <a:cxnLst/>
-                <a:rect l="0" t="0" r="r" b="b"/>
-                <a:pathLst>
-                  <a:path w="96" h="575">
-                    <a:moveTo>
-                      <a:pt x="96" y="575"/>
-                    </a:moveTo>
-                    <a:lnTo>
-                      <a:pt x="78" y="575"/>
-                    </a:lnTo>
-                    <a:lnTo>
-                      <a:pt x="78" y="192"/>
-                    </a:lnTo>
-                    <a:lnTo>
-                      <a:pt x="0" y="6"/>
-                    </a:lnTo>
-                    <a:lnTo>
-                      <a:pt x="15" y="0"/>
-                    </a:lnTo>
-                    <a:lnTo>
-                      <a:pt x="96" y="189"/>
-                    </a:lnTo>
-                    <a:lnTo>
-                      <a:pt x="96" y="575"/>
-                    </a:lnTo>
-                    <a:close/>
-                  </a:path>
-                </a:pathLst>
-              </a:custGeom>
-              <a:grpFill/>
-              <a:ln>
-                <a:noFill/>
-              </a:ln>
-              <a:extLst>
-                <a:ext uri="{91240B29-F687-4f45-9708-019B960494DF}">
-                  <a14:hiddenLine xmlns:a14="http://schemas.microsoft.com/office/drawing/2010/main" xmlns:p14="http://schemas.microsoft.com/office/powerpoint/2010/main" xmlns:a16="http://schemas.microsoft.com/office/drawing/2014/main" xmlns="" w="9525">
-                    <a:solidFill>
-                      <a:srgbClr val="000000"/>
-                    </a:solidFill>
-                    <a:round/>
-                    <a:headEnd/>
-                    <a:tailEnd/>
-                  </a14:hiddenLine>
-                </a:ext>
-              </a:extLst>
-            </p:spPr>
-          </p:sp>
-          <p:sp>
-            <p:nvSpPr>
-              <p:cNvPr id="35" name="Freeform 12">
-                <a:extLst>
-                  <a:ext uri="{FF2B5EF4-FFF2-40B4-BE49-F238E27FC236}">
-                    <a16:creationId xmlns:a16="http://schemas.microsoft.com/office/drawing/2014/main" id="{8CAF76D8-4B95-4A8E-9EE5-8CCC0A7AD2CA}"/>
-                  </a:ext>
-                  <a:ext uri="{C183D7F6-B498-43B3-948B-1728B52AA6E4}">
-                    <adec:decorative xmlns:adec="http://schemas.microsoft.com/office/drawing/2017/decorative" val="1"/>
-                  </a:ext>
-                </a:extLst>
-              </p:cNvPr>
-              <p:cNvSpPr>
-                <a:spLocks noEditPoints="1"/>
-              </p:cNvSpPr>
-              <p:nvPr>
-                <p:extLst>
-                  <p:ext uri="{386F3935-93C4-4BCD-93E2-E3B085C9AB24}">
-                    <p16:designElem xmlns:p16="http://schemas.microsoft.com/office/powerpoint/2015/main" val="1"/>
-                  </p:ext>
-                </p:extLst>
-              </p:nvPr>
-            </p:nvSpPr>
-            <p:spPr bwMode="auto">
-              <a:xfrm>
-                <a:off x="588962" y="1420813"/>
-                <a:ext cx="190500" cy="190500"/>
-              </a:xfrm>
-              <a:custGeom>
-                <a:avLst/>
-                <a:gdLst/>
-                <a:ahLst/>
-                <a:cxnLst/>
-                <a:rect l="0" t="0" r="r" b="b"/>
-                <a:pathLst>
-                  <a:path w="40" h="40">
-                    <a:moveTo>
-                      <a:pt x="20" y="40"/>
-                    </a:moveTo>
-                    <a:cubicBezTo>
-                      <a:pt x="9" y="40"/>
-                      <a:pt x="0" y="31"/>
-                      <a:pt x="0" y="20"/>
-                    </a:cubicBezTo>
-                    <a:cubicBezTo>
-                      <a:pt x="0" y="9"/>
-                      <a:pt x="9" y="0"/>
-                      <a:pt x="20" y="0"/>
-                    </a:cubicBezTo>
-                    <a:cubicBezTo>
-                      <a:pt x="33" y="0"/>
-                      <a:pt x="40" y="7"/>
-                      <a:pt x="40" y="20"/>
-                    </a:cubicBezTo>
-                    <a:cubicBezTo>
-                      <a:pt x="40" y="31"/>
-                      <a:pt x="31" y="40"/>
-                      <a:pt x="20" y="40"/>
-                    </a:cubicBezTo>
-                    <a:close/>
-                    <a:moveTo>
-                      <a:pt x="20" y="4"/>
-                    </a:moveTo>
-                    <a:cubicBezTo>
-                      <a:pt x="11" y="4"/>
-                      <a:pt x="4" y="11"/>
-                      <a:pt x="4" y="20"/>
-                    </a:cubicBezTo>
-                    <a:cubicBezTo>
-                      <a:pt x="4" y="29"/>
-                      <a:pt x="11" y="36"/>
-                      <a:pt x="20" y="36"/>
-                    </a:cubicBezTo>
-                    <a:cubicBezTo>
-                      <a:pt x="29" y="36"/>
-                      <a:pt x="36" y="29"/>
-                      <a:pt x="36" y="20"/>
-                    </a:cubicBezTo>
-                    <a:cubicBezTo>
-                      <a:pt x="36" y="9"/>
-                      <a:pt x="31" y="4"/>
-                      <a:pt x="20" y="4"/>
-                    </a:cubicBezTo>
-                    <a:close/>
-                  </a:path>
-                </a:pathLst>
-              </a:custGeom>
-              <a:grpFill/>
-              <a:ln>
-                <a:noFill/>
-              </a:ln>
-              <a:extLst>
-                <a:ext uri="{91240B29-F687-4f45-9708-019B960494DF}">
-                  <a14:hiddenLine xmlns:a14="http://schemas.microsoft.com/office/drawing/2010/main" xmlns:p14="http://schemas.microsoft.com/office/powerpoint/2010/main" xmlns:a16="http://schemas.microsoft.com/office/drawing/2014/main" xmlns="" w="9525">
-                    <a:solidFill>
-                      <a:srgbClr val="000000"/>
-                    </a:solidFill>
-                    <a:round/>
-                    <a:headEnd/>
-                    <a:tailEnd/>
-                  </a14:hiddenLine>
-                </a:ext>
-              </a:extLst>
-            </p:spPr>
-          </p:sp>
-          <p:sp>
-            <p:nvSpPr>
-              <p:cNvPr id="36" name="Freeform 13">
-                <a:extLst>
-                  <a:ext uri="{FF2B5EF4-FFF2-40B4-BE49-F238E27FC236}">
-                    <a16:creationId xmlns:a16="http://schemas.microsoft.com/office/drawing/2014/main" id="{792F82F3-05A8-4A55-8C5B-81F6678B595B}"/>
-                  </a:ext>
-                  <a:ext uri="{C183D7F6-B498-43B3-948B-1728B52AA6E4}">
-                    <adec:decorative xmlns:adec="http://schemas.microsoft.com/office/drawing/2017/decorative" val="1"/>
-                  </a:ext>
-                </a:extLst>
-              </p:cNvPr>
-              <p:cNvSpPr>
-                <a:spLocks noEditPoints="1"/>
-              </p:cNvSpPr>
-              <p:nvPr>
-                <p:extLst>
-                  <p:ext uri="{386F3935-93C4-4BCD-93E2-E3B085C9AB24}">
-                    <p16:designElem xmlns:p16="http://schemas.microsoft.com/office/powerpoint/2015/main" val="1"/>
-                  </p:ext>
-                </p:extLst>
-              </p:nvPr>
-            </p:nvSpPr>
-            <p:spPr bwMode="auto">
-              <a:xfrm>
-                <a:off x="588962" y="903288"/>
-                <a:ext cx="190500" cy="190500"/>
-              </a:xfrm>
-              <a:custGeom>
-                <a:avLst/>
-                <a:gdLst/>
-                <a:ahLst/>
-                <a:cxnLst/>
-                <a:rect l="0" t="0" r="r" b="b"/>
-                <a:pathLst>
-                  <a:path w="40" h="40">
-                    <a:moveTo>
-                      <a:pt x="20" y="40"/>
-                    </a:moveTo>
-                    <a:cubicBezTo>
-                      <a:pt x="9" y="40"/>
-                      <a:pt x="0" y="31"/>
-                      <a:pt x="0" y="20"/>
-                    </a:cubicBezTo>
-                    <a:cubicBezTo>
-                      <a:pt x="0" y="9"/>
-                      <a:pt x="9" y="0"/>
-                      <a:pt x="20" y="0"/>
-                    </a:cubicBezTo>
-                    <a:cubicBezTo>
-                      <a:pt x="31" y="0"/>
-                      <a:pt x="40" y="9"/>
-                      <a:pt x="40" y="20"/>
-                    </a:cubicBezTo>
-                    <a:cubicBezTo>
-                      <a:pt x="40" y="31"/>
-                      <a:pt x="31" y="40"/>
-                      <a:pt x="20" y="40"/>
-                    </a:cubicBezTo>
-                    <a:close/>
-                    <a:moveTo>
-                      <a:pt x="20" y="4"/>
-                    </a:moveTo>
-                    <a:cubicBezTo>
-                      <a:pt x="11" y="4"/>
-                      <a:pt x="4" y="11"/>
-                      <a:pt x="4" y="20"/>
-                    </a:cubicBezTo>
-                    <a:cubicBezTo>
-                      <a:pt x="4" y="29"/>
-                      <a:pt x="11" y="36"/>
-                      <a:pt x="20" y="36"/>
-                    </a:cubicBezTo>
-                    <a:cubicBezTo>
-                      <a:pt x="29" y="36"/>
-                      <a:pt x="36" y="29"/>
-                      <a:pt x="36" y="20"/>
-                    </a:cubicBezTo>
-                    <a:cubicBezTo>
-                      <a:pt x="36" y="11"/>
-                      <a:pt x="29" y="4"/>
-                      <a:pt x="20" y="4"/>
-                    </a:cubicBezTo>
-                    <a:close/>
-                  </a:path>
-                </a:pathLst>
-              </a:custGeom>
-              <a:grpFill/>
-              <a:ln>
-                <a:noFill/>
-              </a:ln>
-              <a:extLst>
-                <a:ext uri="{91240B29-F687-4f45-9708-019B960494DF}">
-                  <a14:hiddenLine xmlns:a14="http://schemas.microsoft.com/office/drawing/2010/main" xmlns:p14="http://schemas.microsoft.com/office/powerpoint/2010/main" xmlns:a16="http://schemas.microsoft.com/office/drawing/2014/main" xmlns="" w="9525">
-                    <a:solidFill>
-                      <a:srgbClr val="000000"/>
-                    </a:solidFill>
-                    <a:round/>
-                    <a:headEnd/>
-                    <a:tailEnd/>
-                  </a14:hiddenLine>
-                </a:ext>
-              </a:extLst>
-            </p:spPr>
-          </p:sp>
-          <p:sp>
-            <p:nvSpPr>
-              <p:cNvPr id="37" name="Freeform 14">
-                <a:extLst>
-                  <a:ext uri="{FF2B5EF4-FFF2-40B4-BE49-F238E27FC236}">
-                    <a16:creationId xmlns:a16="http://schemas.microsoft.com/office/drawing/2014/main" id="{B8472536-021A-4E59-BD59-DDC090A18ABE}"/>
-                  </a:ext>
-                  <a:ext uri="{C183D7F6-B498-43B3-948B-1728B52AA6E4}">
-                    <adec:decorative xmlns:adec="http://schemas.microsoft.com/office/drawing/2017/decorative" val="1"/>
-                  </a:ext>
-                </a:extLst>
-              </p:cNvPr>
-              <p:cNvSpPr/>
-              <p:nvPr>
-                <p:extLst>
-                  <p:ext uri="{386F3935-93C4-4BCD-93E2-E3B085C9AB24}">
-                    <p16:designElem xmlns:p16="http://schemas.microsoft.com/office/powerpoint/2015/main" val="1"/>
-                  </p:ext>
-                </p:extLst>
-              </p:nvPr>
-            </p:nvSpPr>
-            <p:spPr bwMode="auto">
-              <a:xfrm>
-                <a:off x="641350" y="0"/>
-                <a:ext cx="422275" cy="527050"/>
-              </a:xfrm>
-              <a:custGeom>
-                <a:avLst/>
-                <a:gdLst/>
-                <a:ahLst/>
-                <a:cxnLst/>
-                <a:rect l="0" t="0" r="r" b="b"/>
-                <a:pathLst>
-                  <a:path w="266" h="332">
-                    <a:moveTo>
-                      <a:pt x="257" y="332"/>
-                    </a:moveTo>
-                    <a:lnTo>
-                      <a:pt x="48" y="123"/>
-                    </a:lnTo>
-                    <a:lnTo>
-                      <a:pt x="0" y="6"/>
-                    </a:lnTo>
-                    <a:lnTo>
-                      <a:pt x="15" y="0"/>
-                    </a:lnTo>
-                    <a:lnTo>
-                      <a:pt x="63" y="114"/>
-                    </a:lnTo>
-                    <a:lnTo>
-                      <a:pt x="266" y="320"/>
-                    </a:lnTo>
-                    <a:lnTo>
-                      <a:pt x="257" y="332"/>
-                    </a:lnTo>
-                    <a:close/>
-                  </a:path>
-                </a:pathLst>
-              </a:custGeom>
-              <a:grpFill/>
-              <a:ln>
-                <a:noFill/>
-              </a:ln>
-              <a:extLst>
-                <a:ext uri="{91240B29-F687-4f45-9708-019B960494DF}">
-                  <a14:hiddenLine xmlns:a14="http://schemas.microsoft.com/office/drawing/2010/main" xmlns:p14="http://schemas.microsoft.com/office/powerpoint/2010/main" xmlns:a16="http://schemas.microsoft.com/office/drawing/2014/main" xmlns="" w="9525">
-                    <a:solidFill>
-                      <a:srgbClr val="000000"/>
-                    </a:solidFill>
-                    <a:round/>
-                    <a:headEnd/>
-                    <a:tailEnd/>
-                  </a14:hiddenLine>
-                </a:ext>
-              </a:extLst>
-            </p:spPr>
-          </p:sp>
-          <p:sp>
-            <p:nvSpPr>
-              <p:cNvPr id="38" name="Freeform 15">
-                <a:extLst>
-                  <a:ext uri="{FF2B5EF4-FFF2-40B4-BE49-F238E27FC236}">
-                    <a16:creationId xmlns:a16="http://schemas.microsoft.com/office/drawing/2014/main" id="{AEBEF646-3C12-469F-B194-A161A7A95D2F}"/>
-                  </a:ext>
-                  <a:ext uri="{C183D7F6-B498-43B3-948B-1728B52AA6E4}">
-                    <adec:decorative xmlns:adec="http://schemas.microsoft.com/office/drawing/2017/decorative" val="1"/>
-                  </a:ext>
-                </a:extLst>
-              </p:cNvPr>
-              <p:cNvSpPr>
-                <a:spLocks noEditPoints="1"/>
-              </p:cNvSpPr>
-              <p:nvPr>
-                <p:extLst>
-                  <p:ext uri="{386F3935-93C4-4BCD-93E2-E3B085C9AB24}">
-                    <p16:designElem xmlns:p16="http://schemas.microsoft.com/office/powerpoint/2015/main" val="1"/>
-                  </p:ext>
-                </p:extLst>
-              </p:nvPr>
-            </p:nvSpPr>
-            <p:spPr bwMode="auto">
-              <a:xfrm>
-                <a:off x="1020762" y="488950"/>
-                <a:ext cx="161925" cy="147638"/>
-              </a:xfrm>
-              <a:custGeom>
-                <a:avLst/>
-                <a:gdLst/>
-                <a:ahLst/>
-                <a:cxnLst/>
-                <a:rect l="0" t="0" r="r" b="b"/>
-                <a:pathLst>
-                  <a:path w="34" h="31">
-                    <a:moveTo>
-                      <a:pt x="17" y="31"/>
-                    </a:moveTo>
-                    <a:cubicBezTo>
-                      <a:pt x="13" y="31"/>
-                      <a:pt x="9" y="30"/>
-                      <a:pt x="6" y="27"/>
-                    </a:cubicBezTo>
-                    <a:cubicBezTo>
-                      <a:pt x="0" y="20"/>
-                      <a:pt x="0" y="10"/>
-                      <a:pt x="6" y="4"/>
-                    </a:cubicBezTo>
-                    <a:cubicBezTo>
-                      <a:pt x="9" y="1"/>
-                      <a:pt x="13" y="0"/>
-                      <a:pt x="17" y="0"/>
-                    </a:cubicBezTo>
-                    <a:cubicBezTo>
-                      <a:pt x="21" y="0"/>
-                      <a:pt x="25" y="1"/>
-                      <a:pt x="28" y="4"/>
-                    </a:cubicBezTo>
-                    <a:cubicBezTo>
-                      <a:pt x="34" y="10"/>
-                      <a:pt x="34" y="20"/>
-                      <a:pt x="28" y="27"/>
-                    </a:cubicBezTo>
-                    <a:cubicBezTo>
-                      <a:pt x="25" y="30"/>
-                      <a:pt x="21" y="31"/>
-                      <a:pt x="17" y="31"/>
-                    </a:cubicBezTo>
-                    <a:close/>
-                    <a:moveTo>
-                      <a:pt x="17" y="4"/>
-                    </a:moveTo>
-                    <a:cubicBezTo>
-                      <a:pt x="14" y="4"/>
-                      <a:pt x="11" y="5"/>
-                      <a:pt x="9" y="7"/>
-                    </a:cubicBezTo>
-                    <a:cubicBezTo>
-                      <a:pt x="4" y="12"/>
-                      <a:pt x="4" y="19"/>
-                      <a:pt x="9" y="24"/>
-                    </a:cubicBezTo>
-                    <a:cubicBezTo>
-                      <a:pt x="11" y="26"/>
-                      <a:pt x="14" y="27"/>
-                      <a:pt x="17" y="27"/>
-                    </a:cubicBezTo>
-                    <a:cubicBezTo>
-                      <a:pt x="20" y="27"/>
-                      <a:pt x="23" y="26"/>
-                      <a:pt x="25" y="24"/>
-                    </a:cubicBezTo>
-                    <a:cubicBezTo>
-                      <a:pt x="30" y="19"/>
-                      <a:pt x="30" y="12"/>
-                      <a:pt x="25" y="7"/>
-                    </a:cubicBezTo>
-                    <a:cubicBezTo>
-                      <a:pt x="23" y="5"/>
-                      <a:pt x="20" y="4"/>
-                      <a:pt x="17" y="4"/>
-                    </a:cubicBezTo>
-                    <a:close/>
-                  </a:path>
-                </a:pathLst>
-              </a:custGeom>
-              <a:grpFill/>
-              <a:ln>
-                <a:noFill/>
-              </a:ln>
-              <a:extLst>
-                <a:ext uri="{91240B29-F687-4f45-9708-019B960494DF}">
-                  <a14:hiddenLine xmlns:a14="http://schemas.microsoft.com/office/drawing/2010/main" xmlns:p14="http://schemas.microsoft.com/office/powerpoint/2010/main" xmlns:a16="http://schemas.microsoft.com/office/drawing/2014/main" xmlns="" w="9525">
-                    <a:solidFill>
-                      <a:srgbClr val="000000"/>
-                    </a:solidFill>
-                    <a:round/>
-                    <a:headEnd/>
-                    <a:tailEnd/>
-                  </a14:hiddenLine>
-                </a:ext>
-              </a:extLst>
-            </p:spPr>
-          </p:sp>
-          <p:sp>
-            <p:nvSpPr>
-              <p:cNvPr id="39" name="Line 16">
-                <a:extLst>
-                  <a:ext uri="{FF2B5EF4-FFF2-40B4-BE49-F238E27FC236}">
-                    <a16:creationId xmlns:a16="http://schemas.microsoft.com/office/drawing/2014/main" id="{D4501159-D7AC-4307-9DFC-C8F3A94341DA}"/>
-                  </a:ext>
-                  <a:ext uri="{C183D7F6-B498-43B3-948B-1728B52AA6E4}">
-                    <adec:decorative xmlns:adec="http://schemas.microsoft.com/office/drawing/2017/decorative" val="1"/>
-                  </a:ext>
-                </a:extLst>
-              </p:cNvPr>
-              <p:cNvSpPr>
-                <a:spLocks noChangeShapeType="1"/>
-              </p:cNvSpPr>
-              <p:nvPr>
-                <p:extLst>
-                  <p:ext uri="{386F3935-93C4-4BCD-93E2-E3B085C9AB24}">
-                    <p16:designElem xmlns:p16="http://schemas.microsoft.com/office/powerpoint/2015/main" val="1"/>
-                  </p:ext>
-                </p:extLst>
-              </p:nvPr>
-            </p:nvSpPr>
-            <p:spPr bwMode="auto">
-              <a:xfrm>
-                <a:off x="-4763" y="9525"/>
-                <a:ext cx="0" cy="0"/>
-              </a:xfrm>
-              <a:prstGeom prst="line">
-                <a:avLst/>
-              </a:prstGeom>
-              <a:grpFill/>
-              <a:ln w="15" cap="flat">
-                <a:solidFill>
-                  <a:srgbClr val="FFFFFF"/>
-                </a:solidFill>
-                <a:prstDash val="solid"/>
-                <a:miter lim="800000"/>
-                <a:headEnd/>
-                <a:tailEnd/>
-              </a:ln>
-            </p:spPr>
-          </p:sp>
-          <p:sp>
-            <p:nvSpPr>
-              <p:cNvPr id="40" name="Freeform 17">
-                <a:extLst>
-                  <a:ext uri="{FF2B5EF4-FFF2-40B4-BE49-F238E27FC236}">
-                    <a16:creationId xmlns:a16="http://schemas.microsoft.com/office/drawing/2014/main" id="{B5244C41-454C-47D8-A6A9-C17EC2A36631}"/>
-                  </a:ext>
-                  <a:ext uri="{C183D7F6-B498-43B3-948B-1728B52AA6E4}">
-                    <adec:decorative xmlns:adec="http://schemas.microsoft.com/office/drawing/2017/decorative" val="1"/>
-                  </a:ext>
-                </a:extLst>
-              </p:cNvPr>
-              <p:cNvSpPr/>
-              <p:nvPr>
-                <p:extLst>
-                  <p:ext uri="{386F3935-93C4-4BCD-93E2-E3B085C9AB24}">
-                    <p16:designElem xmlns:p16="http://schemas.microsoft.com/office/powerpoint/2015/main" val="1"/>
-                  </p:ext>
-                </p:extLst>
-              </p:nvPr>
-            </p:nvSpPr>
-            <p:spPr bwMode="auto">
-              <a:xfrm>
-                <a:off x="9525" y="1801813"/>
-                <a:ext cx="123825" cy="127000"/>
-              </a:xfrm>
-              <a:custGeom>
-                <a:avLst/>
-                <a:gdLst/>
-                <a:ahLst/>
-                <a:cxnLst/>
-                <a:rect l="0" t="0" r="r" b="b"/>
-                <a:pathLst>
-                  <a:path w="78" h="80">
-                    <a:moveTo>
-                      <a:pt x="6" y="80"/>
-                    </a:moveTo>
-                    <a:lnTo>
-                      <a:pt x="0" y="71"/>
-                    </a:lnTo>
-                    <a:lnTo>
-                      <a:pt x="69" y="0"/>
-                    </a:lnTo>
-                    <a:lnTo>
-                      <a:pt x="78" y="9"/>
-                    </a:lnTo>
-                    <a:lnTo>
-                      <a:pt x="6" y="80"/>
-                    </a:lnTo>
-                    <a:close/>
-                  </a:path>
-                </a:pathLst>
-              </a:custGeom>
-              <a:grpFill/>
-              <a:ln>
-                <a:noFill/>
-              </a:ln>
-              <a:extLst>
-                <a:ext uri="{91240B29-F687-4f45-9708-019B960494DF}">
-                  <a14:hiddenLine xmlns:a14="http://schemas.microsoft.com/office/drawing/2010/main" xmlns:p14="http://schemas.microsoft.com/office/powerpoint/2010/main" xmlns:a16="http://schemas.microsoft.com/office/drawing/2014/main" xmlns="" w="9525">
-                    <a:solidFill>
-                      <a:srgbClr val="000000"/>
-                    </a:solidFill>
-                    <a:round/>
-                    <a:headEnd/>
-                    <a:tailEnd/>
-                  </a14:hiddenLine>
-                </a:ext>
-              </a:extLst>
-            </p:spPr>
-          </p:sp>
-          <p:sp>
-            <p:nvSpPr>
-              <p:cNvPr id="41" name="Freeform 18">
-                <a:extLst>
-                  <a:ext uri="{FF2B5EF4-FFF2-40B4-BE49-F238E27FC236}">
-                    <a16:creationId xmlns:a16="http://schemas.microsoft.com/office/drawing/2014/main" id="{8FA883B8-99FB-4540-B573-F0674BFB1C2A}"/>
-                  </a:ext>
-                  <a:ext uri="{C183D7F6-B498-43B3-948B-1728B52AA6E4}">
-                    <adec:decorative xmlns:adec="http://schemas.microsoft.com/office/drawing/2017/decorative" val="1"/>
-                  </a:ext>
-                </a:extLst>
-              </p:cNvPr>
-              <p:cNvSpPr/>
-              <p:nvPr>
-                <p:extLst>
-                  <p:ext uri="{386F3935-93C4-4BCD-93E2-E3B085C9AB24}">
-                    <p16:designElem xmlns:p16="http://schemas.microsoft.com/office/powerpoint/2015/main" val="1"/>
-                  </p:ext>
-                </p:extLst>
-              </p:nvPr>
-            </p:nvSpPr>
-            <p:spPr bwMode="auto">
-              <a:xfrm>
-                <a:off x="-9525" y="3549650"/>
-                <a:ext cx="147638" cy="481013"/>
-              </a:xfrm>
-              <a:custGeom>
-                <a:avLst/>
-                <a:gdLst/>
-                <a:ahLst/>
-                <a:cxnLst/>
-                <a:rect l="0" t="0" r="r" b="b"/>
-                <a:pathLst>
-                  <a:path w="93" h="303">
-                    <a:moveTo>
-                      <a:pt x="93" y="303"/>
-                    </a:moveTo>
-                    <a:lnTo>
-                      <a:pt x="78" y="303"/>
-                    </a:lnTo>
-                    <a:lnTo>
-                      <a:pt x="78" y="78"/>
-                    </a:lnTo>
-                    <a:lnTo>
-                      <a:pt x="0" y="12"/>
-                    </a:lnTo>
-                    <a:lnTo>
-                      <a:pt x="12" y="0"/>
-                    </a:lnTo>
-                    <a:lnTo>
-                      <a:pt x="93" y="69"/>
-                    </a:lnTo>
-                    <a:lnTo>
-                      <a:pt x="93" y="303"/>
-                    </a:lnTo>
-                    <a:close/>
-                  </a:path>
-                </a:pathLst>
-              </a:custGeom>
-              <a:grpFill/>
-              <a:ln>
-                <a:noFill/>
-              </a:ln>
-              <a:extLst>
-                <a:ext uri="{91240B29-F687-4f45-9708-019B960494DF}">
-                  <a14:hiddenLine xmlns:a14="http://schemas.microsoft.com/office/drawing/2010/main" xmlns:p14="http://schemas.microsoft.com/office/powerpoint/2010/main" xmlns:a16="http://schemas.microsoft.com/office/drawing/2014/main" xmlns="" w="9525">
-                    <a:solidFill>
-                      <a:srgbClr val="000000"/>
-                    </a:solidFill>
-                    <a:round/>
-                    <a:headEnd/>
-                    <a:tailEnd/>
-                  </a14:hiddenLine>
-                </a:ext>
-              </a:extLst>
-            </p:spPr>
-          </p:sp>
-          <p:sp>
-            <p:nvSpPr>
-              <p:cNvPr id="42" name="Freeform 19">
-                <a:extLst>
-                  <a:ext uri="{FF2B5EF4-FFF2-40B4-BE49-F238E27FC236}">
-                    <a16:creationId xmlns:a16="http://schemas.microsoft.com/office/drawing/2014/main" id="{F1178B7C-5A00-4E5B-9010-B1477621E049}"/>
-                  </a:ext>
-                  <a:ext uri="{C183D7F6-B498-43B3-948B-1728B52AA6E4}">
-                    <adec:decorative xmlns:adec="http://schemas.microsoft.com/office/drawing/2017/decorative" val="1"/>
-                  </a:ext>
-                </a:extLst>
-              </p:cNvPr>
-              <p:cNvSpPr/>
-              <p:nvPr>
-                <p:extLst>
-                  <p:ext uri="{386F3935-93C4-4BCD-93E2-E3B085C9AB24}">
-                    <p16:designElem xmlns:p16="http://schemas.microsoft.com/office/powerpoint/2015/main" val="1"/>
-                  </p:ext>
-                </p:extLst>
-              </p:nvPr>
-            </p:nvSpPr>
-            <p:spPr bwMode="auto">
-              <a:xfrm>
-                <a:off x="128587" y="1382713"/>
-                <a:ext cx="142875" cy="476250"/>
-              </a:xfrm>
-              <a:custGeom>
-                <a:avLst/>
-                <a:gdLst/>
-                <a:ahLst/>
-                <a:cxnLst/>
-                <a:rect l="0" t="0" r="r" b="b"/>
-                <a:pathLst>
-                  <a:path w="90" h="300">
-                    <a:moveTo>
-                      <a:pt x="90" y="300"/>
-                    </a:moveTo>
-                    <a:lnTo>
-                      <a:pt x="78" y="300"/>
-                    </a:lnTo>
-                    <a:lnTo>
-                      <a:pt x="78" y="84"/>
-                    </a:lnTo>
-                    <a:lnTo>
-                      <a:pt x="0" y="9"/>
-                    </a:lnTo>
-                    <a:lnTo>
-                      <a:pt x="9" y="0"/>
-                    </a:lnTo>
-                    <a:lnTo>
-                      <a:pt x="90" y="81"/>
-                    </a:lnTo>
-                    <a:lnTo>
-                      <a:pt x="90" y="300"/>
-                    </a:lnTo>
-                    <a:close/>
-                  </a:path>
-                </a:pathLst>
-              </a:custGeom>
-              <a:grpFill/>
-              <a:ln>
-                <a:noFill/>
-              </a:ln>
-              <a:extLst>
-                <a:ext uri="{91240B29-F687-4f45-9708-019B960494DF}">
-                  <a14:hiddenLine xmlns:a14="http://schemas.microsoft.com/office/drawing/2010/main" xmlns:p14="http://schemas.microsoft.com/office/powerpoint/2010/main" xmlns:a16="http://schemas.microsoft.com/office/drawing/2014/main" xmlns="" w="9525">
-                    <a:solidFill>
-                      <a:srgbClr val="000000"/>
-                    </a:solidFill>
-                    <a:round/>
-                    <a:headEnd/>
-                    <a:tailEnd/>
-                  </a14:hiddenLine>
-                </a:ext>
-              </a:extLst>
-            </p:spPr>
-          </p:sp>
-          <p:sp>
-            <p:nvSpPr>
-              <p:cNvPr id="43" name="Freeform 20">
-                <a:extLst>
-                  <a:ext uri="{FF2B5EF4-FFF2-40B4-BE49-F238E27FC236}">
-                    <a16:creationId xmlns:a16="http://schemas.microsoft.com/office/drawing/2014/main" id="{E359D5D8-EE2E-4714-A40A-C3A6D91F9897}"/>
-                  </a:ext>
-                  <a:ext uri="{C183D7F6-B498-43B3-948B-1728B52AA6E4}">
-                    <adec:decorative xmlns:adec="http://schemas.microsoft.com/office/drawing/2017/decorative" val="1"/>
-                  </a:ext>
-                </a:extLst>
-              </p:cNvPr>
-              <p:cNvSpPr>
-                <a:spLocks noEditPoints="1"/>
-              </p:cNvSpPr>
-              <p:nvPr>
-                <p:extLst>
-                  <p:ext uri="{386F3935-93C4-4BCD-93E2-E3B085C9AB24}">
-                    <p16:designElem xmlns:p16="http://schemas.microsoft.com/office/powerpoint/2015/main" val="1"/>
-                  </p:ext>
-                </p:extLst>
-              </p:nvPr>
-            </p:nvSpPr>
-            <p:spPr bwMode="auto">
-              <a:xfrm>
-                <a:off x="204787" y="1849438"/>
-                <a:ext cx="114300" cy="107950"/>
-              </a:xfrm>
-              <a:custGeom>
-                <a:avLst/>
-                <a:gdLst/>
-                <a:ahLst/>
-                <a:cxnLst/>
-                <a:rect l="0" t="0" r="r" b="b"/>
-                <a:pathLst>
-                  <a:path w="24" h="23">
-                    <a:moveTo>
-                      <a:pt x="12" y="23"/>
-                    </a:moveTo>
-                    <a:cubicBezTo>
-                      <a:pt x="6" y="23"/>
-                      <a:pt x="0" y="18"/>
-                      <a:pt x="0" y="12"/>
-                    </a:cubicBezTo>
-                    <a:cubicBezTo>
-                      <a:pt x="0" y="5"/>
-                      <a:pt x="6" y="0"/>
-                      <a:pt x="12" y="0"/>
-                    </a:cubicBezTo>
-                    <a:cubicBezTo>
-                      <a:pt x="18" y="0"/>
-                      <a:pt x="24" y="5"/>
-                      <a:pt x="24" y="12"/>
-                    </a:cubicBezTo>
-                    <a:cubicBezTo>
-                      <a:pt x="24" y="18"/>
-                      <a:pt x="18" y="23"/>
-                      <a:pt x="12" y="23"/>
-                    </a:cubicBezTo>
-                    <a:close/>
-                    <a:moveTo>
-                      <a:pt x="12" y="4"/>
-                    </a:moveTo>
-                    <a:cubicBezTo>
-                      <a:pt x="8" y="4"/>
-                      <a:pt x="4" y="8"/>
-                      <a:pt x="4" y="12"/>
-                    </a:cubicBezTo>
-                    <a:cubicBezTo>
-                      <a:pt x="4" y="16"/>
-                      <a:pt x="8" y="19"/>
-                      <a:pt x="12" y="19"/>
-                    </a:cubicBezTo>
-                    <a:cubicBezTo>
-                      <a:pt x="16" y="19"/>
-                      <a:pt x="20" y="16"/>
-                      <a:pt x="20" y="12"/>
-                    </a:cubicBezTo>
-                    <a:cubicBezTo>
-                      <a:pt x="20" y="8"/>
-                      <a:pt x="16" y="4"/>
-                      <a:pt x="12" y="4"/>
-                    </a:cubicBezTo>
-                    <a:close/>
-                  </a:path>
-                </a:pathLst>
-              </a:custGeom>
-              <a:grpFill/>
-              <a:ln>
-                <a:noFill/>
-              </a:ln>
-              <a:extLst>
-                <a:ext uri="{91240B29-F687-4f45-9708-019B960494DF}">
-                  <a14:hiddenLine xmlns:a14="http://schemas.microsoft.com/office/drawing/2010/main" xmlns:p14="http://schemas.microsoft.com/office/powerpoint/2010/main" xmlns:a16="http://schemas.microsoft.com/office/drawing/2014/main" xmlns="" w="9525">
-                    <a:solidFill>
-                      <a:srgbClr val="000000"/>
-                    </a:solidFill>
-                    <a:round/>
-                    <a:headEnd/>
-                    <a:tailEnd/>
-                  </a14:hiddenLine>
-                </a:ext>
-              </a:extLst>
-            </p:spPr>
-          </p:sp>
-          <p:sp>
-            <p:nvSpPr>
-              <p:cNvPr id="44" name="Rectangle 21">
-                <a:extLst>
-                  <a:ext uri="{FF2B5EF4-FFF2-40B4-BE49-F238E27FC236}">
-                    <a16:creationId xmlns:a16="http://schemas.microsoft.com/office/drawing/2014/main" id="{8A89C2E5-F892-4666-85FB-995578FBC739}"/>
-                  </a:ext>
-                  <a:ext uri="{C183D7F6-B498-43B3-948B-1728B52AA6E4}">
-                    <adec:decorative xmlns:adec="http://schemas.microsoft.com/office/drawing/2017/decorative" val="1"/>
-                  </a:ext>
-                </a:extLst>
-              </p:cNvPr>
-              <p:cNvSpPr>
-                <a:spLocks noChangeArrowheads="1"/>
-              </p:cNvSpPr>
-              <p:nvPr>
-                <p:extLst>
-                  <p:ext uri="{386F3935-93C4-4BCD-93E2-E3B085C9AB24}">
-                    <p16:designElem xmlns:p16="http://schemas.microsoft.com/office/powerpoint/2015/main" val="1"/>
-                  </p:ext>
-                </p:extLst>
-              </p:nvPr>
-            </p:nvSpPr>
-            <p:spPr bwMode="auto">
-              <a:xfrm>
-                <a:off x="133350" y="4662488"/>
-                <a:ext cx="23813" cy="2181225"/>
-              </a:xfrm>
-              <a:prstGeom prst="rect">
-                <a:avLst/>
-              </a:prstGeom>
-              <a:grpFill/>
-              <a:ln>
-                <a:noFill/>
-              </a:ln>
-              <a:extLst>
-                <a:ext uri="{91240B29-F687-4f45-9708-019B960494DF}">
-                  <a14:hiddenLine xmlns:a14="http://schemas.microsoft.com/office/drawing/2010/main" xmlns:p14="http://schemas.microsoft.com/office/powerpoint/2010/main" xmlns:a16="http://schemas.microsoft.com/office/drawing/2014/main" xmlns="" w="9525">
-                    <a:solidFill>
-                      <a:srgbClr val="000000"/>
-                    </a:solidFill>
-                    <a:miter lim="800000"/>
-                    <a:headEnd/>
-                    <a:tailEnd/>
-                  </a14:hiddenLine>
-                </a:ext>
-              </a:extLst>
-            </p:spPr>
-          </p:sp>
-          <p:sp>
-            <p:nvSpPr>
-              <p:cNvPr id="45" name="Freeform 22">
-                <a:extLst>
-                  <a:ext uri="{FF2B5EF4-FFF2-40B4-BE49-F238E27FC236}">
-                    <a16:creationId xmlns:a16="http://schemas.microsoft.com/office/drawing/2014/main" id="{6DC6174B-0EC3-4A81-A0D1-D10DBB869A5A}"/>
-                  </a:ext>
-                  <a:ext uri="{C183D7F6-B498-43B3-948B-1728B52AA6E4}">
-                    <adec:decorative xmlns:adec="http://schemas.microsoft.com/office/drawing/2017/decorative" val="1"/>
-                  </a:ext>
-                </a:extLst>
-              </p:cNvPr>
-              <p:cNvSpPr/>
-              <p:nvPr>
-                <p:extLst>
-                  <p:ext uri="{386F3935-93C4-4BCD-93E2-E3B085C9AB24}">
-                    <p16:designElem xmlns:p16="http://schemas.microsoft.com/office/powerpoint/2015/main" val="1"/>
-                  </p:ext>
-                </p:extLst>
-              </p:nvPr>
-            </p:nvSpPr>
-            <p:spPr bwMode="auto">
-              <a:xfrm>
-                <a:off x="223837" y="5041900"/>
-                <a:ext cx="369888" cy="1801813"/>
-              </a:xfrm>
-              <a:custGeom>
-                <a:avLst/>
-                <a:gdLst/>
-                <a:ahLst/>
-                <a:cxnLst/>
-                <a:rect l="0" t="0" r="r" b="b"/>
-                <a:pathLst>
-                  <a:path w="233" h="1135">
-                    <a:moveTo>
-                      <a:pt x="15" y="1135"/>
-                    </a:moveTo>
-                    <a:lnTo>
-                      <a:pt x="0" y="1135"/>
-                    </a:lnTo>
-                    <a:lnTo>
-                      <a:pt x="0" y="515"/>
-                    </a:lnTo>
-                    <a:lnTo>
-                      <a:pt x="0" y="512"/>
-                    </a:lnTo>
-                    <a:lnTo>
-                      <a:pt x="218" y="0"/>
-                    </a:lnTo>
-                    <a:lnTo>
-                      <a:pt x="233" y="6"/>
-                    </a:lnTo>
-                    <a:lnTo>
-                      <a:pt x="15" y="518"/>
-                    </a:lnTo>
-                    <a:lnTo>
-                      <a:pt x="15" y="1135"/>
-                    </a:lnTo>
-                    <a:close/>
-                  </a:path>
-                </a:pathLst>
-              </a:custGeom>
-              <a:grpFill/>
-              <a:ln>
-                <a:noFill/>
-              </a:ln>
-              <a:extLst>
-                <a:ext uri="{91240B29-F687-4f45-9708-019B960494DF}">
-                  <a14:hiddenLine xmlns:a14="http://schemas.microsoft.com/office/drawing/2010/main" xmlns:p14="http://schemas.microsoft.com/office/powerpoint/2010/main" xmlns:a16="http://schemas.microsoft.com/office/drawing/2014/main" xmlns="" w="9525">
-                    <a:solidFill>
-                      <a:srgbClr val="000000"/>
-                    </a:solidFill>
-                    <a:round/>
-                    <a:headEnd/>
-                    <a:tailEnd/>
-                  </a14:hiddenLine>
-                </a:ext>
-              </a:extLst>
-            </p:spPr>
-          </p:sp>
-          <p:sp>
-            <p:nvSpPr>
-              <p:cNvPr id="46" name="Freeform 23">
-                <a:extLst>
-                  <a:ext uri="{FF2B5EF4-FFF2-40B4-BE49-F238E27FC236}">
-                    <a16:creationId xmlns:a16="http://schemas.microsoft.com/office/drawing/2014/main" id="{2CB96070-0553-4F79-984C-8DABB1CD5DB5}"/>
-                  </a:ext>
-                  <a:ext uri="{C183D7F6-B498-43B3-948B-1728B52AA6E4}">
-                    <adec:decorative xmlns:adec="http://schemas.microsoft.com/office/drawing/2017/decorative" val="1"/>
-                  </a:ext>
-                </a:extLst>
-              </p:cNvPr>
-              <p:cNvSpPr>
-                <a:spLocks noEditPoints="1"/>
-              </p:cNvSpPr>
-              <p:nvPr>
-                <p:extLst>
-                  <p:ext uri="{386F3935-93C4-4BCD-93E2-E3B085C9AB24}">
-                    <p16:designElem xmlns:p16="http://schemas.microsoft.com/office/powerpoint/2015/main" val="1"/>
-                  </p:ext>
-                </p:extLst>
-              </p:nvPr>
-            </p:nvSpPr>
-            <p:spPr bwMode="auto">
-              <a:xfrm>
-                <a:off x="52387" y="4481513"/>
-                <a:ext cx="190500" cy="190500"/>
-              </a:xfrm>
-              <a:custGeom>
-                <a:avLst/>
-                <a:gdLst/>
-                <a:ahLst/>
-                <a:cxnLst/>
-                <a:rect l="0" t="0" r="r" b="b"/>
-                <a:pathLst>
-                  <a:path w="40" h="40">
-                    <a:moveTo>
-                      <a:pt x="20" y="40"/>
-                    </a:moveTo>
-                    <a:cubicBezTo>
-                      <a:pt x="9" y="40"/>
-                      <a:pt x="0" y="31"/>
-                      <a:pt x="0" y="20"/>
-                    </a:cubicBezTo>
-                    <a:cubicBezTo>
-                      <a:pt x="0" y="9"/>
-                      <a:pt x="9" y="0"/>
-                      <a:pt x="20" y="0"/>
-                    </a:cubicBezTo>
-                    <a:cubicBezTo>
-                      <a:pt x="31" y="0"/>
-                      <a:pt x="40" y="9"/>
-                      <a:pt x="40" y="20"/>
-                    </a:cubicBezTo>
-                    <a:cubicBezTo>
-                      <a:pt x="40" y="31"/>
-                      <a:pt x="31" y="40"/>
-                      <a:pt x="20" y="40"/>
-                    </a:cubicBezTo>
-                    <a:close/>
-                    <a:moveTo>
-                      <a:pt x="20" y="4"/>
-                    </a:moveTo>
-                    <a:cubicBezTo>
-                      <a:pt x="11" y="4"/>
-                      <a:pt x="4" y="11"/>
-                      <a:pt x="4" y="20"/>
-                    </a:cubicBezTo>
-                    <a:cubicBezTo>
-                      <a:pt x="4" y="29"/>
-                      <a:pt x="11" y="36"/>
-                      <a:pt x="20" y="36"/>
-                    </a:cubicBezTo>
-                    <a:cubicBezTo>
-                      <a:pt x="28" y="36"/>
-                      <a:pt x="36" y="29"/>
-                      <a:pt x="36" y="20"/>
-                    </a:cubicBezTo>
-                    <a:cubicBezTo>
-                      <a:pt x="36" y="11"/>
-                      <a:pt x="28" y="4"/>
-                      <a:pt x="20" y="4"/>
-                    </a:cubicBezTo>
-                    <a:close/>
-                  </a:path>
-                </a:pathLst>
-              </a:custGeom>
-              <a:grpFill/>
-              <a:ln>
-                <a:noFill/>
-              </a:ln>
-              <a:extLst>
-                <a:ext uri="{91240B29-F687-4f45-9708-019B960494DF}">
-                  <a14:hiddenLine xmlns:a14="http://schemas.microsoft.com/office/drawing/2010/main" xmlns:p14="http://schemas.microsoft.com/office/powerpoint/2010/main" xmlns:a16="http://schemas.microsoft.com/office/drawing/2014/main" xmlns="" w="9525">
-                    <a:solidFill>
-                      <a:srgbClr val="000000"/>
-                    </a:solidFill>
-                    <a:round/>
-                    <a:headEnd/>
-                    <a:tailEnd/>
-                  </a14:hiddenLine>
-                </a:ext>
-              </a:extLst>
-            </p:spPr>
-          </p:sp>
-          <p:sp>
-            <p:nvSpPr>
-              <p:cNvPr id="47" name="Freeform 24">
-                <a:extLst>
-                  <a:ext uri="{FF2B5EF4-FFF2-40B4-BE49-F238E27FC236}">
-                    <a16:creationId xmlns:a16="http://schemas.microsoft.com/office/drawing/2014/main" id="{BA23B6E2-3718-4009-B80E-9279154B1918}"/>
-                  </a:ext>
-                  <a:ext uri="{C183D7F6-B498-43B3-948B-1728B52AA6E4}">
-                    <adec:decorative xmlns:adec="http://schemas.microsoft.com/office/drawing/2017/decorative" val="1"/>
-                  </a:ext>
-                </a:extLst>
-              </p:cNvPr>
-              <p:cNvSpPr/>
-              <p:nvPr>
-                <p:extLst>
-                  <p:ext uri="{386F3935-93C4-4BCD-93E2-E3B085C9AB24}">
-                    <p16:designElem xmlns:p16="http://schemas.microsoft.com/office/powerpoint/2015/main" val="1"/>
-                  </p:ext>
-                </p:extLst>
-              </p:nvPr>
-            </p:nvSpPr>
-            <p:spPr bwMode="auto">
-              <a:xfrm>
-                <a:off x="-14288" y="5627688"/>
-                <a:ext cx="85725" cy="1216025"/>
-              </a:xfrm>
-              <a:custGeom>
-                <a:avLst/>
-                <a:gdLst/>
-                <a:ahLst/>
-                <a:cxnLst/>
-                <a:rect l="0" t="0" r="r" b="b"/>
-                <a:pathLst>
-                  <a:path w="54" h="766">
-                    <a:moveTo>
-                      <a:pt x="54" y="766"/>
-                    </a:moveTo>
-                    <a:lnTo>
-                      <a:pt x="36" y="766"/>
-                    </a:lnTo>
-                    <a:lnTo>
-                      <a:pt x="36" y="149"/>
-                    </a:lnTo>
-                    <a:lnTo>
-                      <a:pt x="0" y="3"/>
-                    </a:lnTo>
-                    <a:lnTo>
-                      <a:pt x="18" y="0"/>
-                    </a:lnTo>
-                    <a:lnTo>
-                      <a:pt x="54" y="146"/>
-                    </a:lnTo>
-                    <a:lnTo>
-                      <a:pt x="54" y="766"/>
-                    </a:lnTo>
-                    <a:close/>
-                  </a:path>
-                </a:pathLst>
-              </a:custGeom>
-              <a:grpFill/>
-              <a:ln>
-                <a:noFill/>
-              </a:ln>
-              <a:extLst>
-                <a:ext uri="{91240B29-F687-4f45-9708-019B960494DF}">
-                  <a14:hiddenLine xmlns:a14="http://schemas.microsoft.com/office/drawing/2010/main" xmlns:p14="http://schemas.microsoft.com/office/powerpoint/2010/main" xmlns:a16="http://schemas.microsoft.com/office/drawing/2014/main" xmlns="" w="9525">
-                    <a:solidFill>
-                      <a:srgbClr val="000000"/>
-                    </a:solidFill>
-                    <a:round/>
-                    <a:headEnd/>
-                    <a:tailEnd/>
-                  </a14:hiddenLine>
-                </a:ext>
-              </a:extLst>
-            </p:spPr>
-          </p:sp>
-          <p:sp>
-            <p:nvSpPr>
-              <p:cNvPr id="48" name="Freeform 25">
-                <a:extLst>
-                  <a:ext uri="{FF2B5EF4-FFF2-40B4-BE49-F238E27FC236}">
-                    <a16:creationId xmlns:a16="http://schemas.microsoft.com/office/drawing/2014/main" id="{CAFB32D5-E528-419B-80EE-1475633970AC}"/>
-                  </a:ext>
-                  <a:ext uri="{C183D7F6-B498-43B3-948B-1728B52AA6E4}">
-                    <adec:decorative xmlns:adec="http://schemas.microsoft.com/office/drawing/2017/decorative" val="1"/>
-                  </a:ext>
-                </a:extLst>
-              </p:cNvPr>
-              <p:cNvSpPr>
-                <a:spLocks noEditPoints="1"/>
-              </p:cNvSpPr>
-              <p:nvPr>
-                <p:extLst>
-                  <p:ext uri="{386F3935-93C4-4BCD-93E2-E3B085C9AB24}">
-                    <p16:designElem xmlns:p16="http://schemas.microsoft.com/office/powerpoint/2015/main" val="1"/>
-                  </p:ext>
-                </p:extLst>
-              </p:nvPr>
-            </p:nvSpPr>
-            <p:spPr bwMode="auto">
-              <a:xfrm>
-                <a:off x="527050" y="4867275"/>
-                <a:ext cx="190500" cy="188913"/>
-              </a:xfrm>
-              <a:custGeom>
-                <a:avLst/>
-                <a:gdLst/>
-                <a:ahLst/>
-                <a:cxnLst/>
-                <a:rect l="0" t="0" r="r" b="b"/>
-                <a:pathLst>
-                  <a:path w="40" h="40">
-                    <a:moveTo>
-                      <a:pt x="20" y="40"/>
-                    </a:moveTo>
-                    <a:cubicBezTo>
-                      <a:pt x="9" y="40"/>
-                      <a:pt x="0" y="31"/>
-                      <a:pt x="0" y="20"/>
-                    </a:cubicBezTo>
-                    <a:cubicBezTo>
-                      <a:pt x="0" y="9"/>
-                      <a:pt x="9" y="0"/>
-                      <a:pt x="20" y="0"/>
-                    </a:cubicBezTo>
-                    <a:cubicBezTo>
-                      <a:pt x="31" y="0"/>
-                      <a:pt x="40" y="9"/>
-                      <a:pt x="40" y="20"/>
-                    </a:cubicBezTo>
-                    <a:cubicBezTo>
-                      <a:pt x="40" y="31"/>
-                      <a:pt x="31" y="40"/>
-                      <a:pt x="20" y="40"/>
-                    </a:cubicBezTo>
-                    <a:close/>
-                    <a:moveTo>
-                      <a:pt x="20" y="4"/>
-                    </a:moveTo>
-                    <a:cubicBezTo>
-                      <a:pt x="11" y="4"/>
-                      <a:pt x="4" y="11"/>
-                      <a:pt x="4" y="20"/>
-                    </a:cubicBezTo>
-                    <a:cubicBezTo>
-                      <a:pt x="4" y="29"/>
-                      <a:pt x="11" y="36"/>
-                      <a:pt x="20" y="36"/>
-                    </a:cubicBezTo>
-                    <a:cubicBezTo>
-                      <a:pt x="29" y="36"/>
-                      <a:pt x="36" y="29"/>
-                      <a:pt x="36" y="20"/>
-                    </a:cubicBezTo>
-                    <a:cubicBezTo>
-                      <a:pt x="36" y="11"/>
-                      <a:pt x="29" y="4"/>
-                      <a:pt x="20" y="4"/>
-                    </a:cubicBezTo>
-                    <a:close/>
-                  </a:path>
-                </a:pathLst>
-              </a:custGeom>
-              <a:grpFill/>
-              <a:ln>
-                <a:noFill/>
-              </a:ln>
-              <a:extLst>
-                <a:ext uri="{91240B29-F687-4f45-9708-019B960494DF}">
-                  <a14:hiddenLine xmlns:a14="http://schemas.microsoft.com/office/drawing/2010/main" xmlns:p14="http://schemas.microsoft.com/office/powerpoint/2010/main" xmlns:a16="http://schemas.microsoft.com/office/drawing/2014/main" xmlns="" w="9525">
-                    <a:solidFill>
-                      <a:srgbClr val="000000"/>
-                    </a:solidFill>
-                    <a:round/>
-                    <a:headEnd/>
-                    <a:tailEnd/>
-                  </a14:hiddenLine>
-                </a:ext>
-              </a:extLst>
-            </p:spPr>
-          </p:sp>
-          <p:sp>
-            <p:nvSpPr>
-              <p:cNvPr id="49" name="Freeform 26">
-                <a:extLst>
-                  <a:ext uri="{FF2B5EF4-FFF2-40B4-BE49-F238E27FC236}">
-                    <a16:creationId xmlns:a16="http://schemas.microsoft.com/office/drawing/2014/main" id="{A68ADD35-4FEA-404D-B2F3-23556E6E8F72}"/>
-                  </a:ext>
-                  <a:ext uri="{C183D7F6-B498-43B3-948B-1728B52AA6E4}">
-                    <adec:decorative xmlns:adec="http://schemas.microsoft.com/office/drawing/2017/decorative" val="1"/>
-                  </a:ext>
-                </a:extLst>
-              </p:cNvPr>
-              <p:cNvSpPr/>
-              <p:nvPr>
-                <p:extLst>
-                  <p:ext uri="{386F3935-93C4-4BCD-93E2-E3B085C9AB24}">
-                    <p16:designElem xmlns:p16="http://schemas.microsoft.com/office/powerpoint/2015/main" val="1"/>
-                  </p:ext>
-                </p:extLst>
-              </p:nvPr>
-            </p:nvSpPr>
-            <p:spPr bwMode="auto">
-              <a:xfrm>
-                <a:off x="309562" y="5422900"/>
-                <a:ext cx="374650" cy="1425575"/>
-              </a:xfrm>
-              <a:custGeom>
-                <a:avLst/>
-                <a:gdLst/>
-                <a:ahLst/>
-                <a:cxnLst/>
-                <a:rect l="0" t="0" r="r" b="b"/>
-                <a:pathLst>
-                  <a:path w="236" h="898">
-                    <a:moveTo>
-                      <a:pt x="18" y="898"/>
-                    </a:moveTo>
-                    <a:lnTo>
-                      <a:pt x="0" y="898"/>
-                    </a:lnTo>
-                    <a:lnTo>
-                      <a:pt x="0" y="515"/>
-                    </a:lnTo>
-                    <a:lnTo>
-                      <a:pt x="3" y="512"/>
-                    </a:lnTo>
-                    <a:lnTo>
-                      <a:pt x="221" y="0"/>
-                    </a:lnTo>
-                    <a:lnTo>
-                      <a:pt x="236" y="6"/>
-                    </a:lnTo>
-                    <a:lnTo>
-                      <a:pt x="18" y="518"/>
-                    </a:lnTo>
-                    <a:lnTo>
-                      <a:pt x="18" y="898"/>
-                    </a:lnTo>
-                    <a:close/>
-                  </a:path>
-                </a:pathLst>
-              </a:custGeom>
-              <a:grpFill/>
-              <a:ln>
-                <a:noFill/>
-              </a:ln>
-              <a:extLst>
-                <a:ext uri="{91240B29-F687-4f45-9708-019B960494DF}">
-                  <a14:hiddenLine xmlns:a14="http://schemas.microsoft.com/office/drawing/2010/main" xmlns:p14="http://schemas.microsoft.com/office/powerpoint/2010/main" xmlns:a16="http://schemas.microsoft.com/office/drawing/2014/main" xmlns="" w="9525">
-                    <a:solidFill>
-                      <a:srgbClr val="000000"/>
-                    </a:solidFill>
-                    <a:round/>
-                    <a:headEnd/>
-                    <a:tailEnd/>
-                  </a14:hiddenLine>
-                </a:ext>
-              </a:extLst>
-            </p:spPr>
-          </p:sp>
-          <p:sp>
-            <p:nvSpPr>
-              <p:cNvPr id="50" name="Freeform 27">
-                <a:extLst>
-                  <a:ext uri="{FF2B5EF4-FFF2-40B4-BE49-F238E27FC236}">
-                    <a16:creationId xmlns:a16="http://schemas.microsoft.com/office/drawing/2014/main" id="{89CF17CA-49E3-4B4A-836A-4FD55C67BECE}"/>
-                  </a:ext>
-                  <a:ext uri="{C183D7F6-B498-43B3-948B-1728B52AA6E4}">
-                    <adec:decorative xmlns:adec="http://schemas.microsoft.com/office/drawing/2017/decorative" val="1"/>
-                  </a:ext>
-                </a:extLst>
-              </p:cNvPr>
-              <p:cNvSpPr/>
-              <p:nvPr>
-                <p:extLst>
-                  <p:ext uri="{386F3935-93C4-4BCD-93E2-E3B085C9AB24}">
-                    <p16:designElem xmlns:p16="http://schemas.microsoft.com/office/powerpoint/2015/main" val="1"/>
-                  </p:ext>
-                </p:extLst>
-              </p:nvPr>
-            </p:nvSpPr>
-            <p:spPr bwMode="auto">
-              <a:xfrm>
-                <a:off x="569912" y="5945188"/>
-                <a:ext cx="152400" cy="912813"/>
-              </a:xfrm>
-              <a:custGeom>
-                <a:avLst/>
-                <a:gdLst/>
-                <a:ahLst/>
-                <a:cxnLst/>
-                <a:rect l="0" t="0" r="r" b="b"/>
-                <a:pathLst>
-                  <a:path w="96" h="575">
-                    <a:moveTo>
-                      <a:pt x="15" y="575"/>
-                    </a:moveTo>
-                    <a:lnTo>
-                      <a:pt x="0" y="569"/>
-                    </a:lnTo>
-                    <a:lnTo>
-                      <a:pt x="81" y="383"/>
-                    </a:lnTo>
-                    <a:lnTo>
-                      <a:pt x="81" y="0"/>
-                    </a:lnTo>
-                    <a:lnTo>
-                      <a:pt x="96" y="0"/>
-                    </a:lnTo>
-                    <a:lnTo>
-                      <a:pt x="96" y="386"/>
-                    </a:lnTo>
-                    <a:lnTo>
-                      <a:pt x="15" y="575"/>
-                    </a:lnTo>
-                    <a:close/>
-                  </a:path>
-                </a:pathLst>
-              </a:custGeom>
-              <a:grpFill/>
-              <a:ln>
-                <a:noFill/>
-              </a:ln>
-              <a:extLst>
-                <a:ext uri="{91240B29-F687-4f45-9708-019B960494DF}">
-                  <a14:hiddenLine xmlns:a14="http://schemas.microsoft.com/office/drawing/2010/main" xmlns:p14="http://schemas.microsoft.com/office/powerpoint/2010/main" xmlns:a16="http://schemas.microsoft.com/office/drawing/2014/main" xmlns="" w="9525">
-                    <a:solidFill>
-                      <a:srgbClr val="000000"/>
-                    </a:solidFill>
-                    <a:round/>
-                    <a:headEnd/>
-                    <a:tailEnd/>
-                  </a14:hiddenLine>
-                </a:ext>
-              </a:extLst>
-            </p:spPr>
-          </p:sp>
-          <p:sp>
-            <p:nvSpPr>
-              <p:cNvPr id="51" name="Freeform 28">
-                <a:extLst>
-                  <a:ext uri="{FF2B5EF4-FFF2-40B4-BE49-F238E27FC236}">
-                    <a16:creationId xmlns:a16="http://schemas.microsoft.com/office/drawing/2014/main" id="{AB394F2E-F3E7-4CED-84A9-35C47AB287C8}"/>
-                  </a:ext>
-                  <a:ext uri="{C183D7F6-B498-43B3-948B-1728B52AA6E4}">
-                    <adec:decorative xmlns:adec="http://schemas.microsoft.com/office/drawing/2017/decorative" val="1"/>
-                  </a:ext>
-                </a:extLst>
-              </p:cNvPr>
-              <p:cNvSpPr>
-                <a:spLocks noEditPoints="1"/>
-              </p:cNvSpPr>
-              <p:nvPr>
-                <p:extLst>
-                  <p:ext uri="{386F3935-93C4-4BCD-93E2-E3B085C9AB24}">
-                    <p16:designElem xmlns:p16="http://schemas.microsoft.com/office/powerpoint/2015/main" val="1"/>
-                  </p:ext>
-                </p:extLst>
-              </p:nvPr>
-            </p:nvSpPr>
-            <p:spPr bwMode="auto">
-              <a:xfrm>
-                <a:off x="612775" y="5246688"/>
-                <a:ext cx="190500" cy="190500"/>
-              </a:xfrm>
-              <a:custGeom>
-                <a:avLst/>
-                <a:gdLst/>
-                <a:ahLst/>
-                <a:cxnLst/>
-                <a:rect l="0" t="0" r="r" b="b"/>
-                <a:pathLst>
-                  <a:path w="40" h="40">
-                    <a:moveTo>
-                      <a:pt x="20" y="40"/>
-                    </a:moveTo>
-                    <a:cubicBezTo>
-                      <a:pt x="9" y="40"/>
-                      <a:pt x="0" y="31"/>
-                      <a:pt x="0" y="20"/>
-                    </a:cubicBezTo>
-                    <a:cubicBezTo>
-                      <a:pt x="0" y="9"/>
-                      <a:pt x="9" y="0"/>
-                      <a:pt x="20" y="0"/>
-                    </a:cubicBezTo>
-                    <a:cubicBezTo>
-                      <a:pt x="31" y="0"/>
-                      <a:pt x="40" y="9"/>
-                      <a:pt x="40" y="20"/>
-                    </a:cubicBezTo>
-                    <a:cubicBezTo>
-                      <a:pt x="40" y="31"/>
-                      <a:pt x="31" y="40"/>
-                      <a:pt x="20" y="40"/>
-                    </a:cubicBezTo>
-                    <a:close/>
-                    <a:moveTo>
-                      <a:pt x="20" y="4"/>
-                    </a:moveTo>
-                    <a:cubicBezTo>
-                      <a:pt x="12" y="4"/>
-                      <a:pt x="4" y="11"/>
-                      <a:pt x="4" y="20"/>
-                    </a:cubicBezTo>
-                    <a:cubicBezTo>
-                      <a:pt x="4" y="29"/>
-                      <a:pt x="12" y="36"/>
-                      <a:pt x="20" y="36"/>
-                    </a:cubicBezTo>
-                    <a:cubicBezTo>
-                      <a:pt x="29" y="36"/>
-                      <a:pt x="36" y="29"/>
-                      <a:pt x="36" y="20"/>
-                    </a:cubicBezTo>
-                    <a:cubicBezTo>
-                      <a:pt x="36" y="11"/>
-                      <a:pt x="29" y="4"/>
-                      <a:pt x="20" y="4"/>
-                    </a:cubicBezTo>
-                    <a:close/>
-                  </a:path>
-                </a:pathLst>
-              </a:custGeom>
-              <a:grpFill/>
-              <a:ln>
-                <a:noFill/>
-              </a:ln>
-              <a:extLst>
-                <a:ext uri="{91240B29-F687-4f45-9708-019B960494DF}">
-                  <a14:hiddenLine xmlns:a14="http://schemas.microsoft.com/office/drawing/2010/main" xmlns:p14="http://schemas.microsoft.com/office/powerpoint/2010/main" xmlns:a16="http://schemas.microsoft.com/office/drawing/2014/main" xmlns="" w="9525">
-                    <a:solidFill>
-                      <a:srgbClr val="000000"/>
-                    </a:solidFill>
-                    <a:round/>
-                    <a:headEnd/>
-                    <a:tailEnd/>
-                  </a14:hiddenLine>
-                </a:ext>
-              </a:extLst>
-            </p:spPr>
-          </p:sp>
-          <p:sp>
-            <p:nvSpPr>
-              <p:cNvPr id="52" name="Freeform 29">
-                <a:extLst>
-                  <a:ext uri="{FF2B5EF4-FFF2-40B4-BE49-F238E27FC236}">
-                    <a16:creationId xmlns:a16="http://schemas.microsoft.com/office/drawing/2014/main" id="{FF816C2F-3999-4A9F-8395-5D68ED33A41E}"/>
-                  </a:ext>
-                  <a:ext uri="{C183D7F6-B498-43B3-948B-1728B52AA6E4}">
-                    <adec:decorative xmlns:adec="http://schemas.microsoft.com/office/drawing/2017/decorative" val="1"/>
-                  </a:ext>
-                </a:extLst>
-              </p:cNvPr>
-              <p:cNvSpPr>
-                <a:spLocks noEditPoints="1"/>
-              </p:cNvSpPr>
-              <p:nvPr>
-                <p:extLst>
-                  <p:ext uri="{386F3935-93C4-4BCD-93E2-E3B085C9AB24}">
-                    <p16:designElem xmlns:p16="http://schemas.microsoft.com/office/powerpoint/2015/main" val="1"/>
-                  </p:ext>
-                </p:extLst>
-              </p:nvPr>
-            </p:nvSpPr>
-            <p:spPr bwMode="auto">
-              <a:xfrm>
-                <a:off x="612775" y="5764213"/>
-                <a:ext cx="190500" cy="190500"/>
-              </a:xfrm>
-              <a:custGeom>
-                <a:avLst/>
-                <a:gdLst/>
-                <a:ahLst/>
-                <a:cxnLst/>
-                <a:rect l="0" t="0" r="r" b="b"/>
-                <a:pathLst>
-                  <a:path w="40" h="40">
-                    <a:moveTo>
-                      <a:pt x="20" y="40"/>
-                    </a:moveTo>
-                    <a:cubicBezTo>
-                      <a:pt x="9" y="40"/>
-                      <a:pt x="0" y="31"/>
-                      <a:pt x="0" y="20"/>
-                    </a:cubicBezTo>
-                    <a:cubicBezTo>
-                      <a:pt x="0" y="9"/>
-                      <a:pt x="9" y="0"/>
-                      <a:pt x="20" y="0"/>
-                    </a:cubicBezTo>
-                    <a:cubicBezTo>
-                      <a:pt x="31" y="0"/>
-                      <a:pt x="40" y="9"/>
-                      <a:pt x="40" y="20"/>
-                    </a:cubicBezTo>
-                    <a:cubicBezTo>
-                      <a:pt x="40" y="31"/>
-                      <a:pt x="31" y="40"/>
-                      <a:pt x="20" y="40"/>
-                    </a:cubicBezTo>
-                    <a:close/>
-                    <a:moveTo>
-                      <a:pt x="20" y="4"/>
-                    </a:moveTo>
-                    <a:cubicBezTo>
-                      <a:pt x="12" y="4"/>
-                      <a:pt x="4" y="11"/>
-                      <a:pt x="4" y="20"/>
-                    </a:cubicBezTo>
-                    <a:cubicBezTo>
-                      <a:pt x="4" y="29"/>
-                      <a:pt x="12" y="36"/>
-                      <a:pt x="20" y="36"/>
-                    </a:cubicBezTo>
-                    <a:cubicBezTo>
-                      <a:pt x="29" y="36"/>
-                      <a:pt x="36" y="29"/>
-                      <a:pt x="36" y="20"/>
-                    </a:cubicBezTo>
-                    <a:cubicBezTo>
-                      <a:pt x="36" y="11"/>
-                      <a:pt x="29" y="4"/>
-                      <a:pt x="20" y="4"/>
-                    </a:cubicBezTo>
-                    <a:close/>
-                  </a:path>
-                </a:pathLst>
-              </a:custGeom>
-              <a:grpFill/>
-              <a:ln>
-                <a:noFill/>
-              </a:ln>
-              <a:extLst>
-                <a:ext uri="{91240B29-F687-4f45-9708-019B960494DF}">
-                  <a14:hiddenLine xmlns:a14="http://schemas.microsoft.com/office/drawing/2010/main" xmlns:p14="http://schemas.microsoft.com/office/powerpoint/2010/main" xmlns:a16="http://schemas.microsoft.com/office/drawing/2014/main" xmlns="" w="9525">
-                    <a:solidFill>
-                      <a:srgbClr val="000000"/>
-                    </a:solidFill>
-                    <a:round/>
-                    <a:headEnd/>
-                    <a:tailEnd/>
-                  </a14:hiddenLine>
-                </a:ext>
-              </a:extLst>
-            </p:spPr>
-          </p:sp>
-          <p:sp>
-            <p:nvSpPr>
-              <p:cNvPr id="53" name="Freeform 30">
-                <a:extLst>
-                  <a:ext uri="{FF2B5EF4-FFF2-40B4-BE49-F238E27FC236}">
-                    <a16:creationId xmlns:a16="http://schemas.microsoft.com/office/drawing/2014/main" id="{82AD6AC6-71D5-4BD8-9185-D3062968B57E}"/>
-                  </a:ext>
-                  <a:ext uri="{C183D7F6-B498-43B3-948B-1728B52AA6E4}">
-                    <adec:decorative xmlns:adec="http://schemas.microsoft.com/office/drawing/2017/decorative" val="1"/>
-                  </a:ext>
-                </a:extLst>
-              </p:cNvPr>
-              <p:cNvSpPr/>
-              <p:nvPr>
-                <p:extLst>
-                  <p:ext uri="{386F3935-93C4-4BCD-93E2-E3B085C9AB24}">
-                    <p16:designElem xmlns:p16="http://schemas.microsoft.com/office/powerpoint/2015/main" val="1"/>
-                  </p:ext>
-                </p:extLst>
-              </p:nvPr>
-            </p:nvSpPr>
-            <p:spPr bwMode="auto">
-              <a:xfrm>
-                <a:off x="669925" y="6330950"/>
-                <a:ext cx="417513" cy="517525"/>
-              </a:xfrm>
-              <a:custGeom>
-                <a:avLst/>
-                <a:gdLst/>
-                <a:ahLst/>
-                <a:cxnLst/>
-                <a:rect l="0" t="0" r="r" b="b"/>
-                <a:pathLst>
-                  <a:path w="263" h="326">
-                    <a:moveTo>
-                      <a:pt x="15" y="326"/>
-                    </a:moveTo>
-                    <a:lnTo>
-                      <a:pt x="0" y="320"/>
-                    </a:lnTo>
-                    <a:lnTo>
-                      <a:pt x="45" y="206"/>
-                    </a:lnTo>
-                    <a:lnTo>
-                      <a:pt x="48" y="206"/>
-                    </a:lnTo>
-                    <a:lnTo>
-                      <a:pt x="254" y="0"/>
-                    </a:lnTo>
-                    <a:lnTo>
-                      <a:pt x="263" y="12"/>
-                    </a:lnTo>
-                    <a:lnTo>
-                      <a:pt x="60" y="215"/>
-                    </a:lnTo>
-                    <a:lnTo>
-                      <a:pt x="15" y="326"/>
-                    </a:lnTo>
-                    <a:close/>
-                  </a:path>
-                </a:pathLst>
-              </a:custGeom>
-              <a:grpFill/>
-              <a:ln>
-                <a:noFill/>
-              </a:ln>
-              <a:extLst>
-                <a:ext uri="{91240B29-F687-4f45-9708-019B960494DF}">
-                  <a14:hiddenLine xmlns:a14="http://schemas.microsoft.com/office/drawing/2010/main" xmlns:p14="http://schemas.microsoft.com/office/powerpoint/2010/main" xmlns:a16="http://schemas.microsoft.com/office/drawing/2014/main" xmlns="" w="9525">
-                    <a:solidFill>
-                      <a:srgbClr val="000000"/>
-                    </a:solidFill>
-                    <a:round/>
-                    <a:headEnd/>
-                    <a:tailEnd/>
-                  </a14:hiddenLine>
-                </a:ext>
-              </a:extLst>
-            </p:spPr>
-          </p:sp>
-          <p:sp>
-            <p:nvSpPr>
-              <p:cNvPr id="54" name="Freeform 31">
-                <a:extLst>
-                  <a:ext uri="{FF2B5EF4-FFF2-40B4-BE49-F238E27FC236}">
-                    <a16:creationId xmlns:a16="http://schemas.microsoft.com/office/drawing/2014/main" id="{743A50C2-65CF-4F4C-B412-6149A93ACFE5}"/>
-                  </a:ext>
-                  <a:ext uri="{C183D7F6-B498-43B3-948B-1728B52AA6E4}">
-                    <adec:decorative xmlns:adec="http://schemas.microsoft.com/office/drawing/2017/decorative" val="1"/>
-                  </a:ext>
-                </a:extLst>
-              </p:cNvPr>
-              <p:cNvSpPr>
-                <a:spLocks noEditPoints="1"/>
-              </p:cNvSpPr>
-              <p:nvPr>
-                <p:extLst>
-                  <p:ext uri="{386F3935-93C4-4BCD-93E2-E3B085C9AB24}">
-                    <p16:designElem xmlns:p16="http://schemas.microsoft.com/office/powerpoint/2015/main" val="1"/>
-                  </p:ext>
-                </p:extLst>
-              </p:nvPr>
-            </p:nvSpPr>
-            <p:spPr bwMode="auto">
-              <a:xfrm>
-                <a:off x="1049337" y="6221413"/>
-                <a:ext cx="157163" cy="147638"/>
-              </a:xfrm>
-              <a:custGeom>
-                <a:avLst/>
-                <a:gdLst/>
-                <a:ahLst/>
-                <a:cxnLst/>
-                <a:rect l="0" t="0" r="r" b="b"/>
-                <a:pathLst>
-                  <a:path w="33" h="31">
-                    <a:moveTo>
-                      <a:pt x="16" y="31"/>
-                    </a:moveTo>
-                    <a:cubicBezTo>
-                      <a:pt x="12" y="31"/>
-                      <a:pt x="8" y="29"/>
-                      <a:pt x="5" y="26"/>
-                    </a:cubicBezTo>
-                    <a:cubicBezTo>
-                      <a:pt x="2" y="24"/>
-                      <a:pt x="0" y="20"/>
-                      <a:pt x="0" y="15"/>
-                    </a:cubicBezTo>
-                    <a:cubicBezTo>
-                      <a:pt x="0" y="11"/>
-                      <a:pt x="2" y="7"/>
-                      <a:pt x="5" y="4"/>
-                    </a:cubicBezTo>
-                    <a:cubicBezTo>
-                      <a:pt x="8" y="1"/>
-                      <a:pt x="12" y="0"/>
-                      <a:pt x="16" y="0"/>
-                    </a:cubicBezTo>
-                    <a:cubicBezTo>
-                      <a:pt x="20" y="0"/>
-                      <a:pt x="24" y="1"/>
-                      <a:pt x="27" y="4"/>
-                    </a:cubicBezTo>
-                    <a:cubicBezTo>
-                      <a:pt x="33" y="10"/>
-                      <a:pt x="33" y="20"/>
-                      <a:pt x="27" y="26"/>
-                    </a:cubicBezTo>
-                    <a:cubicBezTo>
-                      <a:pt x="24" y="29"/>
-                      <a:pt x="20" y="31"/>
-                      <a:pt x="16" y="31"/>
-                    </a:cubicBezTo>
-                    <a:close/>
-                    <a:moveTo>
-                      <a:pt x="16" y="4"/>
-                    </a:moveTo>
-                    <a:cubicBezTo>
-                      <a:pt x="13" y="4"/>
-                      <a:pt x="10" y="5"/>
-                      <a:pt x="8" y="7"/>
-                    </a:cubicBezTo>
-                    <a:cubicBezTo>
-                      <a:pt x="6" y="9"/>
-                      <a:pt x="4" y="12"/>
-                      <a:pt x="4" y="15"/>
-                    </a:cubicBezTo>
-                    <a:cubicBezTo>
-                      <a:pt x="4" y="19"/>
-                      <a:pt x="6" y="21"/>
-                      <a:pt x="8" y="24"/>
-                    </a:cubicBezTo>
-                    <a:cubicBezTo>
-                      <a:pt x="10" y="26"/>
-                      <a:pt x="13" y="27"/>
-                      <a:pt x="16" y="27"/>
-                    </a:cubicBezTo>
-                    <a:cubicBezTo>
-                      <a:pt x="19" y="27"/>
-                      <a:pt x="22" y="26"/>
-                      <a:pt x="24" y="24"/>
-                    </a:cubicBezTo>
-                    <a:cubicBezTo>
-                      <a:pt x="29" y="19"/>
-                      <a:pt x="29" y="12"/>
-                      <a:pt x="24" y="7"/>
-                    </a:cubicBezTo>
-                    <a:cubicBezTo>
-                      <a:pt x="22" y="5"/>
-                      <a:pt x="19" y="4"/>
-                      <a:pt x="16" y="4"/>
-                    </a:cubicBezTo>
-                    <a:close/>
-                  </a:path>
-                </a:pathLst>
-              </a:custGeom>
-              <a:grpFill/>
-              <a:ln>
-                <a:noFill/>
-              </a:ln>
-              <a:extLst>
-                <a:ext uri="{91240B29-F687-4f45-9708-019B960494DF}">
-                  <a14:hiddenLine xmlns:a14="http://schemas.microsoft.com/office/drawing/2010/main" xmlns:p14="http://schemas.microsoft.com/office/powerpoint/2010/main" xmlns:a16="http://schemas.microsoft.com/office/drawing/2014/main" xmlns="" w="9525">
-                    <a:solidFill>
-                      <a:srgbClr val="000000"/>
-                    </a:solidFill>
-                    <a:round/>
-                    <a:headEnd/>
-                    <a:tailEnd/>
-                  </a14:hiddenLine>
-                </a:ext>
-              </a:extLst>
-            </p:spPr>
-          </p:sp>
-        </p:grpSp>
-        <p:grpSp>
-          <p:nvGrpSpPr>
-            <p:cNvPr id="17" name="Group 16">
-              <a:extLst>
-                <a:ext uri="{FF2B5EF4-FFF2-40B4-BE49-F238E27FC236}">
-                  <a16:creationId xmlns:a16="http://schemas.microsoft.com/office/drawing/2014/main" id="{6C0E7A88-FEDF-4C4F-A6B4-F7DDE9DE926A}"/>
-                </a:ext>
-                <a:ext uri="{C183D7F6-B498-43B3-948B-1728B52AA6E4}">
-                  <adec:decorative xmlns:adec="http://schemas.microsoft.com/office/drawing/2017/decorative" val="1"/>
-                </a:ext>
-              </a:extLst>
-            </p:cNvPr>
-            <p:cNvGrpSpPr/>
-            <p:nvPr>
-              <p:extLst>
-                <p:ext uri="{386F3935-93C4-4BCD-93E2-E3B085C9AB24}">
-                  <p16:designElem xmlns:p16="http://schemas.microsoft.com/office/powerpoint/2015/main" val="1"/>
-                </p:ext>
-              </p:extLst>
-            </p:nvPr>
-          </p:nvGrpSpPr>
-          <p:grpSpPr>
-            <a:xfrm>
-              <a:off x="11227597" y="0"/>
-              <a:ext cx="674688" cy="6848476"/>
-              <a:chOff x="11364912" y="0"/>
-              <a:chExt cx="674688" cy="6848476"/>
-            </a:xfrm>
-            <a:gradFill flip="none" rotWithShape="1">
-              <a:gsLst>
-                <a:gs pos="0">
-                  <a:schemeClr val="bg2"/>
-                </a:gs>
-                <a:gs pos="100000">
-                  <a:schemeClr val="tx2">
-                    <a:lumMod val="60000"/>
-                    <a:lumOff val="40000"/>
-                  </a:schemeClr>
-                </a:gs>
-              </a:gsLst>
-              <a:lin ang="5400000" scaled="0"/>
-              <a:tileRect/>
-            </a:gradFill>
-          </p:grpSpPr>
-          <p:sp>
-            <p:nvSpPr>
-              <p:cNvPr id="18" name="Freeform 32">
-                <a:extLst>
-                  <a:ext uri="{FF2B5EF4-FFF2-40B4-BE49-F238E27FC236}">
-                    <a16:creationId xmlns:a16="http://schemas.microsoft.com/office/drawing/2014/main" id="{AE94B3EE-D5C0-4BDE-B6AA-7599F0486EA5}"/>
-                  </a:ext>
-                  <a:ext uri="{C183D7F6-B498-43B3-948B-1728B52AA6E4}">
-                    <adec:decorative xmlns:adec="http://schemas.microsoft.com/office/drawing/2017/decorative" val="1"/>
-                  </a:ext>
-                </a:extLst>
-              </p:cNvPr>
-              <p:cNvSpPr/>
-              <p:nvPr>
-                <p:extLst>
-                  <p:ext uri="{386F3935-93C4-4BCD-93E2-E3B085C9AB24}">
-                    <p16:designElem xmlns:p16="http://schemas.microsoft.com/office/powerpoint/2015/main" val="1"/>
-                  </p:ext>
-                </p:extLst>
-              </p:nvPr>
-            </p:nvSpPr>
-            <p:spPr bwMode="auto">
-              <a:xfrm>
-                <a:off x="11483975" y="0"/>
-                <a:ext cx="417513" cy="512763"/>
-              </a:xfrm>
-              <a:custGeom>
-                <a:avLst/>
-                <a:gdLst/>
-                <a:ahLst/>
-                <a:cxnLst/>
-                <a:rect l="0" t="0" r="r" b="b"/>
-                <a:pathLst>
-                  <a:path w="263" h="323">
-                    <a:moveTo>
-                      <a:pt x="12" y="323"/>
-                    </a:moveTo>
-                    <a:lnTo>
-                      <a:pt x="0" y="314"/>
-                    </a:lnTo>
-                    <a:lnTo>
-                      <a:pt x="203" y="108"/>
-                    </a:lnTo>
-                    <a:lnTo>
-                      <a:pt x="248" y="0"/>
-                    </a:lnTo>
-                    <a:lnTo>
-                      <a:pt x="263" y="6"/>
-                    </a:lnTo>
-                    <a:lnTo>
-                      <a:pt x="218" y="117"/>
-                    </a:lnTo>
-                    <a:lnTo>
-                      <a:pt x="218" y="117"/>
-                    </a:lnTo>
-                    <a:lnTo>
-                      <a:pt x="12" y="323"/>
-                    </a:lnTo>
-                    <a:close/>
-                  </a:path>
-                </a:pathLst>
-              </a:custGeom>
-              <a:grpFill/>
-              <a:ln>
-                <a:noFill/>
-              </a:ln>
-              <a:extLst>
-                <a:ext uri="{91240B29-F687-4f45-9708-019B960494DF}">
-                  <a14:hiddenLine xmlns:a14="http://schemas.microsoft.com/office/drawing/2010/main" xmlns:p14="http://schemas.microsoft.com/office/powerpoint/2010/main" xmlns:a16="http://schemas.microsoft.com/office/drawing/2014/main" xmlns="" w="9525">
-                    <a:solidFill>
-                      <a:srgbClr val="000000"/>
-                    </a:solidFill>
-                    <a:round/>
-                    <a:headEnd/>
-                    <a:tailEnd/>
-                  </a14:hiddenLine>
-                </a:ext>
-              </a:extLst>
-            </p:spPr>
-          </p:sp>
-          <p:sp>
-            <p:nvSpPr>
-              <p:cNvPr id="19" name="Freeform 33">
-                <a:extLst>
-                  <a:ext uri="{FF2B5EF4-FFF2-40B4-BE49-F238E27FC236}">
-                    <a16:creationId xmlns:a16="http://schemas.microsoft.com/office/drawing/2014/main" id="{5EF110E8-C00D-454E-8F3A-ECF2D356676F}"/>
-                  </a:ext>
-                  <a:ext uri="{C183D7F6-B498-43B3-948B-1728B52AA6E4}">
-                    <adec:decorative xmlns:adec="http://schemas.microsoft.com/office/drawing/2017/decorative" val="1"/>
-                  </a:ext>
-                </a:extLst>
-              </p:cNvPr>
-              <p:cNvSpPr>
-                <a:spLocks noEditPoints="1"/>
-              </p:cNvSpPr>
-              <p:nvPr>
-                <p:extLst>
-                  <p:ext uri="{386F3935-93C4-4BCD-93E2-E3B085C9AB24}">
-                    <p16:designElem xmlns:p16="http://schemas.microsoft.com/office/powerpoint/2015/main" val="1"/>
-                  </p:ext>
-                </p:extLst>
-              </p:nvPr>
-            </p:nvSpPr>
-            <p:spPr bwMode="auto">
-              <a:xfrm>
-                <a:off x="11364912" y="474663"/>
-                <a:ext cx="157163" cy="152400"/>
-              </a:xfrm>
-              <a:custGeom>
-                <a:avLst/>
-                <a:gdLst/>
-                <a:ahLst/>
-                <a:cxnLst/>
-                <a:rect l="0" t="0" r="r" b="b"/>
-                <a:pathLst>
-                  <a:path w="33" h="32">
-                    <a:moveTo>
-                      <a:pt x="17" y="32"/>
-                    </a:moveTo>
-                    <a:cubicBezTo>
-                      <a:pt x="13" y="32"/>
-                      <a:pt x="9" y="30"/>
-                      <a:pt x="6" y="27"/>
-                    </a:cubicBezTo>
-                    <a:cubicBezTo>
-                      <a:pt x="0" y="21"/>
-                      <a:pt x="0" y="11"/>
-                      <a:pt x="6" y="5"/>
-                    </a:cubicBezTo>
-                    <a:cubicBezTo>
-                      <a:pt x="9" y="2"/>
-                      <a:pt x="13" y="0"/>
-                      <a:pt x="17" y="0"/>
-                    </a:cubicBezTo>
-                    <a:cubicBezTo>
-                      <a:pt x="21" y="0"/>
-                      <a:pt x="25" y="2"/>
-                      <a:pt x="28" y="5"/>
-                    </a:cubicBezTo>
-                    <a:cubicBezTo>
-                      <a:pt x="31" y="8"/>
-                      <a:pt x="33" y="12"/>
-                      <a:pt x="33" y="16"/>
-                    </a:cubicBezTo>
-                    <a:cubicBezTo>
-                      <a:pt x="33" y="20"/>
-                      <a:pt x="31" y="24"/>
-                      <a:pt x="28" y="27"/>
-                    </a:cubicBezTo>
-                    <a:cubicBezTo>
-                      <a:pt x="25" y="30"/>
-                      <a:pt x="21" y="32"/>
-                      <a:pt x="17" y="32"/>
-                    </a:cubicBezTo>
-                    <a:close/>
-                    <a:moveTo>
-                      <a:pt x="17" y="4"/>
-                    </a:moveTo>
-                    <a:cubicBezTo>
-                      <a:pt x="14" y="4"/>
-                      <a:pt x="11" y="6"/>
-                      <a:pt x="9" y="8"/>
-                    </a:cubicBezTo>
-                    <a:cubicBezTo>
-                      <a:pt x="4" y="12"/>
-                      <a:pt x="4" y="20"/>
-                      <a:pt x="9" y="24"/>
-                    </a:cubicBezTo>
-                    <a:cubicBezTo>
-                      <a:pt x="11" y="27"/>
-                      <a:pt x="14" y="28"/>
-                      <a:pt x="17" y="28"/>
-                    </a:cubicBezTo>
-                    <a:cubicBezTo>
-                      <a:pt x="20" y="28"/>
-                      <a:pt x="23" y="27"/>
-                      <a:pt x="26" y="24"/>
-                    </a:cubicBezTo>
-                    <a:cubicBezTo>
-                      <a:pt x="30" y="20"/>
-                      <a:pt x="30" y="12"/>
-                      <a:pt x="26" y="8"/>
-                    </a:cubicBezTo>
-                    <a:cubicBezTo>
-                      <a:pt x="23" y="6"/>
-                      <a:pt x="20" y="4"/>
-                      <a:pt x="17" y="4"/>
-                    </a:cubicBezTo>
-                    <a:close/>
-                  </a:path>
-                </a:pathLst>
-              </a:custGeom>
-              <a:grpFill/>
-              <a:ln>
-                <a:noFill/>
-              </a:ln>
-              <a:extLst>
-                <a:ext uri="{91240B29-F687-4f45-9708-019B960494DF}">
-                  <a14:hiddenLine xmlns:a14="http://schemas.microsoft.com/office/drawing/2010/main" xmlns:p14="http://schemas.microsoft.com/office/powerpoint/2010/main" xmlns:a16="http://schemas.microsoft.com/office/drawing/2014/main" xmlns="" w="9525">
-                    <a:solidFill>
-                      <a:srgbClr val="000000"/>
-                    </a:solidFill>
-                    <a:round/>
-                    <a:headEnd/>
-                    <a:tailEnd/>
-                  </a14:hiddenLine>
-                </a:ext>
-              </a:extLst>
-            </p:spPr>
-          </p:sp>
-          <p:sp>
-            <p:nvSpPr>
-              <p:cNvPr id="20" name="Freeform 34">
-                <a:extLst>
-                  <a:ext uri="{FF2B5EF4-FFF2-40B4-BE49-F238E27FC236}">
-                    <a16:creationId xmlns:a16="http://schemas.microsoft.com/office/drawing/2014/main" id="{BFC5F327-6927-4F35-9AF6-C45527BB4512}"/>
-                  </a:ext>
-                  <a:ext uri="{C183D7F6-B498-43B3-948B-1728B52AA6E4}">
-                    <adec:decorative xmlns:adec="http://schemas.microsoft.com/office/drawing/2017/decorative" val="1"/>
-                  </a:ext>
-                </a:extLst>
-              </p:cNvPr>
-              <p:cNvSpPr>
-                <a:spLocks noEditPoints="1"/>
-              </p:cNvSpPr>
-              <p:nvPr>
-                <p:extLst>
-                  <p:ext uri="{386F3935-93C4-4BCD-93E2-E3B085C9AB24}">
-                    <p16:designElem xmlns:p16="http://schemas.microsoft.com/office/powerpoint/2015/main" val="1"/>
-                  </p:ext>
-                </p:extLst>
-              </p:nvPr>
-            </p:nvSpPr>
-            <p:spPr bwMode="auto">
-              <a:xfrm>
-                <a:off x="11631612" y="1539875"/>
-                <a:ext cx="188913" cy="190500"/>
-              </a:xfrm>
-              <a:custGeom>
-                <a:avLst/>
-                <a:gdLst/>
-                <a:ahLst/>
-                <a:cxnLst/>
-                <a:rect l="0" t="0" r="r" b="b"/>
-                <a:pathLst>
-                  <a:path w="40" h="40">
-                    <a:moveTo>
-                      <a:pt x="20" y="40"/>
-                    </a:moveTo>
-                    <a:cubicBezTo>
-                      <a:pt x="9" y="40"/>
-                      <a:pt x="0" y="31"/>
-                      <a:pt x="0" y="20"/>
-                    </a:cubicBezTo>
-                    <a:cubicBezTo>
-                      <a:pt x="0" y="9"/>
-                      <a:pt x="9" y="0"/>
-                      <a:pt x="20" y="0"/>
-                    </a:cubicBezTo>
-                    <a:cubicBezTo>
-                      <a:pt x="31" y="0"/>
-                      <a:pt x="40" y="9"/>
-                      <a:pt x="40" y="20"/>
-                    </a:cubicBezTo>
-                    <a:cubicBezTo>
-                      <a:pt x="40" y="31"/>
-                      <a:pt x="31" y="40"/>
-                      <a:pt x="20" y="40"/>
-                    </a:cubicBezTo>
-                    <a:close/>
-                    <a:moveTo>
-                      <a:pt x="20" y="4"/>
-                    </a:moveTo>
-                    <a:cubicBezTo>
-                      <a:pt x="11" y="4"/>
-                      <a:pt x="4" y="11"/>
-                      <a:pt x="4" y="20"/>
-                    </a:cubicBezTo>
-                    <a:cubicBezTo>
-                      <a:pt x="4" y="29"/>
-                      <a:pt x="11" y="36"/>
-                      <a:pt x="20" y="36"/>
-                    </a:cubicBezTo>
-                    <a:cubicBezTo>
-                      <a:pt x="29" y="36"/>
-                      <a:pt x="36" y="29"/>
-                      <a:pt x="36" y="20"/>
-                    </a:cubicBezTo>
-                    <a:cubicBezTo>
-                      <a:pt x="36" y="11"/>
-                      <a:pt x="29" y="4"/>
-                      <a:pt x="20" y="4"/>
-                    </a:cubicBezTo>
-                    <a:close/>
-                  </a:path>
-                </a:pathLst>
-              </a:custGeom>
-              <a:grpFill/>
-              <a:ln>
-                <a:noFill/>
-              </a:ln>
-              <a:extLst>
-                <a:ext uri="{91240B29-F687-4f45-9708-019B960494DF}">
-                  <a14:hiddenLine xmlns:a14="http://schemas.microsoft.com/office/drawing/2010/main" xmlns:p14="http://schemas.microsoft.com/office/powerpoint/2010/main" xmlns:a16="http://schemas.microsoft.com/office/drawing/2014/main" xmlns="" w="9525">
-                    <a:solidFill>
-                      <a:srgbClr val="000000"/>
-                    </a:solidFill>
-                    <a:round/>
-                    <a:headEnd/>
-                    <a:tailEnd/>
-                  </a14:hiddenLine>
-                </a:ext>
-              </a:extLst>
-            </p:spPr>
-          </p:sp>
-          <p:sp>
-            <p:nvSpPr>
-              <p:cNvPr id="21" name="Freeform 35">
-                <a:extLst>
-                  <a:ext uri="{FF2B5EF4-FFF2-40B4-BE49-F238E27FC236}">
-                    <a16:creationId xmlns:a16="http://schemas.microsoft.com/office/drawing/2014/main" id="{BF2D314D-AEDE-418D-9702-D3CDB98C30FB}"/>
-                  </a:ext>
-                  <a:ext uri="{C183D7F6-B498-43B3-948B-1728B52AA6E4}">
-                    <adec:decorative xmlns:adec="http://schemas.microsoft.com/office/drawing/2017/decorative" val="1"/>
-                  </a:ext>
-                </a:extLst>
-              </p:cNvPr>
-              <p:cNvSpPr/>
-              <p:nvPr>
-                <p:extLst>
-                  <p:ext uri="{386F3935-93C4-4BCD-93E2-E3B085C9AB24}">
-                    <p16:designElem xmlns:p16="http://schemas.microsoft.com/office/powerpoint/2015/main" val="1"/>
-                  </p:ext>
-                </p:extLst>
-              </p:nvPr>
-            </p:nvSpPr>
-            <p:spPr bwMode="auto">
-              <a:xfrm>
-                <a:off x="11531600" y="5694363"/>
-                <a:ext cx="298450" cy="1154113"/>
-              </a:xfrm>
-              <a:custGeom>
-                <a:avLst/>
-                <a:gdLst/>
-                <a:ahLst/>
-                <a:cxnLst/>
-                <a:rect l="0" t="0" r="r" b="b"/>
-                <a:pathLst>
-                  <a:path w="188" h="727">
-                    <a:moveTo>
-                      <a:pt x="15" y="727"/>
-                    </a:moveTo>
-                    <a:lnTo>
-                      <a:pt x="0" y="727"/>
-                    </a:lnTo>
-                    <a:lnTo>
-                      <a:pt x="0" y="407"/>
-                    </a:lnTo>
-                    <a:lnTo>
-                      <a:pt x="0" y="407"/>
-                    </a:lnTo>
-                    <a:lnTo>
-                      <a:pt x="176" y="0"/>
-                    </a:lnTo>
-                    <a:lnTo>
-                      <a:pt x="188" y="6"/>
-                    </a:lnTo>
-                    <a:lnTo>
-                      <a:pt x="15" y="410"/>
-                    </a:lnTo>
-                    <a:lnTo>
-                      <a:pt x="15" y="727"/>
-                    </a:lnTo>
-                    <a:close/>
-                  </a:path>
-                </a:pathLst>
-              </a:custGeom>
-              <a:grpFill/>
-              <a:ln>
-                <a:noFill/>
-              </a:ln>
-              <a:extLst>
-                <a:ext uri="{91240B29-F687-4f45-9708-019B960494DF}">
-                  <a14:hiddenLine xmlns:a14="http://schemas.microsoft.com/office/drawing/2010/main" xmlns:p14="http://schemas.microsoft.com/office/powerpoint/2010/main" xmlns:a16="http://schemas.microsoft.com/office/drawing/2014/main" xmlns="" w="9525">
-                    <a:solidFill>
-                      <a:srgbClr val="000000"/>
-                    </a:solidFill>
-                    <a:round/>
-                    <a:headEnd/>
-                    <a:tailEnd/>
-                  </a14:hiddenLine>
-                </a:ext>
-              </a:extLst>
-            </p:spPr>
-          </p:sp>
-          <p:sp>
-            <p:nvSpPr>
-              <p:cNvPr id="22" name="Freeform 36">
-                <a:extLst>
-                  <a:ext uri="{FF2B5EF4-FFF2-40B4-BE49-F238E27FC236}">
-                    <a16:creationId xmlns:a16="http://schemas.microsoft.com/office/drawing/2014/main" id="{64FD07F8-3CA6-4209-9A9E-30609FE9A36D}"/>
-                  </a:ext>
-                  <a:ext uri="{C183D7F6-B498-43B3-948B-1728B52AA6E4}">
-                    <adec:decorative xmlns:adec="http://schemas.microsoft.com/office/drawing/2017/decorative" val="1"/>
-                  </a:ext>
-                </a:extLst>
-              </p:cNvPr>
-              <p:cNvSpPr>
-                <a:spLocks noEditPoints="1"/>
-              </p:cNvSpPr>
-              <p:nvPr>
-                <p:extLst>
-                  <p:ext uri="{386F3935-93C4-4BCD-93E2-E3B085C9AB24}">
-                    <p16:designElem xmlns:p16="http://schemas.microsoft.com/office/powerpoint/2015/main" val="1"/>
-                  </p:ext>
-                </p:extLst>
-              </p:nvPr>
-            </p:nvSpPr>
-            <p:spPr bwMode="auto">
-              <a:xfrm>
-                <a:off x="11772900" y="5551488"/>
-                <a:ext cx="157163" cy="155575"/>
-              </a:xfrm>
-              <a:custGeom>
-                <a:avLst/>
-                <a:gdLst/>
-                <a:ahLst/>
-                <a:cxnLst/>
-                <a:rect l="0" t="0" r="r" b="b"/>
-                <a:pathLst>
-                  <a:path w="33" h="33">
-                    <a:moveTo>
-                      <a:pt x="17" y="33"/>
-                    </a:moveTo>
-                    <a:cubicBezTo>
-                      <a:pt x="8" y="33"/>
-                      <a:pt x="0" y="25"/>
-                      <a:pt x="0" y="16"/>
-                    </a:cubicBezTo>
-                    <a:cubicBezTo>
-                      <a:pt x="0" y="7"/>
-                      <a:pt x="8" y="0"/>
-                      <a:pt x="17" y="0"/>
-                    </a:cubicBezTo>
-                    <a:cubicBezTo>
-                      <a:pt x="26" y="0"/>
-                      <a:pt x="33" y="7"/>
-                      <a:pt x="33" y="16"/>
-                    </a:cubicBezTo>
-                    <a:cubicBezTo>
-                      <a:pt x="33" y="25"/>
-                      <a:pt x="26" y="33"/>
-                      <a:pt x="17" y="33"/>
-                    </a:cubicBezTo>
-                    <a:close/>
-                    <a:moveTo>
-                      <a:pt x="17" y="4"/>
-                    </a:moveTo>
-                    <a:cubicBezTo>
-                      <a:pt x="10" y="4"/>
-                      <a:pt x="4" y="9"/>
-                      <a:pt x="4" y="16"/>
-                    </a:cubicBezTo>
-                    <a:cubicBezTo>
-                      <a:pt x="4" y="23"/>
-                      <a:pt x="10" y="29"/>
-                      <a:pt x="17" y="29"/>
-                    </a:cubicBezTo>
-                    <a:cubicBezTo>
-                      <a:pt x="23" y="29"/>
-                      <a:pt x="29" y="23"/>
-                      <a:pt x="29" y="16"/>
-                    </a:cubicBezTo>
-                    <a:cubicBezTo>
-                      <a:pt x="29" y="9"/>
-                      <a:pt x="23" y="4"/>
-                      <a:pt x="17" y="4"/>
-                    </a:cubicBezTo>
-                    <a:close/>
-                  </a:path>
-                </a:pathLst>
-              </a:custGeom>
-              <a:grpFill/>
-              <a:ln>
-                <a:noFill/>
-              </a:ln>
-              <a:extLst>
-                <a:ext uri="{91240B29-F687-4f45-9708-019B960494DF}">
-                  <a14:hiddenLine xmlns:a14="http://schemas.microsoft.com/office/drawing/2010/main" xmlns:p14="http://schemas.microsoft.com/office/powerpoint/2010/main" xmlns:a16="http://schemas.microsoft.com/office/drawing/2014/main" xmlns="" w="9525">
-                    <a:solidFill>
-                      <a:srgbClr val="000000"/>
-                    </a:solidFill>
-                    <a:round/>
-                    <a:headEnd/>
-                    <a:tailEnd/>
-                  </a14:hiddenLine>
-                </a:ext>
-              </a:extLst>
-            </p:spPr>
-          </p:sp>
-          <p:sp>
-            <p:nvSpPr>
-              <p:cNvPr id="23" name="Freeform 37">
-                <a:extLst>
-                  <a:ext uri="{FF2B5EF4-FFF2-40B4-BE49-F238E27FC236}">
-                    <a16:creationId xmlns:a16="http://schemas.microsoft.com/office/drawing/2014/main" id="{AB0AE24D-CD49-4B57-82E0-780F62AE4FDE}"/>
-                  </a:ext>
-                  <a:ext uri="{C183D7F6-B498-43B3-948B-1728B52AA6E4}">
-                    <adec:decorative xmlns:adec="http://schemas.microsoft.com/office/drawing/2017/decorative" val="1"/>
-                  </a:ext>
-                </a:extLst>
-              </p:cNvPr>
-              <p:cNvSpPr/>
-              <p:nvPr>
-                <p:extLst>
-                  <p:ext uri="{386F3935-93C4-4BCD-93E2-E3B085C9AB24}">
-                    <p16:designElem xmlns:p16="http://schemas.microsoft.com/office/powerpoint/2015/main" val="1"/>
-                  </p:ext>
-                </p:extLst>
-              </p:nvPr>
-            </p:nvSpPr>
-            <p:spPr bwMode="auto">
-              <a:xfrm>
-                <a:off x="11710987" y="4763"/>
-                <a:ext cx="304800" cy="1544638"/>
-              </a:xfrm>
-              <a:custGeom>
-                <a:avLst/>
-                <a:gdLst/>
-                <a:ahLst/>
-                <a:cxnLst/>
-                <a:rect l="0" t="0" r="r" b="b"/>
-                <a:pathLst>
-                  <a:path w="192" h="973">
-                    <a:moveTo>
-                      <a:pt x="15" y="973"/>
-                    </a:moveTo>
-                    <a:lnTo>
-                      <a:pt x="0" y="973"/>
-                    </a:lnTo>
-                    <a:lnTo>
-                      <a:pt x="0" y="790"/>
-                    </a:lnTo>
-                    <a:lnTo>
-                      <a:pt x="174" y="614"/>
-                    </a:lnTo>
-                    <a:lnTo>
-                      <a:pt x="174" y="0"/>
-                    </a:lnTo>
-                    <a:lnTo>
-                      <a:pt x="192" y="0"/>
-                    </a:lnTo>
-                    <a:lnTo>
-                      <a:pt x="192" y="620"/>
-                    </a:lnTo>
-                    <a:lnTo>
-                      <a:pt x="15" y="796"/>
-                    </a:lnTo>
-                    <a:lnTo>
-                      <a:pt x="15" y="973"/>
-                    </a:lnTo>
-                    <a:close/>
-                  </a:path>
-                </a:pathLst>
-              </a:custGeom>
-              <a:grpFill/>
-              <a:ln>
-                <a:noFill/>
-              </a:ln>
-              <a:extLst>
-                <a:ext uri="{91240B29-F687-4f45-9708-019B960494DF}">
-                  <a14:hiddenLine xmlns:a14="http://schemas.microsoft.com/office/drawing/2010/main" xmlns:p14="http://schemas.microsoft.com/office/powerpoint/2010/main" xmlns:a16="http://schemas.microsoft.com/office/drawing/2014/main" xmlns="" w="9525">
-                    <a:solidFill>
-                      <a:srgbClr val="000000"/>
-                    </a:solidFill>
-                    <a:round/>
-                    <a:headEnd/>
-                    <a:tailEnd/>
-                  </a14:hiddenLine>
-                </a:ext>
-              </a:extLst>
-            </p:spPr>
-          </p:sp>
-          <p:sp>
-            <p:nvSpPr>
-              <p:cNvPr id="24" name="Freeform 38">
-                <a:extLst>
-                  <a:ext uri="{FF2B5EF4-FFF2-40B4-BE49-F238E27FC236}">
-                    <a16:creationId xmlns:a16="http://schemas.microsoft.com/office/drawing/2014/main" id="{66803AF8-6368-45E6-A0B7-C0C4CFFEEB51}"/>
-                  </a:ext>
-                  <a:ext uri="{C183D7F6-B498-43B3-948B-1728B52AA6E4}">
-                    <adec:decorative xmlns:adec="http://schemas.microsoft.com/office/drawing/2017/decorative" val="1"/>
-                  </a:ext>
-                </a:extLst>
-              </p:cNvPr>
-              <p:cNvSpPr>
-                <a:spLocks noEditPoints="1"/>
-              </p:cNvSpPr>
-              <p:nvPr>
-                <p:extLst>
-                  <p:ext uri="{386F3935-93C4-4BCD-93E2-E3B085C9AB24}">
-                    <p16:designElem xmlns:p16="http://schemas.microsoft.com/office/powerpoint/2015/main" val="1"/>
-                  </p:ext>
-                </p:extLst>
-              </p:nvPr>
-            </p:nvSpPr>
-            <p:spPr bwMode="auto">
-              <a:xfrm>
-                <a:off x="11636375" y="4867275"/>
-                <a:ext cx="188913" cy="188913"/>
-              </a:xfrm>
-              <a:custGeom>
-                <a:avLst/>
-                <a:gdLst/>
-                <a:ahLst/>
-                <a:cxnLst/>
-                <a:rect l="0" t="0" r="r" b="b"/>
-                <a:pathLst>
-                  <a:path w="40" h="40">
-                    <a:moveTo>
-                      <a:pt x="20" y="40"/>
-                    </a:moveTo>
-                    <a:cubicBezTo>
-                      <a:pt x="9" y="40"/>
-                      <a:pt x="0" y="31"/>
-                      <a:pt x="0" y="20"/>
-                    </a:cubicBezTo>
-                    <a:cubicBezTo>
-                      <a:pt x="0" y="9"/>
-                      <a:pt x="9" y="0"/>
-                      <a:pt x="20" y="0"/>
-                    </a:cubicBezTo>
-                    <a:cubicBezTo>
-                      <a:pt x="31" y="0"/>
-                      <a:pt x="40" y="9"/>
-                      <a:pt x="40" y="20"/>
-                    </a:cubicBezTo>
-                    <a:cubicBezTo>
-                      <a:pt x="40" y="31"/>
-                      <a:pt x="31" y="40"/>
-                      <a:pt x="20" y="40"/>
-                    </a:cubicBezTo>
-                    <a:close/>
-                    <a:moveTo>
-                      <a:pt x="20" y="4"/>
-                    </a:moveTo>
-                    <a:cubicBezTo>
-                      <a:pt x="11" y="4"/>
-                      <a:pt x="4" y="11"/>
-                      <a:pt x="4" y="20"/>
-                    </a:cubicBezTo>
-                    <a:cubicBezTo>
-                      <a:pt x="4" y="29"/>
-                      <a:pt x="11" y="36"/>
-                      <a:pt x="20" y="36"/>
-                    </a:cubicBezTo>
-                    <a:cubicBezTo>
-                      <a:pt x="29" y="36"/>
-                      <a:pt x="36" y="29"/>
-                      <a:pt x="36" y="20"/>
-                    </a:cubicBezTo>
-                    <a:cubicBezTo>
-                      <a:pt x="36" y="11"/>
-                      <a:pt x="29" y="4"/>
-                      <a:pt x="20" y="4"/>
-                    </a:cubicBezTo>
-                    <a:close/>
-                  </a:path>
-                </a:pathLst>
-              </a:custGeom>
-              <a:grpFill/>
-              <a:ln>
-                <a:noFill/>
-              </a:ln>
-              <a:extLst>
-                <a:ext uri="{91240B29-F687-4f45-9708-019B960494DF}">
-                  <a14:hiddenLine xmlns:a14="http://schemas.microsoft.com/office/drawing/2010/main" xmlns:p14="http://schemas.microsoft.com/office/powerpoint/2010/main" xmlns:a16="http://schemas.microsoft.com/office/drawing/2014/main" xmlns="" w="9525">
-                    <a:solidFill>
-                      <a:srgbClr val="000000"/>
-                    </a:solidFill>
-                    <a:round/>
-                    <a:headEnd/>
-                    <a:tailEnd/>
-                  </a14:hiddenLine>
-                </a:ext>
-              </a:extLst>
-            </p:spPr>
-          </p:sp>
-          <p:sp>
-            <p:nvSpPr>
-              <p:cNvPr id="25" name="Freeform 39">
-                <a:extLst>
-                  <a:ext uri="{FF2B5EF4-FFF2-40B4-BE49-F238E27FC236}">
-                    <a16:creationId xmlns:a16="http://schemas.microsoft.com/office/drawing/2014/main" id="{B4761E05-2792-472B-A814-9616151CF305}"/>
-                  </a:ext>
-                  <a:ext uri="{C183D7F6-B498-43B3-948B-1728B52AA6E4}">
-                    <adec:decorative xmlns:adec="http://schemas.microsoft.com/office/drawing/2017/decorative" val="1"/>
-                  </a:ext>
-                </a:extLst>
-              </p:cNvPr>
-              <p:cNvSpPr/>
-              <p:nvPr>
-                <p:extLst>
-                  <p:ext uri="{386F3935-93C4-4BCD-93E2-E3B085C9AB24}">
-                    <p16:designElem xmlns:p16="http://schemas.microsoft.com/office/powerpoint/2015/main" val="1"/>
-                  </p:ext>
-                </p:extLst>
-              </p:nvPr>
-            </p:nvSpPr>
-            <p:spPr bwMode="auto">
-              <a:xfrm>
-                <a:off x="11441112" y="5046663"/>
-                <a:ext cx="307975" cy="1801813"/>
-              </a:xfrm>
-              <a:custGeom>
-                <a:avLst/>
-                <a:gdLst/>
-                <a:ahLst/>
-                <a:cxnLst/>
-                <a:rect l="0" t="0" r="r" b="b"/>
-                <a:pathLst>
-                  <a:path w="194" h="1135">
-                    <a:moveTo>
-                      <a:pt x="18" y="1135"/>
-                    </a:moveTo>
-                    <a:lnTo>
-                      <a:pt x="0" y="1135"/>
-                    </a:lnTo>
-                    <a:lnTo>
-                      <a:pt x="0" y="354"/>
-                    </a:lnTo>
-                    <a:lnTo>
-                      <a:pt x="176" y="177"/>
-                    </a:lnTo>
-                    <a:lnTo>
-                      <a:pt x="176" y="0"/>
-                    </a:lnTo>
-                    <a:lnTo>
-                      <a:pt x="194" y="0"/>
-                    </a:lnTo>
-                    <a:lnTo>
-                      <a:pt x="194" y="183"/>
-                    </a:lnTo>
-                    <a:lnTo>
-                      <a:pt x="18" y="360"/>
-                    </a:lnTo>
-                    <a:lnTo>
-                      <a:pt x="18" y="1135"/>
-                    </a:lnTo>
-                    <a:close/>
-                  </a:path>
-                </a:pathLst>
-              </a:custGeom>
-              <a:grpFill/>
-              <a:ln>
-                <a:noFill/>
-              </a:ln>
-              <a:extLst>
-                <a:ext uri="{91240B29-F687-4f45-9708-019B960494DF}">
-                  <a14:hiddenLine xmlns:a14="http://schemas.microsoft.com/office/drawing/2010/main" xmlns:p14="http://schemas.microsoft.com/office/powerpoint/2010/main" xmlns:a16="http://schemas.microsoft.com/office/drawing/2014/main" xmlns="" w="9525">
-                    <a:solidFill>
-                      <a:srgbClr val="000000"/>
-                    </a:solidFill>
-                    <a:round/>
-                    <a:headEnd/>
-                    <a:tailEnd/>
-                  </a14:hiddenLine>
-                </a:ext>
-              </a:extLst>
-            </p:spPr>
-          </p:sp>
-          <p:sp>
-            <p:nvSpPr>
-              <p:cNvPr id="26" name="Freeform 40">
-                <a:extLst>
-                  <a:ext uri="{FF2B5EF4-FFF2-40B4-BE49-F238E27FC236}">
-                    <a16:creationId xmlns:a16="http://schemas.microsoft.com/office/drawing/2014/main" id="{40B6A261-9427-4E70-9564-048AD009BD83}"/>
-                  </a:ext>
-                  <a:ext uri="{C183D7F6-B498-43B3-948B-1728B52AA6E4}">
-                    <adec:decorative xmlns:adec="http://schemas.microsoft.com/office/drawing/2017/decorative" val="1"/>
-                  </a:ext>
-                </a:extLst>
-              </p:cNvPr>
-              <p:cNvSpPr>
-                <a:spLocks noEditPoints="1"/>
-              </p:cNvSpPr>
-              <p:nvPr>
-                <p:extLst>
-                  <p:ext uri="{386F3935-93C4-4BCD-93E2-E3B085C9AB24}">
-                    <p16:designElem xmlns:p16="http://schemas.microsoft.com/office/powerpoint/2015/main" val="1"/>
-                  </p:ext>
-                </p:extLst>
-              </p:nvPr>
-            </p:nvSpPr>
-            <p:spPr bwMode="auto">
-              <a:xfrm>
-                <a:off x="11849100" y="6416675"/>
-                <a:ext cx="190500" cy="188913"/>
-              </a:xfrm>
-              <a:custGeom>
-                <a:avLst/>
-                <a:gdLst/>
-                <a:ahLst/>
-                <a:cxnLst/>
-                <a:rect l="0" t="0" r="r" b="b"/>
-                <a:pathLst>
-                  <a:path w="40" h="40">
-                    <a:moveTo>
-                      <a:pt x="20" y="40"/>
-                    </a:moveTo>
-                    <a:cubicBezTo>
-                      <a:pt x="9" y="40"/>
-                      <a:pt x="0" y="31"/>
-                      <a:pt x="0" y="20"/>
-                    </a:cubicBezTo>
-                    <a:cubicBezTo>
-                      <a:pt x="0" y="9"/>
-                      <a:pt x="9" y="0"/>
-                      <a:pt x="20" y="0"/>
-                    </a:cubicBezTo>
-                    <a:cubicBezTo>
-                      <a:pt x="31" y="0"/>
-                      <a:pt x="40" y="9"/>
-                      <a:pt x="40" y="20"/>
-                    </a:cubicBezTo>
-                    <a:cubicBezTo>
-                      <a:pt x="40" y="31"/>
-                      <a:pt x="31" y="40"/>
-                      <a:pt x="20" y="40"/>
-                    </a:cubicBezTo>
-                    <a:close/>
-                    <a:moveTo>
-                      <a:pt x="20" y="4"/>
-                    </a:moveTo>
-                    <a:cubicBezTo>
-                      <a:pt x="12" y="4"/>
-                      <a:pt x="4" y="11"/>
-                      <a:pt x="4" y="20"/>
-                    </a:cubicBezTo>
-                    <a:cubicBezTo>
-                      <a:pt x="4" y="29"/>
-                      <a:pt x="12" y="36"/>
-                      <a:pt x="20" y="36"/>
-                    </a:cubicBezTo>
-                    <a:cubicBezTo>
-                      <a:pt x="29" y="36"/>
-                      <a:pt x="36" y="29"/>
-                      <a:pt x="36" y="20"/>
-                    </a:cubicBezTo>
-                    <a:cubicBezTo>
-                      <a:pt x="36" y="11"/>
-                      <a:pt x="29" y="4"/>
-                      <a:pt x="20" y="4"/>
-                    </a:cubicBezTo>
-                    <a:close/>
-                  </a:path>
-                </a:pathLst>
-              </a:custGeom>
-              <a:grpFill/>
-              <a:ln>
-                <a:noFill/>
-              </a:ln>
-              <a:extLst>
-                <a:ext uri="{91240B29-F687-4f45-9708-019B960494DF}">
-                  <a14:hiddenLine xmlns:a14="http://schemas.microsoft.com/office/drawing/2010/main" xmlns:p14="http://schemas.microsoft.com/office/powerpoint/2010/main" xmlns:a16="http://schemas.microsoft.com/office/drawing/2014/main" xmlns="" w="9525">
-                    <a:solidFill>
-                      <a:srgbClr val="000000"/>
-                    </a:solidFill>
-                    <a:round/>
-                    <a:headEnd/>
-                    <a:tailEnd/>
-                  </a14:hiddenLine>
-                </a:ext>
-              </a:extLst>
-            </p:spPr>
-          </p:sp>
-          <p:sp>
-            <p:nvSpPr>
-              <p:cNvPr id="27" name="Rectangle 41">
-                <a:extLst>
-                  <a:ext uri="{FF2B5EF4-FFF2-40B4-BE49-F238E27FC236}">
-                    <a16:creationId xmlns:a16="http://schemas.microsoft.com/office/drawing/2014/main" id="{68BFDFBE-2286-4123-9436-E1DF84AF494F}"/>
-                  </a:ext>
-                  <a:ext uri="{C183D7F6-B498-43B3-948B-1728B52AA6E4}">
-                    <adec:decorative xmlns:adec="http://schemas.microsoft.com/office/drawing/2017/decorative" val="1"/>
-                  </a:ext>
-                </a:extLst>
-              </p:cNvPr>
-              <p:cNvSpPr>
-                <a:spLocks noChangeArrowheads="1"/>
-              </p:cNvSpPr>
-              <p:nvPr>
-                <p:extLst>
-                  <p:ext uri="{386F3935-93C4-4BCD-93E2-E3B085C9AB24}">
-                    <p16:designElem xmlns:p16="http://schemas.microsoft.com/office/powerpoint/2015/main" val="1"/>
-                  </p:ext>
-                </p:extLst>
-              </p:nvPr>
-            </p:nvSpPr>
-            <p:spPr bwMode="auto">
-              <a:xfrm>
-                <a:off x="11939587" y="6596063"/>
-                <a:ext cx="23813" cy="252413"/>
-              </a:xfrm>
-              <a:prstGeom prst="rect">
-                <a:avLst/>
-              </a:prstGeom>
-              <a:grpFill/>
-              <a:ln>
-                <a:noFill/>
-              </a:ln>
-              <a:extLst>
-                <a:ext uri="{91240B29-F687-4f45-9708-019B960494DF}">
-                  <a14:hiddenLine xmlns:a14="http://schemas.microsoft.com/office/drawing/2010/main" xmlns:p14="http://schemas.microsoft.com/office/powerpoint/2010/main" xmlns:a16="http://schemas.microsoft.com/office/drawing/2014/main" xmlns="" w="9525">
-                    <a:solidFill>
-                      <a:srgbClr val="000000"/>
-                    </a:solidFill>
-                    <a:miter lim="800000"/>
-                    <a:headEnd/>
-                    <a:tailEnd/>
-                  </a14:hiddenLine>
-                </a:ext>
-              </a:extLst>
-            </p:spPr>
-          </p:sp>
-        </p:grpSp>
-      </p:grpSp>
-      <p:pic>
-        <p:nvPicPr>
-          <p:cNvPr id="56" name="Picture 2">
-            <a:extLst>
-              <a:ext uri="{FF2B5EF4-FFF2-40B4-BE49-F238E27FC236}">
-                <a16:creationId xmlns:a16="http://schemas.microsoft.com/office/drawing/2014/main" id="{5B3DE270-418F-47A7-B311-C4D876041DC6}"/>
-              </a:ext>
-              <a:ext uri="{C183D7F6-B498-43B3-948B-1728B52AA6E4}">
-                <adec:decorative xmlns:adec="http://schemas.microsoft.com/office/drawing/2017/decorative" val="1"/>
-              </a:ext>
-            </a:extLst>
-          </p:cNvPr>
-          <p:cNvPicPr>
-            <a:picLocks noGrp="1" noRot="1" noChangeAspect="1" noMove="1" noResize="1" noEditPoints="1" noAdjustHandles="1" noChangeArrowheads="1" noChangeShapeType="1" noCrop="1"/>
-          </p:cNvPicPr>
-          <p:nvPr>
-            <p:extLst>
-              <p:ext uri="{386F3935-93C4-4BCD-93E2-E3B085C9AB24}">
-                <p16:designElem xmlns:p16="http://schemas.microsoft.com/office/powerpoint/2015/main" val="1"/>
-              </p:ext>
-            </p:extLst>
-          </p:nvPr>
-        </p:nvPicPr>
-        <p:blipFill>
-          <a:blip r:embed="rId2">
-            <a:alphaModFix amt="30000"/>
-            <a:extLst>
-              <a:ext uri="{28A0092B-C50C-407E-A947-70E740481C1C}">
-                <a14:useLocalDpi xmlns:a14="http://schemas.microsoft.com/office/drawing/2010/main" val="0"/>
-              </a:ext>
-            </a:extLst>
-          </a:blip>
-          <a:srcRect/>
-          <a:stretch>
-            <a:fillRect/>
-          </a:stretch>
-        </p:blipFill>
-        <p:spPr bwMode="auto">
-          <a:xfrm>
-            <a:off x="0" y="0"/>
-            <a:ext cx="12192003" cy="6858001"/>
-          </a:xfrm>
-          <a:prstGeom prst="rect">
-            <a:avLst/>
-          </a:prstGeom>
-          <a:noFill/>
-          <a:extLst>
-            <a:ext uri="{909E8E84-426E-40dd-AFC4-6F175D3DCCD1}">
-              <a14:hiddenFill xmlns:a14="http://schemas.microsoft.com/office/drawing/2010/main" xmlns:p14="http://schemas.microsoft.com/office/powerpoint/2010/main" xmlns:a16="http://schemas.microsoft.com/office/drawing/2014/main" xmlns="">
-                <a:solidFill>
-                  <a:srgbClr val="FFFFFF"/>
-                </a:solidFill>
-              </a14:hiddenFill>
-            </a:ext>
-          </a:extLst>
-        </p:spPr>
-      </p:pic>
-      <p:sp>
-        <p:nvSpPr>
-          <p:cNvPr id="2" name="Título 1">
-            <a:extLst>
-              <a:ext uri="{FF2B5EF4-FFF2-40B4-BE49-F238E27FC236}">
-                <a16:creationId xmlns:a16="http://schemas.microsoft.com/office/drawing/2014/main" id="{18BFE39F-970F-40E4-97D7-07A6A18CC164}"/>
-              </a:ext>
-            </a:extLst>
-          </p:cNvPr>
-          <p:cNvSpPr>
-            <a:spLocks noGrp="1"/>
-          </p:cNvSpPr>
-          <p:nvPr>
-            <p:ph type="title"/>
-          </p:nvPr>
-        </p:nvSpPr>
-        <p:spPr>
-          <a:xfrm>
-            <a:off x="8036041" y="618518"/>
-            <a:ext cx="3281003" cy="1478570"/>
-          </a:xfrm>
-        </p:spPr>
-        <p:txBody>
-          <a:bodyPr anchor="b">
-            <a:normAutofit/>
-          </a:bodyPr>
-          <a:lstStyle/>
-          <a:p>
-            <a:r>
-              <a:rPr lang="es-CL" sz="2800" dirty="0">
-                <a:solidFill>
-                  <a:srgbClr val="FFFFFF"/>
-                </a:solidFill>
-              </a:rPr>
-              <a:t>Diagrama de proceso : envió de correo</a:t>
-            </a:r>
-          </a:p>
-        </p:txBody>
-      </p:sp>
-      <p:sp useBgFill="1">
-        <p:nvSpPr>
-          <p:cNvPr id="58" name="Round Diagonal Corner Rectangle 11">
-            <a:extLst>
-              <a:ext uri="{FF2B5EF4-FFF2-40B4-BE49-F238E27FC236}">
-                <a16:creationId xmlns:a16="http://schemas.microsoft.com/office/drawing/2014/main" id="{A1351C6B-7343-451F-AB4A-1CE294A4E927}"/>
-              </a:ext>
-              <a:ext uri="{C183D7F6-B498-43B3-948B-1728B52AA6E4}">
-                <adec:decorative xmlns:adec="http://schemas.microsoft.com/office/drawing/2017/decorative" val="1"/>
-              </a:ext>
-            </a:extLst>
-          </p:cNvPr>
-          <p:cNvSpPr>
-            <a:spLocks noGrp="1" noRot="1" noChangeAspect="1" noMove="1" noResize="1" noEditPoints="1" noAdjustHandles="1" noChangeArrowheads="1" noChangeShapeType="1" noTextEdit="1"/>
-          </p:cNvSpPr>
-          <p:nvPr>
-            <p:extLst>
-              <p:ext uri="{386F3935-93C4-4BCD-93E2-E3B085C9AB24}">
-                <p16:designElem xmlns:p16="http://schemas.microsoft.com/office/powerpoint/2015/main" val="1"/>
-              </p:ext>
-            </p:extLst>
-          </p:nvPr>
-        </p:nvSpPr>
-        <p:spPr>
-          <a:xfrm>
-            <a:off x="798949" y="808057"/>
-            <a:ext cx="6752461" cy="5234394"/>
-          </a:xfrm>
-          <a:prstGeom prst="round2DiagRect">
-            <a:avLst>
-              <a:gd name="adj1" fmla="val 7418"/>
-              <a:gd name="adj2" fmla="val 0"/>
-            </a:avLst>
-          </a:prstGeom>
-          <a:ln w="19050" cap="sq">
-            <a:solidFill>
-              <a:schemeClr val="tx2">
-                <a:lumMod val="60000"/>
-                <a:lumOff val="40000"/>
-                <a:alpha val="60000"/>
-              </a:schemeClr>
-            </a:solidFill>
-            <a:miter lim="800000"/>
-          </a:ln>
-          <a:effectLst>
-            <a:outerShdw blurRad="88900" dist="38100" dir="5400000" algn="t" rotWithShape="0">
-              <a:prstClr val="black">
-                <a:alpha val="40000"/>
-              </a:prstClr>
-            </a:outerShdw>
-          </a:effectLst>
-        </p:spPr>
-        <p:style>
-          <a:lnRef idx="2">
-            <a:schemeClr val="accent1">
-              <a:shade val="50000"/>
-            </a:schemeClr>
-          </a:lnRef>
-          <a:fillRef idx="1">
-            <a:schemeClr val="accent1"/>
-          </a:fillRef>
-          <a:effectRef idx="0">
-            <a:schemeClr val="accent1"/>
-          </a:effectRef>
-          <a:fontRef idx="minor">
-            <a:schemeClr val="lt1"/>
-          </a:fontRef>
-        </p:style>
-        <p:txBody>
-          <a:bodyPr rtlCol="0" anchor="ctr"/>
-          <a:lstStyle/>
-          <a:p>
-            <a:pPr algn="ctr"/>
-            <a:endParaRPr lang="en-US"/>
-          </a:p>
-        </p:txBody>
-      </p:sp>
-      <p:pic>
-        <p:nvPicPr>
-          <p:cNvPr id="8" name="Marcador de contenido 4">
-            <a:extLst>
-              <a:ext uri="{FF2B5EF4-FFF2-40B4-BE49-F238E27FC236}">
-                <a16:creationId xmlns:a16="http://schemas.microsoft.com/office/drawing/2014/main" id="{63C9936C-D4F7-450C-8F20-9A797E366A60}"/>
-              </a:ext>
-            </a:extLst>
-          </p:cNvPr>
-          <p:cNvPicPr>
-            <a:picLocks noChangeAspect="1"/>
-          </p:cNvPicPr>
-          <p:nvPr/>
-        </p:nvPicPr>
-        <p:blipFill>
-          <a:blip r:embed="rId3"/>
-          <a:stretch>
-            <a:fillRect/>
-          </a:stretch>
-        </p:blipFill>
-        <p:spPr>
-          <a:xfrm>
-            <a:off x="1118987" y="1516151"/>
-            <a:ext cx="6250801" cy="3906749"/>
-          </a:xfrm>
-          <a:prstGeom prst="rect">
-            <a:avLst/>
-          </a:prstGeom>
-        </p:spPr>
-      </p:pic>
-      <p:pic>
-        <p:nvPicPr>
-          <p:cNvPr id="6" name="Imagen 5" descr="Imagen que contiene animal, mamífero, interior, primate&#10;&#10;Descripción generada con confianza muy alta">
-            <a:extLst>
-              <a:ext uri="{FF2B5EF4-FFF2-40B4-BE49-F238E27FC236}">
-                <a16:creationId xmlns:a16="http://schemas.microsoft.com/office/drawing/2014/main" id="{D8E7A040-5124-4586-A0D9-099A2676CB14}"/>
-              </a:ext>
-            </a:extLst>
-          </p:cNvPr>
-          <p:cNvPicPr>
-            <a:picLocks noChangeAspect="1"/>
-          </p:cNvPicPr>
-          <p:nvPr/>
-        </p:nvPicPr>
-        <p:blipFill>
-          <a:blip r:embed="rId4"/>
-          <a:stretch>
-            <a:fillRect/>
-          </a:stretch>
-        </p:blipFill>
-        <p:spPr>
-          <a:xfrm>
-            <a:off x="8058150" y="2636837"/>
-            <a:ext cx="3810000" cy="2857500"/>
-          </a:xfrm>
-          <a:prstGeom prst="rect">
-            <a:avLst/>
-          </a:prstGeom>
-        </p:spPr>
-      </p:pic>
-    </p:spTree>
-    <p:extLst>
-      <p:ext uri="{BB962C8B-B14F-4D97-AF65-F5344CB8AC3E}">
-        <p14:creationId xmlns:p14="http://schemas.microsoft.com/office/powerpoint/2010/main" val="70985300"/>
-      </p:ext>
-    </p:extLst>
-  </p:cSld>
-  <p:clrMapOvr>
-    <a:overrideClrMapping bg1="lt1" tx1="dk1" bg2="lt2" tx2="dk2" accent1="accent1" accent2="accent2" accent3="accent3" accent4="accent4" accent5="accent5" accent6="accent6" hlink="hlink" folHlink="folHlink"/>
-  </p:clrMapOvr>
-</p:sld>
-</file>
-
-<file path=ppt/slides/slide14.xml><?xml version="1.0" encoding="utf-8"?>
-<p:sld xmlns:a="http://schemas.openxmlformats.org/drawingml/2006/main" xmlns:r="http://schemas.openxmlformats.org/officeDocument/2006/relationships" xmlns:p="http://schemas.openxmlformats.org/presentationml/2006/main">
-  <p:cSld>
-    <p:spTree>
-      <p:nvGrpSpPr>
-        <p:cNvPr id="1" name=""/>
-        <p:cNvGrpSpPr/>
-        <p:nvPr/>
-      </p:nvGrpSpPr>
-      <p:grpSpPr>
-        <a:xfrm>
-          <a:off x="0" y="0"/>
-          <a:ext cx="0" cy="0"/>
-          <a:chOff x="0" y="0"/>
-          <a:chExt cx="0" cy="0"/>
-        </a:xfrm>
-      </p:grpSpPr>
-      <p:sp>
-        <p:nvSpPr>
-          <p:cNvPr id="2" name="Título 1">
-            <a:extLst>
-              <a:ext uri="{FF2B5EF4-FFF2-40B4-BE49-F238E27FC236}">
-                <a16:creationId xmlns:a16="http://schemas.microsoft.com/office/drawing/2014/main" id="{1260820F-52C6-4FA5-9241-4652A66EEEA7}"/>
-              </a:ext>
-            </a:extLst>
-          </p:cNvPr>
-          <p:cNvSpPr>
-            <a:spLocks noGrp="1"/>
-          </p:cNvSpPr>
-          <p:nvPr>
-            <p:ph type="title"/>
-          </p:nvPr>
-        </p:nvSpPr>
-        <p:spPr/>
-        <p:txBody>
-          <a:bodyPr/>
-          <a:lstStyle/>
-          <a:p>
-            <a:r>
-              <a:rPr lang="es-ES" dirty="0"/>
-              <a:t>Estimación </a:t>
-            </a:r>
-            <a:endParaRPr lang="es-CL" dirty="0"/>
+              <a:t>Diagrama de proceso</a:t>
+            </a:r>
           </a:p>
         </p:txBody>
       </p:sp>
       <p:sp>
         <p:nvSpPr>
-          <p:cNvPr id="3" name="Marcador de contenido 2">
+          <p:cNvPr id="4" name="Marcador de contenido 3">
             <a:extLst>
               <a:ext uri="{FF2B5EF4-FFF2-40B4-BE49-F238E27FC236}">
-                <a16:creationId xmlns:a16="http://schemas.microsoft.com/office/drawing/2014/main" id="{6C7D35D6-0C97-4B10-AA5F-68DB9F8F48F4}"/>
+                <a16:creationId xmlns:a16="http://schemas.microsoft.com/office/drawing/2014/main" id="{7E8A7436-6F95-4F6E-8939-B88E84C5EEC3}"/>
               </a:ext>
             </a:extLst>
           </p:cNvPr>
@@ -16710,80 +12691,17 @@
         </p:nvSpPr>
         <p:spPr/>
         <p:txBody>
-          <a:bodyPr>
-            <a:normAutofit lnSpcReduction="10000"/>
-          </a:bodyPr>
+          <a:bodyPr/>
           <a:lstStyle/>
           <a:p>
-            <a:r>
-              <a:rPr lang="es-ES" dirty="0"/>
-              <a:t>Mediante el software Enterprise Architect calculamos las horas necesarias para desarrollar el proyecto</a:t>
-            </a:r>
-          </a:p>
-          <a:p>
-            <a:pPr marL="0" indent="0">
-              <a:buNone/>
-            </a:pPr>
-            <a:r>
-              <a:rPr lang="es-CL" dirty="0"/>
-              <a:t>Esfuerzo de trabajo estimado = 480 Horas</a:t>
-            </a:r>
-          </a:p>
-          <a:p>
-            <a:pPr marL="0" indent="0">
-              <a:buNone/>
-            </a:pPr>
-            <a:r>
-              <a:rPr lang="es-ES" dirty="0"/>
-              <a:t>1</a:t>
-            </a:r>
-            <a:r>
-              <a:rPr lang="es-CL" dirty="0"/>
-              <a:t>60 Hrs Mensuales = </a:t>
-            </a:r>
-            <a:r>
-              <a:rPr lang="es-ES" dirty="0"/>
-              <a:t>1</a:t>
-            </a:r>
-            <a:r>
-              <a:rPr lang="es-CL" dirty="0"/>
-              <a:t>3,3 Hrs Semanales, Estas serán distribuidas de acuerdo a los días de trabajo que nos plantearemos como equipo.</a:t>
-            </a:r>
-          </a:p>
-          <a:p>
-            <a:pPr marL="0" indent="0">
-              <a:buNone/>
-            </a:pPr>
-            <a:endParaRPr lang="es-ES" dirty="0"/>
-          </a:p>
-          <a:p>
-            <a:pPr marL="0" indent="0">
-              <a:buNone/>
-            </a:pPr>
-            <a:r>
-              <a:rPr lang="es-ES" dirty="0"/>
-              <a:t>Costo estimado = $1440000 (CLP)</a:t>
-            </a:r>
-            <a:endParaRPr lang="es-CL" dirty="0"/>
-          </a:p>
-          <a:p>
-            <a:pPr marL="0" indent="0">
-              <a:buNone/>
-            </a:pPr>
-            <a:endParaRPr lang="es-CL" dirty="0"/>
-          </a:p>
-          <a:p>
-            <a:pPr marL="0" indent="0">
-              <a:buNone/>
-            </a:pPr>
-            <a:endParaRPr lang="es-ES" dirty="0"/>
+            <a:endParaRPr lang="es-CL"/>
           </a:p>
         </p:txBody>
       </p:sp>
     </p:spTree>
     <p:extLst>
       <p:ext uri="{BB962C8B-B14F-4D97-AF65-F5344CB8AC3E}">
-        <p14:creationId xmlns:p14="http://schemas.microsoft.com/office/powerpoint/2010/main" val="2266069420"/>
+        <p14:creationId xmlns:p14="http://schemas.microsoft.com/office/powerpoint/2010/main" val="1153053009"/>
       </p:ext>
     </p:extLst>
   </p:cSld>
@@ -16870,7 +12788,32 @@
           <a:p>
             <a:r>
               <a:rPr lang="es-ES" dirty="0"/>
-              <a:t>Claudia Padilla, Gerenta general de la empresa MEDIACOOP, esta empresa se de dedica a ofrecer servicios de difusión, publicidad ,marketing e información en todos los soportes actuales y futuros</a:t>
+              <a:t>Claudia Padilla, Gerenta general de la empresa MEDIACOOP, esta empresa se de dedica a ofrecer servicios de difusión, publicidad ,marketing e información en todos los soportes actuales y futuros en la región de los </a:t>
+            </a:r>
+            <a:r>
+              <a:rPr lang="es-ES" dirty="0" err="1"/>
+              <a:t>Rios</a:t>
+            </a:r>
+            <a:endParaRPr lang="es-ES" dirty="0"/>
+          </a:p>
+          <a:p>
+            <a:r>
+              <a:rPr lang="es-ES" dirty="0"/>
+              <a:t>Ubicación : Arauco #159,Edificio </a:t>
+            </a:r>
+            <a:r>
+              <a:rPr lang="es-ES" dirty="0" err="1"/>
+              <a:t>Zerene</a:t>
+            </a:r>
+            <a:r>
+              <a:rPr lang="es-ES" dirty="0"/>
+              <a:t> ,  Piso 4  oficina #403</a:t>
+            </a:r>
+          </a:p>
+          <a:p>
+            <a:r>
+              <a:rPr lang="es-ES" dirty="0"/>
+              <a:t>Correo es : cooperativademedios@gmail.com</a:t>
             </a:r>
             <a:endParaRPr lang="es-CL" dirty="0"/>
           </a:p>
@@ -17069,7 +13012,7 @@
           <a:noFill/>
           <a:extLst>
             <a:ext uri="{909E8E84-426E-40dd-AFC4-6F175D3DCCD1}">
-              <a14:hiddenFill xmlns="" xmlns:a16="http://schemas.microsoft.com/office/drawing/2014/main" xmlns:p14="http://schemas.microsoft.com/office/powerpoint/2010/main" xmlns:a14="http://schemas.microsoft.com/office/drawing/2010/main">
+              <a14:hiddenFill xmlns:a14="http://schemas.microsoft.com/office/drawing/2010/main" xmlns:p14="http://schemas.microsoft.com/office/powerpoint/2010/main" xmlns:a16="http://schemas.microsoft.com/office/drawing/2014/main" xmlns="">
                 <a:solidFill>
                   <a:srgbClr val="FFFFFF"/>
                 </a:solidFill>
@@ -17143,26 +13086,63 @@
           <a:lstStyle/>
           <a:p>
             <a:r>
-              <a:rPr lang="es-ES" sz="2000"/>
+              <a:rPr lang="es-ES" sz="2000" dirty="0"/>
               <a:t>Gestión de un Software Informático, que permita, mediante una plataforma,  el  </a:t>
             </a:r>
             <a:r>
-              <a:rPr lang="es-ES" sz="2000" b="1"/>
+              <a:rPr lang="es-ES" sz="2000" b="1" dirty="0"/>
               <a:t>envío de información vía emails masivos</a:t>
             </a:r>
             <a:r>
-              <a:rPr lang="es-ES" sz="2000"/>
+              <a:rPr lang="es-ES" sz="2000" dirty="0"/>
               <a:t> y  </a:t>
             </a:r>
             <a:r>
-              <a:rPr lang="es-ES" sz="2000" b="1"/>
+              <a:rPr lang="es-ES" sz="2000" b="1" dirty="0"/>
               <a:t>subir contenidos simultáneos a plataforma web y redes sociales  </a:t>
             </a:r>
             <a:r>
-              <a:rPr lang="es-ES" sz="2000"/>
-              <a:t>,facebook, twitter, instagram, etc …</a:t>
-            </a:r>
-            <a:endParaRPr lang="es-CL" sz="2000"/>
+              <a:rPr lang="es-ES" sz="2000" dirty="0"/>
+              <a:t>,</a:t>
+            </a:r>
+            <a:r>
+              <a:rPr lang="es-ES" sz="2000" dirty="0" err="1"/>
+              <a:t>facebook</a:t>
+            </a:r>
+            <a:r>
+              <a:rPr lang="es-ES" sz="2000" dirty="0"/>
+              <a:t>, </a:t>
+            </a:r>
+            <a:r>
+              <a:rPr lang="es-ES" sz="2000" dirty="0" err="1"/>
+              <a:t>twitter</a:t>
+            </a:r>
+            <a:r>
+              <a:rPr lang="es-ES" sz="2000" dirty="0"/>
+              <a:t>, </a:t>
+            </a:r>
+            <a:r>
+              <a:rPr lang="es-ES" sz="2000" dirty="0" err="1"/>
+              <a:t>instagram</a:t>
+            </a:r>
+            <a:r>
+              <a:rPr lang="es-ES" sz="2000" dirty="0"/>
+              <a:t>, </a:t>
+            </a:r>
+            <a:r>
+              <a:rPr lang="es-ES" sz="2000" dirty="0" err="1"/>
+              <a:t>etc</a:t>
+            </a:r>
+            <a:r>
+              <a:rPr lang="es-ES" sz="2000" dirty="0"/>
+              <a:t> …</a:t>
+            </a:r>
+          </a:p>
+          <a:p>
+            <a:pPr marL="0" indent="0">
+              <a:buNone/>
+            </a:pPr>
+            <a:endParaRPr lang="es-CL" sz="2000" dirty="0"/>
           </a:p>
         </p:txBody>
       </p:sp>
@@ -17299,7 +13279,7 @@
             </a:ln>
             <a:extLst>
               <a:ext uri="{91240B29-F687-4f45-9708-019B960494DF}">
-                <a14:hiddenLine xmlns="" xmlns:a16="http://schemas.microsoft.com/office/drawing/2014/main" xmlns:p14="http://schemas.microsoft.com/office/powerpoint/2010/main" xmlns:a14="http://schemas.microsoft.com/office/drawing/2010/main" w="9525">
+                <a14:hiddenLine xmlns:a14="http://schemas.microsoft.com/office/drawing/2010/main" xmlns:p14="http://schemas.microsoft.com/office/powerpoint/2010/main" xmlns:a16="http://schemas.microsoft.com/office/drawing/2014/main" xmlns="" w="9525">
                   <a:solidFill>
                     <a:srgbClr val="000000"/>
                   </a:solidFill>
@@ -17404,7 +13384,7 @@
             </a:ln>
             <a:extLst>
               <a:ext uri="{91240B29-F687-4f45-9708-019B960494DF}">
-                <a14:hiddenLine xmlns="" xmlns:a16="http://schemas.microsoft.com/office/drawing/2014/main" xmlns:p14="http://schemas.microsoft.com/office/powerpoint/2010/main" xmlns:a14="http://schemas.microsoft.com/office/drawing/2010/main" w="9525">
+                <a14:hiddenLine xmlns:a14="http://schemas.microsoft.com/office/drawing/2010/main" xmlns:p14="http://schemas.microsoft.com/office/powerpoint/2010/main" xmlns:a16="http://schemas.microsoft.com/office/drawing/2014/main" xmlns="" w="9525">
                   <a:solidFill>
                     <a:srgbClr val="000000"/>
                   </a:solidFill>
@@ -17509,7 +13489,7 @@
             </a:ln>
             <a:extLst>
               <a:ext uri="{91240B29-F687-4f45-9708-019B960494DF}">
-                <a14:hiddenLine xmlns="" xmlns:a16="http://schemas.microsoft.com/office/drawing/2014/main" xmlns:p14="http://schemas.microsoft.com/office/powerpoint/2010/main" xmlns:a14="http://schemas.microsoft.com/office/drawing/2010/main" w="9525">
+                <a14:hiddenLine xmlns:a14="http://schemas.microsoft.com/office/drawing/2010/main" xmlns:p14="http://schemas.microsoft.com/office/powerpoint/2010/main" xmlns:a16="http://schemas.microsoft.com/office/drawing/2014/main" xmlns="" w="9525">
                   <a:solidFill>
                     <a:srgbClr val="000000"/>
                   </a:solidFill>
@@ -17586,7 +13566,7 @@
             </a:ln>
             <a:extLst>
               <a:ext uri="{91240B29-F687-4f45-9708-019B960494DF}">
-                <a14:hiddenLine xmlns="" xmlns:a16="http://schemas.microsoft.com/office/drawing/2014/main" xmlns:p14="http://schemas.microsoft.com/office/powerpoint/2010/main" xmlns:a14="http://schemas.microsoft.com/office/drawing/2010/main" w="9525">
+                <a14:hiddenLine xmlns:a14="http://schemas.microsoft.com/office/drawing/2010/main" xmlns:p14="http://schemas.microsoft.com/office/powerpoint/2010/main" xmlns:a16="http://schemas.microsoft.com/office/drawing/2014/main" xmlns="" w="9525">
                   <a:solidFill>
                     <a:srgbClr val="000000"/>
                   </a:solidFill>
@@ -17691,7 +13671,7 @@
             </a:ln>
             <a:extLst>
               <a:ext uri="{91240B29-F687-4f45-9708-019B960494DF}">
-                <a14:hiddenLine xmlns="" xmlns:a16="http://schemas.microsoft.com/office/drawing/2014/main" xmlns:p14="http://schemas.microsoft.com/office/powerpoint/2010/main" xmlns:a14="http://schemas.microsoft.com/office/drawing/2010/main" w="9525">
+                <a14:hiddenLine xmlns:a14="http://schemas.microsoft.com/office/drawing/2010/main" xmlns:p14="http://schemas.microsoft.com/office/powerpoint/2010/main" xmlns:a16="http://schemas.microsoft.com/office/drawing/2014/main" xmlns="" w="9525">
                   <a:solidFill>
                     <a:srgbClr val="000000"/>
                   </a:solidFill>
@@ -17768,7 +13748,7 @@
             </a:ln>
             <a:extLst>
               <a:ext uri="{91240B29-F687-4f45-9708-019B960494DF}">
-                <a14:hiddenLine xmlns="" xmlns:a16="http://schemas.microsoft.com/office/drawing/2014/main" xmlns:p14="http://schemas.microsoft.com/office/powerpoint/2010/main" xmlns:a14="http://schemas.microsoft.com/office/drawing/2010/main" w="9525">
+                <a14:hiddenLine xmlns:a14="http://schemas.microsoft.com/office/drawing/2010/main" xmlns:p14="http://schemas.microsoft.com/office/powerpoint/2010/main" xmlns:a16="http://schemas.microsoft.com/office/drawing/2014/main" xmlns="" w="9525">
                   <a:solidFill>
                     <a:srgbClr val="000000"/>
                   </a:solidFill>
@@ -17845,7 +13825,7 @@
             </a:ln>
             <a:extLst>
               <a:ext uri="{91240B29-F687-4f45-9708-019B960494DF}">
-                <a14:hiddenLine xmlns="" xmlns:a16="http://schemas.microsoft.com/office/drawing/2014/main" xmlns:p14="http://schemas.microsoft.com/office/powerpoint/2010/main" xmlns:a14="http://schemas.microsoft.com/office/drawing/2010/main" w="9525">
+                <a14:hiddenLine xmlns:a14="http://schemas.microsoft.com/office/drawing/2010/main" xmlns:p14="http://schemas.microsoft.com/office/powerpoint/2010/main" xmlns:a16="http://schemas.microsoft.com/office/drawing/2014/main" xmlns="" w="9525">
                   <a:solidFill>
                     <a:srgbClr val="000000"/>
                   </a:solidFill>
@@ -17950,7 +13930,7 @@
             </a:ln>
             <a:extLst>
               <a:ext uri="{91240B29-F687-4f45-9708-019B960494DF}">
-                <a14:hiddenLine xmlns="" xmlns:a16="http://schemas.microsoft.com/office/drawing/2014/main" xmlns:p14="http://schemas.microsoft.com/office/powerpoint/2010/main" xmlns:a14="http://schemas.microsoft.com/office/drawing/2010/main" w="9525">
+                <a14:hiddenLine xmlns:a14="http://schemas.microsoft.com/office/drawing/2010/main" xmlns:p14="http://schemas.microsoft.com/office/powerpoint/2010/main" xmlns:a16="http://schemas.microsoft.com/office/drawing/2014/main" xmlns="" w="9525">
                   <a:solidFill>
                     <a:srgbClr val="000000"/>
                   </a:solidFill>
@@ -18055,7 +14035,7 @@
             </a:ln>
             <a:extLst>
               <a:ext uri="{91240B29-F687-4f45-9708-019B960494DF}">
-                <a14:hiddenLine xmlns="" xmlns:a16="http://schemas.microsoft.com/office/drawing/2014/main" xmlns:p14="http://schemas.microsoft.com/office/powerpoint/2010/main" xmlns:a14="http://schemas.microsoft.com/office/drawing/2010/main" w="9525">
+                <a14:hiddenLine xmlns:a14="http://schemas.microsoft.com/office/drawing/2010/main" xmlns:p14="http://schemas.microsoft.com/office/powerpoint/2010/main" xmlns:a16="http://schemas.microsoft.com/office/drawing/2014/main" xmlns="" w="9525">
                   <a:solidFill>
                     <a:srgbClr val="000000"/>
                   </a:solidFill>
@@ -18132,7 +14112,7 @@
             </a:ln>
             <a:extLst>
               <a:ext uri="{91240B29-F687-4f45-9708-019B960494DF}">
-                <a14:hiddenLine xmlns="" xmlns:a16="http://schemas.microsoft.com/office/drawing/2014/main" xmlns:p14="http://schemas.microsoft.com/office/powerpoint/2010/main" xmlns:a14="http://schemas.microsoft.com/office/drawing/2010/main" w="9525">
+                <a14:hiddenLine xmlns:a14="http://schemas.microsoft.com/office/drawing/2010/main" xmlns:p14="http://schemas.microsoft.com/office/powerpoint/2010/main" xmlns:a16="http://schemas.microsoft.com/office/drawing/2014/main" xmlns="" w="9525">
                   <a:solidFill>
                     <a:srgbClr val="000000"/>
                   </a:solidFill>
@@ -18257,7 +14237,7 @@
             </a:ln>
             <a:extLst>
               <a:ext uri="{91240B29-F687-4f45-9708-019B960494DF}">
-                <a14:hiddenLine xmlns="" xmlns:a16="http://schemas.microsoft.com/office/drawing/2014/main" xmlns:p14="http://schemas.microsoft.com/office/powerpoint/2010/main" xmlns:a14="http://schemas.microsoft.com/office/drawing/2010/main" w="9525">
+                <a14:hiddenLine xmlns:a14="http://schemas.microsoft.com/office/drawing/2010/main" xmlns:p14="http://schemas.microsoft.com/office/powerpoint/2010/main" xmlns:a16="http://schemas.microsoft.com/office/drawing/2014/main" xmlns="" w="9525">
                   <a:solidFill>
                     <a:srgbClr val="000000"/>
                   </a:solidFill>
@@ -18371,7 +14351,7 @@
             </a:ln>
             <a:extLst>
               <a:ext uri="{91240B29-F687-4f45-9708-019B960494DF}">
-                <a14:hiddenLine xmlns="" xmlns:a16="http://schemas.microsoft.com/office/drawing/2014/main" xmlns:p14="http://schemas.microsoft.com/office/powerpoint/2010/main" xmlns:a14="http://schemas.microsoft.com/office/drawing/2010/main" w="9525">
+                <a14:hiddenLine xmlns:a14="http://schemas.microsoft.com/office/drawing/2010/main" xmlns:p14="http://schemas.microsoft.com/office/powerpoint/2010/main" xmlns:a16="http://schemas.microsoft.com/office/drawing/2014/main" xmlns="" w="9525">
                   <a:solidFill>
                     <a:srgbClr val="000000"/>
                   </a:solidFill>
@@ -18448,7 +14428,7 @@
             </a:ln>
             <a:extLst>
               <a:ext uri="{91240B29-F687-4f45-9708-019B960494DF}">
-                <a14:hiddenLine xmlns="" xmlns:a16="http://schemas.microsoft.com/office/drawing/2014/main" xmlns:p14="http://schemas.microsoft.com/office/powerpoint/2010/main" xmlns:a14="http://schemas.microsoft.com/office/drawing/2010/main" w="9525">
+                <a14:hiddenLine xmlns:a14="http://schemas.microsoft.com/office/drawing/2010/main" xmlns:p14="http://schemas.microsoft.com/office/powerpoint/2010/main" xmlns:a16="http://schemas.microsoft.com/office/drawing/2014/main" xmlns="" w="9525">
                   <a:solidFill>
                     <a:srgbClr val="000000"/>
                   </a:solidFill>
@@ -18525,7 +14505,7 @@
             </a:ln>
             <a:extLst>
               <a:ext uri="{91240B29-F687-4f45-9708-019B960494DF}">
-                <a14:hiddenLine xmlns="" xmlns:a16="http://schemas.microsoft.com/office/drawing/2014/main" xmlns:p14="http://schemas.microsoft.com/office/powerpoint/2010/main" xmlns:a14="http://schemas.microsoft.com/office/drawing/2010/main" w="9525">
+                <a14:hiddenLine xmlns:a14="http://schemas.microsoft.com/office/drawing/2010/main" xmlns:p14="http://schemas.microsoft.com/office/powerpoint/2010/main" xmlns:a16="http://schemas.microsoft.com/office/drawing/2014/main" xmlns="" w="9525">
                   <a:solidFill>
                     <a:srgbClr val="000000"/>
                   </a:solidFill>
@@ -18630,7 +14610,7 @@
             </a:ln>
             <a:extLst>
               <a:ext uri="{91240B29-F687-4f45-9708-019B960494DF}">
-                <a14:hiddenLine xmlns="" xmlns:a16="http://schemas.microsoft.com/office/drawing/2014/main" xmlns:p14="http://schemas.microsoft.com/office/powerpoint/2010/main" xmlns:a14="http://schemas.microsoft.com/office/drawing/2010/main" w="9525">
+                <a14:hiddenLine xmlns:a14="http://schemas.microsoft.com/office/drawing/2010/main" xmlns:p14="http://schemas.microsoft.com/office/powerpoint/2010/main" xmlns:a16="http://schemas.microsoft.com/office/drawing/2014/main" xmlns="" w="9525">
                   <a:solidFill>
                     <a:srgbClr val="000000"/>
                   </a:solidFill>
@@ -18679,7 +14659,7 @@
             </a:ln>
             <a:extLst>
               <a:ext uri="{91240B29-F687-4f45-9708-019B960494DF}">
-                <a14:hiddenLine xmlns="" xmlns:a16="http://schemas.microsoft.com/office/drawing/2014/main" xmlns:p14="http://schemas.microsoft.com/office/powerpoint/2010/main" xmlns:a14="http://schemas.microsoft.com/office/drawing/2010/main" w="9525">
+                <a14:hiddenLine xmlns:a14="http://schemas.microsoft.com/office/drawing/2010/main" xmlns:p14="http://schemas.microsoft.com/office/powerpoint/2010/main" xmlns:a16="http://schemas.microsoft.com/office/drawing/2014/main" xmlns="" w="9525">
                   <a:solidFill>
                     <a:srgbClr val="000000"/>
                   </a:solidFill>
@@ -18759,7 +14739,7 @@
             </a:ln>
             <a:extLst>
               <a:ext uri="{91240B29-F687-4f45-9708-019B960494DF}">
-                <a14:hiddenLine xmlns="" xmlns:a16="http://schemas.microsoft.com/office/drawing/2014/main" xmlns:p14="http://schemas.microsoft.com/office/powerpoint/2010/main" xmlns:a14="http://schemas.microsoft.com/office/drawing/2010/main" w="9525">
+                <a14:hiddenLine xmlns:a14="http://schemas.microsoft.com/office/drawing/2010/main" xmlns:p14="http://schemas.microsoft.com/office/powerpoint/2010/main" xmlns:a16="http://schemas.microsoft.com/office/drawing/2014/main" xmlns="" w="9525">
                   <a:solidFill>
                     <a:srgbClr val="000000"/>
                   </a:solidFill>
@@ -18864,7 +14844,7 @@
             </a:ln>
             <a:extLst>
               <a:ext uri="{91240B29-F687-4f45-9708-019B960494DF}">
-                <a14:hiddenLine xmlns="" xmlns:a16="http://schemas.microsoft.com/office/drawing/2014/main" xmlns:p14="http://schemas.microsoft.com/office/powerpoint/2010/main" xmlns:a14="http://schemas.microsoft.com/office/drawing/2010/main" w="9525">
+                <a14:hiddenLine xmlns:a14="http://schemas.microsoft.com/office/drawing/2010/main" xmlns:p14="http://schemas.microsoft.com/office/powerpoint/2010/main" xmlns:a16="http://schemas.microsoft.com/office/drawing/2014/main" xmlns="" w="9525">
                   <a:solidFill>
                     <a:srgbClr val="000000"/>
                   </a:solidFill>
@@ -18941,7 +14921,7 @@
             </a:ln>
             <a:extLst>
               <a:ext uri="{91240B29-F687-4f45-9708-019B960494DF}">
-                <a14:hiddenLine xmlns="" xmlns:a16="http://schemas.microsoft.com/office/drawing/2014/main" xmlns:p14="http://schemas.microsoft.com/office/powerpoint/2010/main" xmlns:a14="http://schemas.microsoft.com/office/drawing/2010/main" w="9525">
+                <a14:hiddenLine xmlns:a14="http://schemas.microsoft.com/office/drawing/2010/main" xmlns:p14="http://schemas.microsoft.com/office/powerpoint/2010/main" xmlns:a16="http://schemas.microsoft.com/office/drawing/2014/main" xmlns="" w="9525">
                   <a:solidFill>
                     <a:srgbClr val="000000"/>
                   </a:solidFill>
@@ -19046,7 +15026,7 @@
             </a:ln>
             <a:extLst>
               <a:ext uri="{91240B29-F687-4f45-9708-019B960494DF}">
-                <a14:hiddenLine xmlns="" xmlns:a16="http://schemas.microsoft.com/office/drawing/2014/main" xmlns:p14="http://schemas.microsoft.com/office/powerpoint/2010/main" xmlns:a14="http://schemas.microsoft.com/office/drawing/2010/main" w="9525">
+                <a14:hiddenLine xmlns:a14="http://schemas.microsoft.com/office/drawing/2010/main" xmlns:p14="http://schemas.microsoft.com/office/powerpoint/2010/main" xmlns:a16="http://schemas.microsoft.com/office/drawing/2014/main" xmlns="" w="9525">
                   <a:solidFill>
                     <a:srgbClr val="000000"/>
                   </a:solidFill>
@@ -19126,7 +15106,7 @@
             </a:ln>
             <a:extLst>
               <a:ext uri="{91240B29-F687-4f45-9708-019B960494DF}">
-                <a14:hiddenLine xmlns="" xmlns:a16="http://schemas.microsoft.com/office/drawing/2014/main" xmlns:p14="http://schemas.microsoft.com/office/powerpoint/2010/main" xmlns:a14="http://schemas.microsoft.com/office/drawing/2010/main" w="9525">
+                <a14:hiddenLine xmlns:a14="http://schemas.microsoft.com/office/drawing/2010/main" xmlns:p14="http://schemas.microsoft.com/office/powerpoint/2010/main" xmlns:a16="http://schemas.microsoft.com/office/drawing/2014/main" xmlns="" w="9525">
                   <a:solidFill>
                     <a:srgbClr val="000000"/>
                   </a:solidFill>
@@ -19203,7 +15183,7 @@
             </a:ln>
             <a:extLst>
               <a:ext uri="{91240B29-F687-4f45-9708-019B960494DF}">
-                <a14:hiddenLine xmlns="" xmlns:a16="http://schemas.microsoft.com/office/drawing/2014/main" xmlns:p14="http://schemas.microsoft.com/office/powerpoint/2010/main" xmlns:a14="http://schemas.microsoft.com/office/drawing/2010/main" w="9525">
+                <a14:hiddenLine xmlns:a14="http://schemas.microsoft.com/office/drawing/2010/main" xmlns:p14="http://schemas.microsoft.com/office/powerpoint/2010/main" xmlns:a16="http://schemas.microsoft.com/office/drawing/2014/main" xmlns="" w="9525">
                   <a:solidFill>
                     <a:srgbClr val="000000"/>
                   </a:solidFill>
@@ -19308,7 +15288,7 @@
             </a:ln>
             <a:extLst>
               <a:ext uri="{91240B29-F687-4f45-9708-019B960494DF}">
-                <a14:hiddenLine xmlns="" xmlns:a16="http://schemas.microsoft.com/office/drawing/2014/main" xmlns:p14="http://schemas.microsoft.com/office/powerpoint/2010/main" xmlns:a14="http://schemas.microsoft.com/office/drawing/2010/main" w="9525">
+                <a14:hiddenLine xmlns:a14="http://schemas.microsoft.com/office/drawing/2010/main" xmlns:p14="http://schemas.microsoft.com/office/powerpoint/2010/main" xmlns:a16="http://schemas.microsoft.com/office/drawing/2014/main" xmlns="" w="9525">
                   <a:solidFill>
                     <a:srgbClr val="000000"/>
                   </a:solidFill>
@@ -19413,7 +15393,7 @@
             </a:ln>
             <a:extLst>
               <a:ext uri="{91240B29-F687-4f45-9708-019B960494DF}">
-                <a14:hiddenLine xmlns="" xmlns:a16="http://schemas.microsoft.com/office/drawing/2014/main" xmlns:p14="http://schemas.microsoft.com/office/powerpoint/2010/main" xmlns:a14="http://schemas.microsoft.com/office/drawing/2010/main" w="9525">
+                <a14:hiddenLine xmlns:a14="http://schemas.microsoft.com/office/drawing/2010/main" xmlns:p14="http://schemas.microsoft.com/office/powerpoint/2010/main" xmlns:a16="http://schemas.microsoft.com/office/drawing/2014/main" xmlns="" w="9525">
                   <a:solidFill>
                     <a:srgbClr val="000000"/>
                   </a:solidFill>
@@ -19493,7 +15473,7 @@
             </a:ln>
             <a:extLst>
               <a:ext uri="{91240B29-F687-4f45-9708-019B960494DF}">
-                <a14:hiddenLine xmlns="" xmlns:a16="http://schemas.microsoft.com/office/drawing/2014/main" xmlns:p14="http://schemas.microsoft.com/office/powerpoint/2010/main" xmlns:a14="http://schemas.microsoft.com/office/drawing/2010/main" w="9525">
+                <a14:hiddenLine xmlns:a14="http://schemas.microsoft.com/office/drawing/2010/main" xmlns:p14="http://schemas.microsoft.com/office/powerpoint/2010/main" xmlns:a16="http://schemas.microsoft.com/office/drawing/2014/main" xmlns="" w="9525">
                   <a:solidFill>
                     <a:srgbClr val="000000"/>
                   </a:solidFill>
@@ -19628,7 +15608,7 @@
             </a:ln>
             <a:extLst>
               <a:ext uri="{91240B29-F687-4f45-9708-019B960494DF}">
-                <a14:hiddenLine xmlns="" xmlns:a16="http://schemas.microsoft.com/office/drawing/2014/main" xmlns:p14="http://schemas.microsoft.com/office/powerpoint/2010/main" xmlns:a14="http://schemas.microsoft.com/office/drawing/2010/main" w="9525">
+                <a14:hiddenLine xmlns:a14="http://schemas.microsoft.com/office/drawing/2010/main" xmlns:p14="http://schemas.microsoft.com/office/powerpoint/2010/main" xmlns:a16="http://schemas.microsoft.com/office/drawing/2014/main" xmlns="" w="9525">
                   <a:solidFill>
                     <a:srgbClr val="000000"/>
                   </a:solidFill>
@@ -19676,6 +15656,98 @@
           <p:cNvPr id="2" name="Título 1">
             <a:extLst>
               <a:ext uri="{FF2B5EF4-FFF2-40B4-BE49-F238E27FC236}">
+                <a16:creationId xmlns:a16="http://schemas.microsoft.com/office/drawing/2014/main" id="{A12A530D-27D3-4D3B-846B-24E219B0C46C}"/>
+              </a:ext>
+            </a:extLst>
+          </p:cNvPr>
+          <p:cNvSpPr>
+            <a:spLocks noGrp="1"/>
+          </p:cNvSpPr>
+          <p:nvPr>
+            <p:ph type="title"/>
+          </p:nvPr>
+        </p:nvSpPr>
+        <p:spPr>
+          <a:xfrm>
+            <a:off x="1141412" y="618518"/>
+            <a:ext cx="9905999" cy="852473"/>
+          </a:xfrm>
+        </p:spPr>
+        <p:txBody>
+          <a:bodyPr/>
+          <a:lstStyle/>
+          <a:p>
+            <a:r>
+              <a:rPr lang="es-CL" dirty="0"/>
+              <a:t>Proceso actual </a:t>
+            </a:r>
+          </a:p>
+        </p:txBody>
+      </p:sp>
+      <p:pic>
+        <p:nvPicPr>
+          <p:cNvPr id="5" name="Marcador de contenido 4" descr="Imagen que contiene captura de pantalla, mapa&#10;&#10;Descripción generada con confianza alta">
+            <a:extLst>
+              <a:ext uri="{FF2B5EF4-FFF2-40B4-BE49-F238E27FC236}">
+                <a16:creationId xmlns:a16="http://schemas.microsoft.com/office/drawing/2014/main" id="{DB630CEC-B39E-454E-A53B-E48A275DFBDC}"/>
+              </a:ext>
+            </a:extLst>
+          </p:cNvPr>
+          <p:cNvPicPr>
+            <a:picLocks noGrp="1" noChangeAspect="1"/>
+          </p:cNvPicPr>
+          <p:nvPr>
+            <p:ph idx="1"/>
+          </p:nvPr>
+        </p:nvPicPr>
+        <p:blipFill>
+          <a:blip r:embed="rId2"/>
+          <a:stretch>
+            <a:fillRect/>
+          </a:stretch>
+        </p:blipFill>
+        <p:spPr>
+          <a:xfrm>
+            <a:off x="1141412" y="1272210"/>
+            <a:ext cx="10202449" cy="5585790"/>
+          </a:xfrm>
+        </p:spPr>
+      </p:pic>
+    </p:spTree>
+    <p:extLst>
+      <p:ext uri="{BB962C8B-B14F-4D97-AF65-F5344CB8AC3E}">
+        <p14:creationId xmlns:p14="http://schemas.microsoft.com/office/powerpoint/2010/main" val="3041293909"/>
+      </p:ext>
+    </p:extLst>
+  </p:cSld>
+  <p:clrMapOvr>
+    <a:masterClrMapping/>
+  </p:clrMapOvr>
+</p:sld>
+</file>
+
+<file path=ppt/slides/slide5.xml><?xml version="1.0" encoding="utf-8"?>
+<p:sld xmlns:a="http://schemas.openxmlformats.org/drawingml/2006/main" xmlns:r="http://schemas.openxmlformats.org/officeDocument/2006/relationships" xmlns:p="http://schemas.openxmlformats.org/presentationml/2006/main">
+  <p:cSld>
+    <p:spTree>
+      <p:nvGrpSpPr>
+        <p:cNvPr id="1" name=""/>
+        <p:cNvGrpSpPr/>
+        <p:nvPr/>
+      </p:nvGrpSpPr>
+      <p:grpSpPr>
+        <a:xfrm>
+          <a:off x="0" y="0"/>
+          <a:ext cx="0" cy="0"/>
+          <a:chOff x="0" y="0"/>
+          <a:chExt cx="0" cy="0"/>
+        </a:xfrm>
+      </p:grpSpPr>
+      <p:sp>
+        <p:nvSpPr>
+          <p:cNvPr id="2" name="Título 1">
+            <a:extLst>
+              <a:ext uri="{FF2B5EF4-FFF2-40B4-BE49-F238E27FC236}">
                 <a16:creationId xmlns:a16="http://schemas.microsoft.com/office/drawing/2014/main" id="{F7DD3A51-28AA-4FE3-AAA9-D5730B682F65}"/>
               </a:ext>
             </a:extLst>
@@ -19723,27 +15795,32 @@
           <a:p>
             <a:r>
               <a:rPr lang="es-ES" dirty="0"/>
-              <a:t>Gestión de una base de datos que contenga correos electrónicos de empresas, socios y clientes.</a:t>
-            </a:r>
-          </a:p>
-          <a:p>
+              <a:t>El cliente desea realizar un </a:t>
+            </a:r>
+            <a:r>
+              <a:rPr lang="es-ES" dirty="0" err="1"/>
+              <a:t>envio</a:t>
+            </a:r>
             <a:r>
               <a:rPr lang="es-ES" dirty="0"/>
-              <a:t>Selección y filtrado de destinatarios </a:t>
-            </a:r>
-          </a:p>
-          <a:p>
+              <a:t> masivo de correos electrónicos y realizar </a:t>
+            </a:r>
+            <a:r>
+              <a:rPr lang="es-ES" dirty="0" err="1"/>
+              <a:t>posteos</a:t>
+            </a:r>
             <a:r>
               <a:rPr lang="es-ES" dirty="0"/>
-              <a:t>Envío masivo de correo electrónico</a:t>
-            </a:r>
-          </a:p>
-          <a:p>
+              <a:t> </a:t>
+            </a:r>
+            <a:r>
+              <a:rPr lang="es-ES" dirty="0" err="1"/>
+              <a:t>multiples</a:t>
+            </a:r>
             <a:r>
               <a:rPr lang="es-ES" dirty="0"/>
-              <a:t>Posteo único escrito en la plataforma, para luego ser replicado de forma automática en Facebook , Twitter e Instagram.</a:t>
-            </a:r>
-            <a:endParaRPr lang="es-CL" dirty="0"/>
+              <a:t> en redes sociales </a:t>
+            </a:r>
           </a:p>
         </p:txBody>
       </p:sp>
@@ -19760,7 +15837,7 @@
 </p:sld>
 </file>
 
-<file path=ppt/slides/slide5.xml><?xml version="1.0" encoding="utf-8"?>
+<file path=ppt/slides/slide6.xml><?xml version="1.0" encoding="utf-8"?>
 <p:sld xmlns:a="http://schemas.openxmlformats.org/drawingml/2006/main" xmlns:r="http://schemas.openxmlformats.org/officeDocument/2006/relationships" xmlns:p="http://schemas.openxmlformats.org/presentationml/2006/main">
   <p:cSld>
     <p:spTree>
@@ -19876,756 +15953,6 @@
 </p:sld>
 </file>
 
-<file path=ppt/slides/slide6.xml><?xml version="1.0" encoding="utf-8"?>
-<p:sld xmlns:a="http://schemas.openxmlformats.org/drawingml/2006/main" xmlns:r="http://schemas.openxmlformats.org/officeDocument/2006/relationships" xmlns:p="http://schemas.openxmlformats.org/presentationml/2006/main">
-  <p:cSld>
-    <p:spTree>
-      <p:nvGrpSpPr>
-        <p:cNvPr id="1" name=""/>
-        <p:cNvGrpSpPr/>
-        <p:nvPr/>
-      </p:nvGrpSpPr>
-      <p:grpSpPr>
-        <a:xfrm>
-          <a:off x="0" y="0"/>
-          <a:ext cx="0" cy="0"/>
-          <a:chOff x="0" y="0"/>
-          <a:chExt cx="0" cy="0"/>
-        </a:xfrm>
-      </p:grpSpPr>
-      <p:sp>
-        <p:nvSpPr>
-          <p:cNvPr id="2" name="Título 1">
-            <a:extLst>
-              <a:ext uri="{FF2B5EF4-FFF2-40B4-BE49-F238E27FC236}">
-                <a16:creationId xmlns:a16="http://schemas.microsoft.com/office/drawing/2014/main" id="{77B7E7EE-35A6-4F56-AF57-6C6FB18799B7}"/>
-              </a:ext>
-            </a:extLst>
-          </p:cNvPr>
-          <p:cNvSpPr>
-            <a:spLocks noGrp="1"/>
-          </p:cNvSpPr>
-          <p:nvPr>
-            <p:ph type="title"/>
-          </p:nvPr>
-        </p:nvSpPr>
-        <p:spPr/>
-        <p:txBody>
-          <a:bodyPr/>
-          <a:lstStyle/>
-          <a:p>
-            <a:r>
-              <a:rPr lang="es-ES" dirty="0"/>
-              <a:t>CASOS DE USO</a:t>
-            </a:r>
-            <a:endParaRPr lang="es-CL" dirty="0"/>
-          </a:p>
-        </p:txBody>
-      </p:sp>
-      <p:graphicFrame>
-        <p:nvGraphicFramePr>
-          <p:cNvPr id="4" name="Marcador de contenido 3">
-            <a:extLst>
-              <a:ext uri="{FF2B5EF4-FFF2-40B4-BE49-F238E27FC236}">
-                <a16:creationId xmlns:a16="http://schemas.microsoft.com/office/drawing/2014/main" id="{68017318-0C5C-48A7-94AB-2EE5BDC97165}"/>
-              </a:ext>
-            </a:extLst>
-          </p:cNvPr>
-          <p:cNvGraphicFramePr>
-            <a:graphicFrameLocks noGrp="1"/>
-          </p:cNvGraphicFramePr>
-          <p:nvPr>
-            <p:ph idx="1"/>
-            <p:extLst>
-              <p:ext uri="{D42A27DB-BD31-4B8C-83A1-F6EECF244321}">
-                <p14:modId xmlns:p14="http://schemas.microsoft.com/office/powerpoint/2010/main" val="1582330267"/>
-              </p:ext>
-            </p:extLst>
-          </p:nvPr>
-        </p:nvGraphicFramePr>
-        <p:xfrm>
-          <a:off x="1141413" y="2097088"/>
-          <a:ext cx="5160533" cy="3682640"/>
-        </p:xfrm>
-        <a:graphic>
-          <a:graphicData uri="http://schemas.openxmlformats.org/drawingml/2006/table">
-            <a:tbl>
-              <a:tblPr firstRow="1" firstCol="1" bandRow="1">
-                <a:tableStyleId>{5C22544A-7EE6-4342-B048-85BDC9FD1C3A}</a:tableStyleId>
-              </a:tblPr>
-              <a:tblGrid>
-                <a:gridCol w="1465863">
-                  <a:extLst>
-                    <a:ext uri="{9D8B030D-6E8A-4147-A177-3AD203B41FA5}">
-                      <a16:colId xmlns:a16="http://schemas.microsoft.com/office/drawing/2014/main" val="3945191831"/>
-                    </a:ext>
-                  </a:extLst>
-                </a:gridCol>
-                <a:gridCol w="3694670">
-                  <a:extLst>
-                    <a:ext uri="{9D8B030D-6E8A-4147-A177-3AD203B41FA5}">
-                      <a16:colId xmlns:a16="http://schemas.microsoft.com/office/drawing/2014/main" val="1833221345"/>
-                    </a:ext>
-                  </a:extLst>
-                </a:gridCol>
-              </a:tblGrid>
-              <a:tr h="725893">
-                <a:tc>
-                  <a:txBody>
-                    <a:bodyPr/>
-                    <a:lstStyle/>
-                    <a:p>
-                      <a:pPr>
-                        <a:spcAft>
-                          <a:spcPts val="0"/>
-                        </a:spcAft>
-                      </a:pPr>
-                      <a:r>
-                        <a:rPr lang="es-ES_tradnl" sz="1600" kern="1200" dirty="0">
-                          <a:effectLst/>
-                        </a:rPr>
-                        <a:t>Identificación del requerimiento:</a:t>
-                      </a:r>
-                      <a:endParaRPr lang="es-CL" sz="1600" dirty="0">
-                        <a:effectLst/>
-                        <a:latin typeface="Calibri" panose="020F0502020204030204" pitchFamily="34" charset="0"/>
-                        <a:ea typeface="Calibri" panose="020F0502020204030204" pitchFamily="34" charset="0"/>
-                        <a:cs typeface="Times New Roman" panose="02020603050405020304" pitchFamily="18" charset="0"/>
-                      </a:endParaRPr>
-                    </a:p>
-                  </a:txBody>
-                  <a:tcPr marL="68580" marR="68580" marT="0" marB="0"/>
-                </a:tc>
-                <a:tc>
-                  <a:txBody>
-                    <a:bodyPr/>
-                    <a:lstStyle/>
-                    <a:p>
-                      <a:pPr>
-                        <a:spcAft>
-                          <a:spcPts val="0"/>
-                        </a:spcAft>
-                      </a:pPr>
-                      <a:r>
-                        <a:rPr lang="es-ES_tradnl" sz="1600">
-                          <a:effectLst/>
-                        </a:rPr>
-                        <a:t>A01</a:t>
-                      </a:r>
-                      <a:endParaRPr lang="es-CL" sz="1600">
-                        <a:effectLst/>
-                        <a:latin typeface="Calibri" panose="020F0502020204030204" pitchFamily="34" charset="0"/>
-                        <a:ea typeface="Calibri" panose="020F0502020204030204" pitchFamily="34" charset="0"/>
-                        <a:cs typeface="Times New Roman" panose="02020603050405020304" pitchFamily="18" charset="0"/>
-                      </a:endParaRPr>
-                    </a:p>
-                  </a:txBody>
-                  <a:tcPr marL="68580" marR="68580" marT="0" marB="0"/>
-                </a:tc>
-                <a:extLst>
-                  <a:ext uri="{0D108BD9-81ED-4DB2-BD59-A6C34878D82A}">
-                    <a16:rowId xmlns:a16="http://schemas.microsoft.com/office/drawing/2014/main" val="2810539679"/>
-                  </a:ext>
-                </a:extLst>
-              </a:tr>
-              <a:tr h="725893">
-                <a:tc>
-                  <a:txBody>
-                    <a:bodyPr/>
-                    <a:lstStyle/>
-                    <a:p>
-                      <a:pPr>
-                        <a:spcAft>
-                          <a:spcPts val="0"/>
-                        </a:spcAft>
-                      </a:pPr>
-                      <a:r>
-                        <a:rPr lang="es-ES_tradnl" sz="1600" kern="1200">
-                          <a:effectLst/>
-                        </a:rPr>
-                        <a:t>Nombre del Requerimiento:</a:t>
-                      </a:r>
-                      <a:endParaRPr lang="es-CL" sz="1600">
-                        <a:effectLst/>
-                        <a:latin typeface="Calibri" panose="020F0502020204030204" pitchFamily="34" charset="0"/>
-                        <a:ea typeface="Calibri" panose="020F0502020204030204" pitchFamily="34" charset="0"/>
-                        <a:cs typeface="Times New Roman" panose="02020603050405020304" pitchFamily="18" charset="0"/>
-                      </a:endParaRPr>
-                    </a:p>
-                  </a:txBody>
-                  <a:tcPr marL="68580" marR="68580" marT="0" marB="0"/>
-                </a:tc>
-                <a:tc>
-                  <a:txBody>
-                    <a:bodyPr/>
-                    <a:lstStyle/>
-                    <a:p>
-                      <a:pPr>
-                        <a:spcAft>
-                          <a:spcPts val="0"/>
-                        </a:spcAft>
-                      </a:pPr>
-                      <a:r>
-                        <a:rPr lang="es-ES_tradnl" sz="1600" dirty="0">
-                          <a:effectLst/>
-                        </a:rPr>
-                        <a:t>Autentificación</a:t>
-                      </a:r>
-                      <a:endParaRPr lang="es-CL" sz="1600" dirty="0">
-                        <a:effectLst/>
-                        <a:latin typeface="Calibri" panose="020F0502020204030204" pitchFamily="34" charset="0"/>
-                        <a:ea typeface="Calibri" panose="020F0502020204030204" pitchFamily="34" charset="0"/>
-                        <a:cs typeface="Times New Roman" panose="02020603050405020304" pitchFamily="18" charset="0"/>
-                      </a:endParaRPr>
-                    </a:p>
-                  </a:txBody>
-                  <a:tcPr marL="68580" marR="68580" marT="0" marB="0"/>
-                </a:tc>
-                <a:extLst>
-                  <a:ext uri="{0D108BD9-81ED-4DB2-BD59-A6C34878D82A}">
-                    <a16:rowId xmlns:a16="http://schemas.microsoft.com/office/drawing/2014/main" val="1387363842"/>
-                  </a:ext>
-                </a:extLst>
-              </a:tr>
-              <a:tr h="362948">
-                <a:tc>
-                  <a:txBody>
-                    <a:bodyPr/>
-                    <a:lstStyle/>
-                    <a:p>
-                      <a:pPr>
-                        <a:spcAft>
-                          <a:spcPts val="0"/>
-                        </a:spcAft>
-                      </a:pPr>
-                      <a:r>
-                        <a:rPr lang="es-ES_tradnl" sz="1600" kern="1200">
-                          <a:effectLst/>
-                        </a:rPr>
-                        <a:t>Características:</a:t>
-                      </a:r>
-                      <a:endParaRPr lang="es-CL" sz="1600">
-                        <a:effectLst/>
-                        <a:latin typeface="Calibri" panose="020F0502020204030204" pitchFamily="34" charset="0"/>
-                        <a:ea typeface="Calibri" panose="020F0502020204030204" pitchFamily="34" charset="0"/>
-                        <a:cs typeface="Times New Roman" panose="02020603050405020304" pitchFamily="18" charset="0"/>
-                      </a:endParaRPr>
-                    </a:p>
-                  </a:txBody>
-                  <a:tcPr marL="68580" marR="68580" marT="0" marB="0"/>
-                </a:tc>
-                <a:tc>
-                  <a:txBody>
-                    <a:bodyPr/>
-                    <a:lstStyle/>
-                    <a:p>
-                      <a:pPr>
-                        <a:spcAft>
-                          <a:spcPts val="0"/>
-                        </a:spcAft>
-                      </a:pPr>
-                      <a:r>
-                        <a:rPr lang="es-ES_tradnl" sz="1600" dirty="0">
-                          <a:effectLst/>
-                        </a:rPr>
-                        <a:t>El usuario deberá identificarse para acceder a todas sus RRSS y correo electrónico.</a:t>
-                      </a:r>
-                      <a:endParaRPr lang="es-CL" sz="1600" dirty="0">
-                        <a:effectLst/>
-                        <a:latin typeface="Calibri" panose="020F0502020204030204" pitchFamily="34" charset="0"/>
-                        <a:ea typeface="Calibri" panose="020F0502020204030204" pitchFamily="34" charset="0"/>
-                        <a:cs typeface="Times New Roman" panose="02020603050405020304" pitchFamily="18" charset="0"/>
-                      </a:endParaRPr>
-                    </a:p>
-                  </a:txBody>
-                  <a:tcPr marL="68580" marR="68580" marT="0" marB="0"/>
-                </a:tc>
-                <a:extLst>
-                  <a:ext uri="{0D108BD9-81ED-4DB2-BD59-A6C34878D82A}">
-                    <a16:rowId xmlns:a16="http://schemas.microsoft.com/office/drawing/2014/main" val="2095094170"/>
-                  </a:ext>
-                </a:extLst>
-              </a:tr>
-              <a:tr h="725893">
-                <a:tc>
-                  <a:txBody>
-                    <a:bodyPr/>
-                    <a:lstStyle/>
-                    <a:p>
-                      <a:pPr>
-                        <a:spcAft>
-                          <a:spcPts val="0"/>
-                        </a:spcAft>
-                      </a:pPr>
-                      <a:r>
-                        <a:rPr lang="es-ES_tradnl" sz="1600" kern="1200">
-                          <a:effectLst/>
-                        </a:rPr>
-                        <a:t>Descripción del requerimiento:</a:t>
-                      </a:r>
-                      <a:endParaRPr lang="es-CL" sz="1600">
-                        <a:effectLst/>
-                        <a:latin typeface="Calibri" panose="020F0502020204030204" pitchFamily="34" charset="0"/>
-                        <a:ea typeface="Calibri" panose="020F0502020204030204" pitchFamily="34" charset="0"/>
-                        <a:cs typeface="Times New Roman" panose="02020603050405020304" pitchFamily="18" charset="0"/>
-                      </a:endParaRPr>
-                    </a:p>
-                  </a:txBody>
-                  <a:tcPr marL="68580" marR="68580" marT="0" marB="0"/>
-                </a:tc>
-                <a:tc>
-                  <a:txBody>
-                    <a:bodyPr/>
-                    <a:lstStyle/>
-                    <a:p>
-                      <a:pPr>
-                        <a:spcAft>
-                          <a:spcPts val="0"/>
-                        </a:spcAft>
-                      </a:pPr>
-                      <a:r>
-                        <a:rPr lang="es-ES_tradnl" sz="1600" dirty="0">
-                          <a:effectLst/>
-                        </a:rPr>
-                        <a:t>El sistema pedirá al usuario su correo electrónico y contraseña para acceder a cada una de las RRSS. </a:t>
-                      </a:r>
-                      <a:endParaRPr lang="es-CL" sz="1600" dirty="0">
-                        <a:effectLst/>
-                        <a:latin typeface="Calibri" panose="020F0502020204030204" pitchFamily="34" charset="0"/>
-                        <a:ea typeface="Calibri" panose="020F0502020204030204" pitchFamily="34" charset="0"/>
-                        <a:cs typeface="Times New Roman" panose="02020603050405020304" pitchFamily="18" charset="0"/>
-                      </a:endParaRPr>
-                    </a:p>
-                  </a:txBody>
-                  <a:tcPr marL="68580" marR="68580" marT="0" marB="0"/>
-                </a:tc>
-                <a:extLst>
-                  <a:ext uri="{0D108BD9-81ED-4DB2-BD59-A6C34878D82A}">
-                    <a16:rowId xmlns:a16="http://schemas.microsoft.com/office/drawing/2014/main" val="3436480370"/>
-                  </a:ext>
-                </a:extLst>
-              </a:tr>
-              <a:tr h="762187">
-                <a:tc gridSpan="2">
-                  <a:txBody>
-                    <a:bodyPr/>
-                    <a:lstStyle/>
-                    <a:p>
-                      <a:pPr>
-                        <a:spcAft>
-                          <a:spcPts val="0"/>
-                        </a:spcAft>
-                      </a:pPr>
-                      <a:r>
-                        <a:rPr lang="es-ES_tradnl" sz="1600" dirty="0">
-                          <a:effectLst/>
-                        </a:rPr>
-                        <a:t>Prioridad del requerimiento:</a:t>
-                      </a:r>
-                      <a:endParaRPr lang="es-CL" sz="1600" dirty="0">
-                        <a:effectLst/>
-                      </a:endParaRPr>
-                    </a:p>
-                    <a:p>
-                      <a:pPr>
-                        <a:spcAft>
-                          <a:spcPts val="0"/>
-                        </a:spcAft>
-                      </a:pPr>
-                      <a:r>
-                        <a:rPr lang="es-ES_tradnl" sz="1600" dirty="0">
-                          <a:effectLst/>
-                        </a:rPr>
-                        <a:t>Alta</a:t>
-                      </a:r>
-                      <a:endParaRPr lang="es-CL" sz="1600" dirty="0">
-                        <a:effectLst/>
-                        <a:latin typeface="Georgia" panose="02040502050405020303" pitchFamily="18" charset="0"/>
-                        <a:ea typeface="Georgia" panose="02040502050405020303" pitchFamily="18" charset="0"/>
-                        <a:cs typeface="Times New Roman" panose="02020603050405020304" pitchFamily="18" charset="0"/>
-                      </a:endParaRPr>
-                    </a:p>
-                  </a:txBody>
-                  <a:tcPr marL="68580" marR="68580" marT="0" marB="0"/>
-                </a:tc>
-                <a:tc hMerge="1">
-                  <a:txBody>
-                    <a:bodyPr/>
-                    <a:lstStyle/>
-                    <a:p>
-                      <a:endParaRPr lang="es-CL"/>
-                    </a:p>
-                  </a:txBody>
-                  <a:tcPr/>
-                </a:tc>
-                <a:extLst>
-                  <a:ext uri="{0D108BD9-81ED-4DB2-BD59-A6C34878D82A}">
-                    <a16:rowId xmlns:a16="http://schemas.microsoft.com/office/drawing/2014/main" val="819147847"/>
-                  </a:ext>
-                </a:extLst>
-              </a:tr>
-            </a:tbl>
-          </a:graphicData>
-        </a:graphic>
-      </p:graphicFrame>
-      <p:graphicFrame>
-        <p:nvGraphicFramePr>
-          <p:cNvPr id="5" name="Tabla 4">
-            <a:extLst>
-              <a:ext uri="{FF2B5EF4-FFF2-40B4-BE49-F238E27FC236}">
-                <a16:creationId xmlns:a16="http://schemas.microsoft.com/office/drawing/2014/main" id="{06D0C961-1E4D-4E80-85C9-871C609771C2}"/>
-              </a:ext>
-            </a:extLst>
-          </p:cNvPr>
-          <p:cNvGraphicFramePr>
-            <a:graphicFrameLocks noGrp="1"/>
-          </p:cNvGraphicFramePr>
-          <p:nvPr>
-            <p:extLst>
-              <p:ext uri="{D42A27DB-BD31-4B8C-83A1-F6EECF244321}">
-                <p14:modId xmlns:p14="http://schemas.microsoft.com/office/powerpoint/2010/main" val="2591899452"/>
-              </p:ext>
-            </p:extLst>
-          </p:nvPr>
-        </p:nvGraphicFramePr>
-        <p:xfrm>
-          <a:off x="6301946" y="2081022"/>
-          <a:ext cx="5160533" cy="3698705"/>
-        </p:xfrm>
-        <a:graphic>
-          <a:graphicData uri="http://schemas.openxmlformats.org/drawingml/2006/table">
-            <a:tbl>
-              <a:tblPr firstRow="1" firstCol="1" bandRow="1">
-                <a:tableStyleId>{5C22544A-7EE6-4342-B048-85BDC9FD1C3A}</a:tableStyleId>
-              </a:tblPr>
-              <a:tblGrid>
-                <a:gridCol w="1478221">
-                  <a:extLst>
-                    <a:ext uri="{9D8B030D-6E8A-4147-A177-3AD203B41FA5}">
-                      <a16:colId xmlns:a16="http://schemas.microsoft.com/office/drawing/2014/main" val="40822789"/>
-                    </a:ext>
-                  </a:extLst>
-                </a:gridCol>
-                <a:gridCol w="3682312">
-                  <a:extLst>
-                    <a:ext uri="{9D8B030D-6E8A-4147-A177-3AD203B41FA5}">
-                      <a16:colId xmlns:a16="http://schemas.microsoft.com/office/drawing/2014/main" val="1544550461"/>
-                    </a:ext>
-                  </a:extLst>
-                </a:gridCol>
-              </a:tblGrid>
-              <a:tr h="845952">
-                <a:tc>
-                  <a:txBody>
-                    <a:bodyPr/>
-                    <a:lstStyle/>
-                    <a:p>
-                      <a:pPr>
-                        <a:spcAft>
-                          <a:spcPts val="0"/>
-                        </a:spcAft>
-                      </a:pPr>
-                      <a:r>
-                        <a:rPr lang="es-ES_tradnl" sz="1600" kern="1200" dirty="0">
-                          <a:effectLst/>
-                        </a:rPr>
-                        <a:t>Identificación del requerimiento:</a:t>
-                      </a:r>
-                      <a:endParaRPr lang="es-CL" sz="1600" dirty="0">
-                        <a:effectLst/>
-                        <a:latin typeface="Calibri" panose="020F0502020204030204" pitchFamily="34" charset="0"/>
-                        <a:ea typeface="Calibri" panose="020F0502020204030204" pitchFamily="34" charset="0"/>
-                        <a:cs typeface="Times New Roman" panose="02020603050405020304" pitchFamily="18" charset="0"/>
-                      </a:endParaRPr>
-                    </a:p>
-                  </a:txBody>
-                  <a:tcPr marL="68580" marR="68580" marT="0" marB="0"/>
-                </a:tc>
-                <a:tc>
-                  <a:txBody>
-                    <a:bodyPr/>
-                    <a:lstStyle/>
-                    <a:p>
-                      <a:pPr>
-                        <a:spcAft>
-                          <a:spcPts val="0"/>
-                        </a:spcAft>
-                      </a:pPr>
-                      <a:r>
-                        <a:rPr lang="es-ES_tradnl" sz="1600" dirty="0">
-                          <a:effectLst/>
-                        </a:rPr>
-                        <a:t>A03</a:t>
-                      </a:r>
-                      <a:endParaRPr lang="es-CL" sz="1600" dirty="0">
-                        <a:effectLst/>
-                        <a:latin typeface="Calibri" panose="020F0502020204030204" pitchFamily="34" charset="0"/>
-                        <a:ea typeface="Calibri" panose="020F0502020204030204" pitchFamily="34" charset="0"/>
-                        <a:cs typeface="Times New Roman" panose="02020603050405020304" pitchFamily="18" charset="0"/>
-                      </a:endParaRPr>
-                    </a:p>
-                  </a:txBody>
-                  <a:tcPr marL="68580" marR="68580" marT="0" marB="0"/>
-                </a:tc>
-                <a:extLst>
-                  <a:ext uri="{0D108BD9-81ED-4DB2-BD59-A6C34878D82A}">
-                    <a16:rowId xmlns:a16="http://schemas.microsoft.com/office/drawing/2014/main" val="4029593070"/>
-                  </a:ext>
-                </a:extLst>
-              </a:tr>
-              <a:tr h="604526">
-                <a:tc>
-                  <a:txBody>
-                    <a:bodyPr/>
-                    <a:lstStyle/>
-                    <a:p>
-                      <a:pPr>
-                        <a:spcAft>
-                          <a:spcPts val="0"/>
-                        </a:spcAft>
-                      </a:pPr>
-                      <a:r>
-                        <a:rPr lang="es-ES_tradnl" sz="1600" kern="1200">
-                          <a:effectLst/>
-                        </a:rPr>
-                        <a:t>Nombre del Requerimiento:</a:t>
-                      </a:r>
-                      <a:endParaRPr lang="es-CL" sz="1600">
-                        <a:effectLst/>
-                        <a:latin typeface="Calibri" panose="020F0502020204030204" pitchFamily="34" charset="0"/>
-                        <a:ea typeface="Calibri" panose="020F0502020204030204" pitchFamily="34" charset="0"/>
-                        <a:cs typeface="Times New Roman" panose="02020603050405020304" pitchFamily="18" charset="0"/>
-                      </a:endParaRPr>
-                    </a:p>
-                  </a:txBody>
-                  <a:tcPr marL="68580" marR="68580" marT="0" marB="0"/>
-                </a:tc>
-                <a:tc>
-                  <a:txBody>
-                    <a:bodyPr/>
-                    <a:lstStyle/>
-                    <a:p>
-                      <a:pPr>
-                        <a:spcAft>
-                          <a:spcPts val="0"/>
-                        </a:spcAft>
-                      </a:pPr>
-                      <a:r>
-                        <a:rPr lang="es-ES_tradnl" sz="1600" dirty="0">
-                          <a:effectLst/>
-                        </a:rPr>
-                        <a:t>Consultar Destinatario</a:t>
-                      </a:r>
-                      <a:endParaRPr lang="es-CL" sz="1600" dirty="0">
-                        <a:effectLst/>
-                        <a:latin typeface="Calibri" panose="020F0502020204030204" pitchFamily="34" charset="0"/>
-                        <a:ea typeface="Calibri" panose="020F0502020204030204" pitchFamily="34" charset="0"/>
-                        <a:cs typeface="Times New Roman" panose="02020603050405020304" pitchFamily="18" charset="0"/>
-                      </a:endParaRPr>
-                    </a:p>
-                  </a:txBody>
-                  <a:tcPr marL="68580" marR="68580" marT="0" marB="0"/>
-                </a:tc>
-                <a:extLst>
-                  <a:ext uri="{0D108BD9-81ED-4DB2-BD59-A6C34878D82A}">
-                    <a16:rowId xmlns:a16="http://schemas.microsoft.com/office/drawing/2014/main" val="683777750"/>
-                  </a:ext>
-                </a:extLst>
-              </a:tr>
-              <a:tr h="533855">
-                <a:tc>
-                  <a:txBody>
-                    <a:bodyPr/>
-                    <a:lstStyle/>
-                    <a:p>
-                      <a:pPr>
-                        <a:spcAft>
-                          <a:spcPts val="0"/>
-                        </a:spcAft>
-                      </a:pPr>
-                      <a:r>
-                        <a:rPr lang="es-ES_tradnl" sz="1600" kern="1200">
-                          <a:effectLst/>
-                        </a:rPr>
-                        <a:t>Características:</a:t>
-                      </a:r>
-                      <a:endParaRPr lang="es-CL" sz="1600">
-                        <a:effectLst/>
-                        <a:latin typeface="Calibri" panose="020F0502020204030204" pitchFamily="34" charset="0"/>
-                        <a:ea typeface="Calibri" panose="020F0502020204030204" pitchFamily="34" charset="0"/>
-                        <a:cs typeface="Times New Roman" panose="02020603050405020304" pitchFamily="18" charset="0"/>
-                      </a:endParaRPr>
-                    </a:p>
-                  </a:txBody>
-                  <a:tcPr marL="68580" marR="68580" marT="0" marB="0"/>
-                </a:tc>
-                <a:tc>
-                  <a:txBody>
-                    <a:bodyPr/>
-                    <a:lstStyle/>
-                    <a:p>
-                      <a:pPr>
-                        <a:spcAft>
-                          <a:spcPts val="0"/>
-                        </a:spcAft>
-                      </a:pPr>
-                      <a:r>
-                        <a:rPr lang="es-ES_tradnl" sz="1600">
-                          <a:effectLst/>
-                        </a:rPr>
-                        <a:t>El usuario consulta la lista de destinatarios.</a:t>
-                      </a:r>
-                      <a:endParaRPr lang="es-CL" sz="1600">
-                        <a:effectLst/>
-                        <a:latin typeface="Calibri" panose="020F0502020204030204" pitchFamily="34" charset="0"/>
-                        <a:ea typeface="Calibri" panose="020F0502020204030204" pitchFamily="34" charset="0"/>
-                        <a:cs typeface="Times New Roman" panose="02020603050405020304" pitchFamily="18" charset="0"/>
-                      </a:endParaRPr>
-                    </a:p>
-                  </a:txBody>
-                  <a:tcPr marL="68580" marR="68580" marT="0" marB="0"/>
-                </a:tc>
-                <a:extLst>
-                  <a:ext uri="{0D108BD9-81ED-4DB2-BD59-A6C34878D82A}">
-                    <a16:rowId xmlns:a16="http://schemas.microsoft.com/office/drawing/2014/main" val="4250609059"/>
-                  </a:ext>
-                </a:extLst>
-              </a:tr>
-              <a:tr h="1085591">
-                <a:tc>
-                  <a:txBody>
-                    <a:bodyPr/>
-                    <a:lstStyle/>
-                    <a:p>
-                      <a:pPr>
-                        <a:spcAft>
-                          <a:spcPts val="0"/>
-                        </a:spcAft>
-                      </a:pPr>
-                      <a:r>
-                        <a:rPr lang="es-ES_tradnl" sz="1600" kern="1200" dirty="0">
-                          <a:effectLst/>
-                        </a:rPr>
-                        <a:t>Descripción del requerimiento:</a:t>
-                      </a:r>
-                      <a:endParaRPr lang="es-CL" sz="1600" dirty="0">
-                        <a:effectLst/>
-                        <a:latin typeface="Calibri" panose="020F0502020204030204" pitchFamily="34" charset="0"/>
-                        <a:ea typeface="Calibri" panose="020F0502020204030204" pitchFamily="34" charset="0"/>
-                        <a:cs typeface="Times New Roman" panose="02020603050405020304" pitchFamily="18" charset="0"/>
-                      </a:endParaRPr>
-                    </a:p>
-                  </a:txBody>
-                  <a:tcPr marL="68580" marR="68580" marT="0" marB="0"/>
-                </a:tc>
-                <a:tc>
-                  <a:txBody>
-                    <a:bodyPr/>
-                    <a:lstStyle/>
-                    <a:p>
-                      <a:pPr>
-                        <a:spcAft>
-                          <a:spcPts val="0"/>
-                        </a:spcAft>
-                      </a:pPr>
-                      <a:r>
-                        <a:rPr lang="es-ES_tradnl" sz="1600" dirty="0">
-                          <a:effectLst/>
-                        </a:rPr>
-                        <a:t>El usuario realiza diversas consultas a la base de datos con el fin de filtrar, ordenar y seleccionar los destinatarios para el envío de mensajes.</a:t>
-                      </a:r>
-                      <a:endParaRPr lang="es-CL" sz="1600" dirty="0">
-                        <a:effectLst/>
-                        <a:latin typeface="Calibri" panose="020F0502020204030204" pitchFamily="34" charset="0"/>
-                        <a:ea typeface="Calibri" panose="020F0502020204030204" pitchFamily="34" charset="0"/>
-                        <a:cs typeface="Times New Roman" panose="02020603050405020304" pitchFamily="18" charset="0"/>
-                      </a:endParaRPr>
-                    </a:p>
-                  </a:txBody>
-                  <a:tcPr marL="68580" marR="68580" marT="0" marB="0"/>
-                </a:tc>
-                <a:extLst>
-                  <a:ext uri="{0D108BD9-81ED-4DB2-BD59-A6C34878D82A}">
-                    <a16:rowId xmlns:a16="http://schemas.microsoft.com/office/drawing/2014/main" val="478668355"/>
-                  </a:ext>
-                </a:extLst>
-              </a:tr>
-              <a:tr h="628781">
-                <a:tc gridSpan="2">
-                  <a:txBody>
-                    <a:bodyPr/>
-                    <a:lstStyle/>
-                    <a:p>
-                      <a:pPr>
-                        <a:spcAft>
-                          <a:spcPts val="0"/>
-                        </a:spcAft>
-                      </a:pPr>
-                      <a:r>
-                        <a:rPr lang="es-ES_tradnl" sz="1600" dirty="0">
-                          <a:effectLst/>
-                        </a:rPr>
-                        <a:t>Prioridad del requerimiento:</a:t>
-                      </a:r>
-                      <a:endParaRPr lang="es-CL" sz="1600" dirty="0">
-                        <a:effectLst/>
-                      </a:endParaRPr>
-                    </a:p>
-                    <a:p>
-                      <a:pPr>
-                        <a:spcAft>
-                          <a:spcPts val="0"/>
-                        </a:spcAft>
-                      </a:pPr>
-                      <a:r>
-                        <a:rPr lang="es-ES_tradnl" sz="1600" dirty="0">
-                          <a:effectLst/>
-                        </a:rPr>
-                        <a:t>Alta</a:t>
-                      </a:r>
-                      <a:endParaRPr lang="es-CL" sz="1600" dirty="0">
-                        <a:effectLst/>
-                        <a:latin typeface="Georgia" panose="02040502050405020303" pitchFamily="18" charset="0"/>
-                        <a:ea typeface="Georgia" panose="02040502050405020303" pitchFamily="18" charset="0"/>
-                        <a:cs typeface="Times New Roman" panose="02020603050405020304" pitchFamily="18" charset="0"/>
-                      </a:endParaRPr>
-                    </a:p>
-                  </a:txBody>
-                  <a:tcPr marL="68580" marR="68580" marT="0" marB="0"/>
-                </a:tc>
-                <a:tc hMerge="1">
-                  <a:txBody>
-                    <a:bodyPr/>
-                    <a:lstStyle/>
-                    <a:p>
-                      <a:endParaRPr lang="es-CL"/>
-                    </a:p>
-                  </a:txBody>
-                  <a:tcPr/>
-                </a:tc>
-                <a:extLst>
-                  <a:ext uri="{0D108BD9-81ED-4DB2-BD59-A6C34878D82A}">
-                    <a16:rowId xmlns:a16="http://schemas.microsoft.com/office/drawing/2014/main" val="1309380933"/>
-                  </a:ext>
-                </a:extLst>
-              </a:tr>
-            </a:tbl>
-          </a:graphicData>
-        </a:graphic>
-      </p:graphicFrame>
-    </p:spTree>
-    <p:extLst>
-      <p:ext uri="{BB962C8B-B14F-4D97-AF65-F5344CB8AC3E}">
-        <p14:creationId xmlns:p14="http://schemas.microsoft.com/office/powerpoint/2010/main" val="3069171057"/>
-      </p:ext>
-    </p:extLst>
-  </p:cSld>
-  <p:clrMapOvr>
-    <a:masterClrMapping/>
-  </p:clrMapOvr>
-</p:sld>
-</file>
-
 <file path=ppt/slides/slide7.xml><?xml version="1.0" encoding="utf-8"?>
 <p:sld xmlns:a="http://schemas.openxmlformats.org/drawingml/2006/main" xmlns:r="http://schemas.openxmlformats.org/officeDocument/2006/relationships" xmlns:p="http://schemas.openxmlformats.org/presentationml/2006/main">
   <p:cSld>
@@ -20648,7 +15975,7 @@
           <p:cNvPr id="2" name="Título 1">
             <a:extLst>
               <a:ext uri="{FF2B5EF4-FFF2-40B4-BE49-F238E27FC236}">
-                <a16:creationId xmlns:a16="http://schemas.microsoft.com/office/drawing/2014/main" id="{429F310F-147C-40D2-A9E7-A0F93DD931BD}"/>
+                <a16:creationId xmlns:a16="http://schemas.microsoft.com/office/drawing/2014/main" id="{D5BD98C8-58ED-4C37-AE3E-7E85E5BB6AD9}"/>
               </a:ext>
             </a:extLst>
           </p:cNvPr>
@@ -20664,705 +15991,147 @@
           <a:bodyPr/>
           <a:lstStyle/>
           <a:p>
-            <a:endParaRPr lang="es-CL"/>
+            <a:r>
+              <a:rPr lang="es-CL" dirty="0"/>
+              <a:t>Estimación</a:t>
+            </a:r>
           </a:p>
         </p:txBody>
       </p:sp>
-      <p:graphicFrame>
-        <p:nvGraphicFramePr>
-          <p:cNvPr id="4" name="Marcador de contenido 3">
+      <p:sp>
+        <p:nvSpPr>
+          <p:cNvPr id="3" name="Marcador de contenido 2">
             <a:extLst>
               <a:ext uri="{FF2B5EF4-FFF2-40B4-BE49-F238E27FC236}">
-                <a16:creationId xmlns:a16="http://schemas.microsoft.com/office/drawing/2014/main" id="{7A349314-F85D-4507-AAEC-7B48988B9564}"/>
+                <a16:creationId xmlns:a16="http://schemas.microsoft.com/office/drawing/2014/main" id="{ECB4D65E-D268-4B24-9786-1E4C159BD897}"/>
               </a:ext>
             </a:extLst>
           </p:cNvPr>
-          <p:cNvGraphicFramePr>
-            <a:graphicFrameLocks noGrp="1"/>
-          </p:cNvGraphicFramePr>
+          <p:cNvSpPr>
+            <a:spLocks noGrp="1"/>
+          </p:cNvSpPr>
           <p:nvPr>
             <p:ph idx="1"/>
-            <p:extLst>
-              <p:ext uri="{D42A27DB-BD31-4B8C-83A1-F6EECF244321}">
-                <p14:modId xmlns:p14="http://schemas.microsoft.com/office/powerpoint/2010/main" val="3318523869"/>
-              </p:ext>
-            </p:extLst>
           </p:nvPr>
-        </p:nvGraphicFramePr>
-        <p:xfrm>
-          <a:off x="605472" y="2120989"/>
-          <a:ext cx="5488940" cy="3169920"/>
-        </p:xfrm>
-        <a:graphic>
-          <a:graphicData uri="http://schemas.openxmlformats.org/drawingml/2006/table">
-            <a:tbl>
-              <a:tblPr firstRow="1" firstCol="1" bandRow="1">
-                <a:tableStyleId>{5C22544A-7EE6-4342-B048-85BDC9FD1C3A}</a:tableStyleId>
-              </a:tblPr>
-              <a:tblGrid>
-                <a:gridCol w="1396323">
-                  <a:extLst>
-                    <a:ext uri="{9D8B030D-6E8A-4147-A177-3AD203B41FA5}">
-                      <a16:colId xmlns:a16="http://schemas.microsoft.com/office/drawing/2014/main" val="593543465"/>
-                    </a:ext>
-                  </a:extLst>
-                </a:gridCol>
-                <a:gridCol w="4092617">
-                  <a:extLst>
-                    <a:ext uri="{9D8B030D-6E8A-4147-A177-3AD203B41FA5}">
-                      <a16:colId xmlns:a16="http://schemas.microsoft.com/office/drawing/2014/main" val="3952523321"/>
-                    </a:ext>
-                  </a:extLst>
-                </a:gridCol>
-              </a:tblGrid>
-              <a:tr h="0">
-                <a:tc>
-                  <a:txBody>
-                    <a:bodyPr/>
-                    <a:lstStyle/>
-                    <a:p>
-                      <a:pPr>
-                        <a:spcAft>
-                          <a:spcPts val="0"/>
-                        </a:spcAft>
-                      </a:pPr>
-                      <a:r>
-                        <a:rPr lang="es-ES_tradnl" sz="1600" kern="1200">
-                          <a:effectLst/>
-                        </a:rPr>
-                        <a:t>Identificación del requerimiento:</a:t>
-                      </a:r>
-                      <a:endParaRPr lang="es-CL" sz="1600">
-                        <a:effectLst/>
-                        <a:latin typeface="Calibri" panose="020F0502020204030204" pitchFamily="34" charset="0"/>
-                        <a:ea typeface="Calibri" panose="020F0502020204030204" pitchFamily="34" charset="0"/>
-                        <a:cs typeface="Times New Roman" panose="02020603050405020304" pitchFamily="18" charset="0"/>
-                      </a:endParaRPr>
-                    </a:p>
-                  </a:txBody>
-                  <a:tcPr marL="68580" marR="68580" marT="0" marB="0"/>
-                </a:tc>
-                <a:tc>
-                  <a:txBody>
-                    <a:bodyPr/>
-                    <a:lstStyle/>
-                    <a:p>
-                      <a:pPr>
-                        <a:spcAft>
-                          <a:spcPts val="0"/>
-                        </a:spcAft>
-                      </a:pPr>
-                      <a:r>
-                        <a:rPr lang="es-ES_tradnl" sz="1600" dirty="0">
-                          <a:effectLst/>
-                        </a:rPr>
-                        <a:t>A06</a:t>
-                      </a:r>
-                      <a:endParaRPr lang="es-CL" sz="1600" dirty="0">
-                        <a:effectLst/>
-                        <a:latin typeface="Calibri" panose="020F0502020204030204" pitchFamily="34" charset="0"/>
-                        <a:ea typeface="Calibri" panose="020F0502020204030204" pitchFamily="34" charset="0"/>
-                        <a:cs typeface="Times New Roman" panose="02020603050405020304" pitchFamily="18" charset="0"/>
-                      </a:endParaRPr>
-                    </a:p>
-                  </a:txBody>
-                  <a:tcPr marL="68580" marR="68580" marT="0" marB="0"/>
-                </a:tc>
-                <a:extLst>
-                  <a:ext uri="{0D108BD9-81ED-4DB2-BD59-A6C34878D82A}">
-                    <a16:rowId xmlns:a16="http://schemas.microsoft.com/office/drawing/2014/main" val="3125933297"/>
-                  </a:ext>
-                </a:extLst>
-              </a:tr>
-              <a:tr h="0">
-                <a:tc>
-                  <a:txBody>
-                    <a:bodyPr/>
-                    <a:lstStyle/>
-                    <a:p>
-                      <a:pPr>
-                        <a:spcAft>
-                          <a:spcPts val="0"/>
-                        </a:spcAft>
-                      </a:pPr>
-                      <a:r>
-                        <a:rPr lang="es-ES_tradnl" sz="1600" kern="1200">
-                          <a:effectLst/>
-                        </a:rPr>
-                        <a:t>Nombre del Requerimiento:</a:t>
-                      </a:r>
-                      <a:endParaRPr lang="es-CL" sz="1600">
-                        <a:effectLst/>
-                        <a:latin typeface="Calibri" panose="020F0502020204030204" pitchFamily="34" charset="0"/>
-                        <a:ea typeface="Calibri" panose="020F0502020204030204" pitchFamily="34" charset="0"/>
-                        <a:cs typeface="Times New Roman" panose="02020603050405020304" pitchFamily="18" charset="0"/>
-                      </a:endParaRPr>
-                    </a:p>
-                  </a:txBody>
-                  <a:tcPr marL="68580" marR="68580" marT="0" marB="0"/>
-                </a:tc>
-                <a:tc>
-                  <a:txBody>
-                    <a:bodyPr/>
-                    <a:lstStyle/>
-                    <a:p>
-                      <a:pPr>
-                        <a:spcAft>
-                          <a:spcPts val="0"/>
-                        </a:spcAft>
-                      </a:pPr>
-                      <a:r>
-                        <a:rPr lang="es-ES_tradnl" sz="1600">
-                          <a:effectLst/>
-                        </a:rPr>
-                        <a:t>Enviar Correo Múltiple</a:t>
-                      </a:r>
-                      <a:endParaRPr lang="es-CL" sz="1600">
-                        <a:effectLst/>
-                        <a:latin typeface="Calibri" panose="020F0502020204030204" pitchFamily="34" charset="0"/>
-                        <a:ea typeface="Calibri" panose="020F0502020204030204" pitchFamily="34" charset="0"/>
-                        <a:cs typeface="Times New Roman" panose="02020603050405020304" pitchFamily="18" charset="0"/>
-                      </a:endParaRPr>
-                    </a:p>
-                  </a:txBody>
-                  <a:tcPr marL="68580" marR="68580" marT="0" marB="0"/>
-                </a:tc>
-                <a:extLst>
-                  <a:ext uri="{0D108BD9-81ED-4DB2-BD59-A6C34878D82A}">
-                    <a16:rowId xmlns:a16="http://schemas.microsoft.com/office/drawing/2014/main" val="939734980"/>
-                  </a:ext>
-                </a:extLst>
-              </a:tr>
-              <a:tr h="0">
-                <a:tc>
-                  <a:txBody>
-                    <a:bodyPr/>
-                    <a:lstStyle/>
-                    <a:p>
-                      <a:pPr>
-                        <a:spcAft>
-                          <a:spcPts val="0"/>
-                        </a:spcAft>
-                      </a:pPr>
-                      <a:r>
-                        <a:rPr lang="es-ES_tradnl" sz="1600" kern="1200">
-                          <a:effectLst/>
-                        </a:rPr>
-                        <a:t>Características:</a:t>
-                      </a:r>
-                      <a:endParaRPr lang="es-CL" sz="1600">
-                        <a:effectLst/>
-                        <a:latin typeface="Calibri" panose="020F0502020204030204" pitchFamily="34" charset="0"/>
-                        <a:ea typeface="Calibri" panose="020F0502020204030204" pitchFamily="34" charset="0"/>
-                        <a:cs typeface="Times New Roman" panose="02020603050405020304" pitchFamily="18" charset="0"/>
-                      </a:endParaRPr>
-                    </a:p>
-                  </a:txBody>
-                  <a:tcPr marL="68580" marR="68580" marT="0" marB="0"/>
-                </a:tc>
-                <a:tc>
-                  <a:txBody>
-                    <a:bodyPr/>
-                    <a:lstStyle/>
-                    <a:p>
-                      <a:pPr>
-                        <a:spcAft>
-                          <a:spcPts val="0"/>
-                        </a:spcAft>
-                      </a:pPr>
-                      <a:r>
-                        <a:rPr lang="es-ES_tradnl" sz="1600">
-                          <a:effectLst/>
-                        </a:rPr>
-                        <a:t>Envió masivo de mensajes vía e-mail</a:t>
-                      </a:r>
-                      <a:endParaRPr lang="es-CL" sz="1600">
-                        <a:effectLst/>
-                        <a:latin typeface="Calibri" panose="020F0502020204030204" pitchFamily="34" charset="0"/>
-                        <a:ea typeface="Calibri" panose="020F0502020204030204" pitchFamily="34" charset="0"/>
-                        <a:cs typeface="Times New Roman" panose="02020603050405020304" pitchFamily="18" charset="0"/>
-                      </a:endParaRPr>
-                    </a:p>
-                  </a:txBody>
-                  <a:tcPr marL="68580" marR="68580" marT="0" marB="0"/>
-                </a:tc>
-                <a:extLst>
-                  <a:ext uri="{0D108BD9-81ED-4DB2-BD59-A6C34878D82A}">
-                    <a16:rowId xmlns:a16="http://schemas.microsoft.com/office/drawing/2014/main" val="1019558686"/>
-                  </a:ext>
-                </a:extLst>
-              </a:tr>
-              <a:tr h="0">
-                <a:tc>
-                  <a:txBody>
-                    <a:bodyPr/>
-                    <a:lstStyle/>
-                    <a:p>
-                      <a:pPr>
-                        <a:spcAft>
-                          <a:spcPts val="0"/>
-                        </a:spcAft>
-                      </a:pPr>
-                      <a:r>
-                        <a:rPr lang="es-ES_tradnl" sz="1600" kern="1200">
-                          <a:effectLst/>
-                        </a:rPr>
-                        <a:t>Descripción del requerimiento:</a:t>
-                      </a:r>
-                      <a:endParaRPr lang="es-CL" sz="1600">
-                        <a:effectLst/>
-                        <a:latin typeface="Calibri" panose="020F0502020204030204" pitchFamily="34" charset="0"/>
-                        <a:ea typeface="Calibri" panose="020F0502020204030204" pitchFamily="34" charset="0"/>
-                        <a:cs typeface="Times New Roman" panose="02020603050405020304" pitchFamily="18" charset="0"/>
-                      </a:endParaRPr>
-                    </a:p>
-                  </a:txBody>
-                  <a:tcPr marL="68580" marR="68580" marT="0" marB="0"/>
-                </a:tc>
-                <a:tc>
-                  <a:txBody>
-                    <a:bodyPr/>
-                    <a:lstStyle/>
-                    <a:p>
-                      <a:pPr>
-                        <a:spcAft>
-                          <a:spcPts val="0"/>
-                        </a:spcAft>
-                      </a:pPr>
-                      <a:r>
-                        <a:rPr lang="es-ES_tradnl" sz="1600">
-                          <a:effectLst/>
-                        </a:rPr>
-                        <a:t>El sistema envía a todos los destinatarios seleccionados previamente, el mensaje escrito en la plataforma, por el usuario.</a:t>
-                      </a:r>
-                      <a:endParaRPr lang="es-CL" sz="1600">
-                        <a:effectLst/>
-                        <a:latin typeface="Calibri" panose="020F0502020204030204" pitchFamily="34" charset="0"/>
-                        <a:ea typeface="Calibri" panose="020F0502020204030204" pitchFamily="34" charset="0"/>
-                        <a:cs typeface="Times New Roman" panose="02020603050405020304" pitchFamily="18" charset="0"/>
-                      </a:endParaRPr>
-                    </a:p>
-                  </a:txBody>
-                  <a:tcPr marL="68580" marR="68580" marT="0" marB="0"/>
-                </a:tc>
-                <a:extLst>
-                  <a:ext uri="{0D108BD9-81ED-4DB2-BD59-A6C34878D82A}">
-                    <a16:rowId xmlns:a16="http://schemas.microsoft.com/office/drawing/2014/main" val="388992867"/>
-                  </a:ext>
-                </a:extLst>
-              </a:tr>
-              <a:tr h="0">
-                <a:tc gridSpan="2">
-                  <a:txBody>
-                    <a:bodyPr/>
-                    <a:lstStyle/>
-                    <a:p>
-                      <a:pPr>
-                        <a:spcAft>
-                          <a:spcPts val="0"/>
-                        </a:spcAft>
-                      </a:pPr>
-                      <a:r>
-                        <a:rPr lang="es-ES_tradnl" sz="1600" dirty="0">
-                          <a:effectLst/>
-                        </a:rPr>
-                        <a:t>Prioridad del requerimiento:</a:t>
-                      </a:r>
-                      <a:endParaRPr lang="es-CL" sz="1600" dirty="0">
-                        <a:effectLst/>
-                      </a:endParaRPr>
-                    </a:p>
-                    <a:p>
-                      <a:pPr>
-                        <a:spcAft>
-                          <a:spcPts val="0"/>
-                        </a:spcAft>
-                      </a:pPr>
-                      <a:r>
-                        <a:rPr lang="es-ES_tradnl" sz="1600" dirty="0">
-                          <a:effectLst/>
-                        </a:rPr>
-                        <a:t>Alta</a:t>
-                      </a:r>
-                      <a:endParaRPr lang="es-CL" sz="1600" dirty="0">
-                        <a:effectLst/>
-                        <a:latin typeface="Georgia" panose="02040502050405020303" pitchFamily="18" charset="0"/>
-                        <a:ea typeface="Georgia" panose="02040502050405020303" pitchFamily="18" charset="0"/>
-                        <a:cs typeface="Times New Roman" panose="02020603050405020304" pitchFamily="18" charset="0"/>
-                      </a:endParaRPr>
-                    </a:p>
-                  </a:txBody>
-                  <a:tcPr marL="68580" marR="68580" marT="0" marB="0"/>
-                </a:tc>
-                <a:tc hMerge="1">
-                  <a:txBody>
-                    <a:bodyPr/>
-                    <a:lstStyle/>
-                    <a:p>
-                      <a:endParaRPr lang="es-CL"/>
-                    </a:p>
-                  </a:txBody>
-                  <a:tcPr/>
-                </a:tc>
-                <a:extLst>
-                  <a:ext uri="{0D108BD9-81ED-4DB2-BD59-A6C34878D82A}">
-                    <a16:rowId xmlns:a16="http://schemas.microsoft.com/office/drawing/2014/main" val="4037878288"/>
-                  </a:ext>
-                </a:extLst>
-              </a:tr>
-            </a:tbl>
-          </a:graphicData>
-        </a:graphic>
-      </p:graphicFrame>
-      <p:graphicFrame>
-        <p:nvGraphicFramePr>
-          <p:cNvPr id="5" name="Tabla 4">
-            <a:extLst>
-              <a:ext uri="{FF2B5EF4-FFF2-40B4-BE49-F238E27FC236}">
-                <a16:creationId xmlns:a16="http://schemas.microsoft.com/office/drawing/2014/main" id="{2E900242-B03A-4FD3-8095-9482D8FD8153}"/>
-              </a:ext>
-            </a:extLst>
-          </p:cNvPr>
-          <p:cNvGraphicFramePr>
-            <a:graphicFrameLocks noGrp="1"/>
-          </p:cNvGraphicFramePr>
-          <p:nvPr>
-            <p:extLst>
-              <p:ext uri="{D42A27DB-BD31-4B8C-83A1-F6EECF244321}">
-                <p14:modId xmlns:p14="http://schemas.microsoft.com/office/powerpoint/2010/main" val="4053729589"/>
-              </p:ext>
-            </p:extLst>
-          </p:nvPr>
-        </p:nvGraphicFramePr>
-        <p:xfrm>
-          <a:off x="6097588" y="2122479"/>
-          <a:ext cx="5488940" cy="3169920"/>
-        </p:xfrm>
-        <a:graphic>
-          <a:graphicData uri="http://schemas.openxmlformats.org/drawingml/2006/table">
-            <a:tbl>
-              <a:tblPr firstRow="1" firstCol="1" bandRow="1">
-                <a:tableStyleId>{5C22544A-7EE6-4342-B048-85BDC9FD1C3A}</a:tableStyleId>
-              </a:tblPr>
-              <a:tblGrid>
-                <a:gridCol w="1365893">
-                  <a:extLst>
-                    <a:ext uri="{9D8B030D-6E8A-4147-A177-3AD203B41FA5}">
-                      <a16:colId xmlns:a16="http://schemas.microsoft.com/office/drawing/2014/main" val="814570830"/>
-                    </a:ext>
-                  </a:extLst>
-                </a:gridCol>
-                <a:gridCol w="4123047">
-                  <a:extLst>
-                    <a:ext uri="{9D8B030D-6E8A-4147-A177-3AD203B41FA5}">
-                      <a16:colId xmlns:a16="http://schemas.microsoft.com/office/drawing/2014/main" val="2688030771"/>
-                    </a:ext>
-                  </a:extLst>
-                </a:gridCol>
-              </a:tblGrid>
-              <a:tr h="0">
-                <a:tc>
-                  <a:txBody>
-                    <a:bodyPr/>
-                    <a:lstStyle/>
-                    <a:p>
-                      <a:pPr>
-                        <a:spcAft>
-                          <a:spcPts val="0"/>
-                        </a:spcAft>
-                      </a:pPr>
-                      <a:r>
-                        <a:rPr lang="es-ES_tradnl" sz="1600" kern="1200">
-                          <a:effectLst/>
-                        </a:rPr>
-                        <a:t>Identificación del requerimiento:</a:t>
-                      </a:r>
-                      <a:endParaRPr lang="es-CL" sz="1600">
-                        <a:effectLst/>
-                        <a:latin typeface="Calibri" panose="020F0502020204030204" pitchFamily="34" charset="0"/>
-                        <a:ea typeface="Calibri" panose="020F0502020204030204" pitchFamily="34" charset="0"/>
-                        <a:cs typeface="Times New Roman" panose="02020603050405020304" pitchFamily="18" charset="0"/>
-                      </a:endParaRPr>
-                    </a:p>
-                  </a:txBody>
-                  <a:tcPr marL="68580" marR="68580" marT="0" marB="0"/>
-                </a:tc>
-                <a:tc>
-                  <a:txBody>
-                    <a:bodyPr/>
-                    <a:lstStyle/>
-                    <a:p>
-                      <a:pPr>
-                        <a:spcAft>
-                          <a:spcPts val="0"/>
-                        </a:spcAft>
-                      </a:pPr>
-                      <a:r>
-                        <a:rPr lang="es-ES_tradnl" sz="1600" dirty="0">
-                          <a:effectLst/>
-                        </a:rPr>
-                        <a:t>A08</a:t>
-                      </a:r>
-                      <a:endParaRPr lang="es-CL" sz="1600" dirty="0">
-                        <a:effectLst/>
-                        <a:latin typeface="Calibri" panose="020F0502020204030204" pitchFamily="34" charset="0"/>
-                        <a:ea typeface="Calibri" panose="020F0502020204030204" pitchFamily="34" charset="0"/>
-                        <a:cs typeface="Times New Roman" panose="02020603050405020304" pitchFamily="18" charset="0"/>
-                      </a:endParaRPr>
-                    </a:p>
-                  </a:txBody>
-                  <a:tcPr marL="68580" marR="68580" marT="0" marB="0"/>
-                </a:tc>
-                <a:extLst>
-                  <a:ext uri="{0D108BD9-81ED-4DB2-BD59-A6C34878D82A}">
-                    <a16:rowId xmlns:a16="http://schemas.microsoft.com/office/drawing/2014/main" val="3092185978"/>
-                  </a:ext>
-                </a:extLst>
-              </a:tr>
-              <a:tr h="0">
-                <a:tc>
-                  <a:txBody>
-                    <a:bodyPr/>
-                    <a:lstStyle/>
-                    <a:p>
-                      <a:pPr>
-                        <a:spcAft>
-                          <a:spcPts val="0"/>
-                        </a:spcAft>
-                      </a:pPr>
-                      <a:r>
-                        <a:rPr lang="es-ES_tradnl" sz="1600" kern="1200">
-                          <a:effectLst/>
-                        </a:rPr>
-                        <a:t>Nombre del Requerimiento:</a:t>
-                      </a:r>
-                      <a:endParaRPr lang="es-CL" sz="1600">
-                        <a:effectLst/>
-                        <a:latin typeface="Calibri" panose="020F0502020204030204" pitchFamily="34" charset="0"/>
-                        <a:ea typeface="Calibri" panose="020F0502020204030204" pitchFamily="34" charset="0"/>
-                        <a:cs typeface="Times New Roman" panose="02020603050405020304" pitchFamily="18" charset="0"/>
-                      </a:endParaRPr>
-                    </a:p>
-                  </a:txBody>
-                  <a:tcPr marL="68580" marR="68580" marT="0" marB="0"/>
-                </a:tc>
-                <a:tc>
-                  <a:txBody>
-                    <a:bodyPr/>
-                    <a:lstStyle/>
-                    <a:p>
-                      <a:pPr>
-                        <a:spcAft>
-                          <a:spcPts val="0"/>
-                        </a:spcAft>
-                      </a:pPr>
-                      <a:r>
-                        <a:rPr lang="es-ES_tradnl" sz="1600">
-                          <a:effectLst/>
-                        </a:rPr>
-                        <a:t>Publicación Simultanea</a:t>
-                      </a:r>
-                      <a:endParaRPr lang="es-CL" sz="1600">
-                        <a:effectLst/>
-                        <a:latin typeface="Calibri" panose="020F0502020204030204" pitchFamily="34" charset="0"/>
-                        <a:ea typeface="Calibri" panose="020F0502020204030204" pitchFamily="34" charset="0"/>
-                        <a:cs typeface="Times New Roman" panose="02020603050405020304" pitchFamily="18" charset="0"/>
-                      </a:endParaRPr>
-                    </a:p>
-                  </a:txBody>
-                  <a:tcPr marL="68580" marR="68580" marT="0" marB="0"/>
-                </a:tc>
-                <a:extLst>
-                  <a:ext uri="{0D108BD9-81ED-4DB2-BD59-A6C34878D82A}">
-                    <a16:rowId xmlns:a16="http://schemas.microsoft.com/office/drawing/2014/main" val="1726245933"/>
-                  </a:ext>
-                </a:extLst>
-              </a:tr>
-              <a:tr h="0">
-                <a:tc>
-                  <a:txBody>
-                    <a:bodyPr/>
-                    <a:lstStyle/>
-                    <a:p>
-                      <a:pPr>
-                        <a:spcAft>
-                          <a:spcPts val="0"/>
-                        </a:spcAft>
-                      </a:pPr>
-                      <a:r>
-                        <a:rPr lang="es-ES_tradnl" sz="1600" kern="1200">
-                          <a:effectLst/>
-                        </a:rPr>
-                        <a:t>Características:</a:t>
-                      </a:r>
-                      <a:endParaRPr lang="es-CL" sz="1600">
-                        <a:effectLst/>
-                        <a:latin typeface="Calibri" panose="020F0502020204030204" pitchFamily="34" charset="0"/>
-                        <a:ea typeface="Calibri" panose="020F0502020204030204" pitchFamily="34" charset="0"/>
-                        <a:cs typeface="Times New Roman" panose="02020603050405020304" pitchFamily="18" charset="0"/>
-                      </a:endParaRPr>
-                    </a:p>
-                  </a:txBody>
-                  <a:tcPr marL="68580" marR="68580" marT="0" marB="0"/>
-                </a:tc>
-                <a:tc>
-                  <a:txBody>
-                    <a:bodyPr/>
-                    <a:lstStyle/>
-                    <a:p>
-                      <a:pPr>
-                        <a:spcAft>
-                          <a:spcPts val="0"/>
-                        </a:spcAft>
-                      </a:pPr>
-                      <a:r>
-                        <a:rPr lang="es-ES_tradnl" sz="1600">
-                          <a:effectLst/>
-                        </a:rPr>
-                        <a:t>Publicación simultánea en cada una de las RRSS activas por el Usuario.</a:t>
-                      </a:r>
-                      <a:endParaRPr lang="es-CL" sz="1600">
-                        <a:effectLst/>
-                        <a:latin typeface="Calibri" panose="020F0502020204030204" pitchFamily="34" charset="0"/>
-                        <a:ea typeface="Calibri" panose="020F0502020204030204" pitchFamily="34" charset="0"/>
-                        <a:cs typeface="Times New Roman" panose="02020603050405020304" pitchFamily="18" charset="0"/>
-                      </a:endParaRPr>
-                    </a:p>
-                  </a:txBody>
-                  <a:tcPr marL="68580" marR="68580" marT="0" marB="0"/>
-                </a:tc>
-                <a:extLst>
-                  <a:ext uri="{0D108BD9-81ED-4DB2-BD59-A6C34878D82A}">
-                    <a16:rowId xmlns:a16="http://schemas.microsoft.com/office/drawing/2014/main" val="364768543"/>
-                  </a:ext>
-                </a:extLst>
-              </a:tr>
-              <a:tr h="0">
-                <a:tc>
-                  <a:txBody>
-                    <a:bodyPr/>
-                    <a:lstStyle/>
-                    <a:p>
-                      <a:pPr>
-                        <a:spcAft>
-                          <a:spcPts val="0"/>
-                        </a:spcAft>
-                      </a:pPr>
-                      <a:r>
-                        <a:rPr lang="es-ES_tradnl" sz="1600" kern="1200">
-                          <a:effectLst/>
-                        </a:rPr>
-                        <a:t>Descripción del requerimiento:</a:t>
-                      </a:r>
-                      <a:endParaRPr lang="es-CL" sz="1600">
-                        <a:effectLst/>
-                        <a:latin typeface="Calibri" panose="020F0502020204030204" pitchFamily="34" charset="0"/>
-                        <a:ea typeface="Calibri" panose="020F0502020204030204" pitchFamily="34" charset="0"/>
-                        <a:cs typeface="Times New Roman" panose="02020603050405020304" pitchFamily="18" charset="0"/>
-                      </a:endParaRPr>
-                    </a:p>
-                  </a:txBody>
-                  <a:tcPr marL="68580" marR="68580" marT="0" marB="0"/>
-                </a:tc>
-                <a:tc>
-                  <a:txBody>
-                    <a:bodyPr/>
-                    <a:lstStyle/>
-                    <a:p>
-                      <a:pPr>
-                        <a:spcAft>
-                          <a:spcPts val="0"/>
-                        </a:spcAft>
-                      </a:pPr>
-                      <a:r>
-                        <a:rPr lang="es-ES_tradnl" sz="1600">
-                          <a:effectLst/>
-                        </a:rPr>
-                        <a:t>El sistema publica un mismo post escrito en la plataforma, por el usuario, a cada una de las RRSS activas previamente.</a:t>
-                      </a:r>
-                      <a:endParaRPr lang="es-CL" sz="1600">
-                        <a:effectLst/>
-                        <a:latin typeface="Calibri" panose="020F0502020204030204" pitchFamily="34" charset="0"/>
-                        <a:ea typeface="Calibri" panose="020F0502020204030204" pitchFamily="34" charset="0"/>
-                        <a:cs typeface="Times New Roman" panose="02020603050405020304" pitchFamily="18" charset="0"/>
-                      </a:endParaRPr>
-                    </a:p>
-                  </a:txBody>
-                  <a:tcPr marL="68580" marR="68580" marT="0" marB="0"/>
-                </a:tc>
-                <a:extLst>
-                  <a:ext uri="{0D108BD9-81ED-4DB2-BD59-A6C34878D82A}">
-                    <a16:rowId xmlns:a16="http://schemas.microsoft.com/office/drawing/2014/main" val="456655131"/>
-                  </a:ext>
-                </a:extLst>
-              </a:tr>
-              <a:tr h="0">
-                <a:tc gridSpan="2">
-                  <a:txBody>
-                    <a:bodyPr/>
-                    <a:lstStyle/>
-                    <a:p>
-                      <a:pPr>
-                        <a:spcAft>
-                          <a:spcPts val="0"/>
-                        </a:spcAft>
-                      </a:pPr>
-                      <a:r>
-                        <a:rPr lang="es-ES_tradnl" sz="1600" dirty="0">
-                          <a:effectLst/>
-                        </a:rPr>
-                        <a:t>Prioridad del requerimiento:</a:t>
-                      </a:r>
-                      <a:endParaRPr lang="es-CL" sz="1600" dirty="0">
-                        <a:effectLst/>
-                      </a:endParaRPr>
-                    </a:p>
-                    <a:p>
-                      <a:pPr>
-                        <a:spcAft>
-                          <a:spcPts val="0"/>
-                        </a:spcAft>
-                      </a:pPr>
-                      <a:r>
-                        <a:rPr lang="es-ES_tradnl" sz="1600" dirty="0">
-                          <a:effectLst/>
-                        </a:rPr>
-                        <a:t>Alta</a:t>
-                      </a:r>
-                      <a:endParaRPr lang="es-CL" sz="1600" dirty="0">
-                        <a:effectLst/>
-                        <a:latin typeface="Georgia" panose="02040502050405020303" pitchFamily="18" charset="0"/>
-                        <a:ea typeface="Georgia" panose="02040502050405020303" pitchFamily="18" charset="0"/>
-                        <a:cs typeface="Times New Roman" panose="02020603050405020304" pitchFamily="18" charset="0"/>
-                      </a:endParaRPr>
-                    </a:p>
-                  </a:txBody>
-                  <a:tcPr marL="68580" marR="68580" marT="0" marB="0"/>
-                </a:tc>
-                <a:tc hMerge="1">
-                  <a:txBody>
-                    <a:bodyPr/>
-                    <a:lstStyle/>
-                    <a:p>
-                      <a:endParaRPr lang="es-CL"/>
-                    </a:p>
-                  </a:txBody>
-                  <a:tcPr/>
-                </a:tc>
-                <a:extLst>
-                  <a:ext uri="{0D108BD9-81ED-4DB2-BD59-A6C34878D82A}">
-                    <a16:rowId xmlns:a16="http://schemas.microsoft.com/office/drawing/2014/main" val="86204877"/>
-                  </a:ext>
-                </a:extLst>
-              </a:tr>
-            </a:tbl>
-          </a:graphicData>
-        </a:graphic>
-      </p:graphicFrame>
+        </p:nvSpPr>
+        <p:spPr>
+          <a:xfrm>
+            <a:off x="1141412" y="1815548"/>
+            <a:ext cx="9905999" cy="4306955"/>
+          </a:xfrm>
+        </p:spPr>
+        <p:txBody>
+          <a:bodyPr>
+            <a:normAutofit lnSpcReduction="10000"/>
+          </a:bodyPr>
+          <a:lstStyle/>
+          <a:p>
+            <a:r>
+              <a:rPr lang="es-CL" dirty="0"/>
+              <a:t>Utilizando </a:t>
+            </a:r>
+            <a:r>
+              <a:rPr lang="es-CL" dirty="0" err="1"/>
+              <a:t>Enterprice</a:t>
+            </a:r>
+            <a:r>
+              <a:rPr lang="es-CL" dirty="0"/>
+              <a:t> </a:t>
+            </a:r>
+            <a:r>
+              <a:rPr lang="es-CL" dirty="0" err="1"/>
+              <a:t>Architech</a:t>
+            </a:r>
+            <a:r>
+              <a:rPr lang="es-CL" dirty="0"/>
+              <a:t>, calculamos el esfuerzo de horas de trabajo y el costo de la aplicación mediante actores y casos asociados  </a:t>
+            </a:r>
+          </a:p>
+          <a:p>
+            <a:r>
+              <a:rPr lang="es-CL" dirty="0"/>
+              <a:t>Horas de trabajo :520 </a:t>
+            </a:r>
+            <a:r>
+              <a:rPr lang="es-CL" dirty="0" err="1"/>
+              <a:t>hrs</a:t>
+            </a:r>
+            <a:r>
+              <a:rPr lang="es-CL" dirty="0"/>
+              <a:t> en Total</a:t>
+            </a:r>
+          </a:p>
+          <a:p>
+            <a:r>
+              <a:rPr lang="es-CL" dirty="0"/>
+              <a:t>173 </a:t>
+            </a:r>
+            <a:r>
+              <a:rPr lang="es-CL" dirty="0" err="1"/>
+              <a:t>hrs</a:t>
+            </a:r>
+            <a:r>
+              <a:rPr lang="es-CL" dirty="0"/>
+              <a:t> mensuales</a:t>
+            </a:r>
+          </a:p>
+          <a:p>
+            <a:r>
+              <a:rPr lang="es-CL" dirty="0"/>
+              <a:t>43 </a:t>
+            </a:r>
+            <a:r>
+              <a:rPr lang="es-CL" dirty="0" err="1"/>
+              <a:t>hrs</a:t>
+            </a:r>
+            <a:r>
+              <a:rPr lang="es-CL" dirty="0"/>
+              <a:t> Semanales</a:t>
+            </a:r>
+          </a:p>
+          <a:p>
+            <a:r>
+              <a:rPr lang="es-CL" dirty="0"/>
+              <a:t>6 </a:t>
+            </a:r>
+            <a:r>
+              <a:rPr lang="es-CL" dirty="0" err="1"/>
+              <a:t>hrs</a:t>
+            </a:r>
+            <a:r>
+              <a:rPr lang="es-CL" dirty="0"/>
+              <a:t> diarias </a:t>
+            </a:r>
+          </a:p>
+          <a:p>
+            <a:r>
+              <a:rPr lang="es-CL" dirty="0"/>
+              <a:t>3 </a:t>
+            </a:r>
+            <a:r>
+              <a:rPr lang="es-CL" dirty="0" err="1"/>
+              <a:t>hrs</a:t>
+            </a:r>
+            <a:r>
+              <a:rPr lang="es-CL" dirty="0"/>
+              <a:t> PP diarias</a:t>
+            </a:r>
+          </a:p>
+          <a:p>
+            <a:r>
+              <a:rPr lang="es-CL" dirty="0"/>
+              <a:t>Costo (3000 la hora de programación): 1.560.000 CLP</a:t>
+            </a:r>
+          </a:p>
+          <a:p>
+            <a:endParaRPr lang="es-CL" dirty="0"/>
+          </a:p>
+        </p:txBody>
+      </p:sp>
     </p:spTree>
     <p:extLst>
       <p:ext uri="{BB962C8B-B14F-4D97-AF65-F5344CB8AC3E}">
-        <p14:creationId xmlns:p14="http://schemas.microsoft.com/office/powerpoint/2010/main" val="448126106"/>
+        <p14:creationId xmlns:p14="http://schemas.microsoft.com/office/powerpoint/2010/main" val="4159644870"/>
       </p:ext>
     </p:extLst>
   </p:cSld>
@@ -21373,94 +16142,6 @@
 </file>
 
 <file path=ppt/slides/slide8.xml><?xml version="1.0" encoding="utf-8"?>
-<p:sld xmlns:a="http://schemas.openxmlformats.org/drawingml/2006/main" xmlns:r="http://schemas.openxmlformats.org/officeDocument/2006/relationships" xmlns:p="http://schemas.openxmlformats.org/presentationml/2006/main">
-  <p:cSld>
-    <p:spTree>
-      <p:nvGrpSpPr>
-        <p:cNvPr id="1" name=""/>
-        <p:cNvGrpSpPr/>
-        <p:nvPr/>
-      </p:nvGrpSpPr>
-      <p:grpSpPr>
-        <a:xfrm>
-          <a:off x="0" y="0"/>
-          <a:ext cx="0" cy="0"/>
-          <a:chOff x="0" y="0"/>
-          <a:chExt cx="0" cy="0"/>
-        </a:xfrm>
-      </p:grpSpPr>
-      <p:sp>
-        <p:nvSpPr>
-          <p:cNvPr id="2" name="Título 1">
-            <a:extLst>
-              <a:ext uri="{FF2B5EF4-FFF2-40B4-BE49-F238E27FC236}">
-                <a16:creationId xmlns:a16="http://schemas.microsoft.com/office/drawing/2014/main" id="{D4AE118E-11CA-4C19-929C-418073BE86FD}"/>
-              </a:ext>
-            </a:extLst>
-          </p:cNvPr>
-          <p:cNvSpPr>
-            <a:spLocks noGrp="1"/>
-          </p:cNvSpPr>
-          <p:nvPr>
-            <p:ph type="title"/>
-          </p:nvPr>
-        </p:nvSpPr>
-        <p:spPr/>
-        <p:txBody>
-          <a:bodyPr/>
-          <a:lstStyle/>
-          <a:p>
-            <a:r>
-              <a:rPr lang="es-ES" dirty="0"/>
-              <a:t>Modelo entidad relación</a:t>
-            </a:r>
-            <a:endParaRPr lang="es-CL" dirty="0"/>
-          </a:p>
-        </p:txBody>
-      </p:sp>
-      <p:pic>
-        <p:nvPicPr>
-          <p:cNvPr id="5" name="Marcador de contenido 4">
-            <a:extLst>
-              <a:ext uri="{FF2B5EF4-FFF2-40B4-BE49-F238E27FC236}">
-                <a16:creationId xmlns:a16="http://schemas.microsoft.com/office/drawing/2014/main" id="{25098114-7EF5-4389-9154-E7ED8AE90CD9}"/>
-              </a:ext>
-            </a:extLst>
-          </p:cNvPr>
-          <p:cNvPicPr>
-            <a:picLocks noGrp="1" noChangeAspect="1"/>
-          </p:cNvPicPr>
-          <p:nvPr>
-            <p:ph idx="1"/>
-          </p:nvPr>
-        </p:nvPicPr>
-        <p:blipFill>
-          <a:blip r:embed="rId2"/>
-          <a:stretch>
-            <a:fillRect/>
-          </a:stretch>
-        </p:blipFill>
-        <p:spPr>
-          <a:xfrm>
-            <a:off x="2637027" y="2249488"/>
-            <a:ext cx="6914771" cy="3541712"/>
-          </a:xfrm>
-        </p:spPr>
-      </p:pic>
-    </p:spTree>
-    <p:extLst>
-      <p:ext uri="{BB962C8B-B14F-4D97-AF65-F5344CB8AC3E}">
-        <p14:creationId xmlns:p14="http://schemas.microsoft.com/office/powerpoint/2010/main" val="799306102"/>
-      </p:ext>
-    </p:extLst>
-  </p:cSld>
-  <p:clrMapOvr>
-    <a:masterClrMapping/>
-  </p:clrMapOvr>
-</p:sld>
-</file>
-
-<file path=ppt/slides/slide9.xml><?xml version="1.0" encoding="utf-8"?>
 <p:sld xmlns:a="http://schemas.openxmlformats.org/drawingml/2006/main" xmlns:r="http://schemas.openxmlformats.org/officeDocument/2006/relationships" xmlns:p="http://schemas.openxmlformats.org/presentationml/2006/main">
   <p:cSld>
     <p:spTree>
@@ -21522,7 +16203,12 @@
             <p:ph idx="1"/>
           </p:nvPr>
         </p:nvSpPr>
-        <p:spPr/>
+        <p:spPr>
+          <a:xfrm>
+            <a:off x="1141413" y="1722783"/>
+            <a:ext cx="7035178" cy="4929808"/>
+          </a:xfrm>
+        </p:spPr>
         <p:txBody>
           <a:bodyPr/>
           <a:lstStyle/>
@@ -21533,22 +16219,46 @@
             </a:r>
           </a:p>
           <a:p>
-            <a:endParaRPr lang="es-ES" dirty="0"/>
-          </a:p>
-          <a:p>
-            <a:endParaRPr lang="es-ES" dirty="0"/>
-          </a:p>
-          <a:p>
             <a:r>
               <a:rPr lang="es-ES" dirty="0"/>
               <a:t>Desarrollo ágil: Programación extrema</a:t>
             </a:r>
           </a:p>
           <a:p>
-            <a:endParaRPr lang="es-ES" dirty="0"/>
-          </a:p>
-          <a:p>
-            <a:endParaRPr lang="es-ES" dirty="0"/>
+            <a:pPr marL="0" indent="0">
+              <a:buNone/>
+            </a:pPr>
+            <a:r>
+              <a:rPr lang="es-ES" dirty="0"/>
+              <a:t>	- </a:t>
+            </a:r>
+            <a:r>
+              <a:rPr lang="es-CL" sz="2400" dirty="0"/>
+              <a:t>El objetivo principal de XP es entregar un 	software de calidad controlado por las 	necesidades del cliente y d</a:t>
+            </a:r>
+            <a:r>
+              <a:rPr lang="es-CL" dirty="0"/>
+              <a:t>a prioridad a los 	trabajos que dan un resultado directo</a:t>
+            </a:r>
+            <a:endParaRPr lang="es-CL" sz="2400" dirty="0"/>
+          </a:p>
+          <a:p>
+            <a:pPr marL="0" indent="0">
+              <a:buNone/>
+            </a:pPr>
+            <a:r>
+              <a:rPr lang="es-CL" dirty="0"/>
+              <a:t>	- Dentro de sus características fundamentales 	tenemos programación en parejas, Simplicidad 	en el código, refactorización del código, </a:t>
+            </a:r>
+            <a:r>
+              <a:rPr lang="es-CL" dirty="0" err="1"/>
+              <a:t>etc</a:t>
+            </a:r>
+            <a:r>
+              <a:rPr lang="es-CL" dirty="0"/>
+              <a:t>…</a:t>
+            </a:r>
+            <a:endParaRPr lang="es-ES" sz="2400" dirty="0"/>
           </a:p>
           <a:p>
             <a:endParaRPr lang="es-CL" dirty="0"/>
@@ -21577,7 +16287,7 @@
         </p:blipFill>
         <p:spPr>
           <a:xfrm>
-            <a:off x="6651676" y="1961322"/>
+            <a:off x="7434471" y="1924984"/>
             <a:ext cx="4525405" cy="4525405"/>
           </a:xfrm>
           <a:prstGeom prst="rect">
@@ -21589,6 +16299,281 @@
     <p:extLst>
       <p:ext uri="{BB962C8B-B14F-4D97-AF65-F5344CB8AC3E}">
         <p14:creationId xmlns:p14="http://schemas.microsoft.com/office/powerpoint/2010/main" val="82861391"/>
+      </p:ext>
+    </p:extLst>
+  </p:cSld>
+  <p:clrMapOvr>
+    <a:masterClrMapping/>
+  </p:clrMapOvr>
+</p:sld>
+</file>
+
+<file path=ppt/slides/slide9.xml><?xml version="1.0" encoding="utf-8"?>
+<p:sld xmlns:a="http://schemas.openxmlformats.org/drawingml/2006/main" xmlns:r="http://schemas.openxmlformats.org/officeDocument/2006/relationships" xmlns:p="http://schemas.openxmlformats.org/presentationml/2006/main">
+  <p:cSld>
+    <p:spTree>
+      <p:nvGrpSpPr>
+        <p:cNvPr id="1" name=""/>
+        <p:cNvGrpSpPr/>
+        <p:nvPr/>
+      </p:nvGrpSpPr>
+      <p:grpSpPr>
+        <a:xfrm>
+          <a:off x="0" y="0"/>
+          <a:ext cx="0" cy="0"/>
+          <a:chOff x="0" y="0"/>
+          <a:chExt cx="0" cy="0"/>
+        </a:xfrm>
+      </p:grpSpPr>
+      <p:sp>
+        <p:nvSpPr>
+          <p:cNvPr id="2" name="Título 1">
+            <a:extLst>
+              <a:ext uri="{FF2B5EF4-FFF2-40B4-BE49-F238E27FC236}">
+                <a16:creationId xmlns:a16="http://schemas.microsoft.com/office/drawing/2014/main" id="{1EF17776-1159-494A-85D8-00D19F7DACD2}"/>
+              </a:ext>
+            </a:extLst>
+          </p:cNvPr>
+          <p:cNvSpPr>
+            <a:spLocks noGrp="1"/>
+          </p:cNvSpPr>
+          <p:nvPr>
+            <p:ph type="title"/>
+          </p:nvPr>
+        </p:nvSpPr>
+        <p:spPr/>
+        <p:txBody>
+          <a:bodyPr/>
+          <a:lstStyle/>
+          <a:p>
+            <a:r>
+              <a:rPr lang="es-ES" dirty="0"/>
+              <a:t>Arquitectura y metodología ( especificar cada una) </a:t>
+            </a:r>
+            <a:endParaRPr lang="es-CL" dirty="0"/>
+          </a:p>
+        </p:txBody>
+      </p:sp>
+      <p:sp>
+        <p:nvSpPr>
+          <p:cNvPr id="3" name="Marcador de contenido 2">
+            <a:extLst>
+              <a:ext uri="{FF2B5EF4-FFF2-40B4-BE49-F238E27FC236}">
+                <a16:creationId xmlns:a16="http://schemas.microsoft.com/office/drawing/2014/main" id="{92B66465-FA16-460D-A698-86037B55B671}"/>
+              </a:ext>
+            </a:extLst>
+          </p:cNvPr>
+          <p:cNvSpPr>
+            <a:spLocks noGrp="1"/>
+          </p:cNvSpPr>
+          <p:nvPr>
+            <p:ph idx="1"/>
+          </p:nvPr>
+        </p:nvSpPr>
+        <p:spPr>
+          <a:xfrm>
+            <a:off x="1141412" y="1908314"/>
+            <a:ext cx="9905999" cy="4770782"/>
+          </a:xfrm>
+        </p:spPr>
+        <p:txBody>
+          <a:bodyPr>
+            <a:normAutofit/>
+          </a:bodyPr>
+          <a:lstStyle/>
+          <a:p>
+            <a:r>
+              <a:rPr lang="es-ES" dirty="0"/>
+              <a:t>Angular 4	   </a:t>
+            </a:r>
+            <a:r>
+              <a:rPr lang="es-ES" dirty="0">
+                <a:sym typeface="Wingdings" panose="05000000000000000000" pitchFamily="2" charset="2"/>
+              </a:rPr>
+              <a:t></a:t>
+            </a:r>
+          </a:p>
+          <a:p>
+            <a:endParaRPr lang="es-ES" dirty="0"/>
+          </a:p>
+          <a:p>
+            <a:r>
+              <a:rPr lang="es-ES" dirty="0" err="1"/>
+              <a:t>Nodejs</a:t>
+            </a:r>
+            <a:r>
+              <a:rPr lang="es-ES" dirty="0"/>
+              <a:t>            </a:t>
+            </a:r>
+            <a:r>
+              <a:rPr lang="es-ES" dirty="0">
+                <a:sym typeface="Wingdings" panose="05000000000000000000" pitchFamily="2" charset="2"/>
+              </a:rPr>
+              <a:t> </a:t>
+            </a:r>
+            <a:r>
+              <a:rPr lang="es-CL" dirty="0">
+                <a:sym typeface="Wingdings" panose="05000000000000000000" pitchFamily="2" charset="2"/>
+              </a:rPr>
+              <a:t>Es una librería y entorno de ejecución de E/S dirigida por       		        eventos y  se ejecuta sobre el  intérprete de JavaScript</a:t>
+            </a:r>
+            <a:endParaRPr lang="es-ES" dirty="0"/>
+          </a:p>
+          <a:p>
+            <a:r>
+              <a:rPr lang="es-ES" dirty="0"/>
+              <a:t>MongoDB        </a:t>
+            </a:r>
+            <a:r>
+              <a:rPr lang="es-ES" dirty="0">
+                <a:sym typeface="Wingdings" panose="05000000000000000000" pitchFamily="2" charset="2"/>
+              </a:rPr>
+              <a:t> Es una</a:t>
+            </a:r>
+            <a:r>
+              <a:rPr lang="es-CL" dirty="0">
+                <a:sym typeface="Wingdings" panose="05000000000000000000" pitchFamily="2" charset="2"/>
+              </a:rPr>
+              <a:t> base de datos NoSQL orientado a 				        documentos, desarrollado bajo el concepto de código 			         abierto.</a:t>
+            </a:r>
+          </a:p>
+          <a:p>
+            <a:r>
+              <a:rPr lang="es-ES" dirty="0" err="1">
+                <a:sym typeface="Wingdings" panose="05000000000000000000" pitchFamily="2" charset="2"/>
+              </a:rPr>
+              <a:t>Coureui</a:t>
+            </a:r>
+            <a:r>
+              <a:rPr lang="es-ES" dirty="0">
+                <a:sym typeface="Wingdings" panose="05000000000000000000" pitchFamily="2" charset="2"/>
+              </a:rPr>
+              <a:t>            Facilita planillas de administración de </a:t>
+            </a:r>
+            <a:r>
+              <a:rPr lang="es-ES" altLang="es-CL" dirty="0">
+                <a:latin typeface="inherit"/>
+              </a:rPr>
+              <a:t>Bootstrap</a:t>
+            </a:r>
+            <a:r>
+              <a:rPr lang="es-ES" dirty="0">
+                <a:sym typeface="Wingdings" panose="05000000000000000000" pitchFamily="2" charset="2"/>
+              </a:rPr>
+              <a:t> gratis</a:t>
+            </a:r>
+            <a:endParaRPr lang="es-ES" dirty="0"/>
+          </a:p>
+          <a:p>
+            <a:endParaRPr lang="es-CL" dirty="0"/>
+          </a:p>
+        </p:txBody>
+      </p:sp>
+      <p:sp>
+        <p:nvSpPr>
+          <p:cNvPr id="4" name="Rectangle 1">
+            <a:extLst>
+              <a:ext uri="{FF2B5EF4-FFF2-40B4-BE49-F238E27FC236}">
+                <a16:creationId xmlns:a16="http://schemas.microsoft.com/office/drawing/2014/main" id="{5E2D13C8-5C3C-4E5F-B9E4-33A843F54D33}"/>
+              </a:ext>
+            </a:extLst>
+          </p:cNvPr>
+          <p:cNvSpPr>
+            <a:spLocks noChangeArrowheads="1"/>
+          </p:cNvSpPr>
+          <p:nvPr/>
+        </p:nvSpPr>
+        <p:spPr bwMode="auto">
+          <a:xfrm>
+            <a:off x="0" y="143961"/>
+            <a:ext cx="38472" cy="169277"/>
+          </a:xfrm>
+          <a:prstGeom prst="rect">
+            <a:avLst/>
+          </a:prstGeom>
+          <a:solidFill>
+            <a:srgbClr val="FFFFFF"/>
+          </a:solidFill>
+          <a:ln>
+            <a:noFill/>
+          </a:ln>
+          <a:effectLst/>
+          <a:extLst>
+            <a:ext uri="{91240B29-F687-4F45-9708-019B960494DF}">
+              <a14:hiddenLine xmlns:a14="http://schemas.microsoft.com/office/drawing/2010/main" w="9525">
+                <a:solidFill>
+                  <a:schemeClr val="tx1"/>
+                </a:solidFill>
+                <a:miter lim="800000"/>
+                <a:headEnd/>
+                <a:tailEnd/>
+              </a14:hiddenLine>
+            </a:ext>
+            <a:ext uri="{AF507438-7753-43E0-B8FC-AC1667EBCBE1}">
+              <a14:hiddenEffects xmlns:a14="http://schemas.microsoft.com/office/drawing/2010/main">
+                <a:effectLst>
+                  <a:outerShdw dist="35921" dir="2700000" algn="ctr" rotWithShape="0">
+                    <a:schemeClr val="bg2"/>
+                  </a:outerShdw>
+                </a:effectLst>
+              </a14:hiddenEffects>
+            </a:ext>
+          </a:extLst>
+        </p:spPr>
+        <p:txBody>
+          <a:bodyPr vert="horz" wrap="none" lIns="0" tIns="0" rIns="0" bIns="0" numCol="1" anchor="ctr" anchorCtr="0" compatLnSpc="1">
+            <a:prstTxWarp prst="textNoShape">
+              <a:avLst/>
+            </a:prstTxWarp>
+            <a:spAutoFit/>
+          </a:bodyPr>
+          <a:lstStyle/>
+          <a:p>
+            <a:pPr marL="0" marR="0" lvl="0" indent="0" algn="l" defTabSz="914400" rtl="0" eaLnBrk="0" fontAlgn="base" latinLnBrk="0" hangingPunct="0">
+              <a:lnSpc>
+                <a:spcPct val="100000"/>
+              </a:lnSpc>
+              <a:spcBef>
+                <a:spcPct val="0"/>
+              </a:spcBef>
+              <a:spcAft>
+                <a:spcPct val="0"/>
+              </a:spcAft>
+              <a:buClrTx/>
+              <a:buSzTx/>
+              <a:buFontTx/>
+              <a:buNone/>
+              <a:tabLst/>
+            </a:pPr>
+            <a:r>
+              <a:rPr kumimoji="0" lang="es-ES" altLang="es-CL" sz="1100" b="0" i="0" u="none" strike="noStrike" cap="none" normalizeH="0" baseline="0" dirty="0">
+                <a:ln>
+                  <a:noFill/>
+                </a:ln>
+                <a:solidFill>
+                  <a:schemeClr val="tx1"/>
+                </a:solidFill>
+                <a:effectLst/>
+              </a:rPr>
+              <a:t> </a:t>
+            </a:r>
+            <a:endParaRPr kumimoji="0" lang="es-ES" altLang="es-CL" sz="1800" b="0" i="0" u="none" strike="noStrike" cap="none" normalizeH="0" baseline="0" dirty="0">
+              <a:ln>
+                <a:noFill/>
+              </a:ln>
+              <a:solidFill>
+                <a:schemeClr val="tx1"/>
+              </a:solidFill>
+              <a:effectLst/>
+              <a:latin typeface="Arial" panose="020B0604020202020204" pitchFamily="34" charset="0"/>
+            </a:endParaRPr>
+          </a:p>
+        </p:txBody>
+      </p:sp>
+    </p:spTree>
+    <p:extLst>
+      <p:ext uri="{BB962C8B-B14F-4D97-AF65-F5344CB8AC3E}">
+        <p14:creationId xmlns:p14="http://schemas.microsoft.com/office/powerpoint/2010/main" val="3715753220"/>
       </p:ext>
     </p:extLst>
   </p:cSld>

--- a/presentacion.pptx
+++ b/presentacion.pptx
@@ -16,6 +16,7 @@
     <p:sldId id="262" r:id="rId10"/>
     <p:sldId id="268" r:id="rId11"/>
     <p:sldId id="264" r:id="rId12"/>
+    <p:sldId id="272" r:id="rId13"/>
   </p:sldIdLst>
   <p:sldSz cx="12192000" cy="6858000"/>
   <p:notesSz cx="6858000" cy="9144000"/>
@@ -172,7 +173,7 @@
           <a:noFill/>
           <a:extLst>
             <a:ext uri="{909E8E84-426E-40dd-AFC4-6F175D3DCCD1}">
-              <a14:hiddenFill xmlns="" xmlns:a14="http://schemas.microsoft.com/office/drawing/2010/main">
+              <a14:hiddenFill xmlns:a14="http://schemas.microsoft.com/office/drawing/2010/main" xmlns="">
                 <a:solidFill>
                   <a:srgbClr val="FFFFFF"/>
                 </a:solidFill>
@@ -232,7 +233,7 @@
             </a:ln>
             <a:extLst>
               <a:ext uri="{91240B29-F687-4f45-9708-019B960494DF}">
-                <a14:hiddenLine xmlns="" xmlns:a14="http://schemas.microsoft.com/office/drawing/2010/main" w="9525">
+                <a14:hiddenLine xmlns:a14="http://schemas.microsoft.com/office/drawing/2010/main" xmlns="" w="9525">
                   <a:solidFill>
                     <a:srgbClr val="000000"/>
                   </a:solidFill>
@@ -322,7 +323,7 @@
             </a:ln>
             <a:extLst>
               <a:ext uri="{91240B29-F687-4f45-9708-019B960494DF}">
-                <a14:hiddenLine xmlns="" xmlns:a14="http://schemas.microsoft.com/office/drawing/2010/main" w="9525">
+                <a14:hiddenLine xmlns:a14="http://schemas.microsoft.com/office/drawing/2010/main" xmlns="" w="9525">
                   <a:solidFill>
                     <a:srgbClr val="000000"/>
                   </a:solidFill>
@@ -412,7 +413,7 @@
             </a:ln>
             <a:extLst>
               <a:ext uri="{91240B29-F687-4f45-9708-019B960494DF}">
-                <a14:hiddenLine xmlns="" xmlns:a14="http://schemas.microsoft.com/office/drawing/2010/main" w="9525">
+                <a14:hiddenLine xmlns:a14="http://schemas.microsoft.com/office/drawing/2010/main" xmlns="" w="9525">
                   <a:solidFill>
                     <a:srgbClr val="000000"/>
                   </a:solidFill>
@@ -446,7 +447,7 @@
             </a:ln>
             <a:extLst>
               <a:ext uri="{91240B29-F687-4f45-9708-019B960494DF}">
-                <a14:hiddenLine xmlns="" xmlns:a14="http://schemas.microsoft.com/office/drawing/2010/main" w="9525">
+                <a14:hiddenLine xmlns:a14="http://schemas.microsoft.com/office/drawing/2010/main" xmlns="" w="9525">
                   <a:solidFill>
                     <a:srgbClr val="000000"/>
                   </a:solidFill>
@@ -536,7 +537,7 @@
             </a:ln>
             <a:extLst>
               <a:ext uri="{91240B29-F687-4f45-9708-019B960494DF}">
-                <a14:hiddenLine xmlns="" xmlns:a14="http://schemas.microsoft.com/office/drawing/2010/main" w="9525">
+                <a14:hiddenLine xmlns:a14="http://schemas.microsoft.com/office/drawing/2010/main" xmlns="" w="9525">
                   <a:solidFill>
                     <a:srgbClr val="000000"/>
                   </a:solidFill>
@@ -598,7 +599,7 @@
             </a:ln>
             <a:extLst>
               <a:ext uri="{91240B29-F687-4f45-9708-019B960494DF}">
-                <a14:hiddenLine xmlns="" xmlns:a14="http://schemas.microsoft.com/office/drawing/2010/main" w="9525">
+                <a14:hiddenLine xmlns:a14="http://schemas.microsoft.com/office/drawing/2010/main" xmlns="" w="9525">
                   <a:solidFill>
                     <a:srgbClr val="000000"/>
                   </a:solidFill>
@@ -660,7 +661,7 @@
             </a:ln>
             <a:extLst>
               <a:ext uri="{91240B29-F687-4f45-9708-019B960494DF}">
-                <a14:hiddenLine xmlns="" xmlns:a14="http://schemas.microsoft.com/office/drawing/2010/main" w="9525">
+                <a14:hiddenLine xmlns:a14="http://schemas.microsoft.com/office/drawing/2010/main" xmlns="" w="9525">
                   <a:solidFill>
                     <a:srgbClr val="000000"/>
                   </a:solidFill>
@@ -750,7 +751,7 @@
             </a:ln>
             <a:extLst>
               <a:ext uri="{91240B29-F687-4f45-9708-019B960494DF}">
-                <a14:hiddenLine xmlns="" xmlns:a14="http://schemas.microsoft.com/office/drawing/2010/main" w="9525">
+                <a14:hiddenLine xmlns:a14="http://schemas.microsoft.com/office/drawing/2010/main" xmlns="" w="9525">
                   <a:solidFill>
                     <a:srgbClr val="000000"/>
                   </a:solidFill>
@@ -812,7 +813,7 @@
             </a:ln>
             <a:extLst>
               <a:ext uri="{91240B29-F687-4f45-9708-019B960494DF}">
-                <a14:hiddenLine xmlns="" xmlns:a14="http://schemas.microsoft.com/office/drawing/2010/main" w="9525">
+                <a14:hiddenLine xmlns:a14="http://schemas.microsoft.com/office/drawing/2010/main" xmlns="" w="9525">
                   <a:solidFill>
                     <a:srgbClr val="000000"/>
                   </a:solidFill>
@@ -874,7 +875,7 @@
             </a:ln>
             <a:extLst>
               <a:ext uri="{91240B29-F687-4f45-9708-019B960494DF}">
-                <a14:hiddenLine xmlns="" xmlns:a14="http://schemas.microsoft.com/office/drawing/2010/main" w="9525">
+                <a14:hiddenLine xmlns:a14="http://schemas.microsoft.com/office/drawing/2010/main" xmlns="" w="9525">
                   <a:solidFill>
                     <a:srgbClr val="000000"/>
                   </a:solidFill>
@@ -964,7 +965,7 @@
             </a:ln>
             <a:extLst>
               <a:ext uri="{91240B29-F687-4f45-9708-019B960494DF}">
-                <a14:hiddenLine xmlns="" xmlns:a14="http://schemas.microsoft.com/office/drawing/2010/main" w="9525">
+                <a14:hiddenLine xmlns:a14="http://schemas.microsoft.com/office/drawing/2010/main" xmlns="" w="9525">
                   <a:solidFill>
                     <a:srgbClr val="000000"/>
                   </a:solidFill>
@@ -1054,7 +1055,7 @@
             </a:ln>
             <a:extLst>
               <a:ext uri="{91240B29-F687-4f45-9708-019B960494DF}">
-                <a14:hiddenLine xmlns="" xmlns:a14="http://schemas.microsoft.com/office/drawing/2010/main" w="9525">
+                <a14:hiddenLine xmlns:a14="http://schemas.microsoft.com/office/drawing/2010/main" xmlns="" w="9525">
                   <a:solidFill>
                     <a:srgbClr val="000000"/>
                   </a:solidFill>
@@ -1116,7 +1117,7 @@
             </a:ln>
             <a:extLst>
               <a:ext uri="{91240B29-F687-4f45-9708-019B960494DF}">
-                <a14:hiddenLine xmlns="" xmlns:a14="http://schemas.microsoft.com/office/drawing/2010/main" w="9525">
+                <a14:hiddenLine xmlns:a14="http://schemas.microsoft.com/office/drawing/2010/main" xmlns="" w="9525">
                   <a:solidFill>
                     <a:srgbClr val="000000"/>
                   </a:solidFill>
@@ -1226,7 +1227,7 @@
             </a:ln>
             <a:extLst>
               <a:ext uri="{91240B29-F687-4f45-9708-019B960494DF}">
-                <a14:hiddenLine xmlns="" xmlns:a14="http://schemas.microsoft.com/office/drawing/2010/main" w="9525">
+                <a14:hiddenLine xmlns:a14="http://schemas.microsoft.com/office/drawing/2010/main" xmlns="" w="9525">
                   <a:solidFill>
                     <a:srgbClr val="000000"/>
                   </a:solidFill>
@@ -1288,7 +1289,7 @@
             </a:ln>
             <a:extLst>
               <a:ext uri="{91240B29-F687-4f45-9708-019B960494DF}">
-                <a14:hiddenLine xmlns="" xmlns:a14="http://schemas.microsoft.com/office/drawing/2010/main" w="9525">
+                <a14:hiddenLine xmlns:a14="http://schemas.microsoft.com/office/drawing/2010/main" xmlns="" w="9525">
                   <a:solidFill>
                     <a:srgbClr val="000000"/>
                   </a:solidFill>
@@ -1378,7 +1379,7 @@
             </a:ln>
             <a:extLst>
               <a:ext uri="{91240B29-F687-4f45-9708-019B960494DF}">
-                <a14:hiddenLine xmlns="" xmlns:a14="http://schemas.microsoft.com/office/drawing/2010/main" w="9525">
+                <a14:hiddenLine xmlns:a14="http://schemas.microsoft.com/office/drawing/2010/main" xmlns="" w="9525">
                   <a:solidFill>
                     <a:srgbClr val="000000"/>
                   </a:solidFill>
@@ -1468,7 +1469,7 @@
             </a:ln>
             <a:extLst>
               <a:ext uri="{91240B29-F687-4f45-9708-019B960494DF}">
-                <a14:hiddenLine xmlns="" xmlns:a14="http://schemas.microsoft.com/office/drawing/2010/main" w="9525">
+                <a14:hiddenLine xmlns:a14="http://schemas.microsoft.com/office/drawing/2010/main" xmlns="" w="9525">
                   <a:solidFill>
                     <a:srgbClr val="000000"/>
                   </a:solidFill>
@@ -1530,7 +1531,7 @@
             </a:ln>
             <a:extLst>
               <a:ext uri="{91240B29-F687-4f45-9708-019B960494DF}">
-                <a14:hiddenLine xmlns="" xmlns:a14="http://schemas.microsoft.com/office/drawing/2010/main" w="9525">
+                <a14:hiddenLine xmlns:a14="http://schemas.microsoft.com/office/drawing/2010/main" xmlns="" w="9525">
                   <a:solidFill>
                     <a:srgbClr val="000000"/>
                   </a:solidFill>
@@ -1620,7 +1621,7 @@
             </a:ln>
             <a:extLst>
               <a:ext uri="{91240B29-F687-4f45-9708-019B960494DF}">
-                <a14:hiddenLine xmlns="" xmlns:a14="http://schemas.microsoft.com/office/drawing/2010/main" w="9525">
+                <a14:hiddenLine xmlns:a14="http://schemas.microsoft.com/office/drawing/2010/main" xmlns="" w="9525">
                   <a:solidFill>
                     <a:srgbClr val="000000"/>
                   </a:solidFill>
@@ -1710,7 +1711,7 @@
             </a:ln>
             <a:extLst>
               <a:ext uri="{91240B29-F687-4f45-9708-019B960494DF}">
-                <a14:hiddenLine xmlns="" xmlns:a14="http://schemas.microsoft.com/office/drawing/2010/main" w="9525">
+                <a14:hiddenLine xmlns:a14="http://schemas.microsoft.com/office/drawing/2010/main" xmlns="" w="9525">
                   <a:solidFill>
                     <a:srgbClr val="000000"/>
                   </a:solidFill>
@@ -1766,7 +1767,7 @@
             </a:ln>
             <a:extLst>
               <a:ext uri="{91240B29-F687-4f45-9708-019B960494DF}">
-                <a14:hiddenLine xmlns="" xmlns:a14="http://schemas.microsoft.com/office/drawing/2010/main" w="9525">
+                <a14:hiddenLine xmlns:a14="http://schemas.microsoft.com/office/drawing/2010/main" xmlns="" w="9525">
                   <a:solidFill>
                     <a:srgbClr val="000000"/>
                   </a:solidFill>
@@ -1856,7 +1857,7 @@
             </a:ln>
             <a:extLst>
               <a:ext uri="{91240B29-F687-4f45-9708-019B960494DF}">
-                <a14:hiddenLine xmlns="" xmlns:a14="http://schemas.microsoft.com/office/drawing/2010/main" w="9525">
+                <a14:hiddenLine xmlns:a14="http://schemas.microsoft.com/office/drawing/2010/main" xmlns="" w="9525">
                   <a:solidFill>
                     <a:srgbClr val="000000"/>
                   </a:solidFill>
@@ -1912,7 +1913,7 @@
             </a:ln>
             <a:extLst>
               <a:ext uri="{91240B29-F687-4f45-9708-019B960494DF}">
-                <a14:hiddenLine xmlns="" xmlns:a14="http://schemas.microsoft.com/office/drawing/2010/main" w="9525">
+                <a14:hiddenLine xmlns:a14="http://schemas.microsoft.com/office/drawing/2010/main" xmlns="" w="9525">
                   <a:solidFill>
                     <a:srgbClr val="000000"/>
                   </a:solidFill>
@@ -2002,7 +2003,7 @@
             </a:ln>
             <a:extLst>
               <a:ext uri="{91240B29-F687-4f45-9708-019B960494DF}">
-                <a14:hiddenLine xmlns="" xmlns:a14="http://schemas.microsoft.com/office/drawing/2010/main" w="9525">
+                <a14:hiddenLine xmlns:a14="http://schemas.microsoft.com/office/drawing/2010/main" xmlns="" w="9525">
                   <a:solidFill>
                     <a:srgbClr val="000000"/>
                   </a:solidFill>
@@ -2070,7 +2071,7 @@
             </a:ln>
             <a:extLst>
               <a:ext uri="{91240B29-F687-4f45-9708-019B960494DF}">
-                <a14:hiddenLine xmlns="" xmlns:a14="http://schemas.microsoft.com/office/drawing/2010/main" w="9525">
+                <a14:hiddenLine xmlns:a14="http://schemas.microsoft.com/office/drawing/2010/main" xmlns="" w="9525">
                   <a:solidFill>
                     <a:srgbClr val="000000"/>
                   </a:solidFill>
@@ -2160,7 +2161,7 @@
             </a:ln>
             <a:extLst>
               <a:ext uri="{91240B29-F687-4f45-9708-019B960494DF}">
-                <a14:hiddenLine xmlns="" xmlns:a14="http://schemas.microsoft.com/office/drawing/2010/main" w="9525">
+                <a14:hiddenLine xmlns:a14="http://schemas.microsoft.com/office/drawing/2010/main" xmlns="" w="9525">
                   <a:solidFill>
                     <a:srgbClr val="000000"/>
                   </a:solidFill>
@@ -2228,7 +2229,7 @@
             </a:ln>
             <a:extLst>
               <a:ext uri="{91240B29-F687-4f45-9708-019B960494DF}">
-                <a14:hiddenLine xmlns="" xmlns:a14="http://schemas.microsoft.com/office/drawing/2010/main" w="9525">
+                <a14:hiddenLine xmlns:a14="http://schemas.microsoft.com/office/drawing/2010/main" xmlns="" w="9525">
                   <a:solidFill>
                     <a:srgbClr val="000000"/>
                   </a:solidFill>
@@ -2318,7 +2319,7 @@
             </a:ln>
             <a:extLst>
               <a:ext uri="{91240B29-F687-4f45-9708-019B960494DF}">
-                <a14:hiddenLine xmlns="" xmlns:a14="http://schemas.microsoft.com/office/drawing/2010/main" w="9525">
+                <a14:hiddenLine xmlns:a14="http://schemas.microsoft.com/office/drawing/2010/main" xmlns="" w="9525">
                   <a:solidFill>
                     <a:srgbClr val="000000"/>
                   </a:solidFill>
@@ -2352,7 +2353,7 @@
             </a:ln>
             <a:extLst>
               <a:ext uri="{91240B29-F687-4f45-9708-019B960494DF}">
-                <a14:hiddenLine xmlns="" xmlns:a14="http://schemas.microsoft.com/office/drawing/2010/main" w="9525">
+                <a14:hiddenLine xmlns:a14="http://schemas.microsoft.com/office/drawing/2010/main" xmlns="" w="9525">
                   <a:solidFill>
                     <a:srgbClr val="000000"/>
                   </a:solidFill>
@@ -2442,7 +2443,7 @@
             </a:ln>
             <a:extLst>
               <a:ext uri="{91240B29-F687-4f45-9708-019B960494DF}">
-                <a14:hiddenLine xmlns="" xmlns:a14="http://schemas.microsoft.com/office/drawing/2010/main" w="9525">
+                <a14:hiddenLine xmlns:a14="http://schemas.microsoft.com/office/drawing/2010/main" xmlns="" w="9525">
                   <a:solidFill>
                     <a:srgbClr val="000000"/>
                   </a:solidFill>
@@ -2504,7 +2505,7 @@
             </a:ln>
             <a:extLst>
               <a:ext uri="{91240B29-F687-4f45-9708-019B960494DF}">
-                <a14:hiddenLine xmlns="" xmlns:a14="http://schemas.microsoft.com/office/drawing/2010/main" w="9525">
+                <a14:hiddenLine xmlns:a14="http://schemas.microsoft.com/office/drawing/2010/main" xmlns="" w="9525">
                   <a:solidFill>
                     <a:srgbClr val="000000"/>
                   </a:solidFill>
@@ -2566,7 +2567,7 @@
             </a:ln>
             <a:extLst>
               <a:ext uri="{91240B29-F687-4f45-9708-019B960494DF}">
-                <a14:hiddenLine xmlns="" xmlns:a14="http://schemas.microsoft.com/office/drawing/2010/main" w="9525">
+                <a14:hiddenLine xmlns:a14="http://schemas.microsoft.com/office/drawing/2010/main" xmlns="" w="9525">
                   <a:solidFill>
                     <a:srgbClr val="000000"/>
                   </a:solidFill>
@@ -2656,7 +2657,7 @@
             </a:ln>
             <a:extLst>
               <a:ext uri="{91240B29-F687-4f45-9708-019B960494DF}">
-                <a14:hiddenLine xmlns="" xmlns:a14="http://schemas.microsoft.com/office/drawing/2010/main" w="9525">
+                <a14:hiddenLine xmlns:a14="http://schemas.microsoft.com/office/drawing/2010/main" xmlns="" w="9525">
                   <a:solidFill>
                     <a:srgbClr val="000000"/>
                   </a:solidFill>
@@ -2724,7 +2725,7 @@
             </a:ln>
             <a:extLst>
               <a:ext uri="{91240B29-F687-4f45-9708-019B960494DF}">
-                <a14:hiddenLine xmlns="" xmlns:a14="http://schemas.microsoft.com/office/drawing/2010/main" w="9525">
+                <a14:hiddenLine xmlns:a14="http://schemas.microsoft.com/office/drawing/2010/main" xmlns="" w="9525">
                   <a:solidFill>
                     <a:srgbClr val="000000"/>
                   </a:solidFill>
@@ -2786,7 +2787,7 @@
             </a:ln>
             <a:extLst>
               <a:ext uri="{91240B29-F687-4f45-9708-019B960494DF}">
-                <a14:hiddenLine xmlns="" xmlns:a14="http://schemas.microsoft.com/office/drawing/2010/main" w="9525">
+                <a14:hiddenLine xmlns:a14="http://schemas.microsoft.com/office/drawing/2010/main" xmlns="" w="9525">
                   <a:solidFill>
                     <a:srgbClr val="000000"/>
                   </a:solidFill>
@@ -2876,7 +2877,7 @@
             </a:ln>
             <a:extLst>
               <a:ext uri="{91240B29-F687-4f45-9708-019B960494DF}">
-                <a14:hiddenLine xmlns="" xmlns:a14="http://schemas.microsoft.com/office/drawing/2010/main" w="9525">
+                <a14:hiddenLine xmlns:a14="http://schemas.microsoft.com/office/drawing/2010/main" xmlns="" w="9525">
                   <a:solidFill>
                     <a:srgbClr val="000000"/>
                   </a:solidFill>
@@ -2938,7 +2939,7 @@
             </a:ln>
             <a:extLst>
               <a:ext uri="{91240B29-F687-4f45-9708-019B960494DF}">
-                <a14:hiddenLine xmlns="" xmlns:a14="http://schemas.microsoft.com/office/drawing/2010/main" w="9525">
+                <a14:hiddenLine xmlns:a14="http://schemas.microsoft.com/office/drawing/2010/main" xmlns="" w="9525">
                   <a:solidFill>
                     <a:srgbClr val="000000"/>
                   </a:solidFill>
@@ -3028,7 +3029,7 @@
             </a:ln>
             <a:extLst>
               <a:ext uri="{91240B29-F687-4f45-9708-019B960494DF}">
-                <a14:hiddenLine xmlns="" xmlns:a14="http://schemas.microsoft.com/office/drawing/2010/main" w="9525">
+                <a14:hiddenLine xmlns:a14="http://schemas.microsoft.com/office/drawing/2010/main" xmlns="" w="9525">
                   <a:solidFill>
                     <a:srgbClr val="000000"/>
                   </a:solidFill>
@@ -3090,7 +3091,7 @@
             </a:ln>
             <a:extLst>
               <a:ext uri="{91240B29-F687-4f45-9708-019B960494DF}">
-                <a14:hiddenLine xmlns="" xmlns:a14="http://schemas.microsoft.com/office/drawing/2010/main" w="9525">
+                <a14:hiddenLine xmlns:a14="http://schemas.microsoft.com/office/drawing/2010/main" xmlns="" w="9525">
                   <a:solidFill>
                     <a:srgbClr val="000000"/>
                   </a:solidFill>
@@ -3180,7 +3181,7 @@
             </a:ln>
             <a:extLst>
               <a:ext uri="{91240B29-F687-4f45-9708-019B960494DF}">
-                <a14:hiddenLine xmlns="" xmlns:a14="http://schemas.microsoft.com/office/drawing/2010/main" w="9525">
+                <a14:hiddenLine xmlns:a14="http://schemas.microsoft.com/office/drawing/2010/main" xmlns="" w="9525">
                   <a:solidFill>
                     <a:srgbClr val="000000"/>
                   </a:solidFill>
@@ -3214,7 +3215,7 @@
             </a:ln>
             <a:extLst>
               <a:ext uri="{91240B29-F687-4f45-9708-019B960494DF}">
-                <a14:hiddenLine xmlns="" xmlns:a14="http://schemas.microsoft.com/office/drawing/2010/main" w="9525">
+                <a14:hiddenLine xmlns:a14="http://schemas.microsoft.com/office/drawing/2010/main" xmlns="" w="9525">
                   <a:solidFill>
                     <a:srgbClr val="000000"/>
                   </a:solidFill>
@@ -3279,7 +3280,7 @@
             </a:ln>
             <a:extLst>
               <a:ext uri="{91240B29-F687-4f45-9708-019B960494DF}">
-                <a14:hiddenLine xmlns="" xmlns:a14="http://schemas.microsoft.com/office/drawing/2010/main" w="9525">
+                <a14:hiddenLine xmlns:a14="http://schemas.microsoft.com/office/drawing/2010/main" xmlns="" w="9525">
                   <a:solidFill>
                     <a:srgbClr val="000000"/>
                   </a:solidFill>
@@ -3369,7 +3370,7 @@
             </a:ln>
             <a:extLst>
               <a:ext uri="{91240B29-F687-4f45-9708-019B960494DF}">
-                <a14:hiddenLine xmlns="" xmlns:a14="http://schemas.microsoft.com/office/drawing/2010/main" w="9525">
+                <a14:hiddenLine xmlns:a14="http://schemas.microsoft.com/office/drawing/2010/main" xmlns="" w="9525">
                   <a:solidFill>
                     <a:srgbClr val="000000"/>
                   </a:solidFill>
@@ -3431,7 +3432,7 @@
             </a:ln>
             <a:extLst>
               <a:ext uri="{91240B29-F687-4f45-9708-019B960494DF}">
-                <a14:hiddenLine xmlns="" xmlns:a14="http://schemas.microsoft.com/office/drawing/2010/main" w="9525">
+                <a14:hiddenLine xmlns:a14="http://schemas.microsoft.com/office/drawing/2010/main" xmlns="" w="9525">
                   <a:solidFill>
                     <a:srgbClr val="000000"/>
                   </a:solidFill>
@@ -3521,7 +3522,7 @@
             </a:ln>
             <a:extLst>
               <a:ext uri="{91240B29-F687-4f45-9708-019B960494DF}">
-                <a14:hiddenLine xmlns="" xmlns:a14="http://schemas.microsoft.com/office/drawing/2010/main" w="9525">
+                <a14:hiddenLine xmlns:a14="http://schemas.microsoft.com/office/drawing/2010/main" xmlns="" w="9525">
                   <a:solidFill>
                     <a:srgbClr val="000000"/>
                   </a:solidFill>
@@ -3611,7 +3612,7 @@
             </a:ln>
             <a:extLst>
               <a:ext uri="{91240B29-F687-4f45-9708-019B960494DF}">
-                <a14:hiddenLine xmlns="" xmlns:a14="http://schemas.microsoft.com/office/drawing/2010/main" w="9525">
+                <a14:hiddenLine xmlns:a14="http://schemas.microsoft.com/office/drawing/2010/main" xmlns="" w="9525">
                   <a:solidFill>
                     <a:srgbClr val="000000"/>
                   </a:solidFill>
@@ -3676,7 +3677,7 @@
             </a:ln>
             <a:extLst>
               <a:ext uri="{91240B29-F687-4f45-9708-019B960494DF}">
-                <a14:hiddenLine xmlns="" xmlns:a14="http://schemas.microsoft.com/office/drawing/2010/main" w="9525">
+                <a14:hiddenLine xmlns:a14="http://schemas.microsoft.com/office/drawing/2010/main" xmlns="" w="9525">
                   <a:solidFill>
                     <a:srgbClr val="000000"/>
                   </a:solidFill>
@@ -3738,7 +3739,7 @@
             </a:ln>
             <a:extLst>
               <a:ext uri="{91240B29-F687-4f45-9708-019B960494DF}">
-                <a14:hiddenLine xmlns="" xmlns:a14="http://schemas.microsoft.com/office/drawing/2010/main" w="9525">
+                <a14:hiddenLine xmlns:a14="http://schemas.microsoft.com/office/drawing/2010/main" xmlns="" w="9525">
                   <a:solidFill>
                     <a:srgbClr val="000000"/>
                   </a:solidFill>
@@ -3828,7 +3829,7 @@
             </a:ln>
             <a:extLst>
               <a:ext uri="{91240B29-F687-4f45-9708-019B960494DF}">
-                <a14:hiddenLine xmlns="" xmlns:a14="http://schemas.microsoft.com/office/drawing/2010/main" w="9525">
+                <a14:hiddenLine xmlns:a14="http://schemas.microsoft.com/office/drawing/2010/main" xmlns="" w="9525">
                   <a:solidFill>
                     <a:srgbClr val="000000"/>
                   </a:solidFill>
@@ -3918,7 +3919,7 @@
             </a:ln>
             <a:extLst>
               <a:ext uri="{91240B29-F687-4f45-9708-019B960494DF}">
-                <a14:hiddenLine xmlns="" xmlns:a14="http://schemas.microsoft.com/office/drawing/2010/main" w="9525">
+                <a14:hiddenLine xmlns:a14="http://schemas.microsoft.com/office/drawing/2010/main" xmlns="" w="9525">
                   <a:solidFill>
                     <a:srgbClr val="000000"/>
                   </a:solidFill>
@@ -3980,7 +3981,7 @@
             </a:ln>
             <a:extLst>
               <a:ext uri="{91240B29-F687-4f45-9708-019B960494DF}">
-                <a14:hiddenLine xmlns="" xmlns:a14="http://schemas.microsoft.com/office/drawing/2010/main" w="9525">
+                <a14:hiddenLine xmlns:a14="http://schemas.microsoft.com/office/drawing/2010/main" xmlns="" w="9525">
                   <a:solidFill>
                     <a:srgbClr val="000000"/>
                   </a:solidFill>
@@ -4100,7 +4101,7 @@
             </a:ln>
             <a:extLst>
               <a:ext uri="{91240B29-F687-4f45-9708-019B960494DF}">
-                <a14:hiddenLine xmlns="" xmlns:a14="http://schemas.microsoft.com/office/drawing/2010/main" w="9525">
+                <a14:hiddenLine xmlns:a14="http://schemas.microsoft.com/office/drawing/2010/main" xmlns="" w="9525">
                   <a:solidFill>
                     <a:srgbClr val="000000"/>
                   </a:solidFill>
@@ -4168,7 +4169,7 @@
             </a:ln>
             <a:extLst>
               <a:ext uri="{91240B29-F687-4f45-9708-019B960494DF}">
-                <a14:hiddenLine xmlns="" xmlns:a14="http://schemas.microsoft.com/office/drawing/2010/main" w="9525">
+                <a14:hiddenLine xmlns:a14="http://schemas.microsoft.com/office/drawing/2010/main" xmlns="" w="9525">
                   <a:solidFill>
                     <a:srgbClr val="000000"/>
                   </a:solidFill>
@@ -4258,7 +4259,7 @@
             </a:ln>
             <a:extLst>
               <a:ext uri="{91240B29-F687-4f45-9708-019B960494DF}">
-                <a14:hiddenLine xmlns="" xmlns:a14="http://schemas.microsoft.com/office/drawing/2010/main" w="9525">
+                <a14:hiddenLine xmlns:a14="http://schemas.microsoft.com/office/drawing/2010/main" xmlns="" w="9525">
                   <a:solidFill>
                     <a:srgbClr val="000000"/>
                   </a:solidFill>
@@ -8980,7 +8981,7 @@
           <a:noFill/>
           <a:extLst>
             <a:ext uri="{909E8E84-426E-40dd-AFC4-6F175D3DCCD1}">
-              <a14:hiddenFill xmlns="" xmlns:a14="http://schemas.microsoft.com/office/drawing/2010/main">
+              <a14:hiddenFill xmlns:a14="http://schemas.microsoft.com/office/drawing/2010/main" xmlns="">
                 <a:solidFill>
                   <a:srgbClr val="FFFFFF"/>
                 </a:solidFill>
@@ -9054,7 +9055,7 @@
               </a:ln>
               <a:extLst>
                 <a:ext uri="{91240B29-F687-4f45-9708-019B960494DF}">
-                  <a14:hiddenLine xmlns="" xmlns:a14="http://schemas.microsoft.com/office/drawing/2010/main" w="9525">
+                  <a14:hiddenLine xmlns:a14="http://schemas.microsoft.com/office/drawing/2010/main" xmlns="" w="9525">
                     <a:solidFill>
                       <a:srgbClr val="000000"/>
                     </a:solidFill>
@@ -9144,7 +9145,7 @@
               </a:ln>
               <a:extLst>
                 <a:ext uri="{91240B29-F687-4f45-9708-019B960494DF}">
-                  <a14:hiddenLine xmlns="" xmlns:a14="http://schemas.microsoft.com/office/drawing/2010/main" w="9525">
+                  <a14:hiddenLine xmlns:a14="http://schemas.microsoft.com/office/drawing/2010/main" xmlns="" w="9525">
                     <a:solidFill>
                       <a:srgbClr val="000000"/>
                     </a:solidFill>
@@ -9234,7 +9235,7 @@
               </a:ln>
               <a:extLst>
                 <a:ext uri="{91240B29-F687-4f45-9708-019B960494DF}">
-                  <a14:hiddenLine xmlns="" xmlns:a14="http://schemas.microsoft.com/office/drawing/2010/main" w="9525">
+                  <a14:hiddenLine xmlns:a14="http://schemas.microsoft.com/office/drawing/2010/main" xmlns="" w="9525">
                     <a:solidFill>
                       <a:srgbClr val="000000"/>
                     </a:solidFill>
@@ -9296,7 +9297,7 @@
               </a:ln>
               <a:extLst>
                 <a:ext uri="{91240B29-F687-4f45-9708-019B960494DF}">
-                  <a14:hiddenLine xmlns="" xmlns:a14="http://schemas.microsoft.com/office/drawing/2010/main" w="9525">
+                  <a14:hiddenLine xmlns:a14="http://schemas.microsoft.com/office/drawing/2010/main" xmlns="" w="9525">
                     <a:solidFill>
                       <a:srgbClr val="000000"/>
                     </a:solidFill>
@@ -9386,7 +9387,7 @@
               </a:ln>
               <a:extLst>
                 <a:ext uri="{91240B29-F687-4f45-9708-019B960494DF}">
-                  <a14:hiddenLine xmlns="" xmlns:a14="http://schemas.microsoft.com/office/drawing/2010/main" w="9525">
+                  <a14:hiddenLine xmlns:a14="http://schemas.microsoft.com/office/drawing/2010/main" xmlns="" w="9525">
                     <a:solidFill>
                       <a:srgbClr val="000000"/>
                     </a:solidFill>
@@ -9448,7 +9449,7 @@
               </a:ln>
               <a:extLst>
                 <a:ext uri="{91240B29-F687-4f45-9708-019B960494DF}">
-                  <a14:hiddenLine xmlns="" xmlns:a14="http://schemas.microsoft.com/office/drawing/2010/main" w="9525">
+                  <a14:hiddenLine xmlns:a14="http://schemas.microsoft.com/office/drawing/2010/main" xmlns="" w="9525">
                     <a:solidFill>
                       <a:srgbClr val="000000"/>
                     </a:solidFill>
@@ -9510,7 +9511,7 @@
               </a:ln>
               <a:extLst>
                 <a:ext uri="{91240B29-F687-4f45-9708-019B960494DF}">
-                  <a14:hiddenLine xmlns="" xmlns:a14="http://schemas.microsoft.com/office/drawing/2010/main" w="9525">
+                  <a14:hiddenLine xmlns:a14="http://schemas.microsoft.com/office/drawing/2010/main" xmlns="" w="9525">
                     <a:solidFill>
                       <a:srgbClr val="000000"/>
                     </a:solidFill>
@@ -9600,7 +9601,7 @@
               </a:ln>
               <a:extLst>
                 <a:ext uri="{91240B29-F687-4f45-9708-019B960494DF}">
-                  <a14:hiddenLine xmlns="" xmlns:a14="http://schemas.microsoft.com/office/drawing/2010/main" w="9525">
+                  <a14:hiddenLine xmlns:a14="http://schemas.microsoft.com/office/drawing/2010/main" xmlns="" w="9525">
                     <a:solidFill>
                       <a:srgbClr val="000000"/>
                     </a:solidFill>
@@ -9690,7 +9691,7 @@
               </a:ln>
               <a:extLst>
                 <a:ext uri="{91240B29-F687-4f45-9708-019B960494DF}">
-                  <a14:hiddenLine xmlns="" xmlns:a14="http://schemas.microsoft.com/office/drawing/2010/main" w="9525">
+                  <a14:hiddenLine xmlns:a14="http://schemas.microsoft.com/office/drawing/2010/main" xmlns="" w="9525">
                     <a:solidFill>
                       <a:srgbClr val="000000"/>
                     </a:solidFill>
@@ -9752,7 +9753,7 @@
               </a:ln>
               <a:extLst>
                 <a:ext uri="{91240B29-F687-4f45-9708-019B960494DF}">
-                  <a14:hiddenLine xmlns="" xmlns:a14="http://schemas.microsoft.com/office/drawing/2010/main" w="9525">
+                  <a14:hiddenLine xmlns:a14="http://schemas.microsoft.com/office/drawing/2010/main" xmlns="" w="9525">
                     <a:solidFill>
                       <a:srgbClr val="000000"/>
                     </a:solidFill>
@@ -9862,7 +9863,7 @@
               </a:ln>
               <a:extLst>
                 <a:ext uri="{91240B29-F687-4f45-9708-019B960494DF}">
-                  <a14:hiddenLine xmlns="" xmlns:a14="http://schemas.microsoft.com/office/drawing/2010/main" w="9525">
+                  <a14:hiddenLine xmlns:a14="http://schemas.microsoft.com/office/drawing/2010/main" xmlns="" w="9525">
                     <a:solidFill>
                       <a:srgbClr val="000000"/>
                     </a:solidFill>
@@ -9946,7 +9947,7 @@
               </a:ln>
               <a:extLst>
                 <a:ext uri="{91240B29-F687-4f45-9708-019B960494DF}">
-                  <a14:hiddenLine xmlns="" xmlns:a14="http://schemas.microsoft.com/office/drawing/2010/main" w="9525">
+                  <a14:hiddenLine xmlns:a14="http://schemas.microsoft.com/office/drawing/2010/main" xmlns="" w="9525">
                     <a:solidFill>
                       <a:srgbClr val="000000"/>
                     </a:solidFill>
@@ -10008,7 +10009,7 @@
               </a:ln>
               <a:extLst>
                 <a:ext uri="{91240B29-F687-4f45-9708-019B960494DF}">
-                  <a14:hiddenLine xmlns="" xmlns:a14="http://schemas.microsoft.com/office/drawing/2010/main" w="9525">
+                  <a14:hiddenLine xmlns:a14="http://schemas.microsoft.com/office/drawing/2010/main" xmlns="" w="9525">
                     <a:solidFill>
                       <a:srgbClr val="000000"/>
                     </a:solidFill>
@@ -10070,7 +10071,7 @@
               </a:ln>
               <a:extLst>
                 <a:ext uri="{91240B29-F687-4f45-9708-019B960494DF}">
-                  <a14:hiddenLine xmlns="" xmlns:a14="http://schemas.microsoft.com/office/drawing/2010/main" w="9525">
+                  <a14:hiddenLine xmlns:a14="http://schemas.microsoft.com/office/drawing/2010/main" xmlns="" w="9525">
                     <a:solidFill>
                       <a:srgbClr val="000000"/>
                     </a:solidFill>
@@ -10160,7 +10161,7 @@
               </a:ln>
               <a:extLst>
                 <a:ext uri="{91240B29-F687-4f45-9708-019B960494DF}">
-                  <a14:hiddenLine xmlns="" xmlns:a14="http://schemas.microsoft.com/office/drawing/2010/main" w="9525">
+                  <a14:hiddenLine xmlns:a14="http://schemas.microsoft.com/office/drawing/2010/main" xmlns="" w="9525">
                     <a:solidFill>
                       <a:srgbClr val="000000"/>
                     </a:solidFill>
@@ -10194,7 +10195,7 @@
               </a:ln>
               <a:extLst>
                 <a:ext uri="{91240B29-F687-4f45-9708-019B960494DF}">
-                  <a14:hiddenLine xmlns="" xmlns:a14="http://schemas.microsoft.com/office/drawing/2010/main" w="9525">
+                  <a14:hiddenLine xmlns:a14="http://schemas.microsoft.com/office/drawing/2010/main" xmlns="" w="9525">
                     <a:solidFill>
                       <a:srgbClr val="000000"/>
                     </a:solidFill>
@@ -10259,7 +10260,7 @@
               </a:ln>
               <a:extLst>
                 <a:ext uri="{91240B29-F687-4f45-9708-019B960494DF}">
-                  <a14:hiddenLine xmlns="" xmlns:a14="http://schemas.microsoft.com/office/drawing/2010/main" w="9525">
+                  <a14:hiddenLine xmlns:a14="http://schemas.microsoft.com/office/drawing/2010/main" xmlns="" w="9525">
                     <a:solidFill>
                       <a:srgbClr val="000000"/>
                     </a:solidFill>
@@ -10349,7 +10350,7 @@
               </a:ln>
               <a:extLst>
                 <a:ext uri="{91240B29-F687-4f45-9708-019B960494DF}">
-                  <a14:hiddenLine xmlns="" xmlns:a14="http://schemas.microsoft.com/office/drawing/2010/main" w="9525">
+                  <a14:hiddenLine xmlns:a14="http://schemas.microsoft.com/office/drawing/2010/main" xmlns="" w="9525">
                     <a:solidFill>
                       <a:srgbClr val="000000"/>
                     </a:solidFill>
@@ -10411,7 +10412,7 @@
               </a:ln>
               <a:extLst>
                 <a:ext uri="{91240B29-F687-4f45-9708-019B960494DF}">
-                  <a14:hiddenLine xmlns="" xmlns:a14="http://schemas.microsoft.com/office/drawing/2010/main" w="9525">
+                  <a14:hiddenLine xmlns:a14="http://schemas.microsoft.com/office/drawing/2010/main" xmlns="" w="9525">
                     <a:solidFill>
                       <a:srgbClr val="000000"/>
                     </a:solidFill>
@@ -10501,7 +10502,7 @@
               </a:ln>
               <a:extLst>
                 <a:ext uri="{91240B29-F687-4f45-9708-019B960494DF}">
-                  <a14:hiddenLine xmlns="" xmlns:a14="http://schemas.microsoft.com/office/drawing/2010/main" w="9525">
+                  <a14:hiddenLine xmlns:a14="http://schemas.microsoft.com/office/drawing/2010/main" xmlns="" w="9525">
                     <a:solidFill>
                       <a:srgbClr val="000000"/>
                     </a:solidFill>
@@ -10566,7 +10567,7 @@
               </a:ln>
               <a:extLst>
                 <a:ext uri="{91240B29-F687-4f45-9708-019B960494DF}">
-                  <a14:hiddenLine xmlns="" xmlns:a14="http://schemas.microsoft.com/office/drawing/2010/main" w="9525">
+                  <a14:hiddenLine xmlns:a14="http://schemas.microsoft.com/office/drawing/2010/main" xmlns="" w="9525">
                     <a:solidFill>
                       <a:srgbClr val="000000"/>
                     </a:solidFill>
@@ -10628,7 +10629,7 @@
               </a:ln>
               <a:extLst>
                 <a:ext uri="{91240B29-F687-4f45-9708-019B960494DF}">
-                  <a14:hiddenLine xmlns="" xmlns:a14="http://schemas.microsoft.com/office/drawing/2010/main" w="9525">
+                  <a14:hiddenLine xmlns:a14="http://schemas.microsoft.com/office/drawing/2010/main" xmlns="" w="9525">
                     <a:solidFill>
                       <a:srgbClr val="000000"/>
                     </a:solidFill>
@@ -10718,7 +10719,7 @@
               </a:ln>
               <a:extLst>
                 <a:ext uri="{91240B29-F687-4f45-9708-019B960494DF}">
-                  <a14:hiddenLine xmlns="" xmlns:a14="http://schemas.microsoft.com/office/drawing/2010/main" w="9525">
+                  <a14:hiddenLine xmlns:a14="http://schemas.microsoft.com/office/drawing/2010/main" xmlns="" w="9525">
                     <a:solidFill>
                       <a:srgbClr val="000000"/>
                     </a:solidFill>
@@ -10808,7 +10809,7 @@
               </a:ln>
               <a:extLst>
                 <a:ext uri="{91240B29-F687-4f45-9708-019B960494DF}">
-                  <a14:hiddenLine xmlns="" xmlns:a14="http://schemas.microsoft.com/office/drawing/2010/main" w="9525">
+                  <a14:hiddenLine xmlns:a14="http://schemas.microsoft.com/office/drawing/2010/main" xmlns="" w="9525">
                     <a:solidFill>
                       <a:srgbClr val="000000"/>
                     </a:solidFill>
@@ -10873,7 +10874,7 @@
               </a:ln>
               <a:extLst>
                 <a:ext uri="{91240B29-F687-4f45-9708-019B960494DF}">
-                  <a14:hiddenLine xmlns="" xmlns:a14="http://schemas.microsoft.com/office/drawing/2010/main" w="9525">
+                  <a14:hiddenLine xmlns:a14="http://schemas.microsoft.com/office/drawing/2010/main" xmlns="" w="9525">
                     <a:solidFill>
                       <a:srgbClr val="000000"/>
                     </a:solidFill>
@@ -10993,7 +10994,7 @@
               </a:ln>
               <a:extLst>
                 <a:ext uri="{91240B29-F687-4f45-9708-019B960494DF}">
-                  <a14:hiddenLine xmlns="" xmlns:a14="http://schemas.microsoft.com/office/drawing/2010/main" w="9525">
+                  <a14:hiddenLine xmlns:a14="http://schemas.microsoft.com/office/drawing/2010/main" xmlns="" w="9525">
                     <a:solidFill>
                       <a:srgbClr val="000000"/>
                     </a:solidFill>
@@ -11091,7 +11092,7 @@
               </a:ln>
               <a:extLst>
                 <a:ext uri="{91240B29-F687-4f45-9708-019B960494DF}">
-                  <a14:hiddenLine xmlns="" xmlns:a14="http://schemas.microsoft.com/office/drawing/2010/main" w="9525">
+                  <a14:hiddenLine xmlns:a14="http://schemas.microsoft.com/office/drawing/2010/main" xmlns="" w="9525">
                     <a:solidFill>
                       <a:srgbClr val="000000"/>
                     </a:solidFill>
@@ -11206,7 +11207,7 @@
               </a:ln>
               <a:extLst>
                 <a:ext uri="{91240B29-F687-4f45-9708-019B960494DF}">
-                  <a14:hiddenLine xmlns="" xmlns:a14="http://schemas.microsoft.com/office/drawing/2010/main" w="9525">
+                  <a14:hiddenLine xmlns:a14="http://schemas.microsoft.com/office/drawing/2010/main" xmlns="" w="9525">
                     <a:solidFill>
                       <a:srgbClr val="000000"/>
                     </a:solidFill>
@@ -11296,7 +11297,7 @@
               </a:ln>
               <a:extLst>
                 <a:ext uri="{91240B29-F687-4f45-9708-019B960494DF}">
-                  <a14:hiddenLine xmlns="" xmlns:a14="http://schemas.microsoft.com/office/drawing/2010/main" w="9525">
+                  <a14:hiddenLine xmlns:a14="http://schemas.microsoft.com/office/drawing/2010/main" xmlns="" w="9525">
                     <a:solidFill>
                       <a:srgbClr val="000000"/>
                     </a:solidFill>
@@ -11361,7 +11362,7 @@
               </a:ln>
               <a:extLst>
                 <a:ext uri="{91240B29-F687-4f45-9708-019B960494DF}">
-                  <a14:hiddenLine xmlns="" xmlns:a14="http://schemas.microsoft.com/office/drawing/2010/main" w="9525">
+                  <a14:hiddenLine xmlns:a14="http://schemas.microsoft.com/office/drawing/2010/main" xmlns="" w="9525">
                     <a:solidFill>
                       <a:srgbClr val="000000"/>
                     </a:solidFill>
@@ -11451,7 +11452,7 @@
               </a:ln>
               <a:extLst>
                 <a:ext uri="{91240B29-F687-4f45-9708-019B960494DF}">
-                  <a14:hiddenLine xmlns="" xmlns:a14="http://schemas.microsoft.com/office/drawing/2010/main" w="9525">
+                  <a14:hiddenLine xmlns:a14="http://schemas.microsoft.com/office/drawing/2010/main" xmlns="" w="9525">
                     <a:solidFill>
                       <a:srgbClr val="000000"/>
                     </a:solidFill>
@@ -11519,7 +11520,7 @@
               </a:ln>
               <a:extLst>
                 <a:ext uri="{91240B29-F687-4f45-9708-019B960494DF}">
-                  <a14:hiddenLine xmlns="" xmlns:a14="http://schemas.microsoft.com/office/drawing/2010/main" w="9525">
+                  <a14:hiddenLine xmlns:a14="http://schemas.microsoft.com/office/drawing/2010/main" xmlns="" w="9525">
                     <a:solidFill>
                       <a:srgbClr val="000000"/>
                     </a:solidFill>
@@ -11609,7 +11610,7 @@
               </a:ln>
               <a:extLst>
                 <a:ext uri="{91240B29-F687-4f45-9708-019B960494DF}">
-                  <a14:hiddenLine xmlns="" xmlns:a14="http://schemas.microsoft.com/office/drawing/2010/main" w="9525">
+                  <a14:hiddenLine xmlns:a14="http://schemas.microsoft.com/office/drawing/2010/main" xmlns="" w="9525">
                     <a:solidFill>
                       <a:srgbClr val="000000"/>
                     </a:solidFill>
@@ -11677,7 +11678,7 @@
               </a:ln>
               <a:extLst>
                 <a:ext uri="{91240B29-F687-4f45-9708-019B960494DF}">
-                  <a14:hiddenLine xmlns="" xmlns:a14="http://schemas.microsoft.com/office/drawing/2010/main" w="9525">
+                  <a14:hiddenLine xmlns:a14="http://schemas.microsoft.com/office/drawing/2010/main" xmlns="" w="9525">
                     <a:solidFill>
                       <a:srgbClr val="000000"/>
                     </a:solidFill>
@@ -11767,7 +11768,7 @@
               </a:ln>
               <a:extLst>
                 <a:ext uri="{91240B29-F687-4f45-9708-019B960494DF}">
-                  <a14:hiddenLine xmlns="" xmlns:a14="http://schemas.microsoft.com/office/drawing/2010/main" w="9525">
+                  <a14:hiddenLine xmlns:a14="http://schemas.microsoft.com/office/drawing/2010/main" xmlns="" w="9525">
                     <a:solidFill>
                       <a:srgbClr val="000000"/>
                     </a:solidFill>
@@ -11801,7 +11802,7 @@
               </a:ln>
               <a:extLst>
                 <a:ext uri="{91240B29-F687-4f45-9708-019B960494DF}">
-                  <a14:hiddenLine xmlns="" xmlns:a14="http://schemas.microsoft.com/office/drawing/2010/main" w="9525">
+                  <a14:hiddenLine xmlns:a14="http://schemas.microsoft.com/office/drawing/2010/main" xmlns="" w="9525">
                     <a:solidFill>
                       <a:srgbClr val="000000"/>
                     </a:solidFill>
@@ -12386,7 +12387,7 @@
           <a:p>
             <a:r>
               <a:rPr lang="es-ES" dirty="0"/>
-              <a:t>Sistema de mensajería y redes sociales</a:t>
+              <a:t>Sistema de mensajería y redes sociales (SMRS)</a:t>
             </a:r>
             <a:endParaRPr lang="es-CL" dirty="0"/>
           </a:p>
@@ -12673,12 +12674,99 @@
           </a:p>
         </p:txBody>
       </p:sp>
+      <p:pic>
+        <p:nvPicPr>
+          <p:cNvPr id="5" name="Marcador de contenido 4" descr="Imagen que contiene captura de pantalla&#10;&#10;Descripción generada con confianza muy alta">
+            <a:extLst>
+              <a:ext uri="{FF2B5EF4-FFF2-40B4-BE49-F238E27FC236}">
+                <a16:creationId xmlns:a16="http://schemas.microsoft.com/office/drawing/2014/main" id="{5EBB867F-E870-495F-994D-F2C4CCEBBE81}"/>
+              </a:ext>
+            </a:extLst>
+          </p:cNvPr>
+          <p:cNvPicPr>
+            <a:picLocks noGrp="1" noChangeAspect="1"/>
+          </p:cNvPicPr>
+          <p:nvPr>
+            <p:ph idx="1"/>
+          </p:nvPr>
+        </p:nvPicPr>
+        <p:blipFill>
+          <a:blip r:embed="rId2"/>
+          <a:stretch>
+            <a:fillRect/>
+          </a:stretch>
+        </p:blipFill>
+        <p:spPr>
+          <a:xfrm>
+            <a:off x="289561" y="1142999"/>
+            <a:ext cx="11673840" cy="5717439"/>
+          </a:xfrm>
+        </p:spPr>
+      </p:pic>
+    </p:spTree>
+    <p:extLst>
+      <p:ext uri="{BB962C8B-B14F-4D97-AF65-F5344CB8AC3E}">
+        <p14:creationId xmlns:p14="http://schemas.microsoft.com/office/powerpoint/2010/main" val="1153053009"/>
+      </p:ext>
+    </p:extLst>
+  </p:cSld>
+  <p:clrMapOvr>
+    <a:masterClrMapping/>
+  </p:clrMapOvr>
+</p:sld>
+</file>
+
+<file path=ppt/slides/slide12.xml><?xml version="1.0" encoding="utf-8"?>
+<p:sld xmlns:a="http://schemas.openxmlformats.org/drawingml/2006/main" xmlns:r="http://schemas.openxmlformats.org/officeDocument/2006/relationships" xmlns:p="http://schemas.openxmlformats.org/presentationml/2006/main">
+  <p:cSld>
+    <p:spTree>
+      <p:nvGrpSpPr>
+        <p:cNvPr id="1" name=""/>
+        <p:cNvGrpSpPr/>
+        <p:nvPr/>
+      </p:nvGrpSpPr>
+      <p:grpSpPr>
+        <a:xfrm>
+          <a:off x="0" y="0"/>
+          <a:ext cx="0" cy="0"/>
+          <a:chOff x="0" y="0"/>
+          <a:chExt cx="0" cy="0"/>
+        </a:xfrm>
+      </p:grpSpPr>
       <p:sp>
         <p:nvSpPr>
-          <p:cNvPr id="4" name="Marcador de contenido 3">
+          <p:cNvPr id="2" name="Título 1">
             <a:extLst>
               <a:ext uri="{FF2B5EF4-FFF2-40B4-BE49-F238E27FC236}">
-                <a16:creationId xmlns:a16="http://schemas.microsoft.com/office/drawing/2014/main" id="{7E8A7436-6F95-4F6E-8939-B88E84C5EEC3}"/>
+                <a16:creationId xmlns:a16="http://schemas.microsoft.com/office/drawing/2014/main" id="{5A0C8CA5-8641-4507-A29B-41CEB3C86CF6}"/>
+              </a:ext>
+            </a:extLst>
+          </p:cNvPr>
+          <p:cNvSpPr>
+            <a:spLocks noGrp="1"/>
+          </p:cNvSpPr>
+          <p:nvPr>
+            <p:ph type="title"/>
+          </p:nvPr>
+        </p:nvSpPr>
+        <p:spPr/>
+        <p:txBody>
+          <a:bodyPr/>
+          <a:lstStyle/>
+          <a:p>
+            <a:r>
+              <a:rPr lang="es-CL" dirty="0"/>
+              <a:t>Carta Gantt</a:t>
+            </a:r>
+          </a:p>
+        </p:txBody>
+      </p:sp>
+      <p:sp>
+        <p:nvSpPr>
+          <p:cNvPr id="3" name="Marcador de contenido 2">
+            <a:extLst>
+              <a:ext uri="{FF2B5EF4-FFF2-40B4-BE49-F238E27FC236}">
+                <a16:creationId xmlns:a16="http://schemas.microsoft.com/office/drawing/2014/main" id="{00CD0703-3B36-410A-83D7-063D9C3FDE93}"/>
               </a:ext>
             </a:extLst>
           </p:cNvPr>
@@ -12701,7 +12789,7 @@
     </p:spTree>
     <p:extLst>
       <p:ext uri="{BB962C8B-B14F-4D97-AF65-F5344CB8AC3E}">
-        <p14:creationId xmlns:p14="http://schemas.microsoft.com/office/powerpoint/2010/main" val="1153053009"/>
+        <p14:creationId xmlns:p14="http://schemas.microsoft.com/office/powerpoint/2010/main" val="3849764991"/>
       </p:ext>
     </p:extLst>
   </p:cSld>
@@ -13012,7 +13100,7 @@
           <a:noFill/>
           <a:extLst>
             <a:ext uri="{909E8E84-426E-40dd-AFC4-6F175D3DCCD1}">
-              <a14:hiddenFill xmlns:a14="http://schemas.microsoft.com/office/drawing/2010/main" xmlns:p14="http://schemas.microsoft.com/office/powerpoint/2010/main" xmlns:a16="http://schemas.microsoft.com/office/drawing/2014/main" xmlns="">
+              <a14:hiddenFill xmlns="" xmlns:a16="http://schemas.microsoft.com/office/drawing/2014/main" xmlns:p14="http://schemas.microsoft.com/office/powerpoint/2010/main" xmlns:a14="http://schemas.microsoft.com/office/drawing/2010/main">
                 <a:solidFill>
                   <a:srgbClr val="FFFFFF"/>
                 </a:solidFill>
@@ -13279,7 +13367,7 @@
             </a:ln>
             <a:extLst>
               <a:ext uri="{91240B29-F687-4f45-9708-019B960494DF}">
-                <a14:hiddenLine xmlns:a14="http://schemas.microsoft.com/office/drawing/2010/main" xmlns:p14="http://schemas.microsoft.com/office/powerpoint/2010/main" xmlns:a16="http://schemas.microsoft.com/office/drawing/2014/main" xmlns="" w="9525">
+                <a14:hiddenLine xmlns="" xmlns:a16="http://schemas.microsoft.com/office/drawing/2014/main" xmlns:p14="http://schemas.microsoft.com/office/powerpoint/2010/main" xmlns:a14="http://schemas.microsoft.com/office/drawing/2010/main" w="9525">
                   <a:solidFill>
                     <a:srgbClr val="000000"/>
                   </a:solidFill>
@@ -13384,7 +13472,7 @@
             </a:ln>
             <a:extLst>
               <a:ext uri="{91240B29-F687-4f45-9708-019B960494DF}">
-                <a14:hiddenLine xmlns:a14="http://schemas.microsoft.com/office/drawing/2010/main" xmlns:p14="http://schemas.microsoft.com/office/powerpoint/2010/main" xmlns:a16="http://schemas.microsoft.com/office/drawing/2014/main" xmlns="" w="9525">
+                <a14:hiddenLine xmlns="" xmlns:a16="http://schemas.microsoft.com/office/drawing/2014/main" xmlns:p14="http://schemas.microsoft.com/office/powerpoint/2010/main" xmlns:a14="http://schemas.microsoft.com/office/drawing/2010/main" w="9525">
                   <a:solidFill>
                     <a:srgbClr val="000000"/>
                   </a:solidFill>
@@ -13489,7 +13577,7 @@
             </a:ln>
             <a:extLst>
               <a:ext uri="{91240B29-F687-4f45-9708-019B960494DF}">
-                <a14:hiddenLine xmlns:a14="http://schemas.microsoft.com/office/drawing/2010/main" xmlns:p14="http://schemas.microsoft.com/office/powerpoint/2010/main" xmlns:a16="http://schemas.microsoft.com/office/drawing/2014/main" xmlns="" w="9525">
+                <a14:hiddenLine xmlns="" xmlns:a16="http://schemas.microsoft.com/office/drawing/2014/main" xmlns:p14="http://schemas.microsoft.com/office/powerpoint/2010/main" xmlns:a14="http://schemas.microsoft.com/office/drawing/2010/main" w="9525">
                   <a:solidFill>
                     <a:srgbClr val="000000"/>
                   </a:solidFill>
@@ -13566,7 +13654,7 @@
             </a:ln>
             <a:extLst>
               <a:ext uri="{91240B29-F687-4f45-9708-019B960494DF}">
-                <a14:hiddenLine xmlns:a14="http://schemas.microsoft.com/office/drawing/2010/main" xmlns:p14="http://schemas.microsoft.com/office/powerpoint/2010/main" xmlns:a16="http://schemas.microsoft.com/office/drawing/2014/main" xmlns="" w="9525">
+                <a14:hiddenLine xmlns="" xmlns:a16="http://schemas.microsoft.com/office/drawing/2014/main" xmlns:p14="http://schemas.microsoft.com/office/powerpoint/2010/main" xmlns:a14="http://schemas.microsoft.com/office/drawing/2010/main" w="9525">
                   <a:solidFill>
                     <a:srgbClr val="000000"/>
                   </a:solidFill>
@@ -13671,7 +13759,7 @@
             </a:ln>
             <a:extLst>
               <a:ext uri="{91240B29-F687-4f45-9708-019B960494DF}">
-                <a14:hiddenLine xmlns:a14="http://schemas.microsoft.com/office/drawing/2010/main" xmlns:p14="http://schemas.microsoft.com/office/powerpoint/2010/main" xmlns:a16="http://schemas.microsoft.com/office/drawing/2014/main" xmlns="" w="9525">
+                <a14:hiddenLine xmlns="" xmlns:a16="http://schemas.microsoft.com/office/drawing/2014/main" xmlns:p14="http://schemas.microsoft.com/office/powerpoint/2010/main" xmlns:a14="http://schemas.microsoft.com/office/drawing/2010/main" w="9525">
                   <a:solidFill>
                     <a:srgbClr val="000000"/>
                   </a:solidFill>
@@ -13748,7 +13836,7 @@
             </a:ln>
             <a:extLst>
               <a:ext uri="{91240B29-F687-4f45-9708-019B960494DF}">
-                <a14:hiddenLine xmlns:a14="http://schemas.microsoft.com/office/drawing/2010/main" xmlns:p14="http://schemas.microsoft.com/office/powerpoint/2010/main" xmlns:a16="http://schemas.microsoft.com/office/drawing/2014/main" xmlns="" w="9525">
+                <a14:hiddenLine xmlns="" xmlns:a16="http://schemas.microsoft.com/office/drawing/2014/main" xmlns:p14="http://schemas.microsoft.com/office/powerpoint/2010/main" xmlns:a14="http://schemas.microsoft.com/office/drawing/2010/main" w="9525">
                   <a:solidFill>
                     <a:srgbClr val="000000"/>
                   </a:solidFill>
@@ -13825,7 +13913,7 @@
             </a:ln>
             <a:extLst>
               <a:ext uri="{91240B29-F687-4f45-9708-019B960494DF}">
-                <a14:hiddenLine xmlns:a14="http://schemas.microsoft.com/office/drawing/2010/main" xmlns:p14="http://schemas.microsoft.com/office/powerpoint/2010/main" xmlns:a16="http://schemas.microsoft.com/office/drawing/2014/main" xmlns="" w="9525">
+                <a14:hiddenLine xmlns="" xmlns:a16="http://schemas.microsoft.com/office/drawing/2014/main" xmlns:p14="http://schemas.microsoft.com/office/powerpoint/2010/main" xmlns:a14="http://schemas.microsoft.com/office/drawing/2010/main" w="9525">
                   <a:solidFill>
                     <a:srgbClr val="000000"/>
                   </a:solidFill>
@@ -13930,7 +14018,7 @@
             </a:ln>
             <a:extLst>
               <a:ext uri="{91240B29-F687-4f45-9708-019B960494DF}">
-                <a14:hiddenLine xmlns:a14="http://schemas.microsoft.com/office/drawing/2010/main" xmlns:p14="http://schemas.microsoft.com/office/powerpoint/2010/main" xmlns:a16="http://schemas.microsoft.com/office/drawing/2014/main" xmlns="" w="9525">
+                <a14:hiddenLine xmlns="" xmlns:a16="http://schemas.microsoft.com/office/drawing/2014/main" xmlns:p14="http://schemas.microsoft.com/office/powerpoint/2010/main" xmlns:a14="http://schemas.microsoft.com/office/drawing/2010/main" w="9525">
                   <a:solidFill>
                     <a:srgbClr val="000000"/>
                   </a:solidFill>
@@ -14035,7 +14123,7 @@
             </a:ln>
             <a:extLst>
               <a:ext uri="{91240B29-F687-4f45-9708-019B960494DF}">
-                <a14:hiddenLine xmlns:a14="http://schemas.microsoft.com/office/drawing/2010/main" xmlns:p14="http://schemas.microsoft.com/office/powerpoint/2010/main" xmlns:a16="http://schemas.microsoft.com/office/drawing/2014/main" xmlns="" w="9525">
+                <a14:hiddenLine xmlns="" xmlns:a16="http://schemas.microsoft.com/office/drawing/2014/main" xmlns:p14="http://schemas.microsoft.com/office/powerpoint/2010/main" xmlns:a14="http://schemas.microsoft.com/office/drawing/2010/main" w="9525">
                   <a:solidFill>
                     <a:srgbClr val="000000"/>
                   </a:solidFill>
@@ -14112,7 +14200,7 @@
             </a:ln>
             <a:extLst>
               <a:ext uri="{91240B29-F687-4f45-9708-019B960494DF}">
-                <a14:hiddenLine xmlns:a14="http://schemas.microsoft.com/office/drawing/2010/main" xmlns:p14="http://schemas.microsoft.com/office/powerpoint/2010/main" xmlns:a16="http://schemas.microsoft.com/office/drawing/2014/main" xmlns="" w="9525">
+                <a14:hiddenLine xmlns="" xmlns:a16="http://schemas.microsoft.com/office/drawing/2014/main" xmlns:p14="http://schemas.microsoft.com/office/powerpoint/2010/main" xmlns:a14="http://schemas.microsoft.com/office/drawing/2010/main" w="9525">
                   <a:solidFill>
                     <a:srgbClr val="000000"/>
                   </a:solidFill>
@@ -14237,7 +14325,7 @@
             </a:ln>
             <a:extLst>
               <a:ext uri="{91240B29-F687-4f45-9708-019B960494DF}">
-                <a14:hiddenLine xmlns:a14="http://schemas.microsoft.com/office/drawing/2010/main" xmlns:p14="http://schemas.microsoft.com/office/powerpoint/2010/main" xmlns:a16="http://schemas.microsoft.com/office/drawing/2014/main" xmlns="" w="9525">
+                <a14:hiddenLine xmlns="" xmlns:a16="http://schemas.microsoft.com/office/drawing/2014/main" xmlns:p14="http://schemas.microsoft.com/office/powerpoint/2010/main" xmlns:a14="http://schemas.microsoft.com/office/drawing/2010/main" w="9525">
                   <a:solidFill>
                     <a:srgbClr val="000000"/>
                   </a:solidFill>
@@ -14351,7 +14439,7 @@
             </a:ln>
             <a:extLst>
               <a:ext uri="{91240B29-F687-4f45-9708-019B960494DF}">
-                <a14:hiddenLine xmlns:a14="http://schemas.microsoft.com/office/drawing/2010/main" xmlns:p14="http://schemas.microsoft.com/office/powerpoint/2010/main" xmlns:a16="http://schemas.microsoft.com/office/drawing/2014/main" xmlns="" w="9525">
+                <a14:hiddenLine xmlns="" xmlns:a16="http://schemas.microsoft.com/office/drawing/2014/main" xmlns:p14="http://schemas.microsoft.com/office/powerpoint/2010/main" xmlns:a14="http://schemas.microsoft.com/office/drawing/2010/main" w="9525">
                   <a:solidFill>
                     <a:srgbClr val="000000"/>
                   </a:solidFill>
@@ -14428,7 +14516,7 @@
             </a:ln>
             <a:extLst>
               <a:ext uri="{91240B29-F687-4f45-9708-019B960494DF}">
-                <a14:hiddenLine xmlns:a14="http://schemas.microsoft.com/office/drawing/2010/main" xmlns:p14="http://schemas.microsoft.com/office/powerpoint/2010/main" xmlns:a16="http://schemas.microsoft.com/office/drawing/2014/main" xmlns="" w="9525">
+                <a14:hiddenLine xmlns="" xmlns:a16="http://schemas.microsoft.com/office/drawing/2014/main" xmlns:p14="http://schemas.microsoft.com/office/powerpoint/2010/main" xmlns:a14="http://schemas.microsoft.com/office/drawing/2010/main" w="9525">
                   <a:solidFill>
                     <a:srgbClr val="000000"/>
                   </a:solidFill>
@@ -14505,7 +14593,7 @@
             </a:ln>
             <a:extLst>
               <a:ext uri="{91240B29-F687-4f45-9708-019B960494DF}">
-                <a14:hiddenLine xmlns:a14="http://schemas.microsoft.com/office/drawing/2010/main" xmlns:p14="http://schemas.microsoft.com/office/powerpoint/2010/main" xmlns:a16="http://schemas.microsoft.com/office/drawing/2014/main" xmlns="" w="9525">
+                <a14:hiddenLine xmlns="" xmlns:a16="http://schemas.microsoft.com/office/drawing/2014/main" xmlns:p14="http://schemas.microsoft.com/office/powerpoint/2010/main" xmlns:a14="http://schemas.microsoft.com/office/drawing/2010/main" w="9525">
                   <a:solidFill>
                     <a:srgbClr val="000000"/>
                   </a:solidFill>
@@ -14610,7 +14698,7 @@
             </a:ln>
             <a:extLst>
               <a:ext uri="{91240B29-F687-4f45-9708-019B960494DF}">
-                <a14:hiddenLine xmlns:a14="http://schemas.microsoft.com/office/drawing/2010/main" xmlns:p14="http://schemas.microsoft.com/office/powerpoint/2010/main" xmlns:a16="http://schemas.microsoft.com/office/drawing/2014/main" xmlns="" w="9525">
+                <a14:hiddenLine xmlns="" xmlns:a16="http://schemas.microsoft.com/office/drawing/2014/main" xmlns:p14="http://schemas.microsoft.com/office/powerpoint/2010/main" xmlns:a14="http://schemas.microsoft.com/office/drawing/2010/main" w="9525">
                   <a:solidFill>
                     <a:srgbClr val="000000"/>
                   </a:solidFill>
@@ -14659,7 +14747,7 @@
             </a:ln>
             <a:extLst>
               <a:ext uri="{91240B29-F687-4f45-9708-019B960494DF}">
-                <a14:hiddenLine xmlns:a14="http://schemas.microsoft.com/office/drawing/2010/main" xmlns:p14="http://schemas.microsoft.com/office/powerpoint/2010/main" xmlns:a16="http://schemas.microsoft.com/office/drawing/2014/main" xmlns="" w="9525">
+                <a14:hiddenLine xmlns="" xmlns:a16="http://schemas.microsoft.com/office/drawing/2014/main" xmlns:p14="http://schemas.microsoft.com/office/powerpoint/2010/main" xmlns:a14="http://schemas.microsoft.com/office/drawing/2010/main" w="9525">
                   <a:solidFill>
                     <a:srgbClr val="000000"/>
                   </a:solidFill>
@@ -14739,7 +14827,7 @@
             </a:ln>
             <a:extLst>
               <a:ext uri="{91240B29-F687-4f45-9708-019B960494DF}">
-                <a14:hiddenLine xmlns:a14="http://schemas.microsoft.com/office/drawing/2010/main" xmlns:p14="http://schemas.microsoft.com/office/powerpoint/2010/main" xmlns:a16="http://schemas.microsoft.com/office/drawing/2014/main" xmlns="" w="9525">
+                <a14:hiddenLine xmlns="" xmlns:a16="http://schemas.microsoft.com/office/drawing/2014/main" xmlns:p14="http://schemas.microsoft.com/office/powerpoint/2010/main" xmlns:a14="http://schemas.microsoft.com/office/drawing/2010/main" w="9525">
                   <a:solidFill>
                     <a:srgbClr val="000000"/>
                   </a:solidFill>
@@ -14844,7 +14932,7 @@
             </a:ln>
             <a:extLst>
               <a:ext uri="{91240B29-F687-4f45-9708-019B960494DF}">
-                <a14:hiddenLine xmlns:a14="http://schemas.microsoft.com/office/drawing/2010/main" xmlns:p14="http://schemas.microsoft.com/office/powerpoint/2010/main" xmlns:a16="http://schemas.microsoft.com/office/drawing/2014/main" xmlns="" w="9525">
+                <a14:hiddenLine xmlns="" xmlns:a16="http://schemas.microsoft.com/office/drawing/2014/main" xmlns:p14="http://schemas.microsoft.com/office/powerpoint/2010/main" xmlns:a14="http://schemas.microsoft.com/office/drawing/2010/main" w="9525">
                   <a:solidFill>
                     <a:srgbClr val="000000"/>
                   </a:solidFill>
@@ -14921,7 +15009,7 @@
             </a:ln>
             <a:extLst>
               <a:ext uri="{91240B29-F687-4f45-9708-019B960494DF}">
-                <a14:hiddenLine xmlns:a14="http://schemas.microsoft.com/office/drawing/2010/main" xmlns:p14="http://schemas.microsoft.com/office/powerpoint/2010/main" xmlns:a16="http://schemas.microsoft.com/office/drawing/2014/main" xmlns="" w="9525">
+                <a14:hiddenLine xmlns="" xmlns:a16="http://schemas.microsoft.com/office/drawing/2014/main" xmlns:p14="http://schemas.microsoft.com/office/powerpoint/2010/main" xmlns:a14="http://schemas.microsoft.com/office/drawing/2010/main" w="9525">
                   <a:solidFill>
                     <a:srgbClr val="000000"/>
                   </a:solidFill>
@@ -15026,7 +15114,7 @@
             </a:ln>
             <a:extLst>
               <a:ext uri="{91240B29-F687-4f45-9708-019B960494DF}">
-                <a14:hiddenLine xmlns:a14="http://schemas.microsoft.com/office/drawing/2010/main" xmlns:p14="http://schemas.microsoft.com/office/powerpoint/2010/main" xmlns:a16="http://schemas.microsoft.com/office/drawing/2014/main" xmlns="" w="9525">
+                <a14:hiddenLine xmlns="" xmlns:a16="http://schemas.microsoft.com/office/drawing/2014/main" xmlns:p14="http://schemas.microsoft.com/office/powerpoint/2010/main" xmlns:a14="http://schemas.microsoft.com/office/drawing/2010/main" w="9525">
                   <a:solidFill>
                     <a:srgbClr val="000000"/>
                   </a:solidFill>
@@ -15106,7 +15194,7 @@
             </a:ln>
             <a:extLst>
               <a:ext uri="{91240B29-F687-4f45-9708-019B960494DF}">
-                <a14:hiddenLine xmlns:a14="http://schemas.microsoft.com/office/drawing/2010/main" xmlns:p14="http://schemas.microsoft.com/office/powerpoint/2010/main" xmlns:a16="http://schemas.microsoft.com/office/drawing/2014/main" xmlns="" w="9525">
+                <a14:hiddenLine xmlns="" xmlns:a16="http://schemas.microsoft.com/office/drawing/2014/main" xmlns:p14="http://schemas.microsoft.com/office/powerpoint/2010/main" xmlns:a14="http://schemas.microsoft.com/office/drawing/2010/main" w="9525">
                   <a:solidFill>
                     <a:srgbClr val="000000"/>
                   </a:solidFill>
@@ -15183,7 +15271,7 @@
             </a:ln>
             <a:extLst>
               <a:ext uri="{91240B29-F687-4f45-9708-019B960494DF}">
-                <a14:hiddenLine xmlns:a14="http://schemas.microsoft.com/office/drawing/2010/main" xmlns:p14="http://schemas.microsoft.com/office/powerpoint/2010/main" xmlns:a16="http://schemas.microsoft.com/office/drawing/2014/main" xmlns="" w="9525">
+                <a14:hiddenLine xmlns="" xmlns:a16="http://schemas.microsoft.com/office/drawing/2014/main" xmlns:p14="http://schemas.microsoft.com/office/powerpoint/2010/main" xmlns:a14="http://schemas.microsoft.com/office/drawing/2010/main" w="9525">
                   <a:solidFill>
                     <a:srgbClr val="000000"/>
                   </a:solidFill>
@@ -15288,7 +15376,7 @@
             </a:ln>
             <a:extLst>
               <a:ext uri="{91240B29-F687-4f45-9708-019B960494DF}">
-                <a14:hiddenLine xmlns:a14="http://schemas.microsoft.com/office/drawing/2010/main" xmlns:p14="http://schemas.microsoft.com/office/powerpoint/2010/main" xmlns:a16="http://schemas.microsoft.com/office/drawing/2014/main" xmlns="" w="9525">
+                <a14:hiddenLine xmlns="" xmlns:a16="http://schemas.microsoft.com/office/drawing/2014/main" xmlns:p14="http://schemas.microsoft.com/office/powerpoint/2010/main" xmlns:a14="http://schemas.microsoft.com/office/drawing/2010/main" w="9525">
                   <a:solidFill>
                     <a:srgbClr val="000000"/>
                   </a:solidFill>
@@ -15393,7 +15481,7 @@
             </a:ln>
             <a:extLst>
               <a:ext uri="{91240B29-F687-4f45-9708-019B960494DF}">
-                <a14:hiddenLine xmlns:a14="http://schemas.microsoft.com/office/drawing/2010/main" xmlns:p14="http://schemas.microsoft.com/office/powerpoint/2010/main" xmlns:a16="http://schemas.microsoft.com/office/drawing/2014/main" xmlns="" w="9525">
+                <a14:hiddenLine xmlns="" xmlns:a16="http://schemas.microsoft.com/office/drawing/2014/main" xmlns:p14="http://schemas.microsoft.com/office/powerpoint/2010/main" xmlns:a14="http://schemas.microsoft.com/office/drawing/2010/main" w="9525">
                   <a:solidFill>
                     <a:srgbClr val="000000"/>
                   </a:solidFill>
@@ -15473,7 +15561,7 @@
             </a:ln>
             <a:extLst>
               <a:ext uri="{91240B29-F687-4f45-9708-019B960494DF}">
-                <a14:hiddenLine xmlns:a14="http://schemas.microsoft.com/office/drawing/2010/main" xmlns:p14="http://schemas.microsoft.com/office/powerpoint/2010/main" xmlns:a16="http://schemas.microsoft.com/office/drawing/2014/main" xmlns="" w="9525">
+                <a14:hiddenLine xmlns="" xmlns:a16="http://schemas.microsoft.com/office/drawing/2014/main" xmlns:p14="http://schemas.microsoft.com/office/powerpoint/2010/main" xmlns:a14="http://schemas.microsoft.com/office/drawing/2010/main" w="9525">
                   <a:solidFill>
                     <a:srgbClr val="000000"/>
                   </a:solidFill>
@@ -15608,7 +15696,7 @@
             </a:ln>
             <a:extLst>
               <a:ext uri="{91240B29-F687-4f45-9708-019B960494DF}">
-                <a14:hiddenLine xmlns:a14="http://schemas.microsoft.com/office/drawing/2010/main" xmlns:p14="http://schemas.microsoft.com/office/powerpoint/2010/main" xmlns:a16="http://schemas.microsoft.com/office/drawing/2014/main" xmlns="" w="9525">
+                <a14:hiddenLine xmlns="" xmlns:a16="http://schemas.microsoft.com/office/drawing/2014/main" xmlns:p14="http://schemas.microsoft.com/office/powerpoint/2010/main" xmlns:a14="http://schemas.microsoft.com/office/drawing/2010/main" w="9525">
                   <a:solidFill>
                     <a:srgbClr val="000000"/>
                   </a:solidFill>

--- a/presentacion.pptx
+++ b/presentacion.pptx
@@ -11,12 +11,14 @@
     <p:sldId id="271" r:id="rId5"/>
     <p:sldId id="259" r:id="rId6"/>
     <p:sldId id="260" r:id="rId7"/>
-    <p:sldId id="270" r:id="rId8"/>
-    <p:sldId id="261" r:id="rId9"/>
-    <p:sldId id="262" r:id="rId10"/>
-    <p:sldId id="268" r:id="rId11"/>
-    <p:sldId id="264" r:id="rId12"/>
-    <p:sldId id="272" r:id="rId13"/>
+    <p:sldId id="273" r:id="rId8"/>
+    <p:sldId id="270" r:id="rId9"/>
+    <p:sldId id="261" r:id="rId10"/>
+    <p:sldId id="262" r:id="rId11"/>
+    <p:sldId id="268" r:id="rId12"/>
+    <p:sldId id="264" r:id="rId13"/>
+    <p:sldId id="274" r:id="rId14"/>
+    <p:sldId id="272" r:id="rId15"/>
   </p:sldIdLst>
   <p:sldSz cx="12192000" cy="6858000"/>
   <p:notesSz cx="6858000" cy="9144000"/>
@@ -173,7 +175,7 @@
           <a:noFill/>
           <a:extLst>
             <a:ext uri="{909E8E84-426E-40dd-AFC4-6F175D3DCCD1}">
-              <a14:hiddenFill xmlns:a14="http://schemas.microsoft.com/office/drawing/2010/main" xmlns="">
+              <a14:hiddenFill xmlns="" xmlns:a14="http://schemas.microsoft.com/office/drawing/2010/main">
                 <a:solidFill>
                   <a:srgbClr val="FFFFFF"/>
                 </a:solidFill>
@@ -233,7 +235,7 @@
             </a:ln>
             <a:extLst>
               <a:ext uri="{91240B29-F687-4f45-9708-019B960494DF}">
-                <a14:hiddenLine xmlns:a14="http://schemas.microsoft.com/office/drawing/2010/main" xmlns="" w="9525">
+                <a14:hiddenLine xmlns="" xmlns:a14="http://schemas.microsoft.com/office/drawing/2010/main" w="9525">
                   <a:solidFill>
                     <a:srgbClr val="000000"/>
                   </a:solidFill>
@@ -323,7 +325,7 @@
             </a:ln>
             <a:extLst>
               <a:ext uri="{91240B29-F687-4f45-9708-019B960494DF}">
-                <a14:hiddenLine xmlns:a14="http://schemas.microsoft.com/office/drawing/2010/main" xmlns="" w="9525">
+                <a14:hiddenLine xmlns="" xmlns:a14="http://schemas.microsoft.com/office/drawing/2010/main" w="9525">
                   <a:solidFill>
                     <a:srgbClr val="000000"/>
                   </a:solidFill>
@@ -413,7 +415,7 @@
             </a:ln>
             <a:extLst>
               <a:ext uri="{91240B29-F687-4f45-9708-019B960494DF}">
-                <a14:hiddenLine xmlns:a14="http://schemas.microsoft.com/office/drawing/2010/main" xmlns="" w="9525">
+                <a14:hiddenLine xmlns="" xmlns:a14="http://schemas.microsoft.com/office/drawing/2010/main" w="9525">
                   <a:solidFill>
                     <a:srgbClr val="000000"/>
                   </a:solidFill>
@@ -447,7 +449,7 @@
             </a:ln>
             <a:extLst>
               <a:ext uri="{91240B29-F687-4f45-9708-019B960494DF}">
-                <a14:hiddenLine xmlns:a14="http://schemas.microsoft.com/office/drawing/2010/main" xmlns="" w="9525">
+                <a14:hiddenLine xmlns="" xmlns:a14="http://schemas.microsoft.com/office/drawing/2010/main" w="9525">
                   <a:solidFill>
                     <a:srgbClr val="000000"/>
                   </a:solidFill>
@@ -537,7 +539,7 @@
             </a:ln>
             <a:extLst>
               <a:ext uri="{91240B29-F687-4f45-9708-019B960494DF}">
-                <a14:hiddenLine xmlns:a14="http://schemas.microsoft.com/office/drawing/2010/main" xmlns="" w="9525">
+                <a14:hiddenLine xmlns="" xmlns:a14="http://schemas.microsoft.com/office/drawing/2010/main" w="9525">
                   <a:solidFill>
                     <a:srgbClr val="000000"/>
                   </a:solidFill>
@@ -599,7 +601,7 @@
             </a:ln>
             <a:extLst>
               <a:ext uri="{91240B29-F687-4f45-9708-019B960494DF}">
-                <a14:hiddenLine xmlns:a14="http://schemas.microsoft.com/office/drawing/2010/main" xmlns="" w="9525">
+                <a14:hiddenLine xmlns="" xmlns:a14="http://schemas.microsoft.com/office/drawing/2010/main" w="9525">
                   <a:solidFill>
                     <a:srgbClr val="000000"/>
                   </a:solidFill>
@@ -661,7 +663,7 @@
             </a:ln>
             <a:extLst>
               <a:ext uri="{91240B29-F687-4f45-9708-019B960494DF}">
-                <a14:hiddenLine xmlns:a14="http://schemas.microsoft.com/office/drawing/2010/main" xmlns="" w="9525">
+                <a14:hiddenLine xmlns="" xmlns:a14="http://schemas.microsoft.com/office/drawing/2010/main" w="9525">
                   <a:solidFill>
                     <a:srgbClr val="000000"/>
                   </a:solidFill>
@@ -751,7 +753,7 @@
             </a:ln>
             <a:extLst>
               <a:ext uri="{91240B29-F687-4f45-9708-019B960494DF}">
-                <a14:hiddenLine xmlns:a14="http://schemas.microsoft.com/office/drawing/2010/main" xmlns="" w="9525">
+                <a14:hiddenLine xmlns="" xmlns:a14="http://schemas.microsoft.com/office/drawing/2010/main" w="9525">
                   <a:solidFill>
                     <a:srgbClr val="000000"/>
                   </a:solidFill>
@@ -813,7 +815,7 @@
             </a:ln>
             <a:extLst>
               <a:ext uri="{91240B29-F687-4f45-9708-019B960494DF}">
-                <a14:hiddenLine xmlns:a14="http://schemas.microsoft.com/office/drawing/2010/main" xmlns="" w="9525">
+                <a14:hiddenLine xmlns="" xmlns:a14="http://schemas.microsoft.com/office/drawing/2010/main" w="9525">
                   <a:solidFill>
                     <a:srgbClr val="000000"/>
                   </a:solidFill>
@@ -875,7 +877,7 @@
             </a:ln>
             <a:extLst>
               <a:ext uri="{91240B29-F687-4f45-9708-019B960494DF}">
-                <a14:hiddenLine xmlns:a14="http://schemas.microsoft.com/office/drawing/2010/main" xmlns="" w="9525">
+                <a14:hiddenLine xmlns="" xmlns:a14="http://schemas.microsoft.com/office/drawing/2010/main" w="9525">
                   <a:solidFill>
                     <a:srgbClr val="000000"/>
                   </a:solidFill>
@@ -965,7 +967,7 @@
             </a:ln>
             <a:extLst>
               <a:ext uri="{91240B29-F687-4f45-9708-019B960494DF}">
-                <a14:hiddenLine xmlns:a14="http://schemas.microsoft.com/office/drawing/2010/main" xmlns="" w="9525">
+                <a14:hiddenLine xmlns="" xmlns:a14="http://schemas.microsoft.com/office/drawing/2010/main" w="9525">
                   <a:solidFill>
                     <a:srgbClr val="000000"/>
                   </a:solidFill>
@@ -1055,7 +1057,7 @@
             </a:ln>
             <a:extLst>
               <a:ext uri="{91240B29-F687-4f45-9708-019B960494DF}">
-                <a14:hiddenLine xmlns:a14="http://schemas.microsoft.com/office/drawing/2010/main" xmlns="" w="9525">
+                <a14:hiddenLine xmlns="" xmlns:a14="http://schemas.microsoft.com/office/drawing/2010/main" w="9525">
                   <a:solidFill>
                     <a:srgbClr val="000000"/>
                   </a:solidFill>
@@ -1117,7 +1119,7 @@
             </a:ln>
             <a:extLst>
               <a:ext uri="{91240B29-F687-4f45-9708-019B960494DF}">
-                <a14:hiddenLine xmlns:a14="http://schemas.microsoft.com/office/drawing/2010/main" xmlns="" w="9525">
+                <a14:hiddenLine xmlns="" xmlns:a14="http://schemas.microsoft.com/office/drawing/2010/main" w="9525">
                   <a:solidFill>
                     <a:srgbClr val="000000"/>
                   </a:solidFill>
@@ -1227,7 +1229,7 @@
             </a:ln>
             <a:extLst>
               <a:ext uri="{91240B29-F687-4f45-9708-019B960494DF}">
-                <a14:hiddenLine xmlns:a14="http://schemas.microsoft.com/office/drawing/2010/main" xmlns="" w="9525">
+                <a14:hiddenLine xmlns="" xmlns:a14="http://schemas.microsoft.com/office/drawing/2010/main" w="9525">
                   <a:solidFill>
                     <a:srgbClr val="000000"/>
                   </a:solidFill>
@@ -1289,7 +1291,7 @@
             </a:ln>
             <a:extLst>
               <a:ext uri="{91240B29-F687-4f45-9708-019B960494DF}">
-                <a14:hiddenLine xmlns:a14="http://schemas.microsoft.com/office/drawing/2010/main" xmlns="" w="9525">
+                <a14:hiddenLine xmlns="" xmlns:a14="http://schemas.microsoft.com/office/drawing/2010/main" w="9525">
                   <a:solidFill>
                     <a:srgbClr val="000000"/>
                   </a:solidFill>
@@ -1379,7 +1381,7 @@
             </a:ln>
             <a:extLst>
               <a:ext uri="{91240B29-F687-4f45-9708-019B960494DF}">
-                <a14:hiddenLine xmlns:a14="http://schemas.microsoft.com/office/drawing/2010/main" xmlns="" w="9525">
+                <a14:hiddenLine xmlns="" xmlns:a14="http://schemas.microsoft.com/office/drawing/2010/main" w="9525">
                   <a:solidFill>
                     <a:srgbClr val="000000"/>
                   </a:solidFill>
@@ -1469,7 +1471,7 @@
             </a:ln>
             <a:extLst>
               <a:ext uri="{91240B29-F687-4f45-9708-019B960494DF}">
-                <a14:hiddenLine xmlns:a14="http://schemas.microsoft.com/office/drawing/2010/main" xmlns="" w="9525">
+                <a14:hiddenLine xmlns="" xmlns:a14="http://schemas.microsoft.com/office/drawing/2010/main" w="9525">
                   <a:solidFill>
                     <a:srgbClr val="000000"/>
                   </a:solidFill>
@@ -1531,7 +1533,7 @@
             </a:ln>
             <a:extLst>
               <a:ext uri="{91240B29-F687-4f45-9708-019B960494DF}">
-                <a14:hiddenLine xmlns:a14="http://schemas.microsoft.com/office/drawing/2010/main" xmlns="" w="9525">
+                <a14:hiddenLine xmlns="" xmlns:a14="http://schemas.microsoft.com/office/drawing/2010/main" w="9525">
                   <a:solidFill>
                     <a:srgbClr val="000000"/>
                   </a:solidFill>
@@ -1621,7 +1623,7 @@
             </a:ln>
             <a:extLst>
               <a:ext uri="{91240B29-F687-4f45-9708-019B960494DF}">
-                <a14:hiddenLine xmlns:a14="http://schemas.microsoft.com/office/drawing/2010/main" xmlns="" w="9525">
+                <a14:hiddenLine xmlns="" xmlns:a14="http://schemas.microsoft.com/office/drawing/2010/main" w="9525">
                   <a:solidFill>
                     <a:srgbClr val="000000"/>
                   </a:solidFill>
@@ -1711,7 +1713,7 @@
             </a:ln>
             <a:extLst>
               <a:ext uri="{91240B29-F687-4f45-9708-019B960494DF}">
-                <a14:hiddenLine xmlns:a14="http://schemas.microsoft.com/office/drawing/2010/main" xmlns="" w="9525">
+                <a14:hiddenLine xmlns="" xmlns:a14="http://schemas.microsoft.com/office/drawing/2010/main" w="9525">
                   <a:solidFill>
                     <a:srgbClr val="000000"/>
                   </a:solidFill>
@@ -1767,7 +1769,7 @@
             </a:ln>
             <a:extLst>
               <a:ext uri="{91240B29-F687-4f45-9708-019B960494DF}">
-                <a14:hiddenLine xmlns:a14="http://schemas.microsoft.com/office/drawing/2010/main" xmlns="" w="9525">
+                <a14:hiddenLine xmlns="" xmlns:a14="http://schemas.microsoft.com/office/drawing/2010/main" w="9525">
                   <a:solidFill>
                     <a:srgbClr val="000000"/>
                   </a:solidFill>
@@ -1857,7 +1859,7 @@
             </a:ln>
             <a:extLst>
               <a:ext uri="{91240B29-F687-4f45-9708-019B960494DF}">
-                <a14:hiddenLine xmlns:a14="http://schemas.microsoft.com/office/drawing/2010/main" xmlns="" w="9525">
+                <a14:hiddenLine xmlns="" xmlns:a14="http://schemas.microsoft.com/office/drawing/2010/main" w="9525">
                   <a:solidFill>
                     <a:srgbClr val="000000"/>
                   </a:solidFill>
@@ -1913,7 +1915,7 @@
             </a:ln>
             <a:extLst>
               <a:ext uri="{91240B29-F687-4f45-9708-019B960494DF}">
-                <a14:hiddenLine xmlns:a14="http://schemas.microsoft.com/office/drawing/2010/main" xmlns="" w="9525">
+                <a14:hiddenLine xmlns="" xmlns:a14="http://schemas.microsoft.com/office/drawing/2010/main" w="9525">
                   <a:solidFill>
                     <a:srgbClr val="000000"/>
                   </a:solidFill>
@@ -2003,7 +2005,7 @@
             </a:ln>
             <a:extLst>
               <a:ext uri="{91240B29-F687-4f45-9708-019B960494DF}">
-                <a14:hiddenLine xmlns:a14="http://schemas.microsoft.com/office/drawing/2010/main" xmlns="" w="9525">
+                <a14:hiddenLine xmlns="" xmlns:a14="http://schemas.microsoft.com/office/drawing/2010/main" w="9525">
                   <a:solidFill>
                     <a:srgbClr val="000000"/>
                   </a:solidFill>
@@ -2071,7 +2073,7 @@
             </a:ln>
             <a:extLst>
               <a:ext uri="{91240B29-F687-4f45-9708-019B960494DF}">
-                <a14:hiddenLine xmlns:a14="http://schemas.microsoft.com/office/drawing/2010/main" xmlns="" w="9525">
+                <a14:hiddenLine xmlns="" xmlns:a14="http://schemas.microsoft.com/office/drawing/2010/main" w="9525">
                   <a:solidFill>
                     <a:srgbClr val="000000"/>
                   </a:solidFill>
@@ -2161,7 +2163,7 @@
             </a:ln>
             <a:extLst>
               <a:ext uri="{91240B29-F687-4f45-9708-019B960494DF}">
-                <a14:hiddenLine xmlns:a14="http://schemas.microsoft.com/office/drawing/2010/main" xmlns="" w="9525">
+                <a14:hiddenLine xmlns="" xmlns:a14="http://schemas.microsoft.com/office/drawing/2010/main" w="9525">
                   <a:solidFill>
                     <a:srgbClr val="000000"/>
                   </a:solidFill>
@@ -2229,7 +2231,7 @@
             </a:ln>
             <a:extLst>
               <a:ext uri="{91240B29-F687-4f45-9708-019B960494DF}">
-                <a14:hiddenLine xmlns:a14="http://schemas.microsoft.com/office/drawing/2010/main" xmlns="" w="9525">
+                <a14:hiddenLine xmlns="" xmlns:a14="http://schemas.microsoft.com/office/drawing/2010/main" w="9525">
                   <a:solidFill>
                     <a:srgbClr val="000000"/>
                   </a:solidFill>
@@ -2319,7 +2321,7 @@
             </a:ln>
             <a:extLst>
               <a:ext uri="{91240B29-F687-4f45-9708-019B960494DF}">
-                <a14:hiddenLine xmlns:a14="http://schemas.microsoft.com/office/drawing/2010/main" xmlns="" w="9525">
+                <a14:hiddenLine xmlns="" xmlns:a14="http://schemas.microsoft.com/office/drawing/2010/main" w="9525">
                   <a:solidFill>
                     <a:srgbClr val="000000"/>
                   </a:solidFill>
@@ -2353,7 +2355,7 @@
             </a:ln>
             <a:extLst>
               <a:ext uri="{91240B29-F687-4f45-9708-019B960494DF}">
-                <a14:hiddenLine xmlns:a14="http://schemas.microsoft.com/office/drawing/2010/main" xmlns="" w="9525">
+                <a14:hiddenLine xmlns="" xmlns:a14="http://schemas.microsoft.com/office/drawing/2010/main" w="9525">
                   <a:solidFill>
                     <a:srgbClr val="000000"/>
                   </a:solidFill>
@@ -2443,7 +2445,7 @@
             </a:ln>
             <a:extLst>
               <a:ext uri="{91240B29-F687-4f45-9708-019B960494DF}">
-                <a14:hiddenLine xmlns:a14="http://schemas.microsoft.com/office/drawing/2010/main" xmlns="" w="9525">
+                <a14:hiddenLine xmlns="" xmlns:a14="http://schemas.microsoft.com/office/drawing/2010/main" w="9525">
                   <a:solidFill>
                     <a:srgbClr val="000000"/>
                   </a:solidFill>
@@ -2505,7 +2507,7 @@
             </a:ln>
             <a:extLst>
               <a:ext uri="{91240B29-F687-4f45-9708-019B960494DF}">
-                <a14:hiddenLine xmlns:a14="http://schemas.microsoft.com/office/drawing/2010/main" xmlns="" w="9525">
+                <a14:hiddenLine xmlns="" xmlns:a14="http://schemas.microsoft.com/office/drawing/2010/main" w="9525">
                   <a:solidFill>
                     <a:srgbClr val="000000"/>
                   </a:solidFill>
@@ -2567,7 +2569,7 @@
             </a:ln>
             <a:extLst>
               <a:ext uri="{91240B29-F687-4f45-9708-019B960494DF}">
-                <a14:hiddenLine xmlns:a14="http://schemas.microsoft.com/office/drawing/2010/main" xmlns="" w="9525">
+                <a14:hiddenLine xmlns="" xmlns:a14="http://schemas.microsoft.com/office/drawing/2010/main" w="9525">
                   <a:solidFill>
                     <a:srgbClr val="000000"/>
                   </a:solidFill>
@@ -2657,7 +2659,7 @@
             </a:ln>
             <a:extLst>
               <a:ext uri="{91240B29-F687-4f45-9708-019B960494DF}">
-                <a14:hiddenLine xmlns:a14="http://schemas.microsoft.com/office/drawing/2010/main" xmlns="" w="9525">
+                <a14:hiddenLine xmlns="" xmlns:a14="http://schemas.microsoft.com/office/drawing/2010/main" w="9525">
                   <a:solidFill>
                     <a:srgbClr val="000000"/>
                   </a:solidFill>
@@ -2725,7 +2727,7 @@
             </a:ln>
             <a:extLst>
               <a:ext uri="{91240B29-F687-4f45-9708-019B960494DF}">
-                <a14:hiddenLine xmlns:a14="http://schemas.microsoft.com/office/drawing/2010/main" xmlns="" w="9525">
+                <a14:hiddenLine xmlns="" xmlns:a14="http://schemas.microsoft.com/office/drawing/2010/main" w="9525">
                   <a:solidFill>
                     <a:srgbClr val="000000"/>
                   </a:solidFill>
@@ -2787,7 +2789,7 @@
             </a:ln>
             <a:extLst>
               <a:ext uri="{91240B29-F687-4f45-9708-019B960494DF}">
-                <a14:hiddenLine xmlns:a14="http://schemas.microsoft.com/office/drawing/2010/main" xmlns="" w="9525">
+                <a14:hiddenLine xmlns="" xmlns:a14="http://schemas.microsoft.com/office/drawing/2010/main" w="9525">
                   <a:solidFill>
                     <a:srgbClr val="000000"/>
                   </a:solidFill>
@@ -2877,7 +2879,7 @@
             </a:ln>
             <a:extLst>
               <a:ext uri="{91240B29-F687-4f45-9708-019B960494DF}">
-                <a14:hiddenLine xmlns:a14="http://schemas.microsoft.com/office/drawing/2010/main" xmlns="" w="9525">
+                <a14:hiddenLine xmlns="" xmlns:a14="http://schemas.microsoft.com/office/drawing/2010/main" w="9525">
                   <a:solidFill>
                     <a:srgbClr val="000000"/>
                   </a:solidFill>
@@ -2939,7 +2941,7 @@
             </a:ln>
             <a:extLst>
               <a:ext uri="{91240B29-F687-4f45-9708-019B960494DF}">
-                <a14:hiddenLine xmlns:a14="http://schemas.microsoft.com/office/drawing/2010/main" xmlns="" w="9525">
+                <a14:hiddenLine xmlns="" xmlns:a14="http://schemas.microsoft.com/office/drawing/2010/main" w="9525">
                   <a:solidFill>
                     <a:srgbClr val="000000"/>
                   </a:solidFill>
@@ -3029,7 +3031,7 @@
             </a:ln>
             <a:extLst>
               <a:ext uri="{91240B29-F687-4f45-9708-019B960494DF}">
-                <a14:hiddenLine xmlns:a14="http://schemas.microsoft.com/office/drawing/2010/main" xmlns="" w="9525">
+                <a14:hiddenLine xmlns="" xmlns:a14="http://schemas.microsoft.com/office/drawing/2010/main" w="9525">
                   <a:solidFill>
                     <a:srgbClr val="000000"/>
                   </a:solidFill>
@@ -3091,7 +3093,7 @@
             </a:ln>
             <a:extLst>
               <a:ext uri="{91240B29-F687-4f45-9708-019B960494DF}">
-                <a14:hiddenLine xmlns:a14="http://schemas.microsoft.com/office/drawing/2010/main" xmlns="" w="9525">
+                <a14:hiddenLine xmlns="" xmlns:a14="http://schemas.microsoft.com/office/drawing/2010/main" w="9525">
                   <a:solidFill>
                     <a:srgbClr val="000000"/>
                   </a:solidFill>
@@ -3181,7 +3183,7 @@
             </a:ln>
             <a:extLst>
               <a:ext uri="{91240B29-F687-4f45-9708-019B960494DF}">
-                <a14:hiddenLine xmlns:a14="http://schemas.microsoft.com/office/drawing/2010/main" xmlns="" w="9525">
+                <a14:hiddenLine xmlns="" xmlns:a14="http://schemas.microsoft.com/office/drawing/2010/main" w="9525">
                   <a:solidFill>
                     <a:srgbClr val="000000"/>
                   </a:solidFill>
@@ -3215,7 +3217,7 @@
             </a:ln>
             <a:extLst>
               <a:ext uri="{91240B29-F687-4f45-9708-019B960494DF}">
-                <a14:hiddenLine xmlns:a14="http://schemas.microsoft.com/office/drawing/2010/main" xmlns="" w="9525">
+                <a14:hiddenLine xmlns="" xmlns:a14="http://schemas.microsoft.com/office/drawing/2010/main" w="9525">
                   <a:solidFill>
                     <a:srgbClr val="000000"/>
                   </a:solidFill>
@@ -3280,7 +3282,7 @@
             </a:ln>
             <a:extLst>
               <a:ext uri="{91240B29-F687-4f45-9708-019B960494DF}">
-                <a14:hiddenLine xmlns:a14="http://schemas.microsoft.com/office/drawing/2010/main" xmlns="" w="9525">
+                <a14:hiddenLine xmlns="" xmlns:a14="http://schemas.microsoft.com/office/drawing/2010/main" w="9525">
                   <a:solidFill>
                     <a:srgbClr val="000000"/>
                   </a:solidFill>
@@ -3370,7 +3372,7 @@
             </a:ln>
             <a:extLst>
               <a:ext uri="{91240B29-F687-4f45-9708-019B960494DF}">
-                <a14:hiddenLine xmlns:a14="http://schemas.microsoft.com/office/drawing/2010/main" xmlns="" w="9525">
+                <a14:hiddenLine xmlns="" xmlns:a14="http://schemas.microsoft.com/office/drawing/2010/main" w="9525">
                   <a:solidFill>
                     <a:srgbClr val="000000"/>
                   </a:solidFill>
@@ -3432,7 +3434,7 @@
             </a:ln>
             <a:extLst>
               <a:ext uri="{91240B29-F687-4f45-9708-019B960494DF}">
-                <a14:hiddenLine xmlns:a14="http://schemas.microsoft.com/office/drawing/2010/main" xmlns="" w="9525">
+                <a14:hiddenLine xmlns="" xmlns:a14="http://schemas.microsoft.com/office/drawing/2010/main" w="9525">
                   <a:solidFill>
                     <a:srgbClr val="000000"/>
                   </a:solidFill>
@@ -3522,7 +3524,7 @@
             </a:ln>
             <a:extLst>
               <a:ext uri="{91240B29-F687-4f45-9708-019B960494DF}">
-                <a14:hiddenLine xmlns:a14="http://schemas.microsoft.com/office/drawing/2010/main" xmlns="" w="9525">
+                <a14:hiddenLine xmlns="" xmlns:a14="http://schemas.microsoft.com/office/drawing/2010/main" w="9525">
                   <a:solidFill>
                     <a:srgbClr val="000000"/>
                   </a:solidFill>
@@ -3612,7 +3614,7 @@
             </a:ln>
             <a:extLst>
               <a:ext uri="{91240B29-F687-4f45-9708-019B960494DF}">
-                <a14:hiddenLine xmlns:a14="http://schemas.microsoft.com/office/drawing/2010/main" xmlns="" w="9525">
+                <a14:hiddenLine xmlns="" xmlns:a14="http://schemas.microsoft.com/office/drawing/2010/main" w="9525">
                   <a:solidFill>
                     <a:srgbClr val="000000"/>
                   </a:solidFill>
@@ -3677,7 +3679,7 @@
             </a:ln>
             <a:extLst>
               <a:ext uri="{91240B29-F687-4f45-9708-019B960494DF}">
-                <a14:hiddenLine xmlns:a14="http://schemas.microsoft.com/office/drawing/2010/main" xmlns="" w="9525">
+                <a14:hiddenLine xmlns="" xmlns:a14="http://schemas.microsoft.com/office/drawing/2010/main" w="9525">
                   <a:solidFill>
                     <a:srgbClr val="000000"/>
                   </a:solidFill>
@@ -3739,7 +3741,7 @@
             </a:ln>
             <a:extLst>
               <a:ext uri="{91240B29-F687-4f45-9708-019B960494DF}">
-                <a14:hiddenLine xmlns:a14="http://schemas.microsoft.com/office/drawing/2010/main" xmlns="" w="9525">
+                <a14:hiddenLine xmlns="" xmlns:a14="http://schemas.microsoft.com/office/drawing/2010/main" w="9525">
                   <a:solidFill>
                     <a:srgbClr val="000000"/>
                   </a:solidFill>
@@ -3829,7 +3831,7 @@
             </a:ln>
             <a:extLst>
               <a:ext uri="{91240B29-F687-4f45-9708-019B960494DF}">
-                <a14:hiddenLine xmlns:a14="http://schemas.microsoft.com/office/drawing/2010/main" xmlns="" w="9525">
+                <a14:hiddenLine xmlns="" xmlns:a14="http://schemas.microsoft.com/office/drawing/2010/main" w="9525">
                   <a:solidFill>
                     <a:srgbClr val="000000"/>
                   </a:solidFill>
@@ -3919,7 +3921,7 @@
             </a:ln>
             <a:extLst>
               <a:ext uri="{91240B29-F687-4f45-9708-019B960494DF}">
-                <a14:hiddenLine xmlns:a14="http://schemas.microsoft.com/office/drawing/2010/main" xmlns="" w="9525">
+                <a14:hiddenLine xmlns="" xmlns:a14="http://schemas.microsoft.com/office/drawing/2010/main" w="9525">
                   <a:solidFill>
                     <a:srgbClr val="000000"/>
                   </a:solidFill>
@@ -3981,7 +3983,7 @@
             </a:ln>
             <a:extLst>
               <a:ext uri="{91240B29-F687-4f45-9708-019B960494DF}">
-                <a14:hiddenLine xmlns:a14="http://schemas.microsoft.com/office/drawing/2010/main" xmlns="" w="9525">
+                <a14:hiddenLine xmlns="" xmlns:a14="http://schemas.microsoft.com/office/drawing/2010/main" w="9525">
                   <a:solidFill>
                     <a:srgbClr val="000000"/>
                   </a:solidFill>
@@ -4101,7 +4103,7 @@
             </a:ln>
             <a:extLst>
               <a:ext uri="{91240B29-F687-4f45-9708-019B960494DF}">
-                <a14:hiddenLine xmlns:a14="http://schemas.microsoft.com/office/drawing/2010/main" xmlns="" w="9525">
+                <a14:hiddenLine xmlns="" xmlns:a14="http://schemas.microsoft.com/office/drawing/2010/main" w="9525">
                   <a:solidFill>
                     <a:srgbClr val="000000"/>
                   </a:solidFill>
@@ -4169,7 +4171,7 @@
             </a:ln>
             <a:extLst>
               <a:ext uri="{91240B29-F687-4f45-9708-019B960494DF}">
-                <a14:hiddenLine xmlns:a14="http://schemas.microsoft.com/office/drawing/2010/main" xmlns="" w="9525">
+                <a14:hiddenLine xmlns="" xmlns:a14="http://schemas.microsoft.com/office/drawing/2010/main" w="9525">
                   <a:solidFill>
                     <a:srgbClr val="000000"/>
                   </a:solidFill>
@@ -4259,7 +4261,7 @@
             </a:ln>
             <a:extLst>
               <a:ext uri="{91240B29-F687-4f45-9708-019B960494DF}">
-                <a14:hiddenLine xmlns:a14="http://schemas.microsoft.com/office/drawing/2010/main" xmlns="" w="9525">
+                <a14:hiddenLine xmlns="" xmlns:a14="http://schemas.microsoft.com/office/drawing/2010/main" w="9525">
                   <a:solidFill>
                     <a:srgbClr val="000000"/>
                   </a:solidFill>
@@ -4399,7 +4401,7 @@
           <a:p>
             <a:fld id="{48A87A34-81AB-432B-8DAE-1953F412C126}" type="datetimeFigureOut">
               <a:rPr lang="en-US" dirty="0"/>
-              <a:t>10/2/2018</a:t>
+              <a:t>10/3/2018</a:t>
             </a:fld>
             <a:endParaRPr lang="en-US" dirty="0"/>
           </a:p>
@@ -4661,7 +4663,7 @@
           <a:p>
             <a:fld id="{48A87A34-81AB-432B-8DAE-1953F412C126}" type="datetimeFigureOut">
               <a:rPr lang="en-US" dirty="0"/>
-              <a:t>10/2/2018</a:t>
+              <a:t>10/3/2018</a:t>
             </a:fld>
             <a:endParaRPr lang="en-US" dirty="0"/>
           </a:p>
@@ -4852,7 +4854,7 @@
           <a:p>
             <a:fld id="{48A87A34-81AB-432B-8DAE-1953F412C126}" type="datetimeFigureOut">
               <a:rPr lang="en-US" dirty="0"/>
-              <a:t>10/2/2018</a:t>
+              <a:t>10/3/2018</a:t>
             </a:fld>
             <a:endParaRPr lang="en-US" dirty="0"/>
           </a:p>
@@ -5110,7 +5112,7 @@
           <a:p>
             <a:fld id="{48A87A34-81AB-432B-8DAE-1953F412C126}" type="datetimeFigureOut">
               <a:rPr lang="en-US" dirty="0"/>
-              <a:t>10/2/2018</a:t>
+              <a:t>10/3/2018</a:t>
             </a:fld>
             <a:endParaRPr lang="en-US" dirty="0"/>
           </a:p>
@@ -5539,7 +5541,7 @@
           <a:p>
             <a:fld id="{48A87A34-81AB-432B-8DAE-1953F412C126}" type="datetimeFigureOut">
               <a:rPr lang="en-US" dirty="0"/>
-              <a:t>10/2/2018</a:t>
+              <a:t>10/3/2018</a:t>
             </a:fld>
             <a:endParaRPr lang="en-US" dirty="0"/>
           </a:p>
@@ -6080,7 +6082,7 @@
           <a:p>
             <a:fld id="{48A87A34-81AB-432B-8DAE-1953F412C126}" type="datetimeFigureOut">
               <a:rPr lang="en-US" dirty="0"/>
-              <a:t>10/2/2018</a:t>
+              <a:t>10/3/2018</a:t>
             </a:fld>
             <a:endParaRPr lang="en-US" dirty="0"/>
           </a:p>
@@ -6795,7 +6797,7 @@
           <a:p>
             <a:fld id="{48A87A34-81AB-432B-8DAE-1953F412C126}" type="datetimeFigureOut">
               <a:rPr lang="en-US" dirty="0"/>
-              <a:t>10/2/2018</a:t>
+              <a:t>10/3/2018</a:t>
             </a:fld>
             <a:endParaRPr lang="en-US" dirty="0"/>
           </a:p>
@@ -6960,7 +6962,7 @@
           <a:p>
             <a:fld id="{48A87A34-81AB-432B-8DAE-1953F412C126}" type="datetimeFigureOut">
               <a:rPr lang="en-US" dirty="0"/>
-              <a:t>10/2/2018</a:t>
+              <a:t>10/3/2018</a:t>
             </a:fld>
             <a:endParaRPr lang="en-US" dirty="0"/>
           </a:p>
@@ -7135,7 +7137,7 @@
           <a:p>
             <a:fld id="{48A87A34-81AB-432B-8DAE-1953F412C126}" type="datetimeFigureOut">
               <a:rPr lang="en-US" dirty="0"/>
-              <a:t>10/2/2018</a:t>
+              <a:t>10/3/2018</a:t>
             </a:fld>
             <a:endParaRPr lang="en-US" dirty="0"/>
           </a:p>
@@ -7300,7 +7302,7 @@
           <a:p>
             <a:fld id="{48A87A34-81AB-432B-8DAE-1953F412C126}" type="datetimeFigureOut">
               <a:rPr lang="en-US" dirty="0"/>
-              <a:t>10/2/2018</a:t>
+              <a:t>10/3/2018</a:t>
             </a:fld>
             <a:endParaRPr lang="en-US" dirty="0"/>
           </a:p>
@@ -7545,7 +7547,7 @@
           <a:p>
             <a:fld id="{48A87A34-81AB-432B-8DAE-1953F412C126}" type="datetimeFigureOut">
               <a:rPr lang="en-US" dirty="0"/>
-              <a:t>10/2/2018</a:t>
+              <a:t>10/3/2018</a:t>
             </a:fld>
             <a:endParaRPr lang="en-US" dirty="0"/>
           </a:p>
@@ -7772,7 +7774,7 @@
           <a:p>
             <a:fld id="{48A87A34-81AB-432B-8DAE-1953F412C126}" type="datetimeFigureOut">
               <a:rPr lang="en-US" dirty="0"/>
-              <a:t>10/2/2018</a:t>
+              <a:t>10/3/2018</a:t>
             </a:fld>
             <a:endParaRPr lang="en-US" dirty="0"/>
           </a:p>
@@ -8148,7 +8150,7 @@
           <a:p>
             <a:fld id="{48A87A34-81AB-432B-8DAE-1953F412C126}" type="datetimeFigureOut">
               <a:rPr lang="en-US" dirty="0"/>
-              <a:t>10/2/2018</a:t>
+              <a:t>10/3/2018</a:t>
             </a:fld>
             <a:endParaRPr lang="en-US" dirty="0"/>
           </a:p>
@@ -8261,7 +8263,7 @@
           <a:p>
             <a:fld id="{48A87A34-81AB-432B-8DAE-1953F412C126}" type="datetimeFigureOut">
               <a:rPr lang="en-US" dirty="0"/>
-              <a:t>10/2/2018</a:t>
+              <a:t>10/3/2018</a:t>
             </a:fld>
             <a:endParaRPr lang="en-US" dirty="0"/>
           </a:p>
@@ -8351,7 +8353,7 @@
           <a:p>
             <a:fld id="{48A87A34-81AB-432B-8DAE-1953F412C126}" type="datetimeFigureOut">
               <a:rPr lang="en-US" dirty="0"/>
-              <a:t>10/2/2018</a:t>
+              <a:t>10/3/2018</a:t>
             </a:fld>
             <a:endParaRPr lang="en-US" dirty="0"/>
           </a:p>
@@ -8595,7 +8597,7 @@
           <a:p>
             <a:fld id="{48A87A34-81AB-432B-8DAE-1953F412C126}" type="datetimeFigureOut">
               <a:rPr lang="en-US" dirty="0"/>
-              <a:t>10/2/2018</a:t>
+              <a:t>10/3/2018</a:t>
             </a:fld>
             <a:endParaRPr lang="en-US" dirty="0"/>
           </a:p>
@@ -8870,7 +8872,7 @@
           <a:p>
             <a:fld id="{48A87A34-81AB-432B-8DAE-1953F412C126}" type="datetimeFigureOut">
               <a:rPr lang="en-US" dirty="0"/>
-              <a:t>10/2/2018</a:t>
+              <a:t>10/3/2018</a:t>
             </a:fld>
             <a:endParaRPr lang="en-US" dirty="0"/>
           </a:p>
@@ -8981,7 +8983,7 @@
           <a:noFill/>
           <a:extLst>
             <a:ext uri="{909E8E84-426E-40dd-AFC4-6F175D3DCCD1}">
-              <a14:hiddenFill xmlns:a14="http://schemas.microsoft.com/office/drawing/2010/main" xmlns="">
+              <a14:hiddenFill xmlns="" xmlns:a14="http://schemas.microsoft.com/office/drawing/2010/main">
                 <a:solidFill>
                   <a:srgbClr val="FFFFFF"/>
                 </a:solidFill>
@@ -9055,7 +9057,7 @@
               </a:ln>
               <a:extLst>
                 <a:ext uri="{91240B29-F687-4f45-9708-019B960494DF}">
-                  <a14:hiddenLine xmlns:a14="http://schemas.microsoft.com/office/drawing/2010/main" xmlns="" w="9525">
+                  <a14:hiddenLine xmlns="" xmlns:a14="http://schemas.microsoft.com/office/drawing/2010/main" w="9525">
                     <a:solidFill>
                       <a:srgbClr val="000000"/>
                     </a:solidFill>
@@ -9145,7 +9147,7 @@
               </a:ln>
               <a:extLst>
                 <a:ext uri="{91240B29-F687-4f45-9708-019B960494DF}">
-                  <a14:hiddenLine xmlns:a14="http://schemas.microsoft.com/office/drawing/2010/main" xmlns="" w="9525">
+                  <a14:hiddenLine xmlns="" xmlns:a14="http://schemas.microsoft.com/office/drawing/2010/main" w="9525">
                     <a:solidFill>
                       <a:srgbClr val="000000"/>
                     </a:solidFill>
@@ -9235,7 +9237,7 @@
               </a:ln>
               <a:extLst>
                 <a:ext uri="{91240B29-F687-4f45-9708-019B960494DF}">
-                  <a14:hiddenLine xmlns:a14="http://schemas.microsoft.com/office/drawing/2010/main" xmlns="" w="9525">
+                  <a14:hiddenLine xmlns="" xmlns:a14="http://schemas.microsoft.com/office/drawing/2010/main" w="9525">
                     <a:solidFill>
                       <a:srgbClr val="000000"/>
                     </a:solidFill>
@@ -9297,7 +9299,7 @@
               </a:ln>
               <a:extLst>
                 <a:ext uri="{91240B29-F687-4f45-9708-019B960494DF}">
-                  <a14:hiddenLine xmlns:a14="http://schemas.microsoft.com/office/drawing/2010/main" xmlns="" w="9525">
+                  <a14:hiddenLine xmlns="" xmlns:a14="http://schemas.microsoft.com/office/drawing/2010/main" w="9525">
                     <a:solidFill>
                       <a:srgbClr val="000000"/>
                     </a:solidFill>
@@ -9387,7 +9389,7 @@
               </a:ln>
               <a:extLst>
                 <a:ext uri="{91240B29-F687-4f45-9708-019B960494DF}">
-                  <a14:hiddenLine xmlns:a14="http://schemas.microsoft.com/office/drawing/2010/main" xmlns="" w="9525">
+                  <a14:hiddenLine xmlns="" xmlns:a14="http://schemas.microsoft.com/office/drawing/2010/main" w="9525">
                     <a:solidFill>
                       <a:srgbClr val="000000"/>
                     </a:solidFill>
@@ -9449,7 +9451,7 @@
               </a:ln>
               <a:extLst>
                 <a:ext uri="{91240B29-F687-4f45-9708-019B960494DF}">
-                  <a14:hiddenLine xmlns:a14="http://schemas.microsoft.com/office/drawing/2010/main" xmlns="" w="9525">
+                  <a14:hiddenLine xmlns="" xmlns:a14="http://schemas.microsoft.com/office/drawing/2010/main" w="9525">
                     <a:solidFill>
                       <a:srgbClr val="000000"/>
                     </a:solidFill>
@@ -9511,7 +9513,7 @@
               </a:ln>
               <a:extLst>
                 <a:ext uri="{91240B29-F687-4f45-9708-019B960494DF}">
-                  <a14:hiddenLine xmlns:a14="http://schemas.microsoft.com/office/drawing/2010/main" xmlns="" w="9525">
+                  <a14:hiddenLine xmlns="" xmlns:a14="http://schemas.microsoft.com/office/drawing/2010/main" w="9525">
                     <a:solidFill>
                       <a:srgbClr val="000000"/>
                     </a:solidFill>
@@ -9601,7 +9603,7 @@
               </a:ln>
               <a:extLst>
                 <a:ext uri="{91240B29-F687-4f45-9708-019B960494DF}">
-                  <a14:hiddenLine xmlns:a14="http://schemas.microsoft.com/office/drawing/2010/main" xmlns="" w="9525">
+                  <a14:hiddenLine xmlns="" xmlns:a14="http://schemas.microsoft.com/office/drawing/2010/main" w="9525">
                     <a:solidFill>
                       <a:srgbClr val="000000"/>
                     </a:solidFill>
@@ -9691,7 +9693,7 @@
               </a:ln>
               <a:extLst>
                 <a:ext uri="{91240B29-F687-4f45-9708-019B960494DF}">
-                  <a14:hiddenLine xmlns:a14="http://schemas.microsoft.com/office/drawing/2010/main" xmlns="" w="9525">
+                  <a14:hiddenLine xmlns="" xmlns:a14="http://schemas.microsoft.com/office/drawing/2010/main" w="9525">
                     <a:solidFill>
                       <a:srgbClr val="000000"/>
                     </a:solidFill>
@@ -9753,7 +9755,7 @@
               </a:ln>
               <a:extLst>
                 <a:ext uri="{91240B29-F687-4f45-9708-019B960494DF}">
-                  <a14:hiddenLine xmlns:a14="http://schemas.microsoft.com/office/drawing/2010/main" xmlns="" w="9525">
+                  <a14:hiddenLine xmlns="" xmlns:a14="http://schemas.microsoft.com/office/drawing/2010/main" w="9525">
                     <a:solidFill>
                       <a:srgbClr val="000000"/>
                     </a:solidFill>
@@ -9863,7 +9865,7 @@
               </a:ln>
               <a:extLst>
                 <a:ext uri="{91240B29-F687-4f45-9708-019B960494DF}">
-                  <a14:hiddenLine xmlns:a14="http://schemas.microsoft.com/office/drawing/2010/main" xmlns="" w="9525">
+                  <a14:hiddenLine xmlns="" xmlns:a14="http://schemas.microsoft.com/office/drawing/2010/main" w="9525">
                     <a:solidFill>
                       <a:srgbClr val="000000"/>
                     </a:solidFill>
@@ -9947,7 +9949,7 @@
               </a:ln>
               <a:extLst>
                 <a:ext uri="{91240B29-F687-4f45-9708-019B960494DF}">
-                  <a14:hiddenLine xmlns:a14="http://schemas.microsoft.com/office/drawing/2010/main" xmlns="" w="9525">
+                  <a14:hiddenLine xmlns="" xmlns:a14="http://schemas.microsoft.com/office/drawing/2010/main" w="9525">
                     <a:solidFill>
                       <a:srgbClr val="000000"/>
                     </a:solidFill>
@@ -10009,7 +10011,7 @@
               </a:ln>
               <a:extLst>
                 <a:ext uri="{91240B29-F687-4f45-9708-019B960494DF}">
-                  <a14:hiddenLine xmlns:a14="http://schemas.microsoft.com/office/drawing/2010/main" xmlns="" w="9525">
+                  <a14:hiddenLine xmlns="" xmlns:a14="http://schemas.microsoft.com/office/drawing/2010/main" w="9525">
                     <a:solidFill>
                       <a:srgbClr val="000000"/>
                     </a:solidFill>
@@ -10071,7 +10073,7 @@
               </a:ln>
               <a:extLst>
                 <a:ext uri="{91240B29-F687-4f45-9708-019B960494DF}">
-                  <a14:hiddenLine xmlns:a14="http://schemas.microsoft.com/office/drawing/2010/main" xmlns="" w="9525">
+                  <a14:hiddenLine xmlns="" xmlns:a14="http://schemas.microsoft.com/office/drawing/2010/main" w="9525">
                     <a:solidFill>
                       <a:srgbClr val="000000"/>
                     </a:solidFill>
@@ -10161,7 +10163,7 @@
               </a:ln>
               <a:extLst>
                 <a:ext uri="{91240B29-F687-4f45-9708-019B960494DF}">
-                  <a14:hiddenLine xmlns:a14="http://schemas.microsoft.com/office/drawing/2010/main" xmlns="" w="9525">
+                  <a14:hiddenLine xmlns="" xmlns:a14="http://schemas.microsoft.com/office/drawing/2010/main" w="9525">
                     <a:solidFill>
                       <a:srgbClr val="000000"/>
                     </a:solidFill>
@@ -10195,7 +10197,7 @@
               </a:ln>
               <a:extLst>
                 <a:ext uri="{91240B29-F687-4f45-9708-019B960494DF}">
-                  <a14:hiddenLine xmlns:a14="http://schemas.microsoft.com/office/drawing/2010/main" xmlns="" w="9525">
+                  <a14:hiddenLine xmlns="" xmlns:a14="http://schemas.microsoft.com/office/drawing/2010/main" w="9525">
                     <a:solidFill>
                       <a:srgbClr val="000000"/>
                     </a:solidFill>
@@ -10260,7 +10262,7 @@
               </a:ln>
               <a:extLst>
                 <a:ext uri="{91240B29-F687-4f45-9708-019B960494DF}">
-                  <a14:hiddenLine xmlns:a14="http://schemas.microsoft.com/office/drawing/2010/main" xmlns="" w="9525">
+                  <a14:hiddenLine xmlns="" xmlns:a14="http://schemas.microsoft.com/office/drawing/2010/main" w="9525">
                     <a:solidFill>
                       <a:srgbClr val="000000"/>
                     </a:solidFill>
@@ -10350,7 +10352,7 @@
               </a:ln>
               <a:extLst>
                 <a:ext uri="{91240B29-F687-4f45-9708-019B960494DF}">
-                  <a14:hiddenLine xmlns:a14="http://schemas.microsoft.com/office/drawing/2010/main" xmlns="" w="9525">
+                  <a14:hiddenLine xmlns="" xmlns:a14="http://schemas.microsoft.com/office/drawing/2010/main" w="9525">
                     <a:solidFill>
                       <a:srgbClr val="000000"/>
                     </a:solidFill>
@@ -10412,7 +10414,7 @@
               </a:ln>
               <a:extLst>
                 <a:ext uri="{91240B29-F687-4f45-9708-019B960494DF}">
-                  <a14:hiddenLine xmlns:a14="http://schemas.microsoft.com/office/drawing/2010/main" xmlns="" w="9525">
+                  <a14:hiddenLine xmlns="" xmlns:a14="http://schemas.microsoft.com/office/drawing/2010/main" w="9525">
                     <a:solidFill>
                       <a:srgbClr val="000000"/>
                     </a:solidFill>
@@ -10502,7 +10504,7 @@
               </a:ln>
               <a:extLst>
                 <a:ext uri="{91240B29-F687-4f45-9708-019B960494DF}">
-                  <a14:hiddenLine xmlns:a14="http://schemas.microsoft.com/office/drawing/2010/main" xmlns="" w="9525">
+                  <a14:hiddenLine xmlns="" xmlns:a14="http://schemas.microsoft.com/office/drawing/2010/main" w="9525">
                     <a:solidFill>
                       <a:srgbClr val="000000"/>
                     </a:solidFill>
@@ -10567,7 +10569,7 @@
               </a:ln>
               <a:extLst>
                 <a:ext uri="{91240B29-F687-4f45-9708-019B960494DF}">
-                  <a14:hiddenLine xmlns:a14="http://schemas.microsoft.com/office/drawing/2010/main" xmlns="" w="9525">
+                  <a14:hiddenLine xmlns="" xmlns:a14="http://schemas.microsoft.com/office/drawing/2010/main" w="9525">
                     <a:solidFill>
                       <a:srgbClr val="000000"/>
                     </a:solidFill>
@@ -10629,7 +10631,7 @@
               </a:ln>
               <a:extLst>
                 <a:ext uri="{91240B29-F687-4f45-9708-019B960494DF}">
-                  <a14:hiddenLine xmlns:a14="http://schemas.microsoft.com/office/drawing/2010/main" xmlns="" w="9525">
+                  <a14:hiddenLine xmlns="" xmlns:a14="http://schemas.microsoft.com/office/drawing/2010/main" w="9525">
                     <a:solidFill>
                       <a:srgbClr val="000000"/>
                     </a:solidFill>
@@ -10719,7 +10721,7 @@
               </a:ln>
               <a:extLst>
                 <a:ext uri="{91240B29-F687-4f45-9708-019B960494DF}">
-                  <a14:hiddenLine xmlns:a14="http://schemas.microsoft.com/office/drawing/2010/main" xmlns="" w="9525">
+                  <a14:hiddenLine xmlns="" xmlns:a14="http://schemas.microsoft.com/office/drawing/2010/main" w="9525">
                     <a:solidFill>
                       <a:srgbClr val="000000"/>
                     </a:solidFill>
@@ -10809,7 +10811,7 @@
               </a:ln>
               <a:extLst>
                 <a:ext uri="{91240B29-F687-4f45-9708-019B960494DF}">
-                  <a14:hiddenLine xmlns:a14="http://schemas.microsoft.com/office/drawing/2010/main" xmlns="" w="9525">
+                  <a14:hiddenLine xmlns="" xmlns:a14="http://schemas.microsoft.com/office/drawing/2010/main" w="9525">
                     <a:solidFill>
                       <a:srgbClr val="000000"/>
                     </a:solidFill>
@@ -10874,7 +10876,7 @@
               </a:ln>
               <a:extLst>
                 <a:ext uri="{91240B29-F687-4f45-9708-019B960494DF}">
-                  <a14:hiddenLine xmlns:a14="http://schemas.microsoft.com/office/drawing/2010/main" xmlns="" w="9525">
+                  <a14:hiddenLine xmlns="" xmlns:a14="http://schemas.microsoft.com/office/drawing/2010/main" w="9525">
                     <a:solidFill>
                       <a:srgbClr val="000000"/>
                     </a:solidFill>
@@ -10994,7 +10996,7 @@
               </a:ln>
               <a:extLst>
                 <a:ext uri="{91240B29-F687-4f45-9708-019B960494DF}">
-                  <a14:hiddenLine xmlns:a14="http://schemas.microsoft.com/office/drawing/2010/main" xmlns="" w="9525">
+                  <a14:hiddenLine xmlns="" xmlns:a14="http://schemas.microsoft.com/office/drawing/2010/main" w="9525">
                     <a:solidFill>
                       <a:srgbClr val="000000"/>
                     </a:solidFill>
@@ -11092,7 +11094,7 @@
               </a:ln>
               <a:extLst>
                 <a:ext uri="{91240B29-F687-4f45-9708-019B960494DF}">
-                  <a14:hiddenLine xmlns:a14="http://schemas.microsoft.com/office/drawing/2010/main" xmlns="" w="9525">
+                  <a14:hiddenLine xmlns="" xmlns:a14="http://schemas.microsoft.com/office/drawing/2010/main" w="9525">
                     <a:solidFill>
                       <a:srgbClr val="000000"/>
                     </a:solidFill>
@@ -11207,7 +11209,7 @@
               </a:ln>
               <a:extLst>
                 <a:ext uri="{91240B29-F687-4f45-9708-019B960494DF}">
-                  <a14:hiddenLine xmlns:a14="http://schemas.microsoft.com/office/drawing/2010/main" xmlns="" w="9525">
+                  <a14:hiddenLine xmlns="" xmlns:a14="http://schemas.microsoft.com/office/drawing/2010/main" w="9525">
                     <a:solidFill>
                       <a:srgbClr val="000000"/>
                     </a:solidFill>
@@ -11297,7 +11299,7 @@
               </a:ln>
               <a:extLst>
                 <a:ext uri="{91240B29-F687-4f45-9708-019B960494DF}">
-                  <a14:hiddenLine xmlns:a14="http://schemas.microsoft.com/office/drawing/2010/main" xmlns="" w="9525">
+                  <a14:hiddenLine xmlns="" xmlns:a14="http://schemas.microsoft.com/office/drawing/2010/main" w="9525">
                     <a:solidFill>
                       <a:srgbClr val="000000"/>
                     </a:solidFill>
@@ -11362,7 +11364,7 @@
               </a:ln>
               <a:extLst>
                 <a:ext uri="{91240B29-F687-4f45-9708-019B960494DF}">
-                  <a14:hiddenLine xmlns:a14="http://schemas.microsoft.com/office/drawing/2010/main" xmlns="" w="9525">
+                  <a14:hiddenLine xmlns="" xmlns:a14="http://schemas.microsoft.com/office/drawing/2010/main" w="9525">
                     <a:solidFill>
                       <a:srgbClr val="000000"/>
                     </a:solidFill>
@@ -11452,7 +11454,7 @@
               </a:ln>
               <a:extLst>
                 <a:ext uri="{91240B29-F687-4f45-9708-019B960494DF}">
-                  <a14:hiddenLine xmlns:a14="http://schemas.microsoft.com/office/drawing/2010/main" xmlns="" w="9525">
+                  <a14:hiddenLine xmlns="" xmlns:a14="http://schemas.microsoft.com/office/drawing/2010/main" w="9525">
                     <a:solidFill>
                       <a:srgbClr val="000000"/>
                     </a:solidFill>
@@ -11520,7 +11522,7 @@
               </a:ln>
               <a:extLst>
                 <a:ext uri="{91240B29-F687-4f45-9708-019B960494DF}">
-                  <a14:hiddenLine xmlns:a14="http://schemas.microsoft.com/office/drawing/2010/main" xmlns="" w="9525">
+                  <a14:hiddenLine xmlns="" xmlns:a14="http://schemas.microsoft.com/office/drawing/2010/main" w="9525">
                     <a:solidFill>
                       <a:srgbClr val="000000"/>
                     </a:solidFill>
@@ -11610,7 +11612,7 @@
               </a:ln>
               <a:extLst>
                 <a:ext uri="{91240B29-F687-4f45-9708-019B960494DF}">
-                  <a14:hiddenLine xmlns:a14="http://schemas.microsoft.com/office/drawing/2010/main" xmlns="" w="9525">
+                  <a14:hiddenLine xmlns="" xmlns:a14="http://schemas.microsoft.com/office/drawing/2010/main" w="9525">
                     <a:solidFill>
                       <a:srgbClr val="000000"/>
                     </a:solidFill>
@@ -11678,7 +11680,7 @@
               </a:ln>
               <a:extLst>
                 <a:ext uri="{91240B29-F687-4f45-9708-019B960494DF}">
-                  <a14:hiddenLine xmlns:a14="http://schemas.microsoft.com/office/drawing/2010/main" xmlns="" w="9525">
+                  <a14:hiddenLine xmlns="" xmlns:a14="http://schemas.microsoft.com/office/drawing/2010/main" w="9525">
                     <a:solidFill>
                       <a:srgbClr val="000000"/>
                     </a:solidFill>
@@ -11768,7 +11770,7 @@
               </a:ln>
               <a:extLst>
                 <a:ext uri="{91240B29-F687-4f45-9708-019B960494DF}">
-                  <a14:hiddenLine xmlns:a14="http://schemas.microsoft.com/office/drawing/2010/main" xmlns="" w="9525">
+                  <a14:hiddenLine xmlns="" xmlns:a14="http://schemas.microsoft.com/office/drawing/2010/main" w="9525">
                     <a:solidFill>
                       <a:srgbClr val="000000"/>
                     </a:solidFill>
@@ -11802,7 +11804,7 @@
               </a:ln>
               <a:extLst>
                 <a:ext uri="{91240B29-F687-4f45-9708-019B960494DF}">
-                  <a14:hiddenLine xmlns:a14="http://schemas.microsoft.com/office/drawing/2010/main" xmlns="" w="9525">
+                  <a14:hiddenLine xmlns="" xmlns:a14="http://schemas.microsoft.com/office/drawing/2010/main" w="9525">
                     <a:solidFill>
                       <a:srgbClr val="000000"/>
                     </a:solidFill>
@@ -11943,7 +11945,7 @@
             <a:fld id="{48A87A34-81AB-432B-8DAE-1953F412C126}" type="datetimeFigureOut">
               <a:rPr lang="en-US" dirty="0"/>
               <a:pPr/>
-              <a:t>10/2/2018</a:t>
+              <a:t>10/3/2018</a:t>
             </a:fld>
             <a:endParaRPr lang="en-US" dirty="0"/>
           </a:p>
@@ -12559,7 +12561,7 @@
           <p:cNvPr id="2" name="Título 1">
             <a:extLst>
               <a:ext uri="{FF2B5EF4-FFF2-40B4-BE49-F238E27FC236}">
-                <a16:creationId xmlns:a16="http://schemas.microsoft.com/office/drawing/2014/main" id="{D4AE118E-11CA-4C19-929C-418073BE86FD}"/>
+                <a16:creationId xmlns:a16="http://schemas.microsoft.com/office/drawing/2014/main" id="{1EF17776-1159-494A-85D8-00D19F7DACD2}"/>
               </a:ext>
             </a:extLst>
           </p:cNvPr>
@@ -12577,7 +12579,7 @@
           <a:p>
             <a:r>
               <a:rPr lang="es-ES" dirty="0"/>
-              <a:t>Modelo entidad relación</a:t>
+              <a:t>Arquitectura y metodología</a:t>
             </a:r>
             <a:endParaRPr lang="es-CL" dirty="0"/>
           </a:p>
@@ -12585,10 +12587,10 @@
       </p:sp>
       <p:sp>
         <p:nvSpPr>
-          <p:cNvPr id="4" name="Marcador de contenido 3">
+          <p:cNvPr id="3" name="Marcador de contenido 2">
             <a:extLst>
               <a:ext uri="{FF2B5EF4-FFF2-40B4-BE49-F238E27FC236}">
-                <a16:creationId xmlns:a16="http://schemas.microsoft.com/office/drawing/2014/main" id="{227AC388-ECAE-4803-B1FA-55E8F086C738}"/>
+                <a16:creationId xmlns:a16="http://schemas.microsoft.com/office/drawing/2014/main" id="{92B66465-FA16-460D-A698-86037B55B671}"/>
               </a:ext>
             </a:extLst>
           </p:cNvPr>
@@ -12599,18 +12601,378 @@
             <p:ph idx="1"/>
           </p:nvPr>
         </p:nvSpPr>
-        <p:spPr/>
+        <p:spPr>
+          <a:xfrm>
+            <a:off x="1141412" y="1908314"/>
+            <a:ext cx="9905999" cy="4770782"/>
+          </a:xfrm>
+        </p:spPr>
         <p:txBody>
-          <a:bodyPr/>
+          <a:bodyPr>
+            <a:normAutofit/>
+          </a:bodyPr>
           <a:lstStyle/>
           <a:p>
             <a:r>
-              <a:rPr lang="es-CL" dirty="0"/>
-              <a:t>Actualizar</a:t>
+              <a:rPr lang="es-ES" dirty="0"/>
+              <a:t>Angular	</a:t>
             </a:r>
+            <a:r>
+              <a:rPr lang="es-ES" dirty="0">
+                <a:sym typeface="Wingdings" panose="05000000000000000000" pitchFamily="2" charset="2"/>
+              </a:rPr>
+              <a:t> Framework para creación y mantención de aplicaciones web 		    con capacidad de MVC, (Versión 4.0 mucho mas estable y                          		    compatible con versiones anteriores)</a:t>
+            </a:r>
+            <a:endParaRPr lang="es-ES" dirty="0"/>
+          </a:p>
+          <a:p>
+            <a:r>
+              <a:rPr lang="es-ES" dirty="0"/>
+              <a:t>Nodejs	</a:t>
+            </a:r>
+            <a:r>
+              <a:rPr lang="es-ES" dirty="0">
+                <a:sym typeface="Wingdings" panose="05000000000000000000" pitchFamily="2" charset="2"/>
+              </a:rPr>
+              <a:t> </a:t>
+            </a:r>
+            <a:r>
+              <a:rPr lang="es-CL" dirty="0">
+                <a:sym typeface="Wingdings" panose="05000000000000000000" pitchFamily="2" charset="2"/>
+              </a:rPr>
+              <a:t>Es una librería y entorno de ejecución de E/S dirigida por       		     eventos y  se ejecuta sobre el  intérprete de JavaScript</a:t>
+            </a:r>
+            <a:endParaRPr lang="es-ES" dirty="0"/>
+          </a:p>
+          <a:p>
+            <a:r>
+              <a:rPr lang="es-ES" dirty="0"/>
+              <a:t>MongoDB	</a:t>
+            </a:r>
+            <a:r>
+              <a:rPr lang="es-ES" dirty="0">
+                <a:sym typeface="Wingdings" panose="05000000000000000000" pitchFamily="2" charset="2"/>
+              </a:rPr>
+              <a:t> Es una</a:t>
+            </a:r>
+            <a:r>
+              <a:rPr lang="es-CL" dirty="0">
+                <a:sym typeface="Wingdings" panose="05000000000000000000" pitchFamily="2" charset="2"/>
+              </a:rPr>
+              <a:t> base de datos NoSQL orientado a documentos, 			    desarrollado bajo el concepto de código abierto.</a:t>
+            </a:r>
+          </a:p>
+          <a:p>
+            <a:r>
+              <a:rPr lang="es-ES" dirty="0">
+                <a:sym typeface="Wingdings" panose="05000000000000000000" pitchFamily="2" charset="2"/>
+              </a:rPr>
+              <a:t>CoreUI	 Facilita planillas de administración de </a:t>
+            </a:r>
+            <a:r>
+              <a:rPr lang="es-ES" altLang="es-CL" dirty="0">
+                <a:latin typeface="inherit"/>
+              </a:rPr>
+              <a:t>Bootstrap</a:t>
+            </a:r>
+            <a:r>
+              <a:rPr lang="es-ES" dirty="0">
+                <a:sym typeface="Wingdings" panose="05000000000000000000" pitchFamily="2" charset="2"/>
+              </a:rPr>
+              <a:t> gratis</a:t>
+            </a:r>
+            <a:endParaRPr lang="es-ES" dirty="0"/>
+          </a:p>
+          <a:p>
+            <a:endParaRPr lang="es-CL" dirty="0"/>
           </a:p>
         </p:txBody>
       </p:sp>
+      <p:sp>
+        <p:nvSpPr>
+          <p:cNvPr id="4" name="Rectangle 1">
+            <a:extLst>
+              <a:ext uri="{FF2B5EF4-FFF2-40B4-BE49-F238E27FC236}">
+                <a16:creationId xmlns:a16="http://schemas.microsoft.com/office/drawing/2014/main" id="{5E2D13C8-5C3C-4E5F-B9E4-33A843F54D33}"/>
+              </a:ext>
+            </a:extLst>
+          </p:cNvPr>
+          <p:cNvSpPr>
+            <a:spLocks noChangeArrowheads="1"/>
+          </p:cNvSpPr>
+          <p:nvPr/>
+        </p:nvSpPr>
+        <p:spPr bwMode="auto">
+          <a:xfrm>
+            <a:off x="0" y="143961"/>
+            <a:ext cx="38472" cy="169277"/>
+          </a:xfrm>
+          <a:prstGeom prst="rect">
+            <a:avLst/>
+          </a:prstGeom>
+          <a:solidFill>
+            <a:srgbClr val="FFFFFF"/>
+          </a:solidFill>
+          <a:ln>
+            <a:noFill/>
+          </a:ln>
+          <a:effectLst/>
+          <a:extLst>
+            <a:ext uri="{91240B29-F687-4F45-9708-019B960494DF}">
+              <a14:hiddenLine xmlns:a14="http://schemas.microsoft.com/office/drawing/2010/main" w="9525">
+                <a:solidFill>
+                  <a:schemeClr val="tx1"/>
+                </a:solidFill>
+                <a:miter lim="800000"/>
+                <a:headEnd/>
+                <a:tailEnd/>
+              </a14:hiddenLine>
+            </a:ext>
+            <a:ext uri="{AF507438-7753-43E0-B8FC-AC1667EBCBE1}">
+              <a14:hiddenEffects xmlns:a14="http://schemas.microsoft.com/office/drawing/2010/main">
+                <a:effectLst>
+                  <a:outerShdw dist="35921" dir="2700000" algn="ctr" rotWithShape="0">
+                    <a:schemeClr val="bg2"/>
+                  </a:outerShdw>
+                </a:effectLst>
+              </a14:hiddenEffects>
+            </a:ext>
+          </a:extLst>
+        </p:spPr>
+        <p:txBody>
+          <a:bodyPr vert="horz" wrap="none" lIns="0" tIns="0" rIns="0" bIns="0" numCol="1" anchor="ctr" anchorCtr="0" compatLnSpc="1">
+            <a:prstTxWarp prst="textNoShape">
+              <a:avLst/>
+            </a:prstTxWarp>
+            <a:spAutoFit/>
+          </a:bodyPr>
+          <a:lstStyle/>
+          <a:p>
+            <a:pPr marL="0" marR="0" lvl="0" indent="0" algn="l" defTabSz="914400" rtl="0" eaLnBrk="0" fontAlgn="base" latinLnBrk="0" hangingPunct="0">
+              <a:lnSpc>
+                <a:spcPct val="100000"/>
+              </a:lnSpc>
+              <a:spcBef>
+                <a:spcPct val="0"/>
+              </a:spcBef>
+              <a:spcAft>
+                <a:spcPct val="0"/>
+              </a:spcAft>
+              <a:buClrTx/>
+              <a:buSzTx/>
+              <a:buFontTx/>
+              <a:buNone/>
+              <a:tabLst/>
+            </a:pPr>
+            <a:r>
+              <a:rPr kumimoji="0" lang="es-ES" altLang="es-CL" sz="1100" b="0" i="0" u="none" strike="noStrike" cap="none" normalizeH="0" baseline="0" dirty="0">
+                <a:ln>
+                  <a:noFill/>
+                </a:ln>
+                <a:solidFill>
+                  <a:schemeClr val="tx1"/>
+                </a:solidFill>
+                <a:effectLst/>
+              </a:rPr>
+              <a:t> </a:t>
+            </a:r>
+            <a:endParaRPr kumimoji="0" lang="es-ES" altLang="es-CL" sz="1800" b="0" i="0" u="none" strike="noStrike" cap="none" normalizeH="0" baseline="0" dirty="0">
+              <a:ln>
+                <a:noFill/>
+              </a:ln>
+              <a:solidFill>
+                <a:schemeClr val="tx1"/>
+              </a:solidFill>
+              <a:effectLst/>
+              <a:latin typeface="Arial" panose="020B0604020202020204" pitchFamily="34" charset="0"/>
+            </a:endParaRPr>
+          </a:p>
+        </p:txBody>
+      </p:sp>
+    </p:spTree>
+    <p:extLst>
+      <p:ext uri="{BB962C8B-B14F-4D97-AF65-F5344CB8AC3E}">
+        <p14:creationId xmlns:p14="http://schemas.microsoft.com/office/powerpoint/2010/main" val="3715753220"/>
+      </p:ext>
+    </p:extLst>
+  </p:cSld>
+  <p:clrMapOvr>
+    <a:masterClrMapping/>
+  </p:clrMapOvr>
+</p:sld>
+</file>
+
+<file path=ppt/slides/slide11.xml><?xml version="1.0" encoding="utf-8"?>
+<p:sld xmlns:a="http://schemas.openxmlformats.org/drawingml/2006/main" xmlns:r="http://schemas.openxmlformats.org/officeDocument/2006/relationships" xmlns:p="http://schemas.openxmlformats.org/presentationml/2006/main">
+  <p:cSld>
+    <p:bg>
+      <p:bgPr>
+        <a:blipFill>
+          <a:blip r:embed="rId2">
+            <a:duotone>
+              <a:schemeClr val="bg2">
+                <a:shade val="88000"/>
+                <a:hueMod val="106000"/>
+                <a:satMod val="140000"/>
+                <a:lumMod val="54000"/>
+              </a:schemeClr>
+              <a:schemeClr val="bg2">
+                <a:tint val="98000"/>
+                <a:hueMod val="90000"/>
+                <a:satMod val="150000"/>
+                <a:lumMod val="160000"/>
+              </a:schemeClr>
+            </a:duotone>
+            <a:extLst/>
+          </a:blip>
+          <a:stretch/>
+        </a:blipFill>
+        <a:effectLst/>
+      </p:bgPr>
+    </p:bg>
+    <p:spTree>
+      <p:nvGrpSpPr>
+        <p:cNvPr id="1" name=""/>
+        <p:cNvGrpSpPr/>
+        <p:nvPr/>
+      </p:nvGrpSpPr>
+      <p:grpSpPr>
+        <a:xfrm>
+          <a:off x="0" y="0"/>
+          <a:ext cx="0" cy="0"/>
+          <a:chOff x="0" y="0"/>
+          <a:chExt cx="0" cy="0"/>
+        </a:xfrm>
+      </p:grpSpPr>
+      <p:sp>
+        <p:nvSpPr>
+          <p:cNvPr id="2" name="Título 1">
+            <a:extLst>
+              <a:ext uri="{FF2B5EF4-FFF2-40B4-BE49-F238E27FC236}">
+                <a16:creationId xmlns:a16="http://schemas.microsoft.com/office/drawing/2014/main" id="{D4AE118E-11CA-4C19-929C-418073BE86FD}"/>
+              </a:ext>
+            </a:extLst>
+          </p:cNvPr>
+          <p:cNvSpPr>
+            <a:spLocks noGrp="1"/>
+          </p:cNvSpPr>
+          <p:nvPr>
+            <p:ph type="title"/>
+          </p:nvPr>
+        </p:nvSpPr>
+        <p:spPr>
+          <a:xfrm>
+            <a:off x="1141413" y="618518"/>
+            <a:ext cx="9905998" cy="1478570"/>
+          </a:xfrm>
+        </p:spPr>
+        <p:txBody>
+          <a:bodyPr>
+            <a:normAutofit/>
+          </a:bodyPr>
+          <a:lstStyle/>
+          <a:p>
+            <a:r>
+              <a:rPr lang="es-ES" dirty="0"/>
+              <a:t>Modelo entidad relación</a:t>
+            </a:r>
+            <a:endParaRPr lang="es-CL" dirty="0"/>
+          </a:p>
+        </p:txBody>
+      </p:sp>
+      <p:pic>
+        <p:nvPicPr>
+          <p:cNvPr id="8" name="Marcador de contenido 4">
+            <a:extLst>
+              <a:ext uri="{FF2B5EF4-FFF2-40B4-BE49-F238E27FC236}">
+                <a16:creationId xmlns:a16="http://schemas.microsoft.com/office/drawing/2014/main" id="{A742A779-16D2-40AB-88F9-64299274BA08}"/>
+              </a:ext>
+            </a:extLst>
+          </p:cNvPr>
+          <p:cNvPicPr>
+            <a:picLocks noChangeAspect="1"/>
+          </p:cNvPicPr>
+          <p:nvPr/>
+        </p:nvPicPr>
+        <p:blipFill>
+          <a:blip r:embed="rId3"/>
+          <a:stretch>
+            <a:fillRect/>
+          </a:stretch>
+        </p:blipFill>
+        <p:spPr>
+          <a:xfrm>
+            <a:off x="2633326" y="1667465"/>
+            <a:ext cx="6574842" cy="4899680"/>
+          </a:xfrm>
+          <a:prstGeom prst="round2DiagRect">
+            <a:avLst>
+              <a:gd name="adj1" fmla="val 5608"/>
+              <a:gd name="adj2" fmla="val 0"/>
+            </a:avLst>
+          </a:prstGeom>
+          <a:ln w="19050" cap="sq">
+            <a:solidFill>
+              <a:schemeClr val="tx2">
+                <a:lumMod val="60000"/>
+                <a:lumOff val="40000"/>
+                <a:alpha val="60000"/>
+              </a:schemeClr>
+            </a:solidFill>
+            <a:miter lim="800000"/>
+          </a:ln>
+          <a:effectLst>
+            <a:outerShdw blurRad="88900" dist="38100" dir="5400000" algn="t" rotWithShape="0">
+              <a:prstClr val="black">
+                <a:alpha val="40000"/>
+              </a:prstClr>
+            </a:outerShdw>
+          </a:effectLst>
+        </p:spPr>
+      </p:pic>
+      <p:cxnSp>
+        <p:nvCxnSpPr>
+          <p:cNvPr id="4" name="Conector recto 3">
+            <a:extLst>
+              <a:ext uri="{FF2B5EF4-FFF2-40B4-BE49-F238E27FC236}">
+                <a16:creationId xmlns:a16="http://schemas.microsoft.com/office/drawing/2014/main" id="{C2A51F4F-4E86-4CF4-A1A3-F69C40D0EB6D}"/>
+              </a:ext>
+            </a:extLst>
+          </p:cNvPr>
+          <p:cNvCxnSpPr>
+            <a:cxnSpLocks/>
+          </p:cNvCxnSpPr>
+          <p:nvPr/>
+        </p:nvCxnSpPr>
+        <p:spPr>
+          <a:xfrm>
+            <a:off x="6007695" y="6165921"/>
+            <a:ext cx="487109" cy="0"/>
+          </a:xfrm>
+          <a:prstGeom prst="line">
+            <a:avLst/>
+          </a:prstGeom>
+          <a:ln>
+            <a:solidFill>
+              <a:schemeClr val="bg1"/>
+            </a:solidFill>
+          </a:ln>
+        </p:spPr>
+        <p:style>
+          <a:lnRef idx="1">
+            <a:schemeClr val="accent1"/>
+          </a:lnRef>
+          <a:fillRef idx="0">
+            <a:schemeClr val="accent1"/>
+          </a:fillRef>
+          <a:effectRef idx="0">
+            <a:schemeClr val="accent1"/>
+          </a:effectRef>
+          <a:fontRef idx="minor">
+            <a:schemeClr val="tx1"/>
+          </a:fontRef>
+        </p:style>
+      </p:cxnSp>
     </p:spTree>
     <p:extLst>
       <p:ext uri="{BB962C8B-B14F-4D97-AF65-F5344CB8AC3E}">
@@ -12624,7 +12986,7 @@
 </p:sld>
 </file>
 
-<file path=ppt/slides/slide11.xml><?xml version="1.0" encoding="utf-8"?>
+<file path=ppt/slides/slide12.xml><?xml version="1.0" encoding="utf-8"?>
 <p:sld xmlns:a="http://schemas.openxmlformats.org/drawingml/2006/main" xmlns:r="http://schemas.openxmlformats.org/officeDocument/2006/relationships" xmlns:p="http://schemas.openxmlformats.org/presentationml/2006/main">
   <p:cSld>
     <p:spTree>
@@ -12716,7 +13078,181 @@
 </p:sld>
 </file>
 
-<file path=ppt/slides/slide12.xml><?xml version="1.0" encoding="utf-8"?>
+<file path=ppt/slides/slide13.xml><?xml version="1.0" encoding="utf-8"?>
+<p:sld xmlns:a="http://schemas.openxmlformats.org/drawingml/2006/main" xmlns:r="http://schemas.openxmlformats.org/officeDocument/2006/relationships" xmlns:p="http://schemas.openxmlformats.org/presentationml/2006/main">
+  <p:cSld>
+    <p:spTree>
+      <p:nvGrpSpPr>
+        <p:cNvPr id="1" name=""/>
+        <p:cNvGrpSpPr/>
+        <p:nvPr/>
+      </p:nvGrpSpPr>
+      <p:grpSpPr>
+        <a:xfrm>
+          <a:off x="0" y="0"/>
+          <a:ext cx="0" cy="0"/>
+          <a:chOff x="0" y="0"/>
+          <a:chExt cx="0" cy="0"/>
+        </a:xfrm>
+      </p:grpSpPr>
+      <p:sp>
+        <p:nvSpPr>
+          <p:cNvPr id="2" name="Título 1">
+            <a:extLst>
+              <a:ext uri="{FF2B5EF4-FFF2-40B4-BE49-F238E27FC236}">
+                <a16:creationId xmlns:a16="http://schemas.microsoft.com/office/drawing/2014/main" id="{C5E4ED3A-4318-42C3-9E61-DDC461869FAA}"/>
+              </a:ext>
+            </a:extLst>
+          </p:cNvPr>
+          <p:cNvSpPr>
+            <a:spLocks noGrp="1"/>
+          </p:cNvSpPr>
+          <p:nvPr>
+            <p:ph type="title"/>
+          </p:nvPr>
+        </p:nvSpPr>
+        <p:spPr/>
+        <p:txBody>
+          <a:bodyPr/>
+          <a:lstStyle/>
+          <a:p>
+            <a:endParaRPr lang="es-CL" dirty="0"/>
+          </a:p>
+        </p:txBody>
+      </p:sp>
+      <p:pic>
+        <p:nvPicPr>
+          <p:cNvPr id="5" name="Marcador de contenido 4" descr="Imagen que contiene captura de pantalla&#10;&#10;Descripción generada con confianza muy alta">
+            <a:extLst>
+              <a:ext uri="{FF2B5EF4-FFF2-40B4-BE49-F238E27FC236}">
+                <a16:creationId xmlns:a16="http://schemas.microsoft.com/office/drawing/2014/main" id="{2E649E7A-21D3-409A-AFB7-60F93FB765C8}"/>
+              </a:ext>
+            </a:extLst>
+          </p:cNvPr>
+          <p:cNvPicPr>
+            <a:picLocks noGrp="1" noChangeAspect="1"/>
+          </p:cNvPicPr>
+          <p:nvPr>
+            <p:ph idx="1"/>
+          </p:nvPr>
+        </p:nvPicPr>
+        <p:blipFill>
+          <a:blip r:embed="rId2"/>
+          <a:stretch>
+            <a:fillRect/>
+          </a:stretch>
+        </p:blipFill>
+        <p:spPr>
+          <a:xfrm>
+            <a:off x="6065521" y="-3"/>
+            <a:ext cx="6136639" cy="3429000"/>
+          </a:xfrm>
+        </p:spPr>
+      </p:pic>
+      <p:pic>
+        <p:nvPicPr>
+          <p:cNvPr id="7" name="Imagen 6" descr="Imagen que contiene captura de pantalla&#10;&#10;Descripción generada con confianza muy alta">
+            <a:extLst>
+              <a:ext uri="{FF2B5EF4-FFF2-40B4-BE49-F238E27FC236}">
+                <a16:creationId xmlns:a16="http://schemas.microsoft.com/office/drawing/2014/main" id="{CAB8B644-3FFD-4A99-A04C-3B3DE0F6B42C}"/>
+              </a:ext>
+            </a:extLst>
+          </p:cNvPr>
+          <p:cNvPicPr>
+            <a:picLocks noChangeAspect="1"/>
+          </p:cNvPicPr>
+          <p:nvPr/>
+        </p:nvPicPr>
+        <p:blipFill>
+          <a:blip r:embed="rId3"/>
+          <a:stretch>
+            <a:fillRect/>
+          </a:stretch>
+        </p:blipFill>
+        <p:spPr>
+          <a:xfrm>
+            <a:off x="-3176" y="0"/>
+            <a:ext cx="6099176" cy="3429000"/>
+          </a:xfrm>
+          <a:prstGeom prst="rect">
+            <a:avLst/>
+          </a:prstGeom>
+        </p:spPr>
+      </p:pic>
+      <p:pic>
+        <p:nvPicPr>
+          <p:cNvPr id="9" name="Imagen 8" descr="Imagen que contiene captura de pantalla&#10;&#10;Descripción generada con confianza muy alta">
+            <a:extLst>
+              <a:ext uri="{FF2B5EF4-FFF2-40B4-BE49-F238E27FC236}">
+                <a16:creationId xmlns:a16="http://schemas.microsoft.com/office/drawing/2014/main" id="{176F098C-C658-4653-BA4C-E2A4CADB803A}"/>
+              </a:ext>
+            </a:extLst>
+          </p:cNvPr>
+          <p:cNvPicPr>
+            <a:picLocks noChangeAspect="1"/>
+          </p:cNvPicPr>
+          <p:nvPr/>
+        </p:nvPicPr>
+        <p:blipFill>
+          <a:blip r:embed="rId4"/>
+          <a:stretch>
+            <a:fillRect/>
+          </a:stretch>
+        </p:blipFill>
+        <p:spPr>
+          <a:xfrm>
+            <a:off x="-40640" y="3428997"/>
+            <a:ext cx="6136640" cy="3429001"/>
+          </a:xfrm>
+          <a:prstGeom prst="rect">
+            <a:avLst/>
+          </a:prstGeom>
+        </p:spPr>
+      </p:pic>
+      <p:pic>
+        <p:nvPicPr>
+          <p:cNvPr id="11" name="Imagen 10" descr="Imagen que contiene captura de pantalla&#10;&#10;Descripción generada con confianza muy alta">
+            <a:extLst>
+              <a:ext uri="{FF2B5EF4-FFF2-40B4-BE49-F238E27FC236}">
+                <a16:creationId xmlns:a16="http://schemas.microsoft.com/office/drawing/2014/main" id="{BC24DB33-61E2-445D-8B36-7B959FEC6FC3}"/>
+              </a:ext>
+            </a:extLst>
+          </p:cNvPr>
+          <p:cNvPicPr>
+            <a:picLocks noChangeAspect="1"/>
+          </p:cNvPicPr>
+          <p:nvPr/>
+        </p:nvPicPr>
+        <p:blipFill>
+          <a:blip r:embed="rId5"/>
+          <a:stretch>
+            <a:fillRect/>
+          </a:stretch>
+        </p:blipFill>
+        <p:spPr>
+          <a:xfrm>
+            <a:off x="6096000" y="3428997"/>
+            <a:ext cx="6147275" cy="3429003"/>
+          </a:xfrm>
+          <a:prstGeom prst="rect">
+            <a:avLst/>
+          </a:prstGeom>
+        </p:spPr>
+      </p:pic>
+    </p:spTree>
+    <p:extLst>
+      <p:ext uri="{BB962C8B-B14F-4D97-AF65-F5344CB8AC3E}">
+        <p14:creationId xmlns:p14="http://schemas.microsoft.com/office/powerpoint/2010/main" val="321439226"/>
+      </p:ext>
+    </p:extLst>
+  </p:cSld>
+  <p:clrMapOvr>
+    <a:masterClrMapping/>
+  </p:clrMapOvr>
+</p:sld>
+</file>
+
+<file path=ppt/slides/slide14.xml><?xml version="1.0" encoding="utf-8"?>
 <p:sld xmlns:a="http://schemas.openxmlformats.org/drawingml/2006/main" xmlns:r="http://schemas.openxmlformats.org/officeDocument/2006/relationships" xmlns:p="http://schemas.openxmlformats.org/presentationml/2006/main">
   <p:cSld>
     <p:spTree>
@@ -12749,43 +13285,4462 @@
             <p:ph type="title"/>
           </p:nvPr>
         </p:nvSpPr>
-        <p:spPr/>
+        <p:spPr>
+          <a:xfrm>
+            <a:off x="0" y="2301159"/>
+            <a:ext cx="9905998" cy="1478570"/>
+          </a:xfrm>
+        </p:spPr>
         <p:txBody>
           <a:bodyPr/>
           <a:lstStyle/>
           <a:p>
             <a:r>
               <a:rPr lang="es-CL" dirty="0"/>
-              <a:t>Carta Gantt</a:t>
+              <a:t>Carta Gantt:</a:t>
             </a:r>
           </a:p>
         </p:txBody>
       </p:sp>
-      <p:sp>
-        <p:nvSpPr>
-          <p:cNvPr id="3" name="Marcador de contenido 2">
+      <p:graphicFrame>
+        <p:nvGraphicFramePr>
+          <p:cNvPr id="6" name="Marcador de contenido 5">
             <a:extLst>
               <a:ext uri="{FF2B5EF4-FFF2-40B4-BE49-F238E27FC236}">
-                <a16:creationId xmlns:a16="http://schemas.microsoft.com/office/drawing/2014/main" id="{00CD0703-3B36-410A-83D7-063D9C3FDE93}"/>
+                <a16:creationId xmlns:a16="http://schemas.microsoft.com/office/drawing/2014/main" id="{28B42A93-5BFA-4A27-BDF5-EE9AAA8DAC29}"/>
               </a:ext>
             </a:extLst>
           </p:cNvPr>
-          <p:cNvSpPr>
-            <a:spLocks noGrp="1"/>
-          </p:cNvSpPr>
+          <p:cNvGraphicFramePr>
+            <a:graphicFrameLocks noGrp="1"/>
+          </p:cNvGraphicFramePr>
           <p:nvPr>
             <p:ph idx="1"/>
+            <p:extLst>
+              <p:ext uri="{D42A27DB-BD31-4B8C-83A1-F6EECF244321}">
+                <p14:modId xmlns:p14="http://schemas.microsoft.com/office/powerpoint/2010/main" val="3488657043"/>
+              </p:ext>
+            </p:extLst>
           </p:nvPr>
-        </p:nvSpPr>
-        <p:spPr/>
-        <p:txBody>
-          <a:bodyPr/>
-          <a:lstStyle/>
-          <a:p>
-            <a:endParaRPr lang="es-CL"/>
-          </a:p>
-        </p:txBody>
-      </p:sp>
+        </p:nvGraphicFramePr>
+        <p:xfrm>
+          <a:off x="3695178" y="0"/>
+          <a:ext cx="8333983" cy="3194685"/>
+        </p:xfrm>
+        <a:graphic>
+          <a:graphicData uri="http://schemas.openxmlformats.org/drawingml/2006/table">
+            <a:tbl>
+              <a:tblPr/>
+              <a:tblGrid>
+                <a:gridCol w="185958">
+                  <a:extLst>
+                    <a:ext uri="{9D8B030D-6E8A-4147-A177-3AD203B41FA5}">
+                      <a16:colId xmlns:a16="http://schemas.microsoft.com/office/drawing/2014/main" val="3053745399"/>
+                    </a:ext>
+                  </a:extLst>
+                </a:gridCol>
+                <a:gridCol w="3449507">
+                  <a:extLst>
+                    <a:ext uri="{9D8B030D-6E8A-4147-A177-3AD203B41FA5}">
+                      <a16:colId xmlns:a16="http://schemas.microsoft.com/office/drawing/2014/main" val="2060014728"/>
+                    </a:ext>
+                  </a:extLst>
+                </a:gridCol>
+                <a:gridCol w="805815">
+                  <a:extLst>
+                    <a:ext uri="{9D8B030D-6E8A-4147-A177-3AD203B41FA5}">
+                      <a16:colId xmlns:a16="http://schemas.microsoft.com/office/drawing/2014/main" val="4226698896"/>
+                    </a:ext>
+                  </a:extLst>
+                </a:gridCol>
+                <a:gridCol w="805815">
+                  <a:extLst>
+                    <a:ext uri="{9D8B030D-6E8A-4147-A177-3AD203B41FA5}">
+                      <a16:colId xmlns:a16="http://schemas.microsoft.com/office/drawing/2014/main" val="773164652"/>
+                    </a:ext>
+                  </a:extLst>
+                </a:gridCol>
+                <a:gridCol w="805815">
+                  <a:extLst>
+                    <a:ext uri="{9D8B030D-6E8A-4147-A177-3AD203B41FA5}">
+                      <a16:colId xmlns:a16="http://schemas.microsoft.com/office/drawing/2014/main" val="610997927"/>
+                    </a:ext>
+                  </a:extLst>
+                </a:gridCol>
+                <a:gridCol w="1078551">
+                  <a:extLst>
+                    <a:ext uri="{9D8B030D-6E8A-4147-A177-3AD203B41FA5}">
+                      <a16:colId xmlns:a16="http://schemas.microsoft.com/office/drawing/2014/main" val="3303660366"/>
+                    </a:ext>
+                  </a:extLst>
+                </a:gridCol>
+                <a:gridCol w="1202522">
+                  <a:extLst>
+                    <a:ext uri="{9D8B030D-6E8A-4147-A177-3AD203B41FA5}">
+                      <a16:colId xmlns:a16="http://schemas.microsoft.com/office/drawing/2014/main" val="3689793587"/>
+                    </a:ext>
+                  </a:extLst>
+                </a:gridCol>
+              </a:tblGrid>
+              <a:tr h="299422">
+                <a:tc>
+                  <a:txBody>
+                    <a:bodyPr/>
+                    <a:lstStyle/>
+                    <a:p>
+                      <a:pPr algn="ctr" fontAlgn="ctr"/>
+                      <a:r>
+                        <a:rPr lang="es-CL" sz="1000" b="1" i="0" u="none" strike="noStrike">
+                          <a:solidFill>
+                            <a:srgbClr val="FFFFFF"/>
+                          </a:solidFill>
+                          <a:effectLst/>
+                          <a:latin typeface="Calibri" panose="020F0502020204030204" pitchFamily="34" charset="0"/>
+                        </a:rPr>
+                        <a:t> </a:t>
+                      </a:r>
+                    </a:p>
+                  </a:txBody>
+                  <a:tcPr marL="9525" marR="9525" marT="9525" marB="0" anchor="ctr">
+                    <a:lnL>
+                      <a:noFill/>
+                    </a:lnL>
+                    <a:lnR>
+                      <a:noFill/>
+                    </a:lnR>
+                    <a:lnT>
+                      <a:noFill/>
+                    </a:lnT>
+                    <a:lnB>
+                      <a:noFill/>
+                    </a:lnB>
+                    <a:solidFill>
+                      <a:srgbClr val="00B050"/>
+                    </a:solidFill>
+                  </a:tcPr>
+                </a:tc>
+                <a:tc>
+                  <a:txBody>
+                    <a:bodyPr/>
+                    <a:lstStyle/>
+                    <a:p>
+                      <a:pPr algn="ctr" fontAlgn="ctr"/>
+                      <a:r>
+                        <a:rPr lang="es-CL" sz="1000" b="1" i="0" u="none" strike="noStrike">
+                          <a:solidFill>
+                            <a:srgbClr val="FFFFFF"/>
+                          </a:solidFill>
+                          <a:effectLst/>
+                          <a:latin typeface="Calibri" panose="020F0502020204030204" pitchFamily="34" charset="0"/>
+                        </a:rPr>
+                        <a:t>TAREAS</a:t>
+                      </a:r>
+                    </a:p>
+                  </a:txBody>
+                  <a:tcPr marL="9525" marR="9525" marT="9525" marB="0" anchor="ctr">
+                    <a:lnL>
+                      <a:noFill/>
+                    </a:lnL>
+                    <a:lnR>
+                      <a:noFill/>
+                    </a:lnR>
+                    <a:lnT>
+                      <a:noFill/>
+                    </a:lnT>
+                    <a:lnB>
+                      <a:noFill/>
+                    </a:lnB>
+                    <a:solidFill>
+                      <a:srgbClr val="00B050"/>
+                    </a:solidFill>
+                  </a:tcPr>
+                </a:tc>
+                <a:tc>
+                  <a:txBody>
+                    <a:bodyPr/>
+                    <a:lstStyle/>
+                    <a:p>
+                      <a:pPr algn="ctr" fontAlgn="ctr"/>
+                      <a:r>
+                        <a:rPr lang="es-CL" sz="1000" b="1" i="0" u="none" strike="noStrike">
+                          <a:solidFill>
+                            <a:srgbClr val="FFFFFF"/>
+                          </a:solidFill>
+                          <a:effectLst/>
+                          <a:latin typeface="Calibri" panose="020F0502020204030204" pitchFamily="34" charset="0"/>
+                        </a:rPr>
+                        <a:t>INICIO</a:t>
+                      </a:r>
+                    </a:p>
+                  </a:txBody>
+                  <a:tcPr marL="9525" marR="9525" marT="9525" marB="0" anchor="ctr">
+                    <a:lnL>
+                      <a:noFill/>
+                    </a:lnL>
+                    <a:lnR>
+                      <a:noFill/>
+                    </a:lnR>
+                    <a:lnT>
+                      <a:noFill/>
+                    </a:lnT>
+                    <a:lnB>
+                      <a:noFill/>
+                    </a:lnB>
+                    <a:solidFill>
+                      <a:srgbClr val="00B050"/>
+                    </a:solidFill>
+                  </a:tcPr>
+                </a:tc>
+                <a:tc>
+                  <a:txBody>
+                    <a:bodyPr/>
+                    <a:lstStyle/>
+                    <a:p>
+                      <a:pPr algn="ctr" fontAlgn="ctr"/>
+                      <a:r>
+                        <a:rPr lang="es-CL" sz="1000" b="1" i="0" u="none" strike="noStrike">
+                          <a:solidFill>
+                            <a:srgbClr val="FFFFFF"/>
+                          </a:solidFill>
+                          <a:effectLst/>
+                          <a:latin typeface="Calibri" panose="020F0502020204030204" pitchFamily="34" charset="0"/>
+                        </a:rPr>
+                        <a:t>TERMINO</a:t>
+                      </a:r>
+                    </a:p>
+                  </a:txBody>
+                  <a:tcPr marL="9525" marR="9525" marT="9525" marB="0" anchor="ctr">
+                    <a:lnL>
+                      <a:noFill/>
+                    </a:lnL>
+                    <a:lnR>
+                      <a:noFill/>
+                    </a:lnR>
+                    <a:lnT>
+                      <a:noFill/>
+                    </a:lnT>
+                    <a:lnB>
+                      <a:noFill/>
+                    </a:lnB>
+                    <a:solidFill>
+                      <a:srgbClr val="00B050"/>
+                    </a:solidFill>
+                  </a:tcPr>
+                </a:tc>
+                <a:tc>
+                  <a:txBody>
+                    <a:bodyPr/>
+                    <a:lstStyle/>
+                    <a:p>
+                      <a:pPr algn="ctr" fontAlgn="ctr"/>
+                      <a:r>
+                        <a:rPr lang="es-CL" sz="1000" b="1" i="0" u="none" strike="noStrike" dirty="0">
+                          <a:solidFill>
+                            <a:srgbClr val="FFFFFF"/>
+                          </a:solidFill>
+                          <a:effectLst/>
+                          <a:latin typeface="Calibri" panose="020F0502020204030204" pitchFamily="34" charset="0"/>
+                        </a:rPr>
+                        <a:t>DIA DE INICIO</a:t>
+                      </a:r>
+                    </a:p>
+                  </a:txBody>
+                  <a:tcPr marL="9525" marR="9525" marT="9525" marB="0" anchor="ctr">
+                    <a:lnL>
+                      <a:noFill/>
+                    </a:lnL>
+                    <a:lnR>
+                      <a:noFill/>
+                    </a:lnR>
+                    <a:lnT>
+                      <a:noFill/>
+                    </a:lnT>
+                    <a:lnB>
+                      <a:noFill/>
+                    </a:lnB>
+                    <a:solidFill>
+                      <a:srgbClr val="00B050"/>
+                    </a:solidFill>
+                  </a:tcPr>
+                </a:tc>
+                <a:tc>
+                  <a:txBody>
+                    <a:bodyPr/>
+                    <a:lstStyle/>
+                    <a:p>
+                      <a:pPr algn="ctr" fontAlgn="ctr"/>
+                      <a:r>
+                        <a:rPr lang="es-CL" sz="1000" b="1" i="0" u="none" strike="noStrike">
+                          <a:solidFill>
+                            <a:srgbClr val="FFFFFF"/>
+                          </a:solidFill>
+                          <a:effectLst/>
+                          <a:latin typeface="Calibri" panose="020F0502020204030204" pitchFamily="34" charset="0"/>
+                        </a:rPr>
+                        <a:t>DIAS DE TRABAJO</a:t>
+                      </a:r>
+                    </a:p>
+                  </a:txBody>
+                  <a:tcPr marL="9525" marR="9525" marT="9525" marB="0" anchor="ctr">
+                    <a:lnL>
+                      <a:noFill/>
+                    </a:lnL>
+                    <a:lnR>
+                      <a:noFill/>
+                    </a:lnR>
+                    <a:lnT>
+                      <a:noFill/>
+                    </a:lnT>
+                    <a:lnB>
+                      <a:noFill/>
+                    </a:lnB>
+                    <a:solidFill>
+                      <a:srgbClr val="00B050"/>
+                    </a:solidFill>
+                  </a:tcPr>
+                </a:tc>
+                <a:tc>
+                  <a:txBody>
+                    <a:bodyPr/>
+                    <a:lstStyle/>
+                    <a:p>
+                      <a:pPr algn="ctr" fontAlgn="ctr"/>
+                      <a:r>
+                        <a:rPr lang="es-CL" sz="1000" b="1" i="0" u="none" strike="noStrike">
+                          <a:solidFill>
+                            <a:srgbClr val="FFFFFF"/>
+                          </a:solidFill>
+                          <a:effectLst/>
+                          <a:latin typeface="Calibri" panose="020F0502020204030204" pitchFamily="34" charset="0"/>
+                        </a:rPr>
+                        <a:t>PORCENTAJE COMPLETADO</a:t>
+                      </a:r>
+                    </a:p>
+                  </a:txBody>
+                  <a:tcPr marL="9525" marR="9525" marT="9525" marB="0" anchor="ctr">
+                    <a:lnL>
+                      <a:noFill/>
+                    </a:lnL>
+                    <a:lnR>
+                      <a:noFill/>
+                    </a:lnR>
+                    <a:lnT>
+                      <a:noFill/>
+                    </a:lnT>
+                    <a:lnB>
+                      <a:noFill/>
+                    </a:lnB>
+                    <a:solidFill>
+                      <a:srgbClr val="00B050"/>
+                    </a:solidFill>
+                  </a:tcPr>
+                </a:tc>
+                <a:extLst>
+                  <a:ext uri="{0D108BD9-81ED-4DB2-BD59-A6C34878D82A}">
+                    <a16:rowId xmlns:a16="http://schemas.microsoft.com/office/drawing/2014/main" val="2186380370"/>
+                  </a:ext>
+                </a:extLst>
+              </a:tr>
+              <a:tr h="183283">
+                <a:tc gridSpan="2">
+                  <a:txBody>
+                    <a:bodyPr/>
+                    <a:lstStyle/>
+                    <a:p>
+                      <a:pPr algn="l" fontAlgn="b"/>
+                      <a:r>
+                        <a:rPr lang="es-CL" sz="1200" b="1" i="0" u="none" strike="noStrike">
+                          <a:solidFill>
+                            <a:srgbClr val="000000"/>
+                          </a:solidFill>
+                          <a:effectLst/>
+                          <a:latin typeface="Calibri" panose="020F0502020204030204" pitchFamily="34" charset="0"/>
+                        </a:rPr>
+                        <a:t>Primer Mes</a:t>
+                      </a:r>
+                    </a:p>
+                  </a:txBody>
+                  <a:tcPr marL="9525" marR="9525" marT="9525" marB="0" anchor="b">
+                    <a:lnL>
+                      <a:noFill/>
+                    </a:lnL>
+                    <a:lnR>
+                      <a:noFill/>
+                    </a:lnR>
+                    <a:lnT>
+                      <a:noFill/>
+                    </a:lnT>
+                    <a:lnB>
+                      <a:noFill/>
+                    </a:lnB>
+                    <a:solidFill>
+                      <a:srgbClr val="BFBFBF"/>
+                    </a:solidFill>
+                  </a:tcPr>
+                </a:tc>
+                <a:tc hMerge="1">
+                  <a:txBody>
+                    <a:bodyPr/>
+                    <a:lstStyle/>
+                    <a:p>
+                      <a:endParaRPr lang="es-CL"/>
+                    </a:p>
+                  </a:txBody>
+                  <a:tcPr/>
+                </a:tc>
+                <a:tc>
+                  <a:txBody>
+                    <a:bodyPr/>
+                    <a:lstStyle/>
+                    <a:p>
+                      <a:pPr algn="l" fontAlgn="b"/>
+                      <a:r>
+                        <a:rPr lang="es-CL" sz="1000" b="0" i="0" u="none" strike="noStrike">
+                          <a:solidFill>
+                            <a:srgbClr val="000000"/>
+                          </a:solidFill>
+                          <a:effectLst/>
+                          <a:latin typeface="Calibri" panose="020F0502020204030204" pitchFamily="34" charset="0"/>
+                        </a:rPr>
+                        <a:t> </a:t>
+                      </a:r>
+                    </a:p>
+                  </a:txBody>
+                  <a:tcPr marL="9525" marR="9525" marT="9525" marB="0" anchor="b">
+                    <a:lnL>
+                      <a:noFill/>
+                    </a:lnL>
+                    <a:lnR>
+                      <a:noFill/>
+                    </a:lnR>
+                    <a:lnT>
+                      <a:noFill/>
+                    </a:lnT>
+                    <a:lnB>
+                      <a:noFill/>
+                    </a:lnB>
+                    <a:solidFill>
+                      <a:srgbClr val="BFBFBF"/>
+                    </a:solidFill>
+                  </a:tcPr>
+                </a:tc>
+                <a:tc>
+                  <a:txBody>
+                    <a:bodyPr/>
+                    <a:lstStyle/>
+                    <a:p>
+                      <a:pPr algn="l" fontAlgn="b"/>
+                      <a:r>
+                        <a:rPr lang="es-CL" sz="1000" b="0" i="0" u="none" strike="noStrike">
+                          <a:solidFill>
+                            <a:srgbClr val="000000"/>
+                          </a:solidFill>
+                          <a:effectLst/>
+                          <a:latin typeface="Calibri" panose="020F0502020204030204" pitchFamily="34" charset="0"/>
+                        </a:rPr>
+                        <a:t> </a:t>
+                      </a:r>
+                    </a:p>
+                  </a:txBody>
+                  <a:tcPr marL="9525" marR="9525" marT="9525" marB="0" anchor="b">
+                    <a:lnL>
+                      <a:noFill/>
+                    </a:lnL>
+                    <a:lnR>
+                      <a:noFill/>
+                    </a:lnR>
+                    <a:lnT>
+                      <a:noFill/>
+                    </a:lnT>
+                    <a:lnB>
+                      <a:noFill/>
+                    </a:lnB>
+                    <a:solidFill>
+                      <a:srgbClr val="BFBFBF"/>
+                    </a:solidFill>
+                  </a:tcPr>
+                </a:tc>
+                <a:tc>
+                  <a:txBody>
+                    <a:bodyPr/>
+                    <a:lstStyle/>
+                    <a:p>
+                      <a:pPr algn="l" fontAlgn="b"/>
+                      <a:r>
+                        <a:rPr lang="es-CL" sz="1000" b="0" i="0" u="none" strike="noStrike">
+                          <a:solidFill>
+                            <a:srgbClr val="000000"/>
+                          </a:solidFill>
+                          <a:effectLst/>
+                          <a:latin typeface="Calibri" panose="020F0502020204030204" pitchFamily="34" charset="0"/>
+                        </a:rPr>
+                        <a:t> </a:t>
+                      </a:r>
+                    </a:p>
+                  </a:txBody>
+                  <a:tcPr marL="9525" marR="9525" marT="9525" marB="0" anchor="b">
+                    <a:lnL>
+                      <a:noFill/>
+                    </a:lnL>
+                    <a:lnR>
+                      <a:noFill/>
+                    </a:lnR>
+                    <a:lnT>
+                      <a:noFill/>
+                    </a:lnT>
+                    <a:lnB>
+                      <a:noFill/>
+                    </a:lnB>
+                    <a:solidFill>
+                      <a:srgbClr val="BFBFBF"/>
+                    </a:solidFill>
+                  </a:tcPr>
+                </a:tc>
+                <a:tc>
+                  <a:txBody>
+                    <a:bodyPr/>
+                    <a:lstStyle/>
+                    <a:p>
+                      <a:pPr algn="l" fontAlgn="b"/>
+                      <a:r>
+                        <a:rPr lang="es-CL" sz="1000" b="0" i="0" u="none" strike="noStrike">
+                          <a:solidFill>
+                            <a:srgbClr val="000000"/>
+                          </a:solidFill>
+                          <a:effectLst/>
+                          <a:latin typeface="Calibri" panose="020F0502020204030204" pitchFamily="34" charset="0"/>
+                        </a:rPr>
+                        <a:t> </a:t>
+                      </a:r>
+                    </a:p>
+                  </a:txBody>
+                  <a:tcPr marL="9525" marR="9525" marT="9525" marB="0" anchor="b">
+                    <a:lnL>
+                      <a:noFill/>
+                    </a:lnL>
+                    <a:lnR>
+                      <a:noFill/>
+                    </a:lnR>
+                    <a:lnT>
+                      <a:noFill/>
+                    </a:lnT>
+                    <a:lnB>
+                      <a:noFill/>
+                    </a:lnB>
+                    <a:solidFill>
+                      <a:srgbClr val="BFBFBF"/>
+                    </a:solidFill>
+                  </a:tcPr>
+                </a:tc>
+                <a:tc>
+                  <a:txBody>
+                    <a:bodyPr/>
+                    <a:lstStyle/>
+                    <a:p>
+                      <a:pPr algn="l" fontAlgn="b"/>
+                      <a:r>
+                        <a:rPr lang="es-CL" sz="1000" b="0" i="0" u="none" strike="noStrike">
+                          <a:solidFill>
+                            <a:srgbClr val="000000"/>
+                          </a:solidFill>
+                          <a:effectLst/>
+                          <a:latin typeface="Calibri" panose="020F0502020204030204" pitchFamily="34" charset="0"/>
+                        </a:rPr>
+                        <a:t> </a:t>
+                      </a:r>
+                    </a:p>
+                  </a:txBody>
+                  <a:tcPr marL="9525" marR="9525" marT="9525" marB="0" anchor="b">
+                    <a:lnL>
+                      <a:noFill/>
+                    </a:lnL>
+                    <a:lnR>
+                      <a:noFill/>
+                    </a:lnR>
+                    <a:lnT>
+                      <a:noFill/>
+                    </a:lnT>
+                    <a:lnB>
+                      <a:noFill/>
+                    </a:lnB>
+                    <a:solidFill>
+                      <a:srgbClr val="BFBFBF"/>
+                    </a:solidFill>
+                  </a:tcPr>
+                </a:tc>
+                <a:extLst>
+                  <a:ext uri="{0D108BD9-81ED-4DB2-BD59-A6C34878D82A}">
+                    <a16:rowId xmlns:a16="http://schemas.microsoft.com/office/drawing/2014/main" val="1031905148"/>
+                  </a:ext>
+                </a:extLst>
+              </a:tr>
+              <a:tr h="172666">
+                <a:tc>
+                  <a:txBody>
+                    <a:bodyPr/>
+                    <a:lstStyle/>
+                    <a:p>
+                      <a:pPr algn="l" fontAlgn="b"/>
+                      <a:r>
+                        <a:rPr lang="es-CL" sz="1000" b="0" i="0" u="none" strike="noStrike">
+                          <a:solidFill>
+                            <a:srgbClr val="000000"/>
+                          </a:solidFill>
+                          <a:effectLst/>
+                          <a:latin typeface="Arial" panose="020B0604020202020204" pitchFamily="34" charset="0"/>
+                        </a:rPr>
+                        <a:t> </a:t>
+                      </a:r>
+                    </a:p>
+                  </a:txBody>
+                  <a:tcPr marL="9525" marR="9525" marT="9525" marB="0" anchor="b">
+                    <a:lnL>
+                      <a:noFill/>
+                    </a:lnL>
+                    <a:lnR>
+                      <a:noFill/>
+                    </a:lnR>
+                    <a:lnT>
+                      <a:noFill/>
+                    </a:lnT>
+                    <a:lnB>
+                      <a:noFill/>
+                    </a:lnB>
+                    <a:solidFill>
+                      <a:srgbClr val="FFFFFF"/>
+                    </a:solidFill>
+                  </a:tcPr>
+                </a:tc>
+                <a:tc>
+                  <a:txBody>
+                    <a:bodyPr/>
+                    <a:lstStyle/>
+                    <a:p>
+                      <a:pPr algn="l" fontAlgn="b"/>
+                      <a:r>
+                        <a:rPr lang="es-CL" sz="1100" b="0" i="0" u="none" strike="noStrike">
+                          <a:solidFill>
+                            <a:srgbClr val="434343"/>
+                          </a:solidFill>
+                          <a:effectLst/>
+                          <a:latin typeface="Calibri" panose="020F0502020204030204" pitchFamily="34" charset="0"/>
+                        </a:rPr>
+                        <a:t>Instalar Herramientas</a:t>
+                      </a:r>
+                    </a:p>
+                  </a:txBody>
+                  <a:tcPr marL="9525" marR="9525" marT="9525" marB="0" anchor="b">
+                    <a:lnL>
+                      <a:noFill/>
+                    </a:lnL>
+                    <a:lnR>
+                      <a:noFill/>
+                    </a:lnR>
+                    <a:lnT>
+                      <a:noFill/>
+                    </a:lnT>
+                    <a:lnB>
+                      <a:noFill/>
+                    </a:lnB>
+                    <a:solidFill>
+                      <a:srgbClr val="FFFFFF"/>
+                    </a:solidFill>
+                  </a:tcPr>
+                </a:tc>
+                <a:tc>
+                  <a:txBody>
+                    <a:bodyPr/>
+                    <a:lstStyle/>
+                    <a:p>
+                      <a:pPr algn="ctr" fontAlgn="b"/>
+                      <a:r>
+                        <a:rPr lang="es-CL" sz="1100" b="0" i="0" u="none" strike="noStrike">
+                          <a:solidFill>
+                            <a:srgbClr val="434343"/>
+                          </a:solidFill>
+                          <a:effectLst/>
+                          <a:latin typeface="Calibri" panose="020F0502020204030204" pitchFamily="34" charset="0"/>
+                        </a:rPr>
+                        <a:t>10/1</a:t>
+                      </a:r>
+                    </a:p>
+                  </a:txBody>
+                  <a:tcPr marL="9525" marR="9525" marT="9525" marB="0" anchor="b">
+                    <a:lnL>
+                      <a:noFill/>
+                    </a:lnL>
+                    <a:lnR>
+                      <a:noFill/>
+                    </a:lnR>
+                    <a:lnT>
+                      <a:noFill/>
+                    </a:lnT>
+                    <a:lnB>
+                      <a:noFill/>
+                    </a:lnB>
+                    <a:solidFill>
+                      <a:srgbClr val="FFFFFF"/>
+                    </a:solidFill>
+                  </a:tcPr>
+                </a:tc>
+                <a:tc>
+                  <a:txBody>
+                    <a:bodyPr/>
+                    <a:lstStyle/>
+                    <a:p>
+                      <a:pPr algn="ctr" fontAlgn="b"/>
+                      <a:r>
+                        <a:rPr lang="es-CL" sz="1100" b="0" i="0" u="none" strike="noStrike">
+                          <a:solidFill>
+                            <a:srgbClr val="434343"/>
+                          </a:solidFill>
+                          <a:effectLst/>
+                          <a:latin typeface="Calibri" panose="020F0502020204030204" pitchFamily="34" charset="0"/>
+                        </a:rPr>
+                        <a:t>10/7</a:t>
+                      </a:r>
+                    </a:p>
+                  </a:txBody>
+                  <a:tcPr marL="9525" marR="9525" marT="9525" marB="0" anchor="b">
+                    <a:lnL>
+                      <a:noFill/>
+                    </a:lnL>
+                    <a:lnR>
+                      <a:noFill/>
+                    </a:lnR>
+                    <a:lnT>
+                      <a:noFill/>
+                    </a:lnT>
+                    <a:lnB>
+                      <a:noFill/>
+                    </a:lnB>
+                    <a:solidFill>
+                      <a:srgbClr val="FFFFFF"/>
+                    </a:solidFill>
+                  </a:tcPr>
+                </a:tc>
+                <a:tc>
+                  <a:txBody>
+                    <a:bodyPr/>
+                    <a:lstStyle/>
+                    <a:p>
+                      <a:pPr algn="ctr" fontAlgn="b"/>
+                      <a:r>
+                        <a:rPr lang="es-CL" sz="1100" b="0" i="0" u="none" strike="noStrike">
+                          <a:solidFill>
+                            <a:srgbClr val="434343"/>
+                          </a:solidFill>
+                          <a:effectLst/>
+                          <a:latin typeface="Calibri" panose="020F0502020204030204" pitchFamily="34" charset="0"/>
+                        </a:rPr>
+                        <a:t>0</a:t>
+                      </a:r>
+                    </a:p>
+                  </a:txBody>
+                  <a:tcPr marL="9525" marR="9525" marT="9525" marB="0" anchor="b">
+                    <a:lnL>
+                      <a:noFill/>
+                    </a:lnL>
+                    <a:lnR>
+                      <a:noFill/>
+                    </a:lnR>
+                    <a:lnT>
+                      <a:noFill/>
+                    </a:lnT>
+                    <a:lnB>
+                      <a:noFill/>
+                    </a:lnB>
+                    <a:solidFill>
+                      <a:srgbClr val="FFFFFF"/>
+                    </a:solidFill>
+                  </a:tcPr>
+                </a:tc>
+                <a:tc>
+                  <a:txBody>
+                    <a:bodyPr/>
+                    <a:lstStyle/>
+                    <a:p>
+                      <a:pPr algn="ctr" fontAlgn="b"/>
+                      <a:r>
+                        <a:rPr lang="es-CL" sz="1100" b="0" i="0" u="none" strike="noStrike">
+                          <a:solidFill>
+                            <a:srgbClr val="434343"/>
+                          </a:solidFill>
+                          <a:effectLst/>
+                          <a:latin typeface="Calibri" panose="020F0502020204030204" pitchFamily="34" charset="0"/>
+                        </a:rPr>
+                        <a:t>6</a:t>
+                      </a:r>
+                    </a:p>
+                  </a:txBody>
+                  <a:tcPr marL="9525" marR="9525" marT="9525" marB="0" anchor="b">
+                    <a:lnL>
+                      <a:noFill/>
+                    </a:lnL>
+                    <a:lnR>
+                      <a:noFill/>
+                    </a:lnR>
+                    <a:lnT>
+                      <a:noFill/>
+                    </a:lnT>
+                    <a:lnB>
+                      <a:noFill/>
+                    </a:lnB>
+                    <a:solidFill>
+                      <a:srgbClr val="FFFFFF"/>
+                    </a:solidFill>
+                  </a:tcPr>
+                </a:tc>
+                <a:tc>
+                  <a:txBody>
+                    <a:bodyPr/>
+                    <a:lstStyle/>
+                    <a:p>
+                      <a:pPr algn="ctr" fontAlgn="b"/>
+                      <a:r>
+                        <a:rPr lang="es-CL" sz="1100" b="0" i="0" u="none" strike="noStrike">
+                          <a:solidFill>
+                            <a:srgbClr val="434343"/>
+                          </a:solidFill>
+                          <a:effectLst/>
+                          <a:latin typeface="Calibri" panose="020F0502020204030204" pitchFamily="34" charset="0"/>
+                        </a:rPr>
+                        <a:t>30%</a:t>
+                      </a:r>
+                    </a:p>
+                  </a:txBody>
+                  <a:tcPr marL="9525" marR="9525" marT="9525" marB="0" anchor="b">
+                    <a:lnL>
+                      <a:noFill/>
+                    </a:lnL>
+                    <a:lnR>
+                      <a:noFill/>
+                    </a:lnR>
+                    <a:lnT>
+                      <a:noFill/>
+                    </a:lnT>
+                    <a:lnB>
+                      <a:noFill/>
+                    </a:lnB>
+                    <a:solidFill>
+                      <a:srgbClr val="5CBCD6"/>
+                    </a:solidFill>
+                  </a:tcPr>
+                </a:tc>
+                <a:extLst>
+                  <a:ext uri="{0D108BD9-81ED-4DB2-BD59-A6C34878D82A}">
+                    <a16:rowId xmlns:a16="http://schemas.microsoft.com/office/drawing/2014/main" val="3081146799"/>
+                  </a:ext>
+                </a:extLst>
+              </a:tr>
+              <a:tr h="172666">
+                <a:tc>
+                  <a:txBody>
+                    <a:bodyPr/>
+                    <a:lstStyle/>
+                    <a:p>
+                      <a:pPr algn="l" fontAlgn="b"/>
+                      <a:r>
+                        <a:rPr lang="es-CL" sz="1000" b="0" i="0" u="none" strike="noStrike">
+                          <a:solidFill>
+                            <a:srgbClr val="000000"/>
+                          </a:solidFill>
+                          <a:effectLst/>
+                          <a:latin typeface="Arial" panose="020B0604020202020204" pitchFamily="34" charset="0"/>
+                        </a:rPr>
+                        <a:t> </a:t>
+                      </a:r>
+                    </a:p>
+                  </a:txBody>
+                  <a:tcPr marL="9525" marR="9525" marT="9525" marB="0" anchor="b">
+                    <a:lnL>
+                      <a:noFill/>
+                    </a:lnL>
+                    <a:lnR>
+                      <a:noFill/>
+                    </a:lnR>
+                    <a:lnT>
+                      <a:noFill/>
+                    </a:lnT>
+                    <a:lnB>
+                      <a:noFill/>
+                    </a:lnB>
+                    <a:solidFill>
+                      <a:srgbClr val="FFFFFF"/>
+                    </a:solidFill>
+                  </a:tcPr>
+                </a:tc>
+                <a:tc>
+                  <a:txBody>
+                    <a:bodyPr/>
+                    <a:lstStyle/>
+                    <a:p>
+                      <a:pPr algn="l" fontAlgn="b"/>
+                      <a:r>
+                        <a:rPr lang="es-ES" sz="1100" b="0" i="0" u="none" strike="noStrike">
+                          <a:solidFill>
+                            <a:srgbClr val="434343"/>
+                          </a:solidFill>
+                          <a:effectLst/>
+                          <a:latin typeface="Calibri" panose="020F0502020204030204" pitchFamily="34" charset="0"/>
+                        </a:rPr>
+                        <a:t>Crear BD de prueba y Practicar lenguaje a utilizar</a:t>
+                      </a:r>
+                    </a:p>
+                  </a:txBody>
+                  <a:tcPr marL="9525" marR="9525" marT="9525" marB="0" anchor="b">
+                    <a:lnL>
+                      <a:noFill/>
+                    </a:lnL>
+                    <a:lnR>
+                      <a:noFill/>
+                    </a:lnR>
+                    <a:lnT>
+                      <a:noFill/>
+                    </a:lnT>
+                    <a:lnB>
+                      <a:noFill/>
+                    </a:lnB>
+                    <a:solidFill>
+                      <a:srgbClr val="FFFFFF"/>
+                    </a:solidFill>
+                  </a:tcPr>
+                </a:tc>
+                <a:tc>
+                  <a:txBody>
+                    <a:bodyPr/>
+                    <a:lstStyle/>
+                    <a:p>
+                      <a:pPr algn="ctr" fontAlgn="b"/>
+                      <a:r>
+                        <a:rPr lang="es-CL" sz="1100" b="0" i="0" u="none" strike="noStrike">
+                          <a:solidFill>
+                            <a:srgbClr val="434343"/>
+                          </a:solidFill>
+                          <a:effectLst/>
+                          <a:latin typeface="Calibri" panose="020F0502020204030204" pitchFamily="34" charset="0"/>
+                        </a:rPr>
+                        <a:t>10/8</a:t>
+                      </a:r>
+                    </a:p>
+                  </a:txBody>
+                  <a:tcPr marL="9525" marR="9525" marT="9525" marB="0" anchor="b">
+                    <a:lnL>
+                      <a:noFill/>
+                    </a:lnL>
+                    <a:lnR>
+                      <a:noFill/>
+                    </a:lnR>
+                    <a:lnT>
+                      <a:noFill/>
+                    </a:lnT>
+                    <a:lnB>
+                      <a:noFill/>
+                    </a:lnB>
+                    <a:solidFill>
+                      <a:srgbClr val="FFFFFF"/>
+                    </a:solidFill>
+                  </a:tcPr>
+                </a:tc>
+                <a:tc>
+                  <a:txBody>
+                    <a:bodyPr/>
+                    <a:lstStyle/>
+                    <a:p>
+                      <a:pPr algn="ctr" fontAlgn="b"/>
+                      <a:r>
+                        <a:rPr lang="es-CL" sz="1100" b="0" i="0" u="none" strike="noStrike">
+                          <a:solidFill>
+                            <a:srgbClr val="434343"/>
+                          </a:solidFill>
+                          <a:effectLst/>
+                          <a:latin typeface="Calibri" panose="020F0502020204030204" pitchFamily="34" charset="0"/>
+                        </a:rPr>
+                        <a:t>10/14</a:t>
+                      </a:r>
+                    </a:p>
+                  </a:txBody>
+                  <a:tcPr marL="9525" marR="9525" marT="9525" marB="0" anchor="b">
+                    <a:lnL>
+                      <a:noFill/>
+                    </a:lnL>
+                    <a:lnR>
+                      <a:noFill/>
+                    </a:lnR>
+                    <a:lnT>
+                      <a:noFill/>
+                    </a:lnT>
+                    <a:lnB>
+                      <a:noFill/>
+                    </a:lnB>
+                    <a:solidFill>
+                      <a:srgbClr val="FFFFFF"/>
+                    </a:solidFill>
+                  </a:tcPr>
+                </a:tc>
+                <a:tc>
+                  <a:txBody>
+                    <a:bodyPr/>
+                    <a:lstStyle/>
+                    <a:p>
+                      <a:pPr algn="ctr" fontAlgn="b"/>
+                      <a:r>
+                        <a:rPr lang="es-CL" sz="1100" b="0" i="0" u="none" strike="noStrike">
+                          <a:solidFill>
+                            <a:srgbClr val="434343"/>
+                          </a:solidFill>
+                          <a:effectLst/>
+                          <a:latin typeface="Calibri" panose="020F0502020204030204" pitchFamily="34" charset="0"/>
+                        </a:rPr>
+                        <a:t>7</a:t>
+                      </a:r>
+                    </a:p>
+                  </a:txBody>
+                  <a:tcPr marL="9525" marR="9525" marT="9525" marB="0" anchor="b">
+                    <a:lnL>
+                      <a:noFill/>
+                    </a:lnL>
+                    <a:lnR>
+                      <a:noFill/>
+                    </a:lnR>
+                    <a:lnT>
+                      <a:noFill/>
+                    </a:lnT>
+                    <a:lnB>
+                      <a:noFill/>
+                    </a:lnB>
+                    <a:solidFill>
+                      <a:srgbClr val="FFFFFF"/>
+                    </a:solidFill>
+                  </a:tcPr>
+                </a:tc>
+                <a:tc>
+                  <a:txBody>
+                    <a:bodyPr/>
+                    <a:lstStyle/>
+                    <a:p>
+                      <a:pPr algn="ctr" fontAlgn="b"/>
+                      <a:r>
+                        <a:rPr lang="es-CL" sz="1100" b="0" i="0" u="none" strike="noStrike">
+                          <a:solidFill>
+                            <a:srgbClr val="434343"/>
+                          </a:solidFill>
+                          <a:effectLst/>
+                          <a:latin typeface="Calibri" panose="020F0502020204030204" pitchFamily="34" charset="0"/>
+                        </a:rPr>
+                        <a:t>6</a:t>
+                      </a:r>
+                    </a:p>
+                  </a:txBody>
+                  <a:tcPr marL="9525" marR="9525" marT="9525" marB="0" anchor="b">
+                    <a:lnL>
+                      <a:noFill/>
+                    </a:lnL>
+                    <a:lnR>
+                      <a:noFill/>
+                    </a:lnR>
+                    <a:lnT>
+                      <a:noFill/>
+                    </a:lnT>
+                    <a:lnB>
+                      <a:noFill/>
+                    </a:lnB>
+                    <a:solidFill>
+                      <a:srgbClr val="FFFFFF"/>
+                    </a:solidFill>
+                  </a:tcPr>
+                </a:tc>
+                <a:tc>
+                  <a:txBody>
+                    <a:bodyPr/>
+                    <a:lstStyle/>
+                    <a:p>
+                      <a:pPr algn="ctr" fontAlgn="b"/>
+                      <a:r>
+                        <a:rPr lang="es-CL" sz="1100" b="0" i="0" u="none" strike="noStrike" dirty="0">
+                          <a:solidFill>
+                            <a:srgbClr val="434343"/>
+                          </a:solidFill>
+                          <a:effectLst/>
+                          <a:latin typeface="Calibri" panose="020F0502020204030204" pitchFamily="34" charset="0"/>
+                        </a:rPr>
+                        <a:t>0%</a:t>
+                      </a:r>
+                    </a:p>
+                  </a:txBody>
+                  <a:tcPr marL="9525" marR="9525" marT="9525" marB="0" anchor="b">
+                    <a:lnL>
+                      <a:noFill/>
+                    </a:lnL>
+                    <a:lnR>
+                      <a:noFill/>
+                    </a:lnR>
+                    <a:lnT>
+                      <a:noFill/>
+                    </a:lnT>
+                    <a:lnB>
+                      <a:noFill/>
+                    </a:lnB>
+                    <a:solidFill>
+                      <a:srgbClr val="FFFFFF"/>
+                    </a:solidFill>
+                  </a:tcPr>
+                </a:tc>
+                <a:extLst>
+                  <a:ext uri="{0D108BD9-81ED-4DB2-BD59-A6C34878D82A}">
+                    <a16:rowId xmlns:a16="http://schemas.microsoft.com/office/drawing/2014/main" val="1410907688"/>
+                  </a:ext>
+                </a:extLst>
+              </a:tr>
+              <a:tr h="172666">
+                <a:tc>
+                  <a:txBody>
+                    <a:bodyPr/>
+                    <a:lstStyle/>
+                    <a:p>
+                      <a:pPr algn="l" fontAlgn="b"/>
+                      <a:r>
+                        <a:rPr lang="es-CL" sz="1000" b="0" i="0" u="none" strike="noStrike">
+                          <a:solidFill>
+                            <a:srgbClr val="000000"/>
+                          </a:solidFill>
+                          <a:effectLst/>
+                          <a:latin typeface="Arial" panose="020B0604020202020204" pitchFamily="34" charset="0"/>
+                        </a:rPr>
+                        <a:t> </a:t>
+                      </a:r>
+                    </a:p>
+                  </a:txBody>
+                  <a:tcPr marL="9525" marR="9525" marT="9525" marB="0" anchor="b">
+                    <a:lnL>
+                      <a:noFill/>
+                    </a:lnL>
+                    <a:lnR>
+                      <a:noFill/>
+                    </a:lnR>
+                    <a:lnT>
+                      <a:noFill/>
+                    </a:lnT>
+                    <a:lnB>
+                      <a:noFill/>
+                    </a:lnB>
+                    <a:solidFill>
+                      <a:srgbClr val="FFFFFF"/>
+                    </a:solidFill>
+                  </a:tcPr>
+                </a:tc>
+                <a:tc>
+                  <a:txBody>
+                    <a:bodyPr/>
+                    <a:lstStyle/>
+                    <a:p>
+                      <a:pPr algn="l" fontAlgn="b"/>
+                      <a:r>
+                        <a:rPr lang="es-ES" sz="1100" b="0" i="0" u="none" strike="noStrike">
+                          <a:solidFill>
+                            <a:srgbClr val="434343"/>
+                          </a:solidFill>
+                          <a:effectLst/>
+                          <a:latin typeface="Calibri" panose="020F0502020204030204" pitchFamily="34" charset="0"/>
+                        </a:rPr>
+                        <a:t>Funcion basica realizada y Reunión con cliente</a:t>
+                      </a:r>
+                    </a:p>
+                  </a:txBody>
+                  <a:tcPr marL="9525" marR="9525" marT="9525" marB="0" anchor="b">
+                    <a:lnL>
+                      <a:noFill/>
+                    </a:lnL>
+                    <a:lnR>
+                      <a:noFill/>
+                    </a:lnR>
+                    <a:lnT>
+                      <a:noFill/>
+                    </a:lnT>
+                    <a:lnB>
+                      <a:noFill/>
+                    </a:lnB>
+                    <a:solidFill>
+                      <a:srgbClr val="FFFFFF"/>
+                    </a:solidFill>
+                  </a:tcPr>
+                </a:tc>
+                <a:tc>
+                  <a:txBody>
+                    <a:bodyPr/>
+                    <a:lstStyle/>
+                    <a:p>
+                      <a:pPr algn="ctr" fontAlgn="b"/>
+                      <a:r>
+                        <a:rPr lang="es-CL" sz="1100" b="0" i="0" u="none" strike="noStrike">
+                          <a:solidFill>
+                            <a:srgbClr val="434343"/>
+                          </a:solidFill>
+                          <a:effectLst/>
+                          <a:latin typeface="Calibri" panose="020F0502020204030204" pitchFamily="34" charset="0"/>
+                        </a:rPr>
+                        <a:t>10/15</a:t>
+                      </a:r>
+                    </a:p>
+                  </a:txBody>
+                  <a:tcPr marL="9525" marR="9525" marT="9525" marB="0" anchor="b">
+                    <a:lnL>
+                      <a:noFill/>
+                    </a:lnL>
+                    <a:lnR>
+                      <a:noFill/>
+                    </a:lnR>
+                    <a:lnT>
+                      <a:noFill/>
+                    </a:lnT>
+                    <a:lnB>
+                      <a:noFill/>
+                    </a:lnB>
+                    <a:solidFill>
+                      <a:srgbClr val="FFFFFF"/>
+                    </a:solidFill>
+                  </a:tcPr>
+                </a:tc>
+                <a:tc>
+                  <a:txBody>
+                    <a:bodyPr/>
+                    <a:lstStyle/>
+                    <a:p>
+                      <a:pPr algn="ctr" fontAlgn="b"/>
+                      <a:r>
+                        <a:rPr lang="es-CL" sz="1100" b="0" i="0" u="none" strike="noStrike">
+                          <a:solidFill>
+                            <a:srgbClr val="434343"/>
+                          </a:solidFill>
+                          <a:effectLst/>
+                          <a:latin typeface="Calibri" panose="020F0502020204030204" pitchFamily="34" charset="0"/>
+                        </a:rPr>
+                        <a:t>10/21</a:t>
+                      </a:r>
+                    </a:p>
+                  </a:txBody>
+                  <a:tcPr marL="9525" marR="9525" marT="9525" marB="0" anchor="b">
+                    <a:lnL>
+                      <a:noFill/>
+                    </a:lnL>
+                    <a:lnR>
+                      <a:noFill/>
+                    </a:lnR>
+                    <a:lnT>
+                      <a:noFill/>
+                    </a:lnT>
+                    <a:lnB>
+                      <a:noFill/>
+                    </a:lnB>
+                    <a:solidFill>
+                      <a:srgbClr val="FFFFFF"/>
+                    </a:solidFill>
+                  </a:tcPr>
+                </a:tc>
+                <a:tc>
+                  <a:txBody>
+                    <a:bodyPr/>
+                    <a:lstStyle/>
+                    <a:p>
+                      <a:pPr algn="ctr" fontAlgn="b"/>
+                      <a:r>
+                        <a:rPr lang="es-CL" sz="1100" b="0" i="0" u="none" strike="noStrike">
+                          <a:solidFill>
+                            <a:srgbClr val="434343"/>
+                          </a:solidFill>
+                          <a:effectLst/>
+                          <a:latin typeface="Calibri" panose="020F0502020204030204" pitchFamily="34" charset="0"/>
+                        </a:rPr>
+                        <a:t>14</a:t>
+                      </a:r>
+                    </a:p>
+                  </a:txBody>
+                  <a:tcPr marL="9525" marR="9525" marT="9525" marB="0" anchor="b">
+                    <a:lnL>
+                      <a:noFill/>
+                    </a:lnL>
+                    <a:lnR>
+                      <a:noFill/>
+                    </a:lnR>
+                    <a:lnT>
+                      <a:noFill/>
+                    </a:lnT>
+                    <a:lnB>
+                      <a:noFill/>
+                    </a:lnB>
+                    <a:solidFill>
+                      <a:srgbClr val="FFFFFF"/>
+                    </a:solidFill>
+                  </a:tcPr>
+                </a:tc>
+                <a:tc>
+                  <a:txBody>
+                    <a:bodyPr/>
+                    <a:lstStyle/>
+                    <a:p>
+                      <a:pPr algn="ctr" fontAlgn="b"/>
+                      <a:r>
+                        <a:rPr lang="es-CL" sz="1100" b="0" i="0" u="none" strike="noStrike">
+                          <a:solidFill>
+                            <a:srgbClr val="434343"/>
+                          </a:solidFill>
+                          <a:effectLst/>
+                          <a:latin typeface="Calibri" panose="020F0502020204030204" pitchFamily="34" charset="0"/>
+                        </a:rPr>
+                        <a:t>6</a:t>
+                      </a:r>
+                    </a:p>
+                  </a:txBody>
+                  <a:tcPr marL="9525" marR="9525" marT="9525" marB="0" anchor="b">
+                    <a:lnL>
+                      <a:noFill/>
+                    </a:lnL>
+                    <a:lnR>
+                      <a:noFill/>
+                    </a:lnR>
+                    <a:lnT>
+                      <a:noFill/>
+                    </a:lnT>
+                    <a:lnB>
+                      <a:noFill/>
+                    </a:lnB>
+                    <a:solidFill>
+                      <a:srgbClr val="FFFFFF"/>
+                    </a:solidFill>
+                  </a:tcPr>
+                </a:tc>
+                <a:tc>
+                  <a:txBody>
+                    <a:bodyPr/>
+                    <a:lstStyle/>
+                    <a:p>
+                      <a:pPr algn="ctr" fontAlgn="b"/>
+                      <a:r>
+                        <a:rPr lang="es-CL" sz="1100" b="0" i="0" u="none" strike="noStrike">
+                          <a:solidFill>
+                            <a:srgbClr val="434343"/>
+                          </a:solidFill>
+                          <a:effectLst/>
+                          <a:latin typeface="Calibri" panose="020F0502020204030204" pitchFamily="34" charset="0"/>
+                        </a:rPr>
+                        <a:t>0%</a:t>
+                      </a:r>
+                    </a:p>
+                  </a:txBody>
+                  <a:tcPr marL="9525" marR="9525" marT="9525" marB="0" anchor="b">
+                    <a:lnL>
+                      <a:noFill/>
+                    </a:lnL>
+                    <a:lnR>
+                      <a:noFill/>
+                    </a:lnR>
+                    <a:lnT>
+                      <a:noFill/>
+                    </a:lnT>
+                    <a:lnB>
+                      <a:noFill/>
+                    </a:lnB>
+                    <a:solidFill>
+                      <a:srgbClr val="FFFFFF"/>
+                    </a:solidFill>
+                  </a:tcPr>
+                </a:tc>
+                <a:extLst>
+                  <a:ext uri="{0D108BD9-81ED-4DB2-BD59-A6C34878D82A}">
+                    <a16:rowId xmlns:a16="http://schemas.microsoft.com/office/drawing/2014/main" val="3046980952"/>
+                  </a:ext>
+                </a:extLst>
+              </a:tr>
+              <a:tr h="172666">
+                <a:tc>
+                  <a:txBody>
+                    <a:bodyPr/>
+                    <a:lstStyle/>
+                    <a:p>
+                      <a:pPr algn="l" fontAlgn="b"/>
+                      <a:r>
+                        <a:rPr lang="es-CL" sz="1000" b="0" i="0" u="none" strike="noStrike">
+                          <a:solidFill>
+                            <a:srgbClr val="000000"/>
+                          </a:solidFill>
+                          <a:effectLst/>
+                          <a:latin typeface="Arial" panose="020B0604020202020204" pitchFamily="34" charset="0"/>
+                        </a:rPr>
+                        <a:t> </a:t>
+                      </a:r>
+                    </a:p>
+                  </a:txBody>
+                  <a:tcPr marL="9525" marR="9525" marT="9525" marB="0" anchor="b">
+                    <a:lnL>
+                      <a:noFill/>
+                    </a:lnL>
+                    <a:lnR>
+                      <a:noFill/>
+                    </a:lnR>
+                    <a:lnT>
+                      <a:noFill/>
+                    </a:lnT>
+                    <a:lnB>
+                      <a:noFill/>
+                    </a:lnB>
+                    <a:solidFill>
+                      <a:srgbClr val="FFFFFF"/>
+                    </a:solidFill>
+                  </a:tcPr>
+                </a:tc>
+                <a:tc>
+                  <a:txBody>
+                    <a:bodyPr/>
+                    <a:lstStyle/>
+                    <a:p>
+                      <a:pPr algn="l" fontAlgn="b"/>
+                      <a:r>
+                        <a:rPr lang="es-CL" sz="1100" b="0" i="0" u="none" strike="noStrike">
+                          <a:solidFill>
+                            <a:srgbClr val="434343"/>
+                          </a:solidFill>
+                          <a:effectLst/>
+                          <a:latin typeface="Calibri" panose="020F0502020204030204" pitchFamily="34" charset="0"/>
+                        </a:rPr>
+                        <a:t>Mostrar avance del proyecto</a:t>
+                      </a:r>
+                    </a:p>
+                  </a:txBody>
+                  <a:tcPr marL="9525" marR="9525" marT="9525" marB="0" anchor="b">
+                    <a:lnL>
+                      <a:noFill/>
+                    </a:lnL>
+                    <a:lnR>
+                      <a:noFill/>
+                    </a:lnR>
+                    <a:lnT>
+                      <a:noFill/>
+                    </a:lnT>
+                    <a:lnB>
+                      <a:noFill/>
+                    </a:lnB>
+                    <a:solidFill>
+                      <a:srgbClr val="FFFFFF"/>
+                    </a:solidFill>
+                  </a:tcPr>
+                </a:tc>
+                <a:tc>
+                  <a:txBody>
+                    <a:bodyPr/>
+                    <a:lstStyle/>
+                    <a:p>
+                      <a:pPr algn="ctr" fontAlgn="b"/>
+                      <a:r>
+                        <a:rPr lang="es-CL" sz="1100" b="0" i="0" u="none" strike="noStrike">
+                          <a:solidFill>
+                            <a:srgbClr val="434343"/>
+                          </a:solidFill>
+                          <a:effectLst/>
+                          <a:latin typeface="Calibri" panose="020F0502020204030204" pitchFamily="34" charset="0"/>
+                        </a:rPr>
+                        <a:t>10/22</a:t>
+                      </a:r>
+                    </a:p>
+                  </a:txBody>
+                  <a:tcPr marL="9525" marR="9525" marT="9525" marB="0" anchor="b">
+                    <a:lnL>
+                      <a:noFill/>
+                    </a:lnL>
+                    <a:lnR>
+                      <a:noFill/>
+                    </a:lnR>
+                    <a:lnT>
+                      <a:noFill/>
+                    </a:lnT>
+                    <a:lnB>
+                      <a:noFill/>
+                    </a:lnB>
+                    <a:solidFill>
+                      <a:srgbClr val="FFFFFF"/>
+                    </a:solidFill>
+                  </a:tcPr>
+                </a:tc>
+                <a:tc>
+                  <a:txBody>
+                    <a:bodyPr/>
+                    <a:lstStyle/>
+                    <a:p>
+                      <a:pPr algn="ctr" fontAlgn="b"/>
+                      <a:r>
+                        <a:rPr lang="es-CL" sz="1100" b="0" i="0" u="none" strike="noStrike">
+                          <a:solidFill>
+                            <a:srgbClr val="434343"/>
+                          </a:solidFill>
+                          <a:effectLst/>
+                          <a:latin typeface="Calibri" panose="020F0502020204030204" pitchFamily="34" charset="0"/>
+                        </a:rPr>
+                        <a:t>10/28</a:t>
+                      </a:r>
+                    </a:p>
+                  </a:txBody>
+                  <a:tcPr marL="9525" marR="9525" marT="9525" marB="0" anchor="b">
+                    <a:lnL>
+                      <a:noFill/>
+                    </a:lnL>
+                    <a:lnR>
+                      <a:noFill/>
+                    </a:lnR>
+                    <a:lnT>
+                      <a:noFill/>
+                    </a:lnT>
+                    <a:lnB>
+                      <a:noFill/>
+                    </a:lnB>
+                    <a:solidFill>
+                      <a:srgbClr val="FFFFFF"/>
+                    </a:solidFill>
+                  </a:tcPr>
+                </a:tc>
+                <a:tc>
+                  <a:txBody>
+                    <a:bodyPr/>
+                    <a:lstStyle/>
+                    <a:p>
+                      <a:pPr algn="ctr" fontAlgn="b"/>
+                      <a:r>
+                        <a:rPr lang="es-CL" sz="1100" b="0" i="0" u="none" strike="noStrike">
+                          <a:solidFill>
+                            <a:srgbClr val="434343"/>
+                          </a:solidFill>
+                          <a:effectLst/>
+                          <a:latin typeface="Calibri" panose="020F0502020204030204" pitchFamily="34" charset="0"/>
+                        </a:rPr>
+                        <a:t>21</a:t>
+                      </a:r>
+                    </a:p>
+                  </a:txBody>
+                  <a:tcPr marL="9525" marR="9525" marT="9525" marB="0" anchor="b">
+                    <a:lnL>
+                      <a:noFill/>
+                    </a:lnL>
+                    <a:lnR>
+                      <a:noFill/>
+                    </a:lnR>
+                    <a:lnT>
+                      <a:noFill/>
+                    </a:lnT>
+                    <a:lnB>
+                      <a:noFill/>
+                    </a:lnB>
+                    <a:solidFill>
+                      <a:srgbClr val="FFFFFF"/>
+                    </a:solidFill>
+                  </a:tcPr>
+                </a:tc>
+                <a:tc>
+                  <a:txBody>
+                    <a:bodyPr/>
+                    <a:lstStyle/>
+                    <a:p>
+                      <a:pPr algn="ctr" fontAlgn="b"/>
+                      <a:r>
+                        <a:rPr lang="es-CL" sz="1100" b="0" i="0" u="none" strike="noStrike">
+                          <a:solidFill>
+                            <a:srgbClr val="434343"/>
+                          </a:solidFill>
+                          <a:effectLst/>
+                          <a:latin typeface="Calibri" panose="020F0502020204030204" pitchFamily="34" charset="0"/>
+                        </a:rPr>
+                        <a:t>6</a:t>
+                      </a:r>
+                    </a:p>
+                  </a:txBody>
+                  <a:tcPr marL="9525" marR="9525" marT="9525" marB="0" anchor="b">
+                    <a:lnL>
+                      <a:noFill/>
+                    </a:lnL>
+                    <a:lnR>
+                      <a:noFill/>
+                    </a:lnR>
+                    <a:lnT>
+                      <a:noFill/>
+                    </a:lnT>
+                    <a:lnB>
+                      <a:noFill/>
+                    </a:lnB>
+                    <a:solidFill>
+                      <a:srgbClr val="FFFFFF"/>
+                    </a:solidFill>
+                  </a:tcPr>
+                </a:tc>
+                <a:tc>
+                  <a:txBody>
+                    <a:bodyPr/>
+                    <a:lstStyle/>
+                    <a:p>
+                      <a:pPr algn="ctr" fontAlgn="b"/>
+                      <a:r>
+                        <a:rPr lang="es-CL" sz="1100" b="0" i="0" u="none" strike="noStrike">
+                          <a:solidFill>
+                            <a:srgbClr val="434343"/>
+                          </a:solidFill>
+                          <a:effectLst/>
+                          <a:latin typeface="Calibri" panose="020F0502020204030204" pitchFamily="34" charset="0"/>
+                        </a:rPr>
+                        <a:t>0%</a:t>
+                      </a:r>
+                    </a:p>
+                  </a:txBody>
+                  <a:tcPr marL="9525" marR="9525" marT="9525" marB="0" anchor="b">
+                    <a:lnL>
+                      <a:noFill/>
+                    </a:lnL>
+                    <a:lnR>
+                      <a:noFill/>
+                    </a:lnR>
+                    <a:lnT>
+                      <a:noFill/>
+                    </a:lnT>
+                    <a:lnB>
+                      <a:noFill/>
+                    </a:lnB>
+                    <a:solidFill>
+                      <a:srgbClr val="FFFFFF"/>
+                    </a:solidFill>
+                  </a:tcPr>
+                </a:tc>
+                <a:extLst>
+                  <a:ext uri="{0D108BD9-81ED-4DB2-BD59-A6C34878D82A}">
+                    <a16:rowId xmlns:a16="http://schemas.microsoft.com/office/drawing/2014/main" val="3594372575"/>
+                  </a:ext>
+                </a:extLst>
+              </a:tr>
+              <a:tr h="183283">
+                <a:tc gridSpan="2">
+                  <a:txBody>
+                    <a:bodyPr/>
+                    <a:lstStyle/>
+                    <a:p>
+                      <a:pPr algn="l" fontAlgn="b"/>
+                      <a:r>
+                        <a:rPr lang="es-CL" sz="1200" b="1" i="0" u="none" strike="noStrike">
+                          <a:solidFill>
+                            <a:srgbClr val="000000"/>
+                          </a:solidFill>
+                          <a:effectLst/>
+                          <a:latin typeface="Calibri" panose="020F0502020204030204" pitchFamily="34" charset="0"/>
+                        </a:rPr>
+                        <a:t>Segundo Mes</a:t>
+                      </a:r>
+                    </a:p>
+                  </a:txBody>
+                  <a:tcPr marL="9525" marR="9525" marT="9525" marB="0" anchor="b">
+                    <a:lnL>
+                      <a:noFill/>
+                    </a:lnL>
+                    <a:lnR>
+                      <a:noFill/>
+                    </a:lnR>
+                    <a:lnT>
+                      <a:noFill/>
+                    </a:lnT>
+                    <a:lnB>
+                      <a:noFill/>
+                    </a:lnB>
+                    <a:solidFill>
+                      <a:srgbClr val="BFBFBF"/>
+                    </a:solidFill>
+                  </a:tcPr>
+                </a:tc>
+                <a:tc hMerge="1">
+                  <a:txBody>
+                    <a:bodyPr/>
+                    <a:lstStyle/>
+                    <a:p>
+                      <a:endParaRPr lang="es-CL"/>
+                    </a:p>
+                  </a:txBody>
+                  <a:tcPr/>
+                </a:tc>
+                <a:tc>
+                  <a:txBody>
+                    <a:bodyPr/>
+                    <a:lstStyle/>
+                    <a:p>
+                      <a:pPr algn="ctr" fontAlgn="b"/>
+                      <a:r>
+                        <a:rPr lang="es-CL" sz="1000" b="0" i="0" u="none" strike="noStrike">
+                          <a:solidFill>
+                            <a:srgbClr val="000000"/>
+                          </a:solidFill>
+                          <a:effectLst/>
+                          <a:latin typeface="Calibri" panose="020F0502020204030204" pitchFamily="34" charset="0"/>
+                        </a:rPr>
+                        <a:t> </a:t>
+                      </a:r>
+                    </a:p>
+                  </a:txBody>
+                  <a:tcPr marL="9525" marR="9525" marT="9525" marB="0" anchor="b">
+                    <a:lnL>
+                      <a:noFill/>
+                    </a:lnL>
+                    <a:lnR>
+                      <a:noFill/>
+                    </a:lnR>
+                    <a:lnT>
+                      <a:noFill/>
+                    </a:lnT>
+                    <a:lnB>
+                      <a:noFill/>
+                    </a:lnB>
+                    <a:solidFill>
+                      <a:srgbClr val="BFBFBF"/>
+                    </a:solidFill>
+                  </a:tcPr>
+                </a:tc>
+                <a:tc>
+                  <a:txBody>
+                    <a:bodyPr/>
+                    <a:lstStyle/>
+                    <a:p>
+                      <a:pPr algn="ctr" fontAlgn="b"/>
+                      <a:r>
+                        <a:rPr lang="es-CL" sz="1000" b="0" i="0" u="none" strike="noStrike">
+                          <a:solidFill>
+                            <a:srgbClr val="000000"/>
+                          </a:solidFill>
+                          <a:effectLst/>
+                          <a:latin typeface="Calibri" panose="020F0502020204030204" pitchFamily="34" charset="0"/>
+                        </a:rPr>
+                        <a:t> </a:t>
+                      </a:r>
+                    </a:p>
+                  </a:txBody>
+                  <a:tcPr marL="9525" marR="9525" marT="9525" marB="0" anchor="b">
+                    <a:lnL>
+                      <a:noFill/>
+                    </a:lnL>
+                    <a:lnR>
+                      <a:noFill/>
+                    </a:lnR>
+                    <a:lnT>
+                      <a:noFill/>
+                    </a:lnT>
+                    <a:lnB>
+                      <a:noFill/>
+                    </a:lnB>
+                    <a:solidFill>
+                      <a:srgbClr val="BFBFBF"/>
+                    </a:solidFill>
+                  </a:tcPr>
+                </a:tc>
+                <a:tc>
+                  <a:txBody>
+                    <a:bodyPr/>
+                    <a:lstStyle/>
+                    <a:p>
+                      <a:pPr algn="ctr" fontAlgn="b"/>
+                      <a:r>
+                        <a:rPr lang="es-CL" sz="1000" b="0" i="0" u="none" strike="noStrike">
+                          <a:solidFill>
+                            <a:srgbClr val="000000"/>
+                          </a:solidFill>
+                          <a:effectLst/>
+                          <a:latin typeface="Calibri" panose="020F0502020204030204" pitchFamily="34" charset="0"/>
+                        </a:rPr>
+                        <a:t> </a:t>
+                      </a:r>
+                    </a:p>
+                  </a:txBody>
+                  <a:tcPr marL="9525" marR="9525" marT="9525" marB="0" anchor="b">
+                    <a:lnL>
+                      <a:noFill/>
+                    </a:lnL>
+                    <a:lnR>
+                      <a:noFill/>
+                    </a:lnR>
+                    <a:lnT>
+                      <a:noFill/>
+                    </a:lnT>
+                    <a:lnB>
+                      <a:noFill/>
+                    </a:lnB>
+                    <a:solidFill>
+                      <a:srgbClr val="BFBFBF"/>
+                    </a:solidFill>
+                  </a:tcPr>
+                </a:tc>
+                <a:tc>
+                  <a:txBody>
+                    <a:bodyPr/>
+                    <a:lstStyle/>
+                    <a:p>
+                      <a:pPr algn="ctr" fontAlgn="b"/>
+                      <a:r>
+                        <a:rPr lang="es-CL" sz="1000" b="0" i="0" u="none" strike="noStrike">
+                          <a:solidFill>
+                            <a:srgbClr val="000000"/>
+                          </a:solidFill>
+                          <a:effectLst/>
+                          <a:latin typeface="Calibri" panose="020F0502020204030204" pitchFamily="34" charset="0"/>
+                        </a:rPr>
+                        <a:t> </a:t>
+                      </a:r>
+                    </a:p>
+                  </a:txBody>
+                  <a:tcPr marL="9525" marR="9525" marT="9525" marB="0" anchor="b">
+                    <a:lnL>
+                      <a:noFill/>
+                    </a:lnL>
+                    <a:lnR>
+                      <a:noFill/>
+                    </a:lnR>
+                    <a:lnT>
+                      <a:noFill/>
+                    </a:lnT>
+                    <a:lnB>
+                      <a:noFill/>
+                    </a:lnB>
+                    <a:solidFill>
+                      <a:srgbClr val="BFBFBF"/>
+                    </a:solidFill>
+                  </a:tcPr>
+                </a:tc>
+                <a:tc>
+                  <a:txBody>
+                    <a:bodyPr/>
+                    <a:lstStyle/>
+                    <a:p>
+                      <a:pPr algn="ctr" fontAlgn="b"/>
+                      <a:r>
+                        <a:rPr lang="es-CL" sz="1000" b="0" i="0" u="none" strike="noStrike">
+                          <a:solidFill>
+                            <a:srgbClr val="000000"/>
+                          </a:solidFill>
+                          <a:effectLst/>
+                          <a:latin typeface="Calibri" panose="020F0502020204030204" pitchFamily="34" charset="0"/>
+                        </a:rPr>
+                        <a:t> </a:t>
+                      </a:r>
+                    </a:p>
+                  </a:txBody>
+                  <a:tcPr marL="9525" marR="9525" marT="9525" marB="0" anchor="b">
+                    <a:lnL>
+                      <a:noFill/>
+                    </a:lnL>
+                    <a:lnR>
+                      <a:noFill/>
+                    </a:lnR>
+                    <a:lnT>
+                      <a:noFill/>
+                    </a:lnT>
+                    <a:lnB>
+                      <a:noFill/>
+                    </a:lnB>
+                    <a:solidFill>
+                      <a:srgbClr val="BFBFBF"/>
+                    </a:solidFill>
+                  </a:tcPr>
+                </a:tc>
+                <a:extLst>
+                  <a:ext uri="{0D108BD9-81ED-4DB2-BD59-A6C34878D82A}">
+                    <a16:rowId xmlns:a16="http://schemas.microsoft.com/office/drawing/2014/main" val="1929903022"/>
+                  </a:ext>
+                </a:extLst>
+              </a:tr>
+              <a:tr h="172666">
+                <a:tc>
+                  <a:txBody>
+                    <a:bodyPr/>
+                    <a:lstStyle/>
+                    <a:p>
+                      <a:pPr algn="l" fontAlgn="b"/>
+                      <a:r>
+                        <a:rPr lang="es-CL" sz="1000" b="0" i="0" u="none" strike="noStrike">
+                          <a:solidFill>
+                            <a:srgbClr val="000000"/>
+                          </a:solidFill>
+                          <a:effectLst/>
+                          <a:latin typeface="Arial" panose="020B0604020202020204" pitchFamily="34" charset="0"/>
+                        </a:rPr>
+                        <a:t> </a:t>
+                      </a:r>
+                    </a:p>
+                  </a:txBody>
+                  <a:tcPr marL="9525" marR="9525" marT="9525" marB="0" anchor="b">
+                    <a:lnL>
+                      <a:noFill/>
+                    </a:lnL>
+                    <a:lnR>
+                      <a:noFill/>
+                    </a:lnR>
+                    <a:lnT>
+                      <a:noFill/>
+                    </a:lnT>
+                    <a:lnB>
+                      <a:noFill/>
+                    </a:lnB>
+                    <a:solidFill>
+                      <a:srgbClr val="FFFFFF"/>
+                    </a:solidFill>
+                  </a:tcPr>
+                </a:tc>
+                <a:tc>
+                  <a:txBody>
+                    <a:bodyPr/>
+                    <a:lstStyle/>
+                    <a:p>
+                      <a:pPr algn="l" fontAlgn="b"/>
+                      <a:r>
+                        <a:rPr lang="es-ES" sz="1100" b="0" i="0" u="none" strike="noStrike">
+                          <a:solidFill>
+                            <a:srgbClr val="434343"/>
+                          </a:solidFill>
+                          <a:effectLst/>
+                          <a:latin typeface="Calibri" panose="020F0502020204030204" pitchFamily="34" charset="0"/>
+                        </a:rPr>
+                        <a:t>Funcion post twitter terminada y Reunion con cliente</a:t>
+                      </a:r>
+                    </a:p>
+                  </a:txBody>
+                  <a:tcPr marL="9525" marR="9525" marT="9525" marB="0" anchor="b">
+                    <a:lnL>
+                      <a:noFill/>
+                    </a:lnL>
+                    <a:lnR>
+                      <a:noFill/>
+                    </a:lnR>
+                    <a:lnT>
+                      <a:noFill/>
+                    </a:lnT>
+                    <a:lnB>
+                      <a:noFill/>
+                    </a:lnB>
+                    <a:solidFill>
+                      <a:srgbClr val="FFFFFF"/>
+                    </a:solidFill>
+                  </a:tcPr>
+                </a:tc>
+                <a:tc>
+                  <a:txBody>
+                    <a:bodyPr/>
+                    <a:lstStyle/>
+                    <a:p>
+                      <a:pPr algn="ctr" fontAlgn="b"/>
+                      <a:r>
+                        <a:rPr lang="es-CL" sz="1100" b="0" i="0" u="none" strike="noStrike">
+                          <a:solidFill>
+                            <a:srgbClr val="434343"/>
+                          </a:solidFill>
+                          <a:effectLst/>
+                          <a:latin typeface="Calibri" panose="020F0502020204030204" pitchFamily="34" charset="0"/>
+                        </a:rPr>
+                        <a:t>10/29</a:t>
+                      </a:r>
+                    </a:p>
+                  </a:txBody>
+                  <a:tcPr marL="9525" marR="9525" marT="9525" marB="0" anchor="b">
+                    <a:lnL>
+                      <a:noFill/>
+                    </a:lnL>
+                    <a:lnR>
+                      <a:noFill/>
+                    </a:lnR>
+                    <a:lnT>
+                      <a:noFill/>
+                    </a:lnT>
+                    <a:lnB>
+                      <a:noFill/>
+                    </a:lnB>
+                    <a:solidFill>
+                      <a:srgbClr val="FFFFFF"/>
+                    </a:solidFill>
+                  </a:tcPr>
+                </a:tc>
+                <a:tc>
+                  <a:txBody>
+                    <a:bodyPr/>
+                    <a:lstStyle/>
+                    <a:p>
+                      <a:pPr algn="ctr" fontAlgn="b"/>
+                      <a:r>
+                        <a:rPr lang="es-CL" sz="1100" b="0" i="0" u="none" strike="noStrike">
+                          <a:solidFill>
+                            <a:srgbClr val="434343"/>
+                          </a:solidFill>
+                          <a:effectLst/>
+                          <a:latin typeface="Calibri" panose="020F0502020204030204" pitchFamily="34" charset="0"/>
+                        </a:rPr>
+                        <a:t>11/4</a:t>
+                      </a:r>
+                    </a:p>
+                  </a:txBody>
+                  <a:tcPr marL="9525" marR="9525" marT="9525" marB="0" anchor="b">
+                    <a:lnL>
+                      <a:noFill/>
+                    </a:lnL>
+                    <a:lnR>
+                      <a:noFill/>
+                    </a:lnR>
+                    <a:lnT>
+                      <a:noFill/>
+                    </a:lnT>
+                    <a:lnB>
+                      <a:noFill/>
+                    </a:lnB>
+                    <a:solidFill>
+                      <a:srgbClr val="FFFFFF"/>
+                    </a:solidFill>
+                  </a:tcPr>
+                </a:tc>
+                <a:tc>
+                  <a:txBody>
+                    <a:bodyPr/>
+                    <a:lstStyle/>
+                    <a:p>
+                      <a:pPr algn="ctr" fontAlgn="b"/>
+                      <a:r>
+                        <a:rPr lang="es-CL" sz="1100" b="0" i="0" u="none" strike="noStrike">
+                          <a:solidFill>
+                            <a:srgbClr val="434343"/>
+                          </a:solidFill>
+                          <a:effectLst/>
+                          <a:latin typeface="Calibri" panose="020F0502020204030204" pitchFamily="34" charset="0"/>
+                        </a:rPr>
+                        <a:t>28</a:t>
+                      </a:r>
+                    </a:p>
+                  </a:txBody>
+                  <a:tcPr marL="9525" marR="9525" marT="9525" marB="0" anchor="b">
+                    <a:lnL>
+                      <a:noFill/>
+                    </a:lnL>
+                    <a:lnR>
+                      <a:noFill/>
+                    </a:lnR>
+                    <a:lnT>
+                      <a:noFill/>
+                    </a:lnT>
+                    <a:lnB>
+                      <a:noFill/>
+                    </a:lnB>
+                    <a:solidFill>
+                      <a:srgbClr val="FFFFFF"/>
+                    </a:solidFill>
+                  </a:tcPr>
+                </a:tc>
+                <a:tc>
+                  <a:txBody>
+                    <a:bodyPr/>
+                    <a:lstStyle/>
+                    <a:p>
+                      <a:pPr algn="ctr" fontAlgn="b"/>
+                      <a:r>
+                        <a:rPr lang="es-CL" sz="1100" b="0" i="0" u="none" strike="noStrike">
+                          <a:solidFill>
+                            <a:srgbClr val="434343"/>
+                          </a:solidFill>
+                          <a:effectLst/>
+                          <a:latin typeface="Calibri" panose="020F0502020204030204" pitchFamily="34" charset="0"/>
+                        </a:rPr>
+                        <a:t>6</a:t>
+                      </a:r>
+                    </a:p>
+                  </a:txBody>
+                  <a:tcPr marL="9525" marR="9525" marT="9525" marB="0" anchor="b">
+                    <a:lnL>
+                      <a:noFill/>
+                    </a:lnL>
+                    <a:lnR>
+                      <a:noFill/>
+                    </a:lnR>
+                    <a:lnT>
+                      <a:noFill/>
+                    </a:lnT>
+                    <a:lnB>
+                      <a:noFill/>
+                    </a:lnB>
+                    <a:solidFill>
+                      <a:srgbClr val="FFFFFF"/>
+                    </a:solidFill>
+                  </a:tcPr>
+                </a:tc>
+                <a:tc>
+                  <a:txBody>
+                    <a:bodyPr/>
+                    <a:lstStyle/>
+                    <a:p>
+                      <a:pPr algn="ctr" fontAlgn="b"/>
+                      <a:r>
+                        <a:rPr lang="es-CL" sz="1100" b="0" i="0" u="none" strike="noStrike">
+                          <a:solidFill>
+                            <a:srgbClr val="434343"/>
+                          </a:solidFill>
+                          <a:effectLst/>
+                          <a:latin typeface="Calibri" panose="020F0502020204030204" pitchFamily="34" charset="0"/>
+                        </a:rPr>
+                        <a:t>0%</a:t>
+                      </a:r>
+                    </a:p>
+                  </a:txBody>
+                  <a:tcPr marL="9525" marR="9525" marT="9525" marB="0" anchor="b">
+                    <a:lnL>
+                      <a:noFill/>
+                    </a:lnL>
+                    <a:lnR>
+                      <a:noFill/>
+                    </a:lnR>
+                    <a:lnT>
+                      <a:noFill/>
+                    </a:lnT>
+                    <a:lnB>
+                      <a:noFill/>
+                    </a:lnB>
+                    <a:solidFill>
+                      <a:srgbClr val="FFFFFF"/>
+                    </a:solidFill>
+                  </a:tcPr>
+                </a:tc>
+                <a:extLst>
+                  <a:ext uri="{0D108BD9-81ED-4DB2-BD59-A6C34878D82A}">
+                    <a16:rowId xmlns:a16="http://schemas.microsoft.com/office/drawing/2014/main" val="4108857324"/>
+                  </a:ext>
+                </a:extLst>
+              </a:tr>
+              <a:tr h="172666">
+                <a:tc>
+                  <a:txBody>
+                    <a:bodyPr/>
+                    <a:lstStyle/>
+                    <a:p>
+                      <a:pPr algn="l" fontAlgn="b"/>
+                      <a:r>
+                        <a:rPr lang="es-CL" sz="1000" b="0" i="0" u="none" strike="noStrike">
+                          <a:solidFill>
+                            <a:srgbClr val="000000"/>
+                          </a:solidFill>
+                          <a:effectLst/>
+                          <a:latin typeface="Arial" panose="020B0604020202020204" pitchFamily="34" charset="0"/>
+                        </a:rPr>
+                        <a:t> </a:t>
+                      </a:r>
+                    </a:p>
+                  </a:txBody>
+                  <a:tcPr marL="9525" marR="9525" marT="9525" marB="0" anchor="b">
+                    <a:lnL>
+                      <a:noFill/>
+                    </a:lnL>
+                    <a:lnR>
+                      <a:noFill/>
+                    </a:lnR>
+                    <a:lnT>
+                      <a:noFill/>
+                    </a:lnT>
+                    <a:lnB>
+                      <a:noFill/>
+                    </a:lnB>
+                    <a:solidFill>
+                      <a:srgbClr val="FFFFFF"/>
+                    </a:solidFill>
+                  </a:tcPr>
+                </a:tc>
+                <a:tc>
+                  <a:txBody>
+                    <a:bodyPr/>
+                    <a:lstStyle/>
+                    <a:p>
+                      <a:pPr algn="l" fontAlgn="b"/>
+                      <a:r>
+                        <a:rPr lang="es-CL" sz="1100" b="0" i="0" u="none" strike="noStrike">
+                          <a:solidFill>
+                            <a:srgbClr val="434343"/>
+                          </a:solidFill>
+                          <a:effectLst/>
+                          <a:latin typeface="Calibri" panose="020F0502020204030204" pitchFamily="34" charset="0"/>
+                        </a:rPr>
+                        <a:t>Realizar mejoras + refactoring</a:t>
+                      </a:r>
+                    </a:p>
+                  </a:txBody>
+                  <a:tcPr marL="9525" marR="9525" marT="9525" marB="0" anchor="b">
+                    <a:lnL>
+                      <a:noFill/>
+                    </a:lnL>
+                    <a:lnR>
+                      <a:noFill/>
+                    </a:lnR>
+                    <a:lnT>
+                      <a:noFill/>
+                    </a:lnT>
+                    <a:lnB>
+                      <a:noFill/>
+                    </a:lnB>
+                    <a:solidFill>
+                      <a:srgbClr val="FFFFFF"/>
+                    </a:solidFill>
+                  </a:tcPr>
+                </a:tc>
+                <a:tc>
+                  <a:txBody>
+                    <a:bodyPr/>
+                    <a:lstStyle/>
+                    <a:p>
+                      <a:pPr algn="ctr" fontAlgn="b"/>
+                      <a:r>
+                        <a:rPr lang="es-CL" sz="1100" b="0" i="0" u="none" strike="noStrike">
+                          <a:solidFill>
+                            <a:srgbClr val="434343"/>
+                          </a:solidFill>
+                          <a:effectLst/>
+                          <a:latin typeface="Calibri" panose="020F0502020204030204" pitchFamily="34" charset="0"/>
+                        </a:rPr>
+                        <a:t>11/5</a:t>
+                      </a:r>
+                    </a:p>
+                  </a:txBody>
+                  <a:tcPr marL="9525" marR="9525" marT="9525" marB="0" anchor="b">
+                    <a:lnL>
+                      <a:noFill/>
+                    </a:lnL>
+                    <a:lnR>
+                      <a:noFill/>
+                    </a:lnR>
+                    <a:lnT>
+                      <a:noFill/>
+                    </a:lnT>
+                    <a:lnB>
+                      <a:noFill/>
+                    </a:lnB>
+                    <a:solidFill>
+                      <a:srgbClr val="FFFFFF"/>
+                    </a:solidFill>
+                  </a:tcPr>
+                </a:tc>
+                <a:tc>
+                  <a:txBody>
+                    <a:bodyPr/>
+                    <a:lstStyle/>
+                    <a:p>
+                      <a:pPr algn="ctr" fontAlgn="b"/>
+                      <a:r>
+                        <a:rPr lang="es-CL" sz="1100" b="0" i="0" u="none" strike="noStrike">
+                          <a:solidFill>
+                            <a:srgbClr val="434343"/>
+                          </a:solidFill>
+                          <a:effectLst/>
+                          <a:latin typeface="Calibri" panose="020F0502020204030204" pitchFamily="34" charset="0"/>
+                        </a:rPr>
+                        <a:t>11/11</a:t>
+                      </a:r>
+                    </a:p>
+                  </a:txBody>
+                  <a:tcPr marL="9525" marR="9525" marT="9525" marB="0" anchor="b">
+                    <a:lnL>
+                      <a:noFill/>
+                    </a:lnL>
+                    <a:lnR>
+                      <a:noFill/>
+                    </a:lnR>
+                    <a:lnT>
+                      <a:noFill/>
+                    </a:lnT>
+                    <a:lnB>
+                      <a:noFill/>
+                    </a:lnB>
+                    <a:solidFill>
+                      <a:srgbClr val="FFFFFF"/>
+                    </a:solidFill>
+                  </a:tcPr>
+                </a:tc>
+                <a:tc>
+                  <a:txBody>
+                    <a:bodyPr/>
+                    <a:lstStyle/>
+                    <a:p>
+                      <a:pPr algn="ctr" fontAlgn="b"/>
+                      <a:r>
+                        <a:rPr lang="es-CL" sz="1100" b="0" i="0" u="none" strike="noStrike">
+                          <a:solidFill>
+                            <a:srgbClr val="434343"/>
+                          </a:solidFill>
+                          <a:effectLst/>
+                          <a:latin typeface="Calibri" panose="020F0502020204030204" pitchFamily="34" charset="0"/>
+                        </a:rPr>
+                        <a:t>35</a:t>
+                      </a:r>
+                    </a:p>
+                  </a:txBody>
+                  <a:tcPr marL="9525" marR="9525" marT="9525" marB="0" anchor="b">
+                    <a:lnL>
+                      <a:noFill/>
+                    </a:lnL>
+                    <a:lnR>
+                      <a:noFill/>
+                    </a:lnR>
+                    <a:lnT>
+                      <a:noFill/>
+                    </a:lnT>
+                    <a:lnB>
+                      <a:noFill/>
+                    </a:lnB>
+                    <a:solidFill>
+                      <a:srgbClr val="FFFFFF"/>
+                    </a:solidFill>
+                  </a:tcPr>
+                </a:tc>
+                <a:tc>
+                  <a:txBody>
+                    <a:bodyPr/>
+                    <a:lstStyle/>
+                    <a:p>
+                      <a:pPr algn="ctr" fontAlgn="b"/>
+                      <a:r>
+                        <a:rPr lang="es-CL" sz="1100" b="0" i="0" u="none" strike="noStrike">
+                          <a:solidFill>
+                            <a:srgbClr val="434343"/>
+                          </a:solidFill>
+                          <a:effectLst/>
+                          <a:latin typeface="Calibri" panose="020F0502020204030204" pitchFamily="34" charset="0"/>
+                        </a:rPr>
+                        <a:t>6</a:t>
+                      </a:r>
+                    </a:p>
+                  </a:txBody>
+                  <a:tcPr marL="9525" marR="9525" marT="9525" marB="0" anchor="b">
+                    <a:lnL>
+                      <a:noFill/>
+                    </a:lnL>
+                    <a:lnR>
+                      <a:noFill/>
+                    </a:lnR>
+                    <a:lnT>
+                      <a:noFill/>
+                    </a:lnT>
+                    <a:lnB>
+                      <a:noFill/>
+                    </a:lnB>
+                    <a:solidFill>
+                      <a:srgbClr val="FFFFFF"/>
+                    </a:solidFill>
+                  </a:tcPr>
+                </a:tc>
+                <a:tc>
+                  <a:txBody>
+                    <a:bodyPr/>
+                    <a:lstStyle/>
+                    <a:p>
+                      <a:pPr algn="ctr" fontAlgn="b"/>
+                      <a:r>
+                        <a:rPr lang="es-CL" sz="1100" b="0" i="0" u="none" strike="noStrike">
+                          <a:solidFill>
+                            <a:srgbClr val="434343"/>
+                          </a:solidFill>
+                          <a:effectLst/>
+                          <a:latin typeface="Calibri" panose="020F0502020204030204" pitchFamily="34" charset="0"/>
+                        </a:rPr>
+                        <a:t>0%</a:t>
+                      </a:r>
+                    </a:p>
+                  </a:txBody>
+                  <a:tcPr marL="9525" marR="9525" marT="9525" marB="0" anchor="b">
+                    <a:lnL>
+                      <a:noFill/>
+                    </a:lnL>
+                    <a:lnR>
+                      <a:noFill/>
+                    </a:lnR>
+                    <a:lnT>
+                      <a:noFill/>
+                    </a:lnT>
+                    <a:lnB>
+                      <a:noFill/>
+                    </a:lnB>
+                    <a:solidFill>
+                      <a:srgbClr val="FFFFFF"/>
+                    </a:solidFill>
+                  </a:tcPr>
+                </a:tc>
+                <a:extLst>
+                  <a:ext uri="{0D108BD9-81ED-4DB2-BD59-A6C34878D82A}">
+                    <a16:rowId xmlns:a16="http://schemas.microsoft.com/office/drawing/2014/main" val="3956555298"/>
+                  </a:ext>
+                </a:extLst>
+              </a:tr>
+              <a:tr h="172666">
+                <a:tc>
+                  <a:txBody>
+                    <a:bodyPr/>
+                    <a:lstStyle/>
+                    <a:p>
+                      <a:pPr algn="l" fontAlgn="b"/>
+                      <a:r>
+                        <a:rPr lang="es-CL" sz="1000" b="0" i="0" u="none" strike="noStrike">
+                          <a:solidFill>
+                            <a:srgbClr val="000000"/>
+                          </a:solidFill>
+                          <a:effectLst/>
+                          <a:latin typeface="Arial" panose="020B0604020202020204" pitchFamily="34" charset="0"/>
+                        </a:rPr>
+                        <a:t> </a:t>
+                      </a:r>
+                    </a:p>
+                  </a:txBody>
+                  <a:tcPr marL="9525" marR="9525" marT="9525" marB="0" anchor="b">
+                    <a:lnL>
+                      <a:noFill/>
+                    </a:lnL>
+                    <a:lnR>
+                      <a:noFill/>
+                    </a:lnR>
+                    <a:lnT>
+                      <a:noFill/>
+                    </a:lnT>
+                    <a:lnB>
+                      <a:noFill/>
+                    </a:lnB>
+                    <a:solidFill>
+                      <a:srgbClr val="FFFFFF"/>
+                    </a:solidFill>
+                  </a:tcPr>
+                </a:tc>
+                <a:tc>
+                  <a:txBody>
+                    <a:bodyPr/>
+                    <a:lstStyle/>
+                    <a:p>
+                      <a:pPr algn="l" fontAlgn="b"/>
+                      <a:r>
+                        <a:rPr lang="es-ES" sz="1100" b="0" i="0" u="none" strike="noStrike">
+                          <a:solidFill>
+                            <a:srgbClr val="434343"/>
+                          </a:solidFill>
+                          <a:effectLst/>
+                          <a:latin typeface="Calibri" panose="020F0502020204030204" pitchFamily="34" charset="0"/>
+                        </a:rPr>
+                        <a:t>Incorporar facebook y Reunion con cliente</a:t>
+                      </a:r>
+                    </a:p>
+                  </a:txBody>
+                  <a:tcPr marL="9525" marR="9525" marT="9525" marB="0" anchor="b">
+                    <a:lnL>
+                      <a:noFill/>
+                    </a:lnL>
+                    <a:lnR>
+                      <a:noFill/>
+                    </a:lnR>
+                    <a:lnT>
+                      <a:noFill/>
+                    </a:lnT>
+                    <a:lnB>
+                      <a:noFill/>
+                    </a:lnB>
+                    <a:solidFill>
+                      <a:srgbClr val="FFFFFF"/>
+                    </a:solidFill>
+                  </a:tcPr>
+                </a:tc>
+                <a:tc>
+                  <a:txBody>
+                    <a:bodyPr/>
+                    <a:lstStyle/>
+                    <a:p>
+                      <a:pPr algn="ctr" fontAlgn="b"/>
+                      <a:r>
+                        <a:rPr lang="es-CL" sz="1100" b="0" i="0" u="none" strike="noStrike">
+                          <a:solidFill>
+                            <a:srgbClr val="434343"/>
+                          </a:solidFill>
+                          <a:effectLst/>
+                          <a:latin typeface="Calibri" panose="020F0502020204030204" pitchFamily="34" charset="0"/>
+                        </a:rPr>
+                        <a:t>11/12</a:t>
+                      </a:r>
+                    </a:p>
+                  </a:txBody>
+                  <a:tcPr marL="9525" marR="9525" marT="9525" marB="0" anchor="b">
+                    <a:lnL>
+                      <a:noFill/>
+                    </a:lnL>
+                    <a:lnR>
+                      <a:noFill/>
+                    </a:lnR>
+                    <a:lnT>
+                      <a:noFill/>
+                    </a:lnT>
+                    <a:lnB>
+                      <a:noFill/>
+                    </a:lnB>
+                    <a:solidFill>
+                      <a:srgbClr val="FFFFFF"/>
+                    </a:solidFill>
+                  </a:tcPr>
+                </a:tc>
+                <a:tc>
+                  <a:txBody>
+                    <a:bodyPr/>
+                    <a:lstStyle/>
+                    <a:p>
+                      <a:pPr algn="ctr" fontAlgn="b"/>
+                      <a:r>
+                        <a:rPr lang="es-CL" sz="1100" b="0" i="0" u="none" strike="noStrike">
+                          <a:solidFill>
+                            <a:srgbClr val="434343"/>
+                          </a:solidFill>
+                          <a:effectLst/>
+                          <a:latin typeface="Calibri" panose="020F0502020204030204" pitchFamily="34" charset="0"/>
+                        </a:rPr>
+                        <a:t>11/18</a:t>
+                      </a:r>
+                    </a:p>
+                  </a:txBody>
+                  <a:tcPr marL="9525" marR="9525" marT="9525" marB="0" anchor="b">
+                    <a:lnL>
+                      <a:noFill/>
+                    </a:lnL>
+                    <a:lnR>
+                      <a:noFill/>
+                    </a:lnR>
+                    <a:lnT>
+                      <a:noFill/>
+                    </a:lnT>
+                    <a:lnB>
+                      <a:noFill/>
+                    </a:lnB>
+                    <a:solidFill>
+                      <a:srgbClr val="FFFFFF"/>
+                    </a:solidFill>
+                  </a:tcPr>
+                </a:tc>
+                <a:tc>
+                  <a:txBody>
+                    <a:bodyPr/>
+                    <a:lstStyle/>
+                    <a:p>
+                      <a:pPr algn="ctr" fontAlgn="b"/>
+                      <a:r>
+                        <a:rPr lang="es-CL" sz="1100" b="0" i="0" u="none" strike="noStrike">
+                          <a:solidFill>
+                            <a:srgbClr val="434343"/>
+                          </a:solidFill>
+                          <a:effectLst/>
+                          <a:latin typeface="Calibri" panose="020F0502020204030204" pitchFamily="34" charset="0"/>
+                        </a:rPr>
+                        <a:t>42</a:t>
+                      </a:r>
+                    </a:p>
+                  </a:txBody>
+                  <a:tcPr marL="9525" marR="9525" marT="9525" marB="0" anchor="b">
+                    <a:lnL>
+                      <a:noFill/>
+                    </a:lnL>
+                    <a:lnR>
+                      <a:noFill/>
+                    </a:lnR>
+                    <a:lnT>
+                      <a:noFill/>
+                    </a:lnT>
+                    <a:lnB>
+                      <a:noFill/>
+                    </a:lnB>
+                    <a:solidFill>
+                      <a:srgbClr val="FFFFFF"/>
+                    </a:solidFill>
+                  </a:tcPr>
+                </a:tc>
+                <a:tc>
+                  <a:txBody>
+                    <a:bodyPr/>
+                    <a:lstStyle/>
+                    <a:p>
+                      <a:pPr algn="ctr" fontAlgn="b"/>
+                      <a:r>
+                        <a:rPr lang="es-CL" sz="1100" b="0" i="0" u="none" strike="noStrike">
+                          <a:solidFill>
+                            <a:srgbClr val="434343"/>
+                          </a:solidFill>
+                          <a:effectLst/>
+                          <a:latin typeface="Calibri" panose="020F0502020204030204" pitchFamily="34" charset="0"/>
+                        </a:rPr>
+                        <a:t>6</a:t>
+                      </a:r>
+                    </a:p>
+                  </a:txBody>
+                  <a:tcPr marL="9525" marR="9525" marT="9525" marB="0" anchor="b">
+                    <a:lnL>
+                      <a:noFill/>
+                    </a:lnL>
+                    <a:lnR>
+                      <a:noFill/>
+                    </a:lnR>
+                    <a:lnT>
+                      <a:noFill/>
+                    </a:lnT>
+                    <a:lnB>
+                      <a:noFill/>
+                    </a:lnB>
+                    <a:solidFill>
+                      <a:srgbClr val="FFFFFF"/>
+                    </a:solidFill>
+                  </a:tcPr>
+                </a:tc>
+                <a:tc>
+                  <a:txBody>
+                    <a:bodyPr/>
+                    <a:lstStyle/>
+                    <a:p>
+                      <a:pPr algn="ctr" fontAlgn="b"/>
+                      <a:r>
+                        <a:rPr lang="es-CL" sz="1100" b="0" i="0" u="none" strike="noStrike">
+                          <a:solidFill>
+                            <a:srgbClr val="434343"/>
+                          </a:solidFill>
+                          <a:effectLst/>
+                          <a:latin typeface="Calibri" panose="020F0502020204030204" pitchFamily="34" charset="0"/>
+                        </a:rPr>
+                        <a:t>0%</a:t>
+                      </a:r>
+                    </a:p>
+                  </a:txBody>
+                  <a:tcPr marL="9525" marR="9525" marT="9525" marB="0" anchor="b">
+                    <a:lnL>
+                      <a:noFill/>
+                    </a:lnL>
+                    <a:lnR>
+                      <a:noFill/>
+                    </a:lnR>
+                    <a:lnT>
+                      <a:noFill/>
+                    </a:lnT>
+                    <a:lnB>
+                      <a:noFill/>
+                    </a:lnB>
+                    <a:solidFill>
+                      <a:srgbClr val="FFFFFF"/>
+                    </a:solidFill>
+                  </a:tcPr>
+                </a:tc>
+                <a:extLst>
+                  <a:ext uri="{0D108BD9-81ED-4DB2-BD59-A6C34878D82A}">
+                    <a16:rowId xmlns:a16="http://schemas.microsoft.com/office/drawing/2014/main" val="1807928734"/>
+                  </a:ext>
+                </a:extLst>
+              </a:tr>
+              <a:tr h="172666">
+                <a:tc>
+                  <a:txBody>
+                    <a:bodyPr/>
+                    <a:lstStyle/>
+                    <a:p>
+                      <a:pPr algn="l" fontAlgn="b"/>
+                      <a:r>
+                        <a:rPr lang="es-CL" sz="1000" b="0" i="0" u="none" strike="noStrike">
+                          <a:solidFill>
+                            <a:srgbClr val="000000"/>
+                          </a:solidFill>
+                          <a:effectLst/>
+                          <a:latin typeface="Arial" panose="020B0604020202020204" pitchFamily="34" charset="0"/>
+                        </a:rPr>
+                        <a:t> </a:t>
+                      </a:r>
+                    </a:p>
+                  </a:txBody>
+                  <a:tcPr marL="9525" marR="9525" marT="9525" marB="0" anchor="b">
+                    <a:lnL>
+                      <a:noFill/>
+                    </a:lnL>
+                    <a:lnR>
+                      <a:noFill/>
+                    </a:lnR>
+                    <a:lnT>
+                      <a:noFill/>
+                    </a:lnT>
+                    <a:lnB>
+                      <a:noFill/>
+                    </a:lnB>
+                    <a:solidFill>
+                      <a:srgbClr val="FFFFFF"/>
+                    </a:solidFill>
+                  </a:tcPr>
+                </a:tc>
+                <a:tc>
+                  <a:txBody>
+                    <a:bodyPr/>
+                    <a:lstStyle/>
+                    <a:p>
+                      <a:pPr algn="l" fontAlgn="b"/>
+                      <a:r>
+                        <a:rPr lang="es-ES" sz="1100" b="0" i="0" u="none" strike="noStrike">
+                          <a:solidFill>
+                            <a:srgbClr val="434343"/>
+                          </a:solidFill>
+                          <a:effectLst/>
+                          <a:latin typeface="Calibri" panose="020F0502020204030204" pitchFamily="34" charset="0"/>
+                        </a:rPr>
+                        <a:t>Crear BD para servicio de mensajeria</a:t>
+                      </a:r>
+                    </a:p>
+                  </a:txBody>
+                  <a:tcPr marL="9525" marR="9525" marT="9525" marB="0" anchor="b">
+                    <a:lnL>
+                      <a:noFill/>
+                    </a:lnL>
+                    <a:lnR>
+                      <a:noFill/>
+                    </a:lnR>
+                    <a:lnT>
+                      <a:noFill/>
+                    </a:lnT>
+                    <a:lnB>
+                      <a:noFill/>
+                    </a:lnB>
+                    <a:solidFill>
+                      <a:srgbClr val="FFFFFF"/>
+                    </a:solidFill>
+                  </a:tcPr>
+                </a:tc>
+                <a:tc>
+                  <a:txBody>
+                    <a:bodyPr/>
+                    <a:lstStyle/>
+                    <a:p>
+                      <a:pPr algn="ctr" fontAlgn="b"/>
+                      <a:r>
+                        <a:rPr lang="es-CL" sz="1100" b="0" i="0" u="none" strike="noStrike" dirty="0">
+                          <a:solidFill>
+                            <a:srgbClr val="434343"/>
+                          </a:solidFill>
+                          <a:effectLst/>
+                          <a:latin typeface="Calibri" panose="020F0502020204030204" pitchFamily="34" charset="0"/>
+                        </a:rPr>
+                        <a:t>11/19</a:t>
+                      </a:r>
+                    </a:p>
+                  </a:txBody>
+                  <a:tcPr marL="9525" marR="9525" marT="9525" marB="0" anchor="b">
+                    <a:lnL>
+                      <a:noFill/>
+                    </a:lnL>
+                    <a:lnR>
+                      <a:noFill/>
+                    </a:lnR>
+                    <a:lnT>
+                      <a:noFill/>
+                    </a:lnT>
+                    <a:lnB>
+                      <a:noFill/>
+                    </a:lnB>
+                    <a:solidFill>
+                      <a:srgbClr val="FFFFFF"/>
+                    </a:solidFill>
+                  </a:tcPr>
+                </a:tc>
+                <a:tc>
+                  <a:txBody>
+                    <a:bodyPr/>
+                    <a:lstStyle/>
+                    <a:p>
+                      <a:pPr algn="ctr" fontAlgn="b"/>
+                      <a:r>
+                        <a:rPr lang="es-CL" sz="1100" b="0" i="0" u="none" strike="noStrike">
+                          <a:solidFill>
+                            <a:srgbClr val="434343"/>
+                          </a:solidFill>
+                          <a:effectLst/>
+                          <a:latin typeface="Calibri" panose="020F0502020204030204" pitchFamily="34" charset="0"/>
+                        </a:rPr>
+                        <a:t>11/25</a:t>
+                      </a:r>
+                    </a:p>
+                  </a:txBody>
+                  <a:tcPr marL="9525" marR="9525" marT="9525" marB="0" anchor="b">
+                    <a:lnL>
+                      <a:noFill/>
+                    </a:lnL>
+                    <a:lnR>
+                      <a:noFill/>
+                    </a:lnR>
+                    <a:lnT>
+                      <a:noFill/>
+                    </a:lnT>
+                    <a:lnB>
+                      <a:noFill/>
+                    </a:lnB>
+                    <a:solidFill>
+                      <a:srgbClr val="FFFFFF"/>
+                    </a:solidFill>
+                  </a:tcPr>
+                </a:tc>
+                <a:tc>
+                  <a:txBody>
+                    <a:bodyPr/>
+                    <a:lstStyle/>
+                    <a:p>
+                      <a:pPr algn="ctr" fontAlgn="b"/>
+                      <a:r>
+                        <a:rPr lang="es-CL" sz="1100" b="0" i="0" u="none" strike="noStrike" dirty="0">
+                          <a:solidFill>
+                            <a:srgbClr val="434343"/>
+                          </a:solidFill>
+                          <a:effectLst/>
+                          <a:latin typeface="Calibri" panose="020F0502020204030204" pitchFamily="34" charset="0"/>
+                        </a:rPr>
+                        <a:t>49</a:t>
+                      </a:r>
+                    </a:p>
+                  </a:txBody>
+                  <a:tcPr marL="9525" marR="9525" marT="9525" marB="0" anchor="b">
+                    <a:lnL>
+                      <a:noFill/>
+                    </a:lnL>
+                    <a:lnR>
+                      <a:noFill/>
+                    </a:lnR>
+                    <a:lnT>
+                      <a:noFill/>
+                    </a:lnT>
+                    <a:lnB>
+                      <a:noFill/>
+                    </a:lnB>
+                    <a:solidFill>
+                      <a:srgbClr val="FFFFFF"/>
+                    </a:solidFill>
+                  </a:tcPr>
+                </a:tc>
+                <a:tc>
+                  <a:txBody>
+                    <a:bodyPr/>
+                    <a:lstStyle/>
+                    <a:p>
+                      <a:pPr algn="ctr" fontAlgn="b"/>
+                      <a:r>
+                        <a:rPr lang="es-CL" sz="1100" b="0" i="0" u="none" strike="noStrike">
+                          <a:solidFill>
+                            <a:srgbClr val="434343"/>
+                          </a:solidFill>
+                          <a:effectLst/>
+                          <a:latin typeface="Calibri" panose="020F0502020204030204" pitchFamily="34" charset="0"/>
+                        </a:rPr>
+                        <a:t>6</a:t>
+                      </a:r>
+                    </a:p>
+                  </a:txBody>
+                  <a:tcPr marL="9525" marR="9525" marT="9525" marB="0" anchor="b">
+                    <a:lnL>
+                      <a:noFill/>
+                    </a:lnL>
+                    <a:lnR>
+                      <a:noFill/>
+                    </a:lnR>
+                    <a:lnT>
+                      <a:noFill/>
+                    </a:lnT>
+                    <a:lnB>
+                      <a:noFill/>
+                    </a:lnB>
+                    <a:solidFill>
+                      <a:srgbClr val="FFFFFF"/>
+                    </a:solidFill>
+                  </a:tcPr>
+                </a:tc>
+                <a:tc>
+                  <a:txBody>
+                    <a:bodyPr/>
+                    <a:lstStyle/>
+                    <a:p>
+                      <a:pPr algn="ctr" fontAlgn="b"/>
+                      <a:r>
+                        <a:rPr lang="es-CL" sz="1100" b="0" i="0" u="none" strike="noStrike" dirty="0">
+                          <a:solidFill>
+                            <a:srgbClr val="434343"/>
+                          </a:solidFill>
+                          <a:effectLst/>
+                          <a:latin typeface="Calibri" panose="020F0502020204030204" pitchFamily="34" charset="0"/>
+                        </a:rPr>
+                        <a:t>0%</a:t>
+                      </a:r>
+                    </a:p>
+                  </a:txBody>
+                  <a:tcPr marL="9525" marR="9525" marT="9525" marB="0" anchor="b">
+                    <a:lnL>
+                      <a:noFill/>
+                    </a:lnL>
+                    <a:lnR>
+                      <a:noFill/>
+                    </a:lnR>
+                    <a:lnT>
+                      <a:noFill/>
+                    </a:lnT>
+                    <a:lnB>
+                      <a:noFill/>
+                    </a:lnB>
+                    <a:solidFill>
+                      <a:srgbClr val="FFFFFF"/>
+                    </a:solidFill>
+                  </a:tcPr>
+                </a:tc>
+                <a:extLst>
+                  <a:ext uri="{0D108BD9-81ED-4DB2-BD59-A6C34878D82A}">
+                    <a16:rowId xmlns:a16="http://schemas.microsoft.com/office/drawing/2014/main" val="2443079425"/>
+                  </a:ext>
+                </a:extLst>
+              </a:tr>
+              <a:tr h="183283">
+                <a:tc gridSpan="2">
+                  <a:txBody>
+                    <a:bodyPr/>
+                    <a:lstStyle/>
+                    <a:p>
+                      <a:pPr algn="l" fontAlgn="b"/>
+                      <a:r>
+                        <a:rPr lang="es-CL" sz="1200" b="1" i="0" u="none" strike="noStrike">
+                          <a:solidFill>
+                            <a:srgbClr val="000000"/>
+                          </a:solidFill>
+                          <a:effectLst/>
+                          <a:latin typeface="Calibri" panose="020F0502020204030204" pitchFamily="34" charset="0"/>
+                        </a:rPr>
+                        <a:t>Tercer Mes</a:t>
+                      </a:r>
+                    </a:p>
+                  </a:txBody>
+                  <a:tcPr marL="9525" marR="9525" marT="9525" marB="0" anchor="b">
+                    <a:lnL>
+                      <a:noFill/>
+                    </a:lnL>
+                    <a:lnR>
+                      <a:noFill/>
+                    </a:lnR>
+                    <a:lnT>
+                      <a:noFill/>
+                    </a:lnT>
+                    <a:lnB>
+                      <a:noFill/>
+                    </a:lnB>
+                    <a:solidFill>
+                      <a:srgbClr val="BFBFBF"/>
+                    </a:solidFill>
+                  </a:tcPr>
+                </a:tc>
+                <a:tc hMerge="1">
+                  <a:txBody>
+                    <a:bodyPr/>
+                    <a:lstStyle/>
+                    <a:p>
+                      <a:endParaRPr lang="es-CL"/>
+                    </a:p>
+                  </a:txBody>
+                  <a:tcPr/>
+                </a:tc>
+                <a:tc>
+                  <a:txBody>
+                    <a:bodyPr/>
+                    <a:lstStyle/>
+                    <a:p>
+                      <a:pPr algn="ctr" fontAlgn="b"/>
+                      <a:r>
+                        <a:rPr lang="es-CL" sz="1000" b="0" i="0" u="none" strike="noStrike">
+                          <a:solidFill>
+                            <a:srgbClr val="000000"/>
+                          </a:solidFill>
+                          <a:effectLst/>
+                          <a:latin typeface="Calibri" panose="020F0502020204030204" pitchFamily="34" charset="0"/>
+                        </a:rPr>
+                        <a:t> </a:t>
+                      </a:r>
+                    </a:p>
+                  </a:txBody>
+                  <a:tcPr marL="9525" marR="9525" marT="9525" marB="0" anchor="b">
+                    <a:lnL>
+                      <a:noFill/>
+                    </a:lnL>
+                    <a:lnR>
+                      <a:noFill/>
+                    </a:lnR>
+                    <a:lnT>
+                      <a:noFill/>
+                    </a:lnT>
+                    <a:lnB>
+                      <a:noFill/>
+                    </a:lnB>
+                    <a:solidFill>
+                      <a:srgbClr val="BFBFBF"/>
+                    </a:solidFill>
+                  </a:tcPr>
+                </a:tc>
+                <a:tc>
+                  <a:txBody>
+                    <a:bodyPr/>
+                    <a:lstStyle/>
+                    <a:p>
+                      <a:pPr algn="ctr" fontAlgn="b"/>
+                      <a:r>
+                        <a:rPr lang="es-CL" sz="1000" b="0" i="0" u="none" strike="noStrike">
+                          <a:solidFill>
+                            <a:srgbClr val="000000"/>
+                          </a:solidFill>
+                          <a:effectLst/>
+                          <a:latin typeface="Calibri" panose="020F0502020204030204" pitchFamily="34" charset="0"/>
+                        </a:rPr>
+                        <a:t> </a:t>
+                      </a:r>
+                    </a:p>
+                  </a:txBody>
+                  <a:tcPr marL="9525" marR="9525" marT="9525" marB="0" anchor="b">
+                    <a:lnL>
+                      <a:noFill/>
+                    </a:lnL>
+                    <a:lnR>
+                      <a:noFill/>
+                    </a:lnR>
+                    <a:lnT>
+                      <a:noFill/>
+                    </a:lnT>
+                    <a:lnB>
+                      <a:noFill/>
+                    </a:lnB>
+                    <a:solidFill>
+                      <a:srgbClr val="BFBFBF"/>
+                    </a:solidFill>
+                  </a:tcPr>
+                </a:tc>
+                <a:tc>
+                  <a:txBody>
+                    <a:bodyPr/>
+                    <a:lstStyle/>
+                    <a:p>
+                      <a:pPr algn="ctr" fontAlgn="b"/>
+                      <a:r>
+                        <a:rPr lang="es-CL" sz="1000" b="0" i="0" u="none" strike="noStrike">
+                          <a:solidFill>
+                            <a:srgbClr val="000000"/>
+                          </a:solidFill>
+                          <a:effectLst/>
+                          <a:latin typeface="Calibri" panose="020F0502020204030204" pitchFamily="34" charset="0"/>
+                        </a:rPr>
+                        <a:t> </a:t>
+                      </a:r>
+                    </a:p>
+                  </a:txBody>
+                  <a:tcPr marL="9525" marR="9525" marT="9525" marB="0" anchor="b">
+                    <a:lnL>
+                      <a:noFill/>
+                    </a:lnL>
+                    <a:lnR>
+                      <a:noFill/>
+                    </a:lnR>
+                    <a:lnT>
+                      <a:noFill/>
+                    </a:lnT>
+                    <a:lnB>
+                      <a:noFill/>
+                    </a:lnB>
+                    <a:solidFill>
+                      <a:srgbClr val="BFBFBF"/>
+                    </a:solidFill>
+                  </a:tcPr>
+                </a:tc>
+                <a:tc>
+                  <a:txBody>
+                    <a:bodyPr/>
+                    <a:lstStyle/>
+                    <a:p>
+                      <a:pPr algn="ctr" fontAlgn="b"/>
+                      <a:r>
+                        <a:rPr lang="es-CL" sz="1000" b="0" i="0" u="none" strike="noStrike">
+                          <a:solidFill>
+                            <a:srgbClr val="000000"/>
+                          </a:solidFill>
+                          <a:effectLst/>
+                          <a:latin typeface="Calibri" panose="020F0502020204030204" pitchFamily="34" charset="0"/>
+                        </a:rPr>
+                        <a:t> </a:t>
+                      </a:r>
+                    </a:p>
+                  </a:txBody>
+                  <a:tcPr marL="9525" marR="9525" marT="9525" marB="0" anchor="b">
+                    <a:lnL>
+                      <a:noFill/>
+                    </a:lnL>
+                    <a:lnR>
+                      <a:noFill/>
+                    </a:lnR>
+                    <a:lnT>
+                      <a:noFill/>
+                    </a:lnT>
+                    <a:lnB>
+                      <a:noFill/>
+                    </a:lnB>
+                    <a:solidFill>
+                      <a:srgbClr val="BFBFBF"/>
+                    </a:solidFill>
+                  </a:tcPr>
+                </a:tc>
+                <a:tc>
+                  <a:txBody>
+                    <a:bodyPr/>
+                    <a:lstStyle/>
+                    <a:p>
+                      <a:pPr algn="ctr" fontAlgn="b"/>
+                      <a:r>
+                        <a:rPr lang="es-CL" sz="1000" b="0" i="0" u="none" strike="noStrike">
+                          <a:solidFill>
+                            <a:srgbClr val="000000"/>
+                          </a:solidFill>
+                          <a:effectLst/>
+                          <a:latin typeface="Calibri" panose="020F0502020204030204" pitchFamily="34" charset="0"/>
+                        </a:rPr>
+                        <a:t> </a:t>
+                      </a:r>
+                    </a:p>
+                  </a:txBody>
+                  <a:tcPr marL="9525" marR="9525" marT="9525" marB="0" anchor="b">
+                    <a:lnL>
+                      <a:noFill/>
+                    </a:lnL>
+                    <a:lnR>
+                      <a:noFill/>
+                    </a:lnR>
+                    <a:lnT>
+                      <a:noFill/>
+                    </a:lnT>
+                    <a:lnB>
+                      <a:noFill/>
+                    </a:lnB>
+                    <a:solidFill>
+                      <a:srgbClr val="BFBFBF"/>
+                    </a:solidFill>
+                  </a:tcPr>
+                </a:tc>
+                <a:extLst>
+                  <a:ext uri="{0D108BD9-81ED-4DB2-BD59-A6C34878D82A}">
+                    <a16:rowId xmlns:a16="http://schemas.microsoft.com/office/drawing/2014/main" val="1833920816"/>
+                  </a:ext>
+                </a:extLst>
+              </a:tr>
+              <a:tr h="172666">
+                <a:tc>
+                  <a:txBody>
+                    <a:bodyPr/>
+                    <a:lstStyle/>
+                    <a:p>
+                      <a:pPr algn="l" fontAlgn="b"/>
+                      <a:r>
+                        <a:rPr lang="es-CL" sz="1000" b="0" i="0" u="none" strike="noStrike">
+                          <a:solidFill>
+                            <a:srgbClr val="000000"/>
+                          </a:solidFill>
+                          <a:effectLst/>
+                          <a:latin typeface="Arial" panose="020B0604020202020204" pitchFamily="34" charset="0"/>
+                        </a:rPr>
+                        <a:t> </a:t>
+                      </a:r>
+                    </a:p>
+                  </a:txBody>
+                  <a:tcPr marL="9525" marR="9525" marT="9525" marB="0" anchor="b">
+                    <a:lnL>
+                      <a:noFill/>
+                    </a:lnL>
+                    <a:lnR>
+                      <a:noFill/>
+                    </a:lnR>
+                    <a:lnT>
+                      <a:noFill/>
+                    </a:lnT>
+                    <a:lnB>
+                      <a:noFill/>
+                    </a:lnB>
+                    <a:solidFill>
+                      <a:srgbClr val="FFFFFF"/>
+                    </a:solidFill>
+                  </a:tcPr>
+                </a:tc>
+                <a:tc>
+                  <a:txBody>
+                    <a:bodyPr/>
+                    <a:lstStyle/>
+                    <a:p>
+                      <a:pPr algn="l" fontAlgn="b"/>
+                      <a:r>
+                        <a:rPr lang="es-CL" sz="1100" b="0" i="0" u="none" strike="noStrike">
+                          <a:solidFill>
+                            <a:srgbClr val="434343"/>
+                          </a:solidFill>
+                          <a:effectLst/>
+                          <a:latin typeface="Calibri" panose="020F0502020204030204" pitchFamily="34" charset="0"/>
+                        </a:rPr>
+                        <a:t>Implementar servicio de mensajeria</a:t>
+                      </a:r>
+                    </a:p>
+                  </a:txBody>
+                  <a:tcPr marL="9525" marR="9525" marT="9525" marB="0" anchor="b">
+                    <a:lnL>
+                      <a:noFill/>
+                    </a:lnL>
+                    <a:lnR>
+                      <a:noFill/>
+                    </a:lnR>
+                    <a:lnT>
+                      <a:noFill/>
+                    </a:lnT>
+                    <a:lnB>
+                      <a:noFill/>
+                    </a:lnB>
+                    <a:solidFill>
+                      <a:srgbClr val="FFFFFF"/>
+                    </a:solidFill>
+                  </a:tcPr>
+                </a:tc>
+                <a:tc>
+                  <a:txBody>
+                    <a:bodyPr/>
+                    <a:lstStyle/>
+                    <a:p>
+                      <a:pPr algn="ctr" fontAlgn="b"/>
+                      <a:r>
+                        <a:rPr lang="es-CL" sz="1100" b="0" i="0" u="none" strike="noStrike">
+                          <a:solidFill>
+                            <a:srgbClr val="434343"/>
+                          </a:solidFill>
+                          <a:effectLst/>
+                          <a:latin typeface="Calibri" panose="020F0502020204030204" pitchFamily="34" charset="0"/>
+                        </a:rPr>
+                        <a:t>11/26</a:t>
+                      </a:r>
+                    </a:p>
+                  </a:txBody>
+                  <a:tcPr marL="9525" marR="9525" marT="9525" marB="0" anchor="b">
+                    <a:lnL>
+                      <a:noFill/>
+                    </a:lnL>
+                    <a:lnR>
+                      <a:noFill/>
+                    </a:lnR>
+                    <a:lnT>
+                      <a:noFill/>
+                    </a:lnT>
+                    <a:lnB>
+                      <a:noFill/>
+                    </a:lnB>
+                    <a:solidFill>
+                      <a:srgbClr val="FFFFFF"/>
+                    </a:solidFill>
+                  </a:tcPr>
+                </a:tc>
+                <a:tc>
+                  <a:txBody>
+                    <a:bodyPr/>
+                    <a:lstStyle/>
+                    <a:p>
+                      <a:pPr algn="ctr" fontAlgn="b"/>
+                      <a:r>
+                        <a:rPr lang="es-CL" sz="1100" b="0" i="0" u="none" strike="noStrike">
+                          <a:solidFill>
+                            <a:srgbClr val="434343"/>
+                          </a:solidFill>
+                          <a:effectLst/>
+                          <a:latin typeface="Calibri" panose="020F0502020204030204" pitchFamily="34" charset="0"/>
+                        </a:rPr>
+                        <a:t>12/2</a:t>
+                      </a:r>
+                    </a:p>
+                  </a:txBody>
+                  <a:tcPr marL="9525" marR="9525" marT="9525" marB="0" anchor="b">
+                    <a:lnL>
+                      <a:noFill/>
+                    </a:lnL>
+                    <a:lnR>
+                      <a:noFill/>
+                    </a:lnR>
+                    <a:lnT>
+                      <a:noFill/>
+                    </a:lnT>
+                    <a:lnB>
+                      <a:noFill/>
+                    </a:lnB>
+                    <a:solidFill>
+                      <a:srgbClr val="FFFFFF"/>
+                    </a:solidFill>
+                  </a:tcPr>
+                </a:tc>
+                <a:tc>
+                  <a:txBody>
+                    <a:bodyPr/>
+                    <a:lstStyle/>
+                    <a:p>
+                      <a:pPr algn="ctr" fontAlgn="b"/>
+                      <a:r>
+                        <a:rPr lang="es-CL" sz="1100" b="0" i="0" u="none" strike="noStrike">
+                          <a:solidFill>
+                            <a:srgbClr val="434343"/>
+                          </a:solidFill>
+                          <a:effectLst/>
+                          <a:latin typeface="Calibri" panose="020F0502020204030204" pitchFamily="34" charset="0"/>
+                        </a:rPr>
+                        <a:t>56</a:t>
+                      </a:r>
+                    </a:p>
+                  </a:txBody>
+                  <a:tcPr marL="9525" marR="9525" marT="9525" marB="0" anchor="b">
+                    <a:lnL>
+                      <a:noFill/>
+                    </a:lnL>
+                    <a:lnR>
+                      <a:noFill/>
+                    </a:lnR>
+                    <a:lnT>
+                      <a:noFill/>
+                    </a:lnT>
+                    <a:lnB>
+                      <a:noFill/>
+                    </a:lnB>
+                    <a:solidFill>
+                      <a:srgbClr val="FFFFFF"/>
+                    </a:solidFill>
+                  </a:tcPr>
+                </a:tc>
+                <a:tc>
+                  <a:txBody>
+                    <a:bodyPr/>
+                    <a:lstStyle/>
+                    <a:p>
+                      <a:pPr algn="ctr" fontAlgn="b"/>
+                      <a:r>
+                        <a:rPr lang="es-CL" sz="1100" b="0" i="0" u="none" strike="noStrike">
+                          <a:solidFill>
+                            <a:srgbClr val="434343"/>
+                          </a:solidFill>
+                          <a:effectLst/>
+                          <a:latin typeface="Calibri" panose="020F0502020204030204" pitchFamily="34" charset="0"/>
+                        </a:rPr>
+                        <a:t>6</a:t>
+                      </a:r>
+                    </a:p>
+                  </a:txBody>
+                  <a:tcPr marL="9525" marR="9525" marT="9525" marB="0" anchor="b">
+                    <a:lnL>
+                      <a:noFill/>
+                    </a:lnL>
+                    <a:lnR>
+                      <a:noFill/>
+                    </a:lnR>
+                    <a:lnT>
+                      <a:noFill/>
+                    </a:lnT>
+                    <a:lnB>
+                      <a:noFill/>
+                    </a:lnB>
+                    <a:solidFill>
+                      <a:srgbClr val="FFFFFF"/>
+                    </a:solidFill>
+                  </a:tcPr>
+                </a:tc>
+                <a:tc>
+                  <a:txBody>
+                    <a:bodyPr/>
+                    <a:lstStyle/>
+                    <a:p>
+                      <a:pPr algn="ctr" fontAlgn="b"/>
+                      <a:r>
+                        <a:rPr lang="es-CL" sz="1100" b="0" i="0" u="none" strike="noStrike">
+                          <a:solidFill>
+                            <a:srgbClr val="434343"/>
+                          </a:solidFill>
+                          <a:effectLst/>
+                          <a:latin typeface="Calibri" panose="020F0502020204030204" pitchFamily="34" charset="0"/>
+                        </a:rPr>
+                        <a:t>0%</a:t>
+                      </a:r>
+                    </a:p>
+                  </a:txBody>
+                  <a:tcPr marL="9525" marR="9525" marT="9525" marB="0" anchor="b">
+                    <a:lnL>
+                      <a:noFill/>
+                    </a:lnL>
+                    <a:lnR>
+                      <a:noFill/>
+                    </a:lnR>
+                    <a:lnT>
+                      <a:noFill/>
+                    </a:lnT>
+                    <a:lnB>
+                      <a:noFill/>
+                    </a:lnB>
+                    <a:solidFill>
+                      <a:srgbClr val="FFFFFF"/>
+                    </a:solidFill>
+                  </a:tcPr>
+                </a:tc>
+                <a:extLst>
+                  <a:ext uri="{0D108BD9-81ED-4DB2-BD59-A6C34878D82A}">
+                    <a16:rowId xmlns:a16="http://schemas.microsoft.com/office/drawing/2014/main" val="511290723"/>
+                  </a:ext>
+                </a:extLst>
+              </a:tr>
+              <a:tr h="172666">
+                <a:tc>
+                  <a:txBody>
+                    <a:bodyPr/>
+                    <a:lstStyle/>
+                    <a:p>
+                      <a:pPr algn="l" fontAlgn="b"/>
+                      <a:r>
+                        <a:rPr lang="es-CL" sz="1000" b="0" i="0" u="none" strike="noStrike">
+                          <a:solidFill>
+                            <a:srgbClr val="000000"/>
+                          </a:solidFill>
+                          <a:effectLst/>
+                          <a:latin typeface="Arial" panose="020B0604020202020204" pitchFamily="34" charset="0"/>
+                        </a:rPr>
+                        <a:t> </a:t>
+                      </a:r>
+                    </a:p>
+                  </a:txBody>
+                  <a:tcPr marL="9525" marR="9525" marT="9525" marB="0" anchor="b">
+                    <a:lnL>
+                      <a:noFill/>
+                    </a:lnL>
+                    <a:lnR>
+                      <a:noFill/>
+                    </a:lnR>
+                    <a:lnT>
+                      <a:noFill/>
+                    </a:lnT>
+                    <a:lnB>
+                      <a:noFill/>
+                    </a:lnB>
+                    <a:solidFill>
+                      <a:srgbClr val="FFFFFF"/>
+                    </a:solidFill>
+                  </a:tcPr>
+                </a:tc>
+                <a:tc>
+                  <a:txBody>
+                    <a:bodyPr/>
+                    <a:lstStyle/>
+                    <a:p>
+                      <a:pPr algn="l" fontAlgn="b"/>
+                      <a:r>
+                        <a:rPr lang="es-ES" sz="1100" b="0" i="0" u="none" strike="noStrike" dirty="0">
+                          <a:solidFill>
+                            <a:srgbClr val="434343"/>
+                          </a:solidFill>
+                          <a:effectLst/>
+                          <a:latin typeface="Calibri" panose="020F0502020204030204" pitchFamily="34" charset="0"/>
+                        </a:rPr>
+                        <a:t>Función de filtrado y selección de contactos</a:t>
+                      </a:r>
+                    </a:p>
+                  </a:txBody>
+                  <a:tcPr marL="9525" marR="9525" marT="9525" marB="0" anchor="b">
+                    <a:lnL>
+                      <a:noFill/>
+                    </a:lnL>
+                    <a:lnR>
+                      <a:noFill/>
+                    </a:lnR>
+                    <a:lnT>
+                      <a:noFill/>
+                    </a:lnT>
+                    <a:lnB>
+                      <a:noFill/>
+                    </a:lnB>
+                    <a:solidFill>
+                      <a:srgbClr val="FFFFFF"/>
+                    </a:solidFill>
+                  </a:tcPr>
+                </a:tc>
+                <a:tc>
+                  <a:txBody>
+                    <a:bodyPr/>
+                    <a:lstStyle/>
+                    <a:p>
+                      <a:pPr algn="ctr" fontAlgn="b"/>
+                      <a:r>
+                        <a:rPr lang="es-CL" sz="1100" b="0" i="0" u="none" strike="noStrike">
+                          <a:solidFill>
+                            <a:srgbClr val="434343"/>
+                          </a:solidFill>
+                          <a:effectLst/>
+                          <a:latin typeface="Calibri" panose="020F0502020204030204" pitchFamily="34" charset="0"/>
+                        </a:rPr>
+                        <a:t>12/3</a:t>
+                      </a:r>
+                    </a:p>
+                  </a:txBody>
+                  <a:tcPr marL="9525" marR="9525" marT="9525" marB="0" anchor="b">
+                    <a:lnL>
+                      <a:noFill/>
+                    </a:lnL>
+                    <a:lnR>
+                      <a:noFill/>
+                    </a:lnR>
+                    <a:lnT>
+                      <a:noFill/>
+                    </a:lnT>
+                    <a:lnB>
+                      <a:noFill/>
+                    </a:lnB>
+                    <a:solidFill>
+                      <a:srgbClr val="FFFFFF"/>
+                    </a:solidFill>
+                  </a:tcPr>
+                </a:tc>
+                <a:tc>
+                  <a:txBody>
+                    <a:bodyPr/>
+                    <a:lstStyle/>
+                    <a:p>
+                      <a:pPr algn="ctr" fontAlgn="b"/>
+                      <a:r>
+                        <a:rPr lang="es-CL" sz="1100" b="0" i="0" u="none" strike="noStrike">
+                          <a:solidFill>
+                            <a:srgbClr val="434343"/>
+                          </a:solidFill>
+                          <a:effectLst/>
+                          <a:latin typeface="Calibri" panose="020F0502020204030204" pitchFamily="34" charset="0"/>
+                        </a:rPr>
+                        <a:t>12/9</a:t>
+                      </a:r>
+                    </a:p>
+                  </a:txBody>
+                  <a:tcPr marL="9525" marR="9525" marT="9525" marB="0" anchor="b">
+                    <a:lnL>
+                      <a:noFill/>
+                    </a:lnL>
+                    <a:lnR>
+                      <a:noFill/>
+                    </a:lnR>
+                    <a:lnT>
+                      <a:noFill/>
+                    </a:lnT>
+                    <a:lnB>
+                      <a:noFill/>
+                    </a:lnB>
+                    <a:solidFill>
+                      <a:srgbClr val="FFFFFF"/>
+                    </a:solidFill>
+                  </a:tcPr>
+                </a:tc>
+                <a:tc>
+                  <a:txBody>
+                    <a:bodyPr/>
+                    <a:lstStyle/>
+                    <a:p>
+                      <a:pPr algn="ctr" fontAlgn="b"/>
+                      <a:r>
+                        <a:rPr lang="es-CL" sz="1100" b="0" i="0" u="none" strike="noStrike">
+                          <a:solidFill>
+                            <a:srgbClr val="434343"/>
+                          </a:solidFill>
+                          <a:effectLst/>
+                          <a:latin typeface="Calibri" panose="020F0502020204030204" pitchFamily="34" charset="0"/>
+                        </a:rPr>
+                        <a:t>63</a:t>
+                      </a:r>
+                    </a:p>
+                  </a:txBody>
+                  <a:tcPr marL="9525" marR="9525" marT="9525" marB="0" anchor="b">
+                    <a:lnL>
+                      <a:noFill/>
+                    </a:lnL>
+                    <a:lnR>
+                      <a:noFill/>
+                    </a:lnR>
+                    <a:lnT>
+                      <a:noFill/>
+                    </a:lnT>
+                    <a:lnB>
+                      <a:noFill/>
+                    </a:lnB>
+                    <a:solidFill>
+                      <a:srgbClr val="FFFFFF"/>
+                    </a:solidFill>
+                  </a:tcPr>
+                </a:tc>
+                <a:tc>
+                  <a:txBody>
+                    <a:bodyPr/>
+                    <a:lstStyle/>
+                    <a:p>
+                      <a:pPr algn="ctr" fontAlgn="b"/>
+                      <a:r>
+                        <a:rPr lang="es-CL" sz="1100" b="0" i="0" u="none" strike="noStrike">
+                          <a:solidFill>
+                            <a:srgbClr val="434343"/>
+                          </a:solidFill>
+                          <a:effectLst/>
+                          <a:latin typeface="Calibri" panose="020F0502020204030204" pitchFamily="34" charset="0"/>
+                        </a:rPr>
+                        <a:t>6</a:t>
+                      </a:r>
+                    </a:p>
+                  </a:txBody>
+                  <a:tcPr marL="9525" marR="9525" marT="9525" marB="0" anchor="b">
+                    <a:lnL>
+                      <a:noFill/>
+                    </a:lnL>
+                    <a:lnR>
+                      <a:noFill/>
+                    </a:lnR>
+                    <a:lnT>
+                      <a:noFill/>
+                    </a:lnT>
+                    <a:lnB>
+                      <a:noFill/>
+                    </a:lnB>
+                    <a:solidFill>
+                      <a:srgbClr val="FFFFFF"/>
+                    </a:solidFill>
+                  </a:tcPr>
+                </a:tc>
+                <a:tc>
+                  <a:txBody>
+                    <a:bodyPr/>
+                    <a:lstStyle/>
+                    <a:p>
+                      <a:pPr algn="ctr" fontAlgn="b"/>
+                      <a:r>
+                        <a:rPr lang="es-CL" sz="1100" b="0" i="0" u="none" strike="noStrike">
+                          <a:solidFill>
+                            <a:srgbClr val="434343"/>
+                          </a:solidFill>
+                          <a:effectLst/>
+                          <a:latin typeface="Calibri" panose="020F0502020204030204" pitchFamily="34" charset="0"/>
+                        </a:rPr>
+                        <a:t>0%</a:t>
+                      </a:r>
+                    </a:p>
+                  </a:txBody>
+                  <a:tcPr marL="9525" marR="9525" marT="9525" marB="0" anchor="b">
+                    <a:lnL>
+                      <a:noFill/>
+                    </a:lnL>
+                    <a:lnR>
+                      <a:noFill/>
+                    </a:lnR>
+                    <a:lnT>
+                      <a:noFill/>
+                    </a:lnT>
+                    <a:lnB>
+                      <a:noFill/>
+                    </a:lnB>
+                    <a:solidFill>
+                      <a:srgbClr val="FFFFFF"/>
+                    </a:solidFill>
+                  </a:tcPr>
+                </a:tc>
+                <a:extLst>
+                  <a:ext uri="{0D108BD9-81ED-4DB2-BD59-A6C34878D82A}">
+                    <a16:rowId xmlns:a16="http://schemas.microsoft.com/office/drawing/2014/main" val="2070348987"/>
+                  </a:ext>
+                </a:extLst>
+              </a:tr>
+              <a:tr h="172666">
+                <a:tc>
+                  <a:txBody>
+                    <a:bodyPr/>
+                    <a:lstStyle/>
+                    <a:p>
+                      <a:pPr algn="l" fontAlgn="b"/>
+                      <a:r>
+                        <a:rPr lang="es-CL" sz="1000" b="0" i="0" u="none" strike="noStrike">
+                          <a:solidFill>
+                            <a:srgbClr val="000000"/>
+                          </a:solidFill>
+                          <a:effectLst/>
+                          <a:latin typeface="Arial" panose="020B0604020202020204" pitchFamily="34" charset="0"/>
+                        </a:rPr>
+                        <a:t> </a:t>
+                      </a:r>
+                    </a:p>
+                  </a:txBody>
+                  <a:tcPr marL="9525" marR="9525" marT="9525" marB="0" anchor="b">
+                    <a:lnL>
+                      <a:noFill/>
+                    </a:lnL>
+                    <a:lnR>
+                      <a:noFill/>
+                    </a:lnR>
+                    <a:lnT>
+                      <a:noFill/>
+                    </a:lnT>
+                    <a:lnB>
+                      <a:noFill/>
+                    </a:lnB>
+                    <a:solidFill>
+                      <a:srgbClr val="FFFFFF"/>
+                    </a:solidFill>
+                  </a:tcPr>
+                </a:tc>
+                <a:tc>
+                  <a:txBody>
+                    <a:bodyPr/>
+                    <a:lstStyle/>
+                    <a:p>
+                      <a:pPr algn="l" fontAlgn="b"/>
+                      <a:r>
+                        <a:rPr lang="es-CL" sz="1100" b="0" i="0" u="none" strike="noStrike">
+                          <a:solidFill>
+                            <a:srgbClr val="434343"/>
+                          </a:solidFill>
+                          <a:effectLst/>
+                          <a:latin typeface="Calibri" panose="020F0502020204030204" pitchFamily="34" charset="0"/>
+                        </a:rPr>
+                        <a:t>Verificacion/Validacion Gral</a:t>
+                      </a:r>
+                    </a:p>
+                  </a:txBody>
+                  <a:tcPr marL="9525" marR="9525" marT="9525" marB="0" anchor="b">
+                    <a:lnL>
+                      <a:noFill/>
+                    </a:lnL>
+                    <a:lnR>
+                      <a:noFill/>
+                    </a:lnR>
+                    <a:lnT>
+                      <a:noFill/>
+                    </a:lnT>
+                    <a:lnB>
+                      <a:noFill/>
+                    </a:lnB>
+                    <a:solidFill>
+                      <a:srgbClr val="FFFFFF"/>
+                    </a:solidFill>
+                  </a:tcPr>
+                </a:tc>
+                <a:tc>
+                  <a:txBody>
+                    <a:bodyPr/>
+                    <a:lstStyle/>
+                    <a:p>
+                      <a:pPr algn="ctr" fontAlgn="b"/>
+                      <a:r>
+                        <a:rPr lang="es-CL" sz="1100" b="0" i="0" u="none" strike="noStrike">
+                          <a:solidFill>
+                            <a:srgbClr val="434343"/>
+                          </a:solidFill>
+                          <a:effectLst/>
+                          <a:latin typeface="Calibri" panose="020F0502020204030204" pitchFamily="34" charset="0"/>
+                        </a:rPr>
+                        <a:t>12/10</a:t>
+                      </a:r>
+                    </a:p>
+                  </a:txBody>
+                  <a:tcPr marL="9525" marR="9525" marT="9525" marB="0" anchor="b">
+                    <a:lnL>
+                      <a:noFill/>
+                    </a:lnL>
+                    <a:lnR>
+                      <a:noFill/>
+                    </a:lnR>
+                    <a:lnT>
+                      <a:noFill/>
+                    </a:lnT>
+                    <a:lnB>
+                      <a:noFill/>
+                    </a:lnB>
+                    <a:solidFill>
+                      <a:srgbClr val="FFFFFF"/>
+                    </a:solidFill>
+                  </a:tcPr>
+                </a:tc>
+                <a:tc>
+                  <a:txBody>
+                    <a:bodyPr/>
+                    <a:lstStyle/>
+                    <a:p>
+                      <a:pPr algn="ctr" fontAlgn="b"/>
+                      <a:r>
+                        <a:rPr lang="es-CL" sz="1100" b="0" i="0" u="none" strike="noStrike">
+                          <a:solidFill>
+                            <a:srgbClr val="434343"/>
+                          </a:solidFill>
+                          <a:effectLst/>
+                          <a:latin typeface="Calibri" panose="020F0502020204030204" pitchFamily="34" charset="0"/>
+                        </a:rPr>
+                        <a:t>12/16</a:t>
+                      </a:r>
+                    </a:p>
+                  </a:txBody>
+                  <a:tcPr marL="9525" marR="9525" marT="9525" marB="0" anchor="b">
+                    <a:lnL>
+                      <a:noFill/>
+                    </a:lnL>
+                    <a:lnR>
+                      <a:noFill/>
+                    </a:lnR>
+                    <a:lnT>
+                      <a:noFill/>
+                    </a:lnT>
+                    <a:lnB>
+                      <a:noFill/>
+                    </a:lnB>
+                    <a:solidFill>
+                      <a:srgbClr val="FFFFFF"/>
+                    </a:solidFill>
+                  </a:tcPr>
+                </a:tc>
+                <a:tc>
+                  <a:txBody>
+                    <a:bodyPr/>
+                    <a:lstStyle/>
+                    <a:p>
+                      <a:pPr algn="ctr" fontAlgn="b"/>
+                      <a:r>
+                        <a:rPr lang="es-CL" sz="1100" b="0" i="0" u="none" strike="noStrike">
+                          <a:solidFill>
+                            <a:srgbClr val="434343"/>
+                          </a:solidFill>
+                          <a:effectLst/>
+                          <a:latin typeface="Calibri" panose="020F0502020204030204" pitchFamily="34" charset="0"/>
+                        </a:rPr>
+                        <a:t>70</a:t>
+                      </a:r>
+                    </a:p>
+                  </a:txBody>
+                  <a:tcPr marL="9525" marR="9525" marT="9525" marB="0" anchor="b">
+                    <a:lnL>
+                      <a:noFill/>
+                    </a:lnL>
+                    <a:lnR>
+                      <a:noFill/>
+                    </a:lnR>
+                    <a:lnT>
+                      <a:noFill/>
+                    </a:lnT>
+                    <a:lnB>
+                      <a:noFill/>
+                    </a:lnB>
+                    <a:solidFill>
+                      <a:srgbClr val="FFFFFF"/>
+                    </a:solidFill>
+                  </a:tcPr>
+                </a:tc>
+                <a:tc>
+                  <a:txBody>
+                    <a:bodyPr/>
+                    <a:lstStyle/>
+                    <a:p>
+                      <a:pPr algn="ctr" fontAlgn="b"/>
+                      <a:r>
+                        <a:rPr lang="es-CL" sz="1100" b="0" i="0" u="none" strike="noStrike">
+                          <a:solidFill>
+                            <a:srgbClr val="434343"/>
+                          </a:solidFill>
+                          <a:effectLst/>
+                          <a:latin typeface="Calibri" panose="020F0502020204030204" pitchFamily="34" charset="0"/>
+                        </a:rPr>
+                        <a:t>6</a:t>
+                      </a:r>
+                    </a:p>
+                  </a:txBody>
+                  <a:tcPr marL="9525" marR="9525" marT="9525" marB="0" anchor="b">
+                    <a:lnL>
+                      <a:noFill/>
+                    </a:lnL>
+                    <a:lnR>
+                      <a:noFill/>
+                    </a:lnR>
+                    <a:lnT>
+                      <a:noFill/>
+                    </a:lnT>
+                    <a:lnB>
+                      <a:noFill/>
+                    </a:lnB>
+                    <a:solidFill>
+                      <a:srgbClr val="FFFFFF"/>
+                    </a:solidFill>
+                  </a:tcPr>
+                </a:tc>
+                <a:tc>
+                  <a:txBody>
+                    <a:bodyPr/>
+                    <a:lstStyle/>
+                    <a:p>
+                      <a:pPr algn="ctr" fontAlgn="b"/>
+                      <a:r>
+                        <a:rPr lang="es-CL" sz="1100" b="0" i="0" u="none" strike="noStrike">
+                          <a:solidFill>
+                            <a:srgbClr val="434343"/>
+                          </a:solidFill>
+                          <a:effectLst/>
+                          <a:latin typeface="Calibri" panose="020F0502020204030204" pitchFamily="34" charset="0"/>
+                        </a:rPr>
+                        <a:t>0%</a:t>
+                      </a:r>
+                    </a:p>
+                  </a:txBody>
+                  <a:tcPr marL="9525" marR="9525" marT="9525" marB="0" anchor="b">
+                    <a:lnL>
+                      <a:noFill/>
+                    </a:lnL>
+                    <a:lnR>
+                      <a:noFill/>
+                    </a:lnR>
+                    <a:lnT>
+                      <a:noFill/>
+                    </a:lnT>
+                    <a:lnB>
+                      <a:noFill/>
+                    </a:lnB>
+                    <a:solidFill>
+                      <a:srgbClr val="FFFFFF"/>
+                    </a:solidFill>
+                  </a:tcPr>
+                </a:tc>
+                <a:extLst>
+                  <a:ext uri="{0D108BD9-81ED-4DB2-BD59-A6C34878D82A}">
+                    <a16:rowId xmlns:a16="http://schemas.microsoft.com/office/drawing/2014/main" val="2431459417"/>
+                  </a:ext>
+                </a:extLst>
+              </a:tr>
+              <a:tr h="172666">
+                <a:tc>
+                  <a:txBody>
+                    <a:bodyPr/>
+                    <a:lstStyle/>
+                    <a:p>
+                      <a:pPr algn="l" fontAlgn="b"/>
+                      <a:r>
+                        <a:rPr lang="es-CL" sz="1000" b="0" i="0" u="none" strike="noStrike">
+                          <a:solidFill>
+                            <a:srgbClr val="000000"/>
+                          </a:solidFill>
+                          <a:effectLst/>
+                          <a:latin typeface="Arial" panose="020B0604020202020204" pitchFamily="34" charset="0"/>
+                        </a:rPr>
+                        <a:t> </a:t>
+                      </a:r>
+                    </a:p>
+                  </a:txBody>
+                  <a:tcPr marL="9525" marR="9525" marT="9525" marB="0" anchor="b">
+                    <a:lnL>
+                      <a:noFill/>
+                    </a:lnL>
+                    <a:lnR>
+                      <a:noFill/>
+                    </a:lnR>
+                    <a:lnT>
+                      <a:noFill/>
+                    </a:lnT>
+                    <a:lnB>
+                      <a:noFill/>
+                    </a:lnB>
+                    <a:solidFill>
+                      <a:srgbClr val="FFFFFF"/>
+                    </a:solidFill>
+                  </a:tcPr>
+                </a:tc>
+                <a:tc>
+                  <a:txBody>
+                    <a:bodyPr/>
+                    <a:lstStyle/>
+                    <a:p>
+                      <a:pPr algn="l" fontAlgn="b"/>
+                      <a:r>
+                        <a:rPr lang="es-CL" sz="1100" b="0" i="0" u="none" strike="noStrike">
+                          <a:solidFill>
+                            <a:srgbClr val="434343"/>
+                          </a:solidFill>
+                          <a:effectLst/>
+                          <a:latin typeface="Calibri" panose="020F0502020204030204" pitchFamily="34" charset="0"/>
+                        </a:rPr>
+                        <a:t>Presentacion Final</a:t>
+                      </a:r>
+                    </a:p>
+                  </a:txBody>
+                  <a:tcPr marL="9525" marR="9525" marT="9525" marB="0" anchor="b">
+                    <a:lnL>
+                      <a:noFill/>
+                    </a:lnL>
+                    <a:lnR>
+                      <a:noFill/>
+                    </a:lnR>
+                    <a:lnT>
+                      <a:noFill/>
+                    </a:lnT>
+                    <a:lnB>
+                      <a:noFill/>
+                    </a:lnB>
+                    <a:solidFill>
+                      <a:srgbClr val="FFFFFF"/>
+                    </a:solidFill>
+                  </a:tcPr>
+                </a:tc>
+                <a:tc>
+                  <a:txBody>
+                    <a:bodyPr/>
+                    <a:lstStyle/>
+                    <a:p>
+                      <a:pPr algn="ctr" fontAlgn="b"/>
+                      <a:r>
+                        <a:rPr lang="es-CL" sz="1100" b="0" i="0" u="none" strike="noStrike">
+                          <a:solidFill>
+                            <a:srgbClr val="434343"/>
+                          </a:solidFill>
+                          <a:effectLst/>
+                          <a:latin typeface="Calibri" panose="020F0502020204030204" pitchFamily="34" charset="0"/>
+                        </a:rPr>
+                        <a:t>12/17</a:t>
+                      </a:r>
+                    </a:p>
+                  </a:txBody>
+                  <a:tcPr marL="9525" marR="9525" marT="9525" marB="0" anchor="b">
+                    <a:lnL>
+                      <a:noFill/>
+                    </a:lnL>
+                    <a:lnR>
+                      <a:noFill/>
+                    </a:lnR>
+                    <a:lnT>
+                      <a:noFill/>
+                    </a:lnT>
+                    <a:lnB>
+                      <a:noFill/>
+                    </a:lnB>
+                    <a:solidFill>
+                      <a:srgbClr val="FFFFFF"/>
+                    </a:solidFill>
+                  </a:tcPr>
+                </a:tc>
+                <a:tc>
+                  <a:txBody>
+                    <a:bodyPr/>
+                    <a:lstStyle/>
+                    <a:p>
+                      <a:pPr algn="ctr" fontAlgn="b"/>
+                      <a:r>
+                        <a:rPr lang="es-CL" sz="1100" b="0" i="0" u="none" strike="noStrike">
+                          <a:solidFill>
+                            <a:srgbClr val="434343"/>
+                          </a:solidFill>
+                          <a:effectLst/>
+                          <a:latin typeface="Calibri" panose="020F0502020204030204" pitchFamily="34" charset="0"/>
+                        </a:rPr>
+                        <a:t>12/23</a:t>
+                      </a:r>
+                    </a:p>
+                  </a:txBody>
+                  <a:tcPr marL="9525" marR="9525" marT="9525" marB="0" anchor="b">
+                    <a:lnL>
+                      <a:noFill/>
+                    </a:lnL>
+                    <a:lnR>
+                      <a:noFill/>
+                    </a:lnR>
+                    <a:lnT>
+                      <a:noFill/>
+                    </a:lnT>
+                    <a:lnB>
+                      <a:noFill/>
+                    </a:lnB>
+                    <a:solidFill>
+                      <a:srgbClr val="FFFFFF"/>
+                    </a:solidFill>
+                  </a:tcPr>
+                </a:tc>
+                <a:tc>
+                  <a:txBody>
+                    <a:bodyPr/>
+                    <a:lstStyle/>
+                    <a:p>
+                      <a:pPr algn="ctr" fontAlgn="b"/>
+                      <a:r>
+                        <a:rPr lang="es-CL" sz="1100" b="0" i="0" u="none" strike="noStrike">
+                          <a:solidFill>
+                            <a:srgbClr val="434343"/>
+                          </a:solidFill>
+                          <a:effectLst/>
+                          <a:latin typeface="Calibri" panose="020F0502020204030204" pitchFamily="34" charset="0"/>
+                        </a:rPr>
+                        <a:t>77</a:t>
+                      </a:r>
+                    </a:p>
+                  </a:txBody>
+                  <a:tcPr marL="9525" marR="9525" marT="9525" marB="0" anchor="b">
+                    <a:lnL>
+                      <a:noFill/>
+                    </a:lnL>
+                    <a:lnR>
+                      <a:noFill/>
+                    </a:lnR>
+                    <a:lnT>
+                      <a:noFill/>
+                    </a:lnT>
+                    <a:lnB>
+                      <a:noFill/>
+                    </a:lnB>
+                    <a:solidFill>
+                      <a:srgbClr val="FFFFFF"/>
+                    </a:solidFill>
+                  </a:tcPr>
+                </a:tc>
+                <a:tc>
+                  <a:txBody>
+                    <a:bodyPr/>
+                    <a:lstStyle/>
+                    <a:p>
+                      <a:pPr algn="ctr" fontAlgn="b"/>
+                      <a:r>
+                        <a:rPr lang="es-CL" sz="1100" b="0" i="0" u="none" strike="noStrike">
+                          <a:solidFill>
+                            <a:srgbClr val="434343"/>
+                          </a:solidFill>
+                          <a:effectLst/>
+                          <a:latin typeface="Calibri" panose="020F0502020204030204" pitchFamily="34" charset="0"/>
+                        </a:rPr>
+                        <a:t>6</a:t>
+                      </a:r>
+                    </a:p>
+                  </a:txBody>
+                  <a:tcPr marL="9525" marR="9525" marT="9525" marB="0" anchor="b">
+                    <a:lnL>
+                      <a:noFill/>
+                    </a:lnL>
+                    <a:lnR>
+                      <a:noFill/>
+                    </a:lnR>
+                    <a:lnT>
+                      <a:noFill/>
+                    </a:lnT>
+                    <a:lnB>
+                      <a:noFill/>
+                    </a:lnB>
+                    <a:solidFill>
+                      <a:srgbClr val="FFFFFF"/>
+                    </a:solidFill>
+                  </a:tcPr>
+                </a:tc>
+                <a:tc>
+                  <a:txBody>
+                    <a:bodyPr/>
+                    <a:lstStyle/>
+                    <a:p>
+                      <a:pPr algn="ctr" fontAlgn="b"/>
+                      <a:r>
+                        <a:rPr lang="es-CL" sz="1100" b="0" i="0" u="none" strike="noStrike">
+                          <a:solidFill>
+                            <a:srgbClr val="434343"/>
+                          </a:solidFill>
+                          <a:effectLst/>
+                          <a:latin typeface="Calibri" panose="020F0502020204030204" pitchFamily="34" charset="0"/>
+                        </a:rPr>
+                        <a:t>0%</a:t>
+                      </a:r>
+                    </a:p>
+                  </a:txBody>
+                  <a:tcPr marL="9525" marR="9525" marT="9525" marB="0" anchor="b">
+                    <a:lnL>
+                      <a:noFill/>
+                    </a:lnL>
+                    <a:lnR>
+                      <a:noFill/>
+                    </a:lnR>
+                    <a:lnT>
+                      <a:noFill/>
+                    </a:lnT>
+                    <a:lnB>
+                      <a:noFill/>
+                    </a:lnB>
+                    <a:solidFill>
+                      <a:srgbClr val="FFFFFF"/>
+                    </a:solidFill>
+                  </a:tcPr>
+                </a:tc>
+                <a:extLst>
+                  <a:ext uri="{0D108BD9-81ED-4DB2-BD59-A6C34878D82A}">
+                    <a16:rowId xmlns:a16="http://schemas.microsoft.com/office/drawing/2014/main" val="3230438978"/>
+                  </a:ext>
+                </a:extLst>
+              </a:tr>
+              <a:tr h="172666">
+                <a:tc>
+                  <a:txBody>
+                    <a:bodyPr/>
+                    <a:lstStyle/>
+                    <a:p>
+                      <a:pPr algn="l" fontAlgn="b"/>
+                      <a:r>
+                        <a:rPr lang="es-CL" sz="1000" b="0" i="0" u="none" strike="noStrike">
+                          <a:solidFill>
+                            <a:srgbClr val="000000"/>
+                          </a:solidFill>
+                          <a:effectLst/>
+                          <a:latin typeface="Arial" panose="020B0604020202020204" pitchFamily="34" charset="0"/>
+                        </a:rPr>
+                        <a:t> </a:t>
+                      </a:r>
+                    </a:p>
+                  </a:txBody>
+                  <a:tcPr marL="9525" marR="9525" marT="9525" marB="0" anchor="b">
+                    <a:lnL>
+                      <a:noFill/>
+                    </a:lnL>
+                    <a:lnR>
+                      <a:noFill/>
+                    </a:lnR>
+                    <a:lnT>
+                      <a:noFill/>
+                    </a:lnT>
+                    <a:lnB>
+                      <a:noFill/>
+                    </a:lnB>
+                    <a:solidFill>
+                      <a:srgbClr val="FFFFFF"/>
+                    </a:solidFill>
+                  </a:tcPr>
+                </a:tc>
+                <a:tc>
+                  <a:txBody>
+                    <a:bodyPr/>
+                    <a:lstStyle/>
+                    <a:p>
+                      <a:pPr algn="l" fontAlgn="b"/>
+                      <a:r>
+                        <a:rPr lang="es-CL" sz="1100" b="0" i="0" u="none" strike="noStrike">
+                          <a:solidFill>
+                            <a:srgbClr val="434343"/>
+                          </a:solidFill>
+                          <a:effectLst/>
+                          <a:latin typeface="Calibri" panose="020F0502020204030204" pitchFamily="34" charset="0"/>
+                        </a:rPr>
+                        <a:t>Extension</a:t>
+                      </a:r>
+                    </a:p>
+                  </a:txBody>
+                  <a:tcPr marL="9525" marR="9525" marT="9525" marB="0" anchor="b">
+                    <a:lnL>
+                      <a:noFill/>
+                    </a:lnL>
+                    <a:lnR>
+                      <a:noFill/>
+                    </a:lnR>
+                    <a:lnT>
+                      <a:noFill/>
+                    </a:lnT>
+                    <a:lnB>
+                      <a:noFill/>
+                    </a:lnB>
+                    <a:solidFill>
+                      <a:srgbClr val="FFFFFF"/>
+                    </a:solidFill>
+                  </a:tcPr>
+                </a:tc>
+                <a:tc>
+                  <a:txBody>
+                    <a:bodyPr/>
+                    <a:lstStyle/>
+                    <a:p>
+                      <a:pPr algn="ctr" fontAlgn="b"/>
+                      <a:r>
+                        <a:rPr lang="es-CL" sz="1100" b="0" i="0" u="none" strike="noStrike">
+                          <a:solidFill>
+                            <a:srgbClr val="434343"/>
+                          </a:solidFill>
+                          <a:effectLst/>
+                          <a:latin typeface="Calibri" panose="020F0502020204030204" pitchFamily="34" charset="0"/>
+                        </a:rPr>
+                        <a:t>12/24</a:t>
+                      </a:r>
+                    </a:p>
+                  </a:txBody>
+                  <a:tcPr marL="9525" marR="9525" marT="9525" marB="0" anchor="b">
+                    <a:lnL>
+                      <a:noFill/>
+                    </a:lnL>
+                    <a:lnR>
+                      <a:noFill/>
+                    </a:lnR>
+                    <a:lnT>
+                      <a:noFill/>
+                    </a:lnT>
+                    <a:lnB>
+                      <a:noFill/>
+                    </a:lnB>
+                    <a:solidFill>
+                      <a:srgbClr val="FFFFFF"/>
+                    </a:solidFill>
+                  </a:tcPr>
+                </a:tc>
+                <a:tc>
+                  <a:txBody>
+                    <a:bodyPr/>
+                    <a:lstStyle/>
+                    <a:p>
+                      <a:pPr algn="ctr" fontAlgn="b"/>
+                      <a:r>
+                        <a:rPr lang="es-CL" sz="1100" b="0" i="0" u="none" strike="noStrike">
+                          <a:solidFill>
+                            <a:srgbClr val="434343"/>
+                          </a:solidFill>
+                          <a:effectLst/>
+                          <a:latin typeface="Calibri" panose="020F0502020204030204" pitchFamily="34" charset="0"/>
+                        </a:rPr>
+                        <a:t>12/30</a:t>
+                      </a:r>
+                    </a:p>
+                  </a:txBody>
+                  <a:tcPr marL="9525" marR="9525" marT="9525" marB="0" anchor="b">
+                    <a:lnL>
+                      <a:noFill/>
+                    </a:lnL>
+                    <a:lnR>
+                      <a:noFill/>
+                    </a:lnR>
+                    <a:lnT>
+                      <a:noFill/>
+                    </a:lnT>
+                    <a:lnB>
+                      <a:noFill/>
+                    </a:lnB>
+                    <a:solidFill>
+                      <a:srgbClr val="FFFFFF"/>
+                    </a:solidFill>
+                  </a:tcPr>
+                </a:tc>
+                <a:tc>
+                  <a:txBody>
+                    <a:bodyPr/>
+                    <a:lstStyle/>
+                    <a:p>
+                      <a:pPr algn="ctr" fontAlgn="b"/>
+                      <a:r>
+                        <a:rPr lang="es-CL" sz="1100" b="0" i="0" u="none" strike="noStrike">
+                          <a:solidFill>
+                            <a:srgbClr val="434343"/>
+                          </a:solidFill>
+                          <a:effectLst/>
+                          <a:latin typeface="Calibri" panose="020F0502020204030204" pitchFamily="34" charset="0"/>
+                        </a:rPr>
+                        <a:t>84</a:t>
+                      </a:r>
+                    </a:p>
+                  </a:txBody>
+                  <a:tcPr marL="9525" marR="9525" marT="9525" marB="0" anchor="b">
+                    <a:lnL>
+                      <a:noFill/>
+                    </a:lnL>
+                    <a:lnR>
+                      <a:noFill/>
+                    </a:lnR>
+                    <a:lnT>
+                      <a:noFill/>
+                    </a:lnT>
+                    <a:lnB>
+                      <a:noFill/>
+                    </a:lnB>
+                    <a:solidFill>
+                      <a:srgbClr val="FFFFFF"/>
+                    </a:solidFill>
+                  </a:tcPr>
+                </a:tc>
+                <a:tc>
+                  <a:txBody>
+                    <a:bodyPr/>
+                    <a:lstStyle/>
+                    <a:p>
+                      <a:pPr algn="ctr" fontAlgn="b"/>
+                      <a:r>
+                        <a:rPr lang="es-CL" sz="1100" b="0" i="0" u="none" strike="noStrike">
+                          <a:solidFill>
+                            <a:srgbClr val="434343"/>
+                          </a:solidFill>
+                          <a:effectLst/>
+                          <a:latin typeface="Calibri" panose="020F0502020204030204" pitchFamily="34" charset="0"/>
+                        </a:rPr>
+                        <a:t>6</a:t>
+                      </a:r>
+                    </a:p>
+                  </a:txBody>
+                  <a:tcPr marL="9525" marR="9525" marT="9525" marB="0" anchor="b">
+                    <a:lnL>
+                      <a:noFill/>
+                    </a:lnL>
+                    <a:lnR>
+                      <a:noFill/>
+                    </a:lnR>
+                    <a:lnT>
+                      <a:noFill/>
+                    </a:lnT>
+                    <a:lnB>
+                      <a:noFill/>
+                    </a:lnB>
+                    <a:solidFill>
+                      <a:srgbClr val="FFFFFF"/>
+                    </a:solidFill>
+                  </a:tcPr>
+                </a:tc>
+                <a:tc>
+                  <a:txBody>
+                    <a:bodyPr/>
+                    <a:lstStyle/>
+                    <a:p>
+                      <a:pPr algn="ctr" fontAlgn="b"/>
+                      <a:r>
+                        <a:rPr lang="es-CL" sz="1100" b="0" i="0" u="none" strike="noStrike" dirty="0">
+                          <a:solidFill>
+                            <a:srgbClr val="434343"/>
+                          </a:solidFill>
+                          <a:effectLst/>
+                          <a:latin typeface="Calibri" panose="020F0502020204030204" pitchFamily="34" charset="0"/>
+                        </a:rPr>
+                        <a:t>0%</a:t>
+                      </a:r>
+                    </a:p>
+                  </a:txBody>
+                  <a:tcPr marL="9525" marR="9525" marT="9525" marB="0" anchor="b">
+                    <a:lnL>
+                      <a:noFill/>
+                    </a:lnL>
+                    <a:lnR>
+                      <a:noFill/>
+                    </a:lnR>
+                    <a:lnT>
+                      <a:noFill/>
+                    </a:lnT>
+                    <a:lnB>
+                      <a:noFill/>
+                    </a:lnB>
+                    <a:solidFill>
+                      <a:srgbClr val="FFFFFF"/>
+                    </a:solidFill>
+                  </a:tcPr>
+                </a:tc>
+                <a:extLst>
+                  <a:ext uri="{0D108BD9-81ED-4DB2-BD59-A6C34878D82A}">
+                    <a16:rowId xmlns:a16="http://schemas.microsoft.com/office/drawing/2014/main" val="1489479485"/>
+                  </a:ext>
+                </a:extLst>
+              </a:tr>
+            </a:tbl>
+          </a:graphicData>
+        </a:graphic>
+      </p:graphicFrame>
+      <p:pic>
+        <p:nvPicPr>
+          <p:cNvPr id="7" name="Imagen 6">
+            <a:extLst>
+              <a:ext uri="{FF2B5EF4-FFF2-40B4-BE49-F238E27FC236}">
+                <a16:creationId xmlns:a16="http://schemas.microsoft.com/office/drawing/2014/main" id="{CAD58D7A-E7C7-44A1-B410-1CBBEB436DBF}"/>
+              </a:ext>
+            </a:extLst>
+          </p:cNvPr>
+          <p:cNvPicPr>
+            <a:picLocks noChangeAspect="1"/>
+          </p:cNvPicPr>
+          <p:nvPr/>
+        </p:nvPicPr>
+        <p:blipFill>
+          <a:blip r:embed="rId2"/>
+          <a:stretch>
+            <a:fillRect/>
+          </a:stretch>
+        </p:blipFill>
+        <p:spPr>
+          <a:xfrm>
+            <a:off x="3695177" y="3194685"/>
+            <a:ext cx="8333983" cy="3779431"/>
+          </a:xfrm>
+          <a:prstGeom prst="rect">
+            <a:avLst/>
+          </a:prstGeom>
+        </p:spPr>
+      </p:pic>
     </p:spTree>
     <p:extLst>
       <p:ext uri="{BB962C8B-B14F-4D97-AF65-F5344CB8AC3E}">
@@ -12876,26 +17831,13 @@
           <a:p>
             <a:r>
               <a:rPr lang="es-ES" dirty="0"/>
-              <a:t>Claudia Padilla, Gerenta general de la empresa MEDIACOOP, esta empresa se de dedica a ofrecer servicios de difusión, publicidad ,marketing e información en todos los soportes actuales y futuros en la región de los </a:t>
+              <a:t>Claudia Padilla, Gerenta general de la empresa MEDIACOOP, esta empresa se dedica a ofrecer servicios de difusión, publicidad, marketing e información en todos los soportes actuales y futuros, en la región de los Ríos.</a:t>
             </a:r>
-            <a:r>
-              <a:rPr lang="es-ES" dirty="0" err="1"/>
-              <a:t>Rios</a:t>
-            </a:r>
-            <a:endParaRPr lang="es-ES" dirty="0"/>
           </a:p>
           <a:p>
             <a:r>
               <a:rPr lang="es-ES" dirty="0"/>
-              <a:t>Ubicación : Arauco #159,Edificio </a:t>
-            </a:r>
-            <a:r>
-              <a:rPr lang="es-ES" dirty="0" err="1"/>
-              <a:t>Zerene</a:t>
-            </a:r>
-            <a:r>
-              <a:rPr lang="es-ES" dirty="0"/>
-              <a:t> ,  Piso 4  oficina #403</a:t>
+              <a:t>Ubicación : Arauco #159, Edificio Zerene, Piso 4  oficina #403</a:t>
             </a:r>
           </a:p>
           <a:p>
@@ -13100,7 +18042,7 @@
           <a:noFill/>
           <a:extLst>
             <a:ext uri="{909E8E84-426E-40dd-AFC4-6F175D3DCCD1}">
-              <a14:hiddenFill xmlns="" xmlns:a16="http://schemas.microsoft.com/office/drawing/2014/main" xmlns:p14="http://schemas.microsoft.com/office/powerpoint/2010/main" xmlns:a14="http://schemas.microsoft.com/office/drawing/2010/main">
+              <a14:hiddenFill xmlns:a14="http://schemas.microsoft.com/office/drawing/2010/main" xmlns:p14="http://schemas.microsoft.com/office/powerpoint/2010/main" xmlns:a16="http://schemas.microsoft.com/office/drawing/2014/main" xmlns="">
                 <a:solidFill>
                   <a:srgbClr val="FFFFFF"/>
                 </a:solidFill>
@@ -13183,47 +18125,31 @@
             </a:r>
             <a:r>
               <a:rPr lang="es-ES" sz="2000" dirty="0"/>
-              <a:t> y  </a:t>
+              <a:t> y además </a:t>
             </a:r>
             <a:r>
               <a:rPr lang="es-ES" sz="2000" b="1" dirty="0"/>
-              <a:t>subir contenidos simultáneos a plataforma web y redes sociales  </a:t>
+              <a:t>subir contenidos simultáneos a una plataforma web y </a:t>
+            </a:r>
+            <a:r>
+              <a:rPr lang="es-ES" sz="2000" b="1"/>
+              <a:t>redes sociales </a:t>
+            </a:r>
+            <a:r>
+              <a:rPr lang="es-ES" sz="2000"/>
+              <a:t>como </a:t>
             </a:r>
             <a:r>
               <a:rPr lang="es-ES" sz="2000" dirty="0"/>
-              <a:t>,</a:t>
+              <a:t>Facebook</a:t>
             </a:r>
             <a:r>
-              <a:rPr lang="es-ES" sz="2000" dirty="0" err="1"/>
-              <a:t>facebook</a:t>
+              <a:rPr lang="es-ES" sz="2000"/>
+              <a:t>, Twitter e </a:t>
             </a:r>
             <a:r>
               <a:rPr lang="es-ES" sz="2000" dirty="0"/>
-              <a:t>, </a:t>
-            </a:r>
-            <a:r>
-              <a:rPr lang="es-ES" sz="2000" dirty="0" err="1"/>
-              <a:t>twitter</a:t>
-            </a:r>
-            <a:r>
-              <a:rPr lang="es-ES" sz="2000" dirty="0"/>
-              <a:t>, </a:t>
-            </a:r>
-            <a:r>
-              <a:rPr lang="es-ES" sz="2000" dirty="0" err="1"/>
-              <a:t>instagram</a:t>
-            </a:r>
-            <a:r>
-              <a:rPr lang="es-ES" sz="2000" dirty="0"/>
-              <a:t>, </a:t>
-            </a:r>
-            <a:r>
-              <a:rPr lang="es-ES" sz="2000" dirty="0" err="1"/>
-              <a:t>etc</a:t>
-            </a:r>
-            <a:r>
-              <a:rPr lang="es-ES" sz="2000" dirty="0"/>
-              <a:t> …</a:t>
+              <a:t>Instagram.</a:t>
             </a:r>
           </a:p>
           <a:p>
@@ -13367,7 +18293,7 @@
             </a:ln>
             <a:extLst>
               <a:ext uri="{91240B29-F687-4f45-9708-019B960494DF}">
-                <a14:hiddenLine xmlns="" xmlns:a16="http://schemas.microsoft.com/office/drawing/2014/main" xmlns:p14="http://schemas.microsoft.com/office/powerpoint/2010/main" xmlns:a14="http://schemas.microsoft.com/office/drawing/2010/main" w="9525">
+                <a14:hiddenLine xmlns:a14="http://schemas.microsoft.com/office/drawing/2010/main" xmlns:p14="http://schemas.microsoft.com/office/powerpoint/2010/main" xmlns:a16="http://schemas.microsoft.com/office/drawing/2014/main" xmlns="" w="9525">
                   <a:solidFill>
                     <a:srgbClr val="000000"/>
                   </a:solidFill>
@@ -13472,7 +18398,7 @@
             </a:ln>
             <a:extLst>
               <a:ext uri="{91240B29-F687-4f45-9708-019B960494DF}">
-                <a14:hiddenLine xmlns="" xmlns:a16="http://schemas.microsoft.com/office/drawing/2014/main" xmlns:p14="http://schemas.microsoft.com/office/powerpoint/2010/main" xmlns:a14="http://schemas.microsoft.com/office/drawing/2010/main" w="9525">
+                <a14:hiddenLine xmlns:a14="http://schemas.microsoft.com/office/drawing/2010/main" xmlns:p14="http://schemas.microsoft.com/office/powerpoint/2010/main" xmlns:a16="http://schemas.microsoft.com/office/drawing/2014/main" xmlns="" w="9525">
                   <a:solidFill>
                     <a:srgbClr val="000000"/>
                   </a:solidFill>
@@ -13577,7 +18503,7 @@
             </a:ln>
             <a:extLst>
               <a:ext uri="{91240B29-F687-4f45-9708-019B960494DF}">
-                <a14:hiddenLine xmlns="" xmlns:a16="http://schemas.microsoft.com/office/drawing/2014/main" xmlns:p14="http://schemas.microsoft.com/office/powerpoint/2010/main" xmlns:a14="http://schemas.microsoft.com/office/drawing/2010/main" w="9525">
+                <a14:hiddenLine xmlns:a14="http://schemas.microsoft.com/office/drawing/2010/main" xmlns:p14="http://schemas.microsoft.com/office/powerpoint/2010/main" xmlns:a16="http://schemas.microsoft.com/office/drawing/2014/main" xmlns="" w="9525">
                   <a:solidFill>
                     <a:srgbClr val="000000"/>
                   </a:solidFill>
@@ -13654,7 +18580,7 @@
             </a:ln>
             <a:extLst>
               <a:ext uri="{91240B29-F687-4f45-9708-019B960494DF}">
-                <a14:hiddenLine xmlns="" xmlns:a16="http://schemas.microsoft.com/office/drawing/2014/main" xmlns:p14="http://schemas.microsoft.com/office/powerpoint/2010/main" xmlns:a14="http://schemas.microsoft.com/office/drawing/2010/main" w="9525">
+                <a14:hiddenLine xmlns:a14="http://schemas.microsoft.com/office/drawing/2010/main" xmlns:p14="http://schemas.microsoft.com/office/powerpoint/2010/main" xmlns:a16="http://schemas.microsoft.com/office/drawing/2014/main" xmlns="" w="9525">
                   <a:solidFill>
                     <a:srgbClr val="000000"/>
                   </a:solidFill>
@@ -13759,7 +18685,7 @@
             </a:ln>
             <a:extLst>
               <a:ext uri="{91240B29-F687-4f45-9708-019B960494DF}">
-                <a14:hiddenLine xmlns="" xmlns:a16="http://schemas.microsoft.com/office/drawing/2014/main" xmlns:p14="http://schemas.microsoft.com/office/powerpoint/2010/main" xmlns:a14="http://schemas.microsoft.com/office/drawing/2010/main" w="9525">
+                <a14:hiddenLine xmlns:a14="http://schemas.microsoft.com/office/drawing/2010/main" xmlns:p14="http://schemas.microsoft.com/office/powerpoint/2010/main" xmlns:a16="http://schemas.microsoft.com/office/drawing/2014/main" xmlns="" w="9525">
                   <a:solidFill>
                     <a:srgbClr val="000000"/>
                   </a:solidFill>
@@ -13836,7 +18762,7 @@
             </a:ln>
             <a:extLst>
               <a:ext uri="{91240B29-F687-4f45-9708-019B960494DF}">
-                <a14:hiddenLine xmlns="" xmlns:a16="http://schemas.microsoft.com/office/drawing/2014/main" xmlns:p14="http://schemas.microsoft.com/office/powerpoint/2010/main" xmlns:a14="http://schemas.microsoft.com/office/drawing/2010/main" w="9525">
+                <a14:hiddenLine xmlns:a14="http://schemas.microsoft.com/office/drawing/2010/main" xmlns:p14="http://schemas.microsoft.com/office/powerpoint/2010/main" xmlns:a16="http://schemas.microsoft.com/office/drawing/2014/main" xmlns="" w="9525">
                   <a:solidFill>
                     <a:srgbClr val="000000"/>
                   </a:solidFill>
@@ -13913,7 +18839,7 @@
             </a:ln>
             <a:extLst>
               <a:ext uri="{91240B29-F687-4f45-9708-019B960494DF}">
-                <a14:hiddenLine xmlns="" xmlns:a16="http://schemas.microsoft.com/office/drawing/2014/main" xmlns:p14="http://schemas.microsoft.com/office/powerpoint/2010/main" xmlns:a14="http://schemas.microsoft.com/office/drawing/2010/main" w="9525">
+                <a14:hiddenLine xmlns:a14="http://schemas.microsoft.com/office/drawing/2010/main" xmlns:p14="http://schemas.microsoft.com/office/powerpoint/2010/main" xmlns:a16="http://schemas.microsoft.com/office/drawing/2014/main" xmlns="" w="9525">
                   <a:solidFill>
                     <a:srgbClr val="000000"/>
                   </a:solidFill>
@@ -14018,7 +18944,7 @@
             </a:ln>
             <a:extLst>
               <a:ext uri="{91240B29-F687-4f45-9708-019B960494DF}">
-                <a14:hiddenLine xmlns="" xmlns:a16="http://schemas.microsoft.com/office/drawing/2014/main" xmlns:p14="http://schemas.microsoft.com/office/powerpoint/2010/main" xmlns:a14="http://schemas.microsoft.com/office/drawing/2010/main" w="9525">
+                <a14:hiddenLine xmlns:a14="http://schemas.microsoft.com/office/drawing/2010/main" xmlns:p14="http://schemas.microsoft.com/office/powerpoint/2010/main" xmlns:a16="http://schemas.microsoft.com/office/drawing/2014/main" xmlns="" w="9525">
                   <a:solidFill>
                     <a:srgbClr val="000000"/>
                   </a:solidFill>
@@ -14123,7 +19049,7 @@
             </a:ln>
             <a:extLst>
               <a:ext uri="{91240B29-F687-4f45-9708-019B960494DF}">
-                <a14:hiddenLine xmlns="" xmlns:a16="http://schemas.microsoft.com/office/drawing/2014/main" xmlns:p14="http://schemas.microsoft.com/office/powerpoint/2010/main" xmlns:a14="http://schemas.microsoft.com/office/drawing/2010/main" w="9525">
+                <a14:hiddenLine xmlns:a14="http://schemas.microsoft.com/office/drawing/2010/main" xmlns:p14="http://schemas.microsoft.com/office/powerpoint/2010/main" xmlns:a16="http://schemas.microsoft.com/office/drawing/2014/main" xmlns="" w="9525">
                   <a:solidFill>
                     <a:srgbClr val="000000"/>
                   </a:solidFill>
@@ -14200,7 +19126,7 @@
             </a:ln>
             <a:extLst>
               <a:ext uri="{91240B29-F687-4f45-9708-019B960494DF}">
-                <a14:hiddenLine xmlns="" xmlns:a16="http://schemas.microsoft.com/office/drawing/2014/main" xmlns:p14="http://schemas.microsoft.com/office/powerpoint/2010/main" xmlns:a14="http://schemas.microsoft.com/office/drawing/2010/main" w="9525">
+                <a14:hiddenLine xmlns:a14="http://schemas.microsoft.com/office/drawing/2010/main" xmlns:p14="http://schemas.microsoft.com/office/powerpoint/2010/main" xmlns:a16="http://schemas.microsoft.com/office/drawing/2014/main" xmlns="" w="9525">
                   <a:solidFill>
                     <a:srgbClr val="000000"/>
                   </a:solidFill>
@@ -14325,7 +19251,7 @@
             </a:ln>
             <a:extLst>
               <a:ext uri="{91240B29-F687-4f45-9708-019B960494DF}">
-                <a14:hiddenLine xmlns="" xmlns:a16="http://schemas.microsoft.com/office/drawing/2014/main" xmlns:p14="http://schemas.microsoft.com/office/powerpoint/2010/main" xmlns:a14="http://schemas.microsoft.com/office/drawing/2010/main" w="9525">
+                <a14:hiddenLine xmlns:a14="http://schemas.microsoft.com/office/drawing/2010/main" xmlns:p14="http://schemas.microsoft.com/office/powerpoint/2010/main" xmlns:a16="http://schemas.microsoft.com/office/drawing/2014/main" xmlns="" w="9525">
                   <a:solidFill>
                     <a:srgbClr val="000000"/>
                   </a:solidFill>
@@ -14439,7 +19365,7 @@
             </a:ln>
             <a:extLst>
               <a:ext uri="{91240B29-F687-4f45-9708-019B960494DF}">
-                <a14:hiddenLine xmlns="" xmlns:a16="http://schemas.microsoft.com/office/drawing/2014/main" xmlns:p14="http://schemas.microsoft.com/office/powerpoint/2010/main" xmlns:a14="http://schemas.microsoft.com/office/drawing/2010/main" w="9525">
+                <a14:hiddenLine xmlns:a14="http://schemas.microsoft.com/office/drawing/2010/main" xmlns:p14="http://schemas.microsoft.com/office/powerpoint/2010/main" xmlns:a16="http://schemas.microsoft.com/office/drawing/2014/main" xmlns="" w="9525">
                   <a:solidFill>
                     <a:srgbClr val="000000"/>
                   </a:solidFill>
@@ -14516,7 +19442,7 @@
             </a:ln>
             <a:extLst>
               <a:ext uri="{91240B29-F687-4f45-9708-019B960494DF}">
-                <a14:hiddenLine xmlns="" xmlns:a16="http://schemas.microsoft.com/office/drawing/2014/main" xmlns:p14="http://schemas.microsoft.com/office/powerpoint/2010/main" xmlns:a14="http://schemas.microsoft.com/office/drawing/2010/main" w="9525">
+                <a14:hiddenLine xmlns:a14="http://schemas.microsoft.com/office/drawing/2010/main" xmlns:p14="http://schemas.microsoft.com/office/powerpoint/2010/main" xmlns:a16="http://schemas.microsoft.com/office/drawing/2014/main" xmlns="" w="9525">
                   <a:solidFill>
                     <a:srgbClr val="000000"/>
                   </a:solidFill>
@@ -14593,7 +19519,7 @@
             </a:ln>
             <a:extLst>
               <a:ext uri="{91240B29-F687-4f45-9708-019B960494DF}">
-                <a14:hiddenLine xmlns="" xmlns:a16="http://schemas.microsoft.com/office/drawing/2014/main" xmlns:p14="http://schemas.microsoft.com/office/powerpoint/2010/main" xmlns:a14="http://schemas.microsoft.com/office/drawing/2010/main" w="9525">
+                <a14:hiddenLine xmlns:a14="http://schemas.microsoft.com/office/drawing/2010/main" xmlns:p14="http://schemas.microsoft.com/office/powerpoint/2010/main" xmlns:a16="http://schemas.microsoft.com/office/drawing/2014/main" xmlns="" w="9525">
                   <a:solidFill>
                     <a:srgbClr val="000000"/>
                   </a:solidFill>
@@ -14698,7 +19624,7 @@
             </a:ln>
             <a:extLst>
               <a:ext uri="{91240B29-F687-4f45-9708-019B960494DF}">
-                <a14:hiddenLine xmlns="" xmlns:a16="http://schemas.microsoft.com/office/drawing/2014/main" xmlns:p14="http://schemas.microsoft.com/office/powerpoint/2010/main" xmlns:a14="http://schemas.microsoft.com/office/drawing/2010/main" w="9525">
+                <a14:hiddenLine xmlns:a14="http://schemas.microsoft.com/office/drawing/2010/main" xmlns:p14="http://schemas.microsoft.com/office/powerpoint/2010/main" xmlns:a16="http://schemas.microsoft.com/office/drawing/2014/main" xmlns="" w="9525">
                   <a:solidFill>
                     <a:srgbClr val="000000"/>
                   </a:solidFill>
@@ -14747,7 +19673,7 @@
             </a:ln>
             <a:extLst>
               <a:ext uri="{91240B29-F687-4f45-9708-019B960494DF}">
-                <a14:hiddenLine xmlns="" xmlns:a16="http://schemas.microsoft.com/office/drawing/2014/main" xmlns:p14="http://schemas.microsoft.com/office/powerpoint/2010/main" xmlns:a14="http://schemas.microsoft.com/office/drawing/2010/main" w="9525">
+                <a14:hiddenLine xmlns:a14="http://schemas.microsoft.com/office/drawing/2010/main" xmlns:p14="http://schemas.microsoft.com/office/powerpoint/2010/main" xmlns:a16="http://schemas.microsoft.com/office/drawing/2014/main" xmlns="" w="9525">
                   <a:solidFill>
                     <a:srgbClr val="000000"/>
                   </a:solidFill>
@@ -14827,7 +19753,7 @@
             </a:ln>
             <a:extLst>
               <a:ext uri="{91240B29-F687-4f45-9708-019B960494DF}">
-                <a14:hiddenLine xmlns="" xmlns:a16="http://schemas.microsoft.com/office/drawing/2014/main" xmlns:p14="http://schemas.microsoft.com/office/powerpoint/2010/main" xmlns:a14="http://schemas.microsoft.com/office/drawing/2010/main" w="9525">
+                <a14:hiddenLine xmlns:a14="http://schemas.microsoft.com/office/drawing/2010/main" xmlns:p14="http://schemas.microsoft.com/office/powerpoint/2010/main" xmlns:a16="http://schemas.microsoft.com/office/drawing/2014/main" xmlns="" w="9525">
                   <a:solidFill>
                     <a:srgbClr val="000000"/>
                   </a:solidFill>
@@ -14932,7 +19858,7 @@
             </a:ln>
             <a:extLst>
               <a:ext uri="{91240B29-F687-4f45-9708-019B960494DF}">
-                <a14:hiddenLine xmlns="" xmlns:a16="http://schemas.microsoft.com/office/drawing/2014/main" xmlns:p14="http://schemas.microsoft.com/office/powerpoint/2010/main" xmlns:a14="http://schemas.microsoft.com/office/drawing/2010/main" w="9525">
+                <a14:hiddenLine xmlns:a14="http://schemas.microsoft.com/office/drawing/2010/main" xmlns:p14="http://schemas.microsoft.com/office/powerpoint/2010/main" xmlns:a16="http://schemas.microsoft.com/office/drawing/2014/main" xmlns="" w="9525">
                   <a:solidFill>
                     <a:srgbClr val="000000"/>
                   </a:solidFill>
@@ -15009,7 +19935,7 @@
             </a:ln>
             <a:extLst>
               <a:ext uri="{91240B29-F687-4f45-9708-019B960494DF}">
-                <a14:hiddenLine xmlns="" xmlns:a16="http://schemas.microsoft.com/office/drawing/2014/main" xmlns:p14="http://schemas.microsoft.com/office/powerpoint/2010/main" xmlns:a14="http://schemas.microsoft.com/office/drawing/2010/main" w="9525">
+                <a14:hiddenLine xmlns:a14="http://schemas.microsoft.com/office/drawing/2010/main" xmlns:p14="http://schemas.microsoft.com/office/powerpoint/2010/main" xmlns:a16="http://schemas.microsoft.com/office/drawing/2014/main" xmlns="" w="9525">
                   <a:solidFill>
                     <a:srgbClr val="000000"/>
                   </a:solidFill>
@@ -15114,7 +20040,7 @@
             </a:ln>
             <a:extLst>
               <a:ext uri="{91240B29-F687-4f45-9708-019B960494DF}">
-                <a14:hiddenLine xmlns="" xmlns:a16="http://schemas.microsoft.com/office/drawing/2014/main" xmlns:p14="http://schemas.microsoft.com/office/powerpoint/2010/main" xmlns:a14="http://schemas.microsoft.com/office/drawing/2010/main" w="9525">
+                <a14:hiddenLine xmlns:a14="http://schemas.microsoft.com/office/drawing/2010/main" xmlns:p14="http://schemas.microsoft.com/office/powerpoint/2010/main" xmlns:a16="http://schemas.microsoft.com/office/drawing/2014/main" xmlns="" w="9525">
                   <a:solidFill>
                     <a:srgbClr val="000000"/>
                   </a:solidFill>
@@ -15194,7 +20120,7 @@
             </a:ln>
             <a:extLst>
               <a:ext uri="{91240B29-F687-4f45-9708-019B960494DF}">
-                <a14:hiddenLine xmlns="" xmlns:a16="http://schemas.microsoft.com/office/drawing/2014/main" xmlns:p14="http://schemas.microsoft.com/office/powerpoint/2010/main" xmlns:a14="http://schemas.microsoft.com/office/drawing/2010/main" w="9525">
+                <a14:hiddenLine xmlns:a14="http://schemas.microsoft.com/office/drawing/2010/main" xmlns:p14="http://schemas.microsoft.com/office/powerpoint/2010/main" xmlns:a16="http://schemas.microsoft.com/office/drawing/2014/main" xmlns="" w="9525">
                   <a:solidFill>
                     <a:srgbClr val="000000"/>
                   </a:solidFill>
@@ -15271,7 +20197,7 @@
             </a:ln>
             <a:extLst>
               <a:ext uri="{91240B29-F687-4f45-9708-019B960494DF}">
-                <a14:hiddenLine xmlns="" xmlns:a16="http://schemas.microsoft.com/office/drawing/2014/main" xmlns:p14="http://schemas.microsoft.com/office/powerpoint/2010/main" xmlns:a14="http://schemas.microsoft.com/office/drawing/2010/main" w="9525">
+                <a14:hiddenLine xmlns:a14="http://schemas.microsoft.com/office/drawing/2010/main" xmlns:p14="http://schemas.microsoft.com/office/powerpoint/2010/main" xmlns:a16="http://schemas.microsoft.com/office/drawing/2014/main" xmlns="" w="9525">
                   <a:solidFill>
                     <a:srgbClr val="000000"/>
                   </a:solidFill>
@@ -15376,7 +20302,7 @@
             </a:ln>
             <a:extLst>
               <a:ext uri="{91240B29-F687-4f45-9708-019B960494DF}">
-                <a14:hiddenLine xmlns="" xmlns:a16="http://schemas.microsoft.com/office/drawing/2014/main" xmlns:p14="http://schemas.microsoft.com/office/powerpoint/2010/main" xmlns:a14="http://schemas.microsoft.com/office/drawing/2010/main" w="9525">
+                <a14:hiddenLine xmlns:a14="http://schemas.microsoft.com/office/drawing/2010/main" xmlns:p14="http://schemas.microsoft.com/office/powerpoint/2010/main" xmlns:a16="http://schemas.microsoft.com/office/drawing/2014/main" xmlns="" w="9525">
                   <a:solidFill>
                     <a:srgbClr val="000000"/>
                   </a:solidFill>
@@ -15481,7 +20407,7 @@
             </a:ln>
             <a:extLst>
               <a:ext uri="{91240B29-F687-4f45-9708-019B960494DF}">
-                <a14:hiddenLine xmlns="" xmlns:a16="http://schemas.microsoft.com/office/drawing/2014/main" xmlns:p14="http://schemas.microsoft.com/office/powerpoint/2010/main" xmlns:a14="http://schemas.microsoft.com/office/drawing/2010/main" w="9525">
+                <a14:hiddenLine xmlns:a14="http://schemas.microsoft.com/office/drawing/2010/main" xmlns:p14="http://schemas.microsoft.com/office/powerpoint/2010/main" xmlns:a16="http://schemas.microsoft.com/office/drawing/2014/main" xmlns="" w="9525">
                   <a:solidFill>
                     <a:srgbClr val="000000"/>
                   </a:solidFill>
@@ -15561,7 +20487,7 @@
             </a:ln>
             <a:extLst>
               <a:ext uri="{91240B29-F687-4f45-9708-019B960494DF}">
-                <a14:hiddenLine xmlns="" xmlns:a16="http://schemas.microsoft.com/office/drawing/2014/main" xmlns:p14="http://schemas.microsoft.com/office/powerpoint/2010/main" xmlns:a14="http://schemas.microsoft.com/office/drawing/2010/main" w="9525">
+                <a14:hiddenLine xmlns:a14="http://schemas.microsoft.com/office/drawing/2010/main" xmlns:p14="http://schemas.microsoft.com/office/powerpoint/2010/main" xmlns:a16="http://schemas.microsoft.com/office/drawing/2014/main" xmlns="" w="9525">
                   <a:solidFill>
                     <a:srgbClr val="000000"/>
                   </a:solidFill>
@@ -15696,7 +20622,7 @@
             </a:ln>
             <a:extLst>
               <a:ext uri="{91240B29-F687-4f45-9708-019B960494DF}">
-                <a14:hiddenLine xmlns="" xmlns:a16="http://schemas.microsoft.com/office/drawing/2014/main" xmlns:p14="http://schemas.microsoft.com/office/powerpoint/2010/main" xmlns:a14="http://schemas.microsoft.com/office/drawing/2010/main" w="9525">
+                <a14:hiddenLine xmlns:a14="http://schemas.microsoft.com/office/drawing/2010/main" xmlns:p14="http://schemas.microsoft.com/office/powerpoint/2010/main" xmlns:a16="http://schemas.microsoft.com/office/drawing/2014/main" xmlns="" w="9525">
                   <a:solidFill>
                     <a:srgbClr val="000000"/>
                   </a:solidFill>
@@ -15883,31 +20809,7 @@
           <a:p>
             <a:r>
               <a:rPr lang="es-ES" dirty="0"/>
-              <a:t>El cliente desea realizar un </a:t>
-            </a:r>
-            <a:r>
-              <a:rPr lang="es-ES" dirty="0" err="1"/>
-              <a:t>envio</a:t>
-            </a:r>
-            <a:r>
-              <a:rPr lang="es-ES" dirty="0"/>
-              <a:t> masivo de correos electrónicos y realizar </a:t>
-            </a:r>
-            <a:r>
-              <a:rPr lang="es-ES" dirty="0" err="1"/>
-              <a:t>posteos</a:t>
-            </a:r>
-            <a:r>
-              <a:rPr lang="es-ES" dirty="0"/>
-              <a:t> </a:t>
-            </a:r>
-            <a:r>
-              <a:rPr lang="es-ES" dirty="0" err="1"/>
-              <a:t>multiples</a:t>
-            </a:r>
-            <a:r>
-              <a:rPr lang="es-ES" dirty="0"/>
-              <a:t> en redes sociales </a:t>
+              <a:t>El cliente desea realizar un envío masivo de correos electrónicos y realizar posteos múltiples en redes sociales </a:t>
             </a:r>
           </a:p>
         </p:txBody>
@@ -15992,13 +20894,6 @@
           <a:bodyPr/>
           <a:lstStyle/>
           <a:p>
-            <a:pPr lvl="1"/>
-            <a:r>
-              <a:rPr lang="es-ES" sz="2400" dirty="0"/>
-              <a:t>El sistema deberá contar con un manual de uso.</a:t>
-            </a:r>
-          </a:p>
-          <a:p>
             <a:pPr marL="457200" lvl="1" indent="0">
               <a:buNone/>
             </a:pPr>
@@ -16042,6 +20937,94 @@
 </file>
 
 <file path=ppt/slides/slide7.xml><?xml version="1.0" encoding="utf-8"?>
+<p:sld xmlns:a="http://schemas.openxmlformats.org/drawingml/2006/main" xmlns:r="http://schemas.openxmlformats.org/officeDocument/2006/relationships" xmlns:p="http://schemas.openxmlformats.org/presentationml/2006/main">
+  <p:cSld>
+    <p:spTree>
+      <p:nvGrpSpPr>
+        <p:cNvPr id="1" name=""/>
+        <p:cNvGrpSpPr/>
+        <p:nvPr/>
+      </p:nvGrpSpPr>
+      <p:grpSpPr>
+        <a:xfrm>
+          <a:off x="0" y="0"/>
+          <a:ext cx="0" cy="0"/>
+          <a:chOff x="0" y="0"/>
+          <a:chExt cx="0" cy="0"/>
+        </a:xfrm>
+      </p:grpSpPr>
+      <p:sp>
+        <p:nvSpPr>
+          <p:cNvPr id="2" name="Título 1">
+            <a:extLst>
+              <a:ext uri="{FF2B5EF4-FFF2-40B4-BE49-F238E27FC236}">
+                <a16:creationId xmlns:a16="http://schemas.microsoft.com/office/drawing/2014/main" id="{767ACF18-FCCE-4ADA-B75F-7CCB112B5DA5}"/>
+              </a:ext>
+            </a:extLst>
+          </p:cNvPr>
+          <p:cNvSpPr>
+            <a:spLocks noGrp="1"/>
+          </p:cNvSpPr>
+          <p:nvPr>
+            <p:ph type="title"/>
+          </p:nvPr>
+        </p:nvSpPr>
+        <p:spPr/>
+        <p:txBody>
+          <a:bodyPr/>
+          <a:lstStyle/>
+          <a:p>
+            <a:r>
+              <a:rPr lang="es-ES" dirty="0"/>
+              <a:t>Diagrama casos de uso</a:t>
+            </a:r>
+            <a:endParaRPr lang="es-CL" dirty="0"/>
+          </a:p>
+        </p:txBody>
+      </p:sp>
+      <p:pic>
+        <p:nvPicPr>
+          <p:cNvPr id="5" name="Marcador de contenido 4" descr="Imagen que contiene texto, mapa&#10;&#10;Descripción generada con confianza muy alta">
+            <a:extLst>
+              <a:ext uri="{FF2B5EF4-FFF2-40B4-BE49-F238E27FC236}">
+                <a16:creationId xmlns:a16="http://schemas.microsoft.com/office/drawing/2014/main" id="{5480D33E-B72A-40D0-A3BE-DB001131CB2B}"/>
+              </a:ext>
+            </a:extLst>
+          </p:cNvPr>
+          <p:cNvPicPr>
+            <a:picLocks noGrp="1" noChangeAspect="1"/>
+          </p:cNvPicPr>
+          <p:nvPr>
+            <p:ph idx="1"/>
+          </p:nvPr>
+        </p:nvPicPr>
+        <p:blipFill>
+          <a:blip r:embed="rId2"/>
+          <a:stretch>
+            <a:fillRect/>
+          </a:stretch>
+        </p:blipFill>
+        <p:spPr>
+          <a:xfrm>
+            <a:off x="2367185" y="1623701"/>
+            <a:ext cx="6876565" cy="4962258"/>
+          </a:xfrm>
+        </p:spPr>
+      </p:pic>
+    </p:spTree>
+    <p:extLst>
+      <p:ext uri="{BB962C8B-B14F-4D97-AF65-F5344CB8AC3E}">
+        <p14:creationId xmlns:p14="http://schemas.microsoft.com/office/powerpoint/2010/main" val="2491185494"/>
+      </p:ext>
+    </p:extLst>
+  </p:cSld>
+  <p:clrMapOvr>
+    <a:masterClrMapping/>
+  </p:clrMapOvr>
+</p:sld>
+</file>
+
+<file path=ppt/slides/slide8.xml><?xml version="1.0" encoding="utf-8"?>
 <p:sld xmlns:a="http://schemas.openxmlformats.org/drawingml/2006/main" xmlns:r="http://schemas.openxmlformats.org/officeDocument/2006/relationships" xmlns:p="http://schemas.openxmlformats.org/presentationml/2006/main">
   <p:cSld>
     <p:spTree>
@@ -16116,99 +21099,43 @@
           <a:p>
             <a:r>
               <a:rPr lang="es-CL" dirty="0"/>
-              <a:t>Utilizando </a:t>
-            </a:r>
-            <a:r>
-              <a:rPr lang="es-CL" dirty="0" err="1"/>
-              <a:t>Enterprice</a:t>
-            </a:r>
-            <a:r>
-              <a:rPr lang="es-CL" dirty="0"/>
-              <a:t> </a:t>
-            </a:r>
-            <a:r>
-              <a:rPr lang="es-CL" dirty="0" err="1"/>
-              <a:t>Architech</a:t>
-            </a:r>
-            <a:r>
-              <a:rPr lang="es-CL" dirty="0"/>
-              <a:t>, calculamos el esfuerzo de horas de trabajo y el costo de la aplicación mediante actores y casos asociados  </a:t>
+              <a:t>Utilizando Enterprise Architect, calculamos el esfuerzo de horas de trabajo y el costo de la aplicación, mediante actores y puntos de caso de uso. </a:t>
             </a:r>
           </a:p>
           <a:p>
             <a:r>
               <a:rPr lang="es-CL" dirty="0"/>
-              <a:t>Horas de trabajo :520 </a:t>
-            </a:r>
-            <a:r>
-              <a:rPr lang="es-CL" dirty="0" err="1"/>
-              <a:t>hrs</a:t>
-            </a:r>
-            <a:r>
-              <a:rPr lang="es-CL" dirty="0"/>
-              <a:t> en Total</a:t>
+              <a:t>Horas de trabajo : 520 Hrs en Total</a:t>
             </a:r>
           </a:p>
           <a:p>
             <a:r>
               <a:rPr lang="es-CL" dirty="0"/>
-              <a:t>173 </a:t>
-            </a:r>
-            <a:r>
-              <a:rPr lang="es-CL" dirty="0" err="1"/>
-              <a:t>hrs</a:t>
-            </a:r>
-            <a:r>
-              <a:rPr lang="es-CL" dirty="0"/>
-              <a:t> mensuales</a:t>
+              <a:t>173 Hrs mensuales</a:t>
             </a:r>
           </a:p>
           <a:p>
             <a:r>
               <a:rPr lang="es-CL" dirty="0"/>
-              <a:t>43 </a:t>
-            </a:r>
-            <a:r>
-              <a:rPr lang="es-CL" dirty="0" err="1"/>
-              <a:t>hrs</a:t>
-            </a:r>
-            <a:r>
-              <a:rPr lang="es-CL" dirty="0"/>
-              <a:t> Semanales</a:t>
+              <a:t>43 Hrs Semanales</a:t>
             </a:r>
           </a:p>
           <a:p>
             <a:r>
               <a:rPr lang="es-CL" dirty="0"/>
-              <a:t>6 </a:t>
-            </a:r>
-            <a:r>
-              <a:rPr lang="es-CL" dirty="0" err="1"/>
-              <a:t>hrs</a:t>
-            </a:r>
-            <a:r>
-              <a:rPr lang="es-CL" dirty="0"/>
-              <a:t> diarias </a:t>
+              <a:t>6 Hrs diarias </a:t>
             </a:r>
           </a:p>
           <a:p>
             <a:r>
               <a:rPr lang="es-CL" dirty="0"/>
-              <a:t>3 </a:t>
-            </a:r>
-            <a:r>
-              <a:rPr lang="es-CL" dirty="0" err="1"/>
-              <a:t>hrs</a:t>
-            </a:r>
-            <a:r>
-              <a:rPr lang="es-CL" dirty="0"/>
-              <a:t> PP diarias</a:t>
+              <a:t>3 Hrs PP diarias</a:t>
             </a:r>
           </a:p>
           <a:p>
             <a:r>
               <a:rPr lang="es-CL" dirty="0"/>
-              <a:t>Costo (3000 la hora de programación): 1.560.000 CLP</a:t>
+              <a:t>Costo (3000 CLP la hora de programación) ≈ 1.560.000 CLP</a:t>
             </a:r>
           </a:p>
           <a:p>
@@ -16229,7 +21156,7 @@
 </p:sld>
 </file>
 
-<file path=ppt/slides/slide8.xml><?xml version="1.0" encoding="utf-8"?>
+<file path=ppt/slides/slide9.xml><?xml version="1.0" encoding="utf-8"?>
 <p:sld xmlns:a="http://schemas.openxmlformats.org/drawingml/2006/main" xmlns:r="http://schemas.openxmlformats.org/officeDocument/2006/relationships" xmlns:p="http://schemas.openxmlformats.org/presentationml/2006/main">
   <p:cSld>
     <p:spTree>
@@ -16336,15 +21263,7 @@
             </a:pPr>
             <a:r>
               <a:rPr lang="es-CL" dirty="0"/>
-              <a:t>	- Dentro de sus características fundamentales 	tenemos programación en parejas, Simplicidad 	en el código, refactorización del código, </a:t>
-            </a:r>
-            <a:r>
-              <a:rPr lang="es-CL" dirty="0" err="1"/>
-              <a:t>etc</a:t>
-            </a:r>
-            <a:r>
-              <a:rPr lang="es-CL" dirty="0"/>
-              <a:t>…</a:t>
+              <a:t>	- Dentro de sus características fundamentales 	tenemos programación en parejas, Simplicidad 	en el código, refactorización del código, etc...</a:t>
             </a:r>
             <a:endParaRPr lang="es-ES" sz="2400" dirty="0"/>
           </a:p>
@@ -16387,281 +21306,6 @@
     <p:extLst>
       <p:ext uri="{BB962C8B-B14F-4D97-AF65-F5344CB8AC3E}">
         <p14:creationId xmlns:p14="http://schemas.microsoft.com/office/powerpoint/2010/main" val="82861391"/>
-      </p:ext>
-    </p:extLst>
-  </p:cSld>
-  <p:clrMapOvr>
-    <a:masterClrMapping/>
-  </p:clrMapOvr>
-</p:sld>
-</file>
-
-<file path=ppt/slides/slide9.xml><?xml version="1.0" encoding="utf-8"?>
-<p:sld xmlns:a="http://schemas.openxmlformats.org/drawingml/2006/main" xmlns:r="http://schemas.openxmlformats.org/officeDocument/2006/relationships" xmlns:p="http://schemas.openxmlformats.org/presentationml/2006/main">
-  <p:cSld>
-    <p:spTree>
-      <p:nvGrpSpPr>
-        <p:cNvPr id="1" name=""/>
-        <p:cNvGrpSpPr/>
-        <p:nvPr/>
-      </p:nvGrpSpPr>
-      <p:grpSpPr>
-        <a:xfrm>
-          <a:off x="0" y="0"/>
-          <a:ext cx="0" cy="0"/>
-          <a:chOff x="0" y="0"/>
-          <a:chExt cx="0" cy="0"/>
-        </a:xfrm>
-      </p:grpSpPr>
-      <p:sp>
-        <p:nvSpPr>
-          <p:cNvPr id="2" name="Título 1">
-            <a:extLst>
-              <a:ext uri="{FF2B5EF4-FFF2-40B4-BE49-F238E27FC236}">
-                <a16:creationId xmlns:a16="http://schemas.microsoft.com/office/drawing/2014/main" id="{1EF17776-1159-494A-85D8-00D19F7DACD2}"/>
-              </a:ext>
-            </a:extLst>
-          </p:cNvPr>
-          <p:cNvSpPr>
-            <a:spLocks noGrp="1"/>
-          </p:cNvSpPr>
-          <p:nvPr>
-            <p:ph type="title"/>
-          </p:nvPr>
-        </p:nvSpPr>
-        <p:spPr/>
-        <p:txBody>
-          <a:bodyPr/>
-          <a:lstStyle/>
-          <a:p>
-            <a:r>
-              <a:rPr lang="es-ES" dirty="0"/>
-              <a:t>Arquitectura y metodología ( especificar cada una) </a:t>
-            </a:r>
-            <a:endParaRPr lang="es-CL" dirty="0"/>
-          </a:p>
-        </p:txBody>
-      </p:sp>
-      <p:sp>
-        <p:nvSpPr>
-          <p:cNvPr id="3" name="Marcador de contenido 2">
-            <a:extLst>
-              <a:ext uri="{FF2B5EF4-FFF2-40B4-BE49-F238E27FC236}">
-                <a16:creationId xmlns:a16="http://schemas.microsoft.com/office/drawing/2014/main" id="{92B66465-FA16-460D-A698-86037B55B671}"/>
-              </a:ext>
-            </a:extLst>
-          </p:cNvPr>
-          <p:cNvSpPr>
-            <a:spLocks noGrp="1"/>
-          </p:cNvSpPr>
-          <p:nvPr>
-            <p:ph idx="1"/>
-          </p:nvPr>
-        </p:nvSpPr>
-        <p:spPr>
-          <a:xfrm>
-            <a:off x="1141412" y="1908314"/>
-            <a:ext cx="9905999" cy="4770782"/>
-          </a:xfrm>
-        </p:spPr>
-        <p:txBody>
-          <a:bodyPr>
-            <a:normAutofit/>
-          </a:bodyPr>
-          <a:lstStyle/>
-          <a:p>
-            <a:r>
-              <a:rPr lang="es-ES" dirty="0"/>
-              <a:t>Angular 4	   </a:t>
-            </a:r>
-            <a:r>
-              <a:rPr lang="es-ES" dirty="0">
-                <a:sym typeface="Wingdings" panose="05000000000000000000" pitchFamily="2" charset="2"/>
-              </a:rPr>
-              <a:t></a:t>
-            </a:r>
-          </a:p>
-          <a:p>
-            <a:endParaRPr lang="es-ES" dirty="0"/>
-          </a:p>
-          <a:p>
-            <a:r>
-              <a:rPr lang="es-ES" dirty="0" err="1"/>
-              <a:t>Nodejs</a:t>
-            </a:r>
-            <a:r>
-              <a:rPr lang="es-ES" dirty="0"/>
-              <a:t>            </a:t>
-            </a:r>
-            <a:r>
-              <a:rPr lang="es-ES" dirty="0">
-                <a:sym typeface="Wingdings" panose="05000000000000000000" pitchFamily="2" charset="2"/>
-              </a:rPr>
-              <a:t> </a:t>
-            </a:r>
-            <a:r>
-              <a:rPr lang="es-CL" dirty="0">
-                <a:sym typeface="Wingdings" panose="05000000000000000000" pitchFamily="2" charset="2"/>
-              </a:rPr>
-              <a:t>Es una librería y entorno de ejecución de E/S dirigida por       		        eventos y  se ejecuta sobre el  intérprete de JavaScript</a:t>
-            </a:r>
-            <a:endParaRPr lang="es-ES" dirty="0"/>
-          </a:p>
-          <a:p>
-            <a:r>
-              <a:rPr lang="es-ES" dirty="0"/>
-              <a:t>MongoDB        </a:t>
-            </a:r>
-            <a:r>
-              <a:rPr lang="es-ES" dirty="0">
-                <a:sym typeface="Wingdings" panose="05000000000000000000" pitchFamily="2" charset="2"/>
-              </a:rPr>
-              <a:t> Es una</a:t>
-            </a:r>
-            <a:r>
-              <a:rPr lang="es-CL" dirty="0">
-                <a:sym typeface="Wingdings" panose="05000000000000000000" pitchFamily="2" charset="2"/>
-              </a:rPr>
-              <a:t> base de datos NoSQL orientado a 				        documentos, desarrollado bajo el concepto de código 			         abierto.</a:t>
-            </a:r>
-          </a:p>
-          <a:p>
-            <a:r>
-              <a:rPr lang="es-ES" dirty="0" err="1">
-                <a:sym typeface="Wingdings" panose="05000000000000000000" pitchFamily="2" charset="2"/>
-              </a:rPr>
-              <a:t>Coureui</a:t>
-            </a:r>
-            <a:r>
-              <a:rPr lang="es-ES" dirty="0">
-                <a:sym typeface="Wingdings" panose="05000000000000000000" pitchFamily="2" charset="2"/>
-              </a:rPr>
-              <a:t>            Facilita planillas de administración de </a:t>
-            </a:r>
-            <a:r>
-              <a:rPr lang="es-ES" altLang="es-CL" dirty="0">
-                <a:latin typeface="inherit"/>
-              </a:rPr>
-              <a:t>Bootstrap</a:t>
-            </a:r>
-            <a:r>
-              <a:rPr lang="es-ES" dirty="0">
-                <a:sym typeface="Wingdings" panose="05000000000000000000" pitchFamily="2" charset="2"/>
-              </a:rPr>
-              <a:t> gratis</a:t>
-            </a:r>
-            <a:endParaRPr lang="es-ES" dirty="0"/>
-          </a:p>
-          <a:p>
-            <a:endParaRPr lang="es-CL" dirty="0"/>
-          </a:p>
-        </p:txBody>
-      </p:sp>
-      <p:sp>
-        <p:nvSpPr>
-          <p:cNvPr id="4" name="Rectangle 1">
-            <a:extLst>
-              <a:ext uri="{FF2B5EF4-FFF2-40B4-BE49-F238E27FC236}">
-                <a16:creationId xmlns:a16="http://schemas.microsoft.com/office/drawing/2014/main" id="{5E2D13C8-5C3C-4E5F-B9E4-33A843F54D33}"/>
-              </a:ext>
-            </a:extLst>
-          </p:cNvPr>
-          <p:cNvSpPr>
-            <a:spLocks noChangeArrowheads="1"/>
-          </p:cNvSpPr>
-          <p:nvPr/>
-        </p:nvSpPr>
-        <p:spPr bwMode="auto">
-          <a:xfrm>
-            <a:off x="0" y="143961"/>
-            <a:ext cx="38472" cy="169277"/>
-          </a:xfrm>
-          <a:prstGeom prst="rect">
-            <a:avLst/>
-          </a:prstGeom>
-          <a:solidFill>
-            <a:srgbClr val="FFFFFF"/>
-          </a:solidFill>
-          <a:ln>
-            <a:noFill/>
-          </a:ln>
-          <a:effectLst/>
-          <a:extLst>
-            <a:ext uri="{91240B29-F687-4F45-9708-019B960494DF}">
-              <a14:hiddenLine xmlns:a14="http://schemas.microsoft.com/office/drawing/2010/main" w="9525">
-                <a:solidFill>
-                  <a:schemeClr val="tx1"/>
-                </a:solidFill>
-                <a:miter lim="800000"/>
-                <a:headEnd/>
-                <a:tailEnd/>
-              </a14:hiddenLine>
-            </a:ext>
-            <a:ext uri="{AF507438-7753-43E0-B8FC-AC1667EBCBE1}">
-              <a14:hiddenEffects xmlns:a14="http://schemas.microsoft.com/office/drawing/2010/main">
-                <a:effectLst>
-                  <a:outerShdw dist="35921" dir="2700000" algn="ctr" rotWithShape="0">
-                    <a:schemeClr val="bg2"/>
-                  </a:outerShdw>
-                </a:effectLst>
-              </a14:hiddenEffects>
-            </a:ext>
-          </a:extLst>
-        </p:spPr>
-        <p:txBody>
-          <a:bodyPr vert="horz" wrap="none" lIns="0" tIns="0" rIns="0" bIns="0" numCol="1" anchor="ctr" anchorCtr="0" compatLnSpc="1">
-            <a:prstTxWarp prst="textNoShape">
-              <a:avLst/>
-            </a:prstTxWarp>
-            <a:spAutoFit/>
-          </a:bodyPr>
-          <a:lstStyle/>
-          <a:p>
-            <a:pPr marL="0" marR="0" lvl="0" indent="0" algn="l" defTabSz="914400" rtl="0" eaLnBrk="0" fontAlgn="base" latinLnBrk="0" hangingPunct="0">
-              <a:lnSpc>
-                <a:spcPct val="100000"/>
-              </a:lnSpc>
-              <a:spcBef>
-                <a:spcPct val="0"/>
-              </a:spcBef>
-              <a:spcAft>
-                <a:spcPct val="0"/>
-              </a:spcAft>
-              <a:buClrTx/>
-              <a:buSzTx/>
-              <a:buFontTx/>
-              <a:buNone/>
-              <a:tabLst/>
-            </a:pPr>
-            <a:r>
-              <a:rPr kumimoji="0" lang="es-ES" altLang="es-CL" sz="1100" b="0" i="0" u="none" strike="noStrike" cap="none" normalizeH="0" baseline="0" dirty="0">
-                <a:ln>
-                  <a:noFill/>
-                </a:ln>
-                <a:solidFill>
-                  <a:schemeClr val="tx1"/>
-                </a:solidFill>
-                <a:effectLst/>
-              </a:rPr>
-              <a:t> </a:t>
-            </a:r>
-            <a:endParaRPr kumimoji="0" lang="es-ES" altLang="es-CL" sz="1800" b="0" i="0" u="none" strike="noStrike" cap="none" normalizeH="0" baseline="0" dirty="0">
-              <a:ln>
-                <a:noFill/>
-              </a:ln>
-              <a:solidFill>
-                <a:schemeClr val="tx1"/>
-              </a:solidFill>
-              <a:effectLst/>
-              <a:latin typeface="Arial" panose="020B0604020202020204" pitchFamily="34" charset="0"/>
-            </a:endParaRPr>
-          </a:p>
-        </p:txBody>
-      </p:sp>
-    </p:spTree>
-    <p:extLst>
-      <p:ext uri="{BB962C8B-B14F-4D97-AF65-F5344CB8AC3E}">
-        <p14:creationId xmlns:p14="http://schemas.microsoft.com/office/powerpoint/2010/main" val="3715753220"/>
       </p:ext>
     </p:extLst>
   </p:cSld>
